--- a/saxon.pptx
+++ b/saxon.pptx
@@ -4216,7 +4216,7 @@
         <p:spPr>
           <a:xfrm>
             <a:off x="503548" y="1628800"/>
-            <a:ext cx="8136904" cy="2185214"/>
+            <a:ext cx="8136904" cy="2739211"/>
           </a:xfrm>
           <a:prstGeom prst="rect">
             <a:avLst/>
@@ -4239,73 +4239,123 @@
           </a:p>
           <a:p>
             <a:r>
-              <a:rPr kumimoji="1" lang="ja-JP" altLang="en-US"/>
-              <a:t>・ 最終的な層の状態に差</a:t>
-            </a:r>
+              <a:rPr kumimoji="1" lang="ja-JP" altLang="en-US" dirty="0" smtClean="0"/>
+              <a:t>・ </a:t>
+            </a:r>
+            <a:r>
+              <a:rPr kumimoji="1" lang="en-US" altLang="ja-JP" dirty="0" smtClean="0"/>
+              <a:t>case1</a:t>
+            </a:r>
+            <a:r>
+              <a:rPr kumimoji="1" lang="ja-JP" altLang="en-US" dirty="0" smtClean="0"/>
+              <a:t>では、最下層</a:t>
+            </a:r>
+            <a:r>
+              <a:rPr kumimoji="1" lang="en-US" altLang="ja-JP" dirty="0" smtClean="0"/>
+              <a:t>(</a:t>
+            </a:r>
+            <a:r>
+              <a:rPr kumimoji="1" lang="ja-JP" altLang="en-US" dirty="0" smtClean="0"/>
+              <a:t>赤</a:t>
+            </a:r>
+            <a:r>
+              <a:rPr kumimoji="1" lang="en-US" altLang="ja-JP" dirty="0" smtClean="0"/>
+              <a:t>)</a:t>
+            </a:r>
+            <a:r>
+              <a:rPr kumimoji="1" lang="ja-JP" altLang="en-US" dirty="0" smtClean="0"/>
+              <a:t>が一段上の層</a:t>
+            </a:r>
+            <a:r>
+              <a:rPr kumimoji="1" lang="en-US" altLang="ja-JP" dirty="0" smtClean="0"/>
+              <a:t>(</a:t>
+            </a:r>
+            <a:r>
+              <a:rPr kumimoji="1" lang="ja-JP" altLang="en-US" dirty="0" smtClean="0"/>
+              <a:t>青</a:t>
+            </a:r>
+            <a:r>
+              <a:rPr kumimoji="1" lang="en-US" altLang="ja-JP" dirty="0" smtClean="0"/>
+              <a:t>)</a:t>
+            </a:r>
+            <a:r>
+              <a:rPr kumimoji="1" lang="ja-JP" altLang="en-US" dirty="0" smtClean="0"/>
+              <a:t>と混ざっている</a:t>
+            </a:r>
+            <a:endParaRPr kumimoji="1" lang="en-US" altLang="ja-JP" dirty="0" smtClean="0"/>
+          </a:p>
+          <a:p>
+            <a:endParaRPr kumimoji="1" lang="en-US" altLang="ja-JP" dirty="0"/>
+          </a:p>
+          <a:p>
+            <a:r>
+              <a:rPr kumimoji="1" lang="ja-JP" altLang="en-US" dirty="0" smtClean="0"/>
+              <a:t>・ </a:t>
+            </a:r>
+            <a:r>
+              <a:rPr kumimoji="1" lang="en-US" altLang="ja-JP" dirty="0" smtClean="0"/>
+              <a:t>case2</a:t>
+            </a:r>
+            <a:r>
+              <a:rPr kumimoji="1" lang="ja-JP" altLang="en-US" dirty="0" smtClean="0"/>
+              <a:t>と</a:t>
+            </a:r>
+            <a:r>
+              <a:rPr kumimoji="1" lang="en-US" altLang="ja-JP" dirty="0" smtClean="0"/>
+              <a:t>case3</a:t>
+            </a:r>
+            <a:r>
+              <a:rPr kumimoji="1" lang="ja-JP" altLang="en-US" dirty="0" smtClean="0"/>
+              <a:t>は最終的な層の形状が酷似</a:t>
+            </a:r>
+            <a:endParaRPr kumimoji="1" lang="en-US" altLang="ja-JP" dirty="0" smtClean="0"/>
+          </a:p>
+          <a:p>
+            <a:endParaRPr kumimoji="1" lang="en-US" altLang="ja-JP" dirty="0"/>
+          </a:p>
+          <a:p>
             <a:r>
               <a:rPr kumimoji="1" lang="ja-JP" altLang="en-US" dirty="0"/>
-              <a:t>がある</a:t>
+              <a:t>・</a:t>
+            </a:r>
+            <a:r>
+              <a:rPr kumimoji="1" lang="en-US" altLang="ja-JP" dirty="0"/>
+              <a:t> </a:t>
+            </a:r>
+            <a:r>
+              <a:rPr kumimoji="1" lang="en-US" altLang="ja-JP" dirty="0" smtClean="0"/>
+              <a:t>case2</a:t>
+            </a:r>
+            <a:r>
+              <a:rPr kumimoji="1" lang="ja-JP" altLang="en-US" dirty="0" smtClean="0"/>
+              <a:t>と比べて</a:t>
+            </a:r>
+            <a:r>
+              <a:rPr kumimoji="1" lang="en-US" altLang="ja-JP" dirty="0" smtClean="0"/>
+              <a:t>case3</a:t>
+            </a:r>
+            <a:r>
+              <a:rPr kumimoji="1" lang="ja-JP" altLang="en-US" dirty="0" smtClean="0"/>
+              <a:t>は発生する気泡領域が大きい</a:t>
+            </a:r>
+            <a:endParaRPr kumimoji="1" lang="en-US" altLang="ja-JP" dirty="0" smtClean="0"/>
+          </a:p>
+          <a:p>
+            <a:r>
+              <a:rPr kumimoji="1" lang="ja-JP" altLang="en-US" dirty="0" smtClean="0"/>
+              <a:t>　</a:t>
+            </a:r>
+            <a:r>
+              <a:rPr kumimoji="1" lang="en-US" altLang="ja-JP" dirty="0" smtClean="0"/>
+              <a:t>-&gt; </a:t>
+            </a:r>
+            <a:r>
+              <a:rPr kumimoji="1" lang="ja-JP" altLang="en-US" dirty="0" smtClean="0"/>
+              <a:t>それに伴ったスプラッシュにより、上部の層は乱れやすい</a:t>
             </a:r>
             <a:endParaRPr kumimoji="1" lang="en-US" altLang="ja-JP" dirty="0"/>
           </a:p>
           <a:p>
-            <a:r>
-              <a:rPr kumimoji="1" lang="ja-JP" altLang="en-US" dirty="0"/>
-              <a:t>　・</a:t>
-            </a:r>
-            <a:r>
-              <a:rPr kumimoji="1" lang="en-US" altLang="ja-JP" dirty="0"/>
-              <a:t> 100 [mm/s] </a:t>
-            </a:r>
-            <a:r>
-              <a:rPr kumimoji="1" lang="ja-JP" altLang="en-US" dirty="0"/>
-              <a:t>だと層が崩れる</a:t>
-            </a:r>
-            <a:endParaRPr kumimoji="1" lang="en-US" altLang="ja-JP" dirty="0"/>
-          </a:p>
-          <a:p>
-            <a:r>
-              <a:rPr kumimoji="1" lang="ja-JP" altLang="en-US" dirty="0"/>
-              <a:t>　・ </a:t>
-            </a:r>
-            <a:r>
-              <a:rPr kumimoji="1" lang="en-US" altLang="ja-JP" dirty="0"/>
-              <a:t>200,300 [mm/s] </a:t>
-            </a:r>
-            <a:r>
-              <a:rPr kumimoji="1" lang="ja-JP" altLang="en-US" dirty="0"/>
-              <a:t>だと層</a:t>
-            </a:r>
-            <a:r>
-              <a:rPr kumimoji="1" lang="ja-JP" altLang="en-US"/>
-              <a:t>が保たれる</a:t>
-            </a:r>
-            <a:endParaRPr kumimoji="1" lang="en-US" altLang="ja-JP" dirty="0"/>
-          </a:p>
-          <a:p>
-            <a:endParaRPr kumimoji="1" lang="en-US" altLang="ja-JP" dirty="0"/>
-          </a:p>
-          <a:p>
-            <a:r>
-              <a:rPr kumimoji="1" lang="ja-JP" altLang="en-US"/>
-              <a:t>・</a:t>
-            </a:r>
-            <a:r>
-              <a:rPr kumimoji="1" lang="en-US" altLang="ja-JP" dirty="0"/>
-              <a:t> pestle</a:t>
-            </a:r>
-            <a:r>
-              <a:rPr kumimoji="1" lang="ja-JP" altLang="en-US"/>
-              <a:t>と粒子の落下速度の差により</a:t>
-            </a:r>
-            <a:r>
-              <a:rPr kumimoji="1" lang="en-US" altLang="ja-JP" dirty="0"/>
-              <a:t>,</a:t>
-            </a:r>
-            <a:r>
-              <a:rPr kumimoji="1" lang="ja-JP" altLang="en-US"/>
-              <a:t>壁面周りに隙間ができている</a:t>
-            </a:r>
             <a:endParaRPr kumimoji="1" lang="en-US" altLang="ja-JP" dirty="0"/>
           </a:p>
         </p:txBody>
@@ -8328,7 +8378,7 @@
               <a:t> </a:t>
             </a:r>
             <a:r>
-              <a:rPr lang="en-US" altLang="ko-KR" smtClean="0"/>
+              <a:rPr lang="en-US" altLang="ko-KR" dirty="0" smtClean="0"/>
               <a:t>Compared parameter</a:t>
             </a:r>
             <a:endParaRPr lang="ko-KR" altLang="en-US" dirty="0"/>
@@ -9198,98 +9248,6 @@
       </p:sp>
       <p:sp>
         <p:nvSpPr>
-          <p:cNvPr id="10" name="テキスト ボックス 9"/>
-          <p:cNvSpPr txBox="1"/>
-          <p:nvPr/>
-        </p:nvSpPr>
-        <p:spPr>
-          <a:xfrm>
-            <a:off x="971600" y="5952148"/>
-            <a:ext cx="2802666" cy="369332"/>
-          </a:xfrm>
-          <a:prstGeom prst="rect">
-            <a:avLst/>
-          </a:prstGeom>
-          <a:noFill/>
-        </p:spPr>
-        <p:txBody>
-          <a:bodyPr wrap="square" rtlCol="0">
-            <a:spAutoFit/>
-          </a:bodyPr>
-          <a:lstStyle/>
-          <a:p>
-            <a:pPr algn="ctr"/>
-            <a:r>
-              <a:rPr kumimoji="1" lang="en-US" altLang="ja-JP" dirty="0"/>
-              <a:t>100 [mm/s]</a:t>
-            </a:r>
-          </a:p>
-        </p:txBody>
-      </p:sp>
-      <p:sp>
-        <p:nvSpPr>
-          <p:cNvPr id="13" name="テキスト ボックス 12"/>
-          <p:cNvSpPr txBox="1"/>
-          <p:nvPr/>
-        </p:nvSpPr>
-        <p:spPr>
-          <a:xfrm>
-            <a:off x="3275856" y="5952148"/>
-            <a:ext cx="2802666" cy="369332"/>
-          </a:xfrm>
-          <a:prstGeom prst="rect">
-            <a:avLst/>
-          </a:prstGeom>
-          <a:noFill/>
-        </p:spPr>
-        <p:txBody>
-          <a:bodyPr wrap="square" rtlCol="0">
-            <a:spAutoFit/>
-          </a:bodyPr>
-          <a:lstStyle/>
-          <a:p>
-            <a:pPr algn="ctr"/>
-            <a:r>
-              <a:rPr kumimoji="1" lang="en-US" altLang="ja-JP" dirty="0"/>
-              <a:t>200 [mm/s]</a:t>
-            </a:r>
-            <a:endParaRPr kumimoji="1" lang="ja-JP" altLang="en-US" dirty="0"/>
-          </a:p>
-        </p:txBody>
-      </p:sp>
-      <p:sp>
-        <p:nvSpPr>
-          <p:cNvPr id="14" name="テキスト ボックス 13"/>
-          <p:cNvSpPr txBox="1"/>
-          <p:nvPr/>
-        </p:nvSpPr>
-        <p:spPr>
-          <a:xfrm>
-            <a:off x="5508104" y="5952148"/>
-            <a:ext cx="2802666" cy="369332"/>
-          </a:xfrm>
-          <a:prstGeom prst="rect">
-            <a:avLst/>
-          </a:prstGeom>
-          <a:noFill/>
-        </p:spPr>
-        <p:txBody>
-          <a:bodyPr wrap="square" rtlCol="0">
-            <a:spAutoFit/>
-          </a:bodyPr>
-          <a:lstStyle/>
-          <a:p>
-            <a:pPr algn="ctr"/>
-            <a:r>
-              <a:rPr kumimoji="1" lang="en-US" altLang="ja-JP" dirty="0"/>
-              <a:t>300 [mm/s]</a:t>
-            </a:r>
-            <a:endParaRPr kumimoji="1" lang="ja-JP" altLang="en-US" dirty="0"/>
-          </a:p>
-        </p:txBody>
-      </p:sp>
-      <p:sp>
-        <p:nvSpPr>
           <p:cNvPr id="8" name="テキスト ボックス 7">
             <a:extLst>
               <a:ext uri="{FF2B5EF4-FFF2-40B4-BE49-F238E27FC236}">
@@ -9357,6 +9315,132 @@
           </a:prstGeom>
         </p:spPr>
       </p:pic>
+      <p:sp>
+        <p:nvSpPr>
+          <p:cNvPr id="11" name="テキスト ボックス 10"/>
+          <p:cNvSpPr txBox="1"/>
+          <p:nvPr/>
+        </p:nvSpPr>
+        <p:spPr>
+          <a:xfrm>
+            <a:off x="971600" y="5952148"/>
+            <a:ext cx="2802666" cy="646331"/>
+          </a:xfrm>
+          <a:prstGeom prst="rect">
+            <a:avLst/>
+          </a:prstGeom>
+          <a:noFill/>
+        </p:spPr>
+        <p:txBody>
+          <a:bodyPr wrap="square" rtlCol="0">
+            <a:spAutoFit/>
+          </a:bodyPr>
+          <a:lstStyle/>
+          <a:p>
+            <a:pPr algn="ctr"/>
+            <a:r>
+              <a:rPr kumimoji="1" lang="en-US" altLang="ja-JP" dirty="0" smtClean="0"/>
+              <a:t>case1</a:t>
+            </a:r>
+          </a:p>
+          <a:p>
+            <a:pPr algn="ctr"/>
+            <a:r>
+              <a:rPr kumimoji="1" lang="en-US" altLang="ja-JP" dirty="0" smtClean="0"/>
+              <a:t>100 </a:t>
+            </a:r>
+            <a:r>
+              <a:rPr kumimoji="1" lang="en-US" altLang="ja-JP" dirty="0"/>
+              <a:t>[mm/s]</a:t>
+            </a:r>
+          </a:p>
+        </p:txBody>
+      </p:sp>
+      <p:sp>
+        <p:nvSpPr>
+          <p:cNvPr id="12" name="テキスト ボックス 11"/>
+          <p:cNvSpPr txBox="1"/>
+          <p:nvPr/>
+        </p:nvSpPr>
+        <p:spPr>
+          <a:xfrm>
+            <a:off x="3275856" y="5952148"/>
+            <a:ext cx="2802666" cy="646331"/>
+          </a:xfrm>
+          <a:prstGeom prst="rect">
+            <a:avLst/>
+          </a:prstGeom>
+          <a:noFill/>
+        </p:spPr>
+        <p:txBody>
+          <a:bodyPr wrap="square" rtlCol="0">
+            <a:spAutoFit/>
+          </a:bodyPr>
+          <a:lstStyle/>
+          <a:p>
+            <a:pPr algn="ctr"/>
+            <a:r>
+              <a:rPr kumimoji="1" lang="en-US" altLang="ja-JP" dirty="0" smtClean="0"/>
+              <a:t>case2</a:t>
+            </a:r>
+            <a:endParaRPr kumimoji="1" lang="en-US" altLang="ja-JP" dirty="0" smtClean="0"/>
+          </a:p>
+          <a:p>
+            <a:pPr algn="ctr"/>
+            <a:r>
+              <a:rPr kumimoji="1" lang="en-US" altLang="ja-JP" dirty="0" smtClean="0"/>
+              <a:t>200 </a:t>
+            </a:r>
+            <a:r>
+              <a:rPr kumimoji="1" lang="en-US" altLang="ja-JP" dirty="0"/>
+              <a:t>[mm/s]</a:t>
+            </a:r>
+            <a:endParaRPr kumimoji="1" lang="ja-JP" altLang="en-US" dirty="0"/>
+          </a:p>
+        </p:txBody>
+      </p:sp>
+      <p:sp>
+        <p:nvSpPr>
+          <p:cNvPr id="15" name="テキスト ボックス 14"/>
+          <p:cNvSpPr txBox="1"/>
+          <p:nvPr/>
+        </p:nvSpPr>
+        <p:spPr>
+          <a:xfrm>
+            <a:off x="5508104" y="5952148"/>
+            <a:ext cx="2802666" cy="646331"/>
+          </a:xfrm>
+          <a:prstGeom prst="rect">
+            <a:avLst/>
+          </a:prstGeom>
+          <a:noFill/>
+        </p:spPr>
+        <p:txBody>
+          <a:bodyPr wrap="square" rtlCol="0">
+            <a:spAutoFit/>
+          </a:bodyPr>
+          <a:lstStyle/>
+          <a:p>
+            <a:pPr algn="ctr"/>
+            <a:r>
+              <a:rPr kumimoji="1" lang="en-US" altLang="ja-JP" dirty="0" smtClean="0"/>
+              <a:t>case3</a:t>
+            </a:r>
+          </a:p>
+          <a:p>
+            <a:pPr algn="ctr"/>
+            <a:r>
+              <a:rPr kumimoji="1" lang="en-US" altLang="ja-JP" dirty="0" smtClean="0"/>
+              <a:t>300 </a:t>
+            </a:r>
+            <a:r>
+              <a:rPr kumimoji="1" lang="en-US" altLang="ja-JP" dirty="0"/>
+              <a:t>[mm/s]</a:t>
+            </a:r>
+            <a:endParaRPr kumimoji="1" lang="ja-JP" altLang="en-US" dirty="0"/>
+          </a:p>
+        </p:txBody>
+      </p:sp>
     </p:spTree>
     <p:extLst>
       <p:ext uri="{BB962C8B-B14F-4D97-AF65-F5344CB8AC3E}">

--- a/saxon.pptx
+++ b/saxon.pptx
@@ -4305,8 +4305,12 @@
               <a:t>case3</a:t>
             </a:r>
             <a:r>
+              <a:rPr kumimoji="1" lang="ja-JP" altLang="en-US" smtClean="0"/>
+              <a:t>では、それなりに層</a:t>
+            </a:r>
+            <a:r>
               <a:rPr kumimoji="1" lang="ja-JP" altLang="en-US" dirty="0" smtClean="0"/>
-              <a:t>は最終的な層の形状が酷似</a:t>
+              <a:t>を保ったまま落下</a:t>
             </a:r>
             <a:endParaRPr kumimoji="1" lang="en-US" altLang="ja-JP" dirty="0" smtClean="0"/>
           </a:p>
@@ -5144,8 +5148,8 @@
           </a:p>
         </p:txBody>
       </p:sp>
-      <mc:AlternateContent xmlns:mc="http://schemas.openxmlformats.org/markup-compatibility/2006" xmlns:a14="http://schemas.microsoft.com/office/drawing/2010/main">
-        <mc:Choice Requires="a14">
+      <mc:AlternateContent xmlns:mc="http://schemas.openxmlformats.org/markup-compatibility/2006">
+        <mc:Choice xmlns:a14="http://schemas.microsoft.com/office/drawing/2010/main" Requires="a14">
           <p:graphicFrame>
             <p:nvGraphicFramePr>
               <p:cNvPr id="9" name="表 8"/>
@@ -5155,7 +5159,7 @@
               <p:nvPr>
                 <p:extLst>
                   <p:ext uri="{D42A27DB-BD31-4B8C-83A1-F6EECF244321}">
-                    <p14:modId xmlns:p14="http://schemas.microsoft.com/office/powerpoint/2010/main" val="1058857540"/>
+                    <p14:modId xmlns:p14="http://schemas.microsoft.com/office/powerpoint/2010/main" val="1969672971"/>
                   </p:ext>
                 </p:extLst>
               </p:nvPr>
@@ -5785,10 +5789,10 @@
                             <a:t> Coefficient of </a:t>
                           </a:r>
                           <a:r>
-                            <a:rPr lang="en-US" altLang="ja-JP" sz="1100" u="none" strike="noStrike" dirty="0" err="1">
+                            <a:rPr lang="en-US" altLang="ja-JP" sz="1100" u="none" strike="noStrike" dirty="0" err="1" smtClean="0">
                               <a:effectLst/>
                             </a:rPr>
-                            <a:t>frieciton</a:t>
+                            <a:t>friciton</a:t>
                           </a:r>
                           <a:endParaRPr lang="en-US" altLang="ja-JP" sz="1100" u="none" strike="noStrike" dirty="0">
                             <a:effectLst/>
@@ -5851,7 +5855,7 @@
             </a:graphic>
           </p:graphicFrame>
         </mc:Choice>
-        <mc:Fallback xmlns="">
+        <mc:Fallback>
           <p:graphicFrame>
             <p:nvGraphicFramePr>
               <p:cNvPr id="9" name="表 8"/>
@@ -5861,7 +5865,7 @@
               <p:nvPr>
                 <p:extLst>
                   <p:ext uri="{D42A27DB-BD31-4B8C-83A1-F6EECF244321}">
-                    <p14:modId xmlns:p14="http://schemas.microsoft.com/office/powerpoint/2010/main" val="1058857540"/>
+                    <p14:modId xmlns:p14="http://schemas.microsoft.com/office/powerpoint/2010/main" val="1969672971"/>
                   </p:ext>
                 </p:extLst>
               </p:nvPr>
@@ -5877,8 +5881,20 @@
                     <a:tableStyleId>{073A0DAA-6AF3-43AB-8588-CEC1D06C72B9}</a:tableStyleId>
                   </a:tblPr>
                   <a:tblGrid>
-                    <a:gridCol w="3744416"/>
-                    <a:gridCol w="3744416"/>
+                    <a:gridCol w="3744416">
+                      <a:extLst>
+                        <a:ext uri="{9D8B030D-6E8A-4147-A177-3AD203B41FA5}">
+                          <a16:colId xmlns="" xmlns:a16="http://schemas.microsoft.com/office/drawing/2014/main" xmlns:a14="http://schemas.microsoft.com/office/drawing/2010/main" val="20000"/>
+                        </a:ext>
+                      </a:extLst>
+                    </a:gridCol>
+                    <a:gridCol w="3744416">
+                      <a:extLst>
+                        <a:ext uri="{9D8B030D-6E8A-4147-A177-3AD203B41FA5}">
+                          <a16:colId xmlns="" xmlns:a16="http://schemas.microsoft.com/office/drawing/2014/main" xmlns:a14="http://schemas.microsoft.com/office/drawing/2010/main" val="20001"/>
+                        </a:ext>
+                      </a:extLst>
+                    </a:gridCol>
                   </a:tblGrid>
                   <a:tr h="528996">
                     <a:tc gridSpan="2">
@@ -5919,6 +5935,11 @@
                       </a:txBody>
                       <a:tcPr/>
                     </a:tc>
+                    <a:extLst>
+                      <a:ext uri="{0D108BD9-81ED-4DB2-BD59-A6C34878D82A}">
+                        <a16:rowId xmlns="" xmlns:a16="http://schemas.microsoft.com/office/drawing/2014/main" xmlns:a14="http://schemas.microsoft.com/office/drawing/2010/main" val="10000"/>
+                      </a:ext>
+                    </a:extLst>
                   </a:tr>
                   <a:tr h="528996">
                     <a:tc>
@@ -5928,7 +5949,7 @@
                         <a:p>
                           <a:pPr algn="l" fontAlgn="ctr"/>
                           <a:r>
-                            <a:rPr lang="en-US" sz="1100" u="none" strike="noStrike" dirty="0" smtClean="0">
+                            <a:rPr lang="en-US" sz="1100" u="none" strike="noStrike" dirty="0">
                               <a:effectLst/>
                             </a:rPr>
                             <a:t> Viscosity</a:t>
@@ -5966,6 +5987,11 @@
                         </a:blipFill>
                       </a:tcPr>
                     </a:tc>
+                    <a:extLst>
+                      <a:ext uri="{0D108BD9-81ED-4DB2-BD59-A6C34878D82A}">
+                        <a16:rowId xmlns="" xmlns:a16="http://schemas.microsoft.com/office/drawing/2014/main" xmlns:a14="http://schemas.microsoft.com/office/drawing/2010/main" val="10001"/>
+                      </a:ext>
+                    </a:extLst>
                   </a:tr>
                   <a:tr h="528996">
                     <a:tc>
@@ -5975,7 +6001,7 @@
                         <a:p>
                           <a:pPr algn="l" fontAlgn="ctr"/>
                           <a:r>
-                            <a:rPr lang="en-US" sz="1100" u="none" strike="noStrike" dirty="0" smtClean="0">
+                            <a:rPr lang="en-US" sz="1100" u="none" strike="noStrike" dirty="0">
                               <a:effectLst/>
                             </a:rPr>
                             <a:t> Density</a:t>
@@ -6003,19 +6029,19 @@
                         <a:p>
                           <a:pPr algn="l" fontAlgn="ctr"/>
                           <a:r>
-                            <a:rPr lang="en-US" altLang="ja-JP" sz="1100" u="none" strike="noStrike" dirty="0" smtClean="0">
+                            <a:rPr lang="en-US" altLang="ja-JP" sz="1100" u="none" strike="noStrike" dirty="0">
                               <a:effectLst/>
                             </a:rPr>
                             <a:t> 1 [kg/m</a:t>
                           </a:r>
                           <a:r>
-                            <a:rPr lang="en-US" altLang="ja-JP" sz="1100" u="none" strike="noStrike" baseline="30000" dirty="0" smtClean="0">
+                            <a:rPr lang="en-US" altLang="ja-JP" sz="1100" u="none" strike="noStrike" baseline="30000" dirty="0">
                               <a:effectLst/>
                             </a:rPr>
                             <a:t>3</a:t>
                           </a:r>
                           <a:r>
-                            <a:rPr lang="en-US" altLang="ja-JP" sz="1100" u="none" strike="noStrike" baseline="0" dirty="0" smtClean="0">
+                            <a:rPr lang="en-US" altLang="ja-JP" sz="1100" u="none" strike="noStrike" baseline="0" dirty="0">
                               <a:effectLst/>
                             </a:rPr>
                             <a:t>]</a:t>
@@ -6036,6 +6062,11 @@
                         </a:solidFill>
                       </a:tcPr>
                     </a:tc>
+                    <a:extLst>
+                      <a:ext uri="{0D108BD9-81ED-4DB2-BD59-A6C34878D82A}">
+                        <a16:rowId xmlns="" xmlns:a16="http://schemas.microsoft.com/office/drawing/2014/main" xmlns:a14="http://schemas.microsoft.com/office/drawing/2010/main" val="10002"/>
+                      </a:ext>
+                    </a:extLst>
                   </a:tr>
                   <a:tr h="528996">
                     <a:tc gridSpan="2">
@@ -6045,7 +6076,7 @@
                         <a:p>
                           <a:pPr algn="ctr" fontAlgn="ctr"/>
                           <a:r>
-                            <a:rPr lang="en-US" altLang="ja-JP" sz="1100" b="1" u="none" strike="noStrike" dirty="0" smtClean="0">
+                            <a:rPr lang="en-US" altLang="ja-JP" sz="1100" b="1" u="none" strike="noStrike" dirty="0">
                               <a:effectLst/>
                             </a:rPr>
                             <a:t>Solid phase</a:t>
@@ -6084,6 +6115,11 @@
                       </a:txBody>
                       <a:tcPr marL="9525" marR="9525" marT="9525" marB="0" anchor="ctr"/>
                     </a:tc>
+                    <a:extLst>
+                      <a:ext uri="{0D108BD9-81ED-4DB2-BD59-A6C34878D82A}">
+                        <a16:rowId xmlns="" xmlns:a16="http://schemas.microsoft.com/office/drawing/2014/main" xmlns:a14="http://schemas.microsoft.com/office/drawing/2010/main" val="10003"/>
+                      </a:ext>
+                    </a:extLst>
                   </a:tr>
                   <a:tr h="528996">
                     <a:tc>
@@ -6093,7 +6129,7 @@
                         <a:p>
                           <a:pPr algn="l" fontAlgn="ctr"/>
                           <a:r>
-                            <a:rPr lang="en-US" sz="1100" u="none" strike="noStrike" dirty="0" smtClean="0">
+                            <a:rPr lang="en-US" sz="1100" u="none" strike="noStrike" dirty="0">
                               <a:effectLst/>
                             </a:rPr>
                             <a:t> Density</a:t>
@@ -6121,19 +6157,19 @@
                         <a:p>
                           <a:pPr algn="l" fontAlgn="ctr"/>
                           <a:r>
-                            <a:rPr lang="en-US" altLang="ja-JP" sz="1100" u="none" strike="noStrike" dirty="0" smtClean="0">
+                            <a:rPr lang="en-US" altLang="ja-JP" sz="1100" u="none" strike="noStrike" dirty="0">
                               <a:effectLst/>
                             </a:rPr>
                             <a:t> 1250 [kg/m</a:t>
                           </a:r>
                           <a:r>
-                            <a:rPr lang="en-US" altLang="ja-JP" sz="1100" u="none" strike="noStrike" baseline="30000" dirty="0" smtClean="0">
+                            <a:rPr lang="en-US" altLang="ja-JP" sz="1100" u="none" strike="noStrike" baseline="30000" dirty="0">
                               <a:effectLst/>
                             </a:rPr>
                             <a:t>3</a:t>
                           </a:r>
                           <a:r>
-                            <a:rPr lang="en-US" altLang="ja-JP" sz="1100" u="none" strike="noStrike" baseline="0" dirty="0" smtClean="0">
+                            <a:rPr lang="en-US" altLang="ja-JP" sz="1100" u="none" strike="noStrike" baseline="0" dirty="0">
                               <a:effectLst/>
                             </a:rPr>
                             <a:t>]</a:t>
@@ -6154,6 +6190,11 @@
                         </a:solidFill>
                       </a:tcPr>
                     </a:tc>
+                    <a:extLst>
+                      <a:ext uri="{0D108BD9-81ED-4DB2-BD59-A6C34878D82A}">
+                        <a16:rowId xmlns="" xmlns:a16="http://schemas.microsoft.com/office/drawing/2014/main" xmlns:a14="http://schemas.microsoft.com/office/drawing/2010/main" val="10004"/>
+                      </a:ext>
+                    </a:extLst>
                   </a:tr>
                   <a:tr h="533169">
                     <a:tc>
@@ -6163,28 +6204,22 @@
                         <a:p>
                           <a:pPr algn="l" fontAlgn="ctr"/>
                           <a:r>
-                            <a:rPr lang="en-US" sz="1100" u="none" strike="noStrike" dirty="0" smtClean="0">
+                            <a:rPr lang="en-US" sz="1100" u="none" strike="noStrike" dirty="0">
                               <a:effectLst/>
                             </a:rPr>
                             <a:t> </a:t>
                           </a:r>
                           <a:r>
-                            <a:rPr lang="en-US" sz="1100" u="none" strike="noStrike" dirty="0" err="1" smtClean="0">
+                            <a:rPr lang="en-US" sz="1100" u="none" strike="noStrike" dirty="0" err="1">
                               <a:effectLst/>
                             </a:rPr>
                             <a:t>Hamaker</a:t>
                           </a:r>
                           <a:r>
-                            <a:rPr lang="en-US" sz="1100" u="none" strike="noStrike" dirty="0" smtClean="0">
-                              <a:effectLst/>
-                            </a:rPr>
-                            <a:t> </a:t>
-                          </a:r>
-                          <a:r>
                             <a:rPr lang="en-US" sz="1100" u="none" strike="noStrike" dirty="0">
                               <a:effectLst/>
                             </a:rPr>
-                            <a:t>constant</a:t>
+                            <a:t> constant</a:t>
                           </a:r>
                           <a:endParaRPr lang="en-US" sz="1100" b="0" i="0" u="none" strike="noStrike" dirty="0">
                             <a:solidFill>
@@ -6209,7 +6244,7 @@
                         <a:p>
                           <a:pPr algn="l" fontAlgn="ctr"/>
                           <a:r>
-                            <a:rPr lang="en-US" sz="1100" u="none" strike="noStrike" dirty="0" smtClean="0">
+                            <a:rPr lang="en-US" sz="1100" u="none" strike="noStrike" dirty="0">
                               <a:effectLst/>
                             </a:rPr>
                             <a:t> 0.0</a:t>
@@ -6230,6 +6265,11 @@
                         </a:solidFill>
                       </a:tcPr>
                     </a:tc>
+                    <a:extLst>
+                      <a:ext uri="{0D108BD9-81ED-4DB2-BD59-A6C34878D82A}">
+                        <a16:rowId xmlns="" xmlns:a16="http://schemas.microsoft.com/office/drawing/2014/main" xmlns:a14="http://schemas.microsoft.com/office/drawing/2010/main" val="10005"/>
+                      </a:ext>
+                    </a:extLst>
                   </a:tr>
                   <a:tr h="528996">
                     <a:tc>
@@ -6239,16 +6279,10 @@
                         <a:p>
                           <a:pPr algn="l" fontAlgn="ctr"/>
                           <a:r>
-                            <a:rPr lang="en-US" sz="1100" u="none" strike="noStrike" dirty="0" smtClean="0">
-                              <a:effectLst/>
-                            </a:rPr>
-                            <a:t> Spring </a:t>
-                          </a:r>
-                          <a:r>
                             <a:rPr lang="en-US" sz="1100" u="none" strike="noStrike" dirty="0">
                               <a:effectLst/>
                             </a:rPr>
-                            <a:t>constant</a:t>
+                            <a:t> Spring constant</a:t>
                           </a:r>
                           <a:endParaRPr lang="en-US" sz="1100" b="0" i="0" u="none" strike="noStrike" dirty="0">
                             <a:solidFill>
@@ -6273,13 +6307,13 @@
                         <a:p>
                           <a:pPr algn="l" fontAlgn="ctr"/>
                           <a:r>
-                            <a:rPr lang="en-US" sz="1100" u="none" strike="noStrike" dirty="0" smtClean="0">
+                            <a:rPr lang="en-US" sz="1100" u="none" strike="noStrike" dirty="0">
                               <a:effectLst/>
                             </a:rPr>
                             <a:t> 50</a:t>
                           </a:r>
                           <a:r>
-                            <a:rPr lang="en-US" sz="1100" u="none" strike="noStrike" baseline="0" dirty="0" smtClean="0">
+                            <a:rPr lang="en-US" sz="1100" u="none" strike="noStrike" baseline="0" dirty="0">
                               <a:effectLst/>
                             </a:rPr>
                             <a:t> [N/m] </a:t>
@@ -6300,6 +6334,11 @@
                         </a:solidFill>
                       </a:tcPr>
                     </a:tc>
+                    <a:extLst>
+                      <a:ext uri="{0D108BD9-81ED-4DB2-BD59-A6C34878D82A}">
+                        <a16:rowId xmlns="" xmlns:a16="http://schemas.microsoft.com/office/drawing/2014/main" xmlns:a14="http://schemas.microsoft.com/office/drawing/2010/main" val="10006"/>
+                      </a:ext>
+                    </a:extLst>
                   </a:tr>
                   <a:tr h="514783">
                     <a:tc>
@@ -6309,16 +6348,10 @@
                         <a:p>
                           <a:pPr algn="l" fontAlgn="ctr"/>
                           <a:r>
-                            <a:rPr lang="en-US" sz="1100" u="none" strike="noStrike" dirty="0" smtClean="0">
-                              <a:effectLst/>
-                            </a:rPr>
-                            <a:t> Coefficient </a:t>
-                          </a:r>
-                          <a:r>
                             <a:rPr lang="en-US" sz="1100" u="none" strike="noStrike" dirty="0">
                               <a:effectLst/>
                             </a:rPr>
-                            <a:t>of restitution</a:t>
+                            <a:t> Coefficient of restitution</a:t>
                           </a:r>
                           <a:endParaRPr lang="en-US" sz="1100" b="0" i="0" u="none" strike="noStrike" dirty="0">
                             <a:solidFill>
@@ -6343,7 +6376,7 @@
                         <a:p>
                           <a:pPr algn="l" fontAlgn="ctr"/>
                           <a:r>
-                            <a:rPr lang="en-US" sz="1100" u="none" strike="noStrike" dirty="0" smtClean="0">
+                            <a:rPr lang="en-US" sz="1100" u="none" strike="noStrike" dirty="0">
                               <a:effectLst/>
                             </a:rPr>
                             <a:t> 0.9</a:t>
@@ -6364,6 +6397,11 @@
                         </a:solidFill>
                       </a:tcPr>
                     </a:tc>
+                    <a:extLst>
+                      <a:ext uri="{0D108BD9-81ED-4DB2-BD59-A6C34878D82A}">
+                        <a16:rowId xmlns="" xmlns:a16="http://schemas.microsoft.com/office/drawing/2014/main" xmlns:a14="http://schemas.microsoft.com/office/drawing/2010/main" val="10007"/>
+                      </a:ext>
+                    </a:extLst>
                   </a:tr>
                   <a:tr h="530600">
                     <a:tc>
@@ -6389,7 +6427,7 @@
                             <a:defRPr/>
                           </a:pPr>
                           <a:r>
-                            <a:rPr lang="en-US" altLang="ja-JP" sz="1100" u="none" strike="noStrike" dirty="0" smtClean="0">
+                            <a:rPr lang="en-US" altLang="ja-JP" sz="1100" u="none" strike="noStrike" dirty="0">
                               <a:effectLst/>
                             </a:rPr>
                             <a:t> Coefficient of </a:t>
@@ -6398,9 +6436,9 @@
                             <a:rPr lang="en-US" altLang="ja-JP" sz="1100" u="none" strike="noStrike" dirty="0" err="1" smtClean="0">
                               <a:effectLst/>
                             </a:rPr>
-                            <a:t>frieciton</a:t>
+                            <a:t>friciton</a:t>
                           </a:r>
-                          <a:endParaRPr lang="en-US" altLang="ja-JP" sz="1100" u="none" strike="noStrike" dirty="0" smtClean="0">
+                          <a:endParaRPr lang="en-US" altLang="ja-JP" sz="1100" u="none" strike="noStrike" dirty="0">
                             <a:effectLst/>
                           </a:endParaRPr>
                         </a:p>
@@ -6429,7 +6467,7 @@
                         <a:p>
                           <a:pPr algn="l" fontAlgn="ctr"/>
                           <a:r>
-                            <a:rPr lang="en-US" sz="1100" u="none" strike="noStrike" dirty="0" smtClean="0">
+                            <a:rPr lang="en-US" sz="1100" u="none" strike="noStrike" dirty="0">
                               <a:effectLst/>
                             </a:rPr>
                             <a:t> 0.3</a:t>
@@ -6450,6 +6488,11 @@
                         </a:solidFill>
                       </a:tcPr>
                     </a:tc>
+                    <a:extLst>
+                      <a:ext uri="{0D108BD9-81ED-4DB2-BD59-A6C34878D82A}">
+                        <a16:rowId xmlns="" xmlns:a16="http://schemas.microsoft.com/office/drawing/2014/main" xmlns:a14="http://schemas.microsoft.com/office/drawing/2010/main" val="10008"/>
+                      </a:ext>
+                    </a:extLst>
                   </a:tr>
                 </a:tbl>
               </a:graphicData>
@@ -6572,14 +6615,14 @@
           <p:nvPr>
             <p:extLst>
               <p:ext uri="{D42A27DB-BD31-4B8C-83A1-F6EECF244321}">
-                <p14:modId xmlns:p14="http://schemas.microsoft.com/office/powerpoint/2010/main" val="156576293"/>
+                <p14:modId xmlns:p14="http://schemas.microsoft.com/office/powerpoint/2010/main" val="2308363873"/>
               </p:ext>
             </p:extLst>
           </p:nvPr>
         </p:nvGraphicFramePr>
         <p:xfrm>
           <a:off x="611560" y="1844824"/>
-          <a:ext cx="7920880" cy="2774660"/>
+          <a:ext cx="7920880" cy="2414620"/>
         </p:xfrm>
         <a:graphic>
           <a:graphicData uri="http://schemas.openxmlformats.org/drawingml/2006/table">
@@ -6603,112 +6646,6 @@
                   </a:extLst>
                 </a:gridCol>
               </a:tblGrid>
-              <a:tr h="360040">
-                <a:tc>
-                  <a:txBody>
-                    <a:bodyPr/>
-                    <a:lstStyle/>
-                    <a:p>
-                      <a:pPr algn="l" fontAlgn="ctr"/>
-                      <a:r>
-                        <a:rPr lang="en-US" sz="1100" b="0" i="0" u="none" strike="noStrike" dirty="0" smtClean="0">
-                          <a:solidFill>
-                            <a:srgbClr val="000000"/>
-                          </a:solidFill>
-                          <a:effectLst/>
-                          <a:latin typeface="+mn-lt"/>
-                          <a:ea typeface="ＭＳ Ｐゴシック" panose="020B0600070205080204" pitchFamily="50" charset="-128"/>
-                        </a:rPr>
-                        <a:t> Grid</a:t>
-                      </a:r>
-                      <a:r>
-                        <a:rPr lang="en-US" sz="1100" b="0" i="0" u="none" strike="noStrike" baseline="0" dirty="0" smtClean="0">
-                          <a:solidFill>
-                            <a:srgbClr val="000000"/>
-                          </a:solidFill>
-                          <a:effectLst/>
-                          <a:latin typeface="+mn-lt"/>
-                          <a:ea typeface="ＭＳ Ｐゴシック" panose="020B0600070205080204" pitchFamily="50" charset="-128"/>
-                        </a:rPr>
-                        <a:t> size</a:t>
-                      </a:r>
-                      <a:endParaRPr lang="en-US" sz="1100" b="0" i="0" u="none" strike="noStrike" dirty="0">
-                        <a:solidFill>
-                          <a:srgbClr val="000000"/>
-                        </a:solidFill>
-                        <a:effectLst/>
-                        <a:latin typeface="+mn-lt"/>
-                        <a:ea typeface="ＭＳ Ｐゴシック" panose="020B0600070205080204" pitchFamily="50" charset="-128"/>
-                      </a:endParaRPr>
-                    </a:p>
-                  </a:txBody>
-                  <a:tcPr marL="9525" marR="9525" marT="9525" marB="0" anchor="ctr">
-                    <a:solidFill>
-                      <a:srgbClr val="ABD2E1"/>
-                    </a:solidFill>
-                  </a:tcPr>
-                </a:tc>
-                <a:tc>
-                  <a:txBody>
-                    <a:bodyPr/>
-                    <a:lstStyle/>
-                    <a:p>
-                      <a:pPr marL="0" marR="0" lvl="0" indent="0" algn="l" defTabSz="914400" rtl="0" eaLnBrk="1" fontAlgn="ctr" latinLnBrk="1" hangingPunct="1">
-                        <a:lnSpc>
-                          <a:spcPct val="100000"/>
-                        </a:lnSpc>
-                        <a:spcBef>
-                          <a:spcPts val="0"/>
-                        </a:spcBef>
-                        <a:spcAft>
-                          <a:spcPts val="0"/>
-                        </a:spcAft>
-                        <a:buClrTx/>
-                        <a:buSzTx/>
-                        <a:buFontTx/>
-                        <a:buNone/>
-                        <a:tabLst/>
-                        <a:defRPr/>
-                      </a:pPr>
-                      <a:r>
-                        <a:rPr lang="en-US" altLang="ja-JP" sz="1100" b="0" i="0" u="none" strike="noStrike" dirty="0" smtClean="0">
-                          <a:solidFill>
-                            <a:srgbClr val="000000"/>
-                          </a:solidFill>
-                          <a:effectLst/>
-                          <a:latin typeface="+mn-lt"/>
-                          <a:ea typeface="+mn-ea"/>
-                        </a:rPr>
-                        <a:t> 0.5 [mm</a:t>
-                      </a:r>
-                      <a:r>
-                        <a:rPr lang="en-US" altLang="ja-JP" sz="1100" b="0" i="0" u="none" strike="noStrike" dirty="0">
-                          <a:solidFill>
-                            <a:srgbClr val="000000"/>
-                          </a:solidFill>
-                          <a:effectLst/>
-                          <a:latin typeface="+mn-lt"/>
-                          <a:ea typeface="+mn-ea"/>
-                        </a:rPr>
-                        <a:t>]</a:t>
-                      </a:r>
-                      <a:endParaRPr lang="en-US" altLang="ja-JP" sz="1100" b="0" i="0" u="none" strike="noStrike" dirty="0" smtClean="0">
-                        <a:solidFill>
-                          <a:srgbClr val="000000"/>
-                        </a:solidFill>
-                        <a:effectLst/>
-                        <a:latin typeface="+mn-lt"/>
-                        <a:ea typeface="+mn-ea"/>
-                      </a:endParaRPr>
-                    </a:p>
-                  </a:txBody>
-                  <a:tcPr marL="9525" marR="9525" marT="9525" marB="0" anchor="ctr">
-                    <a:solidFill>
-                      <a:srgbClr val="ABD2E1"/>
-                    </a:solidFill>
-                  </a:tcPr>
-                </a:tc>
-              </a:tr>
               <a:tr h="360040">
                 <a:tc>
                   <a:txBody>
@@ -7226,7 +7163,29 @@
                           <a:latin typeface="+mn-lt"/>
                           <a:ea typeface="ＭＳ Ｐゴシック" panose="020B0600070205080204" pitchFamily="50" charset="-128"/>
                         </a:rPr>
-                        <a:t> 2 [mm]</a:t>
+                        <a:t> </a:t>
+                      </a:r>
+                      <a:r>
+                        <a:rPr lang="en-US" altLang="ja-JP" sz="1100" b="0" i="0" u="none" strike="noStrike" dirty="0" smtClean="0">
+                          <a:solidFill>
+                            <a:srgbClr val="000000"/>
+                          </a:solidFill>
+                          <a:effectLst/>
+                          <a:latin typeface="+mn-lt"/>
+                          <a:ea typeface="ＭＳ Ｐゴシック" panose="020B0600070205080204" pitchFamily="50" charset="-128"/>
+                        </a:rPr>
+                        <a:t>0.5 </a:t>
+                      </a:r>
+                      <a:r>
+                        <a:rPr lang="en-US" altLang="ja-JP" sz="1100" b="0" i="0" u="none" strike="noStrike" dirty="0">
+                          <a:solidFill>
+                            <a:srgbClr val="000000"/>
+                          </a:solidFill>
+                          <a:effectLst/>
+                          <a:latin typeface="+mn-lt"/>
+                          <a:ea typeface="ＭＳ Ｐゴシック" panose="020B0600070205080204" pitchFamily="50" charset="-128"/>
+                        </a:rPr>
+                        <a:t>[mm]</a:t>
                       </a:r>
                       <a:endParaRPr lang="ja-JP" altLang="en-US" sz="1100" b="0" i="0" u="none" strike="noStrike" dirty="0">
                         <a:solidFill>

--- a/saxon.pptx
+++ b/saxon.pptx
@@ -5,6 +5,9 @@
     <p:sldMasterId id="2147483648" r:id="rId1"/>
     <p:sldMasterId id="2147483661" r:id="rId2"/>
   </p:sldMasterIdLst>
+  <p:notesMasterIdLst>
+    <p:notesMasterId r:id="rId18"/>
+  </p:notesMasterIdLst>
   <p:sldIdLst>
     <p:sldId id="256" r:id="rId3"/>
     <p:sldId id="276" r:id="rId4"/>
@@ -16,9 +19,11 @@
     <p:sldId id="281" r:id="rId10"/>
     <p:sldId id="282" r:id="rId11"/>
     <p:sldId id="271" r:id="rId12"/>
-    <p:sldId id="272" r:id="rId13"/>
-    <p:sldId id="270" r:id="rId14"/>
-    <p:sldId id="259" r:id="rId15"/>
+    <p:sldId id="286" r:id="rId13"/>
+    <p:sldId id="289" r:id="rId14"/>
+    <p:sldId id="287" r:id="rId15"/>
+    <p:sldId id="291" r:id="rId16"/>
+    <p:sldId id="259" r:id="rId17"/>
   </p:sldIdLst>
   <p:sldSz cx="9144000" cy="6858000" type="screen4x3"/>
   <p:notesSz cx="6858000" cy="9144000"/>
@@ -134,6 +139,472 @@
     </p:ext>
   </p:extLst>
 </p:presentation>
+</file>
+
+<file path=ppt/notesMasters/notesMaster1.xml><?xml version="1.0" encoding="utf-8"?>
+<p:notesMaster xmlns:a="http://schemas.openxmlformats.org/drawingml/2006/main" xmlns:r="http://schemas.openxmlformats.org/officeDocument/2006/relationships" xmlns:p="http://schemas.openxmlformats.org/presentationml/2006/main">
+  <p:cSld>
+    <p:bg>
+      <p:bgRef idx="1001">
+        <a:schemeClr val="bg1"/>
+      </p:bgRef>
+    </p:bg>
+    <p:spTree>
+      <p:nvGrpSpPr>
+        <p:cNvPr id="1" name=""/>
+        <p:cNvGrpSpPr/>
+        <p:nvPr/>
+      </p:nvGrpSpPr>
+      <p:grpSpPr>
+        <a:xfrm>
+          <a:off x="0" y="0"/>
+          <a:ext cx="0" cy="0"/>
+          <a:chOff x="0" y="0"/>
+          <a:chExt cx="0" cy="0"/>
+        </a:xfrm>
+      </p:grpSpPr>
+      <p:sp>
+        <p:nvSpPr>
+          <p:cNvPr id="2" name="ヘッダー プレースホルダー 1"/>
+          <p:cNvSpPr>
+            <a:spLocks noGrp="1"/>
+          </p:cNvSpPr>
+          <p:nvPr>
+            <p:ph type="hdr" sz="quarter"/>
+          </p:nvPr>
+        </p:nvSpPr>
+        <p:spPr>
+          <a:xfrm>
+            <a:off x="0" y="0"/>
+            <a:ext cx="2971800" cy="458788"/>
+          </a:xfrm>
+          <a:prstGeom prst="rect">
+            <a:avLst/>
+          </a:prstGeom>
+        </p:spPr>
+        <p:txBody>
+          <a:bodyPr vert="horz" lIns="91440" tIns="45720" rIns="91440" bIns="45720" rtlCol="0"/>
+          <a:lstStyle>
+            <a:lvl1pPr algn="l">
+              <a:defRPr sz="1200"/>
+            </a:lvl1pPr>
+          </a:lstStyle>
+          <a:p>
+            <a:endParaRPr kumimoji="1" lang="ja-JP" altLang="en-US"/>
+          </a:p>
+        </p:txBody>
+      </p:sp>
+      <p:sp>
+        <p:nvSpPr>
+          <p:cNvPr id="3" name="日付プレースホルダー 2"/>
+          <p:cNvSpPr>
+            <a:spLocks noGrp="1"/>
+          </p:cNvSpPr>
+          <p:nvPr>
+            <p:ph type="dt" idx="1"/>
+          </p:nvPr>
+        </p:nvSpPr>
+        <p:spPr>
+          <a:xfrm>
+            <a:off x="3884613" y="0"/>
+            <a:ext cx="2971800" cy="458788"/>
+          </a:xfrm>
+          <a:prstGeom prst="rect">
+            <a:avLst/>
+          </a:prstGeom>
+        </p:spPr>
+        <p:txBody>
+          <a:bodyPr vert="horz" lIns="91440" tIns="45720" rIns="91440" bIns="45720" rtlCol="0"/>
+          <a:lstStyle>
+            <a:lvl1pPr algn="r">
+              <a:defRPr sz="1200"/>
+            </a:lvl1pPr>
+          </a:lstStyle>
+          <a:p>
+            <a:fld id="{D052FF8A-4899-49C0-8C60-4DC8CBEDC3E6}" type="datetimeFigureOut">
+              <a:rPr kumimoji="1" lang="ja-JP" altLang="en-US" smtClean="0"/>
+              <a:t>2018/7/13</a:t>
+            </a:fld>
+            <a:endParaRPr kumimoji="1" lang="ja-JP" altLang="en-US"/>
+          </a:p>
+        </p:txBody>
+      </p:sp>
+      <p:sp>
+        <p:nvSpPr>
+          <p:cNvPr id="4" name="スライド イメージ プレースホルダー 3"/>
+          <p:cNvSpPr>
+            <a:spLocks noGrp="1" noRot="1" noChangeAspect="1"/>
+          </p:cNvSpPr>
+          <p:nvPr>
+            <p:ph type="sldImg" idx="2"/>
+          </p:nvPr>
+        </p:nvSpPr>
+        <p:spPr>
+          <a:xfrm>
+            <a:off x="1371600" y="1143000"/>
+            <a:ext cx="4114800" cy="3086100"/>
+          </a:xfrm>
+          <a:prstGeom prst="rect">
+            <a:avLst/>
+          </a:prstGeom>
+          <a:noFill/>
+          <a:ln w="12700">
+            <a:solidFill>
+              <a:prstClr val="black"/>
+            </a:solidFill>
+          </a:ln>
+        </p:spPr>
+        <p:txBody>
+          <a:bodyPr vert="horz" lIns="91440" tIns="45720" rIns="91440" bIns="45720" rtlCol="0" anchor="ctr"/>
+          <a:lstStyle/>
+          <a:p>
+            <a:endParaRPr lang="ja-JP" altLang="en-US"/>
+          </a:p>
+        </p:txBody>
+      </p:sp>
+      <p:sp>
+        <p:nvSpPr>
+          <p:cNvPr id="5" name="ノート プレースホルダー 4"/>
+          <p:cNvSpPr>
+            <a:spLocks noGrp="1"/>
+          </p:cNvSpPr>
+          <p:nvPr>
+            <p:ph type="body" sz="quarter" idx="3"/>
+          </p:nvPr>
+        </p:nvSpPr>
+        <p:spPr>
+          <a:xfrm>
+            <a:off x="685800" y="4400550"/>
+            <a:ext cx="5486400" cy="3600450"/>
+          </a:xfrm>
+          <a:prstGeom prst="rect">
+            <a:avLst/>
+          </a:prstGeom>
+        </p:spPr>
+        <p:txBody>
+          <a:bodyPr vert="horz" lIns="91440" tIns="45720" rIns="91440" bIns="45720" rtlCol="0"/>
+          <a:lstStyle/>
+          <a:p>
+            <a:pPr lvl="0"/>
+            <a:r>
+              <a:rPr kumimoji="1" lang="ja-JP" altLang="en-US" smtClean="0"/>
+              <a:t>マスター テキストの書式設定</a:t>
+            </a:r>
+          </a:p>
+          <a:p>
+            <a:pPr lvl="1"/>
+            <a:r>
+              <a:rPr kumimoji="1" lang="ja-JP" altLang="en-US" smtClean="0"/>
+              <a:t>第 </a:t>
+            </a:r>
+            <a:r>
+              <a:rPr kumimoji="1" lang="en-US" altLang="ja-JP" smtClean="0"/>
+              <a:t>2 </a:t>
+            </a:r>
+            <a:r>
+              <a:rPr kumimoji="1" lang="ja-JP" altLang="en-US" smtClean="0"/>
+              <a:t>レベル</a:t>
+            </a:r>
+          </a:p>
+          <a:p>
+            <a:pPr lvl="2"/>
+            <a:r>
+              <a:rPr kumimoji="1" lang="ja-JP" altLang="en-US" smtClean="0"/>
+              <a:t>第 </a:t>
+            </a:r>
+            <a:r>
+              <a:rPr kumimoji="1" lang="en-US" altLang="ja-JP" smtClean="0"/>
+              <a:t>3 </a:t>
+            </a:r>
+            <a:r>
+              <a:rPr kumimoji="1" lang="ja-JP" altLang="en-US" smtClean="0"/>
+              <a:t>レベル</a:t>
+            </a:r>
+          </a:p>
+          <a:p>
+            <a:pPr lvl="3"/>
+            <a:r>
+              <a:rPr kumimoji="1" lang="ja-JP" altLang="en-US" smtClean="0"/>
+              <a:t>第 </a:t>
+            </a:r>
+            <a:r>
+              <a:rPr kumimoji="1" lang="en-US" altLang="ja-JP" smtClean="0"/>
+              <a:t>4 </a:t>
+            </a:r>
+            <a:r>
+              <a:rPr kumimoji="1" lang="ja-JP" altLang="en-US" smtClean="0"/>
+              <a:t>レベル</a:t>
+            </a:r>
+          </a:p>
+          <a:p>
+            <a:pPr lvl="4"/>
+            <a:r>
+              <a:rPr kumimoji="1" lang="ja-JP" altLang="en-US" smtClean="0"/>
+              <a:t>第 </a:t>
+            </a:r>
+            <a:r>
+              <a:rPr kumimoji="1" lang="en-US" altLang="ja-JP" smtClean="0"/>
+              <a:t>5 </a:t>
+            </a:r>
+            <a:r>
+              <a:rPr kumimoji="1" lang="ja-JP" altLang="en-US" smtClean="0"/>
+              <a:t>レベル</a:t>
+            </a:r>
+            <a:endParaRPr kumimoji="1" lang="ja-JP" altLang="en-US"/>
+          </a:p>
+        </p:txBody>
+      </p:sp>
+      <p:sp>
+        <p:nvSpPr>
+          <p:cNvPr id="6" name="フッター プレースホルダー 5"/>
+          <p:cNvSpPr>
+            <a:spLocks noGrp="1"/>
+          </p:cNvSpPr>
+          <p:nvPr>
+            <p:ph type="ftr" sz="quarter" idx="4"/>
+          </p:nvPr>
+        </p:nvSpPr>
+        <p:spPr>
+          <a:xfrm>
+            <a:off x="0" y="8685213"/>
+            <a:ext cx="2971800" cy="458787"/>
+          </a:xfrm>
+          <a:prstGeom prst="rect">
+            <a:avLst/>
+          </a:prstGeom>
+        </p:spPr>
+        <p:txBody>
+          <a:bodyPr vert="horz" lIns="91440" tIns="45720" rIns="91440" bIns="45720" rtlCol="0" anchor="b"/>
+          <a:lstStyle>
+            <a:lvl1pPr algn="l">
+              <a:defRPr sz="1200"/>
+            </a:lvl1pPr>
+          </a:lstStyle>
+          <a:p>
+            <a:endParaRPr kumimoji="1" lang="ja-JP" altLang="en-US"/>
+          </a:p>
+        </p:txBody>
+      </p:sp>
+      <p:sp>
+        <p:nvSpPr>
+          <p:cNvPr id="7" name="スライド番号プレースホルダー 6"/>
+          <p:cNvSpPr>
+            <a:spLocks noGrp="1"/>
+          </p:cNvSpPr>
+          <p:nvPr>
+            <p:ph type="sldNum" sz="quarter" idx="5"/>
+          </p:nvPr>
+        </p:nvSpPr>
+        <p:spPr>
+          <a:xfrm>
+            <a:off x="3884613" y="8685213"/>
+            <a:ext cx="2971800" cy="458787"/>
+          </a:xfrm>
+          <a:prstGeom prst="rect">
+            <a:avLst/>
+          </a:prstGeom>
+        </p:spPr>
+        <p:txBody>
+          <a:bodyPr vert="horz" lIns="91440" tIns="45720" rIns="91440" bIns="45720" rtlCol="0" anchor="b"/>
+          <a:lstStyle>
+            <a:lvl1pPr algn="r">
+              <a:defRPr sz="1200"/>
+            </a:lvl1pPr>
+          </a:lstStyle>
+          <a:p>
+            <a:fld id="{8726D7AE-D800-4044-BB50-217E18DF8697}" type="slidenum">
+              <a:rPr kumimoji="1" lang="ja-JP" altLang="en-US" smtClean="0"/>
+              <a:t>‹#›</a:t>
+            </a:fld>
+            <a:endParaRPr kumimoji="1" lang="ja-JP" altLang="en-US"/>
+          </a:p>
+        </p:txBody>
+      </p:sp>
+    </p:spTree>
+    <p:extLst>
+      <p:ext uri="{BB962C8B-B14F-4D97-AF65-F5344CB8AC3E}">
+        <p14:creationId xmlns:p14="http://schemas.microsoft.com/office/powerpoint/2010/main" val="1520116894"/>
+      </p:ext>
+    </p:extLst>
+  </p:cSld>
+  <p:clrMap bg1="lt1" tx1="dk1" bg2="lt2" tx2="dk2" accent1="accent1" accent2="accent2" accent3="accent3" accent4="accent4" accent5="accent5" accent6="accent6" hlink="hlink" folHlink="folHlink"/>
+  <p:notesStyle>
+    <a:lvl1pPr marL="0" algn="l" defTabSz="914400" rtl="0" eaLnBrk="1" latinLnBrk="0" hangingPunct="1">
+      <a:defRPr kumimoji="1" sz="1200" kern="1200">
+        <a:solidFill>
+          <a:schemeClr val="tx1"/>
+        </a:solidFill>
+        <a:latin typeface="+mn-lt"/>
+        <a:ea typeface="+mn-ea"/>
+        <a:cs typeface="+mn-cs"/>
+      </a:defRPr>
+    </a:lvl1pPr>
+    <a:lvl2pPr marL="457200" algn="l" defTabSz="914400" rtl="0" eaLnBrk="1" latinLnBrk="0" hangingPunct="1">
+      <a:defRPr kumimoji="1" sz="1200" kern="1200">
+        <a:solidFill>
+          <a:schemeClr val="tx1"/>
+        </a:solidFill>
+        <a:latin typeface="+mn-lt"/>
+        <a:ea typeface="+mn-ea"/>
+        <a:cs typeface="+mn-cs"/>
+      </a:defRPr>
+    </a:lvl2pPr>
+    <a:lvl3pPr marL="914400" algn="l" defTabSz="914400" rtl="0" eaLnBrk="1" latinLnBrk="0" hangingPunct="1">
+      <a:defRPr kumimoji="1" sz="1200" kern="1200">
+        <a:solidFill>
+          <a:schemeClr val="tx1"/>
+        </a:solidFill>
+        <a:latin typeface="+mn-lt"/>
+        <a:ea typeface="+mn-ea"/>
+        <a:cs typeface="+mn-cs"/>
+      </a:defRPr>
+    </a:lvl3pPr>
+    <a:lvl4pPr marL="1371600" algn="l" defTabSz="914400" rtl="0" eaLnBrk="1" latinLnBrk="0" hangingPunct="1">
+      <a:defRPr kumimoji="1" sz="1200" kern="1200">
+        <a:solidFill>
+          <a:schemeClr val="tx1"/>
+        </a:solidFill>
+        <a:latin typeface="+mn-lt"/>
+        <a:ea typeface="+mn-ea"/>
+        <a:cs typeface="+mn-cs"/>
+      </a:defRPr>
+    </a:lvl4pPr>
+    <a:lvl5pPr marL="1828800" algn="l" defTabSz="914400" rtl="0" eaLnBrk="1" latinLnBrk="0" hangingPunct="1">
+      <a:defRPr kumimoji="1" sz="1200" kern="1200">
+        <a:solidFill>
+          <a:schemeClr val="tx1"/>
+        </a:solidFill>
+        <a:latin typeface="+mn-lt"/>
+        <a:ea typeface="+mn-ea"/>
+        <a:cs typeface="+mn-cs"/>
+      </a:defRPr>
+    </a:lvl5pPr>
+    <a:lvl6pPr marL="2286000" algn="l" defTabSz="914400" rtl="0" eaLnBrk="1" latinLnBrk="0" hangingPunct="1">
+      <a:defRPr kumimoji="1" sz="1200" kern="1200">
+        <a:solidFill>
+          <a:schemeClr val="tx1"/>
+        </a:solidFill>
+        <a:latin typeface="+mn-lt"/>
+        <a:ea typeface="+mn-ea"/>
+        <a:cs typeface="+mn-cs"/>
+      </a:defRPr>
+    </a:lvl6pPr>
+    <a:lvl7pPr marL="2743200" algn="l" defTabSz="914400" rtl="0" eaLnBrk="1" latinLnBrk="0" hangingPunct="1">
+      <a:defRPr kumimoji="1" sz="1200" kern="1200">
+        <a:solidFill>
+          <a:schemeClr val="tx1"/>
+        </a:solidFill>
+        <a:latin typeface="+mn-lt"/>
+        <a:ea typeface="+mn-ea"/>
+        <a:cs typeface="+mn-cs"/>
+      </a:defRPr>
+    </a:lvl7pPr>
+    <a:lvl8pPr marL="3200400" algn="l" defTabSz="914400" rtl="0" eaLnBrk="1" latinLnBrk="0" hangingPunct="1">
+      <a:defRPr kumimoji="1" sz="1200" kern="1200">
+        <a:solidFill>
+          <a:schemeClr val="tx1"/>
+        </a:solidFill>
+        <a:latin typeface="+mn-lt"/>
+        <a:ea typeface="+mn-ea"/>
+        <a:cs typeface="+mn-cs"/>
+      </a:defRPr>
+    </a:lvl8pPr>
+    <a:lvl9pPr marL="3657600" algn="l" defTabSz="914400" rtl="0" eaLnBrk="1" latinLnBrk="0" hangingPunct="1">
+      <a:defRPr kumimoji="1" sz="1200" kern="1200">
+        <a:solidFill>
+          <a:schemeClr val="tx1"/>
+        </a:solidFill>
+        <a:latin typeface="+mn-lt"/>
+        <a:ea typeface="+mn-ea"/>
+        <a:cs typeface="+mn-cs"/>
+      </a:defRPr>
+    </a:lvl9pPr>
+  </p:notesStyle>
+</p:notesMaster>
+</file>
+
+<file path=ppt/notesSlides/notesSlide1.xml><?xml version="1.0" encoding="utf-8"?>
+<p:notes xmlns:a="http://schemas.openxmlformats.org/drawingml/2006/main" xmlns:r="http://schemas.openxmlformats.org/officeDocument/2006/relationships" xmlns:p="http://schemas.openxmlformats.org/presentationml/2006/main">
+  <p:cSld>
+    <p:spTree>
+      <p:nvGrpSpPr>
+        <p:cNvPr id="1" name=""/>
+        <p:cNvGrpSpPr/>
+        <p:nvPr/>
+      </p:nvGrpSpPr>
+      <p:grpSpPr>
+        <a:xfrm>
+          <a:off x="0" y="0"/>
+          <a:ext cx="0" cy="0"/>
+          <a:chOff x="0" y="0"/>
+          <a:chExt cx="0" cy="0"/>
+        </a:xfrm>
+      </p:grpSpPr>
+      <p:sp>
+        <p:nvSpPr>
+          <p:cNvPr id="2" name="スライド イメージ プレースホルダー 1"/>
+          <p:cNvSpPr>
+            <a:spLocks noGrp="1" noRot="1" noChangeAspect="1"/>
+          </p:cNvSpPr>
+          <p:nvPr>
+            <p:ph type="sldImg"/>
+          </p:nvPr>
+        </p:nvSpPr>
+        <p:spPr/>
+      </p:sp>
+      <p:sp>
+        <p:nvSpPr>
+          <p:cNvPr id="3" name="ノート プレースホルダー 2"/>
+          <p:cNvSpPr>
+            <a:spLocks noGrp="1"/>
+          </p:cNvSpPr>
+          <p:nvPr>
+            <p:ph type="body" idx="1"/>
+          </p:nvPr>
+        </p:nvSpPr>
+        <p:spPr/>
+        <p:txBody>
+          <a:bodyPr/>
+          <a:lstStyle/>
+          <a:p>
+            <a:endParaRPr kumimoji="1" lang="ja-JP" altLang="en-US" dirty="0"/>
+          </a:p>
+        </p:txBody>
+      </p:sp>
+      <p:sp>
+        <p:nvSpPr>
+          <p:cNvPr id="4" name="スライド番号プレースホルダー 3"/>
+          <p:cNvSpPr>
+            <a:spLocks noGrp="1"/>
+          </p:cNvSpPr>
+          <p:nvPr>
+            <p:ph type="sldNum" sz="quarter" idx="10"/>
+          </p:nvPr>
+        </p:nvSpPr>
+        <p:spPr/>
+        <p:txBody>
+          <a:bodyPr/>
+          <a:lstStyle/>
+          <a:p>
+            <a:fld id="{8726D7AE-D800-4044-BB50-217E18DF8697}" type="slidenum">
+              <a:rPr kumimoji="1" lang="ja-JP" altLang="en-US" smtClean="0"/>
+              <a:t>13</a:t>
+            </a:fld>
+            <a:endParaRPr kumimoji="1" lang="ja-JP" altLang="en-US"/>
+          </a:p>
+        </p:txBody>
+      </p:sp>
+    </p:spTree>
+    <p:extLst>
+      <p:ext uri="{BB962C8B-B14F-4D97-AF65-F5344CB8AC3E}">
+        <p14:creationId xmlns:p14="http://schemas.microsoft.com/office/powerpoint/2010/main" val="2546505673"/>
+      </p:ext>
+    </p:extLst>
+  </p:cSld>
+  <p:clrMapOvr>
+    <a:masterClrMapping/>
+  </p:clrMapOvr>
+</p:notes>
 </file>
 
 <file path=ppt/slideLayouts/slideLayout1.xml><?xml version="1.0" encoding="utf-8"?>
@@ -4152,7 +4623,15 @@
                 <a:latin typeface="メイリオ" panose="020B0604030504040204" pitchFamily="50" charset="-128"/>
                 <a:cs typeface="メイリオ" panose="020B0604030504040204" pitchFamily="50" charset="-128"/>
               </a:rPr>
-              <a:t>　結果</a:t>
+              <a:t> </a:t>
+            </a:r>
+            <a:r>
+              <a:rPr lang="en-US" altLang="ko-KR" dirty="0" smtClean="0"/>
+              <a:t>Comparison</a:t>
+            </a:r>
+            <a:r>
+              <a:rPr lang="en-US" altLang="ko-KR" dirty="0"/>
+              <a:t>, Suction velocity</a:t>
             </a:r>
             <a:endParaRPr lang="ko-KR" altLang="en-US" dirty="0">
               <a:latin typeface="メイリオ" panose="020B0604030504040204" pitchFamily="50" charset="-128"/>
@@ -4216,7 +4695,7 @@
         <p:spPr>
           <a:xfrm>
             <a:off x="503548" y="1628800"/>
-            <a:ext cx="8136904" cy="2739211"/>
+            <a:ext cx="8136904" cy="2462213"/>
           </a:xfrm>
           <a:prstGeom prst="rect">
             <a:avLst/>
@@ -4230,9 +4709,10 @@
           <a:lstStyle/>
           <a:p>
             <a:r>
-              <a:rPr kumimoji="1" lang="en-US" altLang="ja-JP" sz="2800" dirty="0"/>
-              <a:t>CFD</a:t>
-            </a:r>
+              <a:rPr kumimoji="1" lang="ja-JP" altLang="en-US" sz="2800" dirty="0" smtClean="0"/>
+              <a:t>結果</a:t>
+            </a:r>
+            <a:endParaRPr kumimoji="1" lang="en-US" altLang="ja-JP" sz="2800" dirty="0" smtClean="0"/>
           </a:p>
           <a:p>
             <a:endParaRPr kumimoji="1" lang="en-US" altLang="ja-JP" dirty="0"/>
@@ -4305,12 +4785,24 @@
               <a:t>case3</a:t>
             </a:r>
             <a:r>
-              <a:rPr kumimoji="1" lang="ja-JP" altLang="en-US" smtClean="0"/>
-              <a:t>では、それなりに層</a:t>
-            </a:r>
-            <a:r>
               <a:rPr kumimoji="1" lang="ja-JP" altLang="en-US" dirty="0" smtClean="0"/>
-              <a:t>を保ったまま落下</a:t>
+              <a:t>では、それなりに層を保ったまま</a:t>
+            </a:r>
+            <a:r>
+              <a:rPr kumimoji="1" lang="en-US" altLang="ja-JP" dirty="0" smtClean="0"/>
+              <a:t>(</a:t>
+            </a:r>
+            <a:r>
+              <a:rPr kumimoji="1" lang="ja-JP" altLang="en-US" dirty="0" smtClean="0"/>
+              <a:t>混ざりあわず</a:t>
+            </a:r>
+            <a:r>
+              <a:rPr kumimoji="1" lang="en-US" altLang="ja-JP" dirty="0" smtClean="0"/>
+              <a:t>)</a:t>
+            </a:r>
+            <a:r>
+              <a:rPr kumimoji="1" lang="ja-JP" altLang="en-US" dirty="0" smtClean="0"/>
+              <a:t>落下している</a:t>
             </a:r>
             <a:endParaRPr kumimoji="1" lang="en-US" altLang="ja-JP" dirty="0" smtClean="0"/>
           </a:p>
@@ -4355,11 +4847,8 @@
             </a:r>
             <a:r>
               <a:rPr kumimoji="1" lang="ja-JP" altLang="en-US" dirty="0" smtClean="0"/>
-              <a:t>それに伴ったスプラッシュにより、上部の層は乱れやすい</a:t>
-            </a:r>
-            <a:endParaRPr kumimoji="1" lang="en-US" altLang="ja-JP" dirty="0"/>
-          </a:p>
-          <a:p>
+              <a:t>それに伴い、上部の層形状は変化している</a:t>
+            </a:r>
             <a:endParaRPr kumimoji="1" lang="en-US" altLang="ja-JP" dirty="0"/>
           </a:p>
         </p:txBody>
@@ -4417,16 +4906,10 @@
           <a:lstStyle/>
           <a:p>
             <a:r>
-              <a:rPr lang="ja-JP" altLang="en-US" dirty="0">
-                <a:latin typeface="メイリオ" panose="020B0604030504040204" pitchFamily="50" charset="-128"/>
-                <a:cs typeface="メイリオ" panose="020B0604030504040204" pitchFamily="50" charset="-128"/>
-              </a:rPr>
-              <a:t>　考察</a:t>
-            </a:r>
-            <a:endParaRPr lang="ko-KR" altLang="en-US" dirty="0">
-              <a:latin typeface="メイリオ" panose="020B0604030504040204" pitchFamily="50" charset="-128"/>
-              <a:cs typeface="メイリオ" panose="020B0604030504040204" pitchFamily="50" charset="-128"/>
-            </a:endParaRPr>
+              <a:rPr lang="en-US" altLang="ko-KR" dirty="0"/>
+              <a:t>Comparison, Suction velocity</a:t>
+            </a:r>
+            <a:endParaRPr lang="ko-KR" altLang="en-US" dirty="0"/>
           </a:p>
         </p:txBody>
       </p:sp>
@@ -4476,16 +4959,2680 @@
           </a:p>
         </p:txBody>
       </p:sp>
+      <p:graphicFrame>
+        <p:nvGraphicFramePr>
+          <p:cNvPr id="5" name="表 4"/>
+          <p:cNvGraphicFramePr>
+            <a:graphicFrameLocks noGrp="1"/>
+          </p:cNvGraphicFramePr>
+          <p:nvPr>
+            <p:extLst>
+              <p:ext uri="{D42A27DB-BD31-4B8C-83A1-F6EECF244321}">
+                <p14:modId xmlns:p14="http://schemas.microsoft.com/office/powerpoint/2010/main" val="3405943556"/>
+              </p:ext>
+            </p:extLst>
+          </p:nvPr>
+        </p:nvGraphicFramePr>
+        <p:xfrm>
+          <a:off x="395535" y="4869160"/>
+          <a:ext cx="7776866" cy="893445"/>
+        </p:xfrm>
+        <a:graphic>
+          <a:graphicData uri="http://schemas.openxmlformats.org/drawingml/2006/table">
+            <a:tbl>
+              <a:tblPr/>
+              <a:tblGrid>
+                <a:gridCol w="864097"/>
+                <a:gridCol w="216024"/>
+                <a:gridCol w="864096"/>
+                <a:gridCol w="1944216"/>
+                <a:gridCol w="1944216"/>
+                <a:gridCol w="1944217"/>
+              </a:tblGrid>
+              <a:tr h="171450">
+                <a:tc rowSpan="5">
+                  <a:txBody>
+                    <a:bodyPr/>
+                    <a:lstStyle/>
+                    <a:p>
+                      <a:pPr algn="ctr" fontAlgn="ctr"/>
+                      <a:r>
+                        <a:rPr lang="ja-JP" altLang="en-US" sz="1100" b="0" i="0" u="none" strike="noStrike" dirty="0" smtClean="0">
+                          <a:solidFill>
+                            <a:srgbClr val="000000"/>
+                          </a:solidFill>
+                          <a:effectLst/>
+                          <a:latin typeface="+mn-lt"/>
+                          <a:ea typeface="ＭＳ Ｐゴシック" panose="020B0600070205080204" pitchFamily="50" charset="-128"/>
+                        </a:rPr>
+                        <a:t>層</a:t>
+                      </a:r>
+                      <a:r>
+                        <a:rPr lang="ja-JP" altLang="en-US" sz="1100" b="0" i="0" u="none" strike="noStrike" baseline="0" dirty="0" smtClean="0">
+                          <a:solidFill>
+                            <a:srgbClr val="000000"/>
+                          </a:solidFill>
+                          <a:effectLst/>
+                          <a:latin typeface="+mn-lt"/>
+                          <a:ea typeface="ＭＳ Ｐゴシック" panose="020B0600070205080204" pitchFamily="50" charset="-128"/>
+                        </a:rPr>
+                        <a:t> </a:t>
+                      </a:r>
+                      <a:r>
+                        <a:rPr lang="en-US" altLang="ja-JP" sz="1100" b="0" i="0" u="none" strike="noStrike" baseline="0" dirty="0" smtClean="0">
+                          <a:solidFill>
+                            <a:srgbClr val="000000"/>
+                          </a:solidFill>
+                          <a:effectLst/>
+                          <a:latin typeface="+mn-lt"/>
+                          <a:ea typeface="ＭＳ Ｐゴシック" panose="020B0600070205080204" pitchFamily="50" charset="-128"/>
+                        </a:rPr>
+                        <a:t>(</a:t>
+                      </a:r>
+                      <a:r>
+                        <a:rPr lang="ja-JP" altLang="en-US" sz="1100" b="0" i="0" u="none" strike="noStrike" baseline="0" dirty="0" smtClean="0">
+                          <a:solidFill>
+                            <a:srgbClr val="000000"/>
+                          </a:solidFill>
+                          <a:effectLst/>
+                          <a:latin typeface="+mn-lt"/>
+                          <a:ea typeface="ＭＳ Ｐゴシック" panose="020B0600070205080204" pitchFamily="50" charset="-128"/>
+                        </a:rPr>
+                        <a:t>粒子数</a:t>
+                      </a:r>
+                      <a:r>
+                        <a:rPr lang="en-US" altLang="ja-JP" sz="1100" b="0" i="0" u="none" strike="noStrike" baseline="0" dirty="0" smtClean="0">
+                          <a:solidFill>
+                            <a:srgbClr val="000000"/>
+                          </a:solidFill>
+                          <a:effectLst/>
+                          <a:latin typeface="+mn-lt"/>
+                          <a:ea typeface="ＭＳ Ｐゴシック" panose="020B0600070205080204" pitchFamily="50" charset="-128"/>
+                        </a:rPr>
+                        <a:t>)</a:t>
+                      </a:r>
+                      <a:endParaRPr lang="ja-JP" altLang="en-US" sz="1100" b="0" i="0" u="none" strike="noStrike" dirty="0">
+                        <a:solidFill>
+                          <a:srgbClr val="000000"/>
+                        </a:solidFill>
+                        <a:effectLst/>
+                        <a:latin typeface="+mn-lt"/>
+                        <a:ea typeface="ＭＳ Ｐゴシック" panose="020B0600070205080204" pitchFamily="50" charset="-128"/>
+                      </a:endParaRPr>
+                    </a:p>
+                  </a:txBody>
+                  <a:tcPr marL="9525" marR="9525" marT="9525" marB="0" anchor="ctr">
+                    <a:lnL w="12700" cap="flat" cmpd="sng" algn="ctr">
+                      <a:solidFill>
+                        <a:srgbClr val="000000"/>
+                      </a:solidFill>
+                      <a:prstDash val="solid"/>
+                      <a:round/>
+                      <a:headEnd type="none" w="med" len="med"/>
+                      <a:tailEnd type="none" w="med" len="med"/>
+                    </a:lnL>
+                    <a:lnR w="12700" cap="flat" cmpd="sng" algn="ctr">
+                      <a:solidFill>
+                        <a:srgbClr val="000000"/>
+                      </a:solidFill>
+                      <a:prstDash val="solid"/>
+                      <a:round/>
+                      <a:headEnd type="none" w="med" len="med"/>
+                      <a:tailEnd type="none" w="med" len="med"/>
+                    </a:lnR>
+                    <a:lnT w="12700" cap="flat" cmpd="sng" algn="ctr">
+                      <a:solidFill>
+                        <a:srgbClr val="000000"/>
+                      </a:solidFill>
+                      <a:prstDash val="solid"/>
+                      <a:round/>
+                      <a:headEnd type="none" w="med" len="med"/>
+                      <a:tailEnd type="none" w="med" len="med"/>
+                    </a:lnT>
+                    <a:lnB w="12700" cap="flat" cmpd="sng" algn="ctr">
+                      <a:solidFill>
+                        <a:srgbClr val="000000"/>
+                      </a:solidFill>
+                      <a:prstDash val="solid"/>
+                      <a:round/>
+                      <a:headEnd type="none" w="med" len="med"/>
+                      <a:tailEnd type="none" w="med" len="med"/>
+                    </a:lnB>
+                  </a:tcPr>
+                </a:tc>
+                <a:tc>
+                  <a:txBody>
+                    <a:bodyPr/>
+                    <a:lstStyle/>
+                    <a:p>
+                      <a:pPr algn="ctr" fontAlgn="ctr"/>
+                      <a:r>
+                        <a:rPr lang="en-US" altLang="ja-JP" sz="1100" b="0" i="0" u="none" strike="noStrike" dirty="0">
+                          <a:solidFill>
+                            <a:srgbClr val="000000"/>
+                          </a:solidFill>
+                          <a:effectLst/>
+                          <a:latin typeface="+mn-lt"/>
+                          <a:ea typeface="ＭＳ Ｐゴシック" panose="020B0600070205080204" pitchFamily="50" charset="-128"/>
+                        </a:rPr>
+                        <a:t>1</a:t>
+                      </a:r>
+                    </a:p>
+                  </a:txBody>
+                  <a:tcPr marL="9525" marR="9525" marT="9525" marB="0" anchor="ctr">
+                    <a:lnL w="12700" cap="flat" cmpd="sng" algn="ctr">
+                      <a:solidFill>
+                        <a:srgbClr val="000000"/>
+                      </a:solidFill>
+                      <a:prstDash val="solid"/>
+                      <a:round/>
+                      <a:headEnd type="none" w="med" len="med"/>
+                      <a:tailEnd type="none" w="med" len="med"/>
+                    </a:lnL>
+                    <a:lnR w="6350" cap="flat" cmpd="sng" algn="ctr">
+                      <a:solidFill>
+                        <a:srgbClr val="000000"/>
+                      </a:solidFill>
+                      <a:prstDash val="solid"/>
+                      <a:round/>
+                      <a:headEnd type="none" w="med" len="med"/>
+                      <a:tailEnd type="none" w="med" len="med"/>
+                    </a:lnR>
+                    <a:lnT w="12700" cap="flat" cmpd="sng" algn="ctr">
+                      <a:solidFill>
+                        <a:srgbClr val="000000"/>
+                      </a:solidFill>
+                      <a:prstDash val="solid"/>
+                      <a:round/>
+                      <a:headEnd type="none" w="med" len="med"/>
+                      <a:tailEnd type="none" w="med" len="med"/>
+                    </a:lnT>
+                    <a:lnB w="6350" cap="flat" cmpd="sng" algn="ctr">
+                      <a:solidFill>
+                        <a:srgbClr val="000000"/>
+                      </a:solidFill>
+                      <a:prstDash val="solid"/>
+                      <a:round/>
+                      <a:headEnd type="none" w="med" len="med"/>
+                      <a:tailEnd type="none" w="med" len="med"/>
+                    </a:lnB>
+                  </a:tcPr>
+                </a:tc>
+                <a:tc>
+                  <a:txBody>
+                    <a:bodyPr/>
+                    <a:lstStyle/>
+                    <a:p>
+                      <a:pPr algn="ctr" fontAlgn="ctr"/>
+                      <a:r>
+                        <a:rPr lang="ja-JP" altLang="en-US" sz="1100" b="0" i="0" u="none" strike="noStrike" dirty="0">
+                          <a:solidFill>
+                            <a:srgbClr val="000000"/>
+                          </a:solidFill>
+                          <a:effectLst/>
+                          <a:latin typeface="+mn-lt"/>
+                          <a:ea typeface="ＭＳ Ｐゴシック" panose="020B0600070205080204" pitchFamily="50" charset="-128"/>
+                        </a:rPr>
+                        <a:t>　</a:t>
+                      </a:r>
+                    </a:p>
+                  </a:txBody>
+                  <a:tcPr marL="9525" marR="9525" marT="9525" marB="0" anchor="ctr">
+                    <a:lnL w="6350" cap="flat" cmpd="sng" algn="ctr">
+                      <a:solidFill>
+                        <a:srgbClr val="000000"/>
+                      </a:solidFill>
+                      <a:prstDash val="solid"/>
+                      <a:round/>
+                      <a:headEnd type="none" w="med" len="med"/>
+                      <a:tailEnd type="none" w="med" len="med"/>
+                    </a:lnL>
+                    <a:lnR w="12700" cap="flat" cmpd="sng" algn="ctr">
+                      <a:solidFill>
+                        <a:schemeClr val="tx1"/>
+                      </a:solidFill>
+                      <a:prstDash val="solid"/>
+                      <a:round/>
+                      <a:headEnd type="none" w="med" len="med"/>
+                      <a:tailEnd type="none" w="med" len="med"/>
+                    </a:lnR>
+                    <a:lnT w="12700" cap="flat" cmpd="sng" algn="ctr">
+                      <a:solidFill>
+                        <a:srgbClr val="000000"/>
+                      </a:solidFill>
+                      <a:prstDash val="solid"/>
+                      <a:round/>
+                      <a:headEnd type="none" w="med" len="med"/>
+                      <a:tailEnd type="none" w="med" len="med"/>
+                    </a:lnT>
+                    <a:lnB w="6350" cap="flat" cmpd="sng" algn="ctr">
+                      <a:solidFill>
+                        <a:srgbClr val="000000"/>
+                      </a:solidFill>
+                      <a:prstDash val="solid"/>
+                      <a:round/>
+                      <a:headEnd type="none" w="med" len="med"/>
+                      <a:tailEnd type="none" w="med" len="med"/>
+                    </a:lnB>
+                    <a:solidFill>
+                      <a:srgbClr val="FF0000"/>
+                    </a:solidFill>
+                  </a:tcPr>
+                </a:tc>
+                <a:tc>
+                  <a:txBody>
+                    <a:bodyPr/>
+                    <a:lstStyle/>
+                    <a:p>
+                      <a:pPr algn="ctr" fontAlgn="ctr"/>
+                      <a:r>
+                        <a:rPr lang="en-US" altLang="ja-JP" sz="1100" b="0" i="0" u="none" strike="noStrike" dirty="0">
+                          <a:solidFill>
+                            <a:srgbClr val="000000"/>
+                          </a:solidFill>
+                          <a:effectLst/>
+                          <a:latin typeface="+mn-lt"/>
+                          <a:ea typeface="ＭＳ Ｐゴシック" panose="020B0600070205080204" pitchFamily="50" charset="-128"/>
+                        </a:rPr>
+                        <a:t>20129</a:t>
+                      </a:r>
+                    </a:p>
+                  </a:txBody>
+                  <a:tcPr marL="9525" marR="9525" marT="9525" marB="0" anchor="ctr">
+                    <a:lnL w="12700" cap="flat" cmpd="sng" algn="ctr">
+                      <a:solidFill>
+                        <a:schemeClr val="tx1"/>
+                      </a:solidFill>
+                      <a:prstDash val="solid"/>
+                      <a:round/>
+                      <a:headEnd type="none" w="med" len="med"/>
+                      <a:tailEnd type="none" w="med" len="med"/>
+                    </a:lnL>
+                    <a:lnR w="12700" cap="flat" cmpd="sng" algn="ctr">
+                      <a:solidFill>
+                        <a:schemeClr val="tx1"/>
+                      </a:solidFill>
+                      <a:prstDash val="solid"/>
+                      <a:round/>
+                      <a:headEnd type="none" w="med" len="med"/>
+                      <a:tailEnd type="none" w="med" len="med"/>
+                    </a:lnR>
+                    <a:lnT w="12700" cap="flat" cmpd="sng" algn="ctr">
+                      <a:solidFill>
+                        <a:schemeClr val="tx1"/>
+                      </a:solidFill>
+                      <a:prstDash val="solid"/>
+                      <a:round/>
+                      <a:headEnd type="none" w="med" len="med"/>
+                      <a:tailEnd type="none" w="med" len="med"/>
+                    </a:lnT>
+                    <a:lnB w="6350" cap="flat" cmpd="sng" algn="ctr">
+                      <a:solidFill>
+                        <a:srgbClr val="000000"/>
+                      </a:solidFill>
+                      <a:prstDash val="solid"/>
+                      <a:round/>
+                      <a:headEnd type="none" w="med" len="med"/>
+                      <a:tailEnd type="none" w="med" len="med"/>
+                    </a:lnB>
+                  </a:tcPr>
+                </a:tc>
+                <a:tc>
+                  <a:txBody>
+                    <a:bodyPr/>
+                    <a:lstStyle/>
+                    <a:p>
+                      <a:pPr algn="ctr" fontAlgn="ctr"/>
+                      <a:r>
+                        <a:rPr lang="en-US" altLang="ja-JP" sz="1100" b="0" i="0" u="none" strike="noStrike" dirty="0">
+                          <a:solidFill>
+                            <a:srgbClr val="000000"/>
+                          </a:solidFill>
+                          <a:effectLst/>
+                          <a:latin typeface="+mn-lt"/>
+                          <a:ea typeface="ＭＳ Ｐゴシック" panose="020B0600070205080204" pitchFamily="50" charset="-128"/>
+                        </a:rPr>
+                        <a:t>22542</a:t>
+                      </a:r>
+                    </a:p>
+                  </a:txBody>
+                  <a:tcPr marL="9525" marR="9525" marT="9525" marB="0" anchor="ctr">
+                    <a:lnL w="12700" cap="flat" cmpd="sng" algn="ctr">
+                      <a:solidFill>
+                        <a:schemeClr val="tx1"/>
+                      </a:solidFill>
+                      <a:prstDash val="solid"/>
+                      <a:round/>
+                      <a:headEnd type="none" w="med" len="med"/>
+                      <a:tailEnd type="none" w="med" len="med"/>
+                    </a:lnL>
+                    <a:lnR w="12700" cap="flat" cmpd="sng" algn="ctr">
+                      <a:solidFill>
+                        <a:schemeClr val="tx1"/>
+                      </a:solidFill>
+                      <a:prstDash val="solid"/>
+                      <a:round/>
+                      <a:headEnd type="none" w="med" len="med"/>
+                      <a:tailEnd type="none" w="med" len="med"/>
+                    </a:lnR>
+                    <a:lnT w="12700" cap="flat" cmpd="sng" algn="ctr">
+                      <a:solidFill>
+                        <a:schemeClr val="tx1"/>
+                      </a:solidFill>
+                      <a:prstDash val="solid"/>
+                      <a:round/>
+                      <a:headEnd type="none" w="med" len="med"/>
+                      <a:tailEnd type="none" w="med" len="med"/>
+                    </a:lnT>
+                    <a:lnB w="6350" cap="flat" cmpd="sng" algn="ctr">
+                      <a:solidFill>
+                        <a:srgbClr val="000000"/>
+                      </a:solidFill>
+                      <a:prstDash val="solid"/>
+                      <a:round/>
+                      <a:headEnd type="none" w="med" len="med"/>
+                      <a:tailEnd type="none" w="med" len="med"/>
+                    </a:lnB>
+                  </a:tcPr>
+                </a:tc>
+                <a:tc>
+                  <a:txBody>
+                    <a:bodyPr/>
+                    <a:lstStyle/>
+                    <a:p>
+                      <a:pPr algn="ctr" fontAlgn="ctr"/>
+                      <a:r>
+                        <a:rPr lang="en-US" altLang="ja-JP" sz="1100" b="0" i="0" u="none" strike="noStrike" dirty="0">
+                          <a:solidFill>
+                            <a:srgbClr val="000000"/>
+                          </a:solidFill>
+                          <a:effectLst/>
+                          <a:latin typeface="+mn-lt"/>
+                          <a:ea typeface="ＭＳ Ｐゴシック" panose="020B0600070205080204" pitchFamily="50" charset="-128"/>
+                        </a:rPr>
+                        <a:t>23974</a:t>
+                      </a:r>
+                    </a:p>
+                  </a:txBody>
+                  <a:tcPr marL="9525" marR="9525" marT="9525" marB="0" anchor="ctr">
+                    <a:lnL w="12700" cap="flat" cmpd="sng" algn="ctr">
+                      <a:solidFill>
+                        <a:schemeClr val="tx1"/>
+                      </a:solidFill>
+                      <a:prstDash val="solid"/>
+                      <a:round/>
+                      <a:headEnd type="none" w="med" len="med"/>
+                      <a:tailEnd type="none" w="med" len="med"/>
+                    </a:lnL>
+                    <a:lnR w="12700" cap="flat" cmpd="sng" algn="ctr">
+                      <a:solidFill>
+                        <a:schemeClr val="tx1"/>
+                      </a:solidFill>
+                      <a:prstDash val="solid"/>
+                      <a:round/>
+                      <a:headEnd type="none" w="med" len="med"/>
+                      <a:tailEnd type="none" w="med" len="med"/>
+                    </a:lnR>
+                    <a:lnT w="12700" cap="flat" cmpd="sng" algn="ctr">
+                      <a:solidFill>
+                        <a:schemeClr val="tx1"/>
+                      </a:solidFill>
+                      <a:prstDash val="solid"/>
+                      <a:round/>
+                      <a:headEnd type="none" w="med" len="med"/>
+                      <a:tailEnd type="none" w="med" len="med"/>
+                    </a:lnT>
+                    <a:lnB w="6350" cap="flat" cmpd="sng" algn="ctr">
+                      <a:solidFill>
+                        <a:srgbClr val="000000"/>
+                      </a:solidFill>
+                      <a:prstDash val="solid"/>
+                      <a:round/>
+                      <a:headEnd type="none" w="med" len="med"/>
+                      <a:tailEnd type="none" w="med" len="med"/>
+                    </a:lnB>
+                  </a:tcPr>
+                </a:tc>
+              </a:tr>
+              <a:tr h="171450">
+                <a:tc vMerge="1">
+                  <a:txBody>
+                    <a:bodyPr/>
+                    <a:lstStyle/>
+                    <a:p>
+                      <a:endParaRPr kumimoji="1" lang="ja-JP" altLang="en-US"/>
+                    </a:p>
+                  </a:txBody>
+                  <a:tcPr/>
+                </a:tc>
+                <a:tc>
+                  <a:txBody>
+                    <a:bodyPr/>
+                    <a:lstStyle/>
+                    <a:p>
+                      <a:pPr algn="ctr" fontAlgn="ctr"/>
+                      <a:r>
+                        <a:rPr lang="en-US" altLang="ja-JP" sz="1100" b="0" i="0" u="none" strike="noStrike">
+                          <a:solidFill>
+                            <a:srgbClr val="000000"/>
+                          </a:solidFill>
+                          <a:effectLst/>
+                          <a:latin typeface="+mn-lt"/>
+                          <a:ea typeface="ＭＳ Ｐゴシック" panose="020B0600070205080204" pitchFamily="50" charset="-128"/>
+                        </a:rPr>
+                        <a:t>2</a:t>
+                      </a:r>
+                    </a:p>
+                  </a:txBody>
+                  <a:tcPr marL="9525" marR="9525" marT="9525" marB="0" anchor="ctr">
+                    <a:lnL w="12700" cap="flat" cmpd="sng" algn="ctr">
+                      <a:solidFill>
+                        <a:srgbClr val="000000"/>
+                      </a:solidFill>
+                      <a:prstDash val="solid"/>
+                      <a:round/>
+                      <a:headEnd type="none" w="med" len="med"/>
+                      <a:tailEnd type="none" w="med" len="med"/>
+                    </a:lnL>
+                    <a:lnR w="6350" cap="flat" cmpd="sng" algn="ctr">
+                      <a:solidFill>
+                        <a:srgbClr val="000000"/>
+                      </a:solidFill>
+                      <a:prstDash val="solid"/>
+                      <a:round/>
+                      <a:headEnd type="none" w="med" len="med"/>
+                      <a:tailEnd type="none" w="med" len="med"/>
+                    </a:lnR>
+                    <a:lnT w="6350" cap="flat" cmpd="sng" algn="ctr">
+                      <a:solidFill>
+                        <a:srgbClr val="000000"/>
+                      </a:solidFill>
+                      <a:prstDash val="solid"/>
+                      <a:round/>
+                      <a:headEnd type="none" w="med" len="med"/>
+                      <a:tailEnd type="none" w="med" len="med"/>
+                    </a:lnT>
+                    <a:lnB w="6350" cap="flat" cmpd="sng" algn="ctr">
+                      <a:solidFill>
+                        <a:srgbClr val="000000"/>
+                      </a:solidFill>
+                      <a:prstDash val="solid"/>
+                      <a:round/>
+                      <a:headEnd type="none" w="med" len="med"/>
+                      <a:tailEnd type="none" w="med" len="med"/>
+                    </a:lnB>
+                  </a:tcPr>
+                </a:tc>
+                <a:tc>
+                  <a:txBody>
+                    <a:bodyPr/>
+                    <a:lstStyle/>
+                    <a:p>
+                      <a:pPr algn="ctr" fontAlgn="ctr"/>
+                      <a:r>
+                        <a:rPr lang="ja-JP" altLang="en-US" sz="1100" b="0" i="0" u="none" strike="noStrike" dirty="0">
+                          <a:solidFill>
+                            <a:srgbClr val="000000"/>
+                          </a:solidFill>
+                          <a:effectLst/>
+                          <a:latin typeface="+mn-lt"/>
+                          <a:ea typeface="ＭＳ Ｐゴシック" panose="020B0600070205080204" pitchFamily="50" charset="-128"/>
+                        </a:rPr>
+                        <a:t>　</a:t>
+                      </a:r>
+                    </a:p>
+                  </a:txBody>
+                  <a:tcPr marL="9525" marR="9525" marT="9525" marB="0" anchor="ctr">
+                    <a:lnL w="6350" cap="flat" cmpd="sng" algn="ctr">
+                      <a:solidFill>
+                        <a:srgbClr val="000000"/>
+                      </a:solidFill>
+                      <a:prstDash val="solid"/>
+                      <a:round/>
+                      <a:headEnd type="none" w="med" len="med"/>
+                      <a:tailEnd type="none" w="med" len="med"/>
+                    </a:lnL>
+                    <a:lnR w="12700" cap="flat" cmpd="sng" algn="ctr">
+                      <a:solidFill>
+                        <a:schemeClr val="tx1"/>
+                      </a:solidFill>
+                      <a:prstDash val="solid"/>
+                      <a:round/>
+                      <a:headEnd type="none" w="med" len="med"/>
+                      <a:tailEnd type="none" w="med" len="med"/>
+                    </a:lnR>
+                    <a:lnT w="6350" cap="flat" cmpd="sng" algn="ctr">
+                      <a:solidFill>
+                        <a:srgbClr val="000000"/>
+                      </a:solidFill>
+                      <a:prstDash val="solid"/>
+                      <a:round/>
+                      <a:headEnd type="none" w="med" len="med"/>
+                      <a:tailEnd type="none" w="med" len="med"/>
+                    </a:lnT>
+                    <a:lnB w="6350" cap="flat" cmpd="sng" algn="ctr">
+                      <a:solidFill>
+                        <a:srgbClr val="000000"/>
+                      </a:solidFill>
+                      <a:prstDash val="solid"/>
+                      <a:round/>
+                      <a:headEnd type="none" w="med" len="med"/>
+                      <a:tailEnd type="none" w="med" len="med"/>
+                    </a:lnB>
+                    <a:solidFill>
+                      <a:srgbClr val="4472C4"/>
+                    </a:solidFill>
+                  </a:tcPr>
+                </a:tc>
+                <a:tc>
+                  <a:txBody>
+                    <a:bodyPr/>
+                    <a:lstStyle/>
+                    <a:p>
+                      <a:pPr algn="ctr" fontAlgn="ctr"/>
+                      <a:r>
+                        <a:rPr lang="en-US" altLang="ja-JP" sz="1100" b="0" i="0" u="none" strike="noStrike" dirty="0">
+                          <a:solidFill>
+                            <a:srgbClr val="000000"/>
+                          </a:solidFill>
+                          <a:effectLst/>
+                          <a:latin typeface="+mn-lt"/>
+                          <a:ea typeface="ＭＳ Ｐゴシック" panose="020B0600070205080204" pitchFamily="50" charset="-128"/>
+                        </a:rPr>
+                        <a:t>22576</a:t>
+                      </a:r>
+                    </a:p>
+                  </a:txBody>
+                  <a:tcPr marL="9525" marR="9525" marT="9525" marB="0" anchor="ctr">
+                    <a:lnL w="12700" cap="flat" cmpd="sng" algn="ctr">
+                      <a:solidFill>
+                        <a:schemeClr val="tx1"/>
+                      </a:solidFill>
+                      <a:prstDash val="solid"/>
+                      <a:round/>
+                      <a:headEnd type="none" w="med" len="med"/>
+                      <a:tailEnd type="none" w="med" len="med"/>
+                    </a:lnL>
+                    <a:lnR w="12700" cap="flat" cmpd="sng" algn="ctr">
+                      <a:solidFill>
+                        <a:schemeClr val="tx1"/>
+                      </a:solidFill>
+                      <a:prstDash val="solid"/>
+                      <a:round/>
+                      <a:headEnd type="none" w="med" len="med"/>
+                      <a:tailEnd type="none" w="med" len="med"/>
+                    </a:lnR>
+                    <a:lnT w="6350" cap="flat" cmpd="sng" algn="ctr">
+                      <a:solidFill>
+                        <a:srgbClr val="000000"/>
+                      </a:solidFill>
+                      <a:prstDash val="solid"/>
+                      <a:round/>
+                      <a:headEnd type="none" w="med" len="med"/>
+                      <a:tailEnd type="none" w="med" len="med"/>
+                    </a:lnT>
+                    <a:lnB w="6350" cap="flat" cmpd="sng" algn="ctr">
+                      <a:solidFill>
+                        <a:srgbClr val="000000"/>
+                      </a:solidFill>
+                      <a:prstDash val="solid"/>
+                      <a:round/>
+                      <a:headEnd type="none" w="med" len="med"/>
+                      <a:tailEnd type="none" w="med" len="med"/>
+                    </a:lnB>
+                  </a:tcPr>
+                </a:tc>
+                <a:tc>
+                  <a:txBody>
+                    <a:bodyPr/>
+                    <a:lstStyle/>
+                    <a:p>
+                      <a:pPr algn="ctr" fontAlgn="ctr"/>
+                      <a:r>
+                        <a:rPr lang="en-US" altLang="ja-JP" sz="1100" b="0" i="0" u="none" strike="noStrike" dirty="0">
+                          <a:solidFill>
+                            <a:srgbClr val="000000"/>
+                          </a:solidFill>
+                          <a:effectLst/>
+                          <a:latin typeface="+mn-lt"/>
+                          <a:ea typeface="ＭＳ Ｐゴシック" panose="020B0600070205080204" pitchFamily="50" charset="-128"/>
+                        </a:rPr>
+                        <a:t>25159</a:t>
+                      </a:r>
+                    </a:p>
+                  </a:txBody>
+                  <a:tcPr marL="9525" marR="9525" marT="9525" marB="0" anchor="ctr">
+                    <a:lnL w="12700" cap="flat" cmpd="sng" algn="ctr">
+                      <a:solidFill>
+                        <a:schemeClr val="tx1"/>
+                      </a:solidFill>
+                      <a:prstDash val="solid"/>
+                      <a:round/>
+                      <a:headEnd type="none" w="med" len="med"/>
+                      <a:tailEnd type="none" w="med" len="med"/>
+                    </a:lnL>
+                    <a:lnR w="12700" cap="flat" cmpd="sng" algn="ctr">
+                      <a:solidFill>
+                        <a:schemeClr val="tx1"/>
+                      </a:solidFill>
+                      <a:prstDash val="solid"/>
+                      <a:round/>
+                      <a:headEnd type="none" w="med" len="med"/>
+                      <a:tailEnd type="none" w="med" len="med"/>
+                    </a:lnR>
+                    <a:lnT w="6350" cap="flat" cmpd="sng" algn="ctr">
+                      <a:solidFill>
+                        <a:srgbClr val="000000"/>
+                      </a:solidFill>
+                      <a:prstDash val="solid"/>
+                      <a:round/>
+                      <a:headEnd type="none" w="med" len="med"/>
+                      <a:tailEnd type="none" w="med" len="med"/>
+                    </a:lnT>
+                    <a:lnB w="6350" cap="flat" cmpd="sng" algn="ctr">
+                      <a:solidFill>
+                        <a:srgbClr val="000000"/>
+                      </a:solidFill>
+                      <a:prstDash val="solid"/>
+                      <a:round/>
+                      <a:headEnd type="none" w="med" len="med"/>
+                      <a:tailEnd type="none" w="med" len="med"/>
+                    </a:lnB>
+                  </a:tcPr>
+                </a:tc>
+                <a:tc>
+                  <a:txBody>
+                    <a:bodyPr/>
+                    <a:lstStyle/>
+                    <a:p>
+                      <a:pPr algn="ctr" fontAlgn="ctr"/>
+                      <a:r>
+                        <a:rPr lang="en-US" altLang="ja-JP" sz="1100" b="0" i="0" u="none" strike="noStrike" dirty="0">
+                          <a:solidFill>
+                            <a:srgbClr val="000000"/>
+                          </a:solidFill>
+                          <a:effectLst/>
+                          <a:latin typeface="+mn-lt"/>
+                          <a:ea typeface="ＭＳ Ｐゴシック" panose="020B0600070205080204" pitchFamily="50" charset="-128"/>
+                        </a:rPr>
+                        <a:t>26392</a:t>
+                      </a:r>
+                    </a:p>
+                  </a:txBody>
+                  <a:tcPr marL="9525" marR="9525" marT="9525" marB="0" anchor="ctr">
+                    <a:lnL w="12700" cap="flat" cmpd="sng" algn="ctr">
+                      <a:solidFill>
+                        <a:schemeClr val="tx1"/>
+                      </a:solidFill>
+                      <a:prstDash val="solid"/>
+                      <a:round/>
+                      <a:headEnd type="none" w="med" len="med"/>
+                      <a:tailEnd type="none" w="med" len="med"/>
+                    </a:lnL>
+                    <a:lnR w="12700" cap="flat" cmpd="sng" algn="ctr">
+                      <a:solidFill>
+                        <a:schemeClr val="tx1"/>
+                      </a:solidFill>
+                      <a:prstDash val="solid"/>
+                      <a:round/>
+                      <a:headEnd type="none" w="med" len="med"/>
+                      <a:tailEnd type="none" w="med" len="med"/>
+                    </a:lnR>
+                    <a:lnT w="6350" cap="flat" cmpd="sng" algn="ctr">
+                      <a:solidFill>
+                        <a:srgbClr val="000000"/>
+                      </a:solidFill>
+                      <a:prstDash val="solid"/>
+                      <a:round/>
+                      <a:headEnd type="none" w="med" len="med"/>
+                      <a:tailEnd type="none" w="med" len="med"/>
+                    </a:lnT>
+                    <a:lnB w="6350" cap="flat" cmpd="sng" algn="ctr">
+                      <a:solidFill>
+                        <a:srgbClr val="000000"/>
+                      </a:solidFill>
+                      <a:prstDash val="solid"/>
+                      <a:round/>
+                      <a:headEnd type="none" w="med" len="med"/>
+                      <a:tailEnd type="none" w="med" len="med"/>
+                    </a:lnB>
+                  </a:tcPr>
+                </a:tc>
+              </a:tr>
+              <a:tr h="171450">
+                <a:tc vMerge="1">
+                  <a:txBody>
+                    <a:bodyPr/>
+                    <a:lstStyle/>
+                    <a:p>
+                      <a:endParaRPr kumimoji="1" lang="ja-JP" altLang="en-US"/>
+                    </a:p>
+                  </a:txBody>
+                  <a:tcPr/>
+                </a:tc>
+                <a:tc>
+                  <a:txBody>
+                    <a:bodyPr/>
+                    <a:lstStyle/>
+                    <a:p>
+                      <a:pPr algn="ctr" fontAlgn="ctr"/>
+                      <a:r>
+                        <a:rPr lang="en-US" altLang="ja-JP" sz="1100" b="0" i="0" u="none" strike="noStrike">
+                          <a:solidFill>
+                            <a:srgbClr val="000000"/>
+                          </a:solidFill>
+                          <a:effectLst/>
+                          <a:latin typeface="+mn-lt"/>
+                          <a:ea typeface="ＭＳ Ｐゴシック" panose="020B0600070205080204" pitchFamily="50" charset="-128"/>
+                        </a:rPr>
+                        <a:t>3</a:t>
+                      </a:r>
+                    </a:p>
+                  </a:txBody>
+                  <a:tcPr marL="9525" marR="9525" marT="9525" marB="0" anchor="ctr">
+                    <a:lnL w="12700" cap="flat" cmpd="sng" algn="ctr">
+                      <a:solidFill>
+                        <a:srgbClr val="000000"/>
+                      </a:solidFill>
+                      <a:prstDash val="solid"/>
+                      <a:round/>
+                      <a:headEnd type="none" w="med" len="med"/>
+                      <a:tailEnd type="none" w="med" len="med"/>
+                    </a:lnL>
+                    <a:lnR w="6350" cap="flat" cmpd="sng" algn="ctr">
+                      <a:solidFill>
+                        <a:srgbClr val="000000"/>
+                      </a:solidFill>
+                      <a:prstDash val="solid"/>
+                      <a:round/>
+                      <a:headEnd type="none" w="med" len="med"/>
+                      <a:tailEnd type="none" w="med" len="med"/>
+                    </a:lnR>
+                    <a:lnT w="6350" cap="flat" cmpd="sng" algn="ctr">
+                      <a:solidFill>
+                        <a:srgbClr val="000000"/>
+                      </a:solidFill>
+                      <a:prstDash val="solid"/>
+                      <a:round/>
+                      <a:headEnd type="none" w="med" len="med"/>
+                      <a:tailEnd type="none" w="med" len="med"/>
+                    </a:lnT>
+                    <a:lnB w="6350" cap="flat" cmpd="sng" algn="ctr">
+                      <a:solidFill>
+                        <a:srgbClr val="000000"/>
+                      </a:solidFill>
+                      <a:prstDash val="solid"/>
+                      <a:round/>
+                      <a:headEnd type="none" w="med" len="med"/>
+                      <a:tailEnd type="none" w="med" len="med"/>
+                    </a:lnB>
+                  </a:tcPr>
+                </a:tc>
+                <a:tc>
+                  <a:txBody>
+                    <a:bodyPr/>
+                    <a:lstStyle/>
+                    <a:p>
+                      <a:pPr algn="ctr" fontAlgn="ctr"/>
+                      <a:r>
+                        <a:rPr lang="ja-JP" altLang="en-US" sz="1100" b="0" i="0" u="none" strike="noStrike">
+                          <a:solidFill>
+                            <a:srgbClr val="000000"/>
+                          </a:solidFill>
+                          <a:effectLst/>
+                          <a:latin typeface="+mn-lt"/>
+                          <a:ea typeface="ＭＳ Ｐゴシック" panose="020B0600070205080204" pitchFamily="50" charset="-128"/>
+                        </a:rPr>
+                        <a:t>　</a:t>
+                      </a:r>
+                    </a:p>
+                  </a:txBody>
+                  <a:tcPr marL="9525" marR="9525" marT="9525" marB="0" anchor="ctr">
+                    <a:lnL w="6350" cap="flat" cmpd="sng" algn="ctr">
+                      <a:solidFill>
+                        <a:srgbClr val="000000"/>
+                      </a:solidFill>
+                      <a:prstDash val="solid"/>
+                      <a:round/>
+                      <a:headEnd type="none" w="med" len="med"/>
+                      <a:tailEnd type="none" w="med" len="med"/>
+                    </a:lnL>
+                    <a:lnR w="12700" cap="flat" cmpd="sng" algn="ctr">
+                      <a:solidFill>
+                        <a:schemeClr val="tx1"/>
+                      </a:solidFill>
+                      <a:prstDash val="solid"/>
+                      <a:round/>
+                      <a:headEnd type="none" w="med" len="med"/>
+                      <a:tailEnd type="none" w="med" len="med"/>
+                    </a:lnR>
+                    <a:lnT w="6350" cap="flat" cmpd="sng" algn="ctr">
+                      <a:solidFill>
+                        <a:srgbClr val="000000"/>
+                      </a:solidFill>
+                      <a:prstDash val="solid"/>
+                      <a:round/>
+                      <a:headEnd type="none" w="med" len="med"/>
+                      <a:tailEnd type="none" w="med" len="med"/>
+                    </a:lnT>
+                    <a:lnB w="6350" cap="flat" cmpd="sng" algn="ctr">
+                      <a:solidFill>
+                        <a:srgbClr val="000000"/>
+                      </a:solidFill>
+                      <a:prstDash val="solid"/>
+                      <a:round/>
+                      <a:headEnd type="none" w="med" len="med"/>
+                      <a:tailEnd type="none" w="med" len="med"/>
+                    </a:lnB>
+                    <a:solidFill>
+                      <a:srgbClr val="00B0F0"/>
+                    </a:solidFill>
+                  </a:tcPr>
+                </a:tc>
+                <a:tc>
+                  <a:txBody>
+                    <a:bodyPr/>
+                    <a:lstStyle/>
+                    <a:p>
+                      <a:pPr algn="ctr" fontAlgn="ctr"/>
+                      <a:r>
+                        <a:rPr lang="en-US" altLang="ja-JP" sz="1100" b="0" i="0" u="none" strike="noStrike" dirty="0">
+                          <a:solidFill>
+                            <a:srgbClr val="000000"/>
+                          </a:solidFill>
+                          <a:effectLst/>
+                          <a:latin typeface="+mn-lt"/>
+                          <a:ea typeface="ＭＳ Ｐゴシック" panose="020B0600070205080204" pitchFamily="50" charset="-128"/>
+                        </a:rPr>
+                        <a:t>28765</a:t>
+                      </a:r>
+                    </a:p>
+                  </a:txBody>
+                  <a:tcPr marL="9525" marR="9525" marT="9525" marB="0" anchor="ctr">
+                    <a:lnL w="12700" cap="flat" cmpd="sng" algn="ctr">
+                      <a:solidFill>
+                        <a:schemeClr val="tx1"/>
+                      </a:solidFill>
+                      <a:prstDash val="solid"/>
+                      <a:round/>
+                      <a:headEnd type="none" w="med" len="med"/>
+                      <a:tailEnd type="none" w="med" len="med"/>
+                    </a:lnL>
+                    <a:lnR w="12700" cap="flat" cmpd="sng" algn="ctr">
+                      <a:solidFill>
+                        <a:schemeClr val="tx1"/>
+                      </a:solidFill>
+                      <a:prstDash val="solid"/>
+                      <a:round/>
+                      <a:headEnd type="none" w="med" len="med"/>
+                      <a:tailEnd type="none" w="med" len="med"/>
+                    </a:lnR>
+                    <a:lnT w="6350" cap="flat" cmpd="sng" algn="ctr">
+                      <a:solidFill>
+                        <a:srgbClr val="000000"/>
+                      </a:solidFill>
+                      <a:prstDash val="solid"/>
+                      <a:round/>
+                      <a:headEnd type="none" w="med" len="med"/>
+                      <a:tailEnd type="none" w="med" len="med"/>
+                    </a:lnT>
+                    <a:lnB w="6350" cap="flat" cmpd="sng" algn="ctr">
+                      <a:solidFill>
+                        <a:srgbClr val="000000"/>
+                      </a:solidFill>
+                      <a:prstDash val="solid"/>
+                      <a:round/>
+                      <a:headEnd type="none" w="med" len="med"/>
+                      <a:tailEnd type="none" w="med" len="med"/>
+                    </a:lnB>
+                  </a:tcPr>
+                </a:tc>
+                <a:tc>
+                  <a:txBody>
+                    <a:bodyPr/>
+                    <a:lstStyle/>
+                    <a:p>
+                      <a:pPr algn="ctr" fontAlgn="ctr"/>
+                      <a:r>
+                        <a:rPr lang="en-US" altLang="ja-JP" sz="1100" b="0" i="0" u="none" strike="noStrike" dirty="0">
+                          <a:solidFill>
+                            <a:srgbClr val="000000"/>
+                          </a:solidFill>
+                          <a:effectLst/>
+                          <a:latin typeface="+mn-lt"/>
+                          <a:ea typeface="ＭＳ Ｐゴシック" panose="020B0600070205080204" pitchFamily="50" charset="-128"/>
+                        </a:rPr>
+                        <a:t>30313</a:t>
+                      </a:r>
+                    </a:p>
+                  </a:txBody>
+                  <a:tcPr marL="9525" marR="9525" marT="9525" marB="0" anchor="ctr">
+                    <a:lnL w="12700" cap="flat" cmpd="sng" algn="ctr">
+                      <a:solidFill>
+                        <a:schemeClr val="tx1"/>
+                      </a:solidFill>
+                      <a:prstDash val="solid"/>
+                      <a:round/>
+                      <a:headEnd type="none" w="med" len="med"/>
+                      <a:tailEnd type="none" w="med" len="med"/>
+                    </a:lnL>
+                    <a:lnR w="12700" cap="flat" cmpd="sng" algn="ctr">
+                      <a:solidFill>
+                        <a:schemeClr val="tx1"/>
+                      </a:solidFill>
+                      <a:prstDash val="solid"/>
+                      <a:round/>
+                      <a:headEnd type="none" w="med" len="med"/>
+                      <a:tailEnd type="none" w="med" len="med"/>
+                    </a:lnR>
+                    <a:lnT w="6350" cap="flat" cmpd="sng" algn="ctr">
+                      <a:solidFill>
+                        <a:srgbClr val="000000"/>
+                      </a:solidFill>
+                      <a:prstDash val="solid"/>
+                      <a:round/>
+                      <a:headEnd type="none" w="med" len="med"/>
+                      <a:tailEnd type="none" w="med" len="med"/>
+                    </a:lnT>
+                    <a:lnB w="6350" cap="flat" cmpd="sng" algn="ctr">
+                      <a:solidFill>
+                        <a:srgbClr val="000000"/>
+                      </a:solidFill>
+                      <a:prstDash val="solid"/>
+                      <a:round/>
+                      <a:headEnd type="none" w="med" len="med"/>
+                      <a:tailEnd type="none" w="med" len="med"/>
+                    </a:lnB>
+                  </a:tcPr>
+                </a:tc>
+                <a:tc>
+                  <a:txBody>
+                    <a:bodyPr/>
+                    <a:lstStyle/>
+                    <a:p>
+                      <a:pPr algn="ctr" fontAlgn="ctr"/>
+                      <a:r>
+                        <a:rPr lang="en-US" altLang="ja-JP" sz="1100" b="0" i="0" u="none" strike="noStrike" dirty="0">
+                          <a:solidFill>
+                            <a:srgbClr val="000000"/>
+                          </a:solidFill>
+                          <a:effectLst/>
+                          <a:latin typeface="+mn-lt"/>
+                          <a:ea typeface="ＭＳ Ｐゴシック" panose="020B0600070205080204" pitchFamily="50" charset="-128"/>
+                        </a:rPr>
+                        <a:t>30653</a:t>
+                      </a:r>
+                    </a:p>
+                  </a:txBody>
+                  <a:tcPr marL="9525" marR="9525" marT="9525" marB="0" anchor="ctr">
+                    <a:lnL w="12700" cap="flat" cmpd="sng" algn="ctr">
+                      <a:solidFill>
+                        <a:schemeClr val="tx1"/>
+                      </a:solidFill>
+                      <a:prstDash val="solid"/>
+                      <a:round/>
+                      <a:headEnd type="none" w="med" len="med"/>
+                      <a:tailEnd type="none" w="med" len="med"/>
+                    </a:lnL>
+                    <a:lnR w="12700" cap="flat" cmpd="sng" algn="ctr">
+                      <a:solidFill>
+                        <a:schemeClr val="tx1"/>
+                      </a:solidFill>
+                      <a:prstDash val="solid"/>
+                      <a:round/>
+                      <a:headEnd type="none" w="med" len="med"/>
+                      <a:tailEnd type="none" w="med" len="med"/>
+                    </a:lnR>
+                    <a:lnT w="6350" cap="flat" cmpd="sng" algn="ctr">
+                      <a:solidFill>
+                        <a:srgbClr val="000000"/>
+                      </a:solidFill>
+                      <a:prstDash val="solid"/>
+                      <a:round/>
+                      <a:headEnd type="none" w="med" len="med"/>
+                      <a:tailEnd type="none" w="med" len="med"/>
+                    </a:lnT>
+                    <a:lnB w="6350" cap="flat" cmpd="sng" algn="ctr">
+                      <a:solidFill>
+                        <a:srgbClr val="000000"/>
+                      </a:solidFill>
+                      <a:prstDash val="solid"/>
+                      <a:round/>
+                      <a:headEnd type="none" w="med" len="med"/>
+                      <a:tailEnd type="none" w="med" len="med"/>
+                    </a:lnB>
+                  </a:tcPr>
+                </a:tc>
+              </a:tr>
+              <a:tr h="180975">
+                <a:tc vMerge="1">
+                  <a:txBody>
+                    <a:bodyPr/>
+                    <a:lstStyle/>
+                    <a:p>
+                      <a:endParaRPr kumimoji="1" lang="ja-JP" altLang="en-US"/>
+                    </a:p>
+                  </a:txBody>
+                  <a:tcPr/>
+                </a:tc>
+                <a:tc>
+                  <a:txBody>
+                    <a:bodyPr/>
+                    <a:lstStyle/>
+                    <a:p>
+                      <a:pPr algn="ctr" fontAlgn="ctr"/>
+                      <a:r>
+                        <a:rPr lang="en-US" altLang="ja-JP" sz="1100" b="0" i="0" u="none" strike="noStrike">
+                          <a:solidFill>
+                            <a:srgbClr val="000000"/>
+                          </a:solidFill>
+                          <a:effectLst/>
+                          <a:latin typeface="+mn-lt"/>
+                          <a:ea typeface="ＭＳ Ｐゴシック" panose="020B0600070205080204" pitchFamily="50" charset="-128"/>
+                        </a:rPr>
+                        <a:t>4</a:t>
+                      </a:r>
+                    </a:p>
+                  </a:txBody>
+                  <a:tcPr marL="9525" marR="9525" marT="9525" marB="0" anchor="ctr">
+                    <a:lnL w="12700" cap="flat" cmpd="sng" algn="ctr">
+                      <a:solidFill>
+                        <a:srgbClr val="000000"/>
+                      </a:solidFill>
+                      <a:prstDash val="solid"/>
+                      <a:round/>
+                      <a:headEnd type="none" w="med" len="med"/>
+                      <a:tailEnd type="none" w="med" len="med"/>
+                    </a:lnL>
+                    <a:lnR w="6350" cap="flat" cmpd="sng" algn="ctr">
+                      <a:solidFill>
+                        <a:srgbClr val="000000"/>
+                      </a:solidFill>
+                      <a:prstDash val="solid"/>
+                      <a:round/>
+                      <a:headEnd type="none" w="med" len="med"/>
+                      <a:tailEnd type="none" w="med" len="med"/>
+                    </a:lnR>
+                    <a:lnT w="6350" cap="flat" cmpd="sng" algn="ctr">
+                      <a:solidFill>
+                        <a:srgbClr val="000000"/>
+                      </a:solidFill>
+                      <a:prstDash val="solid"/>
+                      <a:round/>
+                      <a:headEnd type="none" w="med" len="med"/>
+                      <a:tailEnd type="none" w="med" len="med"/>
+                    </a:lnT>
+                    <a:lnB w="6350" cap="flat" cmpd="sng" algn="ctr">
+                      <a:solidFill>
+                        <a:srgbClr val="000000"/>
+                      </a:solidFill>
+                      <a:prstDash val="solid"/>
+                      <a:round/>
+                      <a:headEnd type="none" w="med" len="med"/>
+                      <a:tailEnd type="none" w="med" len="med"/>
+                    </a:lnB>
+                  </a:tcPr>
+                </a:tc>
+                <a:tc>
+                  <a:txBody>
+                    <a:bodyPr/>
+                    <a:lstStyle/>
+                    <a:p>
+                      <a:pPr algn="ctr" fontAlgn="ctr"/>
+                      <a:r>
+                        <a:rPr lang="ja-JP" altLang="en-US" sz="1100" b="0" i="0" u="none" strike="noStrike">
+                          <a:solidFill>
+                            <a:srgbClr val="000000"/>
+                          </a:solidFill>
+                          <a:effectLst/>
+                          <a:latin typeface="+mn-lt"/>
+                          <a:ea typeface="ＭＳ Ｐゴシック" panose="020B0600070205080204" pitchFamily="50" charset="-128"/>
+                        </a:rPr>
+                        <a:t>　</a:t>
+                      </a:r>
+                    </a:p>
+                  </a:txBody>
+                  <a:tcPr marL="9525" marR="9525" marT="9525" marB="0" anchor="ctr">
+                    <a:lnL w="6350" cap="flat" cmpd="sng" algn="ctr">
+                      <a:solidFill>
+                        <a:srgbClr val="000000"/>
+                      </a:solidFill>
+                      <a:prstDash val="solid"/>
+                      <a:round/>
+                      <a:headEnd type="none" w="med" len="med"/>
+                      <a:tailEnd type="none" w="med" len="med"/>
+                    </a:lnL>
+                    <a:lnR w="12700" cap="flat" cmpd="sng" algn="ctr">
+                      <a:solidFill>
+                        <a:schemeClr val="tx1"/>
+                      </a:solidFill>
+                      <a:prstDash val="solid"/>
+                      <a:round/>
+                      <a:headEnd type="none" w="med" len="med"/>
+                      <a:tailEnd type="none" w="med" len="med"/>
+                    </a:lnR>
+                    <a:lnT w="6350" cap="flat" cmpd="sng" algn="ctr">
+                      <a:solidFill>
+                        <a:srgbClr val="000000"/>
+                      </a:solidFill>
+                      <a:prstDash val="solid"/>
+                      <a:round/>
+                      <a:headEnd type="none" w="med" len="med"/>
+                      <a:tailEnd type="none" w="med" len="med"/>
+                    </a:lnT>
+                    <a:lnB w="6350" cap="flat" cmpd="sng" algn="ctr">
+                      <a:solidFill>
+                        <a:srgbClr val="000000"/>
+                      </a:solidFill>
+                      <a:prstDash val="solid"/>
+                      <a:round/>
+                      <a:headEnd type="none" w="med" len="med"/>
+                      <a:tailEnd type="none" w="med" len="med"/>
+                    </a:lnB>
+                    <a:solidFill>
+                      <a:srgbClr val="92D050"/>
+                    </a:solidFill>
+                  </a:tcPr>
+                </a:tc>
+                <a:tc>
+                  <a:txBody>
+                    <a:bodyPr/>
+                    <a:lstStyle/>
+                    <a:p>
+                      <a:pPr algn="ctr" fontAlgn="ctr"/>
+                      <a:r>
+                        <a:rPr lang="en-US" altLang="ja-JP" sz="1100" b="0" i="0" u="none" strike="noStrike" dirty="0">
+                          <a:solidFill>
+                            <a:srgbClr val="000000"/>
+                          </a:solidFill>
+                          <a:effectLst/>
+                          <a:latin typeface="+mn-lt"/>
+                          <a:ea typeface="ＭＳ Ｐゴシック" panose="020B0600070205080204" pitchFamily="50" charset="-128"/>
+                        </a:rPr>
+                        <a:t>33207</a:t>
+                      </a:r>
+                    </a:p>
+                  </a:txBody>
+                  <a:tcPr marL="9525" marR="9525" marT="9525" marB="0" anchor="ctr">
+                    <a:lnL w="12700" cap="flat" cmpd="sng" algn="ctr">
+                      <a:solidFill>
+                        <a:schemeClr val="tx1"/>
+                      </a:solidFill>
+                      <a:prstDash val="solid"/>
+                      <a:round/>
+                      <a:headEnd type="none" w="med" len="med"/>
+                      <a:tailEnd type="none" w="med" len="med"/>
+                    </a:lnL>
+                    <a:lnR w="12700" cap="flat" cmpd="sng" algn="ctr">
+                      <a:solidFill>
+                        <a:schemeClr val="tx1"/>
+                      </a:solidFill>
+                      <a:prstDash val="solid"/>
+                      <a:round/>
+                      <a:headEnd type="none" w="med" len="med"/>
+                      <a:tailEnd type="none" w="med" len="med"/>
+                    </a:lnR>
+                    <a:lnT w="6350" cap="flat" cmpd="sng" algn="ctr">
+                      <a:solidFill>
+                        <a:srgbClr val="000000"/>
+                      </a:solidFill>
+                      <a:prstDash val="solid"/>
+                      <a:round/>
+                      <a:headEnd type="none" w="med" len="med"/>
+                      <a:tailEnd type="none" w="med" len="med"/>
+                    </a:lnT>
+                    <a:lnB w="6350" cap="flat" cmpd="sng" algn="ctr">
+                      <a:solidFill>
+                        <a:srgbClr val="000000"/>
+                      </a:solidFill>
+                      <a:prstDash val="solid"/>
+                      <a:round/>
+                      <a:headEnd type="none" w="med" len="med"/>
+                      <a:tailEnd type="none" w="med" len="med"/>
+                    </a:lnB>
+                  </a:tcPr>
+                </a:tc>
+                <a:tc>
+                  <a:txBody>
+                    <a:bodyPr/>
+                    <a:lstStyle/>
+                    <a:p>
+                      <a:pPr algn="ctr" fontAlgn="ctr"/>
+                      <a:r>
+                        <a:rPr lang="en-US" altLang="ja-JP" sz="1100" b="0" i="0" u="none" strike="noStrike" dirty="0">
+                          <a:solidFill>
+                            <a:srgbClr val="000000"/>
+                          </a:solidFill>
+                          <a:effectLst/>
+                          <a:latin typeface="+mn-lt"/>
+                          <a:ea typeface="ＭＳ Ｐゴシック" panose="020B0600070205080204" pitchFamily="50" charset="-128"/>
+                        </a:rPr>
+                        <a:t>33215</a:t>
+                      </a:r>
+                    </a:p>
+                  </a:txBody>
+                  <a:tcPr marL="9525" marR="9525" marT="9525" marB="0" anchor="ctr">
+                    <a:lnL w="12700" cap="flat" cmpd="sng" algn="ctr">
+                      <a:solidFill>
+                        <a:schemeClr val="tx1"/>
+                      </a:solidFill>
+                      <a:prstDash val="solid"/>
+                      <a:round/>
+                      <a:headEnd type="none" w="med" len="med"/>
+                      <a:tailEnd type="none" w="med" len="med"/>
+                    </a:lnL>
+                    <a:lnR w="12700" cap="flat" cmpd="sng" algn="ctr">
+                      <a:solidFill>
+                        <a:schemeClr val="tx1"/>
+                      </a:solidFill>
+                      <a:prstDash val="solid"/>
+                      <a:round/>
+                      <a:headEnd type="none" w="med" len="med"/>
+                      <a:tailEnd type="none" w="med" len="med"/>
+                    </a:lnR>
+                    <a:lnT w="6350" cap="flat" cmpd="sng" algn="ctr">
+                      <a:solidFill>
+                        <a:srgbClr val="000000"/>
+                      </a:solidFill>
+                      <a:prstDash val="solid"/>
+                      <a:round/>
+                      <a:headEnd type="none" w="med" len="med"/>
+                      <a:tailEnd type="none" w="med" len="med"/>
+                    </a:lnT>
+                    <a:lnB w="6350" cap="flat" cmpd="sng" algn="ctr">
+                      <a:solidFill>
+                        <a:srgbClr val="000000"/>
+                      </a:solidFill>
+                      <a:prstDash val="solid"/>
+                      <a:round/>
+                      <a:headEnd type="none" w="med" len="med"/>
+                      <a:tailEnd type="none" w="med" len="med"/>
+                    </a:lnB>
+                  </a:tcPr>
+                </a:tc>
+                <a:tc>
+                  <a:txBody>
+                    <a:bodyPr/>
+                    <a:lstStyle/>
+                    <a:p>
+                      <a:pPr algn="ctr" fontAlgn="ctr"/>
+                      <a:r>
+                        <a:rPr lang="en-US" altLang="ja-JP" sz="1100" b="0" i="0" u="none" strike="noStrike" dirty="0">
+                          <a:solidFill>
+                            <a:srgbClr val="000000"/>
+                          </a:solidFill>
+                          <a:effectLst/>
+                          <a:latin typeface="+mn-lt"/>
+                          <a:ea typeface="ＭＳ Ｐゴシック" panose="020B0600070205080204" pitchFamily="50" charset="-128"/>
+                        </a:rPr>
+                        <a:t>32134</a:t>
+                      </a:r>
+                    </a:p>
+                  </a:txBody>
+                  <a:tcPr marL="9525" marR="9525" marT="9525" marB="0" anchor="ctr">
+                    <a:lnL w="12700" cap="flat" cmpd="sng" algn="ctr">
+                      <a:solidFill>
+                        <a:schemeClr val="tx1"/>
+                      </a:solidFill>
+                      <a:prstDash val="solid"/>
+                      <a:round/>
+                      <a:headEnd type="none" w="med" len="med"/>
+                      <a:tailEnd type="none" w="med" len="med"/>
+                    </a:lnL>
+                    <a:lnR w="12700" cap="flat" cmpd="sng" algn="ctr">
+                      <a:solidFill>
+                        <a:schemeClr val="tx1"/>
+                      </a:solidFill>
+                      <a:prstDash val="solid"/>
+                      <a:round/>
+                      <a:headEnd type="none" w="med" len="med"/>
+                      <a:tailEnd type="none" w="med" len="med"/>
+                    </a:lnR>
+                    <a:lnT w="6350" cap="flat" cmpd="sng" algn="ctr">
+                      <a:solidFill>
+                        <a:srgbClr val="000000"/>
+                      </a:solidFill>
+                      <a:prstDash val="solid"/>
+                      <a:round/>
+                      <a:headEnd type="none" w="med" len="med"/>
+                      <a:tailEnd type="none" w="med" len="med"/>
+                    </a:lnT>
+                    <a:lnB w="6350" cap="flat" cmpd="sng" algn="ctr">
+                      <a:solidFill>
+                        <a:srgbClr val="000000"/>
+                      </a:solidFill>
+                      <a:prstDash val="solid"/>
+                      <a:round/>
+                      <a:headEnd type="none" w="med" len="med"/>
+                      <a:tailEnd type="none" w="med" len="med"/>
+                    </a:lnB>
+                  </a:tcPr>
+                </a:tc>
+              </a:tr>
+              <a:tr h="180975">
+                <a:tc vMerge="1">
+                  <a:txBody>
+                    <a:bodyPr/>
+                    <a:lstStyle/>
+                    <a:p>
+                      <a:endParaRPr kumimoji="1" lang="ja-JP" altLang="en-US"/>
+                    </a:p>
+                  </a:txBody>
+                  <a:tcPr/>
+                </a:tc>
+                <a:tc>
+                  <a:txBody>
+                    <a:bodyPr/>
+                    <a:lstStyle/>
+                    <a:p>
+                      <a:pPr algn="ctr" fontAlgn="ctr"/>
+                      <a:r>
+                        <a:rPr lang="en-US" altLang="ja-JP" sz="1100" b="0" i="0" u="none" strike="noStrike">
+                          <a:solidFill>
+                            <a:srgbClr val="000000"/>
+                          </a:solidFill>
+                          <a:effectLst/>
+                          <a:latin typeface="+mn-lt"/>
+                          <a:ea typeface="ＭＳ Ｐゴシック" panose="020B0600070205080204" pitchFamily="50" charset="-128"/>
+                        </a:rPr>
+                        <a:t>5</a:t>
+                      </a:r>
+                    </a:p>
+                  </a:txBody>
+                  <a:tcPr marL="9525" marR="9525" marT="9525" marB="0" anchor="ctr">
+                    <a:lnL w="12700" cap="flat" cmpd="sng" algn="ctr">
+                      <a:solidFill>
+                        <a:srgbClr val="000000"/>
+                      </a:solidFill>
+                      <a:prstDash val="solid"/>
+                      <a:round/>
+                      <a:headEnd type="none" w="med" len="med"/>
+                      <a:tailEnd type="none" w="med" len="med"/>
+                    </a:lnL>
+                    <a:lnR w="6350" cap="flat" cmpd="sng" algn="ctr">
+                      <a:solidFill>
+                        <a:srgbClr val="000000"/>
+                      </a:solidFill>
+                      <a:prstDash val="solid"/>
+                      <a:round/>
+                      <a:headEnd type="none" w="med" len="med"/>
+                      <a:tailEnd type="none" w="med" len="med"/>
+                    </a:lnR>
+                    <a:lnT w="6350" cap="flat" cmpd="sng" algn="ctr">
+                      <a:solidFill>
+                        <a:srgbClr val="000000"/>
+                      </a:solidFill>
+                      <a:prstDash val="solid"/>
+                      <a:round/>
+                      <a:headEnd type="none" w="med" len="med"/>
+                      <a:tailEnd type="none" w="med" len="med"/>
+                    </a:lnT>
+                    <a:lnB w="12700" cap="flat" cmpd="sng" algn="ctr">
+                      <a:solidFill>
+                        <a:srgbClr val="000000"/>
+                      </a:solidFill>
+                      <a:prstDash val="solid"/>
+                      <a:round/>
+                      <a:headEnd type="none" w="med" len="med"/>
+                      <a:tailEnd type="none" w="med" len="med"/>
+                    </a:lnB>
+                  </a:tcPr>
+                </a:tc>
+                <a:tc>
+                  <a:txBody>
+                    <a:bodyPr/>
+                    <a:lstStyle/>
+                    <a:p>
+                      <a:pPr algn="ctr" fontAlgn="ctr"/>
+                      <a:r>
+                        <a:rPr lang="ja-JP" altLang="en-US" sz="1100" b="0" i="0" u="none" strike="noStrike">
+                          <a:solidFill>
+                            <a:srgbClr val="000000"/>
+                          </a:solidFill>
+                          <a:effectLst/>
+                          <a:latin typeface="+mn-lt"/>
+                          <a:ea typeface="ＭＳ Ｐゴシック" panose="020B0600070205080204" pitchFamily="50" charset="-128"/>
+                        </a:rPr>
+                        <a:t>　</a:t>
+                      </a:r>
+                    </a:p>
+                  </a:txBody>
+                  <a:tcPr marL="9525" marR="9525" marT="9525" marB="0" anchor="ctr">
+                    <a:lnL w="6350" cap="flat" cmpd="sng" algn="ctr">
+                      <a:solidFill>
+                        <a:srgbClr val="000000"/>
+                      </a:solidFill>
+                      <a:prstDash val="solid"/>
+                      <a:round/>
+                      <a:headEnd type="none" w="med" len="med"/>
+                      <a:tailEnd type="none" w="med" len="med"/>
+                    </a:lnL>
+                    <a:lnR w="12700" cap="flat" cmpd="sng" algn="ctr">
+                      <a:solidFill>
+                        <a:schemeClr val="tx1"/>
+                      </a:solidFill>
+                      <a:prstDash val="solid"/>
+                      <a:round/>
+                      <a:headEnd type="none" w="med" len="med"/>
+                      <a:tailEnd type="none" w="med" len="med"/>
+                    </a:lnR>
+                    <a:lnT w="6350" cap="flat" cmpd="sng" algn="ctr">
+                      <a:solidFill>
+                        <a:srgbClr val="000000"/>
+                      </a:solidFill>
+                      <a:prstDash val="solid"/>
+                      <a:round/>
+                      <a:headEnd type="none" w="med" len="med"/>
+                      <a:tailEnd type="none" w="med" len="med"/>
+                    </a:lnT>
+                    <a:lnB w="12700" cap="flat" cmpd="sng" algn="ctr">
+                      <a:solidFill>
+                        <a:srgbClr val="000000"/>
+                      </a:solidFill>
+                      <a:prstDash val="solid"/>
+                      <a:round/>
+                      <a:headEnd type="none" w="med" len="med"/>
+                      <a:tailEnd type="none" w="med" len="med"/>
+                    </a:lnB>
+                    <a:solidFill>
+                      <a:srgbClr val="FFFF00"/>
+                    </a:solidFill>
+                  </a:tcPr>
+                </a:tc>
+                <a:tc>
+                  <a:txBody>
+                    <a:bodyPr/>
+                    <a:lstStyle/>
+                    <a:p>
+                      <a:pPr algn="ctr" fontAlgn="ctr"/>
+                      <a:r>
+                        <a:rPr lang="en-US" altLang="ja-JP" sz="1100" b="0" i="0" u="none" strike="noStrike" dirty="0">
+                          <a:solidFill>
+                            <a:srgbClr val="000000"/>
+                          </a:solidFill>
+                          <a:effectLst/>
+                          <a:latin typeface="+mn-lt"/>
+                          <a:ea typeface="ＭＳ Ｐゴシック" panose="020B0600070205080204" pitchFamily="50" charset="-128"/>
+                        </a:rPr>
+                        <a:t>37447</a:t>
+                      </a:r>
+                    </a:p>
+                  </a:txBody>
+                  <a:tcPr marL="9525" marR="9525" marT="9525" marB="0" anchor="ctr">
+                    <a:lnL w="12700" cap="flat" cmpd="sng" algn="ctr">
+                      <a:solidFill>
+                        <a:schemeClr val="tx1"/>
+                      </a:solidFill>
+                      <a:prstDash val="solid"/>
+                      <a:round/>
+                      <a:headEnd type="none" w="med" len="med"/>
+                      <a:tailEnd type="none" w="med" len="med"/>
+                    </a:lnL>
+                    <a:lnR w="12700" cap="flat" cmpd="sng" algn="ctr">
+                      <a:solidFill>
+                        <a:schemeClr val="tx1"/>
+                      </a:solidFill>
+                      <a:prstDash val="solid"/>
+                      <a:round/>
+                      <a:headEnd type="none" w="med" len="med"/>
+                      <a:tailEnd type="none" w="med" len="med"/>
+                    </a:lnR>
+                    <a:lnT w="6350" cap="flat" cmpd="sng" algn="ctr">
+                      <a:solidFill>
+                        <a:srgbClr val="000000"/>
+                      </a:solidFill>
+                      <a:prstDash val="solid"/>
+                      <a:round/>
+                      <a:headEnd type="none" w="med" len="med"/>
+                      <a:tailEnd type="none" w="med" len="med"/>
+                    </a:lnT>
+                    <a:lnB w="12700" cap="flat" cmpd="sng" algn="ctr">
+                      <a:solidFill>
+                        <a:schemeClr val="tx1"/>
+                      </a:solidFill>
+                      <a:prstDash val="solid"/>
+                      <a:round/>
+                      <a:headEnd type="none" w="med" len="med"/>
+                      <a:tailEnd type="none" w="med" len="med"/>
+                    </a:lnB>
+                  </a:tcPr>
+                </a:tc>
+                <a:tc>
+                  <a:txBody>
+                    <a:bodyPr/>
+                    <a:lstStyle/>
+                    <a:p>
+                      <a:pPr algn="ctr" fontAlgn="ctr"/>
+                      <a:r>
+                        <a:rPr lang="en-US" altLang="ja-JP" sz="1100" b="0" i="0" u="none" strike="noStrike" dirty="0">
+                          <a:solidFill>
+                            <a:srgbClr val="000000"/>
+                          </a:solidFill>
+                          <a:effectLst/>
+                          <a:latin typeface="+mn-lt"/>
+                          <a:ea typeface="ＭＳ Ｐゴシック" panose="020B0600070205080204" pitchFamily="50" charset="-128"/>
+                        </a:rPr>
+                        <a:t>33510</a:t>
+                      </a:r>
+                    </a:p>
+                  </a:txBody>
+                  <a:tcPr marL="9525" marR="9525" marT="9525" marB="0" anchor="ctr">
+                    <a:lnL w="12700" cap="flat" cmpd="sng" algn="ctr">
+                      <a:solidFill>
+                        <a:schemeClr val="tx1"/>
+                      </a:solidFill>
+                      <a:prstDash val="solid"/>
+                      <a:round/>
+                      <a:headEnd type="none" w="med" len="med"/>
+                      <a:tailEnd type="none" w="med" len="med"/>
+                    </a:lnL>
+                    <a:lnR w="12700" cap="flat" cmpd="sng" algn="ctr">
+                      <a:solidFill>
+                        <a:schemeClr val="tx1"/>
+                      </a:solidFill>
+                      <a:prstDash val="solid"/>
+                      <a:round/>
+                      <a:headEnd type="none" w="med" len="med"/>
+                      <a:tailEnd type="none" w="med" len="med"/>
+                    </a:lnR>
+                    <a:lnT w="6350" cap="flat" cmpd="sng" algn="ctr">
+                      <a:solidFill>
+                        <a:srgbClr val="000000"/>
+                      </a:solidFill>
+                      <a:prstDash val="solid"/>
+                      <a:round/>
+                      <a:headEnd type="none" w="med" len="med"/>
+                      <a:tailEnd type="none" w="med" len="med"/>
+                    </a:lnT>
+                    <a:lnB w="12700" cap="flat" cmpd="sng" algn="ctr">
+                      <a:solidFill>
+                        <a:schemeClr val="tx1"/>
+                      </a:solidFill>
+                      <a:prstDash val="solid"/>
+                      <a:round/>
+                      <a:headEnd type="none" w="med" len="med"/>
+                      <a:tailEnd type="none" w="med" len="med"/>
+                    </a:lnB>
+                  </a:tcPr>
+                </a:tc>
+                <a:tc>
+                  <a:txBody>
+                    <a:bodyPr/>
+                    <a:lstStyle/>
+                    <a:p>
+                      <a:pPr algn="ctr" fontAlgn="ctr"/>
+                      <a:r>
+                        <a:rPr lang="en-US" altLang="ja-JP" sz="1100" b="0" i="0" u="none" strike="noStrike" dirty="0">
+                          <a:solidFill>
+                            <a:srgbClr val="000000"/>
+                          </a:solidFill>
+                          <a:effectLst/>
+                          <a:latin typeface="+mn-lt"/>
+                          <a:ea typeface="ＭＳ Ｐゴシック" panose="020B0600070205080204" pitchFamily="50" charset="-128"/>
+                        </a:rPr>
+                        <a:t>31892</a:t>
+                      </a:r>
+                    </a:p>
+                  </a:txBody>
+                  <a:tcPr marL="9525" marR="9525" marT="9525" marB="0" anchor="ctr">
+                    <a:lnL w="12700" cap="flat" cmpd="sng" algn="ctr">
+                      <a:solidFill>
+                        <a:schemeClr val="tx1"/>
+                      </a:solidFill>
+                      <a:prstDash val="solid"/>
+                      <a:round/>
+                      <a:headEnd type="none" w="med" len="med"/>
+                      <a:tailEnd type="none" w="med" len="med"/>
+                    </a:lnL>
+                    <a:lnR w="12700" cap="flat" cmpd="sng" algn="ctr">
+                      <a:solidFill>
+                        <a:schemeClr val="tx1"/>
+                      </a:solidFill>
+                      <a:prstDash val="solid"/>
+                      <a:round/>
+                      <a:headEnd type="none" w="med" len="med"/>
+                      <a:tailEnd type="none" w="med" len="med"/>
+                    </a:lnR>
+                    <a:lnT w="6350" cap="flat" cmpd="sng" algn="ctr">
+                      <a:solidFill>
+                        <a:srgbClr val="000000"/>
+                      </a:solidFill>
+                      <a:prstDash val="solid"/>
+                      <a:round/>
+                      <a:headEnd type="none" w="med" len="med"/>
+                      <a:tailEnd type="none" w="med" len="med"/>
+                    </a:lnT>
+                    <a:lnB w="12700" cap="flat" cmpd="sng" algn="ctr">
+                      <a:solidFill>
+                        <a:schemeClr val="tx1"/>
+                      </a:solidFill>
+                      <a:prstDash val="solid"/>
+                      <a:round/>
+                      <a:headEnd type="none" w="med" len="med"/>
+                      <a:tailEnd type="none" w="med" len="med"/>
+                    </a:lnB>
+                  </a:tcPr>
+                </a:tc>
+              </a:tr>
+            </a:tbl>
+          </a:graphicData>
+        </a:graphic>
+      </p:graphicFrame>
+      <p:pic>
+        <p:nvPicPr>
+          <p:cNvPr id="13" name="図 12"/>
+          <p:cNvPicPr>
+            <a:picLocks noChangeAspect="1"/>
+          </p:cNvPicPr>
+          <p:nvPr/>
+        </p:nvPicPr>
+        <p:blipFill>
+          <a:blip r:embed="rId2">
+            <a:extLst>
+              <a:ext uri="{28A0092B-C50C-407E-A947-70E740481C1C}">
+                <a14:useLocalDpi xmlns:a14="http://schemas.microsoft.com/office/drawing/2010/main" val="0"/>
+              </a:ext>
+            </a:extLst>
+          </a:blip>
+          <a:stretch>
+            <a:fillRect/>
+          </a:stretch>
+        </p:blipFill>
+        <p:spPr>
+          <a:xfrm>
+            <a:off x="2380629" y="2668968"/>
+            <a:ext cx="1849297" cy="2113482"/>
+          </a:xfrm>
+          <a:prstGeom prst="rect">
+            <a:avLst/>
+          </a:prstGeom>
+        </p:spPr>
+      </p:pic>
+      <p:pic>
+        <p:nvPicPr>
+          <p:cNvPr id="14" name="図 13"/>
+          <p:cNvPicPr>
+            <a:picLocks noChangeAspect="1"/>
+          </p:cNvPicPr>
+          <p:nvPr/>
+        </p:nvPicPr>
+        <p:blipFill>
+          <a:blip r:embed="rId3">
+            <a:extLst>
+              <a:ext uri="{28A0092B-C50C-407E-A947-70E740481C1C}">
+                <a14:useLocalDpi xmlns:a14="http://schemas.microsoft.com/office/drawing/2010/main" val="0"/>
+              </a:ext>
+            </a:extLst>
+          </a:blip>
+          <a:stretch>
+            <a:fillRect/>
+          </a:stretch>
+        </p:blipFill>
+        <p:spPr>
+          <a:xfrm>
+            <a:off x="4309279" y="2655991"/>
+            <a:ext cx="1860652" cy="2126459"/>
+          </a:xfrm>
+          <a:prstGeom prst="rect">
+            <a:avLst/>
+          </a:prstGeom>
+        </p:spPr>
+      </p:pic>
+      <p:pic>
+        <p:nvPicPr>
+          <p:cNvPr id="15" name="図 14"/>
+          <p:cNvPicPr>
+            <a:picLocks noChangeAspect="1"/>
+          </p:cNvPicPr>
+          <p:nvPr/>
+        </p:nvPicPr>
+        <p:blipFill>
+          <a:blip r:embed="rId4">
+            <a:extLst>
+              <a:ext uri="{28A0092B-C50C-407E-A947-70E740481C1C}">
+                <a14:useLocalDpi xmlns:a14="http://schemas.microsoft.com/office/drawing/2010/main" val="0"/>
+              </a:ext>
+            </a:extLst>
+          </a:blip>
+          <a:stretch>
+            <a:fillRect/>
+          </a:stretch>
+        </p:blipFill>
+        <p:spPr>
+          <a:xfrm>
+            <a:off x="6243791" y="2655991"/>
+            <a:ext cx="1852070" cy="2116652"/>
+          </a:xfrm>
+          <a:prstGeom prst="rect">
+            <a:avLst/>
+          </a:prstGeom>
+        </p:spPr>
+      </p:pic>
+      <p:graphicFrame>
+        <p:nvGraphicFramePr>
+          <p:cNvPr id="17" name="表 16"/>
+          <p:cNvGraphicFramePr>
+            <a:graphicFrameLocks noGrp="1"/>
+          </p:cNvGraphicFramePr>
+          <p:nvPr>
+            <p:extLst>
+              <p:ext uri="{D42A27DB-BD31-4B8C-83A1-F6EECF244321}">
+                <p14:modId xmlns:p14="http://schemas.microsoft.com/office/powerpoint/2010/main" val="1877301009"/>
+              </p:ext>
+            </p:extLst>
+          </p:nvPr>
+        </p:nvGraphicFramePr>
+        <p:xfrm>
+          <a:off x="2317984" y="2060848"/>
+          <a:ext cx="5835690" cy="492908"/>
+        </p:xfrm>
+        <a:graphic>
+          <a:graphicData uri="http://schemas.openxmlformats.org/drawingml/2006/table">
+            <a:tbl>
+              <a:tblPr/>
+              <a:tblGrid>
+                <a:gridCol w="1945230"/>
+                <a:gridCol w="1945230"/>
+                <a:gridCol w="1945230"/>
+              </a:tblGrid>
+              <a:tr h="246454">
+                <a:tc gridSpan="3">
+                  <a:txBody>
+                    <a:bodyPr/>
+                    <a:lstStyle/>
+                    <a:p>
+                      <a:pPr algn="ctr" fontAlgn="ctr"/>
+                      <a:r>
+                        <a:rPr lang="en-US" sz="1100" b="0" i="0" u="none" strike="noStrike" dirty="0">
+                          <a:solidFill>
+                            <a:srgbClr val="000000"/>
+                          </a:solidFill>
+                          <a:effectLst/>
+                          <a:latin typeface="+mn-lt"/>
+                          <a:ea typeface="ＭＳ Ｐゴシック" panose="020B0600070205080204" pitchFamily="50" charset="-128"/>
+                        </a:rPr>
+                        <a:t>Suction velocity [mm/s]</a:t>
+                      </a:r>
+                    </a:p>
+                  </a:txBody>
+                  <a:tcPr marL="9525" marR="9525" marT="9525" marB="0" anchor="ctr">
+                    <a:lnL w="12700" cap="flat" cmpd="sng" algn="ctr">
+                      <a:solidFill>
+                        <a:srgbClr val="000000"/>
+                      </a:solidFill>
+                      <a:prstDash val="solid"/>
+                      <a:round/>
+                      <a:headEnd type="none" w="med" len="med"/>
+                      <a:tailEnd type="none" w="med" len="med"/>
+                    </a:lnL>
+                    <a:lnR w="12700" cap="flat" cmpd="sng" algn="ctr">
+                      <a:solidFill>
+                        <a:srgbClr val="000000"/>
+                      </a:solidFill>
+                      <a:prstDash val="solid"/>
+                      <a:round/>
+                      <a:headEnd type="none" w="med" len="med"/>
+                      <a:tailEnd type="none" w="med" len="med"/>
+                    </a:lnR>
+                    <a:lnT w="12700" cap="flat" cmpd="sng" algn="ctr">
+                      <a:solidFill>
+                        <a:srgbClr val="000000"/>
+                      </a:solidFill>
+                      <a:prstDash val="solid"/>
+                      <a:round/>
+                      <a:headEnd type="none" w="med" len="med"/>
+                      <a:tailEnd type="none" w="med" len="med"/>
+                    </a:lnT>
+                    <a:lnB w="12700" cap="flat" cmpd="sng" algn="ctr">
+                      <a:solidFill>
+                        <a:schemeClr val="tx1"/>
+                      </a:solidFill>
+                      <a:prstDash val="solid"/>
+                      <a:round/>
+                      <a:headEnd type="none" w="med" len="med"/>
+                      <a:tailEnd type="none" w="med" len="med"/>
+                    </a:lnB>
+                  </a:tcPr>
+                </a:tc>
+                <a:tc hMerge="1">
+                  <a:txBody>
+                    <a:bodyPr/>
+                    <a:lstStyle/>
+                    <a:p>
+                      <a:endParaRPr kumimoji="1" lang="ja-JP" altLang="en-US"/>
+                    </a:p>
+                  </a:txBody>
+                  <a:tcPr/>
+                </a:tc>
+                <a:tc hMerge="1">
+                  <a:txBody>
+                    <a:bodyPr/>
+                    <a:lstStyle/>
+                    <a:p>
+                      <a:endParaRPr kumimoji="1" lang="ja-JP" altLang="en-US"/>
+                    </a:p>
+                  </a:txBody>
+                  <a:tcPr/>
+                </a:tc>
+              </a:tr>
+              <a:tr h="246454">
+                <a:tc>
+                  <a:txBody>
+                    <a:bodyPr/>
+                    <a:lstStyle/>
+                    <a:p>
+                      <a:pPr algn="ctr" fontAlgn="ctr"/>
+                      <a:r>
+                        <a:rPr lang="en-US" altLang="ja-JP" sz="1100" b="0" i="0" u="none" strike="noStrike" dirty="0">
+                          <a:solidFill>
+                            <a:srgbClr val="000000"/>
+                          </a:solidFill>
+                          <a:effectLst/>
+                          <a:latin typeface="+mn-lt"/>
+                          <a:ea typeface="ＭＳ Ｐゴシック" panose="020B0600070205080204" pitchFamily="50" charset="-128"/>
+                        </a:rPr>
+                        <a:t>100</a:t>
+                      </a:r>
+                    </a:p>
+                  </a:txBody>
+                  <a:tcPr marL="9525" marR="9525" marT="9525" marB="0" anchor="ctr">
+                    <a:lnL w="12700" cap="flat" cmpd="sng" algn="ctr">
+                      <a:solidFill>
+                        <a:schemeClr val="tx1"/>
+                      </a:solidFill>
+                      <a:prstDash val="solid"/>
+                      <a:round/>
+                      <a:headEnd type="none" w="med" len="med"/>
+                      <a:tailEnd type="none" w="med" len="med"/>
+                    </a:lnL>
+                    <a:lnR w="12700" cap="flat" cmpd="sng" algn="ctr">
+                      <a:solidFill>
+                        <a:schemeClr val="tx1"/>
+                      </a:solidFill>
+                      <a:prstDash val="solid"/>
+                      <a:round/>
+                      <a:headEnd type="none" w="med" len="med"/>
+                      <a:tailEnd type="none" w="med" len="med"/>
+                    </a:lnR>
+                    <a:lnT w="12700" cap="flat" cmpd="sng" algn="ctr">
+                      <a:solidFill>
+                        <a:schemeClr val="tx1"/>
+                      </a:solidFill>
+                      <a:prstDash val="solid"/>
+                      <a:round/>
+                      <a:headEnd type="none" w="med" len="med"/>
+                      <a:tailEnd type="none" w="med" len="med"/>
+                    </a:lnT>
+                    <a:lnB w="12700" cap="flat" cmpd="sng" algn="ctr">
+                      <a:solidFill>
+                        <a:schemeClr val="tx1"/>
+                      </a:solidFill>
+                      <a:prstDash val="solid"/>
+                      <a:round/>
+                      <a:headEnd type="none" w="med" len="med"/>
+                      <a:tailEnd type="none" w="med" len="med"/>
+                    </a:lnB>
+                  </a:tcPr>
+                </a:tc>
+                <a:tc>
+                  <a:txBody>
+                    <a:bodyPr/>
+                    <a:lstStyle/>
+                    <a:p>
+                      <a:pPr algn="ctr" fontAlgn="ctr"/>
+                      <a:r>
+                        <a:rPr lang="en-US" altLang="ja-JP" sz="1100" b="0" i="0" u="none" strike="noStrike" dirty="0">
+                          <a:solidFill>
+                            <a:srgbClr val="000000"/>
+                          </a:solidFill>
+                          <a:effectLst/>
+                          <a:latin typeface="+mn-lt"/>
+                          <a:ea typeface="ＭＳ Ｐゴシック" panose="020B0600070205080204" pitchFamily="50" charset="-128"/>
+                        </a:rPr>
+                        <a:t>200</a:t>
+                      </a:r>
+                    </a:p>
+                  </a:txBody>
+                  <a:tcPr marL="9525" marR="9525" marT="9525" marB="0" anchor="ctr">
+                    <a:lnL w="12700" cap="flat" cmpd="sng" algn="ctr">
+                      <a:solidFill>
+                        <a:schemeClr val="tx1"/>
+                      </a:solidFill>
+                      <a:prstDash val="solid"/>
+                      <a:round/>
+                      <a:headEnd type="none" w="med" len="med"/>
+                      <a:tailEnd type="none" w="med" len="med"/>
+                    </a:lnL>
+                    <a:lnR w="12700" cap="flat" cmpd="sng" algn="ctr">
+                      <a:solidFill>
+                        <a:schemeClr val="tx1"/>
+                      </a:solidFill>
+                      <a:prstDash val="solid"/>
+                      <a:round/>
+                      <a:headEnd type="none" w="med" len="med"/>
+                      <a:tailEnd type="none" w="med" len="med"/>
+                    </a:lnR>
+                    <a:lnT w="12700" cap="flat" cmpd="sng" algn="ctr">
+                      <a:solidFill>
+                        <a:schemeClr val="tx1"/>
+                      </a:solidFill>
+                      <a:prstDash val="solid"/>
+                      <a:round/>
+                      <a:headEnd type="none" w="med" len="med"/>
+                      <a:tailEnd type="none" w="med" len="med"/>
+                    </a:lnT>
+                    <a:lnB w="12700" cap="flat" cmpd="sng" algn="ctr">
+                      <a:solidFill>
+                        <a:schemeClr val="tx1"/>
+                      </a:solidFill>
+                      <a:prstDash val="solid"/>
+                      <a:round/>
+                      <a:headEnd type="none" w="med" len="med"/>
+                      <a:tailEnd type="none" w="med" len="med"/>
+                    </a:lnB>
+                  </a:tcPr>
+                </a:tc>
+                <a:tc>
+                  <a:txBody>
+                    <a:bodyPr/>
+                    <a:lstStyle/>
+                    <a:p>
+                      <a:pPr algn="ctr" fontAlgn="ctr"/>
+                      <a:r>
+                        <a:rPr lang="en-US" altLang="ja-JP" sz="1100" b="0" i="0" u="none" strike="noStrike" dirty="0">
+                          <a:solidFill>
+                            <a:srgbClr val="000000"/>
+                          </a:solidFill>
+                          <a:effectLst/>
+                          <a:latin typeface="+mn-lt"/>
+                          <a:ea typeface="ＭＳ Ｐゴシック" panose="020B0600070205080204" pitchFamily="50" charset="-128"/>
+                        </a:rPr>
+                        <a:t>300</a:t>
+                      </a:r>
+                    </a:p>
+                  </a:txBody>
+                  <a:tcPr marL="9525" marR="9525" marT="9525" marB="0" anchor="ctr">
+                    <a:lnL w="12700" cap="flat" cmpd="sng" algn="ctr">
+                      <a:solidFill>
+                        <a:schemeClr val="tx1"/>
+                      </a:solidFill>
+                      <a:prstDash val="solid"/>
+                      <a:round/>
+                      <a:headEnd type="none" w="med" len="med"/>
+                      <a:tailEnd type="none" w="med" len="med"/>
+                    </a:lnL>
+                    <a:lnR w="12700" cap="flat" cmpd="sng" algn="ctr">
+                      <a:solidFill>
+                        <a:schemeClr val="tx1"/>
+                      </a:solidFill>
+                      <a:prstDash val="solid"/>
+                      <a:round/>
+                      <a:headEnd type="none" w="med" len="med"/>
+                      <a:tailEnd type="none" w="med" len="med"/>
+                    </a:lnR>
+                    <a:lnT w="12700" cap="flat" cmpd="sng" algn="ctr">
+                      <a:solidFill>
+                        <a:schemeClr val="tx1"/>
+                      </a:solidFill>
+                      <a:prstDash val="solid"/>
+                      <a:round/>
+                      <a:headEnd type="none" w="med" len="med"/>
+                      <a:tailEnd type="none" w="med" len="med"/>
+                    </a:lnT>
+                    <a:lnB w="12700" cap="flat" cmpd="sng" algn="ctr">
+                      <a:solidFill>
+                        <a:schemeClr val="tx1"/>
+                      </a:solidFill>
+                      <a:prstDash val="solid"/>
+                      <a:round/>
+                      <a:headEnd type="none" w="med" len="med"/>
+                      <a:tailEnd type="none" w="med" len="med"/>
+                    </a:lnB>
+                  </a:tcPr>
+                </a:tc>
+              </a:tr>
+            </a:tbl>
+          </a:graphicData>
+        </a:graphic>
+      </p:graphicFrame>
+      <p:cxnSp>
+        <p:nvCxnSpPr>
+          <p:cNvPr id="19" name="直線コネクタ 18"/>
+          <p:cNvCxnSpPr/>
+          <p:nvPr/>
+        </p:nvCxnSpPr>
+        <p:spPr>
+          <a:xfrm>
+            <a:off x="2317984" y="2553756"/>
+            <a:ext cx="19166" cy="2315404"/>
+          </a:xfrm>
+          <a:prstGeom prst="line">
+            <a:avLst/>
+          </a:prstGeom>
+          <a:ln>
+            <a:solidFill>
+              <a:schemeClr val="tx1"/>
+            </a:solidFill>
+          </a:ln>
+        </p:spPr>
+        <p:style>
+          <a:lnRef idx="1">
+            <a:schemeClr val="accent1"/>
+          </a:lnRef>
+          <a:fillRef idx="0">
+            <a:schemeClr val="accent1"/>
+          </a:fillRef>
+          <a:effectRef idx="0">
+            <a:schemeClr val="accent1"/>
+          </a:effectRef>
+          <a:fontRef idx="minor">
+            <a:schemeClr val="tx1"/>
+          </a:fontRef>
+        </p:style>
+      </p:cxnSp>
+      <p:cxnSp>
+        <p:nvCxnSpPr>
+          <p:cNvPr id="23" name="直線コネクタ 22"/>
+          <p:cNvCxnSpPr/>
+          <p:nvPr/>
+        </p:nvCxnSpPr>
+        <p:spPr>
+          <a:xfrm>
+            <a:off x="4258018" y="2553756"/>
+            <a:ext cx="19166" cy="2315404"/>
+          </a:xfrm>
+          <a:prstGeom prst="line">
+            <a:avLst/>
+          </a:prstGeom>
+          <a:ln>
+            <a:solidFill>
+              <a:schemeClr val="tx1"/>
+            </a:solidFill>
+          </a:ln>
+        </p:spPr>
+        <p:style>
+          <a:lnRef idx="1">
+            <a:schemeClr val="accent1"/>
+          </a:lnRef>
+          <a:fillRef idx="0">
+            <a:schemeClr val="accent1"/>
+          </a:fillRef>
+          <a:effectRef idx="0">
+            <a:schemeClr val="accent1"/>
+          </a:effectRef>
+          <a:fontRef idx="minor">
+            <a:schemeClr val="tx1"/>
+          </a:fontRef>
+        </p:style>
+      </p:cxnSp>
+      <p:cxnSp>
+        <p:nvCxnSpPr>
+          <p:cNvPr id="24" name="直線コネクタ 23"/>
+          <p:cNvCxnSpPr/>
+          <p:nvPr/>
+        </p:nvCxnSpPr>
+        <p:spPr>
+          <a:xfrm>
+            <a:off x="6203756" y="2538777"/>
+            <a:ext cx="19166" cy="2315404"/>
+          </a:xfrm>
+          <a:prstGeom prst="line">
+            <a:avLst/>
+          </a:prstGeom>
+          <a:ln>
+            <a:solidFill>
+              <a:schemeClr val="tx1"/>
+            </a:solidFill>
+          </a:ln>
+        </p:spPr>
+        <p:style>
+          <a:lnRef idx="1">
+            <a:schemeClr val="accent1"/>
+          </a:lnRef>
+          <a:fillRef idx="0">
+            <a:schemeClr val="accent1"/>
+          </a:fillRef>
+          <a:effectRef idx="0">
+            <a:schemeClr val="accent1"/>
+          </a:effectRef>
+          <a:fontRef idx="minor">
+            <a:schemeClr val="tx1"/>
+          </a:fontRef>
+        </p:style>
+      </p:cxnSp>
+      <p:cxnSp>
+        <p:nvCxnSpPr>
+          <p:cNvPr id="25" name="直線コネクタ 24"/>
+          <p:cNvCxnSpPr/>
+          <p:nvPr/>
+        </p:nvCxnSpPr>
+        <p:spPr>
+          <a:xfrm>
+            <a:off x="8144091" y="2554569"/>
+            <a:ext cx="19166" cy="2315404"/>
+          </a:xfrm>
+          <a:prstGeom prst="line">
+            <a:avLst/>
+          </a:prstGeom>
+          <a:ln>
+            <a:solidFill>
+              <a:schemeClr val="tx1"/>
+            </a:solidFill>
+          </a:ln>
+        </p:spPr>
+        <p:style>
+          <a:lnRef idx="1">
+            <a:schemeClr val="accent1"/>
+          </a:lnRef>
+          <a:fillRef idx="0">
+            <a:schemeClr val="accent1"/>
+          </a:fillRef>
+          <a:effectRef idx="0">
+            <a:schemeClr val="accent1"/>
+          </a:effectRef>
+          <a:fontRef idx="minor">
+            <a:schemeClr val="tx1"/>
+          </a:fontRef>
+        </p:style>
+      </p:cxnSp>
+      <p:graphicFrame>
+        <p:nvGraphicFramePr>
+          <p:cNvPr id="30" name="表 29"/>
+          <p:cNvGraphicFramePr>
+            <a:graphicFrameLocks noGrp="1"/>
+          </p:cNvGraphicFramePr>
+          <p:nvPr>
+            <p:extLst>
+              <p:ext uri="{D42A27DB-BD31-4B8C-83A1-F6EECF244321}">
+                <p14:modId xmlns:p14="http://schemas.microsoft.com/office/powerpoint/2010/main" val="1356466193"/>
+              </p:ext>
+            </p:extLst>
+          </p:nvPr>
+        </p:nvGraphicFramePr>
+        <p:xfrm>
+          <a:off x="1362196" y="5977766"/>
+          <a:ext cx="6810204" cy="358140"/>
+        </p:xfrm>
+        <a:graphic>
+          <a:graphicData uri="http://schemas.openxmlformats.org/drawingml/2006/table">
+            <a:tbl>
+              <a:tblPr/>
+              <a:tblGrid>
+                <a:gridCol w="977556"/>
+                <a:gridCol w="1944216"/>
+                <a:gridCol w="1944216"/>
+                <a:gridCol w="1944216"/>
+              </a:tblGrid>
+              <a:tr h="180975">
+                <a:tc>
+                  <a:txBody>
+                    <a:bodyPr/>
+                    <a:lstStyle/>
+                    <a:p>
+                      <a:pPr algn="ctr" fontAlgn="ctr"/>
+                      <a:r>
+                        <a:rPr lang="en-US" sz="1100" b="0" i="0" u="none" strike="noStrike" dirty="0">
+                          <a:solidFill>
+                            <a:srgbClr val="000000"/>
+                          </a:solidFill>
+                          <a:effectLst/>
+                          <a:latin typeface="+mn-lt"/>
+                          <a:ea typeface="ＭＳ Ｐゴシック" panose="020B0600070205080204" pitchFamily="50" charset="-128"/>
+                        </a:rPr>
+                        <a:t>sum</a:t>
+                      </a:r>
+                    </a:p>
+                  </a:txBody>
+                  <a:tcPr marL="9525" marR="9525" marT="9525" marB="0" anchor="ctr">
+                    <a:lnL w="12700" cap="flat" cmpd="sng" algn="ctr">
+                      <a:solidFill>
+                        <a:srgbClr val="000000"/>
+                      </a:solidFill>
+                      <a:prstDash val="solid"/>
+                      <a:round/>
+                      <a:headEnd type="none" w="med" len="med"/>
+                      <a:tailEnd type="none" w="med" len="med"/>
+                    </a:lnL>
+                    <a:lnR w="12700" cap="flat" cmpd="sng" algn="ctr">
+                      <a:solidFill>
+                        <a:srgbClr val="000000"/>
+                      </a:solidFill>
+                      <a:prstDash val="solid"/>
+                      <a:round/>
+                      <a:headEnd type="none" w="med" len="med"/>
+                      <a:tailEnd type="none" w="med" len="med"/>
+                    </a:lnR>
+                    <a:lnT w="12700" cap="flat" cmpd="sng" algn="ctr">
+                      <a:solidFill>
+                        <a:srgbClr val="000000"/>
+                      </a:solidFill>
+                      <a:prstDash val="solid"/>
+                      <a:round/>
+                      <a:headEnd type="none" w="med" len="med"/>
+                      <a:tailEnd type="none" w="med" len="med"/>
+                    </a:lnT>
+                    <a:lnB w="12700" cap="flat" cmpd="sng" algn="ctr">
+                      <a:solidFill>
+                        <a:srgbClr val="000000"/>
+                      </a:solidFill>
+                      <a:prstDash val="solid"/>
+                      <a:round/>
+                      <a:headEnd type="none" w="med" len="med"/>
+                      <a:tailEnd type="none" w="med" len="med"/>
+                    </a:lnB>
+                  </a:tcPr>
+                </a:tc>
+                <a:tc>
+                  <a:txBody>
+                    <a:bodyPr/>
+                    <a:lstStyle/>
+                    <a:p>
+                      <a:pPr algn="ctr" fontAlgn="ctr"/>
+                      <a:r>
+                        <a:rPr lang="en-US" altLang="ja-JP" sz="1100" b="0" i="0" u="none" strike="noStrike">
+                          <a:solidFill>
+                            <a:srgbClr val="000000"/>
+                          </a:solidFill>
+                          <a:effectLst/>
+                          <a:latin typeface="+mn-lt"/>
+                          <a:ea typeface="ＭＳ Ｐゴシック" panose="020B0600070205080204" pitchFamily="50" charset="-128"/>
+                        </a:rPr>
+                        <a:t>142124</a:t>
+                      </a:r>
+                    </a:p>
+                  </a:txBody>
+                  <a:tcPr marL="9525" marR="9525" marT="9525" marB="0" anchor="ctr">
+                    <a:lnL w="12700" cap="flat" cmpd="sng" algn="ctr">
+                      <a:solidFill>
+                        <a:srgbClr val="000000"/>
+                      </a:solidFill>
+                      <a:prstDash val="solid"/>
+                      <a:round/>
+                      <a:headEnd type="none" w="med" len="med"/>
+                      <a:tailEnd type="none" w="med" len="med"/>
+                    </a:lnL>
+                    <a:lnR w="12700" cap="flat" cmpd="sng" algn="ctr">
+                      <a:solidFill>
+                        <a:srgbClr val="000000"/>
+                      </a:solidFill>
+                      <a:prstDash val="solid"/>
+                      <a:round/>
+                      <a:headEnd type="none" w="med" len="med"/>
+                      <a:tailEnd type="none" w="med" len="med"/>
+                    </a:lnR>
+                    <a:lnT w="12700" cap="flat" cmpd="sng" algn="ctr">
+                      <a:solidFill>
+                        <a:srgbClr val="000000"/>
+                      </a:solidFill>
+                      <a:prstDash val="solid"/>
+                      <a:round/>
+                      <a:headEnd type="none" w="med" len="med"/>
+                      <a:tailEnd type="none" w="med" len="med"/>
+                    </a:lnT>
+                    <a:lnB w="12700" cap="flat" cmpd="sng" algn="ctr">
+                      <a:solidFill>
+                        <a:srgbClr val="000000"/>
+                      </a:solidFill>
+                      <a:prstDash val="solid"/>
+                      <a:round/>
+                      <a:headEnd type="none" w="med" len="med"/>
+                      <a:tailEnd type="none" w="med" len="med"/>
+                    </a:lnB>
+                  </a:tcPr>
+                </a:tc>
+                <a:tc>
+                  <a:txBody>
+                    <a:bodyPr/>
+                    <a:lstStyle/>
+                    <a:p>
+                      <a:pPr algn="ctr" fontAlgn="ctr"/>
+                      <a:r>
+                        <a:rPr lang="en-US" altLang="ja-JP" sz="1100" b="0" i="0" u="none" strike="noStrike">
+                          <a:solidFill>
+                            <a:srgbClr val="000000"/>
+                          </a:solidFill>
+                          <a:effectLst/>
+                          <a:latin typeface="+mn-lt"/>
+                          <a:ea typeface="ＭＳ Ｐゴシック" panose="020B0600070205080204" pitchFamily="50" charset="-128"/>
+                        </a:rPr>
+                        <a:t>144739</a:t>
+                      </a:r>
+                    </a:p>
+                  </a:txBody>
+                  <a:tcPr marL="9525" marR="9525" marT="9525" marB="0" anchor="ctr">
+                    <a:lnL w="12700" cap="flat" cmpd="sng" algn="ctr">
+                      <a:solidFill>
+                        <a:srgbClr val="000000"/>
+                      </a:solidFill>
+                      <a:prstDash val="solid"/>
+                      <a:round/>
+                      <a:headEnd type="none" w="med" len="med"/>
+                      <a:tailEnd type="none" w="med" len="med"/>
+                    </a:lnL>
+                    <a:lnR w="12700" cap="flat" cmpd="sng" algn="ctr">
+                      <a:solidFill>
+                        <a:srgbClr val="000000"/>
+                      </a:solidFill>
+                      <a:prstDash val="solid"/>
+                      <a:round/>
+                      <a:headEnd type="none" w="med" len="med"/>
+                      <a:tailEnd type="none" w="med" len="med"/>
+                    </a:lnR>
+                    <a:lnT w="12700" cap="flat" cmpd="sng" algn="ctr">
+                      <a:solidFill>
+                        <a:srgbClr val="000000"/>
+                      </a:solidFill>
+                      <a:prstDash val="solid"/>
+                      <a:round/>
+                      <a:headEnd type="none" w="med" len="med"/>
+                      <a:tailEnd type="none" w="med" len="med"/>
+                    </a:lnT>
+                    <a:lnB w="12700" cap="flat" cmpd="sng" algn="ctr">
+                      <a:solidFill>
+                        <a:srgbClr val="000000"/>
+                      </a:solidFill>
+                      <a:prstDash val="solid"/>
+                      <a:round/>
+                      <a:headEnd type="none" w="med" len="med"/>
+                      <a:tailEnd type="none" w="med" len="med"/>
+                    </a:lnB>
+                  </a:tcPr>
+                </a:tc>
+                <a:tc>
+                  <a:txBody>
+                    <a:bodyPr/>
+                    <a:lstStyle/>
+                    <a:p>
+                      <a:pPr algn="ctr" fontAlgn="ctr"/>
+                      <a:r>
+                        <a:rPr lang="en-US" altLang="ja-JP" sz="1100" b="0" i="0" u="none" strike="noStrike" dirty="0">
+                          <a:solidFill>
+                            <a:srgbClr val="000000"/>
+                          </a:solidFill>
+                          <a:effectLst/>
+                          <a:latin typeface="+mn-lt"/>
+                          <a:ea typeface="ＭＳ Ｐゴシック" panose="020B0600070205080204" pitchFamily="50" charset="-128"/>
+                        </a:rPr>
+                        <a:t>145045</a:t>
+                      </a:r>
+                    </a:p>
+                  </a:txBody>
+                  <a:tcPr marL="9525" marR="9525" marT="9525" marB="0" anchor="ctr">
+                    <a:lnL w="12700" cap="flat" cmpd="sng" algn="ctr">
+                      <a:solidFill>
+                        <a:srgbClr val="000000"/>
+                      </a:solidFill>
+                      <a:prstDash val="solid"/>
+                      <a:round/>
+                      <a:headEnd type="none" w="med" len="med"/>
+                      <a:tailEnd type="none" w="med" len="med"/>
+                    </a:lnL>
+                    <a:lnR w="12700" cap="flat" cmpd="sng" algn="ctr">
+                      <a:solidFill>
+                        <a:srgbClr val="000000"/>
+                      </a:solidFill>
+                      <a:prstDash val="solid"/>
+                      <a:round/>
+                      <a:headEnd type="none" w="med" len="med"/>
+                      <a:tailEnd type="none" w="med" len="med"/>
+                    </a:lnR>
+                    <a:lnT w="12700" cap="flat" cmpd="sng" algn="ctr">
+                      <a:solidFill>
+                        <a:srgbClr val="000000"/>
+                      </a:solidFill>
+                      <a:prstDash val="solid"/>
+                      <a:round/>
+                      <a:headEnd type="none" w="med" len="med"/>
+                      <a:tailEnd type="none" w="med" len="med"/>
+                    </a:lnT>
+                    <a:lnB w="12700" cap="flat" cmpd="sng" algn="ctr">
+                      <a:solidFill>
+                        <a:srgbClr val="000000"/>
+                      </a:solidFill>
+                      <a:prstDash val="solid"/>
+                      <a:round/>
+                      <a:headEnd type="none" w="med" len="med"/>
+                      <a:tailEnd type="none" w="med" len="med"/>
+                    </a:lnB>
+                  </a:tcPr>
+                </a:tc>
+              </a:tr>
+              <a:tr h="171450">
+                <a:tc>
+                  <a:txBody>
+                    <a:bodyPr/>
+                    <a:lstStyle/>
+                    <a:p>
+                      <a:pPr algn="l" fontAlgn="ctr"/>
+                      <a:endParaRPr lang="ja-JP" altLang="en-US" sz="1100" b="0" i="0" u="none" strike="noStrike">
+                        <a:solidFill>
+                          <a:srgbClr val="000000"/>
+                        </a:solidFill>
+                        <a:effectLst/>
+                        <a:latin typeface="ＭＳ Ｐゴシック" panose="020B0600070205080204" pitchFamily="50" charset="-128"/>
+                        <a:ea typeface="ＭＳ Ｐゴシック" panose="020B0600070205080204" pitchFamily="50" charset="-128"/>
+                      </a:endParaRPr>
+                    </a:p>
+                  </a:txBody>
+                  <a:tcPr marL="9525" marR="9525" marT="9525" marB="0" anchor="ctr">
+                    <a:lnL>
+                      <a:noFill/>
+                    </a:lnL>
+                    <a:lnR>
+                      <a:noFill/>
+                    </a:lnR>
+                    <a:lnT w="12700" cap="flat" cmpd="sng" algn="ctr">
+                      <a:solidFill>
+                        <a:srgbClr val="000000"/>
+                      </a:solidFill>
+                      <a:prstDash val="solid"/>
+                      <a:round/>
+                      <a:headEnd type="none" w="med" len="med"/>
+                      <a:tailEnd type="none" w="med" len="med"/>
+                    </a:lnT>
+                    <a:lnB>
+                      <a:noFill/>
+                    </a:lnB>
+                  </a:tcPr>
+                </a:tc>
+                <a:tc>
+                  <a:txBody>
+                    <a:bodyPr/>
+                    <a:lstStyle/>
+                    <a:p>
+                      <a:pPr algn="l" fontAlgn="ctr"/>
+                      <a:endParaRPr lang="ja-JP" altLang="en-US" sz="1100" b="0" i="0" u="none" strike="noStrike">
+                        <a:solidFill>
+                          <a:srgbClr val="000000"/>
+                        </a:solidFill>
+                        <a:effectLst/>
+                        <a:latin typeface="ＭＳ Ｐゴシック" panose="020B0600070205080204" pitchFamily="50" charset="-128"/>
+                        <a:ea typeface="ＭＳ Ｐゴシック" panose="020B0600070205080204" pitchFamily="50" charset="-128"/>
+                      </a:endParaRPr>
+                    </a:p>
+                  </a:txBody>
+                  <a:tcPr marL="9525" marR="9525" marT="9525" marB="0" anchor="ctr">
+                    <a:lnL>
+                      <a:noFill/>
+                    </a:lnL>
+                    <a:lnR>
+                      <a:noFill/>
+                    </a:lnR>
+                    <a:lnT w="12700" cap="flat" cmpd="sng" algn="ctr">
+                      <a:solidFill>
+                        <a:srgbClr val="000000"/>
+                      </a:solidFill>
+                      <a:prstDash val="solid"/>
+                      <a:round/>
+                      <a:headEnd type="none" w="med" len="med"/>
+                      <a:tailEnd type="none" w="med" len="med"/>
+                    </a:lnT>
+                    <a:lnB>
+                      <a:noFill/>
+                    </a:lnB>
+                  </a:tcPr>
+                </a:tc>
+                <a:tc>
+                  <a:txBody>
+                    <a:bodyPr/>
+                    <a:lstStyle/>
+                    <a:p>
+                      <a:pPr algn="l" fontAlgn="ctr"/>
+                      <a:endParaRPr lang="ja-JP" altLang="en-US" sz="1100" b="0" i="0" u="none" strike="noStrike">
+                        <a:solidFill>
+                          <a:srgbClr val="000000"/>
+                        </a:solidFill>
+                        <a:effectLst/>
+                        <a:latin typeface="ＭＳ Ｐゴシック" panose="020B0600070205080204" pitchFamily="50" charset="-128"/>
+                        <a:ea typeface="ＭＳ Ｐゴシック" panose="020B0600070205080204" pitchFamily="50" charset="-128"/>
+                      </a:endParaRPr>
+                    </a:p>
+                  </a:txBody>
+                  <a:tcPr marL="9525" marR="9525" marT="9525" marB="0" anchor="ctr">
+                    <a:lnL>
+                      <a:noFill/>
+                    </a:lnL>
+                    <a:lnR>
+                      <a:noFill/>
+                    </a:lnR>
+                    <a:lnT w="12700" cap="flat" cmpd="sng" algn="ctr">
+                      <a:solidFill>
+                        <a:srgbClr val="000000"/>
+                      </a:solidFill>
+                      <a:prstDash val="solid"/>
+                      <a:round/>
+                      <a:headEnd type="none" w="med" len="med"/>
+                      <a:tailEnd type="none" w="med" len="med"/>
+                    </a:lnT>
+                    <a:lnB>
+                      <a:noFill/>
+                    </a:lnB>
+                  </a:tcPr>
+                </a:tc>
+                <a:tc>
+                  <a:txBody>
+                    <a:bodyPr/>
+                    <a:lstStyle/>
+                    <a:p>
+                      <a:pPr algn="l" fontAlgn="ctr"/>
+                      <a:endParaRPr lang="ja-JP" altLang="en-US" sz="1100" b="0" i="0" u="none" strike="noStrike" dirty="0">
+                        <a:solidFill>
+                          <a:srgbClr val="000000"/>
+                        </a:solidFill>
+                        <a:effectLst/>
+                        <a:latin typeface="ＭＳ Ｐゴシック" panose="020B0600070205080204" pitchFamily="50" charset="-128"/>
+                        <a:ea typeface="ＭＳ Ｐゴシック" panose="020B0600070205080204" pitchFamily="50" charset="-128"/>
+                      </a:endParaRPr>
+                    </a:p>
+                  </a:txBody>
+                  <a:tcPr marL="9525" marR="9525" marT="9525" marB="0" anchor="ctr">
+                    <a:lnL>
+                      <a:noFill/>
+                    </a:lnL>
+                    <a:lnR>
+                      <a:noFill/>
+                    </a:lnR>
+                    <a:lnT w="12700" cap="flat" cmpd="sng" algn="ctr">
+                      <a:solidFill>
+                        <a:srgbClr val="000000"/>
+                      </a:solidFill>
+                      <a:prstDash val="solid"/>
+                      <a:round/>
+                      <a:headEnd type="none" w="med" len="med"/>
+                      <a:tailEnd type="none" w="med" len="med"/>
+                    </a:lnT>
+                    <a:lnB>
+                      <a:noFill/>
+                    </a:lnB>
+                  </a:tcPr>
+                </a:tc>
+              </a:tr>
+            </a:tbl>
+          </a:graphicData>
+        </a:graphic>
+      </p:graphicFrame>
+      <p:pic>
+        <p:nvPicPr>
+          <p:cNvPr id="31" name="図 30"/>
+          <p:cNvPicPr>
+            <a:picLocks noChangeAspect="1"/>
+          </p:cNvPicPr>
+          <p:nvPr/>
+        </p:nvPicPr>
+        <p:blipFill>
+          <a:blip r:embed="rId5" cstate="print">
+            <a:extLst>
+              <a:ext uri="{28A0092B-C50C-407E-A947-70E740481C1C}">
+                <a14:useLocalDpi xmlns:a14="http://schemas.microsoft.com/office/drawing/2010/main" val="0"/>
+              </a:ext>
+            </a:extLst>
+          </a:blip>
+          <a:stretch>
+            <a:fillRect/>
+          </a:stretch>
+        </p:blipFill>
+        <p:spPr>
+          <a:xfrm>
+            <a:off x="574947" y="2307302"/>
+            <a:ext cx="1559201" cy="1781944"/>
+          </a:xfrm>
+          <a:prstGeom prst="rect">
+            <a:avLst/>
+          </a:prstGeom>
+        </p:spPr>
+      </p:pic>
+      <p:cxnSp>
+        <p:nvCxnSpPr>
+          <p:cNvPr id="32" name="直線矢印コネクタ 31"/>
+          <p:cNvCxnSpPr/>
+          <p:nvPr/>
+        </p:nvCxnSpPr>
+        <p:spPr>
+          <a:xfrm flipH="1">
+            <a:off x="1326620" y="1993931"/>
+            <a:ext cx="293052" cy="1219045"/>
+          </a:xfrm>
+          <a:prstGeom prst="straightConnector1">
+            <a:avLst/>
+          </a:prstGeom>
+          <a:ln>
+            <a:solidFill>
+              <a:schemeClr val="tx1"/>
+            </a:solidFill>
+            <a:tailEnd type="triangle"/>
+          </a:ln>
+        </p:spPr>
+        <p:style>
+          <a:lnRef idx="1">
+            <a:schemeClr val="accent1"/>
+          </a:lnRef>
+          <a:fillRef idx="0">
+            <a:schemeClr val="accent1"/>
+          </a:fillRef>
+          <a:effectRef idx="0">
+            <a:schemeClr val="accent1"/>
+          </a:effectRef>
+          <a:fontRef idx="minor">
+            <a:schemeClr val="tx1"/>
+          </a:fontRef>
+        </p:style>
+      </p:cxnSp>
       <p:sp>
         <p:nvSpPr>
-          <p:cNvPr id="5" name="テキスト ボックス 4"/>
+          <p:cNvPr id="33" name="テキスト ボックス 32">
+            <a:extLst>
+              <a:ext uri="{FF2B5EF4-FFF2-40B4-BE49-F238E27FC236}">
+                <a16:creationId xmlns="" xmlns:a16="http://schemas.microsoft.com/office/drawing/2014/main" id="{093C528F-2820-7842-B097-0CEA13538469}"/>
+              </a:ext>
+            </a:extLst>
+          </p:cNvPr>
           <p:cNvSpPr txBox="1"/>
           <p:nvPr/>
         </p:nvSpPr>
         <p:spPr>
           <a:xfrm>
-            <a:off x="539552" y="1412776"/>
-            <a:ext cx="8136904" cy="369332"/>
+            <a:off x="-6116" y="1347600"/>
+            <a:ext cx="2699792" cy="646331"/>
           </a:xfrm>
           <a:prstGeom prst="rect">
             <a:avLst/>
@@ -4498,122 +7645,39 @@
           </a:bodyPr>
           <a:lstStyle/>
           <a:p>
-            <a:r>
-              <a:rPr kumimoji="1" lang="ja-JP" altLang="en-US" dirty="0"/>
-              <a:t>・ </a:t>
-            </a:r>
-            <a:r>
-              <a:rPr kumimoji="1" lang="en-US" altLang="ja-JP" dirty="0" smtClean="0"/>
-              <a:t>CFD</a:t>
-            </a:r>
-            <a:endParaRPr kumimoji="1" lang="en-US" altLang="ja-JP" dirty="0"/>
-          </a:p>
-        </p:txBody>
-      </p:sp>
-      <p:sp>
-        <p:nvSpPr>
-          <p:cNvPr id="6" name="テキスト ボックス 5"/>
-          <p:cNvSpPr txBox="1"/>
-          <p:nvPr/>
-        </p:nvSpPr>
-        <p:spPr>
-          <a:xfrm>
-            <a:off x="557064" y="3933056"/>
-            <a:ext cx="8136904" cy="369332"/>
-          </a:xfrm>
-          <a:prstGeom prst="rect">
-            <a:avLst/>
-          </a:prstGeom>
-          <a:noFill/>
-        </p:spPr>
-        <p:txBody>
-          <a:bodyPr wrap="square" rtlCol="0">
-            <a:spAutoFit/>
-          </a:bodyPr>
-          <a:lstStyle/>
-          <a:p>
-            <a:r>
-              <a:rPr kumimoji="1" lang="ja-JP" altLang="en-US" dirty="0"/>
-              <a:t>・ </a:t>
-            </a:r>
-            <a:r>
-              <a:rPr kumimoji="1" lang="en-US" altLang="ja-JP" dirty="0" smtClean="0"/>
-              <a:t>CFD</a:t>
-            </a:r>
-            <a:endParaRPr kumimoji="1" lang="en-US" altLang="ja-JP" sz="2800" dirty="0"/>
-          </a:p>
-        </p:txBody>
-      </p:sp>
-      <p:sp>
-        <p:nvSpPr>
-          <p:cNvPr id="3" name="テキスト ボックス 2"/>
-          <p:cNvSpPr txBox="1"/>
-          <p:nvPr/>
-        </p:nvSpPr>
-        <p:spPr>
-          <a:xfrm>
-            <a:off x="539552" y="2074496"/>
-            <a:ext cx="8136904" cy="523220"/>
-          </a:xfrm>
-          <a:prstGeom prst="rect">
-            <a:avLst/>
-          </a:prstGeom>
-          <a:noFill/>
-        </p:spPr>
-        <p:txBody>
-          <a:bodyPr wrap="square" rtlCol="0">
-            <a:spAutoFit/>
-          </a:bodyPr>
-          <a:lstStyle/>
-          <a:p>
-            <a:r>
-              <a:rPr kumimoji="1" lang="en-US" altLang="ja-JP" sz="2800" dirty="0" smtClean="0"/>
-              <a:t>-&gt;</a:t>
-            </a:r>
-            <a:endParaRPr kumimoji="1" lang="en-US" altLang="ja-JP" sz="2800" dirty="0"/>
-          </a:p>
-        </p:txBody>
-      </p:sp>
-      <p:sp>
-        <p:nvSpPr>
-          <p:cNvPr id="7" name="テキスト ボックス 6"/>
-          <p:cNvSpPr txBox="1"/>
-          <p:nvPr/>
-        </p:nvSpPr>
-        <p:spPr>
-          <a:xfrm>
-            <a:off x="557064" y="4581128"/>
-            <a:ext cx="8136904" cy="523220"/>
-          </a:xfrm>
-          <a:prstGeom prst="rect">
-            <a:avLst/>
-          </a:prstGeom>
-          <a:noFill/>
-        </p:spPr>
-        <p:txBody>
-          <a:bodyPr wrap="square" rtlCol="0">
-            <a:spAutoFit/>
-          </a:bodyPr>
-          <a:lstStyle/>
-          <a:p>
-            <a:r>
-              <a:rPr kumimoji="1" lang="en-US" altLang="ja-JP" sz="2800" dirty="0" smtClean="0"/>
-              <a:t>-&gt; </a:t>
-            </a:r>
-            <a:endParaRPr kumimoji="1" lang="en-US" altLang="ja-JP" sz="2800" dirty="0"/>
+            <a:pPr algn="ctr"/>
+            <a:r>
+              <a:rPr kumimoji="1" lang="en-US" altLang="ja-JP" u="sng" dirty="0" smtClean="0"/>
+              <a:t>Particle number</a:t>
+            </a:r>
+          </a:p>
+          <a:p>
+            <a:pPr algn="ctr"/>
+            <a:r>
+              <a:rPr kumimoji="1" lang="en-US" altLang="ja-JP" u="sng" dirty="0" smtClean="0"/>
+              <a:t>in the area</a:t>
+            </a:r>
+            <a:endParaRPr kumimoji="1" lang="en-US" altLang="ja-JP" u="sng" dirty="0" smtClean="0"/>
           </a:p>
         </p:txBody>
       </p:sp>
     </p:spTree>
     <p:extLst>
       <p:ext uri="{BB962C8B-B14F-4D97-AF65-F5344CB8AC3E}">
-        <p14:creationId xmlns:p14="http://schemas.microsoft.com/office/powerpoint/2010/main" val="2674717817"/>
+        <p14:creationId xmlns:p14="http://schemas.microsoft.com/office/powerpoint/2010/main" val="3202788987"/>
       </p:ext>
     </p:extLst>
   </p:cSld>
   <p:clrMapOvr>
     <a:masterClrMapping/>
   </p:clrMapOvr>
+  <p:timing>
+    <p:tnLst>
+      <p:par>
+        <p:cTn id="1" dur="indefinite" restart="never" nodeType="tmRoot"/>
+      </p:par>
+    </p:tnLst>
+  </p:timing>
 </p:sld>
 </file>
 
@@ -4652,10 +7716,17 @@
             <a:r>
               <a:rPr lang="ja-JP" altLang="en-US" dirty="0">
                 <a:latin typeface="メイリオ" panose="020B0604030504040204" pitchFamily="50" charset="-128"/>
-                <a:ea typeface="メイリオ" panose="020B0604030504040204" pitchFamily="50" charset="-128"/>
                 <a:cs typeface="メイリオ" panose="020B0604030504040204" pitchFamily="50" charset="-128"/>
               </a:rPr>
-              <a:t> まとめ</a:t>
+              <a:t> </a:t>
+            </a:r>
+            <a:r>
+              <a:rPr lang="en-US" altLang="ko-KR" dirty="0" smtClean="0"/>
+              <a:t>Comparison</a:t>
+            </a:r>
+            <a:r>
+              <a:rPr lang="en-US" altLang="ko-KR" dirty="0"/>
+              <a:t>, Suction velocity</a:t>
             </a:r>
             <a:endParaRPr lang="ko-KR" altLang="en-US" dirty="0">
               <a:latin typeface="メイリオ" panose="020B0604030504040204" pitchFamily="50" charset="-128"/>
@@ -4712,14 +7783,14 @@
       </p:sp>
       <p:sp>
         <p:nvSpPr>
-          <p:cNvPr id="20" name="テキスト ボックス 19"/>
+          <p:cNvPr id="6" name="テキスト ボックス 5"/>
           <p:cNvSpPr txBox="1"/>
           <p:nvPr/>
         </p:nvSpPr>
         <p:spPr>
           <a:xfrm>
-            <a:off x="539552" y="1412776"/>
-            <a:ext cx="8136904" cy="923330"/>
+            <a:off x="503548" y="1628800"/>
+            <a:ext cx="8136904" cy="523220"/>
           </a:xfrm>
           <a:prstGeom prst="rect">
             <a:avLst/>
@@ -4732,15 +7803,157 @@
           </a:bodyPr>
           <a:lstStyle/>
           <a:p>
+            <a:r>
+              <a:rPr kumimoji="1" lang="ja-JP" altLang="en-US" sz="2800" dirty="0" smtClean="0"/>
+              <a:t>結果・考察</a:t>
+            </a:r>
+            <a:endParaRPr kumimoji="1" lang="en-US" altLang="ja-JP" sz="2800" dirty="0" smtClean="0"/>
+          </a:p>
+        </p:txBody>
+      </p:sp>
+      <p:sp>
+        <p:nvSpPr>
+          <p:cNvPr id="5" name="テキスト ボックス 4"/>
+          <p:cNvSpPr txBox="1"/>
+          <p:nvPr/>
+        </p:nvSpPr>
+        <p:spPr>
+          <a:xfrm>
+            <a:off x="351681" y="3347540"/>
+            <a:ext cx="8136904" cy="369332"/>
+          </a:xfrm>
+          <a:prstGeom prst="rect">
+            <a:avLst/>
+          </a:prstGeom>
+          <a:noFill/>
+        </p:spPr>
+        <p:txBody>
+          <a:bodyPr wrap="square" rtlCol="0">
+            <a:spAutoFit/>
+          </a:bodyPr>
+          <a:lstStyle/>
+          <a:p>
+            <a:r>
+              <a:rPr kumimoji="1" lang="ja-JP" altLang="en-US" dirty="0" smtClean="0"/>
+              <a:t>・ </a:t>
+            </a:r>
+            <a:r>
+              <a:rPr kumimoji="1" lang="en-US" altLang="ja-JP" dirty="0" smtClean="0"/>
+              <a:t>200,300[mm/s]</a:t>
+            </a:r>
+            <a:r>
+              <a:rPr kumimoji="1" lang="ja-JP" altLang="en-US" dirty="0" smtClean="0"/>
+              <a:t>を比較すると、そこまで粒子数に差がない</a:t>
+            </a:r>
+            <a:endParaRPr kumimoji="1" lang="en-US" altLang="ja-JP" dirty="0" smtClean="0"/>
+          </a:p>
+        </p:txBody>
+      </p:sp>
+      <p:sp>
+        <p:nvSpPr>
+          <p:cNvPr id="7" name="テキスト ボックス 6"/>
+          <p:cNvSpPr txBox="1"/>
+          <p:nvPr/>
+        </p:nvSpPr>
+        <p:spPr>
+          <a:xfrm>
+            <a:off x="323528" y="2317812"/>
+            <a:ext cx="8136904" cy="369332"/>
+          </a:xfrm>
+          <a:prstGeom prst="rect">
+            <a:avLst/>
+          </a:prstGeom>
+          <a:noFill/>
+        </p:spPr>
+        <p:txBody>
+          <a:bodyPr wrap="square" rtlCol="0">
+            <a:spAutoFit/>
+          </a:bodyPr>
+          <a:lstStyle/>
+          <a:p>
+            <a:r>
+              <a:rPr kumimoji="1" lang="ja-JP" altLang="en-US" dirty="0" smtClean="0"/>
+              <a:t>・ 速度が大きくなるほど、穴に入る粒子数が増加している</a:t>
+            </a:r>
+            <a:endParaRPr kumimoji="1" lang="en-US" altLang="ja-JP" dirty="0" smtClean="0"/>
+          </a:p>
+        </p:txBody>
+      </p:sp>
+      <p:sp>
+        <p:nvSpPr>
+          <p:cNvPr id="8" name="テキスト ボックス 7"/>
+          <p:cNvSpPr txBox="1"/>
+          <p:nvPr/>
+        </p:nvSpPr>
+        <p:spPr>
+          <a:xfrm>
+            <a:off x="351681" y="3799811"/>
+            <a:ext cx="8136904" cy="369332"/>
+          </a:xfrm>
+          <a:prstGeom prst="rect">
+            <a:avLst/>
+          </a:prstGeom>
+          <a:noFill/>
+        </p:spPr>
+        <p:txBody>
+          <a:bodyPr wrap="square" rtlCol="0">
+            <a:spAutoFit/>
+          </a:bodyPr>
+          <a:lstStyle/>
+          <a:p>
+            <a:r>
+              <a:rPr kumimoji="1" lang="ja-JP" altLang="en-US" dirty="0" smtClean="0"/>
+              <a:t>　　</a:t>
+            </a:r>
+            <a:r>
+              <a:rPr kumimoji="1" lang="en-US" altLang="ja-JP" dirty="0" smtClean="0"/>
+              <a:t>-&gt; </a:t>
+            </a:r>
+            <a:r>
+              <a:rPr kumimoji="1" lang="ja-JP" altLang="en-US" dirty="0"/>
+              <a:t>ある程度の速度で頭打ちに</a:t>
+            </a:r>
+            <a:r>
+              <a:rPr kumimoji="1" lang="ja-JP" altLang="en-US" dirty="0" smtClean="0"/>
+              <a:t>なる</a:t>
+            </a:r>
             <a:endParaRPr kumimoji="1" lang="en-US" altLang="ja-JP" dirty="0"/>
           </a:p>
-          <a:p>
-            <a:endParaRPr kumimoji="1" lang="en-US" altLang="ja-JP" dirty="0"/>
-          </a:p>
-          <a:p>
+        </p:txBody>
+      </p:sp>
+      <p:sp>
+        <p:nvSpPr>
+          <p:cNvPr id="9" name="テキスト ボックス 8"/>
+          <p:cNvSpPr txBox="1"/>
+          <p:nvPr/>
+        </p:nvSpPr>
+        <p:spPr>
+          <a:xfrm>
+            <a:off x="323528" y="2752073"/>
+            <a:ext cx="8136904" cy="369332"/>
+          </a:xfrm>
+          <a:prstGeom prst="rect">
+            <a:avLst/>
+          </a:prstGeom>
+          <a:noFill/>
+        </p:spPr>
+        <p:txBody>
+          <a:bodyPr wrap="square" rtlCol="0">
+            <a:spAutoFit/>
+          </a:bodyPr>
+          <a:lstStyle/>
+          <a:p>
+            <a:r>
+              <a:rPr kumimoji="1" lang="ja-JP" altLang="en-US" dirty="0" smtClean="0"/>
+              <a:t>　　</a:t>
+            </a:r>
             <a:r>
               <a:rPr kumimoji="1" lang="en-US" altLang="ja-JP" dirty="0" smtClean="0"/>
-              <a:t>pestle</a:t>
+              <a:t>-&gt; </a:t>
+            </a:r>
+            <a:r>
+              <a:rPr kumimoji="1" lang="ja-JP" altLang="en-US" dirty="0" smtClean="0"/>
+              <a:t>圧力差による吸引力が強い</a:t>
             </a:r>
             <a:endParaRPr kumimoji="1" lang="en-US" altLang="ja-JP" dirty="0"/>
           </a:p>
@@ -4749,17 +7962,2718 @@
     </p:spTree>
     <p:extLst>
       <p:ext uri="{BB962C8B-B14F-4D97-AF65-F5344CB8AC3E}">
-        <p14:creationId xmlns:p14="http://schemas.microsoft.com/office/powerpoint/2010/main" val="2152559614"/>
+        <p14:creationId xmlns:p14="http://schemas.microsoft.com/office/powerpoint/2010/main" val="3959778368"/>
       </p:ext>
     </p:extLst>
   </p:cSld>
   <p:clrMapOvr>
     <a:masterClrMapping/>
   </p:clrMapOvr>
+  <p:timing>
+    <p:tnLst>
+      <p:par>
+        <p:cTn id="1" dur="indefinite" restart="never" nodeType="tmRoot"/>
+      </p:par>
+    </p:tnLst>
+  </p:timing>
 </p:sld>
 </file>
 
 <file path=ppt/slides/slide13.xml><?xml version="1.0" encoding="utf-8"?>
+<p:sld xmlns:a="http://schemas.openxmlformats.org/drawingml/2006/main" xmlns:r="http://schemas.openxmlformats.org/officeDocument/2006/relationships" xmlns:p="http://schemas.openxmlformats.org/presentationml/2006/main">
+  <p:cSld>
+    <p:spTree>
+      <p:nvGrpSpPr>
+        <p:cNvPr id="1" name=""/>
+        <p:cNvGrpSpPr/>
+        <p:nvPr/>
+      </p:nvGrpSpPr>
+      <p:grpSpPr>
+        <a:xfrm>
+          <a:off x="0" y="0"/>
+          <a:ext cx="0" cy="0"/>
+          <a:chOff x="0" y="0"/>
+          <a:chExt cx="0" cy="0"/>
+        </a:xfrm>
+      </p:grpSpPr>
+      <p:sp>
+        <p:nvSpPr>
+          <p:cNvPr id="4" name="Title 3"/>
+          <p:cNvSpPr>
+            <a:spLocks noGrp="1"/>
+          </p:cNvSpPr>
+          <p:nvPr>
+            <p:ph type="title"/>
+          </p:nvPr>
+        </p:nvSpPr>
+        <p:spPr/>
+        <p:txBody>
+          <a:bodyPr/>
+          <a:lstStyle/>
+          <a:p>
+            <a:r>
+              <a:rPr lang="en-US" altLang="ko-KR" dirty="0"/>
+              <a:t>Comparison, Suction velocity</a:t>
+            </a:r>
+            <a:endParaRPr lang="ko-KR" altLang="en-US" dirty="0"/>
+          </a:p>
+        </p:txBody>
+      </p:sp>
+      <p:sp>
+        <p:nvSpPr>
+          <p:cNvPr id="2" name="正方形/長方形 1"/>
+          <p:cNvSpPr/>
+          <p:nvPr/>
+        </p:nvSpPr>
+        <p:spPr>
+          <a:xfrm>
+            <a:off x="0" y="1086292"/>
+            <a:ext cx="9144000" cy="36000"/>
+          </a:xfrm>
+          <a:prstGeom prst="rect">
+            <a:avLst/>
+          </a:prstGeom>
+          <a:solidFill>
+            <a:srgbClr val="99DABA"/>
+          </a:solidFill>
+          <a:ln>
+            <a:noFill/>
+          </a:ln>
+        </p:spPr>
+        <p:style>
+          <a:lnRef idx="2">
+            <a:schemeClr val="accent1">
+              <a:shade val="50000"/>
+            </a:schemeClr>
+          </a:lnRef>
+          <a:fillRef idx="1">
+            <a:schemeClr val="accent1"/>
+          </a:fillRef>
+          <a:effectRef idx="0">
+            <a:schemeClr val="accent1"/>
+          </a:effectRef>
+          <a:fontRef idx="minor">
+            <a:schemeClr val="lt1"/>
+          </a:fontRef>
+        </p:style>
+        <p:txBody>
+          <a:bodyPr rtlCol="0" anchor="ctr"/>
+          <a:lstStyle/>
+          <a:p>
+            <a:pPr algn="ctr"/>
+            <a:endParaRPr kumimoji="1" lang="ja-JP" altLang="en-US"/>
+          </a:p>
+        </p:txBody>
+      </p:sp>
+      <p:sp>
+        <p:nvSpPr>
+          <p:cNvPr id="8" name="テキスト ボックス 7">
+            <a:extLst>
+              <a:ext uri="{FF2B5EF4-FFF2-40B4-BE49-F238E27FC236}">
+                <a16:creationId xmlns="" xmlns:a16="http://schemas.microsoft.com/office/drawing/2014/main" id="{093C528F-2820-7842-B097-0CEA13538469}"/>
+              </a:ext>
+            </a:extLst>
+          </p:cNvPr>
+          <p:cNvSpPr txBox="1"/>
+          <p:nvPr/>
+        </p:nvSpPr>
+        <p:spPr>
+          <a:xfrm>
+            <a:off x="-6116" y="1347600"/>
+            <a:ext cx="2699792" cy="646331"/>
+          </a:xfrm>
+          <a:prstGeom prst="rect">
+            <a:avLst/>
+          </a:prstGeom>
+          <a:noFill/>
+        </p:spPr>
+        <p:txBody>
+          <a:bodyPr wrap="square" rtlCol="0">
+            <a:spAutoFit/>
+          </a:bodyPr>
+          <a:lstStyle/>
+          <a:p>
+            <a:pPr algn="ctr"/>
+            <a:r>
+              <a:rPr kumimoji="1" lang="en-US" altLang="ja-JP" u="sng" dirty="0" smtClean="0"/>
+              <a:t>Particle number rate</a:t>
+            </a:r>
+          </a:p>
+          <a:p>
+            <a:pPr algn="ctr"/>
+            <a:r>
+              <a:rPr kumimoji="1" lang="en-US" altLang="ja-JP" u="sng" dirty="0" smtClean="0"/>
+              <a:t>in the area</a:t>
+            </a:r>
+            <a:r>
+              <a:rPr kumimoji="1" lang="ja-JP" altLang="en-US" u="sng" dirty="0" smtClean="0"/>
+              <a:t>　</a:t>
+            </a:r>
+            <a:r>
+              <a:rPr kumimoji="1" lang="en-US" altLang="ja-JP" u="sng" dirty="0" smtClean="0"/>
+              <a:t>[%]</a:t>
+            </a:r>
+            <a:endParaRPr kumimoji="1" lang="en-US" altLang="ja-JP" u="sng" dirty="0" smtClean="0"/>
+          </a:p>
+        </p:txBody>
+      </p:sp>
+      <p:pic>
+        <p:nvPicPr>
+          <p:cNvPr id="13" name="図 12"/>
+          <p:cNvPicPr>
+            <a:picLocks noChangeAspect="1"/>
+          </p:cNvPicPr>
+          <p:nvPr/>
+        </p:nvPicPr>
+        <p:blipFill>
+          <a:blip r:embed="rId3">
+            <a:extLst>
+              <a:ext uri="{28A0092B-C50C-407E-A947-70E740481C1C}">
+                <a14:useLocalDpi xmlns:a14="http://schemas.microsoft.com/office/drawing/2010/main" val="0"/>
+              </a:ext>
+            </a:extLst>
+          </a:blip>
+          <a:stretch>
+            <a:fillRect/>
+          </a:stretch>
+        </p:blipFill>
+        <p:spPr>
+          <a:xfrm>
+            <a:off x="2380629" y="2668968"/>
+            <a:ext cx="1849297" cy="2113482"/>
+          </a:xfrm>
+          <a:prstGeom prst="rect">
+            <a:avLst/>
+          </a:prstGeom>
+        </p:spPr>
+      </p:pic>
+      <p:pic>
+        <p:nvPicPr>
+          <p:cNvPr id="14" name="図 13"/>
+          <p:cNvPicPr>
+            <a:picLocks noChangeAspect="1"/>
+          </p:cNvPicPr>
+          <p:nvPr/>
+        </p:nvPicPr>
+        <p:blipFill>
+          <a:blip r:embed="rId4">
+            <a:extLst>
+              <a:ext uri="{28A0092B-C50C-407E-A947-70E740481C1C}">
+                <a14:useLocalDpi xmlns:a14="http://schemas.microsoft.com/office/drawing/2010/main" val="0"/>
+              </a:ext>
+            </a:extLst>
+          </a:blip>
+          <a:stretch>
+            <a:fillRect/>
+          </a:stretch>
+        </p:blipFill>
+        <p:spPr>
+          <a:xfrm>
+            <a:off x="4309279" y="2655991"/>
+            <a:ext cx="1860652" cy="2126459"/>
+          </a:xfrm>
+          <a:prstGeom prst="rect">
+            <a:avLst/>
+          </a:prstGeom>
+        </p:spPr>
+      </p:pic>
+      <p:pic>
+        <p:nvPicPr>
+          <p:cNvPr id="15" name="図 14"/>
+          <p:cNvPicPr>
+            <a:picLocks noChangeAspect="1"/>
+          </p:cNvPicPr>
+          <p:nvPr/>
+        </p:nvPicPr>
+        <p:blipFill>
+          <a:blip r:embed="rId5">
+            <a:extLst>
+              <a:ext uri="{28A0092B-C50C-407E-A947-70E740481C1C}">
+                <a14:useLocalDpi xmlns:a14="http://schemas.microsoft.com/office/drawing/2010/main" val="0"/>
+              </a:ext>
+            </a:extLst>
+          </a:blip>
+          <a:stretch>
+            <a:fillRect/>
+          </a:stretch>
+        </p:blipFill>
+        <p:spPr>
+          <a:xfrm>
+            <a:off x="6243791" y="2655991"/>
+            <a:ext cx="1852070" cy="2116652"/>
+          </a:xfrm>
+          <a:prstGeom prst="rect">
+            <a:avLst/>
+          </a:prstGeom>
+        </p:spPr>
+      </p:pic>
+      <p:graphicFrame>
+        <p:nvGraphicFramePr>
+          <p:cNvPr id="17" name="表 16"/>
+          <p:cNvGraphicFramePr>
+            <a:graphicFrameLocks noGrp="1"/>
+          </p:cNvGraphicFramePr>
+          <p:nvPr>
+            <p:extLst>
+              <p:ext uri="{D42A27DB-BD31-4B8C-83A1-F6EECF244321}">
+                <p14:modId xmlns:p14="http://schemas.microsoft.com/office/powerpoint/2010/main" val="1877301009"/>
+              </p:ext>
+            </p:extLst>
+          </p:nvPr>
+        </p:nvGraphicFramePr>
+        <p:xfrm>
+          <a:off x="2317984" y="2060848"/>
+          <a:ext cx="5835690" cy="492908"/>
+        </p:xfrm>
+        <a:graphic>
+          <a:graphicData uri="http://schemas.openxmlformats.org/drawingml/2006/table">
+            <a:tbl>
+              <a:tblPr/>
+              <a:tblGrid>
+                <a:gridCol w="1945230"/>
+                <a:gridCol w="1945230"/>
+                <a:gridCol w="1945230"/>
+              </a:tblGrid>
+              <a:tr h="246454">
+                <a:tc gridSpan="3">
+                  <a:txBody>
+                    <a:bodyPr/>
+                    <a:lstStyle/>
+                    <a:p>
+                      <a:pPr algn="ctr" fontAlgn="ctr"/>
+                      <a:r>
+                        <a:rPr lang="en-US" sz="1100" b="0" i="0" u="none" strike="noStrike" dirty="0">
+                          <a:solidFill>
+                            <a:srgbClr val="000000"/>
+                          </a:solidFill>
+                          <a:effectLst/>
+                          <a:latin typeface="+mn-lt"/>
+                          <a:ea typeface="ＭＳ Ｐゴシック" panose="020B0600070205080204" pitchFamily="50" charset="-128"/>
+                        </a:rPr>
+                        <a:t>Suction velocity [mm/s]</a:t>
+                      </a:r>
+                    </a:p>
+                  </a:txBody>
+                  <a:tcPr marL="9525" marR="9525" marT="9525" marB="0" anchor="ctr">
+                    <a:lnL w="12700" cap="flat" cmpd="sng" algn="ctr">
+                      <a:solidFill>
+                        <a:srgbClr val="000000"/>
+                      </a:solidFill>
+                      <a:prstDash val="solid"/>
+                      <a:round/>
+                      <a:headEnd type="none" w="med" len="med"/>
+                      <a:tailEnd type="none" w="med" len="med"/>
+                    </a:lnL>
+                    <a:lnR w="12700" cap="flat" cmpd="sng" algn="ctr">
+                      <a:solidFill>
+                        <a:srgbClr val="000000"/>
+                      </a:solidFill>
+                      <a:prstDash val="solid"/>
+                      <a:round/>
+                      <a:headEnd type="none" w="med" len="med"/>
+                      <a:tailEnd type="none" w="med" len="med"/>
+                    </a:lnR>
+                    <a:lnT w="12700" cap="flat" cmpd="sng" algn="ctr">
+                      <a:solidFill>
+                        <a:srgbClr val="000000"/>
+                      </a:solidFill>
+                      <a:prstDash val="solid"/>
+                      <a:round/>
+                      <a:headEnd type="none" w="med" len="med"/>
+                      <a:tailEnd type="none" w="med" len="med"/>
+                    </a:lnT>
+                    <a:lnB w="12700" cap="flat" cmpd="sng" algn="ctr">
+                      <a:solidFill>
+                        <a:schemeClr val="tx1"/>
+                      </a:solidFill>
+                      <a:prstDash val="solid"/>
+                      <a:round/>
+                      <a:headEnd type="none" w="med" len="med"/>
+                      <a:tailEnd type="none" w="med" len="med"/>
+                    </a:lnB>
+                  </a:tcPr>
+                </a:tc>
+                <a:tc hMerge="1">
+                  <a:txBody>
+                    <a:bodyPr/>
+                    <a:lstStyle/>
+                    <a:p>
+                      <a:endParaRPr kumimoji="1" lang="ja-JP" altLang="en-US"/>
+                    </a:p>
+                  </a:txBody>
+                  <a:tcPr/>
+                </a:tc>
+                <a:tc hMerge="1">
+                  <a:txBody>
+                    <a:bodyPr/>
+                    <a:lstStyle/>
+                    <a:p>
+                      <a:endParaRPr kumimoji="1" lang="ja-JP" altLang="en-US"/>
+                    </a:p>
+                  </a:txBody>
+                  <a:tcPr/>
+                </a:tc>
+              </a:tr>
+              <a:tr h="246454">
+                <a:tc>
+                  <a:txBody>
+                    <a:bodyPr/>
+                    <a:lstStyle/>
+                    <a:p>
+                      <a:pPr algn="ctr" fontAlgn="ctr"/>
+                      <a:r>
+                        <a:rPr lang="en-US" altLang="ja-JP" sz="1100" b="0" i="0" u="none" strike="noStrike" dirty="0">
+                          <a:solidFill>
+                            <a:srgbClr val="000000"/>
+                          </a:solidFill>
+                          <a:effectLst/>
+                          <a:latin typeface="+mn-lt"/>
+                          <a:ea typeface="ＭＳ Ｐゴシック" panose="020B0600070205080204" pitchFamily="50" charset="-128"/>
+                        </a:rPr>
+                        <a:t>100</a:t>
+                      </a:r>
+                    </a:p>
+                  </a:txBody>
+                  <a:tcPr marL="9525" marR="9525" marT="9525" marB="0" anchor="ctr">
+                    <a:lnL w="12700" cap="flat" cmpd="sng" algn="ctr">
+                      <a:solidFill>
+                        <a:schemeClr val="tx1"/>
+                      </a:solidFill>
+                      <a:prstDash val="solid"/>
+                      <a:round/>
+                      <a:headEnd type="none" w="med" len="med"/>
+                      <a:tailEnd type="none" w="med" len="med"/>
+                    </a:lnL>
+                    <a:lnR w="12700" cap="flat" cmpd="sng" algn="ctr">
+                      <a:solidFill>
+                        <a:schemeClr val="tx1"/>
+                      </a:solidFill>
+                      <a:prstDash val="solid"/>
+                      <a:round/>
+                      <a:headEnd type="none" w="med" len="med"/>
+                      <a:tailEnd type="none" w="med" len="med"/>
+                    </a:lnR>
+                    <a:lnT w="12700" cap="flat" cmpd="sng" algn="ctr">
+                      <a:solidFill>
+                        <a:schemeClr val="tx1"/>
+                      </a:solidFill>
+                      <a:prstDash val="solid"/>
+                      <a:round/>
+                      <a:headEnd type="none" w="med" len="med"/>
+                      <a:tailEnd type="none" w="med" len="med"/>
+                    </a:lnT>
+                    <a:lnB w="12700" cap="flat" cmpd="sng" algn="ctr">
+                      <a:solidFill>
+                        <a:schemeClr val="tx1"/>
+                      </a:solidFill>
+                      <a:prstDash val="solid"/>
+                      <a:round/>
+                      <a:headEnd type="none" w="med" len="med"/>
+                      <a:tailEnd type="none" w="med" len="med"/>
+                    </a:lnB>
+                  </a:tcPr>
+                </a:tc>
+                <a:tc>
+                  <a:txBody>
+                    <a:bodyPr/>
+                    <a:lstStyle/>
+                    <a:p>
+                      <a:pPr algn="ctr" fontAlgn="ctr"/>
+                      <a:r>
+                        <a:rPr lang="en-US" altLang="ja-JP" sz="1100" b="0" i="0" u="none" strike="noStrike" dirty="0">
+                          <a:solidFill>
+                            <a:srgbClr val="000000"/>
+                          </a:solidFill>
+                          <a:effectLst/>
+                          <a:latin typeface="+mn-lt"/>
+                          <a:ea typeface="ＭＳ Ｐゴシック" panose="020B0600070205080204" pitchFamily="50" charset="-128"/>
+                        </a:rPr>
+                        <a:t>200</a:t>
+                      </a:r>
+                    </a:p>
+                  </a:txBody>
+                  <a:tcPr marL="9525" marR="9525" marT="9525" marB="0" anchor="ctr">
+                    <a:lnL w="12700" cap="flat" cmpd="sng" algn="ctr">
+                      <a:solidFill>
+                        <a:schemeClr val="tx1"/>
+                      </a:solidFill>
+                      <a:prstDash val="solid"/>
+                      <a:round/>
+                      <a:headEnd type="none" w="med" len="med"/>
+                      <a:tailEnd type="none" w="med" len="med"/>
+                    </a:lnL>
+                    <a:lnR w="12700" cap="flat" cmpd="sng" algn="ctr">
+                      <a:solidFill>
+                        <a:schemeClr val="tx1"/>
+                      </a:solidFill>
+                      <a:prstDash val="solid"/>
+                      <a:round/>
+                      <a:headEnd type="none" w="med" len="med"/>
+                      <a:tailEnd type="none" w="med" len="med"/>
+                    </a:lnR>
+                    <a:lnT w="12700" cap="flat" cmpd="sng" algn="ctr">
+                      <a:solidFill>
+                        <a:schemeClr val="tx1"/>
+                      </a:solidFill>
+                      <a:prstDash val="solid"/>
+                      <a:round/>
+                      <a:headEnd type="none" w="med" len="med"/>
+                      <a:tailEnd type="none" w="med" len="med"/>
+                    </a:lnT>
+                    <a:lnB w="12700" cap="flat" cmpd="sng" algn="ctr">
+                      <a:solidFill>
+                        <a:schemeClr val="tx1"/>
+                      </a:solidFill>
+                      <a:prstDash val="solid"/>
+                      <a:round/>
+                      <a:headEnd type="none" w="med" len="med"/>
+                      <a:tailEnd type="none" w="med" len="med"/>
+                    </a:lnB>
+                  </a:tcPr>
+                </a:tc>
+                <a:tc>
+                  <a:txBody>
+                    <a:bodyPr/>
+                    <a:lstStyle/>
+                    <a:p>
+                      <a:pPr algn="ctr" fontAlgn="ctr"/>
+                      <a:r>
+                        <a:rPr lang="en-US" altLang="ja-JP" sz="1100" b="0" i="0" u="none" strike="noStrike" dirty="0">
+                          <a:solidFill>
+                            <a:srgbClr val="000000"/>
+                          </a:solidFill>
+                          <a:effectLst/>
+                          <a:latin typeface="+mn-lt"/>
+                          <a:ea typeface="ＭＳ Ｐゴシック" panose="020B0600070205080204" pitchFamily="50" charset="-128"/>
+                        </a:rPr>
+                        <a:t>300</a:t>
+                      </a:r>
+                    </a:p>
+                  </a:txBody>
+                  <a:tcPr marL="9525" marR="9525" marT="9525" marB="0" anchor="ctr">
+                    <a:lnL w="12700" cap="flat" cmpd="sng" algn="ctr">
+                      <a:solidFill>
+                        <a:schemeClr val="tx1"/>
+                      </a:solidFill>
+                      <a:prstDash val="solid"/>
+                      <a:round/>
+                      <a:headEnd type="none" w="med" len="med"/>
+                      <a:tailEnd type="none" w="med" len="med"/>
+                    </a:lnL>
+                    <a:lnR w="12700" cap="flat" cmpd="sng" algn="ctr">
+                      <a:solidFill>
+                        <a:schemeClr val="tx1"/>
+                      </a:solidFill>
+                      <a:prstDash val="solid"/>
+                      <a:round/>
+                      <a:headEnd type="none" w="med" len="med"/>
+                      <a:tailEnd type="none" w="med" len="med"/>
+                    </a:lnR>
+                    <a:lnT w="12700" cap="flat" cmpd="sng" algn="ctr">
+                      <a:solidFill>
+                        <a:schemeClr val="tx1"/>
+                      </a:solidFill>
+                      <a:prstDash val="solid"/>
+                      <a:round/>
+                      <a:headEnd type="none" w="med" len="med"/>
+                      <a:tailEnd type="none" w="med" len="med"/>
+                    </a:lnT>
+                    <a:lnB w="12700" cap="flat" cmpd="sng" algn="ctr">
+                      <a:solidFill>
+                        <a:schemeClr val="tx1"/>
+                      </a:solidFill>
+                      <a:prstDash val="solid"/>
+                      <a:round/>
+                      <a:headEnd type="none" w="med" len="med"/>
+                      <a:tailEnd type="none" w="med" len="med"/>
+                    </a:lnB>
+                  </a:tcPr>
+                </a:tc>
+              </a:tr>
+            </a:tbl>
+          </a:graphicData>
+        </a:graphic>
+      </p:graphicFrame>
+      <p:cxnSp>
+        <p:nvCxnSpPr>
+          <p:cNvPr id="19" name="直線コネクタ 18"/>
+          <p:cNvCxnSpPr/>
+          <p:nvPr/>
+        </p:nvCxnSpPr>
+        <p:spPr>
+          <a:xfrm>
+            <a:off x="2317984" y="2553756"/>
+            <a:ext cx="19166" cy="2315404"/>
+          </a:xfrm>
+          <a:prstGeom prst="line">
+            <a:avLst/>
+          </a:prstGeom>
+          <a:ln>
+            <a:solidFill>
+              <a:schemeClr val="tx1"/>
+            </a:solidFill>
+          </a:ln>
+        </p:spPr>
+        <p:style>
+          <a:lnRef idx="1">
+            <a:schemeClr val="accent1"/>
+          </a:lnRef>
+          <a:fillRef idx="0">
+            <a:schemeClr val="accent1"/>
+          </a:fillRef>
+          <a:effectRef idx="0">
+            <a:schemeClr val="accent1"/>
+          </a:effectRef>
+          <a:fontRef idx="minor">
+            <a:schemeClr val="tx1"/>
+          </a:fontRef>
+        </p:style>
+      </p:cxnSp>
+      <p:cxnSp>
+        <p:nvCxnSpPr>
+          <p:cNvPr id="23" name="直線コネクタ 22"/>
+          <p:cNvCxnSpPr/>
+          <p:nvPr/>
+        </p:nvCxnSpPr>
+        <p:spPr>
+          <a:xfrm>
+            <a:off x="4258018" y="2553756"/>
+            <a:ext cx="19166" cy="2315404"/>
+          </a:xfrm>
+          <a:prstGeom prst="line">
+            <a:avLst/>
+          </a:prstGeom>
+          <a:ln>
+            <a:solidFill>
+              <a:schemeClr val="tx1"/>
+            </a:solidFill>
+          </a:ln>
+        </p:spPr>
+        <p:style>
+          <a:lnRef idx="1">
+            <a:schemeClr val="accent1"/>
+          </a:lnRef>
+          <a:fillRef idx="0">
+            <a:schemeClr val="accent1"/>
+          </a:fillRef>
+          <a:effectRef idx="0">
+            <a:schemeClr val="accent1"/>
+          </a:effectRef>
+          <a:fontRef idx="minor">
+            <a:schemeClr val="tx1"/>
+          </a:fontRef>
+        </p:style>
+      </p:cxnSp>
+      <p:cxnSp>
+        <p:nvCxnSpPr>
+          <p:cNvPr id="24" name="直線コネクタ 23"/>
+          <p:cNvCxnSpPr/>
+          <p:nvPr/>
+        </p:nvCxnSpPr>
+        <p:spPr>
+          <a:xfrm>
+            <a:off x="6203756" y="2538777"/>
+            <a:ext cx="19166" cy="2315404"/>
+          </a:xfrm>
+          <a:prstGeom prst="line">
+            <a:avLst/>
+          </a:prstGeom>
+          <a:ln>
+            <a:solidFill>
+              <a:schemeClr val="tx1"/>
+            </a:solidFill>
+          </a:ln>
+        </p:spPr>
+        <p:style>
+          <a:lnRef idx="1">
+            <a:schemeClr val="accent1"/>
+          </a:lnRef>
+          <a:fillRef idx="0">
+            <a:schemeClr val="accent1"/>
+          </a:fillRef>
+          <a:effectRef idx="0">
+            <a:schemeClr val="accent1"/>
+          </a:effectRef>
+          <a:fontRef idx="minor">
+            <a:schemeClr val="tx1"/>
+          </a:fontRef>
+        </p:style>
+      </p:cxnSp>
+      <p:cxnSp>
+        <p:nvCxnSpPr>
+          <p:cNvPr id="25" name="直線コネクタ 24"/>
+          <p:cNvCxnSpPr/>
+          <p:nvPr/>
+        </p:nvCxnSpPr>
+        <p:spPr>
+          <a:xfrm>
+            <a:off x="8144091" y="2554569"/>
+            <a:ext cx="19166" cy="2315404"/>
+          </a:xfrm>
+          <a:prstGeom prst="line">
+            <a:avLst/>
+          </a:prstGeom>
+          <a:ln>
+            <a:solidFill>
+              <a:schemeClr val="tx1"/>
+            </a:solidFill>
+          </a:ln>
+        </p:spPr>
+        <p:style>
+          <a:lnRef idx="1">
+            <a:schemeClr val="accent1"/>
+          </a:lnRef>
+          <a:fillRef idx="0">
+            <a:schemeClr val="accent1"/>
+          </a:fillRef>
+          <a:effectRef idx="0">
+            <a:schemeClr val="accent1"/>
+          </a:effectRef>
+          <a:fontRef idx="minor">
+            <a:schemeClr val="tx1"/>
+          </a:fontRef>
+        </p:style>
+      </p:cxnSp>
+      <p:pic>
+        <p:nvPicPr>
+          <p:cNvPr id="9" name="図 8"/>
+          <p:cNvPicPr>
+            <a:picLocks noChangeAspect="1"/>
+          </p:cNvPicPr>
+          <p:nvPr/>
+        </p:nvPicPr>
+        <p:blipFill>
+          <a:blip r:embed="rId6" cstate="print">
+            <a:extLst>
+              <a:ext uri="{28A0092B-C50C-407E-A947-70E740481C1C}">
+                <a14:useLocalDpi xmlns:a14="http://schemas.microsoft.com/office/drawing/2010/main" val="0"/>
+              </a:ext>
+            </a:extLst>
+          </a:blip>
+          <a:stretch>
+            <a:fillRect/>
+          </a:stretch>
+        </p:blipFill>
+        <p:spPr>
+          <a:xfrm>
+            <a:off x="574947" y="2307302"/>
+            <a:ext cx="1559201" cy="1781944"/>
+          </a:xfrm>
+          <a:prstGeom prst="rect">
+            <a:avLst/>
+          </a:prstGeom>
+        </p:spPr>
+      </p:pic>
+      <p:cxnSp>
+        <p:nvCxnSpPr>
+          <p:cNvPr id="11" name="直線矢印コネクタ 10"/>
+          <p:cNvCxnSpPr/>
+          <p:nvPr/>
+        </p:nvCxnSpPr>
+        <p:spPr>
+          <a:xfrm flipH="1">
+            <a:off x="1326620" y="1993931"/>
+            <a:ext cx="149036" cy="1219045"/>
+          </a:xfrm>
+          <a:prstGeom prst="straightConnector1">
+            <a:avLst/>
+          </a:prstGeom>
+          <a:ln>
+            <a:solidFill>
+              <a:schemeClr val="tx1"/>
+            </a:solidFill>
+            <a:tailEnd type="triangle"/>
+          </a:ln>
+        </p:spPr>
+        <p:style>
+          <a:lnRef idx="1">
+            <a:schemeClr val="accent1"/>
+          </a:lnRef>
+          <a:fillRef idx="0">
+            <a:schemeClr val="accent1"/>
+          </a:fillRef>
+          <a:effectRef idx="0">
+            <a:schemeClr val="accent1"/>
+          </a:effectRef>
+          <a:fontRef idx="minor">
+            <a:schemeClr val="tx1"/>
+          </a:fontRef>
+        </p:style>
+      </p:cxnSp>
+      <p:graphicFrame>
+        <p:nvGraphicFramePr>
+          <p:cNvPr id="29" name="表 28"/>
+          <p:cNvGraphicFramePr>
+            <a:graphicFrameLocks noGrp="1"/>
+          </p:cNvGraphicFramePr>
+          <p:nvPr>
+            <p:extLst>
+              <p:ext uri="{D42A27DB-BD31-4B8C-83A1-F6EECF244321}">
+                <p14:modId xmlns:p14="http://schemas.microsoft.com/office/powerpoint/2010/main" val="982749339"/>
+              </p:ext>
+            </p:extLst>
+          </p:nvPr>
+        </p:nvGraphicFramePr>
+        <p:xfrm>
+          <a:off x="395535" y="4869160"/>
+          <a:ext cx="7776866" cy="893445"/>
+        </p:xfrm>
+        <a:graphic>
+          <a:graphicData uri="http://schemas.openxmlformats.org/drawingml/2006/table">
+            <a:tbl>
+              <a:tblPr/>
+              <a:tblGrid>
+                <a:gridCol w="864097"/>
+                <a:gridCol w="216024"/>
+                <a:gridCol w="864096"/>
+                <a:gridCol w="1944216"/>
+                <a:gridCol w="1944216"/>
+                <a:gridCol w="1944217"/>
+              </a:tblGrid>
+              <a:tr h="171450">
+                <a:tc rowSpan="5">
+                  <a:txBody>
+                    <a:bodyPr/>
+                    <a:lstStyle/>
+                    <a:p>
+                      <a:pPr algn="ctr" fontAlgn="ctr"/>
+                      <a:r>
+                        <a:rPr lang="ja-JP" altLang="en-US" sz="1100" b="0" i="0" u="none" strike="noStrike" dirty="0" smtClean="0">
+                          <a:solidFill>
+                            <a:srgbClr val="000000"/>
+                          </a:solidFill>
+                          <a:effectLst/>
+                          <a:latin typeface="+mn-lt"/>
+                          <a:ea typeface="ＭＳ Ｐゴシック" panose="020B0600070205080204" pitchFamily="50" charset="-128"/>
+                        </a:rPr>
+                        <a:t>層</a:t>
+                      </a:r>
+                      <a:r>
+                        <a:rPr lang="ja-JP" altLang="en-US" sz="1100" b="0" i="0" u="none" strike="noStrike" baseline="0" dirty="0" smtClean="0">
+                          <a:solidFill>
+                            <a:srgbClr val="000000"/>
+                          </a:solidFill>
+                          <a:effectLst/>
+                          <a:latin typeface="+mn-lt"/>
+                          <a:ea typeface="ＭＳ Ｐゴシック" panose="020B0600070205080204" pitchFamily="50" charset="-128"/>
+                        </a:rPr>
+                        <a:t> </a:t>
+                      </a:r>
+                      <a:r>
+                        <a:rPr lang="en-US" altLang="ja-JP" sz="1100" b="0" i="0" u="none" strike="noStrike" baseline="0" dirty="0" smtClean="0">
+                          <a:solidFill>
+                            <a:srgbClr val="000000"/>
+                          </a:solidFill>
+                          <a:effectLst/>
+                          <a:latin typeface="+mn-lt"/>
+                          <a:ea typeface="ＭＳ Ｐゴシック" panose="020B0600070205080204" pitchFamily="50" charset="-128"/>
+                        </a:rPr>
+                        <a:t>(</a:t>
+                      </a:r>
+                      <a:r>
+                        <a:rPr lang="ja-JP" altLang="en-US" sz="1100" b="0" i="0" u="none" strike="noStrike" baseline="0" dirty="0" smtClean="0">
+                          <a:solidFill>
+                            <a:srgbClr val="000000"/>
+                          </a:solidFill>
+                          <a:effectLst/>
+                          <a:latin typeface="+mn-lt"/>
+                          <a:ea typeface="ＭＳ Ｐゴシック" panose="020B0600070205080204" pitchFamily="50" charset="-128"/>
+                        </a:rPr>
+                        <a:t>粒子数</a:t>
+                      </a:r>
+                      <a:r>
+                        <a:rPr lang="en-US" altLang="ja-JP" sz="1100" b="0" i="0" u="none" strike="noStrike" baseline="0" dirty="0" smtClean="0">
+                          <a:solidFill>
+                            <a:srgbClr val="000000"/>
+                          </a:solidFill>
+                          <a:effectLst/>
+                          <a:latin typeface="+mn-lt"/>
+                          <a:ea typeface="ＭＳ Ｐゴシック" panose="020B0600070205080204" pitchFamily="50" charset="-128"/>
+                        </a:rPr>
+                        <a:t>)</a:t>
+                      </a:r>
+                      <a:endParaRPr lang="ja-JP" altLang="en-US" sz="1100" b="0" i="0" u="none" strike="noStrike" dirty="0">
+                        <a:solidFill>
+                          <a:srgbClr val="000000"/>
+                        </a:solidFill>
+                        <a:effectLst/>
+                        <a:latin typeface="+mn-lt"/>
+                        <a:ea typeface="ＭＳ Ｐゴシック" panose="020B0600070205080204" pitchFamily="50" charset="-128"/>
+                      </a:endParaRPr>
+                    </a:p>
+                  </a:txBody>
+                  <a:tcPr marL="9525" marR="9525" marT="9525" marB="0" anchor="ctr">
+                    <a:lnL w="12700" cap="flat" cmpd="sng" algn="ctr">
+                      <a:solidFill>
+                        <a:srgbClr val="000000"/>
+                      </a:solidFill>
+                      <a:prstDash val="solid"/>
+                      <a:round/>
+                      <a:headEnd type="none" w="med" len="med"/>
+                      <a:tailEnd type="none" w="med" len="med"/>
+                    </a:lnL>
+                    <a:lnR w="12700" cap="flat" cmpd="sng" algn="ctr">
+                      <a:solidFill>
+                        <a:srgbClr val="000000"/>
+                      </a:solidFill>
+                      <a:prstDash val="solid"/>
+                      <a:round/>
+                      <a:headEnd type="none" w="med" len="med"/>
+                      <a:tailEnd type="none" w="med" len="med"/>
+                    </a:lnR>
+                    <a:lnT w="12700" cap="flat" cmpd="sng" algn="ctr">
+                      <a:solidFill>
+                        <a:srgbClr val="000000"/>
+                      </a:solidFill>
+                      <a:prstDash val="solid"/>
+                      <a:round/>
+                      <a:headEnd type="none" w="med" len="med"/>
+                      <a:tailEnd type="none" w="med" len="med"/>
+                    </a:lnT>
+                    <a:lnB w="12700" cap="flat" cmpd="sng" algn="ctr">
+                      <a:solidFill>
+                        <a:srgbClr val="000000"/>
+                      </a:solidFill>
+                      <a:prstDash val="solid"/>
+                      <a:round/>
+                      <a:headEnd type="none" w="med" len="med"/>
+                      <a:tailEnd type="none" w="med" len="med"/>
+                    </a:lnB>
+                  </a:tcPr>
+                </a:tc>
+                <a:tc>
+                  <a:txBody>
+                    <a:bodyPr/>
+                    <a:lstStyle/>
+                    <a:p>
+                      <a:pPr algn="ctr" fontAlgn="ctr"/>
+                      <a:r>
+                        <a:rPr lang="en-US" altLang="ja-JP" sz="1100" b="0" i="0" u="none" strike="noStrike" dirty="0">
+                          <a:solidFill>
+                            <a:srgbClr val="000000"/>
+                          </a:solidFill>
+                          <a:effectLst/>
+                          <a:latin typeface="+mn-lt"/>
+                          <a:ea typeface="ＭＳ Ｐゴシック" panose="020B0600070205080204" pitchFamily="50" charset="-128"/>
+                        </a:rPr>
+                        <a:t>1</a:t>
+                      </a:r>
+                    </a:p>
+                  </a:txBody>
+                  <a:tcPr marL="9525" marR="9525" marT="9525" marB="0" anchor="ctr">
+                    <a:lnL w="12700" cap="flat" cmpd="sng" algn="ctr">
+                      <a:solidFill>
+                        <a:srgbClr val="000000"/>
+                      </a:solidFill>
+                      <a:prstDash val="solid"/>
+                      <a:round/>
+                      <a:headEnd type="none" w="med" len="med"/>
+                      <a:tailEnd type="none" w="med" len="med"/>
+                    </a:lnL>
+                    <a:lnR w="6350" cap="flat" cmpd="sng" algn="ctr">
+                      <a:solidFill>
+                        <a:srgbClr val="000000"/>
+                      </a:solidFill>
+                      <a:prstDash val="solid"/>
+                      <a:round/>
+                      <a:headEnd type="none" w="med" len="med"/>
+                      <a:tailEnd type="none" w="med" len="med"/>
+                    </a:lnR>
+                    <a:lnT w="12700" cap="flat" cmpd="sng" algn="ctr">
+                      <a:solidFill>
+                        <a:srgbClr val="000000"/>
+                      </a:solidFill>
+                      <a:prstDash val="solid"/>
+                      <a:round/>
+                      <a:headEnd type="none" w="med" len="med"/>
+                      <a:tailEnd type="none" w="med" len="med"/>
+                    </a:lnT>
+                    <a:lnB w="6350" cap="flat" cmpd="sng" algn="ctr">
+                      <a:solidFill>
+                        <a:srgbClr val="000000"/>
+                      </a:solidFill>
+                      <a:prstDash val="solid"/>
+                      <a:round/>
+                      <a:headEnd type="none" w="med" len="med"/>
+                      <a:tailEnd type="none" w="med" len="med"/>
+                    </a:lnB>
+                  </a:tcPr>
+                </a:tc>
+                <a:tc>
+                  <a:txBody>
+                    <a:bodyPr/>
+                    <a:lstStyle/>
+                    <a:p>
+                      <a:pPr algn="ctr" fontAlgn="ctr"/>
+                      <a:r>
+                        <a:rPr lang="ja-JP" altLang="en-US" sz="1100" b="0" i="0" u="none" strike="noStrike" dirty="0">
+                          <a:solidFill>
+                            <a:srgbClr val="000000"/>
+                          </a:solidFill>
+                          <a:effectLst/>
+                          <a:latin typeface="+mn-lt"/>
+                          <a:ea typeface="ＭＳ Ｐゴシック" panose="020B0600070205080204" pitchFamily="50" charset="-128"/>
+                        </a:rPr>
+                        <a:t>　</a:t>
+                      </a:r>
+                    </a:p>
+                  </a:txBody>
+                  <a:tcPr marL="9525" marR="9525" marT="9525" marB="0" anchor="ctr">
+                    <a:lnL w="6350" cap="flat" cmpd="sng" algn="ctr">
+                      <a:solidFill>
+                        <a:srgbClr val="000000"/>
+                      </a:solidFill>
+                      <a:prstDash val="solid"/>
+                      <a:round/>
+                      <a:headEnd type="none" w="med" len="med"/>
+                      <a:tailEnd type="none" w="med" len="med"/>
+                    </a:lnL>
+                    <a:lnR w="12700" cap="flat" cmpd="sng" algn="ctr">
+                      <a:solidFill>
+                        <a:schemeClr val="tx1"/>
+                      </a:solidFill>
+                      <a:prstDash val="solid"/>
+                      <a:round/>
+                      <a:headEnd type="none" w="med" len="med"/>
+                      <a:tailEnd type="none" w="med" len="med"/>
+                    </a:lnR>
+                    <a:lnT w="12700" cap="flat" cmpd="sng" algn="ctr">
+                      <a:solidFill>
+                        <a:srgbClr val="000000"/>
+                      </a:solidFill>
+                      <a:prstDash val="solid"/>
+                      <a:round/>
+                      <a:headEnd type="none" w="med" len="med"/>
+                      <a:tailEnd type="none" w="med" len="med"/>
+                    </a:lnT>
+                    <a:lnB w="6350" cap="flat" cmpd="sng" algn="ctr">
+                      <a:solidFill>
+                        <a:srgbClr val="000000"/>
+                      </a:solidFill>
+                      <a:prstDash val="solid"/>
+                      <a:round/>
+                      <a:headEnd type="none" w="med" len="med"/>
+                      <a:tailEnd type="none" w="med" len="med"/>
+                    </a:lnB>
+                    <a:solidFill>
+                      <a:srgbClr val="FF0000"/>
+                    </a:solidFill>
+                  </a:tcPr>
+                </a:tc>
+                <a:tc>
+                  <a:txBody>
+                    <a:bodyPr/>
+                    <a:lstStyle/>
+                    <a:p>
+                      <a:pPr algn="ctr" fontAlgn="ctr"/>
+                      <a:r>
+                        <a:rPr lang="en-US" altLang="ja-JP" sz="1100" b="0" i="0" u="none" strike="noStrike">
+                          <a:solidFill>
+                            <a:srgbClr val="000000"/>
+                          </a:solidFill>
+                          <a:effectLst/>
+                          <a:latin typeface="+mn-lt"/>
+                          <a:ea typeface="ＭＳ Ｐゴシック" panose="020B0600070205080204" pitchFamily="50" charset="-128"/>
+                        </a:rPr>
+                        <a:t>0.14163</a:t>
+                      </a:r>
+                    </a:p>
+                  </a:txBody>
+                  <a:tcPr marL="9525" marR="9525" marT="9525" marB="0" anchor="ctr">
+                    <a:lnL w="12700" cap="flat" cmpd="sng" algn="ctr">
+                      <a:solidFill>
+                        <a:schemeClr val="tx1"/>
+                      </a:solidFill>
+                      <a:prstDash val="solid"/>
+                      <a:round/>
+                      <a:headEnd type="none" w="med" len="med"/>
+                      <a:tailEnd type="none" w="med" len="med"/>
+                    </a:lnL>
+                    <a:lnR w="12700" cap="flat" cmpd="sng" algn="ctr">
+                      <a:solidFill>
+                        <a:schemeClr val="tx1"/>
+                      </a:solidFill>
+                      <a:prstDash val="solid"/>
+                      <a:round/>
+                      <a:headEnd type="none" w="med" len="med"/>
+                      <a:tailEnd type="none" w="med" len="med"/>
+                    </a:lnR>
+                    <a:lnT w="12700" cap="flat" cmpd="sng" algn="ctr">
+                      <a:solidFill>
+                        <a:schemeClr val="tx1"/>
+                      </a:solidFill>
+                      <a:prstDash val="solid"/>
+                      <a:round/>
+                      <a:headEnd type="none" w="med" len="med"/>
+                      <a:tailEnd type="none" w="med" len="med"/>
+                    </a:lnT>
+                    <a:lnB w="6350" cap="flat" cmpd="sng" algn="ctr">
+                      <a:solidFill>
+                        <a:srgbClr val="000000"/>
+                      </a:solidFill>
+                      <a:prstDash val="solid"/>
+                      <a:round/>
+                      <a:headEnd type="none" w="med" len="med"/>
+                      <a:tailEnd type="none" w="med" len="med"/>
+                    </a:lnB>
+                  </a:tcPr>
+                </a:tc>
+                <a:tc>
+                  <a:txBody>
+                    <a:bodyPr/>
+                    <a:lstStyle/>
+                    <a:p>
+                      <a:pPr algn="ctr" fontAlgn="ctr"/>
+                      <a:r>
+                        <a:rPr lang="en-US" altLang="ja-JP" sz="1100" b="0" i="0" u="none" strike="noStrike">
+                          <a:solidFill>
+                            <a:srgbClr val="000000"/>
+                          </a:solidFill>
+                          <a:effectLst/>
+                          <a:latin typeface="+mn-lt"/>
+                          <a:ea typeface="ＭＳ Ｐゴシック" panose="020B0600070205080204" pitchFamily="50" charset="-128"/>
+                        </a:rPr>
+                        <a:t>0.155742</a:t>
+                      </a:r>
+                    </a:p>
+                  </a:txBody>
+                  <a:tcPr marL="9525" marR="9525" marT="9525" marB="0" anchor="ctr">
+                    <a:lnL w="12700" cap="flat" cmpd="sng" algn="ctr">
+                      <a:solidFill>
+                        <a:schemeClr val="tx1"/>
+                      </a:solidFill>
+                      <a:prstDash val="solid"/>
+                      <a:round/>
+                      <a:headEnd type="none" w="med" len="med"/>
+                      <a:tailEnd type="none" w="med" len="med"/>
+                    </a:lnL>
+                    <a:lnR w="12700" cap="flat" cmpd="sng" algn="ctr">
+                      <a:solidFill>
+                        <a:schemeClr val="tx1"/>
+                      </a:solidFill>
+                      <a:prstDash val="solid"/>
+                      <a:round/>
+                      <a:headEnd type="none" w="med" len="med"/>
+                      <a:tailEnd type="none" w="med" len="med"/>
+                    </a:lnR>
+                    <a:lnT w="12700" cap="flat" cmpd="sng" algn="ctr">
+                      <a:solidFill>
+                        <a:schemeClr val="tx1"/>
+                      </a:solidFill>
+                      <a:prstDash val="solid"/>
+                      <a:round/>
+                      <a:headEnd type="none" w="med" len="med"/>
+                      <a:tailEnd type="none" w="med" len="med"/>
+                    </a:lnT>
+                    <a:lnB w="6350" cap="flat" cmpd="sng" algn="ctr">
+                      <a:solidFill>
+                        <a:srgbClr val="000000"/>
+                      </a:solidFill>
+                      <a:prstDash val="solid"/>
+                      <a:round/>
+                      <a:headEnd type="none" w="med" len="med"/>
+                      <a:tailEnd type="none" w="med" len="med"/>
+                    </a:lnB>
+                  </a:tcPr>
+                </a:tc>
+                <a:tc>
+                  <a:txBody>
+                    <a:bodyPr/>
+                    <a:lstStyle/>
+                    <a:p>
+                      <a:pPr algn="ctr" fontAlgn="ctr"/>
+                      <a:r>
+                        <a:rPr lang="en-US" altLang="ja-JP" sz="1100" b="0" i="0" u="none" strike="noStrike">
+                          <a:solidFill>
+                            <a:srgbClr val="000000"/>
+                          </a:solidFill>
+                          <a:effectLst/>
+                          <a:latin typeface="+mn-lt"/>
+                          <a:ea typeface="ＭＳ Ｐゴシック" panose="020B0600070205080204" pitchFamily="50" charset="-128"/>
+                        </a:rPr>
+                        <a:t>0.165287</a:t>
+                      </a:r>
+                    </a:p>
+                  </a:txBody>
+                  <a:tcPr marL="9525" marR="9525" marT="9525" marB="0" anchor="ctr">
+                    <a:lnL w="12700" cap="flat" cmpd="sng" algn="ctr">
+                      <a:solidFill>
+                        <a:schemeClr val="tx1"/>
+                      </a:solidFill>
+                      <a:prstDash val="solid"/>
+                      <a:round/>
+                      <a:headEnd type="none" w="med" len="med"/>
+                      <a:tailEnd type="none" w="med" len="med"/>
+                    </a:lnL>
+                    <a:lnR w="12700" cap="flat" cmpd="sng" algn="ctr">
+                      <a:solidFill>
+                        <a:schemeClr val="tx1"/>
+                      </a:solidFill>
+                      <a:prstDash val="solid"/>
+                      <a:round/>
+                      <a:headEnd type="none" w="med" len="med"/>
+                      <a:tailEnd type="none" w="med" len="med"/>
+                    </a:lnR>
+                    <a:lnT w="12700" cap="flat" cmpd="sng" algn="ctr">
+                      <a:solidFill>
+                        <a:schemeClr val="tx1"/>
+                      </a:solidFill>
+                      <a:prstDash val="solid"/>
+                      <a:round/>
+                      <a:headEnd type="none" w="med" len="med"/>
+                      <a:tailEnd type="none" w="med" len="med"/>
+                    </a:lnT>
+                    <a:lnB w="6350" cap="flat" cmpd="sng" algn="ctr">
+                      <a:solidFill>
+                        <a:srgbClr val="000000"/>
+                      </a:solidFill>
+                      <a:prstDash val="solid"/>
+                      <a:round/>
+                      <a:headEnd type="none" w="med" len="med"/>
+                      <a:tailEnd type="none" w="med" len="med"/>
+                    </a:lnB>
+                  </a:tcPr>
+                </a:tc>
+              </a:tr>
+              <a:tr h="171450">
+                <a:tc vMerge="1">
+                  <a:txBody>
+                    <a:bodyPr/>
+                    <a:lstStyle/>
+                    <a:p>
+                      <a:endParaRPr kumimoji="1" lang="ja-JP" altLang="en-US"/>
+                    </a:p>
+                  </a:txBody>
+                  <a:tcPr/>
+                </a:tc>
+                <a:tc>
+                  <a:txBody>
+                    <a:bodyPr/>
+                    <a:lstStyle/>
+                    <a:p>
+                      <a:pPr algn="ctr" fontAlgn="ctr"/>
+                      <a:r>
+                        <a:rPr lang="en-US" altLang="ja-JP" sz="1100" b="0" i="0" u="none" strike="noStrike">
+                          <a:solidFill>
+                            <a:srgbClr val="000000"/>
+                          </a:solidFill>
+                          <a:effectLst/>
+                          <a:latin typeface="+mn-lt"/>
+                          <a:ea typeface="ＭＳ Ｐゴシック" panose="020B0600070205080204" pitchFamily="50" charset="-128"/>
+                        </a:rPr>
+                        <a:t>2</a:t>
+                      </a:r>
+                    </a:p>
+                  </a:txBody>
+                  <a:tcPr marL="9525" marR="9525" marT="9525" marB="0" anchor="ctr">
+                    <a:lnL w="12700" cap="flat" cmpd="sng" algn="ctr">
+                      <a:solidFill>
+                        <a:srgbClr val="000000"/>
+                      </a:solidFill>
+                      <a:prstDash val="solid"/>
+                      <a:round/>
+                      <a:headEnd type="none" w="med" len="med"/>
+                      <a:tailEnd type="none" w="med" len="med"/>
+                    </a:lnL>
+                    <a:lnR w="6350" cap="flat" cmpd="sng" algn="ctr">
+                      <a:solidFill>
+                        <a:srgbClr val="000000"/>
+                      </a:solidFill>
+                      <a:prstDash val="solid"/>
+                      <a:round/>
+                      <a:headEnd type="none" w="med" len="med"/>
+                      <a:tailEnd type="none" w="med" len="med"/>
+                    </a:lnR>
+                    <a:lnT w="6350" cap="flat" cmpd="sng" algn="ctr">
+                      <a:solidFill>
+                        <a:srgbClr val="000000"/>
+                      </a:solidFill>
+                      <a:prstDash val="solid"/>
+                      <a:round/>
+                      <a:headEnd type="none" w="med" len="med"/>
+                      <a:tailEnd type="none" w="med" len="med"/>
+                    </a:lnT>
+                    <a:lnB w="6350" cap="flat" cmpd="sng" algn="ctr">
+                      <a:solidFill>
+                        <a:srgbClr val="000000"/>
+                      </a:solidFill>
+                      <a:prstDash val="solid"/>
+                      <a:round/>
+                      <a:headEnd type="none" w="med" len="med"/>
+                      <a:tailEnd type="none" w="med" len="med"/>
+                    </a:lnB>
+                  </a:tcPr>
+                </a:tc>
+                <a:tc>
+                  <a:txBody>
+                    <a:bodyPr/>
+                    <a:lstStyle/>
+                    <a:p>
+                      <a:pPr algn="ctr" fontAlgn="ctr"/>
+                      <a:r>
+                        <a:rPr lang="ja-JP" altLang="en-US" sz="1100" b="0" i="0" u="none" strike="noStrike" dirty="0">
+                          <a:solidFill>
+                            <a:srgbClr val="000000"/>
+                          </a:solidFill>
+                          <a:effectLst/>
+                          <a:latin typeface="+mn-lt"/>
+                          <a:ea typeface="ＭＳ Ｐゴシック" panose="020B0600070205080204" pitchFamily="50" charset="-128"/>
+                        </a:rPr>
+                        <a:t>　</a:t>
+                      </a:r>
+                    </a:p>
+                  </a:txBody>
+                  <a:tcPr marL="9525" marR="9525" marT="9525" marB="0" anchor="ctr">
+                    <a:lnL w="6350" cap="flat" cmpd="sng" algn="ctr">
+                      <a:solidFill>
+                        <a:srgbClr val="000000"/>
+                      </a:solidFill>
+                      <a:prstDash val="solid"/>
+                      <a:round/>
+                      <a:headEnd type="none" w="med" len="med"/>
+                      <a:tailEnd type="none" w="med" len="med"/>
+                    </a:lnL>
+                    <a:lnR w="12700" cap="flat" cmpd="sng" algn="ctr">
+                      <a:solidFill>
+                        <a:schemeClr val="tx1"/>
+                      </a:solidFill>
+                      <a:prstDash val="solid"/>
+                      <a:round/>
+                      <a:headEnd type="none" w="med" len="med"/>
+                      <a:tailEnd type="none" w="med" len="med"/>
+                    </a:lnR>
+                    <a:lnT w="6350" cap="flat" cmpd="sng" algn="ctr">
+                      <a:solidFill>
+                        <a:srgbClr val="000000"/>
+                      </a:solidFill>
+                      <a:prstDash val="solid"/>
+                      <a:round/>
+                      <a:headEnd type="none" w="med" len="med"/>
+                      <a:tailEnd type="none" w="med" len="med"/>
+                    </a:lnT>
+                    <a:lnB w="6350" cap="flat" cmpd="sng" algn="ctr">
+                      <a:solidFill>
+                        <a:srgbClr val="000000"/>
+                      </a:solidFill>
+                      <a:prstDash val="solid"/>
+                      <a:round/>
+                      <a:headEnd type="none" w="med" len="med"/>
+                      <a:tailEnd type="none" w="med" len="med"/>
+                    </a:lnB>
+                    <a:solidFill>
+                      <a:srgbClr val="4472C4"/>
+                    </a:solidFill>
+                  </a:tcPr>
+                </a:tc>
+                <a:tc>
+                  <a:txBody>
+                    <a:bodyPr/>
+                    <a:lstStyle/>
+                    <a:p>
+                      <a:pPr algn="ctr" fontAlgn="ctr"/>
+                      <a:r>
+                        <a:rPr lang="en-US" altLang="ja-JP" sz="1100" b="0" i="0" u="none" strike="noStrike">
+                          <a:solidFill>
+                            <a:srgbClr val="000000"/>
+                          </a:solidFill>
+                          <a:effectLst/>
+                          <a:latin typeface="+mn-lt"/>
+                          <a:ea typeface="ＭＳ Ｐゴシック" panose="020B0600070205080204" pitchFamily="50" charset="-128"/>
+                        </a:rPr>
+                        <a:t>0.158847</a:t>
+                      </a:r>
+                    </a:p>
+                  </a:txBody>
+                  <a:tcPr marL="9525" marR="9525" marT="9525" marB="0" anchor="ctr">
+                    <a:lnL w="12700" cap="flat" cmpd="sng" algn="ctr">
+                      <a:solidFill>
+                        <a:schemeClr val="tx1"/>
+                      </a:solidFill>
+                      <a:prstDash val="solid"/>
+                      <a:round/>
+                      <a:headEnd type="none" w="med" len="med"/>
+                      <a:tailEnd type="none" w="med" len="med"/>
+                    </a:lnL>
+                    <a:lnR w="12700" cap="flat" cmpd="sng" algn="ctr">
+                      <a:solidFill>
+                        <a:schemeClr val="tx1"/>
+                      </a:solidFill>
+                      <a:prstDash val="solid"/>
+                      <a:round/>
+                      <a:headEnd type="none" w="med" len="med"/>
+                      <a:tailEnd type="none" w="med" len="med"/>
+                    </a:lnR>
+                    <a:lnT w="6350" cap="flat" cmpd="sng" algn="ctr">
+                      <a:solidFill>
+                        <a:srgbClr val="000000"/>
+                      </a:solidFill>
+                      <a:prstDash val="solid"/>
+                      <a:round/>
+                      <a:headEnd type="none" w="med" len="med"/>
+                      <a:tailEnd type="none" w="med" len="med"/>
+                    </a:lnT>
+                    <a:lnB w="6350" cap="flat" cmpd="sng" algn="ctr">
+                      <a:solidFill>
+                        <a:srgbClr val="000000"/>
+                      </a:solidFill>
+                      <a:prstDash val="solid"/>
+                      <a:round/>
+                      <a:headEnd type="none" w="med" len="med"/>
+                      <a:tailEnd type="none" w="med" len="med"/>
+                    </a:lnB>
+                  </a:tcPr>
+                </a:tc>
+                <a:tc>
+                  <a:txBody>
+                    <a:bodyPr/>
+                    <a:lstStyle/>
+                    <a:p>
+                      <a:pPr algn="ctr" fontAlgn="ctr"/>
+                      <a:r>
+                        <a:rPr lang="en-US" altLang="ja-JP" sz="1100" b="0" i="0" u="none" strike="noStrike">
+                          <a:solidFill>
+                            <a:srgbClr val="000000"/>
+                          </a:solidFill>
+                          <a:effectLst/>
+                          <a:latin typeface="+mn-lt"/>
+                          <a:ea typeface="ＭＳ Ｐゴシック" panose="020B0600070205080204" pitchFamily="50" charset="-128"/>
+                        </a:rPr>
+                        <a:t>0.173823</a:t>
+                      </a:r>
+                    </a:p>
+                  </a:txBody>
+                  <a:tcPr marL="9525" marR="9525" marT="9525" marB="0" anchor="ctr">
+                    <a:lnL w="12700" cap="flat" cmpd="sng" algn="ctr">
+                      <a:solidFill>
+                        <a:schemeClr val="tx1"/>
+                      </a:solidFill>
+                      <a:prstDash val="solid"/>
+                      <a:round/>
+                      <a:headEnd type="none" w="med" len="med"/>
+                      <a:tailEnd type="none" w="med" len="med"/>
+                    </a:lnL>
+                    <a:lnR w="12700" cap="flat" cmpd="sng" algn="ctr">
+                      <a:solidFill>
+                        <a:schemeClr val="tx1"/>
+                      </a:solidFill>
+                      <a:prstDash val="solid"/>
+                      <a:round/>
+                      <a:headEnd type="none" w="med" len="med"/>
+                      <a:tailEnd type="none" w="med" len="med"/>
+                    </a:lnR>
+                    <a:lnT w="6350" cap="flat" cmpd="sng" algn="ctr">
+                      <a:solidFill>
+                        <a:srgbClr val="000000"/>
+                      </a:solidFill>
+                      <a:prstDash val="solid"/>
+                      <a:round/>
+                      <a:headEnd type="none" w="med" len="med"/>
+                      <a:tailEnd type="none" w="med" len="med"/>
+                    </a:lnT>
+                    <a:lnB w="6350" cap="flat" cmpd="sng" algn="ctr">
+                      <a:solidFill>
+                        <a:srgbClr val="000000"/>
+                      </a:solidFill>
+                      <a:prstDash val="solid"/>
+                      <a:round/>
+                      <a:headEnd type="none" w="med" len="med"/>
+                      <a:tailEnd type="none" w="med" len="med"/>
+                    </a:lnB>
+                  </a:tcPr>
+                </a:tc>
+                <a:tc>
+                  <a:txBody>
+                    <a:bodyPr/>
+                    <a:lstStyle/>
+                    <a:p>
+                      <a:pPr algn="ctr" fontAlgn="ctr"/>
+                      <a:r>
+                        <a:rPr lang="en-US" altLang="ja-JP" sz="1100" b="0" i="0" u="none" strike="noStrike">
+                          <a:solidFill>
+                            <a:srgbClr val="000000"/>
+                          </a:solidFill>
+                          <a:effectLst/>
+                          <a:latin typeface="+mn-lt"/>
+                          <a:ea typeface="ＭＳ Ｐゴシック" panose="020B0600070205080204" pitchFamily="50" charset="-128"/>
+                        </a:rPr>
+                        <a:t>0.181957</a:t>
+                      </a:r>
+                    </a:p>
+                  </a:txBody>
+                  <a:tcPr marL="9525" marR="9525" marT="9525" marB="0" anchor="ctr">
+                    <a:lnL w="12700" cap="flat" cmpd="sng" algn="ctr">
+                      <a:solidFill>
+                        <a:schemeClr val="tx1"/>
+                      </a:solidFill>
+                      <a:prstDash val="solid"/>
+                      <a:round/>
+                      <a:headEnd type="none" w="med" len="med"/>
+                      <a:tailEnd type="none" w="med" len="med"/>
+                    </a:lnL>
+                    <a:lnR w="12700" cap="flat" cmpd="sng" algn="ctr">
+                      <a:solidFill>
+                        <a:schemeClr val="tx1"/>
+                      </a:solidFill>
+                      <a:prstDash val="solid"/>
+                      <a:round/>
+                      <a:headEnd type="none" w="med" len="med"/>
+                      <a:tailEnd type="none" w="med" len="med"/>
+                    </a:lnR>
+                    <a:lnT w="6350" cap="flat" cmpd="sng" algn="ctr">
+                      <a:solidFill>
+                        <a:srgbClr val="000000"/>
+                      </a:solidFill>
+                      <a:prstDash val="solid"/>
+                      <a:round/>
+                      <a:headEnd type="none" w="med" len="med"/>
+                      <a:tailEnd type="none" w="med" len="med"/>
+                    </a:lnT>
+                    <a:lnB w="6350" cap="flat" cmpd="sng" algn="ctr">
+                      <a:solidFill>
+                        <a:srgbClr val="000000"/>
+                      </a:solidFill>
+                      <a:prstDash val="solid"/>
+                      <a:round/>
+                      <a:headEnd type="none" w="med" len="med"/>
+                      <a:tailEnd type="none" w="med" len="med"/>
+                    </a:lnB>
+                  </a:tcPr>
+                </a:tc>
+              </a:tr>
+              <a:tr h="171450">
+                <a:tc vMerge="1">
+                  <a:txBody>
+                    <a:bodyPr/>
+                    <a:lstStyle/>
+                    <a:p>
+                      <a:endParaRPr kumimoji="1" lang="ja-JP" altLang="en-US"/>
+                    </a:p>
+                  </a:txBody>
+                  <a:tcPr/>
+                </a:tc>
+                <a:tc>
+                  <a:txBody>
+                    <a:bodyPr/>
+                    <a:lstStyle/>
+                    <a:p>
+                      <a:pPr algn="ctr" fontAlgn="ctr"/>
+                      <a:r>
+                        <a:rPr lang="en-US" altLang="ja-JP" sz="1100" b="0" i="0" u="none" strike="noStrike">
+                          <a:solidFill>
+                            <a:srgbClr val="000000"/>
+                          </a:solidFill>
+                          <a:effectLst/>
+                          <a:latin typeface="+mn-lt"/>
+                          <a:ea typeface="ＭＳ Ｐゴシック" panose="020B0600070205080204" pitchFamily="50" charset="-128"/>
+                        </a:rPr>
+                        <a:t>3</a:t>
+                      </a:r>
+                    </a:p>
+                  </a:txBody>
+                  <a:tcPr marL="9525" marR="9525" marT="9525" marB="0" anchor="ctr">
+                    <a:lnL w="12700" cap="flat" cmpd="sng" algn="ctr">
+                      <a:solidFill>
+                        <a:srgbClr val="000000"/>
+                      </a:solidFill>
+                      <a:prstDash val="solid"/>
+                      <a:round/>
+                      <a:headEnd type="none" w="med" len="med"/>
+                      <a:tailEnd type="none" w="med" len="med"/>
+                    </a:lnL>
+                    <a:lnR w="6350" cap="flat" cmpd="sng" algn="ctr">
+                      <a:solidFill>
+                        <a:srgbClr val="000000"/>
+                      </a:solidFill>
+                      <a:prstDash val="solid"/>
+                      <a:round/>
+                      <a:headEnd type="none" w="med" len="med"/>
+                      <a:tailEnd type="none" w="med" len="med"/>
+                    </a:lnR>
+                    <a:lnT w="6350" cap="flat" cmpd="sng" algn="ctr">
+                      <a:solidFill>
+                        <a:srgbClr val="000000"/>
+                      </a:solidFill>
+                      <a:prstDash val="solid"/>
+                      <a:round/>
+                      <a:headEnd type="none" w="med" len="med"/>
+                      <a:tailEnd type="none" w="med" len="med"/>
+                    </a:lnT>
+                    <a:lnB w="6350" cap="flat" cmpd="sng" algn="ctr">
+                      <a:solidFill>
+                        <a:srgbClr val="000000"/>
+                      </a:solidFill>
+                      <a:prstDash val="solid"/>
+                      <a:round/>
+                      <a:headEnd type="none" w="med" len="med"/>
+                      <a:tailEnd type="none" w="med" len="med"/>
+                    </a:lnB>
+                  </a:tcPr>
+                </a:tc>
+                <a:tc>
+                  <a:txBody>
+                    <a:bodyPr/>
+                    <a:lstStyle/>
+                    <a:p>
+                      <a:pPr algn="ctr" fontAlgn="ctr"/>
+                      <a:r>
+                        <a:rPr lang="ja-JP" altLang="en-US" sz="1100" b="0" i="0" u="none" strike="noStrike">
+                          <a:solidFill>
+                            <a:srgbClr val="000000"/>
+                          </a:solidFill>
+                          <a:effectLst/>
+                          <a:latin typeface="+mn-lt"/>
+                          <a:ea typeface="ＭＳ Ｐゴシック" panose="020B0600070205080204" pitchFamily="50" charset="-128"/>
+                        </a:rPr>
+                        <a:t>　</a:t>
+                      </a:r>
+                    </a:p>
+                  </a:txBody>
+                  <a:tcPr marL="9525" marR="9525" marT="9525" marB="0" anchor="ctr">
+                    <a:lnL w="6350" cap="flat" cmpd="sng" algn="ctr">
+                      <a:solidFill>
+                        <a:srgbClr val="000000"/>
+                      </a:solidFill>
+                      <a:prstDash val="solid"/>
+                      <a:round/>
+                      <a:headEnd type="none" w="med" len="med"/>
+                      <a:tailEnd type="none" w="med" len="med"/>
+                    </a:lnL>
+                    <a:lnR w="12700" cap="flat" cmpd="sng" algn="ctr">
+                      <a:solidFill>
+                        <a:schemeClr val="tx1"/>
+                      </a:solidFill>
+                      <a:prstDash val="solid"/>
+                      <a:round/>
+                      <a:headEnd type="none" w="med" len="med"/>
+                      <a:tailEnd type="none" w="med" len="med"/>
+                    </a:lnR>
+                    <a:lnT w="6350" cap="flat" cmpd="sng" algn="ctr">
+                      <a:solidFill>
+                        <a:srgbClr val="000000"/>
+                      </a:solidFill>
+                      <a:prstDash val="solid"/>
+                      <a:round/>
+                      <a:headEnd type="none" w="med" len="med"/>
+                      <a:tailEnd type="none" w="med" len="med"/>
+                    </a:lnT>
+                    <a:lnB w="6350" cap="flat" cmpd="sng" algn="ctr">
+                      <a:solidFill>
+                        <a:srgbClr val="000000"/>
+                      </a:solidFill>
+                      <a:prstDash val="solid"/>
+                      <a:round/>
+                      <a:headEnd type="none" w="med" len="med"/>
+                      <a:tailEnd type="none" w="med" len="med"/>
+                    </a:lnB>
+                    <a:solidFill>
+                      <a:srgbClr val="00B0F0"/>
+                    </a:solidFill>
+                  </a:tcPr>
+                </a:tc>
+                <a:tc>
+                  <a:txBody>
+                    <a:bodyPr/>
+                    <a:lstStyle/>
+                    <a:p>
+                      <a:pPr algn="ctr" fontAlgn="ctr"/>
+                      <a:r>
+                        <a:rPr lang="en-US" altLang="ja-JP" sz="1100" b="0" i="0" u="none" strike="noStrike">
+                          <a:solidFill>
+                            <a:srgbClr val="000000"/>
+                          </a:solidFill>
+                          <a:effectLst/>
+                          <a:latin typeface="+mn-lt"/>
+                          <a:ea typeface="ＭＳ Ｐゴシック" panose="020B0600070205080204" pitchFamily="50" charset="-128"/>
+                        </a:rPr>
+                        <a:t>0.202394</a:t>
+                      </a:r>
+                    </a:p>
+                  </a:txBody>
+                  <a:tcPr marL="9525" marR="9525" marT="9525" marB="0" anchor="ctr">
+                    <a:lnL w="12700" cap="flat" cmpd="sng" algn="ctr">
+                      <a:solidFill>
+                        <a:schemeClr val="tx1"/>
+                      </a:solidFill>
+                      <a:prstDash val="solid"/>
+                      <a:round/>
+                      <a:headEnd type="none" w="med" len="med"/>
+                      <a:tailEnd type="none" w="med" len="med"/>
+                    </a:lnL>
+                    <a:lnR w="12700" cap="flat" cmpd="sng" algn="ctr">
+                      <a:solidFill>
+                        <a:schemeClr val="tx1"/>
+                      </a:solidFill>
+                      <a:prstDash val="solid"/>
+                      <a:round/>
+                      <a:headEnd type="none" w="med" len="med"/>
+                      <a:tailEnd type="none" w="med" len="med"/>
+                    </a:lnR>
+                    <a:lnT w="6350" cap="flat" cmpd="sng" algn="ctr">
+                      <a:solidFill>
+                        <a:srgbClr val="000000"/>
+                      </a:solidFill>
+                      <a:prstDash val="solid"/>
+                      <a:round/>
+                      <a:headEnd type="none" w="med" len="med"/>
+                      <a:tailEnd type="none" w="med" len="med"/>
+                    </a:lnT>
+                    <a:lnB w="6350" cap="flat" cmpd="sng" algn="ctr">
+                      <a:solidFill>
+                        <a:srgbClr val="000000"/>
+                      </a:solidFill>
+                      <a:prstDash val="solid"/>
+                      <a:round/>
+                      <a:headEnd type="none" w="med" len="med"/>
+                      <a:tailEnd type="none" w="med" len="med"/>
+                    </a:lnB>
+                  </a:tcPr>
+                </a:tc>
+                <a:tc>
+                  <a:txBody>
+                    <a:bodyPr/>
+                    <a:lstStyle/>
+                    <a:p>
+                      <a:pPr algn="ctr" fontAlgn="ctr"/>
+                      <a:r>
+                        <a:rPr lang="en-US" altLang="ja-JP" sz="1100" b="0" i="0" u="none" strike="noStrike">
+                          <a:solidFill>
+                            <a:srgbClr val="000000"/>
+                          </a:solidFill>
+                          <a:effectLst/>
+                          <a:latin typeface="+mn-lt"/>
+                          <a:ea typeface="ＭＳ Ｐゴシック" panose="020B0600070205080204" pitchFamily="50" charset="-128"/>
+                        </a:rPr>
+                        <a:t>0.209432</a:t>
+                      </a:r>
+                    </a:p>
+                  </a:txBody>
+                  <a:tcPr marL="9525" marR="9525" marT="9525" marB="0" anchor="ctr">
+                    <a:lnL w="12700" cap="flat" cmpd="sng" algn="ctr">
+                      <a:solidFill>
+                        <a:schemeClr val="tx1"/>
+                      </a:solidFill>
+                      <a:prstDash val="solid"/>
+                      <a:round/>
+                      <a:headEnd type="none" w="med" len="med"/>
+                      <a:tailEnd type="none" w="med" len="med"/>
+                    </a:lnL>
+                    <a:lnR w="12700" cap="flat" cmpd="sng" algn="ctr">
+                      <a:solidFill>
+                        <a:schemeClr val="tx1"/>
+                      </a:solidFill>
+                      <a:prstDash val="solid"/>
+                      <a:round/>
+                      <a:headEnd type="none" w="med" len="med"/>
+                      <a:tailEnd type="none" w="med" len="med"/>
+                    </a:lnR>
+                    <a:lnT w="6350" cap="flat" cmpd="sng" algn="ctr">
+                      <a:solidFill>
+                        <a:srgbClr val="000000"/>
+                      </a:solidFill>
+                      <a:prstDash val="solid"/>
+                      <a:round/>
+                      <a:headEnd type="none" w="med" len="med"/>
+                      <a:tailEnd type="none" w="med" len="med"/>
+                    </a:lnT>
+                    <a:lnB w="6350" cap="flat" cmpd="sng" algn="ctr">
+                      <a:solidFill>
+                        <a:srgbClr val="000000"/>
+                      </a:solidFill>
+                      <a:prstDash val="solid"/>
+                      <a:round/>
+                      <a:headEnd type="none" w="med" len="med"/>
+                      <a:tailEnd type="none" w="med" len="med"/>
+                    </a:lnB>
+                  </a:tcPr>
+                </a:tc>
+                <a:tc>
+                  <a:txBody>
+                    <a:bodyPr/>
+                    <a:lstStyle/>
+                    <a:p>
+                      <a:pPr algn="ctr" fontAlgn="ctr"/>
+                      <a:r>
+                        <a:rPr lang="en-US" altLang="ja-JP" sz="1100" b="0" i="0" u="none" strike="noStrike">
+                          <a:solidFill>
+                            <a:srgbClr val="000000"/>
+                          </a:solidFill>
+                          <a:effectLst/>
+                          <a:latin typeface="+mn-lt"/>
+                          <a:ea typeface="ＭＳ Ｐゴシック" panose="020B0600070205080204" pitchFamily="50" charset="-128"/>
+                        </a:rPr>
+                        <a:t>0.211334</a:t>
+                      </a:r>
+                    </a:p>
+                  </a:txBody>
+                  <a:tcPr marL="9525" marR="9525" marT="9525" marB="0" anchor="ctr">
+                    <a:lnL w="12700" cap="flat" cmpd="sng" algn="ctr">
+                      <a:solidFill>
+                        <a:schemeClr val="tx1"/>
+                      </a:solidFill>
+                      <a:prstDash val="solid"/>
+                      <a:round/>
+                      <a:headEnd type="none" w="med" len="med"/>
+                      <a:tailEnd type="none" w="med" len="med"/>
+                    </a:lnL>
+                    <a:lnR w="12700" cap="flat" cmpd="sng" algn="ctr">
+                      <a:solidFill>
+                        <a:schemeClr val="tx1"/>
+                      </a:solidFill>
+                      <a:prstDash val="solid"/>
+                      <a:round/>
+                      <a:headEnd type="none" w="med" len="med"/>
+                      <a:tailEnd type="none" w="med" len="med"/>
+                    </a:lnR>
+                    <a:lnT w="6350" cap="flat" cmpd="sng" algn="ctr">
+                      <a:solidFill>
+                        <a:srgbClr val="000000"/>
+                      </a:solidFill>
+                      <a:prstDash val="solid"/>
+                      <a:round/>
+                      <a:headEnd type="none" w="med" len="med"/>
+                      <a:tailEnd type="none" w="med" len="med"/>
+                    </a:lnT>
+                    <a:lnB w="6350" cap="flat" cmpd="sng" algn="ctr">
+                      <a:solidFill>
+                        <a:srgbClr val="000000"/>
+                      </a:solidFill>
+                      <a:prstDash val="solid"/>
+                      <a:round/>
+                      <a:headEnd type="none" w="med" len="med"/>
+                      <a:tailEnd type="none" w="med" len="med"/>
+                    </a:lnB>
+                  </a:tcPr>
+                </a:tc>
+              </a:tr>
+              <a:tr h="180975">
+                <a:tc vMerge="1">
+                  <a:txBody>
+                    <a:bodyPr/>
+                    <a:lstStyle/>
+                    <a:p>
+                      <a:endParaRPr kumimoji="1" lang="ja-JP" altLang="en-US"/>
+                    </a:p>
+                  </a:txBody>
+                  <a:tcPr/>
+                </a:tc>
+                <a:tc>
+                  <a:txBody>
+                    <a:bodyPr/>
+                    <a:lstStyle/>
+                    <a:p>
+                      <a:pPr algn="ctr" fontAlgn="ctr"/>
+                      <a:r>
+                        <a:rPr lang="en-US" altLang="ja-JP" sz="1100" b="0" i="0" u="none" strike="noStrike">
+                          <a:solidFill>
+                            <a:srgbClr val="000000"/>
+                          </a:solidFill>
+                          <a:effectLst/>
+                          <a:latin typeface="+mn-lt"/>
+                          <a:ea typeface="ＭＳ Ｐゴシック" panose="020B0600070205080204" pitchFamily="50" charset="-128"/>
+                        </a:rPr>
+                        <a:t>4</a:t>
+                      </a:r>
+                    </a:p>
+                  </a:txBody>
+                  <a:tcPr marL="9525" marR="9525" marT="9525" marB="0" anchor="ctr">
+                    <a:lnL w="12700" cap="flat" cmpd="sng" algn="ctr">
+                      <a:solidFill>
+                        <a:srgbClr val="000000"/>
+                      </a:solidFill>
+                      <a:prstDash val="solid"/>
+                      <a:round/>
+                      <a:headEnd type="none" w="med" len="med"/>
+                      <a:tailEnd type="none" w="med" len="med"/>
+                    </a:lnL>
+                    <a:lnR w="6350" cap="flat" cmpd="sng" algn="ctr">
+                      <a:solidFill>
+                        <a:srgbClr val="000000"/>
+                      </a:solidFill>
+                      <a:prstDash val="solid"/>
+                      <a:round/>
+                      <a:headEnd type="none" w="med" len="med"/>
+                      <a:tailEnd type="none" w="med" len="med"/>
+                    </a:lnR>
+                    <a:lnT w="6350" cap="flat" cmpd="sng" algn="ctr">
+                      <a:solidFill>
+                        <a:srgbClr val="000000"/>
+                      </a:solidFill>
+                      <a:prstDash val="solid"/>
+                      <a:round/>
+                      <a:headEnd type="none" w="med" len="med"/>
+                      <a:tailEnd type="none" w="med" len="med"/>
+                    </a:lnT>
+                    <a:lnB w="6350" cap="flat" cmpd="sng" algn="ctr">
+                      <a:solidFill>
+                        <a:srgbClr val="000000"/>
+                      </a:solidFill>
+                      <a:prstDash val="solid"/>
+                      <a:round/>
+                      <a:headEnd type="none" w="med" len="med"/>
+                      <a:tailEnd type="none" w="med" len="med"/>
+                    </a:lnB>
+                  </a:tcPr>
+                </a:tc>
+                <a:tc>
+                  <a:txBody>
+                    <a:bodyPr/>
+                    <a:lstStyle/>
+                    <a:p>
+                      <a:pPr algn="ctr" fontAlgn="ctr"/>
+                      <a:r>
+                        <a:rPr lang="ja-JP" altLang="en-US" sz="1100" b="0" i="0" u="none" strike="noStrike">
+                          <a:solidFill>
+                            <a:srgbClr val="000000"/>
+                          </a:solidFill>
+                          <a:effectLst/>
+                          <a:latin typeface="+mn-lt"/>
+                          <a:ea typeface="ＭＳ Ｐゴシック" panose="020B0600070205080204" pitchFamily="50" charset="-128"/>
+                        </a:rPr>
+                        <a:t>　</a:t>
+                      </a:r>
+                    </a:p>
+                  </a:txBody>
+                  <a:tcPr marL="9525" marR="9525" marT="9525" marB="0" anchor="ctr">
+                    <a:lnL w="6350" cap="flat" cmpd="sng" algn="ctr">
+                      <a:solidFill>
+                        <a:srgbClr val="000000"/>
+                      </a:solidFill>
+                      <a:prstDash val="solid"/>
+                      <a:round/>
+                      <a:headEnd type="none" w="med" len="med"/>
+                      <a:tailEnd type="none" w="med" len="med"/>
+                    </a:lnL>
+                    <a:lnR w="12700" cap="flat" cmpd="sng" algn="ctr">
+                      <a:solidFill>
+                        <a:schemeClr val="tx1"/>
+                      </a:solidFill>
+                      <a:prstDash val="solid"/>
+                      <a:round/>
+                      <a:headEnd type="none" w="med" len="med"/>
+                      <a:tailEnd type="none" w="med" len="med"/>
+                    </a:lnR>
+                    <a:lnT w="6350" cap="flat" cmpd="sng" algn="ctr">
+                      <a:solidFill>
+                        <a:srgbClr val="000000"/>
+                      </a:solidFill>
+                      <a:prstDash val="solid"/>
+                      <a:round/>
+                      <a:headEnd type="none" w="med" len="med"/>
+                      <a:tailEnd type="none" w="med" len="med"/>
+                    </a:lnT>
+                    <a:lnB w="6350" cap="flat" cmpd="sng" algn="ctr">
+                      <a:solidFill>
+                        <a:srgbClr val="000000"/>
+                      </a:solidFill>
+                      <a:prstDash val="solid"/>
+                      <a:round/>
+                      <a:headEnd type="none" w="med" len="med"/>
+                      <a:tailEnd type="none" w="med" len="med"/>
+                    </a:lnB>
+                    <a:solidFill>
+                      <a:srgbClr val="92D050"/>
+                    </a:solidFill>
+                  </a:tcPr>
+                </a:tc>
+                <a:tc>
+                  <a:txBody>
+                    <a:bodyPr/>
+                    <a:lstStyle/>
+                    <a:p>
+                      <a:pPr algn="ctr" fontAlgn="ctr"/>
+                      <a:r>
+                        <a:rPr lang="en-US" altLang="ja-JP" sz="1100" b="0" i="0" u="none" strike="noStrike">
+                          <a:solidFill>
+                            <a:srgbClr val="000000"/>
+                          </a:solidFill>
+                          <a:effectLst/>
+                          <a:latin typeface="+mn-lt"/>
+                          <a:ea typeface="ＭＳ Ｐゴシック" panose="020B0600070205080204" pitchFamily="50" charset="-128"/>
+                        </a:rPr>
+                        <a:t>0.233648</a:t>
+                      </a:r>
+                    </a:p>
+                  </a:txBody>
+                  <a:tcPr marL="9525" marR="9525" marT="9525" marB="0" anchor="ctr">
+                    <a:lnL w="12700" cap="flat" cmpd="sng" algn="ctr">
+                      <a:solidFill>
+                        <a:schemeClr val="tx1"/>
+                      </a:solidFill>
+                      <a:prstDash val="solid"/>
+                      <a:round/>
+                      <a:headEnd type="none" w="med" len="med"/>
+                      <a:tailEnd type="none" w="med" len="med"/>
+                    </a:lnL>
+                    <a:lnR w="12700" cap="flat" cmpd="sng" algn="ctr">
+                      <a:solidFill>
+                        <a:schemeClr val="tx1"/>
+                      </a:solidFill>
+                      <a:prstDash val="solid"/>
+                      <a:round/>
+                      <a:headEnd type="none" w="med" len="med"/>
+                      <a:tailEnd type="none" w="med" len="med"/>
+                    </a:lnR>
+                    <a:lnT w="6350" cap="flat" cmpd="sng" algn="ctr">
+                      <a:solidFill>
+                        <a:srgbClr val="000000"/>
+                      </a:solidFill>
+                      <a:prstDash val="solid"/>
+                      <a:round/>
+                      <a:headEnd type="none" w="med" len="med"/>
+                      <a:tailEnd type="none" w="med" len="med"/>
+                    </a:lnT>
+                    <a:lnB w="6350" cap="flat" cmpd="sng" algn="ctr">
+                      <a:solidFill>
+                        <a:srgbClr val="000000"/>
+                      </a:solidFill>
+                      <a:prstDash val="solid"/>
+                      <a:round/>
+                      <a:headEnd type="none" w="med" len="med"/>
+                      <a:tailEnd type="none" w="med" len="med"/>
+                    </a:lnB>
+                  </a:tcPr>
+                </a:tc>
+                <a:tc>
+                  <a:txBody>
+                    <a:bodyPr/>
+                    <a:lstStyle/>
+                    <a:p>
+                      <a:pPr algn="ctr" fontAlgn="ctr"/>
+                      <a:r>
+                        <a:rPr lang="en-US" altLang="ja-JP" sz="1100" b="0" i="0" u="none" strike="noStrike">
+                          <a:solidFill>
+                            <a:srgbClr val="000000"/>
+                          </a:solidFill>
+                          <a:effectLst/>
+                          <a:latin typeface="+mn-lt"/>
+                          <a:ea typeface="ＭＳ Ｐゴシック" panose="020B0600070205080204" pitchFamily="50" charset="-128"/>
+                        </a:rPr>
+                        <a:t>0.229482</a:t>
+                      </a:r>
+                    </a:p>
+                  </a:txBody>
+                  <a:tcPr marL="9525" marR="9525" marT="9525" marB="0" anchor="ctr">
+                    <a:lnL w="12700" cap="flat" cmpd="sng" algn="ctr">
+                      <a:solidFill>
+                        <a:schemeClr val="tx1"/>
+                      </a:solidFill>
+                      <a:prstDash val="solid"/>
+                      <a:round/>
+                      <a:headEnd type="none" w="med" len="med"/>
+                      <a:tailEnd type="none" w="med" len="med"/>
+                    </a:lnL>
+                    <a:lnR w="12700" cap="flat" cmpd="sng" algn="ctr">
+                      <a:solidFill>
+                        <a:schemeClr val="tx1"/>
+                      </a:solidFill>
+                      <a:prstDash val="solid"/>
+                      <a:round/>
+                      <a:headEnd type="none" w="med" len="med"/>
+                      <a:tailEnd type="none" w="med" len="med"/>
+                    </a:lnR>
+                    <a:lnT w="6350" cap="flat" cmpd="sng" algn="ctr">
+                      <a:solidFill>
+                        <a:srgbClr val="000000"/>
+                      </a:solidFill>
+                      <a:prstDash val="solid"/>
+                      <a:round/>
+                      <a:headEnd type="none" w="med" len="med"/>
+                      <a:tailEnd type="none" w="med" len="med"/>
+                    </a:lnT>
+                    <a:lnB w="6350" cap="flat" cmpd="sng" algn="ctr">
+                      <a:solidFill>
+                        <a:srgbClr val="000000"/>
+                      </a:solidFill>
+                      <a:prstDash val="solid"/>
+                      <a:round/>
+                      <a:headEnd type="none" w="med" len="med"/>
+                      <a:tailEnd type="none" w="med" len="med"/>
+                    </a:lnB>
+                  </a:tcPr>
+                </a:tc>
+                <a:tc>
+                  <a:txBody>
+                    <a:bodyPr/>
+                    <a:lstStyle/>
+                    <a:p>
+                      <a:pPr algn="ctr" fontAlgn="ctr"/>
+                      <a:r>
+                        <a:rPr lang="en-US" altLang="ja-JP" sz="1100" b="0" i="0" u="none" strike="noStrike">
+                          <a:solidFill>
+                            <a:srgbClr val="000000"/>
+                          </a:solidFill>
+                          <a:effectLst/>
+                          <a:latin typeface="+mn-lt"/>
+                          <a:ea typeface="ＭＳ Ｐゴシック" panose="020B0600070205080204" pitchFamily="50" charset="-128"/>
+                        </a:rPr>
+                        <a:t>0.221545</a:t>
+                      </a:r>
+                    </a:p>
+                  </a:txBody>
+                  <a:tcPr marL="9525" marR="9525" marT="9525" marB="0" anchor="ctr">
+                    <a:lnL w="12700" cap="flat" cmpd="sng" algn="ctr">
+                      <a:solidFill>
+                        <a:schemeClr val="tx1"/>
+                      </a:solidFill>
+                      <a:prstDash val="solid"/>
+                      <a:round/>
+                      <a:headEnd type="none" w="med" len="med"/>
+                      <a:tailEnd type="none" w="med" len="med"/>
+                    </a:lnL>
+                    <a:lnR w="12700" cap="flat" cmpd="sng" algn="ctr">
+                      <a:solidFill>
+                        <a:schemeClr val="tx1"/>
+                      </a:solidFill>
+                      <a:prstDash val="solid"/>
+                      <a:round/>
+                      <a:headEnd type="none" w="med" len="med"/>
+                      <a:tailEnd type="none" w="med" len="med"/>
+                    </a:lnR>
+                    <a:lnT w="6350" cap="flat" cmpd="sng" algn="ctr">
+                      <a:solidFill>
+                        <a:srgbClr val="000000"/>
+                      </a:solidFill>
+                      <a:prstDash val="solid"/>
+                      <a:round/>
+                      <a:headEnd type="none" w="med" len="med"/>
+                      <a:tailEnd type="none" w="med" len="med"/>
+                    </a:lnT>
+                    <a:lnB w="6350" cap="flat" cmpd="sng" algn="ctr">
+                      <a:solidFill>
+                        <a:srgbClr val="000000"/>
+                      </a:solidFill>
+                      <a:prstDash val="solid"/>
+                      <a:round/>
+                      <a:headEnd type="none" w="med" len="med"/>
+                      <a:tailEnd type="none" w="med" len="med"/>
+                    </a:lnB>
+                  </a:tcPr>
+                </a:tc>
+              </a:tr>
+              <a:tr h="180975">
+                <a:tc vMerge="1">
+                  <a:txBody>
+                    <a:bodyPr/>
+                    <a:lstStyle/>
+                    <a:p>
+                      <a:endParaRPr kumimoji="1" lang="ja-JP" altLang="en-US"/>
+                    </a:p>
+                  </a:txBody>
+                  <a:tcPr/>
+                </a:tc>
+                <a:tc>
+                  <a:txBody>
+                    <a:bodyPr/>
+                    <a:lstStyle/>
+                    <a:p>
+                      <a:pPr algn="ctr" fontAlgn="ctr"/>
+                      <a:r>
+                        <a:rPr lang="en-US" altLang="ja-JP" sz="1100" b="0" i="0" u="none" strike="noStrike">
+                          <a:solidFill>
+                            <a:srgbClr val="000000"/>
+                          </a:solidFill>
+                          <a:effectLst/>
+                          <a:latin typeface="+mn-lt"/>
+                          <a:ea typeface="ＭＳ Ｐゴシック" panose="020B0600070205080204" pitchFamily="50" charset="-128"/>
+                        </a:rPr>
+                        <a:t>5</a:t>
+                      </a:r>
+                    </a:p>
+                  </a:txBody>
+                  <a:tcPr marL="9525" marR="9525" marT="9525" marB="0" anchor="ctr">
+                    <a:lnL w="12700" cap="flat" cmpd="sng" algn="ctr">
+                      <a:solidFill>
+                        <a:srgbClr val="000000"/>
+                      </a:solidFill>
+                      <a:prstDash val="solid"/>
+                      <a:round/>
+                      <a:headEnd type="none" w="med" len="med"/>
+                      <a:tailEnd type="none" w="med" len="med"/>
+                    </a:lnL>
+                    <a:lnR w="6350" cap="flat" cmpd="sng" algn="ctr">
+                      <a:solidFill>
+                        <a:srgbClr val="000000"/>
+                      </a:solidFill>
+                      <a:prstDash val="solid"/>
+                      <a:round/>
+                      <a:headEnd type="none" w="med" len="med"/>
+                      <a:tailEnd type="none" w="med" len="med"/>
+                    </a:lnR>
+                    <a:lnT w="6350" cap="flat" cmpd="sng" algn="ctr">
+                      <a:solidFill>
+                        <a:srgbClr val="000000"/>
+                      </a:solidFill>
+                      <a:prstDash val="solid"/>
+                      <a:round/>
+                      <a:headEnd type="none" w="med" len="med"/>
+                      <a:tailEnd type="none" w="med" len="med"/>
+                    </a:lnT>
+                    <a:lnB w="12700" cap="flat" cmpd="sng" algn="ctr">
+                      <a:solidFill>
+                        <a:srgbClr val="000000"/>
+                      </a:solidFill>
+                      <a:prstDash val="solid"/>
+                      <a:round/>
+                      <a:headEnd type="none" w="med" len="med"/>
+                      <a:tailEnd type="none" w="med" len="med"/>
+                    </a:lnB>
+                  </a:tcPr>
+                </a:tc>
+                <a:tc>
+                  <a:txBody>
+                    <a:bodyPr/>
+                    <a:lstStyle/>
+                    <a:p>
+                      <a:pPr algn="ctr" fontAlgn="ctr"/>
+                      <a:r>
+                        <a:rPr lang="ja-JP" altLang="en-US" sz="1100" b="0" i="0" u="none" strike="noStrike">
+                          <a:solidFill>
+                            <a:srgbClr val="000000"/>
+                          </a:solidFill>
+                          <a:effectLst/>
+                          <a:latin typeface="+mn-lt"/>
+                          <a:ea typeface="ＭＳ Ｐゴシック" panose="020B0600070205080204" pitchFamily="50" charset="-128"/>
+                        </a:rPr>
+                        <a:t>　</a:t>
+                      </a:r>
+                    </a:p>
+                  </a:txBody>
+                  <a:tcPr marL="9525" marR="9525" marT="9525" marB="0" anchor="ctr">
+                    <a:lnL w="6350" cap="flat" cmpd="sng" algn="ctr">
+                      <a:solidFill>
+                        <a:srgbClr val="000000"/>
+                      </a:solidFill>
+                      <a:prstDash val="solid"/>
+                      <a:round/>
+                      <a:headEnd type="none" w="med" len="med"/>
+                      <a:tailEnd type="none" w="med" len="med"/>
+                    </a:lnL>
+                    <a:lnR w="12700" cap="flat" cmpd="sng" algn="ctr">
+                      <a:solidFill>
+                        <a:schemeClr val="tx1"/>
+                      </a:solidFill>
+                      <a:prstDash val="solid"/>
+                      <a:round/>
+                      <a:headEnd type="none" w="med" len="med"/>
+                      <a:tailEnd type="none" w="med" len="med"/>
+                    </a:lnR>
+                    <a:lnT w="6350" cap="flat" cmpd="sng" algn="ctr">
+                      <a:solidFill>
+                        <a:srgbClr val="000000"/>
+                      </a:solidFill>
+                      <a:prstDash val="solid"/>
+                      <a:round/>
+                      <a:headEnd type="none" w="med" len="med"/>
+                      <a:tailEnd type="none" w="med" len="med"/>
+                    </a:lnT>
+                    <a:lnB w="12700" cap="flat" cmpd="sng" algn="ctr">
+                      <a:solidFill>
+                        <a:srgbClr val="000000"/>
+                      </a:solidFill>
+                      <a:prstDash val="solid"/>
+                      <a:round/>
+                      <a:headEnd type="none" w="med" len="med"/>
+                      <a:tailEnd type="none" w="med" len="med"/>
+                    </a:lnB>
+                    <a:solidFill>
+                      <a:srgbClr val="FFFF00"/>
+                    </a:solidFill>
+                  </a:tcPr>
+                </a:tc>
+                <a:tc>
+                  <a:txBody>
+                    <a:bodyPr/>
+                    <a:lstStyle/>
+                    <a:p>
+                      <a:pPr algn="ctr" fontAlgn="ctr"/>
+                      <a:r>
+                        <a:rPr lang="en-US" altLang="ja-JP" sz="1100" b="0" i="0" u="none" strike="noStrike">
+                          <a:solidFill>
+                            <a:srgbClr val="000000"/>
+                          </a:solidFill>
+                          <a:effectLst/>
+                          <a:latin typeface="+mn-lt"/>
+                          <a:ea typeface="ＭＳ Ｐゴシック" panose="020B0600070205080204" pitchFamily="50" charset="-128"/>
+                        </a:rPr>
+                        <a:t>0.263481</a:t>
+                      </a:r>
+                    </a:p>
+                  </a:txBody>
+                  <a:tcPr marL="9525" marR="9525" marT="9525" marB="0" anchor="ctr">
+                    <a:lnL w="12700" cap="flat" cmpd="sng" algn="ctr">
+                      <a:solidFill>
+                        <a:schemeClr val="tx1"/>
+                      </a:solidFill>
+                      <a:prstDash val="solid"/>
+                      <a:round/>
+                      <a:headEnd type="none" w="med" len="med"/>
+                      <a:tailEnd type="none" w="med" len="med"/>
+                    </a:lnL>
+                    <a:lnR w="12700" cap="flat" cmpd="sng" algn="ctr">
+                      <a:solidFill>
+                        <a:schemeClr val="tx1"/>
+                      </a:solidFill>
+                      <a:prstDash val="solid"/>
+                      <a:round/>
+                      <a:headEnd type="none" w="med" len="med"/>
+                      <a:tailEnd type="none" w="med" len="med"/>
+                    </a:lnR>
+                    <a:lnT w="6350" cap="flat" cmpd="sng" algn="ctr">
+                      <a:solidFill>
+                        <a:srgbClr val="000000"/>
+                      </a:solidFill>
+                      <a:prstDash val="solid"/>
+                      <a:round/>
+                      <a:headEnd type="none" w="med" len="med"/>
+                      <a:tailEnd type="none" w="med" len="med"/>
+                    </a:lnT>
+                    <a:lnB w="12700" cap="flat" cmpd="sng" algn="ctr">
+                      <a:solidFill>
+                        <a:schemeClr val="tx1"/>
+                      </a:solidFill>
+                      <a:prstDash val="solid"/>
+                      <a:round/>
+                      <a:headEnd type="none" w="med" len="med"/>
+                      <a:tailEnd type="none" w="med" len="med"/>
+                    </a:lnB>
+                  </a:tcPr>
+                </a:tc>
+                <a:tc>
+                  <a:txBody>
+                    <a:bodyPr/>
+                    <a:lstStyle/>
+                    <a:p>
+                      <a:pPr algn="ctr" fontAlgn="ctr"/>
+                      <a:r>
+                        <a:rPr lang="en-US" altLang="ja-JP" sz="1100" b="0" i="0" u="none" strike="noStrike">
+                          <a:solidFill>
+                            <a:srgbClr val="000000"/>
+                          </a:solidFill>
+                          <a:effectLst/>
+                          <a:latin typeface="+mn-lt"/>
+                          <a:ea typeface="ＭＳ Ｐゴシック" panose="020B0600070205080204" pitchFamily="50" charset="-128"/>
+                        </a:rPr>
+                        <a:t>0.23152</a:t>
+                      </a:r>
+                    </a:p>
+                  </a:txBody>
+                  <a:tcPr marL="9525" marR="9525" marT="9525" marB="0" anchor="ctr">
+                    <a:lnL w="12700" cap="flat" cmpd="sng" algn="ctr">
+                      <a:solidFill>
+                        <a:schemeClr val="tx1"/>
+                      </a:solidFill>
+                      <a:prstDash val="solid"/>
+                      <a:round/>
+                      <a:headEnd type="none" w="med" len="med"/>
+                      <a:tailEnd type="none" w="med" len="med"/>
+                    </a:lnL>
+                    <a:lnR w="12700" cap="flat" cmpd="sng" algn="ctr">
+                      <a:solidFill>
+                        <a:schemeClr val="tx1"/>
+                      </a:solidFill>
+                      <a:prstDash val="solid"/>
+                      <a:round/>
+                      <a:headEnd type="none" w="med" len="med"/>
+                      <a:tailEnd type="none" w="med" len="med"/>
+                    </a:lnR>
+                    <a:lnT w="6350" cap="flat" cmpd="sng" algn="ctr">
+                      <a:solidFill>
+                        <a:srgbClr val="000000"/>
+                      </a:solidFill>
+                      <a:prstDash val="solid"/>
+                      <a:round/>
+                      <a:headEnd type="none" w="med" len="med"/>
+                      <a:tailEnd type="none" w="med" len="med"/>
+                    </a:lnT>
+                    <a:lnB w="12700" cap="flat" cmpd="sng" algn="ctr">
+                      <a:solidFill>
+                        <a:schemeClr val="tx1"/>
+                      </a:solidFill>
+                      <a:prstDash val="solid"/>
+                      <a:round/>
+                      <a:headEnd type="none" w="med" len="med"/>
+                      <a:tailEnd type="none" w="med" len="med"/>
+                    </a:lnB>
+                  </a:tcPr>
+                </a:tc>
+                <a:tc>
+                  <a:txBody>
+                    <a:bodyPr/>
+                    <a:lstStyle/>
+                    <a:p>
+                      <a:pPr algn="ctr" fontAlgn="ctr"/>
+                      <a:r>
+                        <a:rPr lang="en-US" altLang="ja-JP" sz="1100" b="0" i="0" u="none" strike="noStrike" dirty="0">
+                          <a:solidFill>
+                            <a:srgbClr val="000000"/>
+                          </a:solidFill>
+                          <a:effectLst/>
+                          <a:latin typeface="+mn-lt"/>
+                          <a:ea typeface="ＭＳ Ｐゴシック" panose="020B0600070205080204" pitchFamily="50" charset="-128"/>
+                        </a:rPr>
+                        <a:t>0.219877</a:t>
+                      </a:r>
+                    </a:p>
+                  </a:txBody>
+                  <a:tcPr marL="9525" marR="9525" marT="9525" marB="0" anchor="ctr">
+                    <a:lnL w="12700" cap="flat" cmpd="sng" algn="ctr">
+                      <a:solidFill>
+                        <a:schemeClr val="tx1"/>
+                      </a:solidFill>
+                      <a:prstDash val="solid"/>
+                      <a:round/>
+                      <a:headEnd type="none" w="med" len="med"/>
+                      <a:tailEnd type="none" w="med" len="med"/>
+                    </a:lnL>
+                    <a:lnR w="12700" cap="flat" cmpd="sng" algn="ctr">
+                      <a:solidFill>
+                        <a:schemeClr val="tx1"/>
+                      </a:solidFill>
+                      <a:prstDash val="solid"/>
+                      <a:round/>
+                      <a:headEnd type="none" w="med" len="med"/>
+                      <a:tailEnd type="none" w="med" len="med"/>
+                    </a:lnR>
+                    <a:lnT w="6350" cap="flat" cmpd="sng" algn="ctr">
+                      <a:solidFill>
+                        <a:srgbClr val="000000"/>
+                      </a:solidFill>
+                      <a:prstDash val="solid"/>
+                      <a:round/>
+                      <a:headEnd type="none" w="med" len="med"/>
+                      <a:tailEnd type="none" w="med" len="med"/>
+                    </a:lnT>
+                    <a:lnB w="12700" cap="flat" cmpd="sng" algn="ctr">
+                      <a:solidFill>
+                        <a:schemeClr val="tx1"/>
+                      </a:solidFill>
+                      <a:prstDash val="solid"/>
+                      <a:round/>
+                      <a:headEnd type="none" w="med" len="med"/>
+                      <a:tailEnd type="none" w="med" len="med"/>
+                    </a:lnB>
+                  </a:tcPr>
+                </a:tc>
+              </a:tr>
+            </a:tbl>
+          </a:graphicData>
+        </a:graphic>
+      </p:graphicFrame>
+    </p:spTree>
+    <p:extLst>
+      <p:ext uri="{BB962C8B-B14F-4D97-AF65-F5344CB8AC3E}">
+        <p14:creationId xmlns:p14="http://schemas.microsoft.com/office/powerpoint/2010/main" val="2610401244"/>
+      </p:ext>
+    </p:extLst>
+  </p:cSld>
+  <p:clrMapOvr>
+    <a:masterClrMapping/>
+  </p:clrMapOvr>
+  <p:timing>
+    <p:tnLst>
+      <p:par>
+        <p:cTn id="1" dur="indefinite" restart="never" nodeType="tmRoot"/>
+      </p:par>
+    </p:tnLst>
+  </p:timing>
+</p:sld>
+</file>
+
+<file path=ppt/slides/slide14.xml><?xml version="1.0" encoding="utf-8"?>
+<p:sld xmlns:a="http://schemas.openxmlformats.org/drawingml/2006/main" xmlns:r="http://schemas.openxmlformats.org/officeDocument/2006/relationships" xmlns:p="http://schemas.openxmlformats.org/presentationml/2006/main">
+  <p:cSld>
+    <p:spTree>
+      <p:nvGrpSpPr>
+        <p:cNvPr id="1" name=""/>
+        <p:cNvGrpSpPr/>
+        <p:nvPr/>
+      </p:nvGrpSpPr>
+      <p:grpSpPr>
+        <a:xfrm>
+          <a:off x="0" y="0"/>
+          <a:ext cx="0" cy="0"/>
+          <a:chOff x="0" y="0"/>
+          <a:chExt cx="0" cy="0"/>
+        </a:xfrm>
+      </p:grpSpPr>
+      <p:sp>
+        <p:nvSpPr>
+          <p:cNvPr id="4" name="Title 3"/>
+          <p:cNvSpPr>
+            <a:spLocks noGrp="1"/>
+          </p:cNvSpPr>
+          <p:nvPr>
+            <p:ph type="title"/>
+          </p:nvPr>
+        </p:nvSpPr>
+        <p:spPr/>
+        <p:txBody>
+          <a:bodyPr/>
+          <a:lstStyle/>
+          <a:p>
+            <a:r>
+              <a:rPr lang="ja-JP" altLang="en-US" dirty="0">
+                <a:latin typeface="メイリオ" panose="020B0604030504040204" pitchFamily="50" charset="-128"/>
+                <a:cs typeface="メイリオ" panose="020B0604030504040204" pitchFamily="50" charset="-128"/>
+              </a:rPr>
+              <a:t> </a:t>
+            </a:r>
+            <a:r>
+              <a:rPr lang="en-US" altLang="ko-KR" dirty="0" smtClean="0"/>
+              <a:t>Comparison</a:t>
+            </a:r>
+            <a:r>
+              <a:rPr lang="en-US" altLang="ko-KR" dirty="0"/>
+              <a:t>, Suction velocity</a:t>
+            </a:r>
+            <a:endParaRPr lang="ko-KR" altLang="en-US" dirty="0">
+              <a:latin typeface="メイリオ" panose="020B0604030504040204" pitchFamily="50" charset="-128"/>
+              <a:cs typeface="メイリオ" panose="020B0604030504040204" pitchFamily="50" charset="-128"/>
+            </a:endParaRPr>
+          </a:p>
+        </p:txBody>
+      </p:sp>
+      <p:sp>
+        <p:nvSpPr>
+          <p:cNvPr id="2" name="正方形/長方形 1"/>
+          <p:cNvSpPr/>
+          <p:nvPr/>
+        </p:nvSpPr>
+        <p:spPr>
+          <a:xfrm>
+            <a:off x="0" y="1086292"/>
+            <a:ext cx="9144000" cy="36000"/>
+          </a:xfrm>
+          <a:prstGeom prst="rect">
+            <a:avLst/>
+          </a:prstGeom>
+          <a:solidFill>
+            <a:srgbClr val="99DABA"/>
+          </a:solidFill>
+          <a:ln>
+            <a:noFill/>
+          </a:ln>
+        </p:spPr>
+        <p:style>
+          <a:lnRef idx="2">
+            <a:schemeClr val="accent1">
+              <a:shade val="50000"/>
+            </a:schemeClr>
+          </a:lnRef>
+          <a:fillRef idx="1">
+            <a:schemeClr val="accent1"/>
+          </a:fillRef>
+          <a:effectRef idx="0">
+            <a:schemeClr val="accent1"/>
+          </a:effectRef>
+          <a:fontRef idx="minor">
+            <a:schemeClr val="lt1"/>
+          </a:fontRef>
+        </p:style>
+        <p:txBody>
+          <a:bodyPr rtlCol="0" anchor="ctr"/>
+          <a:lstStyle/>
+          <a:p>
+            <a:pPr algn="ctr"/>
+            <a:endParaRPr kumimoji="1" lang="ja-JP" altLang="en-US"/>
+          </a:p>
+        </p:txBody>
+      </p:sp>
+      <p:sp>
+        <p:nvSpPr>
+          <p:cNvPr id="6" name="テキスト ボックス 5"/>
+          <p:cNvSpPr txBox="1"/>
+          <p:nvPr/>
+        </p:nvSpPr>
+        <p:spPr>
+          <a:xfrm>
+            <a:off x="503548" y="1628800"/>
+            <a:ext cx="8136904" cy="523220"/>
+          </a:xfrm>
+          <a:prstGeom prst="rect">
+            <a:avLst/>
+          </a:prstGeom>
+          <a:noFill/>
+        </p:spPr>
+        <p:txBody>
+          <a:bodyPr wrap="square" rtlCol="0">
+            <a:spAutoFit/>
+          </a:bodyPr>
+          <a:lstStyle/>
+          <a:p>
+            <a:r>
+              <a:rPr kumimoji="1" lang="ja-JP" altLang="en-US" sz="2800" dirty="0" smtClean="0"/>
+              <a:t>結果・考察</a:t>
+            </a:r>
+            <a:endParaRPr kumimoji="1" lang="en-US" altLang="ja-JP" sz="2800" dirty="0" smtClean="0"/>
+          </a:p>
+        </p:txBody>
+      </p:sp>
+      <p:sp>
+        <p:nvSpPr>
+          <p:cNvPr id="5" name="テキスト ボックス 4"/>
+          <p:cNvSpPr txBox="1"/>
+          <p:nvPr/>
+        </p:nvSpPr>
+        <p:spPr>
+          <a:xfrm>
+            <a:off x="351681" y="3347540"/>
+            <a:ext cx="8136904" cy="369332"/>
+          </a:xfrm>
+          <a:prstGeom prst="rect">
+            <a:avLst/>
+          </a:prstGeom>
+          <a:noFill/>
+        </p:spPr>
+        <p:txBody>
+          <a:bodyPr wrap="square" rtlCol="0">
+            <a:spAutoFit/>
+          </a:bodyPr>
+          <a:lstStyle/>
+          <a:p>
+            <a:r>
+              <a:rPr kumimoji="1" lang="ja-JP" altLang="en-US" dirty="0" smtClean="0"/>
+              <a:t>・ </a:t>
+            </a:r>
+            <a:r>
+              <a:rPr kumimoji="1" lang="en-US" altLang="ja-JP" dirty="0" smtClean="0"/>
+              <a:t>100-&gt;200-&gt;300[mm/s] </a:t>
+            </a:r>
+            <a:r>
+              <a:rPr kumimoji="1" lang="ja-JP" altLang="en-US" dirty="0" smtClean="0"/>
+              <a:t>で、同じ間隔ではないが割合が変化していっている</a:t>
+            </a:r>
+            <a:endParaRPr kumimoji="1" lang="en-US" altLang="ja-JP" dirty="0" smtClean="0"/>
+          </a:p>
+        </p:txBody>
+      </p:sp>
+      <p:sp>
+        <p:nvSpPr>
+          <p:cNvPr id="7" name="テキスト ボックス 6"/>
+          <p:cNvSpPr txBox="1"/>
+          <p:nvPr/>
+        </p:nvSpPr>
+        <p:spPr>
+          <a:xfrm>
+            <a:off x="323528" y="2317812"/>
+            <a:ext cx="8136904" cy="369332"/>
+          </a:xfrm>
+          <a:prstGeom prst="rect">
+            <a:avLst/>
+          </a:prstGeom>
+          <a:noFill/>
+        </p:spPr>
+        <p:txBody>
+          <a:bodyPr wrap="square" rtlCol="0">
+            <a:spAutoFit/>
+          </a:bodyPr>
+          <a:lstStyle/>
+          <a:p>
+            <a:r>
+              <a:rPr kumimoji="1" lang="ja-JP" altLang="en-US" dirty="0" smtClean="0"/>
+              <a:t>・ 速度が大きくなるほど、下層粒子の割合が増加している</a:t>
+            </a:r>
+            <a:endParaRPr kumimoji="1" lang="en-US" altLang="ja-JP" dirty="0" smtClean="0"/>
+          </a:p>
+        </p:txBody>
+      </p:sp>
+      <p:sp>
+        <p:nvSpPr>
+          <p:cNvPr id="8" name="テキスト ボックス 7"/>
+          <p:cNvSpPr txBox="1"/>
+          <p:nvPr/>
+        </p:nvSpPr>
+        <p:spPr>
+          <a:xfrm>
+            <a:off x="351681" y="3799811"/>
+            <a:ext cx="8136904" cy="369332"/>
+          </a:xfrm>
+          <a:prstGeom prst="rect">
+            <a:avLst/>
+          </a:prstGeom>
+          <a:noFill/>
+        </p:spPr>
+        <p:txBody>
+          <a:bodyPr wrap="square" rtlCol="0">
+            <a:spAutoFit/>
+          </a:bodyPr>
+          <a:lstStyle/>
+          <a:p>
+            <a:r>
+              <a:rPr kumimoji="1" lang="ja-JP" altLang="en-US" dirty="0" smtClean="0"/>
+              <a:t>　　</a:t>
+            </a:r>
+            <a:r>
+              <a:rPr kumimoji="1" lang="en-US" altLang="ja-JP" dirty="0" smtClean="0"/>
+              <a:t>-&gt; </a:t>
+            </a:r>
+            <a:r>
+              <a:rPr kumimoji="1" lang="ja-JP" altLang="en-US" dirty="0" smtClean="0"/>
+              <a:t>もう少し速度をあげれば、より綺麗に層ができる？</a:t>
+            </a:r>
+            <a:endParaRPr kumimoji="1" lang="en-US" altLang="ja-JP" dirty="0"/>
+          </a:p>
+        </p:txBody>
+      </p:sp>
+      <p:sp>
+        <p:nvSpPr>
+          <p:cNvPr id="9" name="テキスト ボックス 8"/>
+          <p:cNvSpPr txBox="1"/>
+          <p:nvPr/>
+        </p:nvSpPr>
+        <p:spPr>
+          <a:xfrm>
+            <a:off x="323528" y="2752073"/>
+            <a:ext cx="8136904" cy="369332"/>
+          </a:xfrm>
+          <a:prstGeom prst="rect">
+            <a:avLst/>
+          </a:prstGeom>
+          <a:noFill/>
+        </p:spPr>
+        <p:txBody>
+          <a:bodyPr wrap="square" rtlCol="0">
+            <a:spAutoFit/>
+          </a:bodyPr>
+          <a:lstStyle/>
+          <a:p>
+            <a:r>
+              <a:rPr kumimoji="1" lang="ja-JP" altLang="en-US" dirty="0" smtClean="0"/>
+              <a:t>　　</a:t>
+            </a:r>
+            <a:r>
+              <a:rPr kumimoji="1" lang="en-US" altLang="ja-JP" dirty="0" smtClean="0"/>
+              <a:t>-&gt; </a:t>
+            </a:r>
+            <a:r>
+              <a:rPr kumimoji="1" lang="ja-JP" altLang="en-US" dirty="0" smtClean="0"/>
+              <a:t>圧力差による吸引力の影響と思われる</a:t>
+            </a:r>
+            <a:endParaRPr kumimoji="1" lang="en-US" altLang="ja-JP" dirty="0"/>
+          </a:p>
+        </p:txBody>
+      </p:sp>
+    </p:spTree>
+    <p:extLst>
+      <p:ext uri="{BB962C8B-B14F-4D97-AF65-F5344CB8AC3E}">
+        <p14:creationId xmlns:p14="http://schemas.microsoft.com/office/powerpoint/2010/main" val="391628453"/>
+      </p:ext>
+    </p:extLst>
+  </p:cSld>
+  <p:clrMapOvr>
+    <a:masterClrMapping/>
+  </p:clrMapOvr>
+  <p:timing>
+    <p:tnLst>
+      <p:par>
+        <p:cTn id="1" dur="indefinite" restart="never" nodeType="tmRoot"/>
+      </p:par>
+    </p:tnLst>
+  </p:timing>
+</p:sld>
+</file>
+
+<file path=ppt/slides/slide15.xml><?xml version="1.0" encoding="utf-8"?>
 <p:sld xmlns:a="http://schemas.openxmlformats.org/drawingml/2006/main" xmlns:r="http://schemas.openxmlformats.org/officeDocument/2006/relationships" xmlns:p="http://schemas.openxmlformats.org/presentationml/2006/main" show="0">
   <p:cSld>
     <p:spTree>
@@ -10061,4 +15975,265 @@
   <a:objectDefaults/>
   <a:extraClrSchemeLst/>
 </a:theme>
+</file>
+
+<file path=ppt/theme/theme3.xml><?xml version="1.0" encoding="utf-8"?>
+<a:theme xmlns:a="http://schemas.openxmlformats.org/drawingml/2006/main" name="Office テーマ">
+  <a:themeElements>
+    <a:clrScheme name="Office">
+      <a:dk1>
+        <a:sysClr val="windowText" lastClr="000000"/>
+      </a:dk1>
+      <a:lt1>
+        <a:sysClr val="window" lastClr="FFFFFF"/>
+      </a:lt1>
+      <a:dk2>
+        <a:srgbClr val="44546A"/>
+      </a:dk2>
+      <a:lt2>
+        <a:srgbClr val="E7E6E6"/>
+      </a:lt2>
+      <a:accent1>
+        <a:srgbClr val="5B9BD5"/>
+      </a:accent1>
+      <a:accent2>
+        <a:srgbClr val="ED7D31"/>
+      </a:accent2>
+      <a:accent3>
+        <a:srgbClr val="A5A5A5"/>
+      </a:accent3>
+      <a:accent4>
+        <a:srgbClr val="FFC000"/>
+      </a:accent4>
+      <a:accent5>
+        <a:srgbClr val="4472C4"/>
+      </a:accent5>
+      <a:accent6>
+        <a:srgbClr val="70AD47"/>
+      </a:accent6>
+      <a:hlink>
+        <a:srgbClr val="0563C1"/>
+      </a:hlink>
+      <a:folHlink>
+        <a:srgbClr val="954F72"/>
+      </a:folHlink>
+    </a:clrScheme>
+    <a:fontScheme name="Office">
+      <a:majorFont>
+        <a:latin typeface="Calibri Light" panose="020F0302020204030204"/>
+        <a:ea typeface=""/>
+        <a:cs typeface=""/>
+        <a:font script="Jpan" typeface="ＭＳ Ｐゴシック"/>
+        <a:font script="Hang" typeface="맑은 고딕"/>
+        <a:font script="Hans" typeface="宋体"/>
+        <a:font script="Hant" typeface="新細明體"/>
+        <a:font script="Arab" typeface="Times New Roman"/>
+        <a:font script="Hebr" typeface="Times New Roman"/>
+        <a:font script="Thai" typeface="Angsana New"/>
+        <a:font script="Ethi" typeface="Nyala"/>
+        <a:font script="Beng" typeface="Vrinda"/>
+        <a:font script="Gujr" typeface="Shruti"/>
+        <a:font script="Khmr" typeface="MoolBoran"/>
+        <a:font script="Knda" typeface="Tunga"/>
+        <a:font script="Guru" typeface="Raavi"/>
+        <a:font script="Cans" typeface="Euphemia"/>
+        <a:font script="Cher" typeface="Plantagenet Cherokee"/>
+        <a:font script="Yiii" typeface="Microsoft Yi Baiti"/>
+        <a:font script="Tibt" typeface="Microsoft Himalaya"/>
+        <a:font script="Thaa" typeface="MV Boli"/>
+        <a:font script="Deva" typeface="Mangal"/>
+        <a:font script="Telu" typeface="Gautami"/>
+        <a:font script="Taml" typeface="Latha"/>
+        <a:font script="Syrc" typeface="Estrangelo Edessa"/>
+        <a:font script="Orya" typeface="Kalinga"/>
+        <a:font script="Mlym" typeface="Kartika"/>
+        <a:font script="Laoo" typeface="DokChampa"/>
+        <a:font script="Sinh" typeface="Iskoola Pota"/>
+        <a:font script="Mong" typeface="Mongolian Baiti"/>
+        <a:font script="Viet" typeface="Times New Roman"/>
+        <a:font script="Uigh" typeface="Microsoft Uighur"/>
+        <a:font script="Geor" typeface="Sylfaen"/>
+      </a:majorFont>
+      <a:minorFont>
+        <a:latin typeface="Calibri" panose="020F0502020204030204"/>
+        <a:ea typeface=""/>
+        <a:cs typeface=""/>
+        <a:font script="Jpan" typeface="ＭＳ Ｐゴシック"/>
+        <a:font script="Hang" typeface="맑은 고딕"/>
+        <a:font script="Hans" typeface="宋体"/>
+        <a:font script="Hant" typeface="新細明體"/>
+        <a:font script="Arab" typeface="Arial"/>
+        <a:font script="Hebr" typeface="Arial"/>
+        <a:font script="Thai" typeface="Cordia New"/>
+        <a:font script="Ethi" typeface="Nyala"/>
+        <a:font script="Beng" typeface="Vrinda"/>
+        <a:font script="Gujr" typeface="Shruti"/>
+        <a:font script="Khmr" typeface="DaunPenh"/>
+        <a:font script="Knda" typeface="Tunga"/>
+        <a:font script="Guru" typeface="Raavi"/>
+        <a:font script="Cans" typeface="Euphemia"/>
+        <a:font script="Cher" typeface="Plantagenet Cherokee"/>
+        <a:font script="Yiii" typeface="Microsoft Yi Baiti"/>
+        <a:font script="Tibt" typeface="Microsoft Himalaya"/>
+        <a:font script="Thaa" typeface="MV Boli"/>
+        <a:font script="Deva" typeface="Mangal"/>
+        <a:font script="Telu" typeface="Gautami"/>
+        <a:font script="Taml" typeface="Latha"/>
+        <a:font script="Syrc" typeface="Estrangelo Edessa"/>
+        <a:font script="Orya" typeface="Kalinga"/>
+        <a:font script="Mlym" typeface="Kartika"/>
+        <a:font script="Laoo" typeface="DokChampa"/>
+        <a:font script="Sinh" typeface="Iskoola Pota"/>
+        <a:font script="Mong" typeface="Mongolian Baiti"/>
+        <a:font script="Viet" typeface="Arial"/>
+        <a:font script="Uigh" typeface="Microsoft Uighur"/>
+        <a:font script="Geor" typeface="Sylfaen"/>
+      </a:minorFont>
+    </a:fontScheme>
+    <a:fmtScheme name="Office">
+      <a:fillStyleLst>
+        <a:solidFill>
+          <a:schemeClr val="phClr"/>
+        </a:solidFill>
+        <a:gradFill rotWithShape="1">
+          <a:gsLst>
+            <a:gs pos="0">
+              <a:schemeClr val="phClr">
+                <a:lumMod val="110000"/>
+                <a:satMod val="105000"/>
+                <a:tint val="67000"/>
+              </a:schemeClr>
+            </a:gs>
+            <a:gs pos="50000">
+              <a:schemeClr val="phClr">
+                <a:lumMod val="105000"/>
+                <a:satMod val="103000"/>
+                <a:tint val="73000"/>
+              </a:schemeClr>
+            </a:gs>
+            <a:gs pos="100000">
+              <a:schemeClr val="phClr">
+                <a:lumMod val="105000"/>
+                <a:satMod val="109000"/>
+                <a:tint val="81000"/>
+              </a:schemeClr>
+            </a:gs>
+          </a:gsLst>
+          <a:lin ang="5400000" scaled="0"/>
+        </a:gradFill>
+        <a:gradFill rotWithShape="1">
+          <a:gsLst>
+            <a:gs pos="0">
+              <a:schemeClr val="phClr">
+                <a:satMod val="103000"/>
+                <a:lumMod val="102000"/>
+                <a:tint val="94000"/>
+              </a:schemeClr>
+            </a:gs>
+            <a:gs pos="50000">
+              <a:schemeClr val="phClr">
+                <a:satMod val="110000"/>
+                <a:lumMod val="100000"/>
+                <a:shade val="100000"/>
+              </a:schemeClr>
+            </a:gs>
+            <a:gs pos="100000">
+              <a:schemeClr val="phClr">
+                <a:lumMod val="99000"/>
+                <a:satMod val="120000"/>
+                <a:shade val="78000"/>
+              </a:schemeClr>
+            </a:gs>
+          </a:gsLst>
+          <a:lin ang="5400000" scaled="0"/>
+        </a:gradFill>
+      </a:fillStyleLst>
+      <a:lnStyleLst>
+        <a:ln w="6350" cap="flat" cmpd="sng" algn="ctr">
+          <a:solidFill>
+            <a:schemeClr val="phClr"/>
+          </a:solidFill>
+          <a:prstDash val="solid"/>
+          <a:miter lim="800000"/>
+        </a:ln>
+        <a:ln w="12700" cap="flat" cmpd="sng" algn="ctr">
+          <a:solidFill>
+            <a:schemeClr val="phClr"/>
+          </a:solidFill>
+          <a:prstDash val="solid"/>
+          <a:miter lim="800000"/>
+        </a:ln>
+        <a:ln w="19050" cap="flat" cmpd="sng" algn="ctr">
+          <a:solidFill>
+            <a:schemeClr val="phClr"/>
+          </a:solidFill>
+          <a:prstDash val="solid"/>
+          <a:miter lim="800000"/>
+        </a:ln>
+      </a:lnStyleLst>
+      <a:effectStyleLst>
+        <a:effectStyle>
+          <a:effectLst/>
+        </a:effectStyle>
+        <a:effectStyle>
+          <a:effectLst/>
+        </a:effectStyle>
+        <a:effectStyle>
+          <a:effectLst>
+            <a:outerShdw blurRad="57150" dist="19050" dir="5400000" algn="ctr" rotWithShape="0">
+              <a:srgbClr val="000000">
+                <a:alpha val="63000"/>
+              </a:srgbClr>
+            </a:outerShdw>
+          </a:effectLst>
+        </a:effectStyle>
+      </a:effectStyleLst>
+      <a:bgFillStyleLst>
+        <a:solidFill>
+          <a:schemeClr val="phClr"/>
+        </a:solidFill>
+        <a:solidFill>
+          <a:schemeClr val="phClr">
+            <a:tint val="95000"/>
+            <a:satMod val="170000"/>
+          </a:schemeClr>
+        </a:solidFill>
+        <a:gradFill rotWithShape="1">
+          <a:gsLst>
+            <a:gs pos="0">
+              <a:schemeClr val="phClr">
+                <a:tint val="93000"/>
+                <a:satMod val="150000"/>
+                <a:shade val="98000"/>
+                <a:lumMod val="102000"/>
+              </a:schemeClr>
+            </a:gs>
+            <a:gs pos="50000">
+              <a:schemeClr val="phClr">
+                <a:tint val="98000"/>
+                <a:satMod val="130000"/>
+                <a:shade val="90000"/>
+                <a:lumMod val="103000"/>
+              </a:schemeClr>
+            </a:gs>
+            <a:gs pos="100000">
+              <a:schemeClr val="phClr">
+                <a:shade val="63000"/>
+                <a:satMod val="120000"/>
+              </a:schemeClr>
+            </a:gs>
+          </a:gsLst>
+          <a:lin ang="5400000" scaled="0"/>
+        </a:gradFill>
+      </a:bgFillStyleLst>
+    </a:fmtScheme>
+  </a:themeElements>
+  <a:objectDefaults/>
+  <a:extraClrSchemeLst/>
+  <a:extLst>
+    <a:ext uri="{05A4C25C-085E-4340-85A3-A5531E510DB2}">
+      <thm15:themeFamily xmlns:thm15="http://schemas.microsoft.com/office/thememl/2012/main" name="Office Theme" id="{62F939B6-93AF-4DB8-9C6B-D6C7DFDC589F}" vid="{4A3C46E8-61CC-4603-A589-7422A47A8E4A}"/>
+    </a:ext>
+  </a:extLst>
+</a:theme>
 </file>
--- a/saxon.pptx
+++ b/saxon.pptx
@@ -6,7 +6,7 @@
     <p:sldMasterId id="2147483661" r:id="rId2"/>
   </p:sldMasterIdLst>
   <p:notesMasterIdLst>
-    <p:notesMasterId r:id="rId18"/>
+    <p:notesMasterId r:id="rId21"/>
   </p:notesMasterIdLst>
   <p:sldIdLst>
     <p:sldId id="256" r:id="rId3"/>
@@ -23,7 +23,10 @@
     <p:sldId id="289" r:id="rId14"/>
     <p:sldId id="287" r:id="rId15"/>
     <p:sldId id="291" r:id="rId16"/>
-    <p:sldId id="259" r:id="rId17"/>
+    <p:sldId id="292" r:id="rId17"/>
+    <p:sldId id="294" r:id="rId18"/>
+    <p:sldId id="293" r:id="rId19"/>
+    <p:sldId id="259" r:id="rId20"/>
   </p:sldIdLst>
   <p:sldSz cx="9144000" cy="6858000" type="screen4x3"/>
   <p:notesSz cx="6858000" cy="9144000"/>
@@ -10674,6 +10677,759 @@
 </file>
 
 <file path=ppt/slides/slide15.xml><?xml version="1.0" encoding="utf-8"?>
+<p:sld xmlns:a="http://schemas.openxmlformats.org/drawingml/2006/main" xmlns:r="http://schemas.openxmlformats.org/officeDocument/2006/relationships" xmlns:p="http://schemas.openxmlformats.org/presentationml/2006/main">
+  <p:cSld>
+    <p:spTree>
+      <p:nvGrpSpPr>
+        <p:cNvPr id="1" name=""/>
+        <p:cNvGrpSpPr/>
+        <p:nvPr/>
+      </p:nvGrpSpPr>
+      <p:grpSpPr>
+        <a:xfrm>
+          <a:off x="0" y="0"/>
+          <a:ext cx="0" cy="0"/>
+          <a:chOff x="0" y="0"/>
+          <a:chExt cx="0" cy="0"/>
+        </a:xfrm>
+      </p:grpSpPr>
+      <p:sp>
+        <p:nvSpPr>
+          <p:cNvPr id="5" name="正方形/長方形 4">
+            <a:extLst>
+              <a:ext uri="{FF2B5EF4-FFF2-40B4-BE49-F238E27FC236}">
+                <a16:creationId xmlns="" xmlns:a16="http://schemas.microsoft.com/office/drawing/2014/main" id="{24BDBAAB-565F-544E-8F79-2E06B1AC400F}"/>
+              </a:ext>
+            </a:extLst>
+          </p:cNvPr>
+          <p:cNvSpPr/>
+          <p:nvPr/>
+        </p:nvSpPr>
+        <p:spPr>
+          <a:xfrm>
+            <a:off x="0" y="2924944"/>
+            <a:ext cx="9144000" cy="936104"/>
+          </a:xfrm>
+          <a:prstGeom prst="rect">
+            <a:avLst/>
+          </a:prstGeom>
+          <a:solidFill>
+            <a:srgbClr val="ABD2E1">
+              <a:alpha val="60000"/>
+            </a:srgbClr>
+          </a:solidFill>
+          <a:ln>
+            <a:noFill/>
+          </a:ln>
+        </p:spPr>
+        <p:style>
+          <a:lnRef idx="2">
+            <a:schemeClr val="accent1">
+              <a:shade val="50000"/>
+            </a:schemeClr>
+          </a:lnRef>
+          <a:fillRef idx="1">
+            <a:schemeClr val="accent1"/>
+          </a:fillRef>
+          <a:effectRef idx="0">
+            <a:schemeClr val="accent1"/>
+          </a:effectRef>
+          <a:fontRef idx="minor">
+            <a:schemeClr val="lt1"/>
+          </a:fontRef>
+        </p:style>
+        <p:txBody>
+          <a:bodyPr rtlCol="0" anchor="ctr"/>
+          <a:lstStyle/>
+          <a:p>
+            <a:pPr algn="ctr"/>
+            <a:endParaRPr kumimoji="1" lang="ja-JP" altLang="en-US"/>
+          </a:p>
+        </p:txBody>
+      </p:sp>
+      <p:sp>
+        <p:nvSpPr>
+          <p:cNvPr id="3" name="コンテンツ プレースホルダー 2">
+            <a:extLst>
+              <a:ext uri="{FF2B5EF4-FFF2-40B4-BE49-F238E27FC236}">
+                <a16:creationId xmlns="" xmlns:a16="http://schemas.microsoft.com/office/drawing/2014/main" id="{57201CEF-5B54-EC41-97DF-2A5FDA9A8199}"/>
+              </a:ext>
+            </a:extLst>
+          </p:cNvPr>
+          <p:cNvSpPr>
+            <a:spLocks noGrp="1"/>
+          </p:cNvSpPr>
+          <p:nvPr>
+            <p:ph idx="1"/>
+          </p:nvPr>
+        </p:nvSpPr>
+        <p:spPr>
+          <a:xfrm>
+            <a:off x="467544" y="2910644"/>
+            <a:ext cx="8208912" cy="964703"/>
+          </a:xfrm>
+        </p:spPr>
+        <p:txBody>
+          <a:bodyPr/>
+          <a:lstStyle/>
+          <a:p>
+            <a:pPr algn="ctr"/>
+            <a:r>
+              <a:rPr kumimoji="1" lang="en-US" altLang="ja-JP" sz="4800" dirty="0" smtClean="0">
+                <a:latin typeface="+mj-lt"/>
+              </a:rPr>
+              <a:t>Stationary Pestle</a:t>
+            </a:r>
+          </a:p>
+        </p:txBody>
+      </p:sp>
+    </p:spTree>
+    <p:extLst>
+      <p:ext uri="{BB962C8B-B14F-4D97-AF65-F5344CB8AC3E}">
+        <p14:creationId xmlns:p14="http://schemas.microsoft.com/office/powerpoint/2010/main" val="3705813082"/>
+      </p:ext>
+    </p:extLst>
+  </p:cSld>
+  <p:clrMapOvr>
+    <a:masterClrMapping/>
+  </p:clrMapOvr>
+  <p:timing>
+    <p:tnLst>
+      <p:par>
+        <p:cTn id="1" dur="indefinite" restart="never" nodeType="tmRoot"/>
+      </p:par>
+    </p:tnLst>
+  </p:timing>
+</p:sld>
+</file>
+
+<file path=ppt/slides/slide16.xml><?xml version="1.0" encoding="utf-8"?>
+<p:sld xmlns:a="http://schemas.openxmlformats.org/drawingml/2006/main" xmlns:r="http://schemas.openxmlformats.org/officeDocument/2006/relationships" xmlns:p="http://schemas.openxmlformats.org/presentationml/2006/main">
+  <p:cSld>
+    <p:spTree>
+      <p:nvGrpSpPr>
+        <p:cNvPr id="1" name=""/>
+        <p:cNvGrpSpPr/>
+        <p:nvPr/>
+      </p:nvGrpSpPr>
+      <p:grpSpPr>
+        <a:xfrm>
+          <a:off x="0" y="0"/>
+          <a:ext cx="0" cy="0"/>
+          <a:chOff x="0" y="0"/>
+          <a:chExt cx="0" cy="0"/>
+        </a:xfrm>
+      </p:grpSpPr>
+      <p:sp>
+        <p:nvSpPr>
+          <p:cNvPr id="4" name="Title 3"/>
+          <p:cNvSpPr>
+            <a:spLocks noGrp="1"/>
+          </p:cNvSpPr>
+          <p:nvPr>
+            <p:ph type="title"/>
+          </p:nvPr>
+        </p:nvSpPr>
+        <p:spPr/>
+        <p:txBody>
+          <a:bodyPr/>
+          <a:lstStyle/>
+          <a:p>
+            <a:r>
+              <a:rPr lang="en-US" altLang="ko-KR" dirty="0"/>
+              <a:t>Comparison, Suction velocity</a:t>
+            </a:r>
+            <a:endParaRPr lang="ko-KR" altLang="en-US" dirty="0"/>
+          </a:p>
+        </p:txBody>
+      </p:sp>
+      <p:sp>
+        <p:nvSpPr>
+          <p:cNvPr id="2" name="正方形/長方形 1"/>
+          <p:cNvSpPr/>
+          <p:nvPr/>
+        </p:nvSpPr>
+        <p:spPr>
+          <a:xfrm>
+            <a:off x="0" y="1086292"/>
+            <a:ext cx="9144000" cy="36000"/>
+          </a:xfrm>
+          <a:prstGeom prst="rect">
+            <a:avLst/>
+          </a:prstGeom>
+          <a:solidFill>
+            <a:srgbClr val="99DABA"/>
+          </a:solidFill>
+          <a:ln>
+            <a:noFill/>
+          </a:ln>
+        </p:spPr>
+        <p:style>
+          <a:lnRef idx="2">
+            <a:schemeClr val="accent1">
+              <a:shade val="50000"/>
+            </a:schemeClr>
+          </a:lnRef>
+          <a:fillRef idx="1">
+            <a:schemeClr val="accent1"/>
+          </a:fillRef>
+          <a:effectRef idx="0">
+            <a:schemeClr val="accent1"/>
+          </a:effectRef>
+          <a:fontRef idx="minor">
+            <a:schemeClr val="lt1"/>
+          </a:fontRef>
+        </p:style>
+        <p:txBody>
+          <a:bodyPr rtlCol="0" anchor="ctr"/>
+          <a:lstStyle/>
+          <a:p>
+            <a:pPr algn="ctr"/>
+            <a:endParaRPr kumimoji="1" lang="ja-JP" altLang="en-US"/>
+          </a:p>
+        </p:txBody>
+      </p:sp>
+      <p:sp>
+        <p:nvSpPr>
+          <p:cNvPr id="13" name="テキスト ボックス 12"/>
+          <p:cNvSpPr txBox="1"/>
+          <p:nvPr/>
+        </p:nvSpPr>
+        <p:spPr>
+          <a:xfrm>
+            <a:off x="4788024" y="6075769"/>
+            <a:ext cx="2802666" cy="369332"/>
+          </a:xfrm>
+          <a:prstGeom prst="rect">
+            <a:avLst/>
+          </a:prstGeom>
+          <a:noFill/>
+        </p:spPr>
+        <p:txBody>
+          <a:bodyPr wrap="square" rtlCol="0">
+            <a:spAutoFit/>
+          </a:bodyPr>
+          <a:lstStyle/>
+          <a:p>
+            <a:pPr algn="ctr"/>
+            <a:r>
+              <a:rPr kumimoji="1" lang="en-US" altLang="ja-JP" dirty="0" smtClean="0"/>
+              <a:t>Stationary</a:t>
+            </a:r>
+          </a:p>
+        </p:txBody>
+      </p:sp>
+      <p:sp>
+        <p:nvSpPr>
+          <p:cNvPr id="14" name="テキスト ボックス 13"/>
+          <p:cNvSpPr txBox="1"/>
+          <p:nvPr/>
+        </p:nvSpPr>
+        <p:spPr>
+          <a:xfrm>
+            <a:off x="1985358" y="6075769"/>
+            <a:ext cx="2802666" cy="369332"/>
+          </a:xfrm>
+          <a:prstGeom prst="rect">
+            <a:avLst/>
+          </a:prstGeom>
+          <a:noFill/>
+        </p:spPr>
+        <p:txBody>
+          <a:bodyPr wrap="square" rtlCol="0">
+            <a:spAutoFit/>
+          </a:bodyPr>
+          <a:lstStyle/>
+          <a:p>
+            <a:pPr algn="ctr"/>
+            <a:r>
+              <a:rPr kumimoji="1" lang="en-US" altLang="ja-JP" dirty="0" smtClean="0"/>
+              <a:t>300 </a:t>
+            </a:r>
+            <a:r>
+              <a:rPr kumimoji="1" lang="en-US" altLang="ja-JP" dirty="0"/>
+              <a:t>[mm/s]</a:t>
+            </a:r>
+            <a:endParaRPr kumimoji="1" lang="ja-JP" altLang="en-US" dirty="0"/>
+          </a:p>
+        </p:txBody>
+      </p:sp>
+      <p:sp>
+        <p:nvSpPr>
+          <p:cNvPr id="8" name="テキスト ボックス 7">
+            <a:extLst>
+              <a:ext uri="{FF2B5EF4-FFF2-40B4-BE49-F238E27FC236}">
+                <a16:creationId xmlns="" xmlns:a16="http://schemas.microsoft.com/office/drawing/2014/main" id="{093C528F-2820-7842-B097-0CEA13538469}"/>
+              </a:ext>
+            </a:extLst>
+          </p:cNvPr>
+          <p:cNvSpPr txBox="1"/>
+          <p:nvPr/>
+        </p:nvSpPr>
+        <p:spPr>
+          <a:xfrm>
+            <a:off x="251520" y="1340768"/>
+            <a:ext cx="4752528" cy="369332"/>
+          </a:xfrm>
+          <a:prstGeom prst="rect">
+            <a:avLst/>
+          </a:prstGeom>
+          <a:noFill/>
+        </p:spPr>
+        <p:txBody>
+          <a:bodyPr wrap="square" rtlCol="0">
+            <a:spAutoFit/>
+          </a:bodyPr>
+          <a:lstStyle/>
+          <a:p>
+            <a:r>
+              <a:rPr kumimoji="1" lang="en-US" altLang="ja-JP" dirty="0" smtClean="0"/>
+              <a:t>Color</a:t>
+            </a:r>
+            <a:endParaRPr kumimoji="1" lang="en-US" altLang="ja-JP" dirty="0"/>
+          </a:p>
+        </p:txBody>
+      </p:sp>
+      <p:pic>
+        <p:nvPicPr>
+          <p:cNvPr id="5" name="stationary_compare_withCFD3">
+            <a:hlinkClick r:id="" action="ppaction://media"/>
+          </p:cNvPr>
+          <p:cNvPicPr>
+            <a:picLocks noChangeAspect="1"/>
+          </p:cNvPicPr>
+          <p:nvPr>
+            <a:videoFile r:link="rId2"/>
+            <p:extLst>
+              <p:ext uri="{DAA4B4D4-6D71-4841-9C94-3DE7FCFB9230}">
+                <p14:media xmlns:p14="http://schemas.microsoft.com/office/powerpoint/2010/main" r:embed="rId1"/>
+              </p:ext>
+            </p:extLst>
+          </p:nvPr>
+        </p:nvPicPr>
+        <p:blipFill>
+          <a:blip r:embed="rId4"/>
+          <a:stretch>
+            <a:fillRect/>
+          </a:stretch>
+        </p:blipFill>
+        <p:spPr>
+          <a:xfrm>
+            <a:off x="1511660" y="1738867"/>
+            <a:ext cx="6120680" cy="4213281"/>
+          </a:xfrm>
+          <a:prstGeom prst="rect">
+            <a:avLst/>
+          </a:prstGeom>
+        </p:spPr>
+      </p:pic>
+    </p:spTree>
+    <p:extLst>
+      <p:ext uri="{BB962C8B-B14F-4D97-AF65-F5344CB8AC3E}">
+        <p14:creationId xmlns:p14="http://schemas.microsoft.com/office/powerpoint/2010/main" val="1511402590"/>
+      </p:ext>
+    </p:extLst>
+  </p:cSld>
+  <p:clrMapOvr>
+    <a:masterClrMapping/>
+  </p:clrMapOvr>
+  <p:timing>
+    <p:tnLst>
+      <p:par>
+        <p:cTn id="1" dur="indefinite" restart="never" nodeType="tmRoot">
+          <p:childTnLst>
+            <p:seq concurrent="1" nextAc="seek">
+              <p:cTn id="2" restart="whenNotActive" fill="hold" evtFilter="cancelBubble" nodeType="interactiveSeq">
+                <p:stCondLst>
+                  <p:cond evt="onClick" delay="0">
+                    <p:tgtEl>
+                      <p:spTgt spid="5"/>
+                    </p:tgtEl>
+                  </p:cond>
+                </p:stCondLst>
+                <p:endSync evt="end" delay="0">
+                  <p:rtn val="all"/>
+                </p:endSync>
+                <p:childTnLst>
+                  <p:par>
+                    <p:cTn id="3" fill="hold">
+                      <p:stCondLst>
+                        <p:cond delay="0"/>
+                      </p:stCondLst>
+                      <p:childTnLst>
+                        <p:par>
+                          <p:cTn id="4" fill="hold">
+                            <p:stCondLst>
+                              <p:cond delay="0"/>
+                            </p:stCondLst>
+                            <p:childTnLst>
+                              <p:par>
+                                <p:cTn id="5" presetID="2" presetClass="mediacall" presetSubtype="0" fill="hold" nodeType="clickEffect">
+                                  <p:stCondLst>
+                                    <p:cond delay="0"/>
+                                  </p:stCondLst>
+                                  <p:childTnLst>
+                                    <p:cmd type="call" cmd="togglePause">
+                                      <p:cBhvr>
+                                        <p:cTn id="6" dur="1" fill="hold"/>
+                                        <p:tgtEl>
+                                          <p:spTgt spid="5"/>
+                                        </p:tgtEl>
+                                      </p:cBhvr>
+                                    </p:cmd>
+                                  </p:childTnLst>
+                                </p:cTn>
+                              </p:par>
+                            </p:childTnLst>
+                          </p:cTn>
+                        </p:par>
+                      </p:childTnLst>
+                    </p:cTn>
+                  </p:par>
+                </p:childTnLst>
+              </p:cTn>
+              <p:nextCondLst>
+                <p:cond evt="onClick" delay="0">
+                  <p:tgtEl>
+                    <p:spTgt spid="5"/>
+                  </p:tgtEl>
+                </p:cond>
+              </p:nextCondLst>
+            </p:seq>
+            <p:video>
+              <p:cMediaNode vol="80000">
+                <p:cTn id="7" fill="hold" display="0">
+                  <p:stCondLst>
+                    <p:cond delay="indefinite"/>
+                  </p:stCondLst>
+                </p:cTn>
+                <p:tgtEl>
+                  <p:spTgt spid="5"/>
+                </p:tgtEl>
+              </p:cMediaNode>
+            </p:video>
+          </p:childTnLst>
+        </p:cTn>
+      </p:par>
+    </p:tnLst>
+  </p:timing>
+</p:sld>
+</file>
+
+<file path=ppt/slides/slide17.xml><?xml version="1.0" encoding="utf-8"?>
+<p:sld xmlns:a="http://schemas.openxmlformats.org/drawingml/2006/main" xmlns:r="http://schemas.openxmlformats.org/officeDocument/2006/relationships" xmlns:p="http://schemas.openxmlformats.org/presentationml/2006/main">
+  <p:cSld>
+    <p:spTree>
+      <p:nvGrpSpPr>
+        <p:cNvPr id="1" name=""/>
+        <p:cNvGrpSpPr/>
+        <p:nvPr/>
+      </p:nvGrpSpPr>
+      <p:grpSpPr>
+        <a:xfrm>
+          <a:off x="0" y="0"/>
+          <a:ext cx="0" cy="0"/>
+          <a:chOff x="0" y="0"/>
+          <a:chExt cx="0" cy="0"/>
+        </a:xfrm>
+      </p:grpSpPr>
+      <p:sp>
+        <p:nvSpPr>
+          <p:cNvPr id="4" name="Title 3"/>
+          <p:cNvSpPr>
+            <a:spLocks noGrp="1"/>
+          </p:cNvSpPr>
+          <p:nvPr>
+            <p:ph type="title"/>
+          </p:nvPr>
+        </p:nvSpPr>
+        <p:spPr/>
+        <p:txBody>
+          <a:bodyPr/>
+          <a:lstStyle/>
+          <a:p>
+            <a:r>
+              <a:rPr lang="en-US" altLang="ko-KR" dirty="0"/>
+              <a:t>Comparison, Suction velocity</a:t>
+            </a:r>
+            <a:endParaRPr lang="ko-KR" altLang="en-US" dirty="0"/>
+          </a:p>
+        </p:txBody>
+      </p:sp>
+      <p:sp>
+        <p:nvSpPr>
+          <p:cNvPr id="2" name="正方形/長方形 1"/>
+          <p:cNvSpPr/>
+          <p:nvPr/>
+        </p:nvSpPr>
+        <p:spPr>
+          <a:xfrm>
+            <a:off x="0" y="1086292"/>
+            <a:ext cx="9144000" cy="36000"/>
+          </a:xfrm>
+          <a:prstGeom prst="rect">
+            <a:avLst/>
+          </a:prstGeom>
+          <a:solidFill>
+            <a:srgbClr val="99DABA"/>
+          </a:solidFill>
+          <a:ln>
+            <a:noFill/>
+          </a:ln>
+        </p:spPr>
+        <p:style>
+          <a:lnRef idx="2">
+            <a:schemeClr val="accent1">
+              <a:shade val="50000"/>
+            </a:schemeClr>
+          </a:lnRef>
+          <a:fillRef idx="1">
+            <a:schemeClr val="accent1"/>
+          </a:fillRef>
+          <a:effectRef idx="0">
+            <a:schemeClr val="accent1"/>
+          </a:effectRef>
+          <a:fontRef idx="minor">
+            <a:schemeClr val="lt1"/>
+          </a:fontRef>
+        </p:style>
+        <p:txBody>
+          <a:bodyPr rtlCol="0" anchor="ctr"/>
+          <a:lstStyle/>
+          <a:p>
+            <a:pPr algn="ctr"/>
+            <a:endParaRPr kumimoji="1" lang="ja-JP" altLang="en-US"/>
+          </a:p>
+        </p:txBody>
+      </p:sp>
+      <p:sp>
+        <p:nvSpPr>
+          <p:cNvPr id="13" name="テキスト ボックス 12"/>
+          <p:cNvSpPr txBox="1"/>
+          <p:nvPr/>
+        </p:nvSpPr>
+        <p:spPr>
+          <a:xfrm>
+            <a:off x="4788024" y="6075769"/>
+            <a:ext cx="2802666" cy="369332"/>
+          </a:xfrm>
+          <a:prstGeom prst="rect">
+            <a:avLst/>
+          </a:prstGeom>
+          <a:noFill/>
+        </p:spPr>
+        <p:txBody>
+          <a:bodyPr wrap="square" rtlCol="0">
+            <a:spAutoFit/>
+          </a:bodyPr>
+          <a:lstStyle/>
+          <a:p>
+            <a:pPr algn="ctr"/>
+            <a:r>
+              <a:rPr kumimoji="1" lang="en-US" altLang="ja-JP" dirty="0" smtClean="0"/>
+              <a:t>Stationary</a:t>
+            </a:r>
+          </a:p>
+        </p:txBody>
+      </p:sp>
+      <p:sp>
+        <p:nvSpPr>
+          <p:cNvPr id="14" name="テキスト ボックス 13"/>
+          <p:cNvSpPr txBox="1"/>
+          <p:nvPr/>
+        </p:nvSpPr>
+        <p:spPr>
+          <a:xfrm>
+            <a:off x="1985358" y="6075769"/>
+            <a:ext cx="2802666" cy="369332"/>
+          </a:xfrm>
+          <a:prstGeom prst="rect">
+            <a:avLst/>
+          </a:prstGeom>
+          <a:noFill/>
+        </p:spPr>
+        <p:txBody>
+          <a:bodyPr wrap="square" rtlCol="0">
+            <a:spAutoFit/>
+          </a:bodyPr>
+          <a:lstStyle/>
+          <a:p>
+            <a:pPr algn="ctr"/>
+            <a:r>
+              <a:rPr kumimoji="1" lang="en-US" altLang="ja-JP" dirty="0" smtClean="0"/>
+              <a:t>300 </a:t>
+            </a:r>
+            <a:r>
+              <a:rPr kumimoji="1" lang="en-US" altLang="ja-JP" dirty="0"/>
+              <a:t>[mm/s]</a:t>
+            </a:r>
+            <a:endParaRPr kumimoji="1" lang="ja-JP" altLang="en-US" dirty="0"/>
+          </a:p>
+        </p:txBody>
+      </p:sp>
+      <p:sp>
+        <p:nvSpPr>
+          <p:cNvPr id="8" name="テキスト ボックス 7">
+            <a:extLst>
+              <a:ext uri="{FF2B5EF4-FFF2-40B4-BE49-F238E27FC236}">
+                <a16:creationId xmlns="" xmlns:a16="http://schemas.microsoft.com/office/drawing/2014/main" id="{093C528F-2820-7842-B097-0CEA13538469}"/>
+              </a:ext>
+            </a:extLst>
+          </p:cNvPr>
+          <p:cNvSpPr txBox="1"/>
+          <p:nvPr/>
+        </p:nvSpPr>
+        <p:spPr>
+          <a:xfrm>
+            <a:off x="251520" y="1340768"/>
+            <a:ext cx="4752528" cy="369332"/>
+          </a:xfrm>
+          <a:prstGeom prst="rect">
+            <a:avLst/>
+          </a:prstGeom>
+          <a:noFill/>
+        </p:spPr>
+        <p:txBody>
+          <a:bodyPr wrap="square" rtlCol="0">
+            <a:spAutoFit/>
+          </a:bodyPr>
+          <a:lstStyle/>
+          <a:p>
+            <a:r>
+              <a:rPr kumimoji="1" lang="en-US" altLang="ja-JP" dirty="0" smtClean="0"/>
+              <a:t>Epsilon</a:t>
+            </a:r>
+            <a:endParaRPr kumimoji="1" lang="en-US" altLang="ja-JP" dirty="0"/>
+          </a:p>
+        </p:txBody>
+      </p:sp>
+      <p:pic>
+        <p:nvPicPr>
+          <p:cNvPr id="6" name="stationary_compare_WithCFD3_epsilon">
+            <a:hlinkClick r:id="" action="ppaction://media"/>
+          </p:cNvPr>
+          <p:cNvPicPr>
+            <a:picLocks noChangeAspect="1"/>
+          </p:cNvPicPr>
+          <p:nvPr>
+            <a:videoFile r:link="rId2"/>
+            <p:extLst>
+              <p:ext uri="{DAA4B4D4-6D71-4841-9C94-3DE7FCFB9230}">
+                <p14:media xmlns:p14="http://schemas.microsoft.com/office/powerpoint/2010/main" r:embed="rId1"/>
+              </p:ext>
+            </p:extLst>
+          </p:nvPr>
+        </p:nvPicPr>
+        <p:blipFill>
+          <a:blip r:embed="rId4"/>
+          <a:stretch>
+            <a:fillRect/>
+          </a:stretch>
+        </p:blipFill>
+        <p:spPr>
+          <a:xfrm>
+            <a:off x="1534045" y="1710100"/>
+            <a:ext cx="6115410" cy="4209653"/>
+          </a:xfrm>
+          <a:prstGeom prst="rect">
+            <a:avLst/>
+          </a:prstGeom>
+        </p:spPr>
+      </p:pic>
+    </p:spTree>
+    <p:extLst>
+      <p:ext uri="{BB962C8B-B14F-4D97-AF65-F5344CB8AC3E}">
+        <p14:creationId xmlns:p14="http://schemas.microsoft.com/office/powerpoint/2010/main" val="4058643413"/>
+      </p:ext>
+    </p:extLst>
+  </p:cSld>
+  <p:clrMapOvr>
+    <a:masterClrMapping/>
+  </p:clrMapOvr>
+  <p:timing>
+    <p:tnLst>
+      <p:par>
+        <p:cTn id="1" dur="indefinite" restart="never" nodeType="tmRoot">
+          <p:childTnLst>
+            <p:seq concurrent="1" nextAc="seek">
+              <p:cTn id="2" restart="whenNotActive" fill="hold" evtFilter="cancelBubble" nodeType="interactiveSeq">
+                <p:stCondLst>
+                  <p:cond evt="onClick" delay="0">
+                    <p:tgtEl>
+                      <p:spTgt spid="6"/>
+                    </p:tgtEl>
+                  </p:cond>
+                </p:stCondLst>
+                <p:endSync evt="end" delay="0">
+                  <p:rtn val="all"/>
+                </p:endSync>
+                <p:childTnLst>
+                  <p:par>
+                    <p:cTn id="3" fill="hold">
+                      <p:stCondLst>
+                        <p:cond delay="0"/>
+                      </p:stCondLst>
+                      <p:childTnLst>
+                        <p:par>
+                          <p:cTn id="4" fill="hold">
+                            <p:stCondLst>
+                              <p:cond delay="0"/>
+                            </p:stCondLst>
+                            <p:childTnLst>
+                              <p:par>
+                                <p:cTn id="5" presetID="2" presetClass="mediacall" presetSubtype="0" fill="hold" nodeType="clickEffect">
+                                  <p:stCondLst>
+                                    <p:cond delay="0"/>
+                                  </p:stCondLst>
+                                  <p:childTnLst>
+                                    <p:cmd type="call" cmd="togglePause">
+                                      <p:cBhvr>
+                                        <p:cTn id="6" dur="1" fill="hold"/>
+                                        <p:tgtEl>
+                                          <p:spTgt spid="6"/>
+                                        </p:tgtEl>
+                                      </p:cBhvr>
+                                    </p:cmd>
+                                  </p:childTnLst>
+                                </p:cTn>
+                              </p:par>
+                            </p:childTnLst>
+                          </p:cTn>
+                        </p:par>
+                      </p:childTnLst>
+                    </p:cTn>
+                  </p:par>
+                </p:childTnLst>
+              </p:cTn>
+              <p:nextCondLst>
+                <p:cond evt="onClick" delay="0">
+                  <p:tgtEl>
+                    <p:spTgt spid="6"/>
+                  </p:tgtEl>
+                </p:cond>
+              </p:nextCondLst>
+            </p:seq>
+            <p:video>
+              <p:cMediaNode vol="80000">
+                <p:cTn id="7" fill="hold" display="0">
+                  <p:stCondLst>
+                    <p:cond delay="indefinite"/>
+                  </p:stCondLst>
+                </p:cTn>
+                <p:tgtEl>
+                  <p:spTgt spid="6"/>
+                </p:tgtEl>
+              </p:cMediaNode>
+            </p:video>
+          </p:childTnLst>
+        </p:cTn>
+      </p:par>
+    </p:tnLst>
+  </p:timing>
+</p:sld>
+</file>
+
+<file path=ppt/slides/slide18.xml><?xml version="1.0" encoding="utf-8"?>
 <p:sld xmlns:a="http://schemas.openxmlformats.org/drawingml/2006/main" xmlns:r="http://schemas.openxmlformats.org/officeDocument/2006/relationships" xmlns:p="http://schemas.openxmlformats.org/presentationml/2006/main" show="0">
   <p:cSld>
     <p:spTree>
@@ -14901,8 +15657,8 @@
           <a:lstStyle/>
           <a:p>
             <a:r>
-              <a:rPr kumimoji="1" lang="en-US" altLang="ja-JP" dirty="0"/>
-              <a:t>CFD</a:t>
+              <a:rPr kumimoji="1" lang="en-US" altLang="ja-JP" dirty="0" smtClean="0"/>
+              <a:t>Color</a:t>
             </a:r>
           </a:p>
         </p:txBody>
@@ -15148,10 +15904,9 @@
           <a:lstStyle/>
           <a:p>
             <a:r>
-              <a:rPr kumimoji="1" lang="en-US" altLang="ja-JP" dirty="0" err="1" smtClean="0"/>
-              <a:t>CFD_epsilon</a:t>
-            </a:r>
-            <a:endParaRPr kumimoji="1" lang="en-US" altLang="ja-JP" dirty="0" smtClean="0"/>
+              <a:rPr kumimoji="1" lang="en-US" altLang="ja-JP" dirty="0" smtClean="0"/>
+              <a:t>Epsilon</a:t>
+            </a:r>
           </a:p>
         </p:txBody>
       </p:sp>

--- a/saxon.pptx
+++ b/saxon.pptx
@@ -6,7 +6,7 @@
     <p:sldMasterId id="2147483661" r:id="rId2"/>
   </p:sldMasterIdLst>
   <p:notesMasterIdLst>
-    <p:notesMasterId r:id="rId21"/>
+    <p:notesMasterId r:id="rId20"/>
   </p:notesMasterIdLst>
   <p:sldIdLst>
     <p:sldId id="256" r:id="rId3"/>
@@ -26,7 +26,6 @@
     <p:sldId id="292" r:id="rId17"/>
     <p:sldId id="294" r:id="rId18"/>
     <p:sldId id="293" r:id="rId19"/>
-    <p:sldId id="259" r:id="rId20"/>
   </p:sldIdLst>
   <p:sldSz cx="9144000" cy="6858000" type="screen4x3"/>
   <p:notesSz cx="6858000" cy="9144000"/>
@@ -8712,7 +8711,7 @@
           <p:nvPr>
             <p:extLst>
               <p:ext uri="{D42A27DB-BD31-4B8C-83A1-F6EECF244321}">
-                <p14:modId xmlns:p14="http://schemas.microsoft.com/office/powerpoint/2010/main" val="982749339"/>
+                <p14:modId xmlns:p14="http://schemas.microsoft.com/office/powerpoint/2010/main" val="3815377163"/>
               </p:ext>
             </p:extLst>
           </p:nvPr>
@@ -8978,7 +8977,7 @@
                           <a:latin typeface="+mn-lt"/>
                           <a:ea typeface="ＭＳ Ｐゴシック" panose="020B0600070205080204" pitchFamily="50" charset="-128"/>
                         </a:rPr>
-                        <a:t>0.14163</a:t>
+                        <a:t>14.16298</a:t>
                       </a:r>
                     </a:p>
                   </a:txBody>
@@ -9036,7 +9035,7 @@
                           <a:latin typeface="+mn-lt"/>
                           <a:ea typeface="ＭＳ Ｐゴシック" panose="020B0600070205080204" pitchFamily="50" charset="-128"/>
                         </a:rPr>
-                        <a:t>0.155742</a:t>
+                        <a:t>15.57424</a:t>
                       </a:r>
                     </a:p>
                   </a:txBody>
@@ -9094,7 +9093,7 @@
                           <a:latin typeface="+mn-lt"/>
                           <a:ea typeface="ＭＳ Ｐゴシック" panose="020B0600070205080204" pitchFamily="50" charset="-128"/>
                         </a:rPr>
-                        <a:t>0.165287</a:t>
+                        <a:t>16.52866</a:t>
                       </a:r>
                     </a:p>
                   </a:txBody>
@@ -9283,7 +9282,7 @@
                           <a:latin typeface="+mn-lt"/>
                           <a:ea typeface="ＭＳ Ｐゴシック" panose="020B0600070205080204" pitchFamily="50" charset="-128"/>
                         </a:rPr>
-                        <a:t>0.158847</a:t>
+                        <a:t>15.88472</a:t>
                       </a:r>
                     </a:p>
                   </a:txBody>
@@ -9341,7 +9340,7 @@
                           <a:latin typeface="+mn-lt"/>
                           <a:ea typeface="ＭＳ Ｐゴシック" panose="020B0600070205080204" pitchFamily="50" charset="-128"/>
                         </a:rPr>
-                        <a:t>0.173823</a:t>
+                        <a:t>17.38232</a:t>
                       </a:r>
                     </a:p>
                   </a:txBody>
@@ -9399,7 +9398,7 @@
                           <a:latin typeface="+mn-lt"/>
                           <a:ea typeface="ＭＳ Ｐゴシック" panose="020B0600070205080204" pitchFamily="50" charset="-128"/>
                         </a:rPr>
-                        <a:t>0.181957</a:t>
+                        <a:t>18.19573</a:t>
                       </a:r>
                     </a:p>
                   </a:txBody>
@@ -9588,7 +9587,7 @@
                           <a:latin typeface="+mn-lt"/>
                           <a:ea typeface="ＭＳ Ｐゴシック" panose="020B0600070205080204" pitchFamily="50" charset="-128"/>
                         </a:rPr>
-                        <a:t>0.202394</a:t>
+                        <a:t>20.23937</a:t>
                       </a:r>
                     </a:p>
                   </a:txBody>
@@ -9646,7 +9645,7 @@
                           <a:latin typeface="+mn-lt"/>
                           <a:ea typeface="ＭＳ Ｐゴシック" panose="020B0600070205080204" pitchFamily="50" charset="-128"/>
                         </a:rPr>
-                        <a:t>0.209432</a:t>
+                        <a:t>20.94322</a:t>
                       </a:r>
                     </a:p>
                   </a:txBody>
@@ -9704,7 +9703,7 @@
                           <a:latin typeface="+mn-lt"/>
                           <a:ea typeface="ＭＳ Ｐゴシック" panose="020B0600070205080204" pitchFamily="50" charset="-128"/>
                         </a:rPr>
-                        <a:t>0.211334</a:t>
+                        <a:t>21.13344</a:t>
                       </a:r>
                     </a:p>
                   </a:txBody>
@@ -9893,7 +9892,7 @@
                           <a:latin typeface="+mn-lt"/>
                           <a:ea typeface="ＭＳ Ｐゴシック" panose="020B0600070205080204" pitchFamily="50" charset="-128"/>
                         </a:rPr>
-                        <a:t>0.233648</a:t>
+                        <a:t>23.36481</a:t>
                       </a:r>
                     </a:p>
                   </a:txBody>
@@ -9951,7 +9950,7 @@
                           <a:latin typeface="+mn-lt"/>
                           <a:ea typeface="ＭＳ Ｐゴシック" panose="020B0600070205080204" pitchFamily="50" charset="-128"/>
                         </a:rPr>
-                        <a:t>0.229482</a:t>
+                        <a:t>22.9482</a:t>
                       </a:r>
                     </a:p>
                   </a:txBody>
@@ -10009,7 +10008,7 @@
                           <a:latin typeface="+mn-lt"/>
                           <a:ea typeface="ＭＳ Ｐゴシック" panose="020B0600070205080204" pitchFamily="50" charset="-128"/>
                         </a:rPr>
-                        <a:t>0.221545</a:t>
+                        <a:t>22.1545</a:t>
                       </a:r>
                     </a:p>
                   </a:txBody>
@@ -10198,7 +10197,7 @@
                           <a:latin typeface="+mn-lt"/>
                           <a:ea typeface="ＭＳ Ｐゴシック" panose="020B0600070205080204" pitchFamily="50" charset="-128"/>
                         </a:rPr>
-                        <a:t>0.263481</a:t>
+                        <a:t>26.34812</a:t>
                       </a:r>
                     </a:p>
                   </a:txBody>
@@ -10256,7 +10255,7 @@
                           <a:latin typeface="+mn-lt"/>
                           <a:ea typeface="ＭＳ Ｐゴシック" panose="020B0600070205080204" pitchFamily="50" charset="-128"/>
                         </a:rPr>
-                        <a:t>0.23152</a:t>
+                        <a:t>23.15202</a:t>
                       </a:r>
                     </a:p>
                   </a:txBody>
@@ -10314,7 +10313,7 @@
                           <a:latin typeface="+mn-lt"/>
                           <a:ea typeface="ＭＳ Ｐゴシック" panose="020B0600070205080204" pitchFamily="50" charset="-128"/>
                         </a:rPr>
-                        <a:t>0.219877</a:t>
+                        <a:t>21.98766</a:t>
                       </a:r>
                     </a:p>
                   </a:txBody>
@@ -11426,179 +11425,6 @@
       </p:par>
     </p:tnLst>
   </p:timing>
-</p:sld>
-</file>
-
-<file path=ppt/slides/slide18.xml><?xml version="1.0" encoding="utf-8"?>
-<p:sld xmlns:a="http://schemas.openxmlformats.org/drawingml/2006/main" xmlns:r="http://schemas.openxmlformats.org/officeDocument/2006/relationships" xmlns:p="http://schemas.openxmlformats.org/presentationml/2006/main" show="0">
-  <p:cSld>
-    <p:spTree>
-      <p:nvGrpSpPr>
-        <p:cNvPr id="1" name=""/>
-        <p:cNvGrpSpPr/>
-        <p:nvPr/>
-      </p:nvGrpSpPr>
-      <p:grpSpPr>
-        <a:xfrm>
-          <a:off x="0" y="0"/>
-          <a:ext cx="0" cy="0"/>
-          <a:chOff x="0" y="0"/>
-          <a:chExt cx="0" cy="0"/>
-        </a:xfrm>
-      </p:grpSpPr>
-      <p:sp>
-        <p:nvSpPr>
-          <p:cNvPr id="4" name="Title 3"/>
-          <p:cNvSpPr>
-            <a:spLocks noGrp="1"/>
-          </p:cNvSpPr>
-          <p:nvPr>
-            <p:ph type="title"/>
-          </p:nvPr>
-        </p:nvSpPr>
-        <p:spPr/>
-        <p:txBody>
-          <a:bodyPr/>
-          <a:lstStyle/>
-          <a:p>
-            <a:r>
-              <a:rPr lang="en-US" altLang="ko-KR" dirty="0"/>
-              <a:t> Free PPT _ Click to add title</a:t>
-            </a:r>
-            <a:endParaRPr lang="ko-KR" altLang="en-US" dirty="0"/>
-          </a:p>
-        </p:txBody>
-      </p:sp>
-      <p:sp>
-        <p:nvSpPr>
-          <p:cNvPr id="12" name="Content Placeholder 11"/>
-          <p:cNvSpPr>
-            <a:spLocks noGrp="1"/>
-          </p:cNvSpPr>
-          <p:nvPr>
-            <p:ph idx="1"/>
-          </p:nvPr>
-        </p:nvSpPr>
-        <p:spPr/>
-        <p:txBody>
-          <a:bodyPr/>
-          <a:lstStyle/>
-          <a:p>
-            <a:pPr lvl="0"/>
-            <a:r>
-              <a:rPr lang="en-US" altLang="ko-KR" b="1" dirty="0"/>
-              <a:t>Click to edit Master text styles </a:t>
-            </a:r>
-            <a:r>
-              <a:rPr lang="en-US" b="1" dirty="0"/>
-              <a:t>- </a:t>
-            </a:r>
-            <a:r>
-              <a:rPr lang="en-US" altLang="ko-KR" b="1" dirty="0">
-                <a:latin typeface="Arial" pitchFamily="34" charset="0"/>
-                <a:cs typeface="Arial" pitchFamily="34" charset="0"/>
-              </a:rPr>
-              <a:t>Standard (4:3)</a:t>
-            </a:r>
-          </a:p>
-        </p:txBody>
-      </p:sp>
-      <p:sp>
-        <p:nvSpPr>
-          <p:cNvPr id="13" name="Content Placeholder 12"/>
-          <p:cNvSpPr>
-            <a:spLocks noGrp="1"/>
-          </p:cNvSpPr>
-          <p:nvPr>
-            <p:ph idx="10"/>
-          </p:nvPr>
-        </p:nvSpPr>
-        <p:spPr/>
-        <p:txBody>
-          <a:bodyPr/>
-          <a:lstStyle/>
-          <a:p>
-            <a:r>
-              <a:rPr lang="en-US" altLang="ko-KR" dirty="0">
-                <a:latin typeface="Arial" pitchFamily="34" charset="0"/>
-                <a:cs typeface="Arial" pitchFamily="34" charset="0"/>
-              </a:rPr>
-              <a:t>This PowerPoint Template has clean and neutral design that can be adapted to any content and meets various market segments. With this many slides you are able to make a complete PowerPoint Presentation that best suit your needs. </a:t>
-            </a:r>
-          </a:p>
-          <a:p>
-            <a:pPr>
-              <a:buFont typeface="Wingdings" pitchFamily="2" charset="2"/>
-              <a:buChar char="ü"/>
-            </a:pPr>
-            <a:endParaRPr lang="en-US" altLang="ko-KR" dirty="0">
-              <a:latin typeface="Arial" pitchFamily="34" charset="0"/>
-              <a:cs typeface="Arial" pitchFamily="34" charset="0"/>
-            </a:endParaRPr>
-          </a:p>
-          <a:p>
-            <a:r>
-              <a:rPr lang="en-US" altLang="ko-KR" dirty="0">
-                <a:latin typeface="Arial" pitchFamily="34" charset="0"/>
-                <a:cs typeface="Arial" pitchFamily="34" charset="0"/>
-              </a:rPr>
-              <a:t>This PowerPoint Template has clean and neutral design that can be adapted to any content and meets various market segments. With this many slides you are able to make a complete PowerPoint Presentation that best suit your needs.</a:t>
-            </a:r>
-          </a:p>
-          <a:p>
-            <a:endParaRPr lang="en-US" altLang="ko-KR" dirty="0">
-              <a:latin typeface="Arial" pitchFamily="34" charset="0"/>
-              <a:cs typeface="Arial" pitchFamily="34" charset="0"/>
-            </a:endParaRPr>
-          </a:p>
-          <a:p>
-            <a:r>
-              <a:rPr lang="en-US" altLang="ko-KR" dirty="0">
-                <a:latin typeface="Arial" pitchFamily="34" charset="0"/>
-                <a:cs typeface="Arial" pitchFamily="34" charset="0"/>
-              </a:rPr>
-              <a:t>This PowerPoint Template has clean and neutral design that can be adapted to any content and meets various market segments. With this many slides you are able to make a complete PowerPoint Presentation that best suit your needs. </a:t>
-            </a:r>
-          </a:p>
-          <a:p>
-            <a:endParaRPr lang="en-US" altLang="ko-KR" dirty="0">
-              <a:latin typeface="Arial" pitchFamily="34" charset="0"/>
-              <a:cs typeface="Arial" pitchFamily="34" charset="0"/>
-            </a:endParaRPr>
-          </a:p>
-          <a:p>
-            <a:r>
-              <a:rPr lang="en-US" altLang="ko-KR" dirty="0">
-                <a:latin typeface="Arial" pitchFamily="34" charset="0"/>
-                <a:cs typeface="Arial" pitchFamily="34" charset="0"/>
-              </a:rPr>
-              <a:t>This PowerPoint Template has clean and neutral design that can be adapted to any content and meets various market segments.</a:t>
-            </a:r>
-            <a:endParaRPr lang="ko-KR" altLang="en-US" dirty="0">
-              <a:latin typeface="Arial" pitchFamily="34" charset="0"/>
-              <a:cs typeface="Arial" pitchFamily="34" charset="0"/>
-            </a:endParaRPr>
-          </a:p>
-        </p:txBody>
-      </p:sp>
-    </p:spTree>
-    <p:extLst>
-      <p:ext uri="{BB962C8B-B14F-4D97-AF65-F5344CB8AC3E}">
-        <p14:creationId xmlns:p14="http://schemas.microsoft.com/office/powerpoint/2010/main" val="3659674305"/>
-      </p:ext>
-    </p:extLst>
-  </p:cSld>
-  <p:clrMapOvr>
-    <a:masterClrMapping/>
-  </p:clrMapOvr>
-  <mc:AlternateContent xmlns:mc="http://schemas.openxmlformats.org/markup-compatibility/2006" xmlns:p14="http://schemas.microsoft.com/office/powerpoint/2010/main">
-    <mc:Choice Requires="p14">
-      <p:transition spd="slow" p14:dur="2000"/>
-    </mc:Choice>
-    <mc:Fallback xmlns="">
-      <p:transition spd="slow"/>
-    </mc:Fallback>
-  </mc:AlternateContent>
 </p:sld>
 </file>
 

--- a/saxon.pptx
+++ b/saxon.pptx
@@ -7650,8 +7650,17 @@
             <a:pPr algn="ctr"/>
             <a:r>
               <a:rPr kumimoji="1" lang="en-US" altLang="ja-JP" u="sng" dirty="0" smtClean="0"/>
-              <a:t>Particle number</a:t>
-            </a:r>
+              <a:t>Number of </a:t>
+            </a:r>
+            <a:r>
+              <a:rPr kumimoji="1" lang="en-US" altLang="ja-JP" u="sng" dirty="0" err="1"/>
+              <a:t>p</a:t>
+            </a:r>
+            <a:r>
+              <a:rPr kumimoji="1" lang="en-US" altLang="ja-JP" u="sng" dirty="0" err="1" smtClean="0"/>
+              <a:t>artilces</a:t>
+            </a:r>
+            <a:endParaRPr kumimoji="1" lang="en-US" altLang="ja-JP" u="sng" dirty="0" smtClean="0"/>
           </a:p>
           <a:p>
             <a:pPr algn="ctr"/>
@@ -8082,7 +8091,7 @@
         <p:spPr>
           <a:xfrm>
             <a:off x="-6116" y="1347600"/>
-            <a:ext cx="2699792" cy="646331"/>
+            <a:ext cx="2777916" cy="646331"/>
           </a:xfrm>
           <a:prstGeom prst="rect">
             <a:avLst/>
@@ -8098,7 +8107,7 @@
             <a:pPr algn="ctr"/>
             <a:r>
               <a:rPr kumimoji="1" lang="en-US" altLang="ja-JP" u="sng" dirty="0" smtClean="0"/>
-              <a:t>Particle number rate</a:t>
+              <a:t>Number of particles rate</a:t>
             </a:r>
           </a:p>
           <a:p>

--- a/saxon.pptx
+++ b/saxon.pptx
@@ -6,7 +6,7 @@
     <p:sldMasterId id="2147483661" r:id="rId2"/>
   </p:sldMasterIdLst>
   <p:notesMasterIdLst>
-    <p:notesMasterId r:id="rId23"/>
+    <p:notesMasterId r:id="rId22"/>
   </p:notesMasterIdLst>
   <p:sldIdLst>
     <p:sldId id="256" r:id="rId3"/>
@@ -22,13 +22,12 @@
     <p:sldId id="286" r:id="rId13"/>
     <p:sldId id="289" r:id="rId14"/>
     <p:sldId id="297" r:id="rId15"/>
-    <p:sldId id="287" r:id="rId16"/>
-    <p:sldId id="291" r:id="rId17"/>
-    <p:sldId id="292" r:id="rId18"/>
-    <p:sldId id="294" r:id="rId19"/>
-    <p:sldId id="293" r:id="rId20"/>
-    <p:sldId id="295" r:id="rId21"/>
-    <p:sldId id="296" r:id="rId22"/>
+    <p:sldId id="291" r:id="rId16"/>
+    <p:sldId id="292" r:id="rId17"/>
+    <p:sldId id="294" r:id="rId18"/>
+    <p:sldId id="293" r:id="rId19"/>
+    <p:sldId id="298" r:id="rId20"/>
+    <p:sldId id="299" r:id="rId21"/>
   </p:sldIdLst>
   <p:sldSz cx="9144000" cy="6858000" type="screen4x3"/>
   <p:notesSz cx="6858000" cy="9144000"/>
@@ -526,258 +525,6 @@
     </a:lvl9pPr>
   </p:notesStyle>
 </p:notesMaster>
-</file>
-
-<file path=ppt/notesSlides/notesSlide1.xml><?xml version="1.0" encoding="utf-8"?>
-<p:notes xmlns:a="http://schemas.openxmlformats.org/drawingml/2006/main" xmlns:r="http://schemas.openxmlformats.org/officeDocument/2006/relationships" xmlns:p="http://schemas.openxmlformats.org/presentationml/2006/main">
-  <p:cSld>
-    <p:spTree>
-      <p:nvGrpSpPr>
-        <p:cNvPr id="1" name=""/>
-        <p:cNvGrpSpPr/>
-        <p:nvPr/>
-      </p:nvGrpSpPr>
-      <p:grpSpPr>
-        <a:xfrm>
-          <a:off x="0" y="0"/>
-          <a:ext cx="0" cy="0"/>
-          <a:chOff x="0" y="0"/>
-          <a:chExt cx="0" cy="0"/>
-        </a:xfrm>
-      </p:grpSpPr>
-      <p:sp>
-        <p:nvSpPr>
-          <p:cNvPr id="2" name="スライド イメージ プレースホルダー 1"/>
-          <p:cNvSpPr>
-            <a:spLocks noGrp="1" noRot="1" noChangeAspect="1"/>
-          </p:cNvSpPr>
-          <p:nvPr>
-            <p:ph type="sldImg"/>
-          </p:nvPr>
-        </p:nvSpPr>
-        <p:spPr/>
-      </p:sp>
-      <p:sp>
-        <p:nvSpPr>
-          <p:cNvPr id="3" name="ノート プレースホルダー 2"/>
-          <p:cNvSpPr>
-            <a:spLocks noGrp="1"/>
-          </p:cNvSpPr>
-          <p:nvPr>
-            <p:ph type="body" idx="1"/>
-          </p:nvPr>
-        </p:nvSpPr>
-        <p:spPr/>
-        <p:txBody>
-          <a:bodyPr/>
-          <a:lstStyle/>
-          <a:p>
-            <a:endParaRPr kumimoji="1" lang="ja-JP" altLang="en-US" dirty="0"/>
-          </a:p>
-        </p:txBody>
-      </p:sp>
-      <p:sp>
-        <p:nvSpPr>
-          <p:cNvPr id="4" name="スライド番号プレースホルダー 3"/>
-          <p:cNvSpPr>
-            <a:spLocks noGrp="1"/>
-          </p:cNvSpPr>
-          <p:nvPr>
-            <p:ph type="sldNum" sz="quarter" idx="10"/>
-          </p:nvPr>
-        </p:nvSpPr>
-        <p:spPr/>
-        <p:txBody>
-          <a:bodyPr/>
-          <a:lstStyle/>
-          <a:p>
-            <a:fld id="{8726D7AE-D800-4044-BB50-217E18DF8697}" type="slidenum">
-              <a:rPr kumimoji="1" lang="ja-JP" altLang="en-US" smtClean="0"/>
-              <a:t>14</a:t>
-            </a:fld>
-            <a:endParaRPr kumimoji="1" lang="ja-JP" altLang="en-US"/>
-          </a:p>
-        </p:txBody>
-      </p:sp>
-    </p:spTree>
-    <p:extLst>
-      <p:ext uri="{BB962C8B-B14F-4D97-AF65-F5344CB8AC3E}">
-        <p14:creationId xmlns:p14="http://schemas.microsoft.com/office/powerpoint/2010/main" val="2546505673"/>
-      </p:ext>
-    </p:extLst>
-  </p:cSld>
-  <p:clrMapOvr>
-    <a:masterClrMapping/>
-  </p:clrMapOvr>
-</p:notes>
-</file>
-
-<file path=ppt/notesSlides/notesSlide2.xml><?xml version="1.0" encoding="utf-8"?>
-<p:notes xmlns:a="http://schemas.openxmlformats.org/drawingml/2006/main" xmlns:r="http://schemas.openxmlformats.org/officeDocument/2006/relationships" xmlns:p="http://schemas.openxmlformats.org/presentationml/2006/main">
-  <p:cSld>
-    <p:spTree>
-      <p:nvGrpSpPr>
-        <p:cNvPr id="1" name=""/>
-        <p:cNvGrpSpPr/>
-        <p:nvPr/>
-      </p:nvGrpSpPr>
-      <p:grpSpPr>
-        <a:xfrm>
-          <a:off x="0" y="0"/>
-          <a:ext cx="0" cy="0"/>
-          <a:chOff x="0" y="0"/>
-          <a:chExt cx="0" cy="0"/>
-        </a:xfrm>
-      </p:grpSpPr>
-      <p:sp>
-        <p:nvSpPr>
-          <p:cNvPr id="2" name="スライド イメージ プレースホルダー 1"/>
-          <p:cNvSpPr>
-            <a:spLocks noGrp="1" noRot="1" noChangeAspect="1"/>
-          </p:cNvSpPr>
-          <p:nvPr>
-            <p:ph type="sldImg"/>
-          </p:nvPr>
-        </p:nvSpPr>
-        <p:spPr/>
-      </p:sp>
-      <p:sp>
-        <p:nvSpPr>
-          <p:cNvPr id="3" name="ノート プレースホルダー 2"/>
-          <p:cNvSpPr>
-            <a:spLocks noGrp="1"/>
-          </p:cNvSpPr>
-          <p:nvPr>
-            <p:ph type="body" idx="1"/>
-          </p:nvPr>
-        </p:nvSpPr>
-        <p:spPr/>
-        <p:txBody>
-          <a:bodyPr/>
-          <a:lstStyle/>
-          <a:p>
-            <a:endParaRPr kumimoji="1" lang="ja-JP" altLang="en-US" dirty="0"/>
-          </a:p>
-        </p:txBody>
-      </p:sp>
-      <p:sp>
-        <p:nvSpPr>
-          <p:cNvPr id="4" name="スライド番号プレースホルダー 3"/>
-          <p:cNvSpPr>
-            <a:spLocks noGrp="1"/>
-          </p:cNvSpPr>
-          <p:nvPr>
-            <p:ph type="sldNum" sz="quarter" idx="10"/>
-          </p:nvPr>
-        </p:nvSpPr>
-        <p:spPr/>
-        <p:txBody>
-          <a:bodyPr/>
-          <a:lstStyle/>
-          <a:p>
-            <a:fld id="{8726D7AE-D800-4044-BB50-217E18DF8697}" type="slidenum">
-              <a:rPr kumimoji="1" lang="ja-JP" altLang="en-US" smtClean="0"/>
-              <a:t>19</a:t>
-            </a:fld>
-            <a:endParaRPr kumimoji="1" lang="ja-JP" altLang="en-US"/>
-          </a:p>
-        </p:txBody>
-      </p:sp>
-    </p:spTree>
-    <p:extLst>
-      <p:ext uri="{BB962C8B-B14F-4D97-AF65-F5344CB8AC3E}">
-        <p14:creationId xmlns:p14="http://schemas.microsoft.com/office/powerpoint/2010/main" val="1778683655"/>
-      </p:ext>
-    </p:extLst>
-  </p:cSld>
-  <p:clrMapOvr>
-    <a:masterClrMapping/>
-  </p:clrMapOvr>
-</p:notes>
-</file>
-
-<file path=ppt/notesSlides/notesSlide3.xml><?xml version="1.0" encoding="utf-8"?>
-<p:notes xmlns:a="http://schemas.openxmlformats.org/drawingml/2006/main" xmlns:r="http://schemas.openxmlformats.org/officeDocument/2006/relationships" xmlns:p="http://schemas.openxmlformats.org/presentationml/2006/main">
-  <p:cSld>
-    <p:spTree>
-      <p:nvGrpSpPr>
-        <p:cNvPr id="1" name=""/>
-        <p:cNvGrpSpPr/>
-        <p:nvPr/>
-      </p:nvGrpSpPr>
-      <p:grpSpPr>
-        <a:xfrm>
-          <a:off x="0" y="0"/>
-          <a:ext cx="0" cy="0"/>
-          <a:chOff x="0" y="0"/>
-          <a:chExt cx="0" cy="0"/>
-        </a:xfrm>
-      </p:grpSpPr>
-      <p:sp>
-        <p:nvSpPr>
-          <p:cNvPr id="2" name="スライド イメージ プレースホルダー 1"/>
-          <p:cNvSpPr>
-            <a:spLocks noGrp="1" noRot="1" noChangeAspect="1"/>
-          </p:cNvSpPr>
-          <p:nvPr>
-            <p:ph type="sldImg"/>
-          </p:nvPr>
-        </p:nvSpPr>
-        <p:spPr/>
-      </p:sp>
-      <p:sp>
-        <p:nvSpPr>
-          <p:cNvPr id="3" name="ノート プレースホルダー 2"/>
-          <p:cNvSpPr>
-            <a:spLocks noGrp="1"/>
-          </p:cNvSpPr>
-          <p:nvPr>
-            <p:ph type="body" idx="1"/>
-          </p:nvPr>
-        </p:nvSpPr>
-        <p:spPr/>
-        <p:txBody>
-          <a:bodyPr/>
-          <a:lstStyle/>
-          <a:p>
-            <a:endParaRPr kumimoji="1" lang="ja-JP" altLang="en-US" dirty="0"/>
-          </a:p>
-        </p:txBody>
-      </p:sp>
-      <p:sp>
-        <p:nvSpPr>
-          <p:cNvPr id="4" name="スライド番号プレースホルダー 3"/>
-          <p:cNvSpPr>
-            <a:spLocks noGrp="1"/>
-          </p:cNvSpPr>
-          <p:nvPr>
-            <p:ph type="sldNum" sz="quarter" idx="10"/>
-          </p:nvPr>
-        </p:nvSpPr>
-        <p:spPr/>
-        <p:txBody>
-          <a:bodyPr/>
-          <a:lstStyle/>
-          <a:p>
-            <a:fld id="{8726D7AE-D800-4044-BB50-217E18DF8697}" type="slidenum">
-              <a:rPr kumimoji="1" lang="ja-JP" altLang="en-US" smtClean="0"/>
-              <a:t>20</a:t>
-            </a:fld>
-            <a:endParaRPr kumimoji="1" lang="ja-JP" altLang="en-US"/>
-          </a:p>
-        </p:txBody>
-      </p:sp>
-    </p:spTree>
-    <p:extLst>
-      <p:ext uri="{BB962C8B-B14F-4D97-AF65-F5344CB8AC3E}">
-        <p14:creationId xmlns:p14="http://schemas.microsoft.com/office/powerpoint/2010/main" val="1105225044"/>
-      </p:ext>
-    </p:extLst>
-  </p:cSld>
-  <p:clrMapOvr>
-    <a:masterClrMapping/>
-  </p:clrMapOvr>
-</p:notes>
 </file>
 
 <file path=ppt/slideLayouts/slideLayout1.xml><?xml version="1.0" encoding="utf-8"?>
@@ -8716,422 +8463,6 @@
           </a:fontRef>
         </p:style>
       </p:cxnSp>
-      <p:graphicFrame>
-        <p:nvGraphicFramePr>
-          <p:cNvPr id="30" name="表 29"/>
-          <p:cNvGraphicFramePr>
-            <a:graphicFrameLocks noGrp="1"/>
-          </p:cNvGraphicFramePr>
-          <p:nvPr>
-            <p:extLst>
-              <p:ext uri="{D42A27DB-BD31-4B8C-83A1-F6EECF244321}">
-                <p14:modId xmlns:p14="http://schemas.microsoft.com/office/powerpoint/2010/main" val="1356466193"/>
-              </p:ext>
-            </p:extLst>
-          </p:nvPr>
-        </p:nvGraphicFramePr>
-        <p:xfrm>
-          <a:off x="1362196" y="5977766"/>
-          <a:ext cx="6810204" cy="358140"/>
-        </p:xfrm>
-        <a:graphic>
-          <a:graphicData uri="http://schemas.openxmlformats.org/drawingml/2006/table">
-            <a:tbl>
-              <a:tblPr/>
-              <a:tblGrid>
-                <a:gridCol w="977556"/>
-                <a:gridCol w="1944216"/>
-                <a:gridCol w="1944216"/>
-                <a:gridCol w="1944216"/>
-              </a:tblGrid>
-              <a:tr h="180975">
-                <a:tc>
-                  <a:txBody>
-                    <a:bodyPr/>
-                    <a:lstStyle/>
-                    <a:p>
-                      <a:pPr algn="ctr" fontAlgn="ctr"/>
-                      <a:r>
-                        <a:rPr lang="en-US" sz="1100" b="0" i="0" u="none" strike="noStrike" dirty="0">
-                          <a:solidFill>
-                            <a:srgbClr val="000000"/>
-                          </a:solidFill>
-                          <a:effectLst/>
-                          <a:latin typeface="+mn-lt"/>
-                          <a:ea typeface="ＭＳ Ｐゴシック" panose="020B0600070205080204" pitchFamily="50" charset="-128"/>
-                        </a:rPr>
-                        <a:t>sum</a:t>
-                      </a:r>
-                    </a:p>
-                  </a:txBody>
-                  <a:tcPr marL="9525" marR="9525" marT="9525" marB="0" anchor="ctr">
-                    <a:lnL w="12700" cap="flat" cmpd="sng" algn="ctr">
-                      <a:solidFill>
-                        <a:srgbClr val="000000"/>
-                      </a:solidFill>
-                      <a:prstDash val="solid"/>
-                      <a:round/>
-                      <a:headEnd type="none" w="med" len="med"/>
-                      <a:tailEnd type="none" w="med" len="med"/>
-                    </a:lnL>
-                    <a:lnR w="12700" cap="flat" cmpd="sng" algn="ctr">
-                      <a:solidFill>
-                        <a:srgbClr val="000000"/>
-                      </a:solidFill>
-                      <a:prstDash val="solid"/>
-                      <a:round/>
-                      <a:headEnd type="none" w="med" len="med"/>
-                      <a:tailEnd type="none" w="med" len="med"/>
-                    </a:lnR>
-                    <a:lnT w="12700" cap="flat" cmpd="sng" algn="ctr">
-                      <a:solidFill>
-                        <a:srgbClr val="000000"/>
-                      </a:solidFill>
-                      <a:prstDash val="solid"/>
-                      <a:round/>
-                      <a:headEnd type="none" w="med" len="med"/>
-                      <a:tailEnd type="none" w="med" len="med"/>
-                    </a:lnT>
-                    <a:lnB w="12700" cap="flat" cmpd="sng" algn="ctr">
-                      <a:solidFill>
-                        <a:srgbClr val="000000"/>
-                      </a:solidFill>
-                      <a:prstDash val="solid"/>
-                      <a:round/>
-                      <a:headEnd type="none" w="med" len="med"/>
-                      <a:tailEnd type="none" w="med" len="med"/>
-                    </a:lnB>
-                  </a:tcPr>
-                </a:tc>
-                <a:tc>
-                  <a:txBody>
-                    <a:bodyPr/>
-                    <a:lstStyle/>
-                    <a:p>
-                      <a:pPr algn="ctr" fontAlgn="ctr"/>
-                      <a:r>
-                        <a:rPr lang="en-US" altLang="ja-JP" sz="1100" b="0" i="0" u="none" strike="noStrike">
-                          <a:solidFill>
-                            <a:srgbClr val="000000"/>
-                          </a:solidFill>
-                          <a:effectLst/>
-                          <a:latin typeface="+mn-lt"/>
-                          <a:ea typeface="ＭＳ Ｐゴシック" panose="020B0600070205080204" pitchFamily="50" charset="-128"/>
-                        </a:rPr>
-                        <a:t>142124</a:t>
-                      </a:r>
-                    </a:p>
-                  </a:txBody>
-                  <a:tcPr marL="9525" marR="9525" marT="9525" marB="0" anchor="ctr">
-                    <a:lnL w="12700" cap="flat" cmpd="sng" algn="ctr">
-                      <a:solidFill>
-                        <a:srgbClr val="000000"/>
-                      </a:solidFill>
-                      <a:prstDash val="solid"/>
-                      <a:round/>
-                      <a:headEnd type="none" w="med" len="med"/>
-                      <a:tailEnd type="none" w="med" len="med"/>
-                    </a:lnL>
-                    <a:lnR w="12700" cap="flat" cmpd="sng" algn="ctr">
-                      <a:solidFill>
-                        <a:srgbClr val="000000"/>
-                      </a:solidFill>
-                      <a:prstDash val="solid"/>
-                      <a:round/>
-                      <a:headEnd type="none" w="med" len="med"/>
-                      <a:tailEnd type="none" w="med" len="med"/>
-                    </a:lnR>
-                    <a:lnT w="12700" cap="flat" cmpd="sng" algn="ctr">
-                      <a:solidFill>
-                        <a:srgbClr val="000000"/>
-                      </a:solidFill>
-                      <a:prstDash val="solid"/>
-                      <a:round/>
-                      <a:headEnd type="none" w="med" len="med"/>
-                      <a:tailEnd type="none" w="med" len="med"/>
-                    </a:lnT>
-                    <a:lnB w="12700" cap="flat" cmpd="sng" algn="ctr">
-                      <a:solidFill>
-                        <a:srgbClr val="000000"/>
-                      </a:solidFill>
-                      <a:prstDash val="solid"/>
-                      <a:round/>
-                      <a:headEnd type="none" w="med" len="med"/>
-                      <a:tailEnd type="none" w="med" len="med"/>
-                    </a:lnB>
-                  </a:tcPr>
-                </a:tc>
-                <a:tc>
-                  <a:txBody>
-                    <a:bodyPr/>
-                    <a:lstStyle/>
-                    <a:p>
-                      <a:pPr algn="ctr" fontAlgn="ctr"/>
-                      <a:r>
-                        <a:rPr lang="en-US" altLang="ja-JP" sz="1100" b="0" i="0" u="none" strike="noStrike">
-                          <a:solidFill>
-                            <a:srgbClr val="000000"/>
-                          </a:solidFill>
-                          <a:effectLst/>
-                          <a:latin typeface="+mn-lt"/>
-                          <a:ea typeface="ＭＳ Ｐゴシック" panose="020B0600070205080204" pitchFamily="50" charset="-128"/>
-                        </a:rPr>
-                        <a:t>144739</a:t>
-                      </a:r>
-                    </a:p>
-                  </a:txBody>
-                  <a:tcPr marL="9525" marR="9525" marT="9525" marB="0" anchor="ctr">
-                    <a:lnL w="12700" cap="flat" cmpd="sng" algn="ctr">
-                      <a:solidFill>
-                        <a:srgbClr val="000000"/>
-                      </a:solidFill>
-                      <a:prstDash val="solid"/>
-                      <a:round/>
-                      <a:headEnd type="none" w="med" len="med"/>
-                      <a:tailEnd type="none" w="med" len="med"/>
-                    </a:lnL>
-                    <a:lnR w="12700" cap="flat" cmpd="sng" algn="ctr">
-                      <a:solidFill>
-                        <a:srgbClr val="000000"/>
-                      </a:solidFill>
-                      <a:prstDash val="solid"/>
-                      <a:round/>
-                      <a:headEnd type="none" w="med" len="med"/>
-                      <a:tailEnd type="none" w="med" len="med"/>
-                    </a:lnR>
-                    <a:lnT w="12700" cap="flat" cmpd="sng" algn="ctr">
-                      <a:solidFill>
-                        <a:srgbClr val="000000"/>
-                      </a:solidFill>
-                      <a:prstDash val="solid"/>
-                      <a:round/>
-                      <a:headEnd type="none" w="med" len="med"/>
-                      <a:tailEnd type="none" w="med" len="med"/>
-                    </a:lnT>
-                    <a:lnB w="12700" cap="flat" cmpd="sng" algn="ctr">
-                      <a:solidFill>
-                        <a:srgbClr val="000000"/>
-                      </a:solidFill>
-                      <a:prstDash val="solid"/>
-                      <a:round/>
-                      <a:headEnd type="none" w="med" len="med"/>
-                      <a:tailEnd type="none" w="med" len="med"/>
-                    </a:lnB>
-                  </a:tcPr>
-                </a:tc>
-                <a:tc>
-                  <a:txBody>
-                    <a:bodyPr/>
-                    <a:lstStyle/>
-                    <a:p>
-                      <a:pPr algn="ctr" fontAlgn="ctr"/>
-                      <a:r>
-                        <a:rPr lang="en-US" altLang="ja-JP" sz="1100" b="0" i="0" u="none" strike="noStrike" dirty="0">
-                          <a:solidFill>
-                            <a:srgbClr val="000000"/>
-                          </a:solidFill>
-                          <a:effectLst/>
-                          <a:latin typeface="+mn-lt"/>
-                          <a:ea typeface="ＭＳ Ｐゴシック" panose="020B0600070205080204" pitchFamily="50" charset="-128"/>
-                        </a:rPr>
-                        <a:t>145045</a:t>
-                      </a:r>
-                    </a:p>
-                  </a:txBody>
-                  <a:tcPr marL="9525" marR="9525" marT="9525" marB="0" anchor="ctr">
-                    <a:lnL w="12700" cap="flat" cmpd="sng" algn="ctr">
-                      <a:solidFill>
-                        <a:srgbClr val="000000"/>
-                      </a:solidFill>
-                      <a:prstDash val="solid"/>
-                      <a:round/>
-                      <a:headEnd type="none" w="med" len="med"/>
-                      <a:tailEnd type="none" w="med" len="med"/>
-                    </a:lnL>
-                    <a:lnR w="12700" cap="flat" cmpd="sng" algn="ctr">
-                      <a:solidFill>
-                        <a:srgbClr val="000000"/>
-                      </a:solidFill>
-                      <a:prstDash val="solid"/>
-                      <a:round/>
-                      <a:headEnd type="none" w="med" len="med"/>
-                      <a:tailEnd type="none" w="med" len="med"/>
-                    </a:lnR>
-                    <a:lnT w="12700" cap="flat" cmpd="sng" algn="ctr">
-                      <a:solidFill>
-                        <a:srgbClr val="000000"/>
-                      </a:solidFill>
-                      <a:prstDash val="solid"/>
-                      <a:round/>
-                      <a:headEnd type="none" w="med" len="med"/>
-                      <a:tailEnd type="none" w="med" len="med"/>
-                    </a:lnT>
-                    <a:lnB w="12700" cap="flat" cmpd="sng" algn="ctr">
-                      <a:solidFill>
-                        <a:srgbClr val="000000"/>
-                      </a:solidFill>
-                      <a:prstDash val="solid"/>
-                      <a:round/>
-                      <a:headEnd type="none" w="med" len="med"/>
-                      <a:tailEnd type="none" w="med" len="med"/>
-                    </a:lnB>
-                  </a:tcPr>
-                </a:tc>
-              </a:tr>
-              <a:tr h="171450">
-                <a:tc>
-                  <a:txBody>
-                    <a:bodyPr/>
-                    <a:lstStyle/>
-                    <a:p>
-                      <a:pPr algn="l" fontAlgn="ctr"/>
-                      <a:endParaRPr lang="ja-JP" altLang="en-US" sz="1100" b="0" i="0" u="none" strike="noStrike">
-                        <a:solidFill>
-                          <a:srgbClr val="000000"/>
-                        </a:solidFill>
-                        <a:effectLst/>
-                        <a:latin typeface="ＭＳ Ｐゴシック" panose="020B0600070205080204" pitchFamily="50" charset="-128"/>
-                        <a:ea typeface="ＭＳ Ｐゴシック" panose="020B0600070205080204" pitchFamily="50" charset="-128"/>
-                      </a:endParaRPr>
-                    </a:p>
-                  </a:txBody>
-                  <a:tcPr marL="9525" marR="9525" marT="9525" marB="0" anchor="ctr">
-                    <a:lnL>
-                      <a:noFill/>
-                    </a:lnL>
-                    <a:lnR>
-                      <a:noFill/>
-                    </a:lnR>
-                    <a:lnT w="12700" cap="flat" cmpd="sng" algn="ctr">
-                      <a:solidFill>
-                        <a:srgbClr val="000000"/>
-                      </a:solidFill>
-                      <a:prstDash val="solid"/>
-                      <a:round/>
-                      <a:headEnd type="none" w="med" len="med"/>
-                      <a:tailEnd type="none" w="med" len="med"/>
-                    </a:lnT>
-                    <a:lnB>
-                      <a:noFill/>
-                    </a:lnB>
-                  </a:tcPr>
-                </a:tc>
-                <a:tc>
-                  <a:txBody>
-                    <a:bodyPr/>
-                    <a:lstStyle/>
-                    <a:p>
-                      <a:pPr algn="l" fontAlgn="ctr"/>
-                      <a:endParaRPr lang="ja-JP" altLang="en-US" sz="1100" b="0" i="0" u="none" strike="noStrike">
-                        <a:solidFill>
-                          <a:srgbClr val="000000"/>
-                        </a:solidFill>
-                        <a:effectLst/>
-                        <a:latin typeface="ＭＳ Ｐゴシック" panose="020B0600070205080204" pitchFamily="50" charset="-128"/>
-                        <a:ea typeface="ＭＳ Ｐゴシック" panose="020B0600070205080204" pitchFamily="50" charset="-128"/>
-                      </a:endParaRPr>
-                    </a:p>
-                  </a:txBody>
-                  <a:tcPr marL="9525" marR="9525" marT="9525" marB="0" anchor="ctr">
-                    <a:lnL>
-                      <a:noFill/>
-                    </a:lnL>
-                    <a:lnR>
-                      <a:noFill/>
-                    </a:lnR>
-                    <a:lnT w="12700" cap="flat" cmpd="sng" algn="ctr">
-                      <a:solidFill>
-                        <a:srgbClr val="000000"/>
-                      </a:solidFill>
-                      <a:prstDash val="solid"/>
-                      <a:round/>
-                      <a:headEnd type="none" w="med" len="med"/>
-                      <a:tailEnd type="none" w="med" len="med"/>
-                    </a:lnT>
-                    <a:lnB>
-                      <a:noFill/>
-                    </a:lnB>
-                  </a:tcPr>
-                </a:tc>
-                <a:tc>
-                  <a:txBody>
-                    <a:bodyPr/>
-                    <a:lstStyle/>
-                    <a:p>
-                      <a:pPr algn="l" fontAlgn="ctr"/>
-                      <a:endParaRPr lang="ja-JP" altLang="en-US" sz="1100" b="0" i="0" u="none" strike="noStrike">
-                        <a:solidFill>
-                          <a:srgbClr val="000000"/>
-                        </a:solidFill>
-                        <a:effectLst/>
-                        <a:latin typeface="ＭＳ Ｐゴシック" panose="020B0600070205080204" pitchFamily="50" charset="-128"/>
-                        <a:ea typeface="ＭＳ Ｐゴシック" panose="020B0600070205080204" pitchFamily="50" charset="-128"/>
-                      </a:endParaRPr>
-                    </a:p>
-                  </a:txBody>
-                  <a:tcPr marL="9525" marR="9525" marT="9525" marB="0" anchor="ctr">
-                    <a:lnL>
-                      <a:noFill/>
-                    </a:lnL>
-                    <a:lnR>
-                      <a:noFill/>
-                    </a:lnR>
-                    <a:lnT w="12700" cap="flat" cmpd="sng" algn="ctr">
-                      <a:solidFill>
-                        <a:srgbClr val="000000"/>
-                      </a:solidFill>
-                      <a:prstDash val="solid"/>
-                      <a:round/>
-                      <a:headEnd type="none" w="med" len="med"/>
-                      <a:tailEnd type="none" w="med" len="med"/>
-                    </a:lnT>
-                    <a:lnB>
-                      <a:noFill/>
-                    </a:lnB>
-                  </a:tcPr>
-                </a:tc>
-                <a:tc>
-                  <a:txBody>
-                    <a:bodyPr/>
-                    <a:lstStyle/>
-                    <a:p>
-                      <a:pPr algn="l" fontAlgn="ctr"/>
-                      <a:endParaRPr lang="ja-JP" altLang="en-US" sz="1100" b="0" i="0" u="none" strike="noStrike" dirty="0">
-                        <a:solidFill>
-                          <a:srgbClr val="000000"/>
-                        </a:solidFill>
-                        <a:effectLst/>
-                        <a:latin typeface="ＭＳ Ｐゴシック" panose="020B0600070205080204" pitchFamily="50" charset="-128"/>
-                        <a:ea typeface="ＭＳ Ｐゴシック" panose="020B0600070205080204" pitchFamily="50" charset="-128"/>
-                      </a:endParaRPr>
-                    </a:p>
-                  </a:txBody>
-                  <a:tcPr marL="9525" marR="9525" marT="9525" marB="0" anchor="ctr">
-                    <a:lnL>
-                      <a:noFill/>
-                    </a:lnL>
-                    <a:lnR>
-                      <a:noFill/>
-                    </a:lnR>
-                    <a:lnT w="12700" cap="flat" cmpd="sng" algn="ctr">
-                      <a:solidFill>
-                        <a:srgbClr val="000000"/>
-                      </a:solidFill>
-                      <a:prstDash val="solid"/>
-                      <a:round/>
-                      <a:headEnd type="none" w="med" len="med"/>
-                      <a:tailEnd type="none" w="med" len="med"/>
-                    </a:lnT>
-                    <a:lnB>
-                      <a:noFill/>
-                    </a:lnB>
-                  </a:tcPr>
-                </a:tc>
-              </a:tr>
-            </a:tbl>
-          </a:graphicData>
-        </a:graphic>
-      </p:graphicFrame>
       <p:pic>
         <p:nvPicPr>
           <p:cNvPr id="31" name="図 30"/>
@@ -10910,2362 +10241,6 @@
           <a:lstStyle/>
           <a:p>
             <a:r>
-              <a:rPr lang="en-US" altLang="ko-KR" dirty="0"/>
-              <a:t>Comparison, Suction velocity</a:t>
-            </a:r>
-            <a:endParaRPr lang="ko-KR" altLang="en-US" dirty="0"/>
-          </a:p>
-        </p:txBody>
-      </p:sp>
-      <p:sp>
-        <p:nvSpPr>
-          <p:cNvPr id="2" name="正方形/長方形 1"/>
-          <p:cNvSpPr/>
-          <p:nvPr/>
-        </p:nvSpPr>
-        <p:spPr>
-          <a:xfrm>
-            <a:off x="0" y="1086292"/>
-            <a:ext cx="9144000" cy="36000"/>
-          </a:xfrm>
-          <a:prstGeom prst="rect">
-            <a:avLst/>
-          </a:prstGeom>
-          <a:solidFill>
-            <a:srgbClr val="99DABA"/>
-          </a:solidFill>
-          <a:ln>
-            <a:noFill/>
-          </a:ln>
-        </p:spPr>
-        <p:style>
-          <a:lnRef idx="2">
-            <a:schemeClr val="accent1">
-              <a:shade val="50000"/>
-            </a:schemeClr>
-          </a:lnRef>
-          <a:fillRef idx="1">
-            <a:schemeClr val="accent1"/>
-          </a:fillRef>
-          <a:effectRef idx="0">
-            <a:schemeClr val="accent1"/>
-          </a:effectRef>
-          <a:fontRef idx="minor">
-            <a:schemeClr val="lt1"/>
-          </a:fontRef>
-        </p:style>
-        <p:txBody>
-          <a:bodyPr rtlCol="0" anchor="ctr"/>
-          <a:lstStyle/>
-          <a:p>
-            <a:pPr algn="ctr"/>
-            <a:endParaRPr kumimoji="1" lang="ja-JP" altLang="en-US"/>
-          </a:p>
-        </p:txBody>
-      </p:sp>
-      <p:sp>
-        <p:nvSpPr>
-          <p:cNvPr id="8" name="テキスト ボックス 7">
-            <a:extLst>
-              <a:ext uri="{FF2B5EF4-FFF2-40B4-BE49-F238E27FC236}">
-                <a16:creationId xmlns="" xmlns:a16="http://schemas.microsoft.com/office/drawing/2014/main" id="{093C528F-2820-7842-B097-0CEA13538469}"/>
-              </a:ext>
-            </a:extLst>
-          </p:cNvPr>
-          <p:cNvSpPr txBox="1"/>
-          <p:nvPr/>
-        </p:nvSpPr>
-        <p:spPr>
-          <a:xfrm>
-            <a:off x="-6116" y="1347600"/>
-            <a:ext cx="2777916" cy="646331"/>
-          </a:xfrm>
-          <a:prstGeom prst="rect">
-            <a:avLst/>
-          </a:prstGeom>
-          <a:noFill/>
-        </p:spPr>
-        <p:txBody>
-          <a:bodyPr wrap="square" rtlCol="0">
-            <a:spAutoFit/>
-          </a:bodyPr>
-          <a:lstStyle/>
-          <a:p>
-            <a:pPr algn="ctr"/>
-            <a:r>
-              <a:rPr kumimoji="1" lang="en-US" altLang="ja-JP" u="sng" dirty="0" smtClean="0"/>
-              <a:t>Number of particles rate</a:t>
-            </a:r>
-          </a:p>
-          <a:p>
-            <a:pPr algn="ctr"/>
-            <a:r>
-              <a:rPr kumimoji="1" lang="en-US" altLang="ja-JP" u="sng" dirty="0" smtClean="0"/>
-              <a:t>in the area</a:t>
-            </a:r>
-            <a:r>
-              <a:rPr kumimoji="1" lang="ja-JP" altLang="en-US" u="sng" dirty="0" smtClean="0"/>
-              <a:t>　</a:t>
-            </a:r>
-            <a:r>
-              <a:rPr kumimoji="1" lang="en-US" altLang="ja-JP" u="sng" dirty="0" smtClean="0"/>
-              <a:t>[%]</a:t>
-            </a:r>
-            <a:endParaRPr kumimoji="1" lang="en-US" altLang="ja-JP" u="sng" dirty="0" smtClean="0"/>
-          </a:p>
-        </p:txBody>
-      </p:sp>
-      <p:pic>
-        <p:nvPicPr>
-          <p:cNvPr id="13" name="図 12"/>
-          <p:cNvPicPr>
-            <a:picLocks noChangeAspect="1"/>
-          </p:cNvPicPr>
-          <p:nvPr/>
-        </p:nvPicPr>
-        <p:blipFill>
-          <a:blip r:embed="rId3">
-            <a:extLst>
-              <a:ext uri="{28A0092B-C50C-407E-A947-70E740481C1C}">
-                <a14:useLocalDpi xmlns:a14="http://schemas.microsoft.com/office/drawing/2010/main" val="0"/>
-              </a:ext>
-            </a:extLst>
-          </a:blip>
-          <a:stretch>
-            <a:fillRect/>
-          </a:stretch>
-        </p:blipFill>
-        <p:spPr>
-          <a:xfrm>
-            <a:off x="2380629" y="2668968"/>
-            <a:ext cx="1849297" cy="2113482"/>
-          </a:xfrm>
-          <a:prstGeom prst="rect">
-            <a:avLst/>
-          </a:prstGeom>
-        </p:spPr>
-      </p:pic>
-      <p:pic>
-        <p:nvPicPr>
-          <p:cNvPr id="14" name="図 13"/>
-          <p:cNvPicPr>
-            <a:picLocks noChangeAspect="1"/>
-          </p:cNvPicPr>
-          <p:nvPr/>
-        </p:nvPicPr>
-        <p:blipFill>
-          <a:blip r:embed="rId4">
-            <a:extLst>
-              <a:ext uri="{28A0092B-C50C-407E-A947-70E740481C1C}">
-                <a14:useLocalDpi xmlns:a14="http://schemas.microsoft.com/office/drawing/2010/main" val="0"/>
-              </a:ext>
-            </a:extLst>
-          </a:blip>
-          <a:stretch>
-            <a:fillRect/>
-          </a:stretch>
-        </p:blipFill>
-        <p:spPr>
-          <a:xfrm>
-            <a:off x="4309279" y="2655991"/>
-            <a:ext cx="1860652" cy="2126459"/>
-          </a:xfrm>
-          <a:prstGeom prst="rect">
-            <a:avLst/>
-          </a:prstGeom>
-        </p:spPr>
-      </p:pic>
-      <p:pic>
-        <p:nvPicPr>
-          <p:cNvPr id="15" name="図 14"/>
-          <p:cNvPicPr>
-            <a:picLocks noChangeAspect="1"/>
-          </p:cNvPicPr>
-          <p:nvPr/>
-        </p:nvPicPr>
-        <p:blipFill>
-          <a:blip r:embed="rId5">
-            <a:extLst>
-              <a:ext uri="{28A0092B-C50C-407E-A947-70E740481C1C}">
-                <a14:useLocalDpi xmlns:a14="http://schemas.microsoft.com/office/drawing/2010/main" val="0"/>
-              </a:ext>
-            </a:extLst>
-          </a:blip>
-          <a:stretch>
-            <a:fillRect/>
-          </a:stretch>
-        </p:blipFill>
-        <p:spPr>
-          <a:xfrm>
-            <a:off x="6243791" y="2655991"/>
-            <a:ext cx="1852070" cy="2116652"/>
-          </a:xfrm>
-          <a:prstGeom prst="rect">
-            <a:avLst/>
-          </a:prstGeom>
-        </p:spPr>
-      </p:pic>
-      <p:graphicFrame>
-        <p:nvGraphicFramePr>
-          <p:cNvPr id="17" name="表 16"/>
-          <p:cNvGraphicFramePr>
-            <a:graphicFrameLocks noGrp="1"/>
-          </p:cNvGraphicFramePr>
-          <p:nvPr>
-            <p:extLst>
-              <p:ext uri="{D42A27DB-BD31-4B8C-83A1-F6EECF244321}">
-                <p14:modId xmlns:p14="http://schemas.microsoft.com/office/powerpoint/2010/main" val="1877301009"/>
-              </p:ext>
-            </p:extLst>
-          </p:nvPr>
-        </p:nvGraphicFramePr>
-        <p:xfrm>
-          <a:off x="2317984" y="2060848"/>
-          <a:ext cx="5835690" cy="492908"/>
-        </p:xfrm>
-        <a:graphic>
-          <a:graphicData uri="http://schemas.openxmlformats.org/drawingml/2006/table">
-            <a:tbl>
-              <a:tblPr/>
-              <a:tblGrid>
-                <a:gridCol w="1945230"/>
-                <a:gridCol w="1945230"/>
-                <a:gridCol w="1945230"/>
-              </a:tblGrid>
-              <a:tr h="246454">
-                <a:tc gridSpan="3">
-                  <a:txBody>
-                    <a:bodyPr/>
-                    <a:lstStyle/>
-                    <a:p>
-                      <a:pPr algn="ctr" fontAlgn="ctr"/>
-                      <a:r>
-                        <a:rPr lang="en-US" sz="1100" b="0" i="0" u="none" strike="noStrike" dirty="0">
-                          <a:solidFill>
-                            <a:srgbClr val="000000"/>
-                          </a:solidFill>
-                          <a:effectLst/>
-                          <a:latin typeface="+mn-lt"/>
-                          <a:ea typeface="ＭＳ Ｐゴシック" panose="020B0600070205080204" pitchFamily="50" charset="-128"/>
-                        </a:rPr>
-                        <a:t>Suction velocity [mm/s]</a:t>
-                      </a:r>
-                    </a:p>
-                  </a:txBody>
-                  <a:tcPr marL="9525" marR="9525" marT="9525" marB="0" anchor="ctr">
-                    <a:lnL w="12700" cap="flat" cmpd="sng" algn="ctr">
-                      <a:solidFill>
-                        <a:srgbClr val="000000"/>
-                      </a:solidFill>
-                      <a:prstDash val="solid"/>
-                      <a:round/>
-                      <a:headEnd type="none" w="med" len="med"/>
-                      <a:tailEnd type="none" w="med" len="med"/>
-                    </a:lnL>
-                    <a:lnR w="12700" cap="flat" cmpd="sng" algn="ctr">
-                      <a:solidFill>
-                        <a:srgbClr val="000000"/>
-                      </a:solidFill>
-                      <a:prstDash val="solid"/>
-                      <a:round/>
-                      <a:headEnd type="none" w="med" len="med"/>
-                      <a:tailEnd type="none" w="med" len="med"/>
-                    </a:lnR>
-                    <a:lnT w="12700" cap="flat" cmpd="sng" algn="ctr">
-                      <a:solidFill>
-                        <a:srgbClr val="000000"/>
-                      </a:solidFill>
-                      <a:prstDash val="solid"/>
-                      <a:round/>
-                      <a:headEnd type="none" w="med" len="med"/>
-                      <a:tailEnd type="none" w="med" len="med"/>
-                    </a:lnT>
-                    <a:lnB w="12700" cap="flat" cmpd="sng" algn="ctr">
-                      <a:solidFill>
-                        <a:schemeClr val="tx1"/>
-                      </a:solidFill>
-                      <a:prstDash val="solid"/>
-                      <a:round/>
-                      <a:headEnd type="none" w="med" len="med"/>
-                      <a:tailEnd type="none" w="med" len="med"/>
-                    </a:lnB>
-                  </a:tcPr>
-                </a:tc>
-                <a:tc hMerge="1">
-                  <a:txBody>
-                    <a:bodyPr/>
-                    <a:lstStyle/>
-                    <a:p>
-                      <a:endParaRPr kumimoji="1" lang="ja-JP" altLang="en-US"/>
-                    </a:p>
-                  </a:txBody>
-                  <a:tcPr/>
-                </a:tc>
-                <a:tc hMerge="1">
-                  <a:txBody>
-                    <a:bodyPr/>
-                    <a:lstStyle/>
-                    <a:p>
-                      <a:endParaRPr kumimoji="1" lang="ja-JP" altLang="en-US"/>
-                    </a:p>
-                  </a:txBody>
-                  <a:tcPr/>
-                </a:tc>
-              </a:tr>
-              <a:tr h="246454">
-                <a:tc>
-                  <a:txBody>
-                    <a:bodyPr/>
-                    <a:lstStyle/>
-                    <a:p>
-                      <a:pPr algn="ctr" fontAlgn="ctr"/>
-                      <a:r>
-                        <a:rPr lang="en-US" altLang="ja-JP" sz="1100" b="0" i="0" u="none" strike="noStrike" dirty="0">
-                          <a:solidFill>
-                            <a:srgbClr val="000000"/>
-                          </a:solidFill>
-                          <a:effectLst/>
-                          <a:latin typeface="+mn-lt"/>
-                          <a:ea typeface="ＭＳ Ｐゴシック" panose="020B0600070205080204" pitchFamily="50" charset="-128"/>
-                        </a:rPr>
-                        <a:t>100</a:t>
-                      </a:r>
-                    </a:p>
-                  </a:txBody>
-                  <a:tcPr marL="9525" marR="9525" marT="9525" marB="0" anchor="ctr">
-                    <a:lnL w="12700" cap="flat" cmpd="sng" algn="ctr">
-                      <a:solidFill>
-                        <a:schemeClr val="tx1"/>
-                      </a:solidFill>
-                      <a:prstDash val="solid"/>
-                      <a:round/>
-                      <a:headEnd type="none" w="med" len="med"/>
-                      <a:tailEnd type="none" w="med" len="med"/>
-                    </a:lnL>
-                    <a:lnR w="12700" cap="flat" cmpd="sng" algn="ctr">
-                      <a:solidFill>
-                        <a:schemeClr val="tx1"/>
-                      </a:solidFill>
-                      <a:prstDash val="solid"/>
-                      <a:round/>
-                      <a:headEnd type="none" w="med" len="med"/>
-                      <a:tailEnd type="none" w="med" len="med"/>
-                    </a:lnR>
-                    <a:lnT w="12700" cap="flat" cmpd="sng" algn="ctr">
-                      <a:solidFill>
-                        <a:schemeClr val="tx1"/>
-                      </a:solidFill>
-                      <a:prstDash val="solid"/>
-                      <a:round/>
-                      <a:headEnd type="none" w="med" len="med"/>
-                      <a:tailEnd type="none" w="med" len="med"/>
-                    </a:lnT>
-                    <a:lnB w="12700" cap="flat" cmpd="sng" algn="ctr">
-                      <a:solidFill>
-                        <a:schemeClr val="tx1"/>
-                      </a:solidFill>
-                      <a:prstDash val="solid"/>
-                      <a:round/>
-                      <a:headEnd type="none" w="med" len="med"/>
-                      <a:tailEnd type="none" w="med" len="med"/>
-                    </a:lnB>
-                  </a:tcPr>
-                </a:tc>
-                <a:tc>
-                  <a:txBody>
-                    <a:bodyPr/>
-                    <a:lstStyle/>
-                    <a:p>
-                      <a:pPr algn="ctr" fontAlgn="ctr"/>
-                      <a:r>
-                        <a:rPr lang="en-US" altLang="ja-JP" sz="1100" b="0" i="0" u="none" strike="noStrike" dirty="0">
-                          <a:solidFill>
-                            <a:srgbClr val="000000"/>
-                          </a:solidFill>
-                          <a:effectLst/>
-                          <a:latin typeface="+mn-lt"/>
-                          <a:ea typeface="ＭＳ Ｐゴシック" panose="020B0600070205080204" pitchFamily="50" charset="-128"/>
-                        </a:rPr>
-                        <a:t>200</a:t>
-                      </a:r>
-                    </a:p>
-                  </a:txBody>
-                  <a:tcPr marL="9525" marR="9525" marT="9525" marB="0" anchor="ctr">
-                    <a:lnL w="12700" cap="flat" cmpd="sng" algn="ctr">
-                      <a:solidFill>
-                        <a:schemeClr val="tx1"/>
-                      </a:solidFill>
-                      <a:prstDash val="solid"/>
-                      <a:round/>
-                      <a:headEnd type="none" w="med" len="med"/>
-                      <a:tailEnd type="none" w="med" len="med"/>
-                    </a:lnL>
-                    <a:lnR w="12700" cap="flat" cmpd="sng" algn="ctr">
-                      <a:solidFill>
-                        <a:schemeClr val="tx1"/>
-                      </a:solidFill>
-                      <a:prstDash val="solid"/>
-                      <a:round/>
-                      <a:headEnd type="none" w="med" len="med"/>
-                      <a:tailEnd type="none" w="med" len="med"/>
-                    </a:lnR>
-                    <a:lnT w="12700" cap="flat" cmpd="sng" algn="ctr">
-                      <a:solidFill>
-                        <a:schemeClr val="tx1"/>
-                      </a:solidFill>
-                      <a:prstDash val="solid"/>
-                      <a:round/>
-                      <a:headEnd type="none" w="med" len="med"/>
-                      <a:tailEnd type="none" w="med" len="med"/>
-                    </a:lnT>
-                    <a:lnB w="12700" cap="flat" cmpd="sng" algn="ctr">
-                      <a:solidFill>
-                        <a:schemeClr val="tx1"/>
-                      </a:solidFill>
-                      <a:prstDash val="solid"/>
-                      <a:round/>
-                      <a:headEnd type="none" w="med" len="med"/>
-                      <a:tailEnd type="none" w="med" len="med"/>
-                    </a:lnB>
-                  </a:tcPr>
-                </a:tc>
-                <a:tc>
-                  <a:txBody>
-                    <a:bodyPr/>
-                    <a:lstStyle/>
-                    <a:p>
-                      <a:pPr algn="ctr" fontAlgn="ctr"/>
-                      <a:r>
-                        <a:rPr lang="en-US" altLang="ja-JP" sz="1100" b="0" i="0" u="none" strike="noStrike" dirty="0">
-                          <a:solidFill>
-                            <a:srgbClr val="000000"/>
-                          </a:solidFill>
-                          <a:effectLst/>
-                          <a:latin typeface="+mn-lt"/>
-                          <a:ea typeface="ＭＳ Ｐゴシック" panose="020B0600070205080204" pitchFamily="50" charset="-128"/>
-                        </a:rPr>
-                        <a:t>300</a:t>
-                      </a:r>
-                    </a:p>
-                  </a:txBody>
-                  <a:tcPr marL="9525" marR="9525" marT="9525" marB="0" anchor="ctr">
-                    <a:lnL w="12700" cap="flat" cmpd="sng" algn="ctr">
-                      <a:solidFill>
-                        <a:schemeClr val="tx1"/>
-                      </a:solidFill>
-                      <a:prstDash val="solid"/>
-                      <a:round/>
-                      <a:headEnd type="none" w="med" len="med"/>
-                      <a:tailEnd type="none" w="med" len="med"/>
-                    </a:lnL>
-                    <a:lnR w="12700" cap="flat" cmpd="sng" algn="ctr">
-                      <a:solidFill>
-                        <a:schemeClr val="tx1"/>
-                      </a:solidFill>
-                      <a:prstDash val="solid"/>
-                      <a:round/>
-                      <a:headEnd type="none" w="med" len="med"/>
-                      <a:tailEnd type="none" w="med" len="med"/>
-                    </a:lnR>
-                    <a:lnT w="12700" cap="flat" cmpd="sng" algn="ctr">
-                      <a:solidFill>
-                        <a:schemeClr val="tx1"/>
-                      </a:solidFill>
-                      <a:prstDash val="solid"/>
-                      <a:round/>
-                      <a:headEnd type="none" w="med" len="med"/>
-                      <a:tailEnd type="none" w="med" len="med"/>
-                    </a:lnT>
-                    <a:lnB w="12700" cap="flat" cmpd="sng" algn="ctr">
-                      <a:solidFill>
-                        <a:schemeClr val="tx1"/>
-                      </a:solidFill>
-                      <a:prstDash val="solid"/>
-                      <a:round/>
-                      <a:headEnd type="none" w="med" len="med"/>
-                      <a:tailEnd type="none" w="med" len="med"/>
-                    </a:lnB>
-                  </a:tcPr>
-                </a:tc>
-              </a:tr>
-            </a:tbl>
-          </a:graphicData>
-        </a:graphic>
-      </p:graphicFrame>
-      <p:cxnSp>
-        <p:nvCxnSpPr>
-          <p:cNvPr id="19" name="直線コネクタ 18"/>
-          <p:cNvCxnSpPr/>
-          <p:nvPr/>
-        </p:nvCxnSpPr>
-        <p:spPr>
-          <a:xfrm>
-            <a:off x="2317984" y="2553756"/>
-            <a:ext cx="19166" cy="2315404"/>
-          </a:xfrm>
-          <a:prstGeom prst="line">
-            <a:avLst/>
-          </a:prstGeom>
-          <a:ln>
-            <a:solidFill>
-              <a:schemeClr val="tx1"/>
-            </a:solidFill>
-          </a:ln>
-        </p:spPr>
-        <p:style>
-          <a:lnRef idx="1">
-            <a:schemeClr val="accent1"/>
-          </a:lnRef>
-          <a:fillRef idx="0">
-            <a:schemeClr val="accent1"/>
-          </a:fillRef>
-          <a:effectRef idx="0">
-            <a:schemeClr val="accent1"/>
-          </a:effectRef>
-          <a:fontRef idx="minor">
-            <a:schemeClr val="tx1"/>
-          </a:fontRef>
-        </p:style>
-      </p:cxnSp>
-      <p:cxnSp>
-        <p:nvCxnSpPr>
-          <p:cNvPr id="23" name="直線コネクタ 22"/>
-          <p:cNvCxnSpPr/>
-          <p:nvPr/>
-        </p:nvCxnSpPr>
-        <p:spPr>
-          <a:xfrm>
-            <a:off x="4258018" y="2553756"/>
-            <a:ext cx="19166" cy="2315404"/>
-          </a:xfrm>
-          <a:prstGeom prst="line">
-            <a:avLst/>
-          </a:prstGeom>
-          <a:ln>
-            <a:solidFill>
-              <a:schemeClr val="tx1"/>
-            </a:solidFill>
-          </a:ln>
-        </p:spPr>
-        <p:style>
-          <a:lnRef idx="1">
-            <a:schemeClr val="accent1"/>
-          </a:lnRef>
-          <a:fillRef idx="0">
-            <a:schemeClr val="accent1"/>
-          </a:fillRef>
-          <a:effectRef idx="0">
-            <a:schemeClr val="accent1"/>
-          </a:effectRef>
-          <a:fontRef idx="minor">
-            <a:schemeClr val="tx1"/>
-          </a:fontRef>
-        </p:style>
-      </p:cxnSp>
-      <p:cxnSp>
-        <p:nvCxnSpPr>
-          <p:cNvPr id="24" name="直線コネクタ 23"/>
-          <p:cNvCxnSpPr/>
-          <p:nvPr/>
-        </p:nvCxnSpPr>
-        <p:spPr>
-          <a:xfrm>
-            <a:off x="6203756" y="2538777"/>
-            <a:ext cx="19166" cy="2315404"/>
-          </a:xfrm>
-          <a:prstGeom prst="line">
-            <a:avLst/>
-          </a:prstGeom>
-          <a:ln>
-            <a:solidFill>
-              <a:schemeClr val="tx1"/>
-            </a:solidFill>
-          </a:ln>
-        </p:spPr>
-        <p:style>
-          <a:lnRef idx="1">
-            <a:schemeClr val="accent1"/>
-          </a:lnRef>
-          <a:fillRef idx="0">
-            <a:schemeClr val="accent1"/>
-          </a:fillRef>
-          <a:effectRef idx="0">
-            <a:schemeClr val="accent1"/>
-          </a:effectRef>
-          <a:fontRef idx="minor">
-            <a:schemeClr val="tx1"/>
-          </a:fontRef>
-        </p:style>
-      </p:cxnSp>
-      <p:cxnSp>
-        <p:nvCxnSpPr>
-          <p:cNvPr id="25" name="直線コネクタ 24"/>
-          <p:cNvCxnSpPr/>
-          <p:nvPr/>
-        </p:nvCxnSpPr>
-        <p:spPr>
-          <a:xfrm>
-            <a:off x="8144091" y="2554569"/>
-            <a:ext cx="19166" cy="2315404"/>
-          </a:xfrm>
-          <a:prstGeom prst="line">
-            <a:avLst/>
-          </a:prstGeom>
-          <a:ln>
-            <a:solidFill>
-              <a:schemeClr val="tx1"/>
-            </a:solidFill>
-          </a:ln>
-        </p:spPr>
-        <p:style>
-          <a:lnRef idx="1">
-            <a:schemeClr val="accent1"/>
-          </a:lnRef>
-          <a:fillRef idx="0">
-            <a:schemeClr val="accent1"/>
-          </a:fillRef>
-          <a:effectRef idx="0">
-            <a:schemeClr val="accent1"/>
-          </a:effectRef>
-          <a:fontRef idx="minor">
-            <a:schemeClr val="tx1"/>
-          </a:fontRef>
-        </p:style>
-      </p:cxnSp>
-      <p:pic>
-        <p:nvPicPr>
-          <p:cNvPr id="9" name="図 8"/>
-          <p:cNvPicPr>
-            <a:picLocks noChangeAspect="1"/>
-          </p:cNvPicPr>
-          <p:nvPr/>
-        </p:nvPicPr>
-        <p:blipFill>
-          <a:blip r:embed="rId6" cstate="print">
-            <a:extLst>
-              <a:ext uri="{28A0092B-C50C-407E-A947-70E740481C1C}">
-                <a14:useLocalDpi xmlns:a14="http://schemas.microsoft.com/office/drawing/2010/main" val="0"/>
-              </a:ext>
-            </a:extLst>
-          </a:blip>
-          <a:stretch>
-            <a:fillRect/>
-          </a:stretch>
-        </p:blipFill>
-        <p:spPr>
-          <a:xfrm>
-            <a:off x="574947" y="2307302"/>
-            <a:ext cx="1559201" cy="1781944"/>
-          </a:xfrm>
-          <a:prstGeom prst="rect">
-            <a:avLst/>
-          </a:prstGeom>
-        </p:spPr>
-      </p:pic>
-      <p:cxnSp>
-        <p:nvCxnSpPr>
-          <p:cNvPr id="11" name="直線矢印コネクタ 10"/>
-          <p:cNvCxnSpPr/>
-          <p:nvPr/>
-        </p:nvCxnSpPr>
-        <p:spPr>
-          <a:xfrm flipH="1">
-            <a:off x="1326620" y="1993931"/>
-            <a:ext cx="149036" cy="1219045"/>
-          </a:xfrm>
-          <a:prstGeom prst="straightConnector1">
-            <a:avLst/>
-          </a:prstGeom>
-          <a:ln>
-            <a:solidFill>
-              <a:schemeClr val="tx1"/>
-            </a:solidFill>
-            <a:tailEnd type="triangle"/>
-          </a:ln>
-        </p:spPr>
-        <p:style>
-          <a:lnRef idx="1">
-            <a:schemeClr val="accent1"/>
-          </a:lnRef>
-          <a:fillRef idx="0">
-            <a:schemeClr val="accent1"/>
-          </a:fillRef>
-          <a:effectRef idx="0">
-            <a:schemeClr val="accent1"/>
-          </a:effectRef>
-          <a:fontRef idx="minor">
-            <a:schemeClr val="tx1"/>
-          </a:fontRef>
-        </p:style>
-      </p:cxnSp>
-      <p:graphicFrame>
-        <p:nvGraphicFramePr>
-          <p:cNvPr id="29" name="表 28"/>
-          <p:cNvGraphicFramePr>
-            <a:graphicFrameLocks noGrp="1"/>
-          </p:cNvGraphicFramePr>
-          <p:nvPr>
-            <p:extLst>
-              <p:ext uri="{D42A27DB-BD31-4B8C-83A1-F6EECF244321}">
-                <p14:modId xmlns:p14="http://schemas.microsoft.com/office/powerpoint/2010/main" val="704863440"/>
-              </p:ext>
-            </p:extLst>
-          </p:nvPr>
-        </p:nvGraphicFramePr>
-        <p:xfrm>
-          <a:off x="395535" y="4869160"/>
-          <a:ext cx="7776866" cy="893445"/>
-        </p:xfrm>
-        <a:graphic>
-          <a:graphicData uri="http://schemas.openxmlformats.org/drawingml/2006/table">
-            <a:tbl>
-              <a:tblPr/>
-              <a:tblGrid>
-                <a:gridCol w="864097"/>
-                <a:gridCol w="216024"/>
-                <a:gridCol w="864096"/>
-                <a:gridCol w="1944216"/>
-                <a:gridCol w="1944216"/>
-                <a:gridCol w="1944217"/>
-              </a:tblGrid>
-              <a:tr h="171450">
-                <a:tc rowSpan="5">
-                  <a:txBody>
-                    <a:bodyPr/>
-                    <a:lstStyle/>
-                    <a:p>
-                      <a:pPr algn="ctr" fontAlgn="ctr"/>
-                      <a:r>
-                        <a:rPr lang="ja-JP" altLang="en-US" sz="1100" b="0" i="0" u="none" strike="noStrike" dirty="0" smtClean="0">
-                          <a:solidFill>
-                            <a:srgbClr val="000000"/>
-                          </a:solidFill>
-                          <a:effectLst/>
-                          <a:latin typeface="+mn-lt"/>
-                          <a:ea typeface="ＭＳ Ｐゴシック" panose="020B0600070205080204" pitchFamily="50" charset="-128"/>
-                        </a:rPr>
-                        <a:t>層</a:t>
-                      </a:r>
-                      <a:endParaRPr lang="ja-JP" altLang="en-US" sz="1100" b="0" i="0" u="none" strike="noStrike" dirty="0">
-                        <a:solidFill>
-                          <a:srgbClr val="000000"/>
-                        </a:solidFill>
-                        <a:effectLst/>
-                        <a:latin typeface="+mn-lt"/>
-                        <a:ea typeface="ＭＳ Ｐゴシック" panose="020B0600070205080204" pitchFamily="50" charset="-128"/>
-                      </a:endParaRPr>
-                    </a:p>
-                  </a:txBody>
-                  <a:tcPr marL="9525" marR="9525" marT="9525" marB="0" anchor="ctr">
-                    <a:lnL w="12700" cap="flat" cmpd="sng" algn="ctr">
-                      <a:solidFill>
-                        <a:srgbClr val="000000"/>
-                      </a:solidFill>
-                      <a:prstDash val="solid"/>
-                      <a:round/>
-                      <a:headEnd type="none" w="med" len="med"/>
-                      <a:tailEnd type="none" w="med" len="med"/>
-                    </a:lnL>
-                    <a:lnR w="12700" cap="flat" cmpd="sng" algn="ctr">
-                      <a:solidFill>
-                        <a:srgbClr val="000000"/>
-                      </a:solidFill>
-                      <a:prstDash val="solid"/>
-                      <a:round/>
-                      <a:headEnd type="none" w="med" len="med"/>
-                      <a:tailEnd type="none" w="med" len="med"/>
-                    </a:lnR>
-                    <a:lnT w="12700" cap="flat" cmpd="sng" algn="ctr">
-                      <a:solidFill>
-                        <a:srgbClr val="000000"/>
-                      </a:solidFill>
-                      <a:prstDash val="solid"/>
-                      <a:round/>
-                      <a:headEnd type="none" w="med" len="med"/>
-                      <a:tailEnd type="none" w="med" len="med"/>
-                    </a:lnT>
-                    <a:lnB w="12700" cap="flat" cmpd="sng" algn="ctr">
-                      <a:solidFill>
-                        <a:srgbClr val="000000"/>
-                      </a:solidFill>
-                      <a:prstDash val="solid"/>
-                      <a:round/>
-                      <a:headEnd type="none" w="med" len="med"/>
-                      <a:tailEnd type="none" w="med" len="med"/>
-                    </a:lnB>
-                  </a:tcPr>
-                </a:tc>
-                <a:tc>
-                  <a:txBody>
-                    <a:bodyPr/>
-                    <a:lstStyle/>
-                    <a:p>
-                      <a:pPr algn="ctr" fontAlgn="ctr"/>
-                      <a:r>
-                        <a:rPr lang="en-US" altLang="ja-JP" sz="1100" b="0" i="0" u="none" strike="noStrike" dirty="0">
-                          <a:solidFill>
-                            <a:srgbClr val="000000"/>
-                          </a:solidFill>
-                          <a:effectLst/>
-                          <a:latin typeface="+mn-lt"/>
-                          <a:ea typeface="ＭＳ Ｐゴシック" panose="020B0600070205080204" pitchFamily="50" charset="-128"/>
-                        </a:rPr>
-                        <a:t>1</a:t>
-                      </a:r>
-                    </a:p>
-                  </a:txBody>
-                  <a:tcPr marL="9525" marR="9525" marT="9525" marB="0" anchor="ctr">
-                    <a:lnL w="12700" cap="flat" cmpd="sng" algn="ctr">
-                      <a:solidFill>
-                        <a:srgbClr val="000000"/>
-                      </a:solidFill>
-                      <a:prstDash val="solid"/>
-                      <a:round/>
-                      <a:headEnd type="none" w="med" len="med"/>
-                      <a:tailEnd type="none" w="med" len="med"/>
-                    </a:lnL>
-                    <a:lnR w="6350" cap="flat" cmpd="sng" algn="ctr">
-                      <a:solidFill>
-                        <a:srgbClr val="000000"/>
-                      </a:solidFill>
-                      <a:prstDash val="solid"/>
-                      <a:round/>
-                      <a:headEnd type="none" w="med" len="med"/>
-                      <a:tailEnd type="none" w="med" len="med"/>
-                    </a:lnR>
-                    <a:lnT w="12700" cap="flat" cmpd="sng" algn="ctr">
-                      <a:solidFill>
-                        <a:srgbClr val="000000"/>
-                      </a:solidFill>
-                      <a:prstDash val="solid"/>
-                      <a:round/>
-                      <a:headEnd type="none" w="med" len="med"/>
-                      <a:tailEnd type="none" w="med" len="med"/>
-                    </a:lnT>
-                    <a:lnB w="6350" cap="flat" cmpd="sng" algn="ctr">
-                      <a:solidFill>
-                        <a:srgbClr val="000000"/>
-                      </a:solidFill>
-                      <a:prstDash val="solid"/>
-                      <a:round/>
-                      <a:headEnd type="none" w="med" len="med"/>
-                      <a:tailEnd type="none" w="med" len="med"/>
-                    </a:lnB>
-                  </a:tcPr>
-                </a:tc>
-                <a:tc>
-                  <a:txBody>
-                    <a:bodyPr/>
-                    <a:lstStyle/>
-                    <a:p>
-                      <a:pPr algn="ctr" fontAlgn="ctr"/>
-                      <a:r>
-                        <a:rPr lang="ja-JP" altLang="en-US" sz="1100" b="0" i="0" u="none" strike="noStrike" dirty="0">
-                          <a:solidFill>
-                            <a:srgbClr val="000000"/>
-                          </a:solidFill>
-                          <a:effectLst/>
-                          <a:latin typeface="+mn-lt"/>
-                          <a:ea typeface="ＭＳ Ｐゴシック" panose="020B0600070205080204" pitchFamily="50" charset="-128"/>
-                        </a:rPr>
-                        <a:t>　</a:t>
-                      </a:r>
-                    </a:p>
-                  </a:txBody>
-                  <a:tcPr marL="9525" marR="9525" marT="9525" marB="0" anchor="ctr">
-                    <a:lnL w="6350" cap="flat" cmpd="sng" algn="ctr">
-                      <a:solidFill>
-                        <a:srgbClr val="000000"/>
-                      </a:solidFill>
-                      <a:prstDash val="solid"/>
-                      <a:round/>
-                      <a:headEnd type="none" w="med" len="med"/>
-                      <a:tailEnd type="none" w="med" len="med"/>
-                    </a:lnL>
-                    <a:lnR w="12700" cap="flat" cmpd="sng" algn="ctr">
-                      <a:solidFill>
-                        <a:schemeClr val="tx1"/>
-                      </a:solidFill>
-                      <a:prstDash val="solid"/>
-                      <a:round/>
-                      <a:headEnd type="none" w="med" len="med"/>
-                      <a:tailEnd type="none" w="med" len="med"/>
-                    </a:lnR>
-                    <a:lnT w="12700" cap="flat" cmpd="sng" algn="ctr">
-                      <a:solidFill>
-                        <a:srgbClr val="000000"/>
-                      </a:solidFill>
-                      <a:prstDash val="solid"/>
-                      <a:round/>
-                      <a:headEnd type="none" w="med" len="med"/>
-                      <a:tailEnd type="none" w="med" len="med"/>
-                    </a:lnT>
-                    <a:lnB w="6350" cap="flat" cmpd="sng" algn="ctr">
-                      <a:solidFill>
-                        <a:srgbClr val="000000"/>
-                      </a:solidFill>
-                      <a:prstDash val="solid"/>
-                      <a:round/>
-                      <a:headEnd type="none" w="med" len="med"/>
-                      <a:tailEnd type="none" w="med" len="med"/>
-                    </a:lnB>
-                    <a:solidFill>
-                      <a:srgbClr val="FF0000"/>
-                    </a:solidFill>
-                  </a:tcPr>
-                </a:tc>
-                <a:tc>
-                  <a:txBody>
-                    <a:bodyPr/>
-                    <a:lstStyle/>
-                    <a:p>
-                      <a:pPr algn="ctr" fontAlgn="ctr"/>
-                      <a:r>
-                        <a:rPr lang="en-US" altLang="ja-JP" sz="1100" b="0" i="0" u="none" strike="noStrike">
-                          <a:solidFill>
-                            <a:srgbClr val="000000"/>
-                          </a:solidFill>
-                          <a:effectLst/>
-                          <a:latin typeface="+mn-lt"/>
-                          <a:ea typeface="ＭＳ Ｐゴシック" panose="020B0600070205080204" pitchFamily="50" charset="-128"/>
-                        </a:rPr>
-                        <a:t>14.16298</a:t>
-                      </a:r>
-                    </a:p>
-                  </a:txBody>
-                  <a:tcPr marL="9525" marR="9525" marT="9525" marB="0" anchor="ctr">
-                    <a:lnL w="12700" cap="flat" cmpd="sng" algn="ctr">
-                      <a:solidFill>
-                        <a:schemeClr val="tx1"/>
-                      </a:solidFill>
-                      <a:prstDash val="solid"/>
-                      <a:round/>
-                      <a:headEnd type="none" w="med" len="med"/>
-                      <a:tailEnd type="none" w="med" len="med"/>
-                    </a:lnL>
-                    <a:lnR w="12700" cap="flat" cmpd="sng" algn="ctr">
-                      <a:solidFill>
-                        <a:schemeClr val="tx1"/>
-                      </a:solidFill>
-                      <a:prstDash val="solid"/>
-                      <a:round/>
-                      <a:headEnd type="none" w="med" len="med"/>
-                      <a:tailEnd type="none" w="med" len="med"/>
-                    </a:lnR>
-                    <a:lnT w="12700" cap="flat" cmpd="sng" algn="ctr">
-                      <a:solidFill>
-                        <a:schemeClr val="tx1"/>
-                      </a:solidFill>
-                      <a:prstDash val="solid"/>
-                      <a:round/>
-                      <a:headEnd type="none" w="med" len="med"/>
-                      <a:tailEnd type="none" w="med" len="med"/>
-                    </a:lnT>
-                    <a:lnB w="6350" cap="flat" cmpd="sng" algn="ctr">
-                      <a:solidFill>
-                        <a:srgbClr val="000000"/>
-                      </a:solidFill>
-                      <a:prstDash val="solid"/>
-                      <a:round/>
-                      <a:headEnd type="none" w="med" len="med"/>
-                      <a:tailEnd type="none" w="med" len="med"/>
-                    </a:lnB>
-                  </a:tcPr>
-                </a:tc>
-                <a:tc>
-                  <a:txBody>
-                    <a:bodyPr/>
-                    <a:lstStyle/>
-                    <a:p>
-                      <a:pPr algn="ctr" fontAlgn="ctr"/>
-                      <a:r>
-                        <a:rPr lang="en-US" altLang="ja-JP" sz="1100" b="0" i="0" u="none" strike="noStrike">
-                          <a:solidFill>
-                            <a:srgbClr val="000000"/>
-                          </a:solidFill>
-                          <a:effectLst/>
-                          <a:latin typeface="+mn-lt"/>
-                          <a:ea typeface="ＭＳ Ｐゴシック" panose="020B0600070205080204" pitchFamily="50" charset="-128"/>
-                        </a:rPr>
-                        <a:t>15.57424</a:t>
-                      </a:r>
-                    </a:p>
-                  </a:txBody>
-                  <a:tcPr marL="9525" marR="9525" marT="9525" marB="0" anchor="ctr">
-                    <a:lnL w="12700" cap="flat" cmpd="sng" algn="ctr">
-                      <a:solidFill>
-                        <a:schemeClr val="tx1"/>
-                      </a:solidFill>
-                      <a:prstDash val="solid"/>
-                      <a:round/>
-                      <a:headEnd type="none" w="med" len="med"/>
-                      <a:tailEnd type="none" w="med" len="med"/>
-                    </a:lnL>
-                    <a:lnR w="12700" cap="flat" cmpd="sng" algn="ctr">
-                      <a:solidFill>
-                        <a:schemeClr val="tx1"/>
-                      </a:solidFill>
-                      <a:prstDash val="solid"/>
-                      <a:round/>
-                      <a:headEnd type="none" w="med" len="med"/>
-                      <a:tailEnd type="none" w="med" len="med"/>
-                    </a:lnR>
-                    <a:lnT w="12700" cap="flat" cmpd="sng" algn="ctr">
-                      <a:solidFill>
-                        <a:schemeClr val="tx1"/>
-                      </a:solidFill>
-                      <a:prstDash val="solid"/>
-                      <a:round/>
-                      <a:headEnd type="none" w="med" len="med"/>
-                      <a:tailEnd type="none" w="med" len="med"/>
-                    </a:lnT>
-                    <a:lnB w="6350" cap="flat" cmpd="sng" algn="ctr">
-                      <a:solidFill>
-                        <a:srgbClr val="000000"/>
-                      </a:solidFill>
-                      <a:prstDash val="solid"/>
-                      <a:round/>
-                      <a:headEnd type="none" w="med" len="med"/>
-                      <a:tailEnd type="none" w="med" len="med"/>
-                    </a:lnB>
-                  </a:tcPr>
-                </a:tc>
-                <a:tc>
-                  <a:txBody>
-                    <a:bodyPr/>
-                    <a:lstStyle/>
-                    <a:p>
-                      <a:pPr algn="ctr" fontAlgn="ctr"/>
-                      <a:r>
-                        <a:rPr lang="en-US" altLang="ja-JP" sz="1100" b="0" i="0" u="none" strike="noStrike">
-                          <a:solidFill>
-                            <a:srgbClr val="000000"/>
-                          </a:solidFill>
-                          <a:effectLst/>
-                          <a:latin typeface="+mn-lt"/>
-                          <a:ea typeface="ＭＳ Ｐゴシック" panose="020B0600070205080204" pitchFamily="50" charset="-128"/>
-                        </a:rPr>
-                        <a:t>16.52866</a:t>
-                      </a:r>
-                    </a:p>
-                  </a:txBody>
-                  <a:tcPr marL="9525" marR="9525" marT="9525" marB="0" anchor="ctr">
-                    <a:lnL w="12700" cap="flat" cmpd="sng" algn="ctr">
-                      <a:solidFill>
-                        <a:schemeClr val="tx1"/>
-                      </a:solidFill>
-                      <a:prstDash val="solid"/>
-                      <a:round/>
-                      <a:headEnd type="none" w="med" len="med"/>
-                      <a:tailEnd type="none" w="med" len="med"/>
-                    </a:lnL>
-                    <a:lnR w="12700" cap="flat" cmpd="sng" algn="ctr">
-                      <a:solidFill>
-                        <a:schemeClr val="tx1"/>
-                      </a:solidFill>
-                      <a:prstDash val="solid"/>
-                      <a:round/>
-                      <a:headEnd type="none" w="med" len="med"/>
-                      <a:tailEnd type="none" w="med" len="med"/>
-                    </a:lnR>
-                    <a:lnT w="12700" cap="flat" cmpd="sng" algn="ctr">
-                      <a:solidFill>
-                        <a:schemeClr val="tx1"/>
-                      </a:solidFill>
-                      <a:prstDash val="solid"/>
-                      <a:round/>
-                      <a:headEnd type="none" w="med" len="med"/>
-                      <a:tailEnd type="none" w="med" len="med"/>
-                    </a:lnT>
-                    <a:lnB w="6350" cap="flat" cmpd="sng" algn="ctr">
-                      <a:solidFill>
-                        <a:srgbClr val="000000"/>
-                      </a:solidFill>
-                      <a:prstDash val="solid"/>
-                      <a:round/>
-                      <a:headEnd type="none" w="med" len="med"/>
-                      <a:tailEnd type="none" w="med" len="med"/>
-                    </a:lnB>
-                  </a:tcPr>
-                </a:tc>
-              </a:tr>
-              <a:tr h="171450">
-                <a:tc vMerge="1">
-                  <a:txBody>
-                    <a:bodyPr/>
-                    <a:lstStyle/>
-                    <a:p>
-                      <a:endParaRPr kumimoji="1" lang="ja-JP" altLang="en-US"/>
-                    </a:p>
-                  </a:txBody>
-                  <a:tcPr/>
-                </a:tc>
-                <a:tc>
-                  <a:txBody>
-                    <a:bodyPr/>
-                    <a:lstStyle/>
-                    <a:p>
-                      <a:pPr algn="ctr" fontAlgn="ctr"/>
-                      <a:r>
-                        <a:rPr lang="en-US" altLang="ja-JP" sz="1100" b="0" i="0" u="none" strike="noStrike">
-                          <a:solidFill>
-                            <a:srgbClr val="000000"/>
-                          </a:solidFill>
-                          <a:effectLst/>
-                          <a:latin typeface="+mn-lt"/>
-                          <a:ea typeface="ＭＳ Ｐゴシック" panose="020B0600070205080204" pitchFamily="50" charset="-128"/>
-                        </a:rPr>
-                        <a:t>2</a:t>
-                      </a:r>
-                    </a:p>
-                  </a:txBody>
-                  <a:tcPr marL="9525" marR="9525" marT="9525" marB="0" anchor="ctr">
-                    <a:lnL w="12700" cap="flat" cmpd="sng" algn="ctr">
-                      <a:solidFill>
-                        <a:srgbClr val="000000"/>
-                      </a:solidFill>
-                      <a:prstDash val="solid"/>
-                      <a:round/>
-                      <a:headEnd type="none" w="med" len="med"/>
-                      <a:tailEnd type="none" w="med" len="med"/>
-                    </a:lnL>
-                    <a:lnR w="6350" cap="flat" cmpd="sng" algn="ctr">
-                      <a:solidFill>
-                        <a:srgbClr val="000000"/>
-                      </a:solidFill>
-                      <a:prstDash val="solid"/>
-                      <a:round/>
-                      <a:headEnd type="none" w="med" len="med"/>
-                      <a:tailEnd type="none" w="med" len="med"/>
-                    </a:lnR>
-                    <a:lnT w="6350" cap="flat" cmpd="sng" algn="ctr">
-                      <a:solidFill>
-                        <a:srgbClr val="000000"/>
-                      </a:solidFill>
-                      <a:prstDash val="solid"/>
-                      <a:round/>
-                      <a:headEnd type="none" w="med" len="med"/>
-                      <a:tailEnd type="none" w="med" len="med"/>
-                    </a:lnT>
-                    <a:lnB w="6350" cap="flat" cmpd="sng" algn="ctr">
-                      <a:solidFill>
-                        <a:srgbClr val="000000"/>
-                      </a:solidFill>
-                      <a:prstDash val="solid"/>
-                      <a:round/>
-                      <a:headEnd type="none" w="med" len="med"/>
-                      <a:tailEnd type="none" w="med" len="med"/>
-                    </a:lnB>
-                  </a:tcPr>
-                </a:tc>
-                <a:tc>
-                  <a:txBody>
-                    <a:bodyPr/>
-                    <a:lstStyle/>
-                    <a:p>
-                      <a:pPr algn="ctr" fontAlgn="ctr"/>
-                      <a:r>
-                        <a:rPr lang="ja-JP" altLang="en-US" sz="1100" b="0" i="0" u="none" strike="noStrike" dirty="0">
-                          <a:solidFill>
-                            <a:srgbClr val="000000"/>
-                          </a:solidFill>
-                          <a:effectLst/>
-                          <a:latin typeface="+mn-lt"/>
-                          <a:ea typeface="ＭＳ Ｐゴシック" panose="020B0600070205080204" pitchFamily="50" charset="-128"/>
-                        </a:rPr>
-                        <a:t>　</a:t>
-                      </a:r>
-                    </a:p>
-                  </a:txBody>
-                  <a:tcPr marL="9525" marR="9525" marT="9525" marB="0" anchor="ctr">
-                    <a:lnL w="6350" cap="flat" cmpd="sng" algn="ctr">
-                      <a:solidFill>
-                        <a:srgbClr val="000000"/>
-                      </a:solidFill>
-                      <a:prstDash val="solid"/>
-                      <a:round/>
-                      <a:headEnd type="none" w="med" len="med"/>
-                      <a:tailEnd type="none" w="med" len="med"/>
-                    </a:lnL>
-                    <a:lnR w="12700" cap="flat" cmpd="sng" algn="ctr">
-                      <a:solidFill>
-                        <a:schemeClr val="tx1"/>
-                      </a:solidFill>
-                      <a:prstDash val="solid"/>
-                      <a:round/>
-                      <a:headEnd type="none" w="med" len="med"/>
-                      <a:tailEnd type="none" w="med" len="med"/>
-                    </a:lnR>
-                    <a:lnT w="6350" cap="flat" cmpd="sng" algn="ctr">
-                      <a:solidFill>
-                        <a:srgbClr val="000000"/>
-                      </a:solidFill>
-                      <a:prstDash val="solid"/>
-                      <a:round/>
-                      <a:headEnd type="none" w="med" len="med"/>
-                      <a:tailEnd type="none" w="med" len="med"/>
-                    </a:lnT>
-                    <a:lnB w="6350" cap="flat" cmpd="sng" algn="ctr">
-                      <a:solidFill>
-                        <a:srgbClr val="000000"/>
-                      </a:solidFill>
-                      <a:prstDash val="solid"/>
-                      <a:round/>
-                      <a:headEnd type="none" w="med" len="med"/>
-                      <a:tailEnd type="none" w="med" len="med"/>
-                    </a:lnB>
-                    <a:solidFill>
-                      <a:srgbClr val="4472C4"/>
-                    </a:solidFill>
-                  </a:tcPr>
-                </a:tc>
-                <a:tc>
-                  <a:txBody>
-                    <a:bodyPr/>
-                    <a:lstStyle/>
-                    <a:p>
-                      <a:pPr algn="ctr" fontAlgn="ctr"/>
-                      <a:r>
-                        <a:rPr lang="en-US" altLang="ja-JP" sz="1100" b="0" i="0" u="none" strike="noStrike">
-                          <a:solidFill>
-                            <a:srgbClr val="000000"/>
-                          </a:solidFill>
-                          <a:effectLst/>
-                          <a:latin typeface="+mn-lt"/>
-                          <a:ea typeface="ＭＳ Ｐゴシック" panose="020B0600070205080204" pitchFamily="50" charset="-128"/>
-                        </a:rPr>
-                        <a:t>15.88472</a:t>
-                      </a:r>
-                    </a:p>
-                  </a:txBody>
-                  <a:tcPr marL="9525" marR="9525" marT="9525" marB="0" anchor="ctr">
-                    <a:lnL w="12700" cap="flat" cmpd="sng" algn="ctr">
-                      <a:solidFill>
-                        <a:schemeClr val="tx1"/>
-                      </a:solidFill>
-                      <a:prstDash val="solid"/>
-                      <a:round/>
-                      <a:headEnd type="none" w="med" len="med"/>
-                      <a:tailEnd type="none" w="med" len="med"/>
-                    </a:lnL>
-                    <a:lnR w="12700" cap="flat" cmpd="sng" algn="ctr">
-                      <a:solidFill>
-                        <a:schemeClr val="tx1"/>
-                      </a:solidFill>
-                      <a:prstDash val="solid"/>
-                      <a:round/>
-                      <a:headEnd type="none" w="med" len="med"/>
-                      <a:tailEnd type="none" w="med" len="med"/>
-                    </a:lnR>
-                    <a:lnT w="6350" cap="flat" cmpd="sng" algn="ctr">
-                      <a:solidFill>
-                        <a:srgbClr val="000000"/>
-                      </a:solidFill>
-                      <a:prstDash val="solid"/>
-                      <a:round/>
-                      <a:headEnd type="none" w="med" len="med"/>
-                      <a:tailEnd type="none" w="med" len="med"/>
-                    </a:lnT>
-                    <a:lnB w="6350" cap="flat" cmpd="sng" algn="ctr">
-                      <a:solidFill>
-                        <a:srgbClr val="000000"/>
-                      </a:solidFill>
-                      <a:prstDash val="solid"/>
-                      <a:round/>
-                      <a:headEnd type="none" w="med" len="med"/>
-                      <a:tailEnd type="none" w="med" len="med"/>
-                    </a:lnB>
-                  </a:tcPr>
-                </a:tc>
-                <a:tc>
-                  <a:txBody>
-                    <a:bodyPr/>
-                    <a:lstStyle/>
-                    <a:p>
-                      <a:pPr algn="ctr" fontAlgn="ctr"/>
-                      <a:r>
-                        <a:rPr lang="en-US" altLang="ja-JP" sz="1100" b="0" i="0" u="none" strike="noStrike">
-                          <a:solidFill>
-                            <a:srgbClr val="000000"/>
-                          </a:solidFill>
-                          <a:effectLst/>
-                          <a:latin typeface="+mn-lt"/>
-                          <a:ea typeface="ＭＳ Ｐゴシック" panose="020B0600070205080204" pitchFamily="50" charset="-128"/>
-                        </a:rPr>
-                        <a:t>17.38232</a:t>
-                      </a:r>
-                    </a:p>
-                  </a:txBody>
-                  <a:tcPr marL="9525" marR="9525" marT="9525" marB="0" anchor="ctr">
-                    <a:lnL w="12700" cap="flat" cmpd="sng" algn="ctr">
-                      <a:solidFill>
-                        <a:schemeClr val="tx1"/>
-                      </a:solidFill>
-                      <a:prstDash val="solid"/>
-                      <a:round/>
-                      <a:headEnd type="none" w="med" len="med"/>
-                      <a:tailEnd type="none" w="med" len="med"/>
-                    </a:lnL>
-                    <a:lnR w="12700" cap="flat" cmpd="sng" algn="ctr">
-                      <a:solidFill>
-                        <a:schemeClr val="tx1"/>
-                      </a:solidFill>
-                      <a:prstDash val="solid"/>
-                      <a:round/>
-                      <a:headEnd type="none" w="med" len="med"/>
-                      <a:tailEnd type="none" w="med" len="med"/>
-                    </a:lnR>
-                    <a:lnT w="6350" cap="flat" cmpd="sng" algn="ctr">
-                      <a:solidFill>
-                        <a:srgbClr val="000000"/>
-                      </a:solidFill>
-                      <a:prstDash val="solid"/>
-                      <a:round/>
-                      <a:headEnd type="none" w="med" len="med"/>
-                      <a:tailEnd type="none" w="med" len="med"/>
-                    </a:lnT>
-                    <a:lnB w="6350" cap="flat" cmpd="sng" algn="ctr">
-                      <a:solidFill>
-                        <a:srgbClr val="000000"/>
-                      </a:solidFill>
-                      <a:prstDash val="solid"/>
-                      <a:round/>
-                      <a:headEnd type="none" w="med" len="med"/>
-                      <a:tailEnd type="none" w="med" len="med"/>
-                    </a:lnB>
-                  </a:tcPr>
-                </a:tc>
-                <a:tc>
-                  <a:txBody>
-                    <a:bodyPr/>
-                    <a:lstStyle/>
-                    <a:p>
-                      <a:pPr algn="ctr" fontAlgn="ctr"/>
-                      <a:r>
-                        <a:rPr lang="en-US" altLang="ja-JP" sz="1100" b="0" i="0" u="none" strike="noStrike">
-                          <a:solidFill>
-                            <a:srgbClr val="000000"/>
-                          </a:solidFill>
-                          <a:effectLst/>
-                          <a:latin typeface="+mn-lt"/>
-                          <a:ea typeface="ＭＳ Ｐゴシック" panose="020B0600070205080204" pitchFamily="50" charset="-128"/>
-                        </a:rPr>
-                        <a:t>18.19573</a:t>
-                      </a:r>
-                    </a:p>
-                  </a:txBody>
-                  <a:tcPr marL="9525" marR="9525" marT="9525" marB="0" anchor="ctr">
-                    <a:lnL w="12700" cap="flat" cmpd="sng" algn="ctr">
-                      <a:solidFill>
-                        <a:schemeClr val="tx1"/>
-                      </a:solidFill>
-                      <a:prstDash val="solid"/>
-                      <a:round/>
-                      <a:headEnd type="none" w="med" len="med"/>
-                      <a:tailEnd type="none" w="med" len="med"/>
-                    </a:lnL>
-                    <a:lnR w="12700" cap="flat" cmpd="sng" algn="ctr">
-                      <a:solidFill>
-                        <a:schemeClr val="tx1"/>
-                      </a:solidFill>
-                      <a:prstDash val="solid"/>
-                      <a:round/>
-                      <a:headEnd type="none" w="med" len="med"/>
-                      <a:tailEnd type="none" w="med" len="med"/>
-                    </a:lnR>
-                    <a:lnT w="6350" cap="flat" cmpd="sng" algn="ctr">
-                      <a:solidFill>
-                        <a:srgbClr val="000000"/>
-                      </a:solidFill>
-                      <a:prstDash val="solid"/>
-                      <a:round/>
-                      <a:headEnd type="none" w="med" len="med"/>
-                      <a:tailEnd type="none" w="med" len="med"/>
-                    </a:lnT>
-                    <a:lnB w="6350" cap="flat" cmpd="sng" algn="ctr">
-                      <a:solidFill>
-                        <a:srgbClr val="000000"/>
-                      </a:solidFill>
-                      <a:prstDash val="solid"/>
-                      <a:round/>
-                      <a:headEnd type="none" w="med" len="med"/>
-                      <a:tailEnd type="none" w="med" len="med"/>
-                    </a:lnB>
-                  </a:tcPr>
-                </a:tc>
-              </a:tr>
-              <a:tr h="171450">
-                <a:tc vMerge="1">
-                  <a:txBody>
-                    <a:bodyPr/>
-                    <a:lstStyle/>
-                    <a:p>
-                      <a:endParaRPr kumimoji="1" lang="ja-JP" altLang="en-US"/>
-                    </a:p>
-                  </a:txBody>
-                  <a:tcPr/>
-                </a:tc>
-                <a:tc>
-                  <a:txBody>
-                    <a:bodyPr/>
-                    <a:lstStyle/>
-                    <a:p>
-                      <a:pPr algn="ctr" fontAlgn="ctr"/>
-                      <a:r>
-                        <a:rPr lang="en-US" altLang="ja-JP" sz="1100" b="0" i="0" u="none" strike="noStrike">
-                          <a:solidFill>
-                            <a:srgbClr val="000000"/>
-                          </a:solidFill>
-                          <a:effectLst/>
-                          <a:latin typeface="+mn-lt"/>
-                          <a:ea typeface="ＭＳ Ｐゴシック" panose="020B0600070205080204" pitchFamily="50" charset="-128"/>
-                        </a:rPr>
-                        <a:t>3</a:t>
-                      </a:r>
-                    </a:p>
-                  </a:txBody>
-                  <a:tcPr marL="9525" marR="9525" marT="9525" marB="0" anchor="ctr">
-                    <a:lnL w="12700" cap="flat" cmpd="sng" algn="ctr">
-                      <a:solidFill>
-                        <a:srgbClr val="000000"/>
-                      </a:solidFill>
-                      <a:prstDash val="solid"/>
-                      <a:round/>
-                      <a:headEnd type="none" w="med" len="med"/>
-                      <a:tailEnd type="none" w="med" len="med"/>
-                    </a:lnL>
-                    <a:lnR w="6350" cap="flat" cmpd="sng" algn="ctr">
-                      <a:solidFill>
-                        <a:srgbClr val="000000"/>
-                      </a:solidFill>
-                      <a:prstDash val="solid"/>
-                      <a:round/>
-                      <a:headEnd type="none" w="med" len="med"/>
-                      <a:tailEnd type="none" w="med" len="med"/>
-                    </a:lnR>
-                    <a:lnT w="6350" cap="flat" cmpd="sng" algn="ctr">
-                      <a:solidFill>
-                        <a:srgbClr val="000000"/>
-                      </a:solidFill>
-                      <a:prstDash val="solid"/>
-                      <a:round/>
-                      <a:headEnd type="none" w="med" len="med"/>
-                      <a:tailEnd type="none" w="med" len="med"/>
-                    </a:lnT>
-                    <a:lnB w="6350" cap="flat" cmpd="sng" algn="ctr">
-                      <a:solidFill>
-                        <a:srgbClr val="000000"/>
-                      </a:solidFill>
-                      <a:prstDash val="solid"/>
-                      <a:round/>
-                      <a:headEnd type="none" w="med" len="med"/>
-                      <a:tailEnd type="none" w="med" len="med"/>
-                    </a:lnB>
-                  </a:tcPr>
-                </a:tc>
-                <a:tc>
-                  <a:txBody>
-                    <a:bodyPr/>
-                    <a:lstStyle/>
-                    <a:p>
-                      <a:pPr algn="ctr" fontAlgn="ctr"/>
-                      <a:r>
-                        <a:rPr lang="ja-JP" altLang="en-US" sz="1100" b="0" i="0" u="none" strike="noStrike">
-                          <a:solidFill>
-                            <a:srgbClr val="000000"/>
-                          </a:solidFill>
-                          <a:effectLst/>
-                          <a:latin typeface="+mn-lt"/>
-                          <a:ea typeface="ＭＳ Ｐゴシック" panose="020B0600070205080204" pitchFamily="50" charset="-128"/>
-                        </a:rPr>
-                        <a:t>　</a:t>
-                      </a:r>
-                    </a:p>
-                  </a:txBody>
-                  <a:tcPr marL="9525" marR="9525" marT="9525" marB="0" anchor="ctr">
-                    <a:lnL w="6350" cap="flat" cmpd="sng" algn="ctr">
-                      <a:solidFill>
-                        <a:srgbClr val="000000"/>
-                      </a:solidFill>
-                      <a:prstDash val="solid"/>
-                      <a:round/>
-                      <a:headEnd type="none" w="med" len="med"/>
-                      <a:tailEnd type="none" w="med" len="med"/>
-                    </a:lnL>
-                    <a:lnR w="12700" cap="flat" cmpd="sng" algn="ctr">
-                      <a:solidFill>
-                        <a:schemeClr val="tx1"/>
-                      </a:solidFill>
-                      <a:prstDash val="solid"/>
-                      <a:round/>
-                      <a:headEnd type="none" w="med" len="med"/>
-                      <a:tailEnd type="none" w="med" len="med"/>
-                    </a:lnR>
-                    <a:lnT w="6350" cap="flat" cmpd="sng" algn="ctr">
-                      <a:solidFill>
-                        <a:srgbClr val="000000"/>
-                      </a:solidFill>
-                      <a:prstDash val="solid"/>
-                      <a:round/>
-                      <a:headEnd type="none" w="med" len="med"/>
-                      <a:tailEnd type="none" w="med" len="med"/>
-                    </a:lnT>
-                    <a:lnB w="6350" cap="flat" cmpd="sng" algn="ctr">
-                      <a:solidFill>
-                        <a:srgbClr val="000000"/>
-                      </a:solidFill>
-                      <a:prstDash val="solid"/>
-                      <a:round/>
-                      <a:headEnd type="none" w="med" len="med"/>
-                      <a:tailEnd type="none" w="med" len="med"/>
-                    </a:lnB>
-                    <a:solidFill>
-                      <a:srgbClr val="00B0F0"/>
-                    </a:solidFill>
-                  </a:tcPr>
-                </a:tc>
-                <a:tc>
-                  <a:txBody>
-                    <a:bodyPr/>
-                    <a:lstStyle/>
-                    <a:p>
-                      <a:pPr algn="ctr" fontAlgn="ctr"/>
-                      <a:r>
-                        <a:rPr lang="en-US" altLang="ja-JP" sz="1100" b="0" i="0" u="none" strike="noStrike">
-                          <a:solidFill>
-                            <a:srgbClr val="000000"/>
-                          </a:solidFill>
-                          <a:effectLst/>
-                          <a:latin typeface="+mn-lt"/>
-                          <a:ea typeface="ＭＳ Ｐゴシック" panose="020B0600070205080204" pitchFamily="50" charset="-128"/>
-                        </a:rPr>
-                        <a:t>20.23937</a:t>
-                      </a:r>
-                    </a:p>
-                  </a:txBody>
-                  <a:tcPr marL="9525" marR="9525" marT="9525" marB="0" anchor="ctr">
-                    <a:lnL w="12700" cap="flat" cmpd="sng" algn="ctr">
-                      <a:solidFill>
-                        <a:schemeClr val="tx1"/>
-                      </a:solidFill>
-                      <a:prstDash val="solid"/>
-                      <a:round/>
-                      <a:headEnd type="none" w="med" len="med"/>
-                      <a:tailEnd type="none" w="med" len="med"/>
-                    </a:lnL>
-                    <a:lnR w="12700" cap="flat" cmpd="sng" algn="ctr">
-                      <a:solidFill>
-                        <a:schemeClr val="tx1"/>
-                      </a:solidFill>
-                      <a:prstDash val="solid"/>
-                      <a:round/>
-                      <a:headEnd type="none" w="med" len="med"/>
-                      <a:tailEnd type="none" w="med" len="med"/>
-                    </a:lnR>
-                    <a:lnT w="6350" cap="flat" cmpd="sng" algn="ctr">
-                      <a:solidFill>
-                        <a:srgbClr val="000000"/>
-                      </a:solidFill>
-                      <a:prstDash val="solid"/>
-                      <a:round/>
-                      <a:headEnd type="none" w="med" len="med"/>
-                      <a:tailEnd type="none" w="med" len="med"/>
-                    </a:lnT>
-                    <a:lnB w="6350" cap="flat" cmpd="sng" algn="ctr">
-                      <a:solidFill>
-                        <a:srgbClr val="000000"/>
-                      </a:solidFill>
-                      <a:prstDash val="solid"/>
-                      <a:round/>
-                      <a:headEnd type="none" w="med" len="med"/>
-                      <a:tailEnd type="none" w="med" len="med"/>
-                    </a:lnB>
-                  </a:tcPr>
-                </a:tc>
-                <a:tc>
-                  <a:txBody>
-                    <a:bodyPr/>
-                    <a:lstStyle/>
-                    <a:p>
-                      <a:pPr algn="ctr" fontAlgn="ctr"/>
-                      <a:r>
-                        <a:rPr lang="en-US" altLang="ja-JP" sz="1100" b="0" i="0" u="none" strike="noStrike">
-                          <a:solidFill>
-                            <a:srgbClr val="000000"/>
-                          </a:solidFill>
-                          <a:effectLst/>
-                          <a:latin typeface="+mn-lt"/>
-                          <a:ea typeface="ＭＳ Ｐゴシック" panose="020B0600070205080204" pitchFamily="50" charset="-128"/>
-                        </a:rPr>
-                        <a:t>20.94322</a:t>
-                      </a:r>
-                    </a:p>
-                  </a:txBody>
-                  <a:tcPr marL="9525" marR="9525" marT="9525" marB="0" anchor="ctr">
-                    <a:lnL w="12700" cap="flat" cmpd="sng" algn="ctr">
-                      <a:solidFill>
-                        <a:schemeClr val="tx1"/>
-                      </a:solidFill>
-                      <a:prstDash val="solid"/>
-                      <a:round/>
-                      <a:headEnd type="none" w="med" len="med"/>
-                      <a:tailEnd type="none" w="med" len="med"/>
-                    </a:lnL>
-                    <a:lnR w="12700" cap="flat" cmpd="sng" algn="ctr">
-                      <a:solidFill>
-                        <a:schemeClr val="tx1"/>
-                      </a:solidFill>
-                      <a:prstDash val="solid"/>
-                      <a:round/>
-                      <a:headEnd type="none" w="med" len="med"/>
-                      <a:tailEnd type="none" w="med" len="med"/>
-                    </a:lnR>
-                    <a:lnT w="6350" cap="flat" cmpd="sng" algn="ctr">
-                      <a:solidFill>
-                        <a:srgbClr val="000000"/>
-                      </a:solidFill>
-                      <a:prstDash val="solid"/>
-                      <a:round/>
-                      <a:headEnd type="none" w="med" len="med"/>
-                      <a:tailEnd type="none" w="med" len="med"/>
-                    </a:lnT>
-                    <a:lnB w="6350" cap="flat" cmpd="sng" algn="ctr">
-                      <a:solidFill>
-                        <a:srgbClr val="000000"/>
-                      </a:solidFill>
-                      <a:prstDash val="solid"/>
-                      <a:round/>
-                      <a:headEnd type="none" w="med" len="med"/>
-                      <a:tailEnd type="none" w="med" len="med"/>
-                    </a:lnB>
-                  </a:tcPr>
-                </a:tc>
-                <a:tc>
-                  <a:txBody>
-                    <a:bodyPr/>
-                    <a:lstStyle/>
-                    <a:p>
-                      <a:pPr algn="ctr" fontAlgn="ctr"/>
-                      <a:r>
-                        <a:rPr lang="en-US" altLang="ja-JP" sz="1100" b="0" i="0" u="none" strike="noStrike">
-                          <a:solidFill>
-                            <a:srgbClr val="000000"/>
-                          </a:solidFill>
-                          <a:effectLst/>
-                          <a:latin typeface="+mn-lt"/>
-                          <a:ea typeface="ＭＳ Ｐゴシック" panose="020B0600070205080204" pitchFamily="50" charset="-128"/>
-                        </a:rPr>
-                        <a:t>21.13344</a:t>
-                      </a:r>
-                    </a:p>
-                  </a:txBody>
-                  <a:tcPr marL="9525" marR="9525" marT="9525" marB="0" anchor="ctr">
-                    <a:lnL w="12700" cap="flat" cmpd="sng" algn="ctr">
-                      <a:solidFill>
-                        <a:schemeClr val="tx1"/>
-                      </a:solidFill>
-                      <a:prstDash val="solid"/>
-                      <a:round/>
-                      <a:headEnd type="none" w="med" len="med"/>
-                      <a:tailEnd type="none" w="med" len="med"/>
-                    </a:lnL>
-                    <a:lnR w="12700" cap="flat" cmpd="sng" algn="ctr">
-                      <a:solidFill>
-                        <a:schemeClr val="tx1"/>
-                      </a:solidFill>
-                      <a:prstDash val="solid"/>
-                      <a:round/>
-                      <a:headEnd type="none" w="med" len="med"/>
-                      <a:tailEnd type="none" w="med" len="med"/>
-                    </a:lnR>
-                    <a:lnT w="6350" cap="flat" cmpd="sng" algn="ctr">
-                      <a:solidFill>
-                        <a:srgbClr val="000000"/>
-                      </a:solidFill>
-                      <a:prstDash val="solid"/>
-                      <a:round/>
-                      <a:headEnd type="none" w="med" len="med"/>
-                      <a:tailEnd type="none" w="med" len="med"/>
-                    </a:lnT>
-                    <a:lnB w="6350" cap="flat" cmpd="sng" algn="ctr">
-                      <a:solidFill>
-                        <a:srgbClr val="000000"/>
-                      </a:solidFill>
-                      <a:prstDash val="solid"/>
-                      <a:round/>
-                      <a:headEnd type="none" w="med" len="med"/>
-                      <a:tailEnd type="none" w="med" len="med"/>
-                    </a:lnB>
-                  </a:tcPr>
-                </a:tc>
-              </a:tr>
-              <a:tr h="180975">
-                <a:tc vMerge="1">
-                  <a:txBody>
-                    <a:bodyPr/>
-                    <a:lstStyle/>
-                    <a:p>
-                      <a:endParaRPr kumimoji="1" lang="ja-JP" altLang="en-US"/>
-                    </a:p>
-                  </a:txBody>
-                  <a:tcPr/>
-                </a:tc>
-                <a:tc>
-                  <a:txBody>
-                    <a:bodyPr/>
-                    <a:lstStyle/>
-                    <a:p>
-                      <a:pPr algn="ctr" fontAlgn="ctr"/>
-                      <a:r>
-                        <a:rPr lang="en-US" altLang="ja-JP" sz="1100" b="0" i="0" u="none" strike="noStrike">
-                          <a:solidFill>
-                            <a:srgbClr val="000000"/>
-                          </a:solidFill>
-                          <a:effectLst/>
-                          <a:latin typeface="+mn-lt"/>
-                          <a:ea typeface="ＭＳ Ｐゴシック" panose="020B0600070205080204" pitchFamily="50" charset="-128"/>
-                        </a:rPr>
-                        <a:t>4</a:t>
-                      </a:r>
-                    </a:p>
-                  </a:txBody>
-                  <a:tcPr marL="9525" marR="9525" marT="9525" marB="0" anchor="ctr">
-                    <a:lnL w="12700" cap="flat" cmpd="sng" algn="ctr">
-                      <a:solidFill>
-                        <a:srgbClr val="000000"/>
-                      </a:solidFill>
-                      <a:prstDash val="solid"/>
-                      <a:round/>
-                      <a:headEnd type="none" w="med" len="med"/>
-                      <a:tailEnd type="none" w="med" len="med"/>
-                    </a:lnL>
-                    <a:lnR w="6350" cap="flat" cmpd="sng" algn="ctr">
-                      <a:solidFill>
-                        <a:srgbClr val="000000"/>
-                      </a:solidFill>
-                      <a:prstDash val="solid"/>
-                      <a:round/>
-                      <a:headEnd type="none" w="med" len="med"/>
-                      <a:tailEnd type="none" w="med" len="med"/>
-                    </a:lnR>
-                    <a:lnT w="6350" cap="flat" cmpd="sng" algn="ctr">
-                      <a:solidFill>
-                        <a:srgbClr val="000000"/>
-                      </a:solidFill>
-                      <a:prstDash val="solid"/>
-                      <a:round/>
-                      <a:headEnd type="none" w="med" len="med"/>
-                      <a:tailEnd type="none" w="med" len="med"/>
-                    </a:lnT>
-                    <a:lnB w="6350" cap="flat" cmpd="sng" algn="ctr">
-                      <a:solidFill>
-                        <a:srgbClr val="000000"/>
-                      </a:solidFill>
-                      <a:prstDash val="solid"/>
-                      <a:round/>
-                      <a:headEnd type="none" w="med" len="med"/>
-                      <a:tailEnd type="none" w="med" len="med"/>
-                    </a:lnB>
-                  </a:tcPr>
-                </a:tc>
-                <a:tc>
-                  <a:txBody>
-                    <a:bodyPr/>
-                    <a:lstStyle/>
-                    <a:p>
-                      <a:pPr algn="ctr" fontAlgn="ctr"/>
-                      <a:r>
-                        <a:rPr lang="ja-JP" altLang="en-US" sz="1100" b="0" i="0" u="none" strike="noStrike">
-                          <a:solidFill>
-                            <a:srgbClr val="000000"/>
-                          </a:solidFill>
-                          <a:effectLst/>
-                          <a:latin typeface="+mn-lt"/>
-                          <a:ea typeface="ＭＳ Ｐゴシック" panose="020B0600070205080204" pitchFamily="50" charset="-128"/>
-                        </a:rPr>
-                        <a:t>　</a:t>
-                      </a:r>
-                    </a:p>
-                  </a:txBody>
-                  <a:tcPr marL="9525" marR="9525" marT="9525" marB="0" anchor="ctr">
-                    <a:lnL w="6350" cap="flat" cmpd="sng" algn="ctr">
-                      <a:solidFill>
-                        <a:srgbClr val="000000"/>
-                      </a:solidFill>
-                      <a:prstDash val="solid"/>
-                      <a:round/>
-                      <a:headEnd type="none" w="med" len="med"/>
-                      <a:tailEnd type="none" w="med" len="med"/>
-                    </a:lnL>
-                    <a:lnR w="12700" cap="flat" cmpd="sng" algn="ctr">
-                      <a:solidFill>
-                        <a:schemeClr val="tx1"/>
-                      </a:solidFill>
-                      <a:prstDash val="solid"/>
-                      <a:round/>
-                      <a:headEnd type="none" w="med" len="med"/>
-                      <a:tailEnd type="none" w="med" len="med"/>
-                    </a:lnR>
-                    <a:lnT w="6350" cap="flat" cmpd="sng" algn="ctr">
-                      <a:solidFill>
-                        <a:srgbClr val="000000"/>
-                      </a:solidFill>
-                      <a:prstDash val="solid"/>
-                      <a:round/>
-                      <a:headEnd type="none" w="med" len="med"/>
-                      <a:tailEnd type="none" w="med" len="med"/>
-                    </a:lnT>
-                    <a:lnB w="6350" cap="flat" cmpd="sng" algn="ctr">
-                      <a:solidFill>
-                        <a:srgbClr val="000000"/>
-                      </a:solidFill>
-                      <a:prstDash val="solid"/>
-                      <a:round/>
-                      <a:headEnd type="none" w="med" len="med"/>
-                      <a:tailEnd type="none" w="med" len="med"/>
-                    </a:lnB>
-                    <a:solidFill>
-                      <a:srgbClr val="92D050"/>
-                    </a:solidFill>
-                  </a:tcPr>
-                </a:tc>
-                <a:tc>
-                  <a:txBody>
-                    <a:bodyPr/>
-                    <a:lstStyle/>
-                    <a:p>
-                      <a:pPr algn="ctr" fontAlgn="ctr"/>
-                      <a:r>
-                        <a:rPr lang="en-US" altLang="ja-JP" sz="1100" b="0" i="0" u="none" strike="noStrike">
-                          <a:solidFill>
-                            <a:srgbClr val="000000"/>
-                          </a:solidFill>
-                          <a:effectLst/>
-                          <a:latin typeface="+mn-lt"/>
-                          <a:ea typeface="ＭＳ Ｐゴシック" panose="020B0600070205080204" pitchFamily="50" charset="-128"/>
-                        </a:rPr>
-                        <a:t>23.36481</a:t>
-                      </a:r>
-                    </a:p>
-                  </a:txBody>
-                  <a:tcPr marL="9525" marR="9525" marT="9525" marB="0" anchor="ctr">
-                    <a:lnL w="12700" cap="flat" cmpd="sng" algn="ctr">
-                      <a:solidFill>
-                        <a:schemeClr val="tx1"/>
-                      </a:solidFill>
-                      <a:prstDash val="solid"/>
-                      <a:round/>
-                      <a:headEnd type="none" w="med" len="med"/>
-                      <a:tailEnd type="none" w="med" len="med"/>
-                    </a:lnL>
-                    <a:lnR w="12700" cap="flat" cmpd="sng" algn="ctr">
-                      <a:solidFill>
-                        <a:schemeClr val="tx1"/>
-                      </a:solidFill>
-                      <a:prstDash val="solid"/>
-                      <a:round/>
-                      <a:headEnd type="none" w="med" len="med"/>
-                      <a:tailEnd type="none" w="med" len="med"/>
-                    </a:lnR>
-                    <a:lnT w="6350" cap="flat" cmpd="sng" algn="ctr">
-                      <a:solidFill>
-                        <a:srgbClr val="000000"/>
-                      </a:solidFill>
-                      <a:prstDash val="solid"/>
-                      <a:round/>
-                      <a:headEnd type="none" w="med" len="med"/>
-                      <a:tailEnd type="none" w="med" len="med"/>
-                    </a:lnT>
-                    <a:lnB w="6350" cap="flat" cmpd="sng" algn="ctr">
-                      <a:solidFill>
-                        <a:srgbClr val="000000"/>
-                      </a:solidFill>
-                      <a:prstDash val="solid"/>
-                      <a:round/>
-                      <a:headEnd type="none" w="med" len="med"/>
-                      <a:tailEnd type="none" w="med" len="med"/>
-                    </a:lnB>
-                  </a:tcPr>
-                </a:tc>
-                <a:tc>
-                  <a:txBody>
-                    <a:bodyPr/>
-                    <a:lstStyle/>
-                    <a:p>
-                      <a:pPr algn="ctr" fontAlgn="ctr"/>
-                      <a:r>
-                        <a:rPr lang="en-US" altLang="ja-JP" sz="1100" b="0" i="0" u="none" strike="noStrike">
-                          <a:solidFill>
-                            <a:srgbClr val="000000"/>
-                          </a:solidFill>
-                          <a:effectLst/>
-                          <a:latin typeface="+mn-lt"/>
-                          <a:ea typeface="ＭＳ Ｐゴシック" panose="020B0600070205080204" pitchFamily="50" charset="-128"/>
-                        </a:rPr>
-                        <a:t>22.9482</a:t>
-                      </a:r>
-                    </a:p>
-                  </a:txBody>
-                  <a:tcPr marL="9525" marR="9525" marT="9525" marB="0" anchor="ctr">
-                    <a:lnL w="12700" cap="flat" cmpd="sng" algn="ctr">
-                      <a:solidFill>
-                        <a:schemeClr val="tx1"/>
-                      </a:solidFill>
-                      <a:prstDash val="solid"/>
-                      <a:round/>
-                      <a:headEnd type="none" w="med" len="med"/>
-                      <a:tailEnd type="none" w="med" len="med"/>
-                    </a:lnL>
-                    <a:lnR w="12700" cap="flat" cmpd="sng" algn="ctr">
-                      <a:solidFill>
-                        <a:schemeClr val="tx1"/>
-                      </a:solidFill>
-                      <a:prstDash val="solid"/>
-                      <a:round/>
-                      <a:headEnd type="none" w="med" len="med"/>
-                      <a:tailEnd type="none" w="med" len="med"/>
-                    </a:lnR>
-                    <a:lnT w="6350" cap="flat" cmpd="sng" algn="ctr">
-                      <a:solidFill>
-                        <a:srgbClr val="000000"/>
-                      </a:solidFill>
-                      <a:prstDash val="solid"/>
-                      <a:round/>
-                      <a:headEnd type="none" w="med" len="med"/>
-                      <a:tailEnd type="none" w="med" len="med"/>
-                    </a:lnT>
-                    <a:lnB w="6350" cap="flat" cmpd="sng" algn="ctr">
-                      <a:solidFill>
-                        <a:srgbClr val="000000"/>
-                      </a:solidFill>
-                      <a:prstDash val="solid"/>
-                      <a:round/>
-                      <a:headEnd type="none" w="med" len="med"/>
-                      <a:tailEnd type="none" w="med" len="med"/>
-                    </a:lnB>
-                  </a:tcPr>
-                </a:tc>
-                <a:tc>
-                  <a:txBody>
-                    <a:bodyPr/>
-                    <a:lstStyle/>
-                    <a:p>
-                      <a:pPr algn="ctr" fontAlgn="ctr"/>
-                      <a:r>
-                        <a:rPr lang="en-US" altLang="ja-JP" sz="1100" b="0" i="0" u="none" strike="noStrike">
-                          <a:solidFill>
-                            <a:srgbClr val="000000"/>
-                          </a:solidFill>
-                          <a:effectLst/>
-                          <a:latin typeface="+mn-lt"/>
-                          <a:ea typeface="ＭＳ Ｐゴシック" panose="020B0600070205080204" pitchFamily="50" charset="-128"/>
-                        </a:rPr>
-                        <a:t>22.1545</a:t>
-                      </a:r>
-                    </a:p>
-                  </a:txBody>
-                  <a:tcPr marL="9525" marR="9525" marT="9525" marB="0" anchor="ctr">
-                    <a:lnL w="12700" cap="flat" cmpd="sng" algn="ctr">
-                      <a:solidFill>
-                        <a:schemeClr val="tx1"/>
-                      </a:solidFill>
-                      <a:prstDash val="solid"/>
-                      <a:round/>
-                      <a:headEnd type="none" w="med" len="med"/>
-                      <a:tailEnd type="none" w="med" len="med"/>
-                    </a:lnL>
-                    <a:lnR w="12700" cap="flat" cmpd="sng" algn="ctr">
-                      <a:solidFill>
-                        <a:schemeClr val="tx1"/>
-                      </a:solidFill>
-                      <a:prstDash val="solid"/>
-                      <a:round/>
-                      <a:headEnd type="none" w="med" len="med"/>
-                      <a:tailEnd type="none" w="med" len="med"/>
-                    </a:lnR>
-                    <a:lnT w="6350" cap="flat" cmpd="sng" algn="ctr">
-                      <a:solidFill>
-                        <a:srgbClr val="000000"/>
-                      </a:solidFill>
-                      <a:prstDash val="solid"/>
-                      <a:round/>
-                      <a:headEnd type="none" w="med" len="med"/>
-                      <a:tailEnd type="none" w="med" len="med"/>
-                    </a:lnT>
-                    <a:lnB w="6350" cap="flat" cmpd="sng" algn="ctr">
-                      <a:solidFill>
-                        <a:srgbClr val="000000"/>
-                      </a:solidFill>
-                      <a:prstDash val="solid"/>
-                      <a:round/>
-                      <a:headEnd type="none" w="med" len="med"/>
-                      <a:tailEnd type="none" w="med" len="med"/>
-                    </a:lnB>
-                  </a:tcPr>
-                </a:tc>
-              </a:tr>
-              <a:tr h="180975">
-                <a:tc vMerge="1">
-                  <a:txBody>
-                    <a:bodyPr/>
-                    <a:lstStyle/>
-                    <a:p>
-                      <a:endParaRPr kumimoji="1" lang="ja-JP" altLang="en-US"/>
-                    </a:p>
-                  </a:txBody>
-                  <a:tcPr/>
-                </a:tc>
-                <a:tc>
-                  <a:txBody>
-                    <a:bodyPr/>
-                    <a:lstStyle/>
-                    <a:p>
-                      <a:pPr algn="ctr" fontAlgn="ctr"/>
-                      <a:r>
-                        <a:rPr lang="en-US" altLang="ja-JP" sz="1100" b="0" i="0" u="none" strike="noStrike">
-                          <a:solidFill>
-                            <a:srgbClr val="000000"/>
-                          </a:solidFill>
-                          <a:effectLst/>
-                          <a:latin typeface="+mn-lt"/>
-                          <a:ea typeface="ＭＳ Ｐゴシック" panose="020B0600070205080204" pitchFamily="50" charset="-128"/>
-                        </a:rPr>
-                        <a:t>5</a:t>
-                      </a:r>
-                    </a:p>
-                  </a:txBody>
-                  <a:tcPr marL="9525" marR="9525" marT="9525" marB="0" anchor="ctr">
-                    <a:lnL w="12700" cap="flat" cmpd="sng" algn="ctr">
-                      <a:solidFill>
-                        <a:srgbClr val="000000"/>
-                      </a:solidFill>
-                      <a:prstDash val="solid"/>
-                      <a:round/>
-                      <a:headEnd type="none" w="med" len="med"/>
-                      <a:tailEnd type="none" w="med" len="med"/>
-                    </a:lnL>
-                    <a:lnR w="6350" cap="flat" cmpd="sng" algn="ctr">
-                      <a:solidFill>
-                        <a:srgbClr val="000000"/>
-                      </a:solidFill>
-                      <a:prstDash val="solid"/>
-                      <a:round/>
-                      <a:headEnd type="none" w="med" len="med"/>
-                      <a:tailEnd type="none" w="med" len="med"/>
-                    </a:lnR>
-                    <a:lnT w="6350" cap="flat" cmpd="sng" algn="ctr">
-                      <a:solidFill>
-                        <a:srgbClr val="000000"/>
-                      </a:solidFill>
-                      <a:prstDash val="solid"/>
-                      <a:round/>
-                      <a:headEnd type="none" w="med" len="med"/>
-                      <a:tailEnd type="none" w="med" len="med"/>
-                    </a:lnT>
-                    <a:lnB w="12700" cap="flat" cmpd="sng" algn="ctr">
-                      <a:solidFill>
-                        <a:srgbClr val="000000"/>
-                      </a:solidFill>
-                      <a:prstDash val="solid"/>
-                      <a:round/>
-                      <a:headEnd type="none" w="med" len="med"/>
-                      <a:tailEnd type="none" w="med" len="med"/>
-                    </a:lnB>
-                  </a:tcPr>
-                </a:tc>
-                <a:tc>
-                  <a:txBody>
-                    <a:bodyPr/>
-                    <a:lstStyle/>
-                    <a:p>
-                      <a:pPr algn="ctr" fontAlgn="ctr"/>
-                      <a:r>
-                        <a:rPr lang="ja-JP" altLang="en-US" sz="1100" b="0" i="0" u="none" strike="noStrike">
-                          <a:solidFill>
-                            <a:srgbClr val="000000"/>
-                          </a:solidFill>
-                          <a:effectLst/>
-                          <a:latin typeface="+mn-lt"/>
-                          <a:ea typeface="ＭＳ Ｐゴシック" panose="020B0600070205080204" pitchFamily="50" charset="-128"/>
-                        </a:rPr>
-                        <a:t>　</a:t>
-                      </a:r>
-                    </a:p>
-                  </a:txBody>
-                  <a:tcPr marL="9525" marR="9525" marT="9525" marB="0" anchor="ctr">
-                    <a:lnL w="6350" cap="flat" cmpd="sng" algn="ctr">
-                      <a:solidFill>
-                        <a:srgbClr val="000000"/>
-                      </a:solidFill>
-                      <a:prstDash val="solid"/>
-                      <a:round/>
-                      <a:headEnd type="none" w="med" len="med"/>
-                      <a:tailEnd type="none" w="med" len="med"/>
-                    </a:lnL>
-                    <a:lnR w="12700" cap="flat" cmpd="sng" algn="ctr">
-                      <a:solidFill>
-                        <a:schemeClr val="tx1"/>
-                      </a:solidFill>
-                      <a:prstDash val="solid"/>
-                      <a:round/>
-                      <a:headEnd type="none" w="med" len="med"/>
-                      <a:tailEnd type="none" w="med" len="med"/>
-                    </a:lnR>
-                    <a:lnT w="6350" cap="flat" cmpd="sng" algn="ctr">
-                      <a:solidFill>
-                        <a:srgbClr val="000000"/>
-                      </a:solidFill>
-                      <a:prstDash val="solid"/>
-                      <a:round/>
-                      <a:headEnd type="none" w="med" len="med"/>
-                      <a:tailEnd type="none" w="med" len="med"/>
-                    </a:lnT>
-                    <a:lnB w="12700" cap="flat" cmpd="sng" algn="ctr">
-                      <a:solidFill>
-                        <a:srgbClr val="000000"/>
-                      </a:solidFill>
-                      <a:prstDash val="solid"/>
-                      <a:round/>
-                      <a:headEnd type="none" w="med" len="med"/>
-                      <a:tailEnd type="none" w="med" len="med"/>
-                    </a:lnB>
-                    <a:solidFill>
-                      <a:srgbClr val="FFFF00"/>
-                    </a:solidFill>
-                  </a:tcPr>
-                </a:tc>
-                <a:tc>
-                  <a:txBody>
-                    <a:bodyPr/>
-                    <a:lstStyle/>
-                    <a:p>
-                      <a:pPr algn="ctr" fontAlgn="ctr"/>
-                      <a:r>
-                        <a:rPr lang="en-US" altLang="ja-JP" sz="1100" b="0" i="0" u="none" strike="noStrike">
-                          <a:solidFill>
-                            <a:srgbClr val="000000"/>
-                          </a:solidFill>
-                          <a:effectLst/>
-                          <a:latin typeface="+mn-lt"/>
-                          <a:ea typeface="ＭＳ Ｐゴシック" panose="020B0600070205080204" pitchFamily="50" charset="-128"/>
-                        </a:rPr>
-                        <a:t>26.34812</a:t>
-                      </a:r>
-                    </a:p>
-                  </a:txBody>
-                  <a:tcPr marL="9525" marR="9525" marT="9525" marB="0" anchor="ctr">
-                    <a:lnL w="12700" cap="flat" cmpd="sng" algn="ctr">
-                      <a:solidFill>
-                        <a:schemeClr val="tx1"/>
-                      </a:solidFill>
-                      <a:prstDash val="solid"/>
-                      <a:round/>
-                      <a:headEnd type="none" w="med" len="med"/>
-                      <a:tailEnd type="none" w="med" len="med"/>
-                    </a:lnL>
-                    <a:lnR w="12700" cap="flat" cmpd="sng" algn="ctr">
-                      <a:solidFill>
-                        <a:schemeClr val="tx1"/>
-                      </a:solidFill>
-                      <a:prstDash val="solid"/>
-                      <a:round/>
-                      <a:headEnd type="none" w="med" len="med"/>
-                      <a:tailEnd type="none" w="med" len="med"/>
-                    </a:lnR>
-                    <a:lnT w="6350" cap="flat" cmpd="sng" algn="ctr">
-                      <a:solidFill>
-                        <a:srgbClr val="000000"/>
-                      </a:solidFill>
-                      <a:prstDash val="solid"/>
-                      <a:round/>
-                      <a:headEnd type="none" w="med" len="med"/>
-                      <a:tailEnd type="none" w="med" len="med"/>
-                    </a:lnT>
-                    <a:lnB w="12700" cap="flat" cmpd="sng" algn="ctr">
-                      <a:solidFill>
-                        <a:schemeClr val="tx1"/>
-                      </a:solidFill>
-                      <a:prstDash val="solid"/>
-                      <a:round/>
-                      <a:headEnd type="none" w="med" len="med"/>
-                      <a:tailEnd type="none" w="med" len="med"/>
-                    </a:lnB>
-                  </a:tcPr>
-                </a:tc>
-                <a:tc>
-                  <a:txBody>
-                    <a:bodyPr/>
-                    <a:lstStyle/>
-                    <a:p>
-                      <a:pPr algn="ctr" fontAlgn="ctr"/>
-                      <a:r>
-                        <a:rPr lang="en-US" altLang="ja-JP" sz="1100" b="0" i="0" u="none" strike="noStrike">
-                          <a:solidFill>
-                            <a:srgbClr val="000000"/>
-                          </a:solidFill>
-                          <a:effectLst/>
-                          <a:latin typeface="+mn-lt"/>
-                          <a:ea typeface="ＭＳ Ｐゴシック" panose="020B0600070205080204" pitchFamily="50" charset="-128"/>
-                        </a:rPr>
-                        <a:t>23.15202</a:t>
-                      </a:r>
-                    </a:p>
-                  </a:txBody>
-                  <a:tcPr marL="9525" marR="9525" marT="9525" marB="0" anchor="ctr">
-                    <a:lnL w="12700" cap="flat" cmpd="sng" algn="ctr">
-                      <a:solidFill>
-                        <a:schemeClr val="tx1"/>
-                      </a:solidFill>
-                      <a:prstDash val="solid"/>
-                      <a:round/>
-                      <a:headEnd type="none" w="med" len="med"/>
-                      <a:tailEnd type="none" w="med" len="med"/>
-                    </a:lnL>
-                    <a:lnR w="12700" cap="flat" cmpd="sng" algn="ctr">
-                      <a:solidFill>
-                        <a:schemeClr val="tx1"/>
-                      </a:solidFill>
-                      <a:prstDash val="solid"/>
-                      <a:round/>
-                      <a:headEnd type="none" w="med" len="med"/>
-                      <a:tailEnd type="none" w="med" len="med"/>
-                    </a:lnR>
-                    <a:lnT w="6350" cap="flat" cmpd="sng" algn="ctr">
-                      <a:solidFill>
-                        <a:srgbClr val="000000"/>
-                      </a:solidFill>
-                      <a:prstDash val="solid"/>
-                      <a:round/>
-                      <a:headEnd type="none" w="med" len="med"/>
-                      <a:tailEnd type="none" w="med" len="med"/>
-                    </a:lnT>
-                    <a:lnB w="12700" cap="flat" cmpd="sng" algn="ctr">
-                      <a:solidFill>
-                        <a:schemeClr val="tx1"/>
-                      </a:solidFill>
-                      <a:prstDash val="solid"/>
-                      <a:round/>
-                      <a:headEnd type="none" w="med" len="med"/>
-                      <a:tailEnd type="none" w="med" len="med"/>
-                    </a:lnB>
-                  </a:tcPr>
-                </a:tc>
-                <a:tc>
-                  <a:txBody>
-                    <a:bodyPr/>
-                    <a:lstStyle/>
-                    <a:p>
-                      <a:pPr algn="ctr" fontAlgn="ctr"/>
-                      <a:r>
-                        <a:rPr lang="en-US" altLang="ja-JP" sz="1100" b="0" i="0" u="none" strike="noStrike" dirty="0">
-                          <a:solidFill>
-                            <a:srgbClr val="000000"/>
-                          </a:solidFill>
-                          <a:effectLst/>
-                          <a:latin typeface="+mn-lt"/>
-                          <a:ea typeface="ＭＳ Ｐゴシック" panose="020B0600070205080204" pitchFamily="50" charset="-128"/>
-                        </a:rPr>
-                        <a:t>21.98766</a:t>
-                      </a:r>
-                    </a:p>
-                  </a:txBody>
-                  <a:tcPr marL="9525" marR="9525" marT="9525" marB="0" anchor="ctr">
-                    <a:lnL w="12700" cap="flat" cmpd="sng" algn="ctr">
-                      <a:solidFill>
-                        <a:schemeClr val="tx1"/>
-                      </a:solidFill>
-                      <a:prstDash val="solid"/>
-                      <a:round/>
-                      <a:headEnd type="none" w="med" len="med"/>
-                      <a:tailEnd type="none" w="med" len="med"/>
-                    </a:lnL>
-                    <a:lnR w="12700" cap="flat" cmpd="sng" algn="ctr">
-                      <a:solidFill>
-                        <a:schemeClr val="tx1"/>
-                      </a:solidFill>
-                      <a:prstDash val="solid"/>
-                      <a:round/>
-                      <a:headEnd type="none" w="med" len="med"/>
-                      <a:tailEnd type="none" w="med" len="med"/>
-                    </a:lnR>
-                    <a:lnT w="6350" cap="flat" cmpd="sng" algn="ctr">
-                      <a:solidFill>
-                        <a:srgbClr val="000000"/>
-                      </a:solidFill>
-                      <a:prstDash val="solid"/>
-                      <a:round/>
-                      <a:headEnd type="none" w="med" len="med"/>
-                      <a:tailEnd type="none" w="med" len="med"/>
-                    </a:lnT>
-                    <a:lnB w="12700" cap="flat" cmpd="sng" algn="ctr">
-                      <a:solidFill>
-                        <a:schemeClr val="tx1"/>
-                      </a:solidFill>
-                      <a:prstDash val="solid"/>
-                      <a:round/>
-                      <a:headEnd type="none" w="med" len="med"/>
-                      <a:tailEnd type="none" w="med" len="med"/>
-                    </a:lnB>
-                  </a:tcPr>
-                </a:tc>
-              </a:tr>
-            </a:tbl>
-          </a:graphicData>
-        </a:graphic>
-      </p:graphicFrame>
-    </p:spTree>
-    <p:extLst>
-      <p:ext uri="{BB962C8B-B14F-4D97-AF65-F5344CB8AC3E}">
-        <p14:creationId xmlns:p14="http://schemas.microsoft.com/office/powerpoint/2010/main" val="2610401244"/>
-      </p:ext>
-    </p:extLst>
-  </p:cSld>
-  <p:clrMapOvr>
-    <a:masterClrMapping/>
-  </p:clrMapOvr>
-  <p:timing>
-    <p:tnLst>
-      <p:par>
-        <p:cTn id="1" dur="indefinite" restart="never" nodeType="tmRoot"/>
-      </p:par>
-    </p:tnLst>
-  </p:timing>
-</p:sld>
-</file>
-
-<file path=ppt/slides/slide15.xml><?xml version="1.0" encoding="utf-8"?>
-<p:sld xmlns:a="http://schemas.openxmlformats.org/drawingml/2006/main" xmlns:r="http://schemas.openxmlformats.org/officeDocument/2006/relationships" xmlns:p="http://schemas.openxmlformats.org/presentationml/2006/main">
-  <p:cSld>
-    <p:spTree>
-      <p:nvGrpSpPr>
-        <p:cNvPr id="1" name=""/>
-        <p:cNvGrpSpPr/>
-        <p:nvPr/>
-      </p:nvGrpSpPr>
-      <p:grpSpPr>
-        <a:xfrm>
-          <a:off x="0" y="0"/>
-          <a:ext cx="0" cy="0"/>
-          <a:chOff x="0" y="0"/>
-          <a:chExt cx="0" cy="0"/>
-        </a:xfrm>
-      </p:grpSpPr>
-      <p:sp>
-        <p:nvSpPr>
-          <p:cNvPr id="4" name="Title 3"/>
-          <p:cNvSpPr>
-            <a:spLocks noGrp="1"/>
-          </p:cNvSpPr>
-          <p:nvPr>
-            <p:ph type="title"/>
-          </p:nvPr>
-        </p:nvSpPr>
-        <p:spPr/>
-        <p:txBody>
-          <a:bodyPr/>
-          <a:lstStyle/>
-          <a:p>
-            <a:r>
               <a:rPr lang="ja-JP" altLang="en-US" dirty="0">
                 <a:latin typeface="メイリオ" panose="020B0604030504040204" pitchFamily="50" charset="-128"/>
                 <a:cs typeface="メイリオ" panose="020B0604030504040204" pitchFamily="50" charset="-128"/>
@@ -13527,7 +10502,7 @@
 </p:sld>
 </file>
 
-<file path=ppt/slides/slide16.xml><?xml version="1.0" encoding="utf-8"?>
+<file path=ppt/slides/slide15.xml><?xml version="1.0" encoding="utf-8"?>
 <p:sld xmlns:a="http://schemas.openxmlformats.org/drawingml/2006/main" xmlns:r="http://schemas.openxmlformats.org/officeDocument/2006/relationships" xmlns:p="http://schemas.openxmlformats.org/presentationml/2006/main">
   <p:cSld>
     <p:spTree>
@@ -13654,7 +10629,7 @@
 </p:sld>
 </file>
 
-<file path=ppt/slides/slide17.xml><?xml version="1.0" encoding="utf-8"?>
+<file path=ppt/slides/slide16.xml><?xml version="1.0" encoding="utf-8"?>
 <p:sld xmlns:a="http://schemas.openxmlformats.org/drawingml/2006/main" xmlns:r="http://schemas.openxmlformats.org/officeDocument/2006/relationships" xmlns:p="http://schemas.openxmlformats.org/presentationml/2006/main">
   <p:cSld>
     <p:spTree>
@@ -13687,10 +10662,14 @@
           <a:lstStyle/>
           <a:p>
             <a:r>
-              <a:rPr lang="en-US" altLang="ko-KR" dirty="0"/>
-              <a:t>Comparison, Suction velocity</a:t>
-            </a:r>
-            <a:endParaRPr lang="ko-KR" altLang="en-US" dirty="0"/>
+              <a:rPr kumimoji="1" lang="ja-JP" altLang="en-US" dirty="0"/>
+              <a:t> </a:t>
+            </a:r>
+            <a:r>
+              <a:rPr kumimoji="1" lang="en-US" altLang="ja-JP" dirty="0" smtClean="0"/>
+              <a:t>Stationary Pestle </a:t>
+            </a:r>
+            <a:endParaRPr kumimoji="1" lang="en-US" altLang="ja-JP" dirty="0"/>
           </a:p>
         </p:txBody>
       </p:sp>
@@ -13967,7 +10946,7 @@
 </p:sld>
 </file>
 
-<file path=ppt/slides/slide18.xml><?xml version="1.0" encoding="utf-8"?>
+<file path=ppt/slides/slide17.xml><?xml version="1.0" encoding="utf-8"?>
 <p:sld xmlns:a="http://schemas.openxmlformats.org/drawingml/2006/main" xmlns:r="http://schemas.openxmlformats.org/officeDocument/2006/relationships" xmlns:p="http://schemas.openxmlformats.org/presentationml/2006/main">
   <p:cSld>
     <p:spTree>
@@ -14000,8 +10979,12 @@
           <a:lstStyle/>
           <a:p>
             <a:r>
-              <a:rPr lang="en-US" altLang="ko-KR" dirty="0"/>
-              <a:t>Comparison, Suction velocity</a:t>
+              <a:rPr kumimoji="1" lang="ja-JP" altLang="en-US" dirty="0"/>
+              <a:t> </a:t>
+            </a:r>
+            <a:r>
+              <a:rPr kumimoji="1" lang="en-US" altLang="ja-JP" dirty="0"/>
+              <a:t>Stationary Pestle </a:t>
             </a:r>
             <a:endParaRPr lang="ko-KR" altLang="en-US" dirty="0"/>
           </a:p>
@@ -14280,7 +11263,7 @@
 </p:sld>
 </file>
 
-<file path=ppt/slides/slide19.xml><?xml version="1.0" encoding="utf-8"?>
+<file path=ppt/slides/slide18.xml><?xml version="1.0" encoding="utf-8"?>
 <p:sld xmlns:a="http://schemas.openxmlformats.org/drawingml/2006/main" xmlns:r="http://schemas.openxmlformats.org/officeDocument/2006/relationships" xmlns:p="http://schemas.openxmlformats.org/presentationml/2006/main">
   <p:cSld>
     <p:spTree>
@@ -14313,8 +11296,12 @@
           <a:lstStyle/>
           <a:p>
             <a:r>
-              <a:rPr lang="en-US" altLang="ko-KR" dirty="0"/>
-              <a:t>Comparison, Suction velocity</a:t>
+              <a:rPr kumimoji="1" lang="ja-JP" altLang="en-US" dirty="0"/>
+              <a:t> </a:t>
+            </a:r>
+            <a:r>
+              <a:rPr kumimoji="1" lang="en-US" altLang="ja-JP" dirty="0"/>
+              <a:t>Stationary Pestle </a:t>
             </a:r>
             <a:endParaRPr lang="ko-KR" altLang="en-US" dirty="0"/>
           </a:p>
@@ -14366,6 +11353,96 @@
           </a:p>
         </p:txBody>
       </p:sp>
+      <p:pic>
+        <p:nvPicPr>
+          <p:cNvPr id="13" name="図 12"/>
+          <p:cNvPicPr>
+            <a:picLocks noChangeAspect="1"/>
+          </p:cNvPicPr>
+          <p:nvPr/>
+        </p:nvPicPr>
+        <p:blipFill>
+          <a:blip r:embed="rId2">
+            <a:extLst>
+              <a:ext uri="{28A0092B-C50C-407E-A947-70E740481C1C}">
+                <a14:useLocalDpi xmlns:a14="http://schemas.microsoft.com/office/drawing/2010/main" val="0"/>
+              </a:ext>
+            </a:extLst>
+          </a:blip>
+          <a:stretch>
+            <a:fillRect/>
+          </a:stretch>
+        </p:blipFill>
+        <p:spPr>
+          <a:xfrm>
+            <a:off x="2380629" y="2668968"/>
+            <a:ext cx="1849297" cy="2113482"/>
+          </a:xfrm>
+          <a:prstGeom prst="rect">
+            <a:avLst/>
+          </a:prstGeom>
+        </p:spPr>
+      </p:pic>
+      <p:pic>
+        <p:nvPicPr>
+          <p:cNvPr id="14" name="図 13"/>
+          <p:cNvPicPr>
+            <a:picLocks noChangeAspect="1"/>
+          </p:cNvPicPr>
+          <p:nvPr/>
+        </p:nvPicPr>
+        <p:blipFill>
+          <a:blip r:embed="rId3">
+            <a:extLst>
+              <a:ext uri="{28A0092B-C50C-407E-A947-70E740481C1C}">
+                <a14:useLocalDpi xmlns:a14="http://schemas.microsoft.com/office/drawing/2010/main" val="0"/>
+              </a:ext>
+            </a:extLst>
+          </a:blip>
+          <a:stretch>
+            <a:fillRect/>
+          </a:stretch>
+        </p:blipFill>
+        <p:spPr>
+          <a:xfrm>
+            <a:off x="4309279" y="2655991"/>
+            <a:ext cx="1860652" cy="2126459"/>
+          </a:xfrm>
+          <a:prstGeom prst="rect">
+            <a:avLst/>
+          </a:prstGeom>
+        </p:spPr>
+      </p:pic>
+      <p:pic>
+        <p:nvPicPr>
+          <p:cNvPr id="15" name="図 14"/>
+          <p:cNvPicPr>
+            <a:picLocks noChangeAspect="1"/>
+          </p:cNvPicPr>
+          <p:nvPr/>
+        </p:nvPicPr>
+        <p:blipFill>
+          <a:blip r:embed="rId4">
+            <a:extLst>
+              <a:ext uri="{28A0092B-C50C-407E-A947-70E740481C1C}">
+                <a14:useLocalDpi xmlns:a14="http://schemas.microsoft.com/office/drawing/2010/main" val="0"/>
+              </a:ext>
+            </a:extLst>
+          </a:blip>
+          <a:stretch>
+            <a:fillRect/>
+          </a:stretch>
+        </p:blipFill>
+        <p:spPr>
+          <a:xfrm>
+            <a:off x="6243791" y="2655991"/>
+            <a:ext cx="1852070" cy="2116652"/>
+          </a:xfrm>
+          <a:prstGeom prst="rect">
+            <a:avLst/>
+          </a:prstGeom>
+        </p:spPr>
+      </p:pic>
       <p:cxnSp>
         <p:nvCxnSpPr>
           <p:cNvPr id="19" name="直線コネクタ 18"/>
@@ -14374,8 +11451,8 @@
         </p:nvCxnSpPr>
         <p:spPr>
           <a:xfrm>
-            <a:off x="3275856" y="2570931"/>
-            <a:ext cx="19166" cy="2315404"/>
+            <a:off x="2317984" y="2553756"/>
+            <a:ext cx="18865" cy="2359503"/>
           </a:xfrm>
           <a:prstGeom prst="line">
             <a:avLst/>
@@ -14404,13 +11481,15 @@
       <p:cxnSp>
         <p:nvCxnSpPr>
           <p:cNvPr id="23" name="直線コネクタ 22"/>
-          <p:cNvCxnSpPr/>
+          <p:cNvCxnSpPr>
+            <a:endCxn id="36" idx="0"/>
+          </p:cNvCxnSpPr>
           <p:nvPr/>
         </p:nvCxnSpPr>
         <p:spPr>
           <a:xfrm>
-            <a:off x="5231286" y="2555952"/>
-            <a:ext cx="19166" cy="2315404"/>
+            <a:off x="4258018" y="2553756"/>
+            <a:ext cx="21378" cy="2359503"/>
           </a:xfrm>
           <a:prstGeom prst="line">
             <a:avLst/>
@@ -14444,8 +11523,8 @@
         </p:nvCxnSpPr>
         <p:spPr>
           <a:xfrm>
-            <a:off x="7161628" y="2570931"/>
-            <a:ext cx="0" cy="2300425"/>
+            <a:off x="6203756" y="2538777"/>
+            <a:ext cx="14405" cy="2331196"/>
           </a:xfrm>
           <a:prstGeom prst="line">
             <a:avLst/>
@@ -14471,6 +11550,457 @@
           </a:fontRef>
         </p:style>
       </p:cxnSp>
+      <p:cxnSp>
+        <p:nvCxnSpPr>
+          <p:cNvPr id="25" name="直線コネクタ 24"/>
+          <p:cNvCxnSpPr/>
+          <p:nvPr/>
+        </p:nvCxnSpPr>
+        <p:spPr>
+          <a:xfrm flipH="1">
+            <a:off x="8142521" y="2554569"/>
+            <a:ext cx="1570" cy="2358690"/>
+          </a:xfrm>
+          <a:prstGeom prst="line">
+            <a:avLst/>
+          </a:prstGeom>
+          <a:ln>
+            <a:solidFill>
+              <a:schemeClr val="tx1"/>
+            </a:solidFill>
+          </a:ln>
+        </p:spPr>
+        <p:style>
+          <a:lnRef idx="1">
+            <a:schemeClr val="accent1"/>
+          </a:lnRef>
+          <a:fillRef idx="0">
+            <a:schemeClr val="accent1"/>
+          </a:fillRef>
+          <a:effectRef idx="0">
+            <a:schemeClr val="accent1"/>
+          </a:effectRef>
+          <a:fontRef idx="minor">
+            <a:schemeClr val="tx1"/>
+          </a:fontRef>
+        </p:style>
+      </p:cxnSp>
+      <p:graphicFrame>
+        <p:nvGraphicFramePr>
+          <p:cNvPr id="30" name="表 29"/>
+          <p:cNvGraphicFramePr>
+            <a:graphicFrameLocks noGrp="1"/>
+          </p:cNvGraphicFramePr>
+          <p:nvPr>
+            <p:extLst>
+              <p:ext uri="{D42A27DB-BD31-4B8C-83A1-F6EECF244321}">
+                <p14:modId xmlns:p14="http://schemas.microsoft.com/office/powerpoint/2010/main" val="1403320110"/>
+              </p:ext>
+            </p:extLst>
+          </p:nvPr>
+        </p:nvGraphicFramePr>
+        <p:xfrm>
+          <a:off x="1362196" y="5977766"/>
+          <a:ext cx="6810204" cy="358140"/>
+        </p:xfrm>
+        <a:graphic>
+          <a:graphicData uri="http://schemas.openxmlformats.org/drawingml/2006/table">
+            <a:tbl>
+              <a:tblPr/>
+              <a:tblGrid>
+                <a:gridCol w="977556"/>
+                <a:gridCol w="1944216"/>
+                <a:gridCol w="1944216"/>
+                <a:gridCol w="1944216"/>
+              </a:tblGrid>
+              <a:tr h="180975">
+                <a:tc>
+                  <a:txBody>
+                    <a:bodyPr/>
+                    <a:lstStyle/>
+                    <a:p>
+                      <a:pPr algn="ctr" fontAlgn="ctr"/>
+                      <a:r>
+                        <a:rPr lang="en-US" sz="1100" b="0" i="0" u="none" strike="noStrike" dirty="0">
+                          <a:solidFill>
+                            <a:srgbClr val="000000"/>
+                          </a:solidFill>
+                          <a:effectLst/>
+                          <a:latin typeface="+mn-lt"/>
+                          <a:ea typeface="ＭＳ Ｐゴシック" panose="020B0600070205080204" pitchFamily="50" charset="-128"/>
+                        </a:rPr>
+                        <a:t>sum</a:t>
+                      </a:r>
+                    </a:p>
+                  </a:txBody>
+                  <a:tcPr marL="9525" marR="9525" marT="9525" marB="0" anchor="ctr">
+                    <a:lnL w="12700" cap="flat" cmpd="sng" algn="ctr">
+                      <a:solidFill>
+                        <a:srgbClr val="000000"/>
+                      </a:solidFill>
+                      <a:prstDash val="solid"/>
+                      <a:round/>
+                      <a:headEnd type="none" w="med" len="med"/>
+                      <a:tailEnd type="none" w="med" len="med"/>
+                    </a:lnL>
+                    <a:lnR w="12700" cap="flat" cmpd="sng" algn="ctr">
+                      <a:solidFill>
+                        <a:srgbClr val="000000"/>
+                      </a:solidFill>
+                      <a:prstDash val="solid"/>
+                      <a:round/>
+                      <a:headEnd type="none" w="med" len="med"/>
+                      <a:tailEnd type="none" w="med" len="med"/>
+                    </a:lnR>
+                    <a:lnT w="12700" cap="flat" cmpd="sng" algn="ctr">
+                      <a:solidFill>
+                        <a:srgbClr val="000000"/>
+                      </a:solidFill>
+                      <a:prstDash val="solid"/>
+                      <a:round/>
+                      <a:headEnd type="none" w="med" len="med"/>
+                      <a:tailEnd type="none" w="med" len="med"/>
+                    </a:lnT>
+                    <a:lnB w="12700" cap="flat" cmpd="sng" algn="ctr">
+                      <a:solidFill>
+                        <a:srgbClr val="000000"/>
+                      </a:solidFill>
+                      <a:prstDash val="solid"/>
+                      <a:round/>
+                      <a:headEnd type="none" w="med" len="med"/>
+                      <a:tailEnd type="none" w="med" len="med"/>
+                    </a:lnB>
+                  </a:tcPr>
+                </a:tc>
+                <a:tc>
+                  <a:txBody>
+                    <a:bodyPr/>
+                    <a:lstStyle/>
+                    <a:p>
+                      <a:pPr algn="ctr" fontAlgn="ctr"/>
+                      <a:r>
+                        <a:rPr lang="en-US" altLang="ja-JP" sz="1100" b="0" i="0" u="none" strike="noStrike">
+                          <a:solidFill>
+                            <a:srgbClr val="000000"/>
+                          </a:solidFill>
+                          <a:effectLst/>
+                          <a:latin typeface="+mn-lt"/>
+                          <a:ea typeface="ＭＳ Ｐゴシック" panose="020B0600070205080204" pitchFamily="50" charset="-128"/>
+                        </a:rPr>
+                        <a:t>144604</a:t>
+                      </a:r>
+                    </a:p>
+                  </a:txBody>
+                  <a:tcPr marL="9525" marR="9525" marT="9525" marB="0" anchor="ctr">
+                    <a:lnL w="12700" cap="flat" cmpd="sng" algn="ctr">
+                      <a:solidFill>
+                        <a:srgbClr val="000000"/>
+                      </a:solidFill>
+                      <a:prstDash val="solid"/>
+                      <a:round/>
+                      <a:headEnd type="none" w="med" len="med"/>
+                      <a:tailEnd type="none" w="med" len="med"/>
+                    </a:lnL>
+                    <a:lnR w="12700" cap="flat" cmpd="sng" algn="ctr">
+                      <a:solidFill>
+                        <a:srgbClr val="000000"/>
+                      </a:solidFill>
+                      <a:prstDash val="solid"/>
+                      <a:round/>
+                      <a:headEnd type="none" w="med" len="med"/>
+                      <a:tailEnd type="none" w="med" len="med"/>
+                    </a:lnR>
+                    <a:lnT w="12700" cap="flat" cmpd="sng" algn="ctr">
+                      <a:solidFill>
+                        <a:srgbClr val="000000"/>
+                      </a:solidFill>
+                      <a:prstDash val="solid"/>
+                      <a:round/>
+                      <a:headEnd type="none" w="med" len="med"/>
+                      <a:tailEnd type="none" w="med" len="med"/>
+                    </a:lnT>
+                    <a:lnB w="12700" cap="flat" cmpd="sng" algn="ctr">
+                      <a:solidFill>
+                        <a:srgbClr val="000000"/>
+                      </a:solidFill>
+                      <a:prstDash val="solid"/>
+                      <a:round/>
+                      <a:headEnd type="none" w="med" len="med"/>
+                      <a:tailEnd type="none" w="med" len="med"/>
+                    </a:lnB>
+                  </a:tcPr>
+                </a:tc>
+                <a:tc>
+                  <a:txBody>
+                    <a:bodyPr/>
+                    <a:lstStyle/>
+                    <a:p>
+                      <a:pPr algn="ctr" fontAlgn="ctr"/>
+                      <a:r>
+                        <a:rPr lang="en-US" altLang="ja-JP" sz="1100" b="0" i="0" u="none" strike="noStrike">
+                          <a:solidFill>
+                            <a:srgbClr val="000000"/>
+                          </a:solidFill>
+                          <a:effectLst/>
+                          <a:latin typeface="+mn-lt"/>
+                          <a:ea typeface="ＭＳ Ｐゴシック" panose="020B0600070205080204" pitchFamily="50" charset="-128"/>
+                        </a:rPr>
+                        <a:t>144739</a:t>
+                      </a:r>
+                    </a:p>
+                  </a:txBody>
+                  <a:tcPr marL="9525" marR="9525" marT="9525" marB="0" anchor="ctr">
+                    <a:lnL w="12700" cap="flat" cmpd="sng" algn="ctr">
+                      <a:solidFill>
+                        <a:srgbClr val="000000"/>
+                      </a:solidFill>
+                      <a:prstDash val="solid"/>
+                      <a:round/>
+                      <a:headEnd type="none" w="med" len="med"/>
+                      <a:tailEnd type="none" w="med" len="med"/>
+                    </a:lnL>
+                    <a:lnR w="12700" cap="flat" cmpd="sng" algn="ctr">
+                      <a:solidFill>
+                        <a:srgbClr val="000000"/>
+                      </a:solidFill>
+                      <a:prstDash val="solid"/>
+                      <a:round/>
+                      <a:headEnd type="none" w="med" len="med"/>
+                      <a:tailEnd type="none" w="med" len="med"/>
+                    </a:lnR>
+                    <a:lnT w="12700" cap="flat" cmpd="sng" algn="ctr">
+                      <a:solidFill>
+                        <a:srgbClr val="000000"/>
+                      </a:solidFill>
+                      <a:prstDash val="solid"/>
+                      <a:round/>
+                      <a:headEnd type="none" w="med" len="med"/>
+                      <a:tailEnd type="none" w="med" len="med"/>
+                    </a:lnT>
+                    <a:lnB w="12700" cap="flat" cmpd="sng" algn="ctr">
+                      <a:solidFill>
+                        <a:srgbClr val="000000"/>
+                      </a:solidFill>
+                      <a:prstDash val="solid"/>
+                      <a:round/>
+                      <a:headEnd type="none" w="med" len="med"/>
+                      <a:tailEnd type="none" w="med" len="med"/>
+                    </a:lnB>
+                  </a:tcPr>
+                </a:tc>
+                <a:tc>
+                  <a:txBody>
+                    <a:bodyPr/>
+                    <a:lstStyle/>
+                    <a:p>
+                      <a:pPr algn="ctr" fontAlgn="ctr"/>
+                      <a:r>
+                        <a:rPr lang="en-US" altLang="ja-JP" sz="1100" b="0" i="0" u="none" strike="noStrike" dirty="0">
+                          <a:solidFill>
+                            <a:srgbClr val="000000"/>
+                          </a:solidFill>
+                          <a:effectLst/>
+                          <a:latin typeface="+mn-lt"/>
+                          <a:ea typeface="ＭＳ Ｐゴシック" panose="020B0600070205080204" pitchFamily="50" charset="-128"/>
+                        </a:rPr>
+                        <a:t>145045</a:t>
+                      </a:r>
+                    </a:p>
+                  </a:txBody>
+                  <a:tcPr marL="9525" marR="9525" marT="9525" marB="0" anchor="ctr">
+                    <a:lnL w="12700" cap="flat" cmpd="sng" algn="ctr">
+                      <a:solidFill>
+                        <a:srgbClr val="000000"/>
+                      </a:solidFill>
+                      <a:prstDash val="solid"/>
+                      <a:round/>
+                      <a:headEnd type="none" w="med" len="med"/>
+                      <a:tailEnd type="none" w="med" len="med"/>
+                    </a:lnL>
+                    <a:lnR w="12700" cap="flat" cmpd="sng" algn="ctr">
+                      <a:solidFill>
+                        <a:srgbClr val="000000"/>
+                      </a:solidFill>
+                      <a:prstDash val="solid"/>
+                      <a:round/>
+                      <a:headEnd type="none" w="med" len="med"/>
+                      <a:tailEnd type="none" w="med" len="med"/>
+                    </a:lnR>
+                    <a:lnT w="12700" cap="flat" cmpd="sng" algn="ctr">
+                      <a:solidFill>
+                        <a:srgbClr val="000000"/>
+                      </a:solidFill>
+                      <a:prstDash val="solid"/>
+                      <a:round/>
+                      <a:headEnd type="none" w="med" len="med"/>
+                      <a:tailEnd type="none" w="med" len="med"/>
+                    </a:lnT>
+                    <a:lnB w="12700" cap="flat" cmpd="sng" algn="ctr">
+                      <a:solidFill>
+                        <a:srgbClr val="000000"/>
+                      </a:solidFill>
+                      <a:prstDash val="solid"/>
+                      <a:round/>
+                      <a:headEnd type="none" w="med" len="med"/>
+                      <a:tailEnd type="none" w="med" len="med"/>
+                    </a:lnB>
+                  </a:tcPr>
+                </a:tc>
+              </a:tr>
+              <a:tr h="171450">
+                <a:tc>
+                  <a:txBody>
+                    <a:bodyPr/>
+                    <a:lstStyle/>
+                    <a:p>
+                      <a:pPr algn="l" fontAlgn="ctr"/>
+                      <a:endParaRPr lang="ja-JP" altLang="en-US" sz="1100" b="0" i="0" u="none" strike="noStrike">
+                        <a:solidFill>
+                          <a:srgbClr val="000000"/>
+                        </a:solidFill>
+                        <a:effectLst/>
+                        <a:latin typeface="ＭＳ Ｐゴシック" panose="020B0600070205080204" pitchFamily="50" charset="-128"/>
+                        <a:ea typeface="ＭＳ Ｐゴシック" panose="020B0600070205080204" pitchFamily="50" charset="-128"/>
+                      </a:endParaRPr>
+                    </a:p>
+                  </a:txBody>
+                  <a:tcPr marL="9525" marR="9525" marT="9525" marB="0" anchor="ctr">
+                    <a:lnL>
+                      <a:noFill/>
+                    </a:lnL>
+                    <a:lnR>
+                      <a:noFill/>
+                    </a:lnR>
+                    <a:lnT w="12700" cap="flat" cmpd="sng" algn="ctr">
+                      <a:solidFill>
+                        <a:srgbClr val="000000"/>
+                      </a:solidFill>
+                      <a:prstDash val="solid"/>
+                      <a:round/>
+                      <a:headEnd type="none" w="med" len="med"/>
+                      <a:tailEnd type="none" w="med" len="med"/>
+                    </a:lnT>
+                    <a:lnB>
+                      <a:noFill/>
+                    </a:lnB>
+                  </a:tcPr>
+                </a:tc>
+                <a:tc>
+                  <a:txBody>
+                    <a:bodyPr/>
+                    <a:lstStyle/>
+                    <a:p>
+                      <a:pPr algn="l" fontAlgn="ctr"/>
+                      <a:endParaRPr lang="ja-JP" altLang="en-US" sz="1100" b="0" i="0" u="none" strike="noStrike">
+                        <a:solidFill>
+                          <a:srgbClr val="000000"/>
+                        </a:solidFill>
+                        <a:effectLst/>
+                        <a:latin typeface="ＭＳ Ｐゴシック" panose="020B0600070205080204" pitchFamily="50" charset="-128"/>
+                        <a:ea typeface="ＭＳ Ｐゴシック" panose="020B0600070205080204" pitchFamily="50" charset="-128"/>
+                      </a:endParaRPr>
+                    </a:p>
+                  </a:txBody>
+                  <a:tcPr marL="9525" marR="9525" marT="9525" marB="0" anchor="ctr">
+                    <a:lnL>
+                      <a:noFill/>
+                    </a:lnL>
+                    <a:lnR>
+                      <a:noFill/>
+                    </a:lnR>
+                    <a:lnT w="12700" cap="flat" cmpd="sng" algn="ctr">
+                      <a:solidFill>
+                        <a:srgbClr val="000000"/>
+                      </a:solidFill>
+                      <a:prstDash val="solid"/>
+                      <a:round/>
+                      <a:headEnd type="none" w="med" len="med"/>
+                      <a:tailEnd type="none" w="med" len="med"/>
+                    </a:lnT>
+                    <a:lnB>
+                      <a:noFill/>
+                    </a:lnB>
+                  </a:tcPr>
+                </a:tc>
+                <a:tc>
+                  <a:txBody>
+                    <a:bodyPr/>
+                    <a:lstStyle/>
+                    <a:p>
+                      <a:pPr algn="l" fontAlgn="ctr"/>
+                      <a:endParaRPr lang="ja-JP" altLang="en-US" sz="1100" b="0" i="0" u="none" strike="noStrike" dirty="0">
+                        <a:solidFill>
+                          <a:srgbClr val="000000"/>
+                        </a:solidFill>
+                        <a:effectLst/>
+                        <a:latin typeface="ＭＳ Ｐゴシック" panose="020B0600070205080204" pitchFamily="50" charset="-128"/>
+                        <a:ea typeface="ＭＳ Ｐゴシック" panose="020B0600070205080204" pitchFamily="50" charset="-128"/>
+                      </a:endParaRPr>
+                    </a:p>
+                  </a:txBody>
+                  <a:tcPr marL="9525" marR="9525" marT="9525" marB="0" anchor="ctr">
+                    <a:lnL>
+                      <a:noFill/>
+                    </a:lnL>
+                    <a:lnR>
+                      <a:noFill/>
+                    </a:lnR>
+                    <a:lnT w="12700" cap="flat" cmpd="sng" algn="ctr">
+                      <a:solidFill>
+                        <a:srgbClr val="000000"/>
+                      </a:solidFill>
+                      <a:prstDash val="solid"/>
+                      <a:round/>
+                      <a:headEnd type="none" w="med" len="med"/>
+                      <a:tailEnd type="none" w="med" len="med"/>
+                    </a:lnT>
+                    <a:lnB>
+                      <a:noFill/>
+                    </a:lnB>
+                  </a:tcPr>
+                </a:tc>
+                <a:tc>
+                  <a:txBody>
+                    <a:bodyPr/>
+                    <a:lstStyle/>
+                    <a:p>
+                      <a:pPr algn="l" fontAlgn="ctr"/>
+                      <a:endParaRPr lang="ja-JP" altLang="en-US" sz="1100" b="0" i="0" u="none" strike="noStrike" dirty="0">
+                        <a:solidFill>
+                          <a:srgbClr val="000000"/>
+                        </a:solidFill>
+                        <a:effectLst/>
+                        <a:latin typeface="ＭＳ Ｐゴシック" panose="020B0600070205080204" pitchFamily="50" charset="-128"/>
+                        <a:ea typeface="ＭＳ Ｐゴシック" panose="020B0600070205080204" pitchFamily="50" charset="-128"/>
+                      </a:endParaRPr>
+                    </a:p>
+                  </a:txBody>
+                  <a:tcPr marL="9525" marR="9525" marT="9525" marB="0" anchor="ctr">
+                    <a:lnL>
+                      <a:noFill/>
+                    </a:lnL>
+                    <a:lnR>
+                      <a:noFill/>
+                    </a:lnR>
+                    <a:lnT w="12700" cap="flat" cmpd="sng" algn="ctr">
+                      <a:solidFill>
+                        <a:srgbClr val="000000"/>
+                      </a:solidFill>
+                      <a:prstDash val="solid"/>
+                      <a:round/>
+                      <a:headEnd type="none" w="med" len="med"/>
+                      <a:tailEnd type="none" w="med" len="med"/>
+                    </a:lnT>
+                    <a:lnB>
+                      <a:noFill/>
+                    </a:lnB>
+                  </a:tcPr>
+                </a:tc>
+              </a:tr>
+            </a:tbl>
+          </a:graphicData>
+        </a:graphic>
+      </p:graphicFrame>
       <p:pic>
         <p:nvPicPr>
           <p:cNvPr id="31" name="図 30"/>
@@ -14480,7 +12010,7 @@
           <p:nvPr/>
         </p:nvPicPr>
         <p:blipFill>
-          <a:blip r:embed="rId3" cstate="print">
+          <a:blip r:embed="rId5" cstate="print">
             <a:extLst>
               <a:ext uri="{28A0092B-C50C-407E-A947-70E740481C1C}">
                 <a14:useLocalDpi xmlns:a14="http://schemas.microsoft.com/office/drawing/2010/main" val="0"/>
@@ -14592,321 +12122,33 @@
       </p:sp>
       <p:graphicFrame>
         <p:nvGraphicFramePr>
-          <p:cNvPr id="6" name="表 5"/>
+          <p:cNvPr id="36" name="表 35"/>
           <p:cNvGraphicFramePr>
             <a:graphicFrameLocks noGrp="1"/>
           </p:cNvGraphicFramePr>
           <p:nvPr>
             <p:extLst>
               <p:ext uri="{D42A27DB-BD31-4B8C-83A1-F6EECF244321}">
-                <p14:modId xmlns:p14="http://schemas.microsoft.com/office/powerpoint/2010/main" val="4161910954"/>
+                <p14:modId xmlns:p14="http://schemas.microsoft.com/office/powerpoint/2010/main" val="2606636969"/>
               </p:ext>
             </p:extLst>
           </p:nvPr>
         </p:nvGraphicFramePr>
         <p:xfrm>
-          <a:off x="3275856" y="2201492"/>
-          <a:ext cx="3888432" cy="361950"/>
+          <a:off x="395535" y="4913259"/>
+          <a:ext cx="7767722" cy="893445"/>
         </p:xfrm>
         <a:graphic>
           <a:graphicData uri="http://schemas.openxmlformats.org/drawingml/2006/table">
             <a:tbl>
               <a:tblPr/>
               <a:tblGrid>
-                <a:gridCol w="1969212"/>
-                <a:gridCol w="1919220"/>
-              </a:tblGrid>
-              <a:tr h="180975">
-                <a:tc gridSpan="2">
-                  <a:txBody>
-                    <a:bodyPr/>
-                    <a:lstStyle/>
-                    <a:p>
-                      <a:pPr algn="ctr" fontAlgn="ctr"/>
-                      <a:r>
-                        <a:rPr lang="en-US" sz="1100" b="0" i="0" u="none" strike="noStrike" dirty="0" err="1">
-                          <a:solidFill>
-                            <a:srgbClr val="000000"/>
-                          </a:solidFill>
-                          <a:effectLst/>
-                          <a:latin typeface="+mn-lt"/>
-                          <a:ea typeface="ＭＳ Ｐゴシック" panose="020B0600070205080204" pitchFamily="50" charset="-128"/>
-                        </a:rPr>
-                        <a:t>Petle</a:t>
-                      </a:r>
-                      <a:r>
-                        <a:rPr lang="en-US" sz="1100" b="0" i="0" u="none" strike="noStrike" dirty="0">
-                          <a:solidFill>
-                            <a:srgbClr val="000000"/>
-                          </a:solidFill>
-                          <a:effectLst/>
-                          <a:latin typeface="+mn-lt"/>
-                          <a:ea typeface="ＭＳ Ｐゴシック" panose="020B0600070205080204" pitchFamily="50" charset="-128"/>
-                        </a:rPr>
-                        <a:t> Type</a:t>
-                      </a:r>
-                    </a:p>
-                  </a:txBody>
-                  <a:tcPr marL="9525" marR="9525" marT="9525" marB="0" anchor="ctr">
-                    <a:lnL w="12700" cap="flat" cmpd="sng" algn="ctr">
-                      <a:solidFill>
-                        <a:srgbClr val="000000"/>
-                      </a:solidFill>
-                      <a:prstDash val="solid"/>
-                      <a:round/>
-                      <a:headEnd type="none" w="med" len="med"/>
-                      <a:tailEnd type="none" w="med" len="med"/>
-                    </a:lnL>
-                    <a:lnR w="12700" cap="flat" cmpd="sng" algn="ctr">
-                      <a:solidFill>
-                        <a:srgbClr val="000000"/>
-                      </a:solidFill>
-                      <a:prstDash val="solid"/>
-                      <a:round/>
-                      <a:headEnd type="none" w="med" len="med"/>
-                      <a:tailEnd type="none" w="med" len="med"/>
-                    </a:lnR>
-                    <a:lnT w="12700" cap="flat" cmpd="sng" algn="ctr">
-                      <a:solidFill>
-                        <a:srgbClr val="000000"/>
-                      </a:solidFill>
-                      <a:prstDash val="solid"/>
-                      <a:round/>
-                      <a:headEnd type="none" w="med" len="med"/>
-                      <a:tailEnd type="none" w="med" len="med"/>
-                    </a:lnT>
-                    <a:lnB w="12700" cap="flat" cmpd="sng" algn="ctr">
-                      <a:solidFill>
-                        <a:srgbClr val="000000"/>
-                      </a:solidFill>
-                      <a:prstDash val="solid"/>
-                      <a:round/>
-                      <a:headEnd type="none" w="med" len="med"/>
-                      <a:tailEnd type="none" w="med" len="med"/>
-                    </a:lnB>
-                  </a:tcPr>
-                </a:tc>
-                <a:tc hMerge="1">
-                  <a:txBody>
-                    <a:bodyPr/>
-                    <a:lstStyle/>
-                    <a:p>
-                      <a:endParaRPr kumimoji="1" lang="ja-JP" altLang="en-US"/>
-                    </a:p>
-                  </a:txBody>
-                  <a:tcPr/>
-                </a:tc>
-              </a:tr>
-              <a:tr h="180975">
-                <a:tc>
-                  <a:txBody>
-                    <a:bodyPr/>
-                    <a:lstStyle/>
-                    <a:p>
-                      <a:pPr algn="ctr" fontAlgn="ctr"/>
-                      <a:r>
-                        <a:rPr lang="en-US" sz="1100" b="0" i="0" u="none" strike="noStrike" dirty="0">
-                          <a:solidFill>
-                            <a:srgbClr val="000000"/>
-                          </a:solidFill>
-                          <a:effectLst/>
-                          <a:latin typeface="+mn-lt"/>
-                          <a:ea typeface="ＭＳ Ｐゴシック" panose="020B0600070205080204" pitchFamily="50" charset="-128"/>
-                        </a:rPr>
-                        <a:t>Stationary</a:t>
-                      </a:r>
-                    </a:p>
-                  </a:txBody>
-                  <a:tcPr marL="9525" marR="9525" marT="9525" marB="0" anchor="ctr">
-                    <a:lnL w="12700" cap="flat" cmpd="sng" algn="ctr">
-                      <a:solidFill>
-                        <a:srgbClr val="000000"/>
-                      </a:solidFill>
-                      <a:prstDash val="solid"/>
-                      <a:round/>
-                      <a:headEnd type="none" w="med" len="med"/>
-                      <a:tailEnd type="none" w="med" len="med"/>
-                    </a:lnL>
-                    <a:lnR w="6350" cap="flat" cmpd="sng" algn="ctr">
-                      <a:solidFill>
-                        <a:srgbClr val="000000"/>
-                      </a:solidFill>
-                      <a:prstDash val="solid"/>
-                      <a:round/>
-                      <a:headEnd type="none" w="med" len="med"/>
-                      <a:tailEnd type="none" w="med" len="med"/>
-                    </a:lnR>
-                    <a:lnT w="12700" cap="flat" cmpd="sng" algn="ctr">
-                      <a:solidFill>
-                        <a:srgbClr val="000000"/>
-                      </a:solidFill>
-                      <a:prstDash val="solid"/>
-                      <a:round/>
-                      <a:headEnd type="none" w="med" len="med"/>
-                      <a:tailEnd type="none" w="med" len="med"/>
-                    </a:lnT>
-                    <a:lnB w="12700" cap="flat" cmpd="sng" algn="ctr">
-                      <a:solidFill>
-                        <a:srgbClr val="000000"/>
-                      </a:solidFill>
-                      <a:prstDash val="solid"/>
-                      <a:round/>
-                      <a:headEnd type="none" w="med" len="med"/>
-                      <a:tailEnd type="none" w="med" len="med"/>
-                    </a:lnB>
-                  </a:tcPr>
-                </a:tc>
-                <a:tc>
-                  <a:txBody>
-                    <a:bodyPr/>
-                    <a:lstStyle/>
-                    <a:p>
-                      <a:pPr algn="ctr" fontAlgn="ctr"/>
-                      <a:r>
-                        <a:rPr lang="en-US" sz="1100" b="0" i="0" u="none" strike="noStrike" dirty="0">
-                          <a:solidFill>
-                            <a:srgbClr val="000000"/>
-                          </a:solidFill>
-                          <a:effectLst/>
-                          <a:latin typeface="+mn-lt"/>
-                          <a:ea typeface="ＭＳ Ｐゴシック" panose="020B0600070205080204" pitchFamily="50" charset="-128"/>
-                        </a:rPr>
-                        <a:t>Move (300[mm/s]</a:t>
-                      </a:r>
-                    </a:p>
-                  </a:txBody>
-                  <a:tcPr marL="9525" marR="9525" marT="9525" marB="0" anchor="ctr">
-                    <a:lnL w="6350" cap="flat" cmpd="sng" algn="ctr">
-                      <a:solidFill>
-                        <a:srgbClr val="000000"/>
-                      </a:solidFill>
-                      <a:prstDash val="solid"/>
-                      <a:round/>
-                      <a:headEnd type="none" w="med" len="med"/>
-                      <a:tailEnd type="none" w="med" len="med"/>
-                    </a:lnL>
-                    <a:lnR w="12700" cap="flat" cmpd="sng" algn="ctr">
-                      <a:solidFill>
-                        <a:srgbClr val="000000"/>
-                      </a:solidFill>
-                      <a:prstDash val="solid"/>
-                      <a:round/>
-                      <a:headEnd type="none" w="med" len="med"/>
-                      <a:tailEnd type="none" w="med" len="med"/>
-                    </a:lnR>
-                    <a:lnT w="12700" cap="flat" cmpd="sng" algn="ctr">
-                      <a:solidFill>
-                        <a:srgbClr val="000000"/>
-                      </a:solidFill>
-                      <a:prstDash val="solid"/>
-                      <a:round/>
-                      <a:headEnd type="none" w="med" len="med"/>
-                      <a:tailEnd type="none" w="med" len="med"/>
-                    </a:lnT>
-                    <a:lnB w="12700" cap="flat" cmpd="sng" algn="ctr">
-                      <a:solidFill>
-                        <a:srgbClr val="000000"/>
-                      </a:solidFill>
-                      <a:prstDash val="solid"/>
-                      <a:round/>
-                      <a:headEnd type="none" w="med" len="med"/>
-                      <a:tailEnd type="none" w="med" len="med"/>
-                    </a:lnB>
-                  </a:tcPr>
-                </a:tc>
-              </a:tr>
-            </a:tbl>
-          </a:graphicData>
-        </a:graphic>
-      </p:graphicFrame>
-      <p:pic>
-        <p:nvPicPr>
-          <p:cNvPr id="7" name="図 6"/>
-          <p:cNvPicPr>
-            <a:picLocks noChangeAspect="1"/>
-          </p:cNvPicPr>
-          <p:nvPr/>
-        </p:nvPicPr>
-        <p:blipFill>
-          <a:blip r:embed="rId4" cstate="print">
-            <a:extLst>
-              <a:ext uri="{28A0092B-C50C-407E-A947-70E740481C1C}">
-                <a14:useLocalDpi xmlns:a14="http://schemas.microsoft.com/office/drawing/2010/main" val="0"/>
-              </a:ext>
-            </a:extLst>
-          </a:blip>
-          <a:stretch>
-            <a:fillRect/>
-          </a:stretch>
-        </p:blipFill>
-        <p:spPr>
-          <a:xfrm>
-            <a:off x="3412967" y="2791020"/>
-            <a:ext cx="1734936" cy="1982784"/>
-          </a:xfrm>
-          <a:prstGeom prst="rect">
-            <a:avLst/>
-          </a:prstGeom>
-        </p:spPr>
-      </p:pic>
-      <p:pic>
-        <p:nvPicPr>
-          <p:cNvPr id="8" name="図 7"/>
-          <p:cNvPicPr>
-            <a:picLocks noChangeAspect="1"/>
-          </p:cNvPicPr>
-          <p:nvPr/>
-        </p:nvPicPr>
-        <p:blipFill>
-          <a:blip r:embed="rId5" cstate="print">
-            <a:extLst>
-              <a:ext uri="{28A0092B-C50C-407E-A947-70E740481C1C}">
-                <a14:useLocalDpi xmlns:a14="http://schemas.microsoft.com/office/drawing/2010/main" val="0"/>
-              </a:ext>
-            </a:extLst>
-          </a:blip>
-          <a:stretch>
-            <a:fillRect/>
-          </a:stretch>
-        </p:blipFill>
-        <p:spPr>
-          <a:xfrm>
-            <a:off x="5333836" y="2790141"/>
-            <a:ext cx="1734935" cy="1982783"/>
-          </a:xfrm>
-          <a:prstGeom prst="rect">
-            <a:avLst/>
-          </a:prstGeom>
-        </p:spPr>
-      </p:pic>
-      <p:graphicFrame>
-        <p:nvGraphicFramePr>
-          <p:cNvPr id="21" name="表 20"/>
-          <p:cNvGraphicFramePr>
-            <a:graphicFrameLocks noGrp="1"/>
-          </p:cNvGraphicFramePr>
-          <p:nvPr>
-            <p:extLst>
-              <p:ext uri="{D42A27DB-BD31-4B8C-83A1-F6EECF244321}">
-                <p14:modId xmlns:p14="http://schemas.microsoft.com/office/powerpoint/2010/main" val="4254134524"/>
-              </p:ext>
-            </p:extLst>
-          </p:nvPr>
-        </p:nvGraphicFramePr>
-        <p:xfrm>
-          <a:off x="1475657" y="4904490"/>
-          <a:ext cx="5685970" cy="889635"/>
-        </p:xfrm>
-        <a:graphic>
-          <a:graphicData uri="http://schemas.openxmlformats.org/drawingml/2006/table">
-            <a:tbl>
-              <a:tblPr/>
-              <a:tblGrid>
-                <a:gridCol w="738791"/>
-                <a:gridCol w="369396"/>
-                <a:gridCol w="692012"/>
-                <a:gridCol w="1967641"/>
-                <a:gridCol w="1918130"/>
+                <a:gridCol w="681899"/>
+                <a:gridCol w="254206"/>
+                <a:gridCol w="1008112"/>
+                <a:gridCol w="1944216"/>
+                <a:gridCol w="1944216"/>
+                <a:gridCol w="1935073"/>
               </a:tblGrid>
               <a:tr h="171450">
                 <a:tc rowSpan="5">
@@ -15093,7 +12335,7 @@
                     <a:p>
                       <a:pPr algn="ctr" fontAlgn="ctr"/>
                       <a:r>
-                        <a:rPr lang="en-US" altLang="ja-JP" sz="1100" b="0" i="0" u="none" strike="noStrike" dirty="0">
+                        <a:rPr lang="en-US" altLang="ja-JP" sz="1100" b="0" i="0" u="none" strike="noStrike">
                           <a:solidFill>
                             <a:srgbClr val="000000"/>
                           </a:solidFill>
@@ -15115,9 +12357,67 @@
                       <a:headEnd type="none" w="med" len="med"/>
                       <a:tailEnd type="none" w="med" len="med"/>
                     </a:lnL>
-                    <a:lnR w="6350" cap="flat" cmpd="sng" algn="ctr">
-                      <a:solidFill>
-                        <a:srgbClr val="000000"/>
+                    <a:lnR w="12700" cap="flat" cmpd="sng" algn="ctr">
+                      <a:solidFill>
+                        <a:schemeClr val="tx1"/>
+                      </a:solidFill>
+                      <a:prstDash val="solid"/>
+                      <a:round/>
+                      <a:headEnd type="none" w="med" len="med"/>
+                      <a:tailEnd type="none" w="med" len="med"/>
+                    </a:lnR>
+                    <a:lnT w="12700" cap="flat" cmpd="sng" algn="ctr">
+                      <a:solidFill>
+                        <a:schemeClr val="tx1"/>
+                      </a:solidFill>
+                      <a:prstDash val="solid"/>
+                      <a:round/>
+                      <a:headEnd type="none" w="med" len="med"/>
+                      <a:tailEnd type="none" w="med" len="med"/>
+                    </a:lnT>
+                    <a:lnB w="6350" cap="flat" cmpd="sng" algn="ctr">
+                      <a:solidFill>
+                        <a:srgbClr val="000000"/>
+                      </a:solidFill>
+                      <a:prstDash val="solid"/>
+                      <a:round/>
+                      <a:headEnd type="none" w="med" len="med"/>
+                      <a:tailEnd type="none" w="med" len="med"/>
+                    </a:lnB>
+                  </a:tcPr>
+                </a:tc>
+                <a:tc>
+                  <a:txBody>
+                    <a:bodyPr/>
+                    <a:lstStyle/>
+                    <a:p>
+                      <a:pPr algn="ctr" fontAlgn="ctr"/>
+                      <a:r>
+                        <a:rPr lang="en-US" altLang="ja-JP" sz="1100" b="0" i="0" u="none" strike="noStrike">
+                          <a:solidFill>
+                            <a:srgbClr val="000000"/>
+                          </a:solidFill>
+                          <a:effectLst/>
+                          <a:latin typeface="+mn-lt"/>
+                          <a:ea typeface="ＭＳ Ｐゴシック" panose="020B0600070205080204" pitchFamily="50" charset="-128"/>
+                        </a:rPr>
+                        <a:t>33510</a:t>
+                      </a:r>
+                    </a:p>
+                  </a:txBody>
+                  <a:tcPr marL="9525" marR="9525" marT="9525" marB="0" anchor="ctr">
+                    <a:lnL w="12700" cap="flat" cmpd="sng" algn="ctr">
+                      <a:solidFill>
+                        <a:schemeClr val="tx1"/>
+                      </a:solidFill>
+                      <a:prstDash val="solid"/>
+                      <a:round/>
+                      <a:headEnd type="none" w="med" len="med"/>
+                      <a:tailEnd type="none" w="med" len="med"/>
+                    </a:lnL>
+                    <a:lnR w="12700" cap="flat" cmpd="sng" algn="ctr">
+                      <a:solidFill>
+                        <a:schemeClr val="tx1"/>
                       </a:solidFill>
                       <a:prstDash val="solid"/>
                       <a:round/>
@@ -15164,9 +12464,9 @@
                     </a:p>
                   </a:txBody>
                   <a:tcPr marL="9525" marR="9525" marT="9525" marB="0" anchor="ctr">
-                    <a:lnL w="6350" cap="flat" cmpd="sng" algn="ctr">
-                      <a:solidFill>
-                        <a:srgbClr val="000000"/>
+                    <a:lnL w="12700" cap="flat" cmpd="sng" algn="ctr">
+                      <a:solidFill>
+                        <a:schemeClr val="tx1"/>
                       </a:solidFill>
                       <a:prstDash val="solid"/>
                       <a:round/>
@@ -15279,7 +12579,7 @@
                     <a:p>
                       <a:pPr algn="ctr" fontAlgn="ctr"/>
                       <a:r>
-                        <a:rPr lang="ja-JP" altLang="en-US" sz="1100" b="0" i="0" u="none" strike="noStrike">
+                        <a:rPr lang="ja-JP" altLang="en-US" sz="1100" b="0" i="0" u="none" strike="noStrike" dirty="0">
                           <a:solidFill>
                             <a:srgbClr val="000000"/>
                           </a:solidFill>
@@ -15340,7 +12640,7 @@
                     <a:p>
                       <a:pPr algn="ctr" fontAlgn="ctr"/>
                       <a:r>
-                        <a:rPr lang="en-US" altLang="ja-JP" sz="1100" b="0" i="0" u="none" strike="noStrike" dirty="0">
+                        <a:rPr lang="en-US" altLang="ja-JP" sz="1100" b="0" i="0" u="none" strike="noStrike">
                           <a:solidFill>
                             <a:srgbClr val="000000"/>
                           </a:solidFill>
@@ -15362,9 +12662,9 @@
                       <a:headEnd type="none" w="med" len="med"/>
                       <a:tailEnd type="none" w="med" len="med"/>
                     </a:lnL>
-                    <a:lnR w="6350" cap="flat" cmpd="sng" algn="ctr">
-                      <a:solidFill>
-                        <a:srgbClr val="000000"/>
+                    <a:lnR w="12700" cap="flat" cmpd="sng" algn="ctr">
+                      <a:solidFill>
+                        <a:schemeClr val="tx1"/>
                       </a:solidFill>
                       <a:prstDash val="solid"/>
                       <a:round/>
@@ -15398,7 +12698,65 @@
                     <a:p>
                       <a:pPr algn="ctr" fontAlgn="ctr"/>
                       <a:r>
-                        <a:rPr lang="en-US" altLang="ja-JP" sz="1100" b="0" i="0" u="none" strike="noStrike" dirty="0">
+                        <a:rPr lang="en-US" altLang="ja-JP" sz="1100" b="0" i="0" u="none" strike="noStrike">
+                          <a:solidFill>
+                            <a:srgbClr val="000000"/>
+                          </a:solidFill>
+                          <a:effectLst/>
+                          <a:latin typeface="+mn-lt"/>
+                          <a:ea typeface="ＭＳ Ｐゴシック" panose="020B0600070205080204" pitchFamily="50" charset="-128"/>
+                        </a:rPr>
+                        <a:t>33215</a:t>
+                      </a:r>
+                    </a:p>
+                  </a:txBody>
+                  <a:tcPr marL="9525" marR="9525" marT="9525" marB="0" anchor="ctr">
+                    <a:lnL w="12700" cap="flat" cmpd="sng" algn="ctr">
+                      <a:solidFill>
+                        <a:schemeClr val="tx1"/>
+                      </a:solidFill>
+                      <a:prstDash val="solid"/>
+                      <a:round/>
+                      <a:headEnd type="none" w="med" len="med"/>
+                      <a:tailEnd type="none" w="med" len="med"/>
+                    </a:lnL>
+                    <a:lnR w="12700" cap="flat" cmpd="sng" algn="ctr">
+                      <a:solidFill>
+                        <a:schemeClr val="tx1"/>
+                      </a:solidFill>
+                      <a:prstDash val="solid"/>
+                      <a:round/>
+                      <a:headEnd type="none" w="med" len="med"/>
+                      <a:tailEnd type="none" w="med" len="med"/>
+                    </a:lnR>
+                    <a:lnT w="6350" cap="flat" cmpd="sng" algn="ctr">
+                      <a:solidFill>
+                        <a:srgbClr val="000000"/>
+                      </a:solidFill>
+                      <a:prstDash val="solid"/>
+                      <a:round/>
+                      <a:headEnd type="none" w="med" len="med"/>
+                      <a:tailEnd type="none" w="med" len="med"/>
+                    </a:lnT>
+                    <a:lnB w="6350" cap="flat" cmpd="sng" algn="ctr">
+                      <a:solidFill>
+                        <a:srgbClr val="000000"/>
+                      </a:solidFill>
+                      <a:prstDash val="solid"/>
+                      <a:round/>
+                      <a:headEnd type="none" w="med" len="med"/>
+                      <a:tailEnd type="none" w="med" len="med"/>
+                    </a:lnB>
+                  </a:tcPr>
+                </a:tc>
+                <a:tc>
+                  <a:txBody>
+                    <a:bodyPr/>
+                    <a:lstStyle/>
+                    <a:p>
+                      <a:pPr algn="ctr" fontAlgn="ctr"/>
+                      <a:r>
+                        <a:rPr lang="en-US" altLang="ja-JP" sz="1100" b="0" i="0" u="none" strike="noStrike">
                           <a:solidFill>
                             <a:srgbClr val="000000"/>
                           </a:solidFill>
@@ -15411,9 +12769,9 @@
                     </a:p>
                   </a:txBody>
                   <a:tcPr marL="9525" marR="9525" marT="9525" marB="0" anchor="ctr">
-                    <a:lnL w="6350" cap="flat" cmpd="sng" algn="ctr">
-                      <a:solidFill>
-                        <a:srgbClr val="000000"/>
+                    <a:lnL w="12700" cap="flat" cmpd="sng" algn="ctr">
+                      <a:solidFill>
+                        <a:schemeClr val="tx1"/>
                       </a:solidFill>
                       <a:prstDash val="solid"/>
                       <a:round/>
@@ -15587,7 +12945,7 @@
                     <a:p>
                       <a:pPr algn="ctr" fontAlgn="ctr"/>
                       <a:r>
-                        <a:rPr lang="en-US" altLang="ja-JP" sz="1100" b="0" i="0" u="none" strike="noStrike" dirty="0">
+                        <a:rPr lang="en-US" altLang="ja-JP" sz="1100" b="0" i="0" u="none" strike="noStrike">
                           <a:solidFill>
                             <a:srgbClr val="000000"/>
                           </a:solidFill>
@@ -15609,9 +12967,9 @@
                       <a:headEnd type="none" w="med" len="med"/>
                       <a:tailEnd type="none" w="med" len="med"/>
                     </a:lnL>
-                    <a:lnR w="6350" cap="flat" cmpd="sng" algn="ctr">
-                      <a:solidFill>
-                        <a:srgbClr val="000000"/>
+                    <a:lnR w="12700" cap="flat" cmpd="sng" algn="ctr">
+                      <a:solidFill>
+                        <a:schemeClr val="tx1"/>
                       </a:solidFill>
                       <a:prstDash val="solid"/>
                       <a:round/>
@@ -15645,7 +13003,65 @@
                     <a:p>
                       <a:pPr algn="ctr" fontAlgn="ctr"/>
                       <a:r>
-                        <a:rPr lang="en-US" altLang="ja-JP" sz="1100" b="0" i="0" u="none" strike="noStrike" dirty="0">
+                        <a:rPr lang="en-US" altLang="ja-JP" sz="1100" b="0" i="0" u="none" strike="noStrike">
+                          <a:solidFill>
+                            <a:srgbClr val="000000"/>
+                          </a:solidFill>
+                          <a:effectLst/>
+                          <a:latin typeface="+mn-lt"/>
+                          <a:ea typeface="ＭＳ Ｐゴシック" panose="020B0600070205080204" pitchFamily="50" charset="-128"/>
+                        </a:rPr>
+                        <a:t>30313</a:t>
+                      </a:r>
+                    </a:p>
+                  </a:txBody>
+                  <a:tcPr marL="9525" marR="9525" marT="9525" marB="0" anchor="ctr">
+                    <a:lnL w="12700" cap="flat" cmpd="sng" algn="ctr">
+                      <a:solidFill>
+                        <a:schemeClr val="tx1"/>
+                      </a:solidFill>
+                      <a:prstDash val="solid"/>
+                      <a:round/>
+                      <a:headEnd type="none" w="med" len="med"/>
+                      <a:tailEnd type="none" w="med" len="med"/>
+                    </a:lnL>
+                    <a:lnR w="12700" cap="flat" cmpd="sng" algn="ctr">
+                      <a:solidFill>
+                        <a:schemeClr val="tx1"/>
+                      </a:solidFill>
+                      <a:prstDash val="solid"/>
+                      <a:round/>
+                      <a:headEnd type="none" w="med" len="med"/>
+                      <a:tailEnd type="none" w="med" len="med"/>
+                    </a:lnR>
+                    <a:lnT w="6350" cap="flat" cmpd="sng" algn="ctr">
+                      <a:solidFill>
+                        <a:srgbClr val="000000"/>
+                      </a:solidFill>
+                      <a:prstDash val="solid"/>
+                      <a:round/>
+                      <a:headEnd type="none" w="med" len="med"/>
+                      <a:tailEnd type="none" w="med" len="med"/>
+                    </a:lnT>
+                    <a:lnB w="6350" cap="flat" cmpd="sng" algn="ctr">
+                      <a:solidFill>
+                        <a:srgbClr val="000000"/>
+                      </a:solidFill>
+                      <a:prstDash val="solid"/>
+                      <a:round/>
+                      <a:headEnd type="none" w="med" len="med"/>
+                      <a:tailEnd type="none" w="med" len="med"/>
+                    </a:lnB>
+                  </a:tcPr>
+                </a:tc>
+                <a:tc>
+                  <a:txBody>
+                    <a:bodyPr/>
+                    <a:lstStyle/>
+                    <a:p>
+                      <a:pPr algn="ctr" fontAlgn="ctr"/>
+                      <a:r>
+                        <a:rPr lang="en-US" altLang="ja-JP" sz="1100" b="0" i="0" u="none" strike="noStrike">
                           <a:solidFill>
                             <a:srgbClr val="000000"/>
                           </a:solidFill>
@@ -15658,9 +13074,9 @@
                     </a:p>
                   </a:txBody>
                   <a:tcPr marL="9525" marR="9525" marT="9525" marB="0" anchor="ctr">
-                    <a:lnL w="6350" cap="flat" cmpd="sng" algn="ctr">
-                      <a:solidFill>
-                        <a:srgbClr val="000000"/>
+                    <a:lnL w="12700" cap="flat" cmpd="sng" algn="ctr">
+                      <a:solidFill>
+                        <a:schemeClr val="tx1"/>
                       </a:solidFill>
                       <a:prstDash val="solid"/>
                       <a:round/>
@@ -15697,7 +13113,7 @@
                   </a:tcPr>
                 </a:tc>
               </a:tr>
-              <a:tr h="171450">
+              <a:tr h="180975">
                 <a:tc vMerge="1">
                   <a:txBody>
                     <a:bodyPr/>
@@ -15856,9 +13272,9 @@
                       <a:headEnd type="none" w="med" len="med"/>
                       <a:tailEnd type="none" w="med" len="med"/>
                     </a:lnL>
-                    <a:lnR w="6350" cap="flat" cmpd="sng" algn="ctr">
-                      <a:solidFill>
-                        <a:srgbClr val="000000"/>
+                    <a:lnR w="12700" cap="flat" cmpd="sng" algn="ctr">
+                      <a:solidFill>
+                        <a:schemeClr val="tx1"/>
                       </a:solidFill>
                       <a:prstDash val="solid"/>
                       <a:round/>
@@ -15892,7 +13308,65 @@
                     <a:p>
                       <a:pPr algn="ctr" fontAlgn="ctr"/>
                       <a:r>
-                        <a:rPr lang="en-US" altLang="ja-JP" sz="1100" b="0" i="0" u="none" strike="noStrike" dirty="0">
+                        <a:rPr lang="en-US" altLang="ja-JP" sz="1100" b="0" i="0" u="none" strike="noStrike">
+                          <a:solidFill>
+                            <a:srgbClr val="000000"/>
+                          </a:solidFill>
+                          <a:effectLst/>
+                          <a:latin typeface="+mn-lt"/>
+                          <a:ea typeface="ＭＳ Ｐゴシック" panose="020B0600070205080204" pitchFamily="50" charset="-128"/>
+                        </a:rPr>
+                        <a:t>25159</a:t>
+                      </a:r>
+                    </a:p>
+                  </a:txBody>
+                  <a:tcPr marL="9525" marR="9525" marT="9525" marB="0" anchor="ctr">
+                    <a:lnL w="12700" cap="flat" cmpd="sng" algn="ctr">
+                      <a:solidFill>
+                        <a:schemeClr val="tx1"/>
+                      </a:solidFill>
+                      <a:prstDash val="solid"/>
+                      <a:round/>
+                      <a:headEnd type="none" w="med" len="med"/>
+                      <a:tailEnd type="none" w="med" len="med"/>
+                    </a:lnL>
+                    <a:lnR w="12700" cap="flat" cmpd="sng" algn="ctr">
+                      <a:solidFill>
+                        <a:schemeClr val="tx1"/>
+                      </a:solidFill>
+                      <a:prstDash val="solid"/>
+                      <a:round/>
+                      <a:headEnd type="none" w="med" len="med"/>
+                      <a:tailEnd type="none" w="med" len="med"/>
+                    </a:lnR>
+                    <a:lnT w="6350" cap="flat" cmpd="sng" algn="ctr">
+                      <a:solidFill>
+                        <a:srgbClr val="000000"/>
+                      </a:solidFill>
+                      <a:prstDash val="solid"/>
+                      <a:round/>
+                      <a:headEnd type="none" w="med" len="med"/>
+                      <a:tailEnd type="none" w="med" len="med"/>
+                    </a:lnT>
+                    <a:lnB w="6350" cap="flat" cmpd="sng" algn="ctr">
+                      <a:solidFill>
+                        <a:srgbClr val="000000"/>
+                      </a:solidFill>
+                      <a:prstDash val="solid"/>
+                      <a:round/>
+                      <a:headEnd type="none" w="med" len="med"/>
+                      <a:tailEnd type="none" w="med" len="med"/>
+                    </a:lnB>
+                  </a:tcPr>
+                </a:tc>
+                <a:tc>
+                  <a:txBody>
+                    <a:bodyPr/>
+                    <a:lstStyle/>
+                    <a:p>
+                      <a:pPr algn="ctr" fontAlgn="ctr"/>
+                      <a:r>
+                        <a:rPr lang="en-US" altLang="ja-JP" sz="1100" b="0" i="0" u="none" strike="noStrike">
                           <a:solidFill>
                             <a:srgbClr val="000000"/>
                           </a:solidFill>
@@ -15905,9 +13379,9 @@
                     </a:p>
                   </a:txBody>
                   <a:tcPr marL="9525" marR="9525" marT="9525" marB="0" anchor="ctr">
-                    <a:lnL w="6350" cap="flat" cmpd="sng" algn="ctr">
-                      <a:solidFill>
-                        <a:srgbClr val="000000"/>
+                    <a:lnL w="12700" cap="flat" cmpd="sng" algn="ctr">
+                      <a:solidFill>
+                        <a:schemeClr val="tx1"/>
                       </a:solidFill>
                       <a:prstDash val="solid"/>
                       <a:round/>
@@ -16103,9 +13577,67 @@
                       <a:headEnd type="none" w="med" len="med"/>
                       <a:tailEnd type="none" w="med" len="med"/>
                     </a:lnL>
-                    <a:lnR w="6350" cap="flat" cmpd="sng" algn="ctr">
-                      <a:solidFill>
-                        <a:srgbClr val="000000"/>
+                    <a:lnR w="12700" cap="flat" cmpd="sng" algn="ctr">
+                      <a:solidFill>
+                        <a:schemeClr val="tx1"/>
+                      </a:solidFill>
+                      <a:prstDash val="solid"/>
+                      <a:round/>
+                      <a:headEnd type="none" w="med" len="med"/>
+                      <a:tailEnd type="none" w="med" len="med"/>
+                    </a:lnR>
+                    <a:lnT w="6350" cap="flat" cmpd="sng" algn="ctr">
+                      <a:solidFill>
+                        <a:srgbClr val="000000"/>
+                      </a:solidFill>
+                      <a:prstDash val="solid"/>
+                      <a:round/>
+                      <a:headEnd type="none" w="med" len="med"/>
+                      <a:tailEnd type="none" w="med" len="med"/>
+                    </a:lnT>
+                    <a:lnB w="12700" cap="flat" cmpd="sng" algn="ctr">
+                      <a:solidFill>
+                        <a:schemeClr val="tx1"/>
+                      </a:solidFill>
+                      <a:prstDash val="solid"/>
+                      <a:round/>
+                      <a:headEnd type="none" w="med" len="med"/>
+                      <a:tailEnd type="none" w="med" len="med"/>
+                    </a:lnB>
+                  </a:tcPr>
+                </a:tc>
+                <a:tc>
+                  <a:txBody>
+                    <a:bodyPr/>
+                    <a:lstStyle/>
+                    <a:p>
+                      <a:pPr algn="ctr" fontAlgn="ctr"/>
+                      <a:r>
+                        <a:rPr lang="en-US" altLang="ja-JP" sz="1100" b="0" i="0" u="none" strike="noStrike">
+                          <a:solidFill>
+                            <a:srgbClr val="000000"/>
+                          </a:solidFill>
+                          <a:effectLst/>
+                          <a:latin typeface="+mn-lt"/>
+                          <a:ea typeface="ＭＳ Ｐゴシック" panose="020B0600070205080204" pitchFamily="50" charset="-128"/>
+                        </a:rPr>
+                        <a:t>22542</a:t>
+                      </a:r>
+                    </a:p>
+                  </a:txBody>
+                  <a:tcPr marL="9525" marR="9525" marT="9525" marB="0" anchor="ctr">
+                    <a:lnL w="12700" cap="flat" cmpd="sng" algn="ctr">
+                      <a:solidFill>
+                        <a:schemeClr val="tx1"/>
+                      </a:solidFill>
+                      <a:prstDash val="solid"/>
+                      <a:round/>
+                      <a:headEnd type="none" w="med" len="med"/>
+                      <a:tailEnd type="none" w="med" len="med"/>
+                    </a:lnL>
+                    <a:lnR w="12700" cap="flat" cmpd="sng" algn="ctr">
+                      <a:solidFill>
+                        <a:schemeClr val="tx1"/>
                       </a:solidFill>
                       <a:prstDash val="solid"/>
                       <a:round/>
@@ -16152,9 +13684,9 @@
                     </a:p>
                   </a:txBody>
                   <a:tcPr marL="9525" marR="9525" marT="9525" marB="0" anchor="ctr">
-                    <a:lnL w="6350" cap="flat" cmpd="sng" algn="ctr">
-                      <a:solidFill>
-                        <a:srgbClr val="000000"/>
+                    <a:lnL w="12700" cap="flat" cmpd="sng" algn="ctr">
+                      <a:solidFill>
+                        <a:schemeClr val="tx1"/>
                       </a:solidFill>
                       <a:prstDash val="solid"/>
                       <a:round/>
@@ -16182,6 +13714,293 @@
                     <a:lnB w="12700" cap="flat" cmpd="sng" algn="ctr">
                       <a:solidFill>
                         <a:schemeClr val="tx1"/>
+                      </a:solidFill>
+                      <a:prstDash val="solid"/>
+                      <a:round/>
+                      <a:headEnd type="none" w="med" len="med"/>
+                      <a:tailEnd type="none" w="med" len="med"/>
+                    </a:lnB>
+                  </a:tcPr>
+                </a:tc>
+              </a:tr>
+            </a:tbl>
+          </a:graphicData>
+        </a:graphic>
+      </p:graphicFrame>
+      <p:graphicFrame>
+        <p:nvGraphicFramePr>
+          <p:cNvPr id="5" name="表 4"/>
+          <p:cNvGraphicFramePr>
+            <a:graphicFrameLocks noGrp="1"/>
+          </p:cNvGraphicFramePr>
+          <p:nvPr>
+            <p:extLst>
+              <p:ext uri="{D42A27DB-BD31-4B8C-83A1-F6EECF244321}">
+                <p14:modId xmlns:p14="http://schemas.microsoft.com/office/powerpoint/2010/main" val="950425638"/>
+              </p:ext>
+            </p:extLst>
+          </p:nvPr>
+        </p:nvGraphicFramePr>
+        <p:xfrm>
+          <a:off x="2317984" y="2134546"/>
+          <a:ext cx="5835840" cy="419210"/>
+        </p:xfrm>
+        <a:graphic>
+          <a:graphicData uri="http://schemas.openxmlformats.org/drawingml/2006/table">
+            <a:tbl>
+              <a:tblPr/>
+              <a:tblGrid>
+                <a:gridCol w="1945280"/>
+                <a:gridCol w="1945280"/>
+                <a:gridCol w="1945280"/>
+              </a:tblGrid>
+              <a:tr h="209605">
+                <a:tc gridSpan="3">
+                  <a:txBody>
+                    <a:bodyPr/>
+                    <a:lstStyle/>
+                    <a:p>
+                      <a:pPr algn="ctr" fontAlgn="ctr"/>
+                      <a:r>
+                        <a:rPr lang="en-US" sz="1100" b="0" i="0" u="none" strike="noStrike" dirty="0">
+                          <a:solidFill>
+                            <a:srgbClr val="000000"/>
+                          </a:solidFill>
+                          <a:effectLst/>
+                          <a:latin typeface="+mn-lt"/>
+                          <a:ea typeface="ＭＳ Ｐゴシック" panose="020B0600070205080204" pitchFamily="50" charset="-128"/>
+                        </a:rPr>
+                        <a:t>Pestle Type</a:t>
+                      </a:r>
+                    </a:p>
+                  </a:txBody>
+                  <a:tcPr marL="9525" marR="9525" marT="9525" marB="0" anchor="ctr">
+                    <a:lnL w="12700" cap="flat" cmpd="sng" algn="ctr">
+                      <a:solidFill>
+                        <a:srgbClr val="000000"/>
+                      </a:solidFill>
+                      <a:prstDash val="solid"/>
+                      <a:round/>
+                      <a:headEnd type="none" w="med" len="med"/>
+                      <a:tailEnd type="none" w="med" len="med"/>
+                    </a:lnL>
+                    <a:lnR w="12700" cap="flat" cmpd="sng" algn="ctr">
+                      <a:solidFill>
+                        <a:srgbClr val="000000"/>
+                      </a:solidFill>
+                      <a:prstDash val="solid"/>
+                      <a:round/>
+                      <a:headEnd type="none" w="med" len="med"/>
+                      <a:tailEnd type="none" w="med" len="med"/>
+                    </a:lnR>
+                    <a:lnT w="12700" cap="flat" cmpd="sng" algn="ctr">
+                      <a:solidFill>
+                        <a:srgbClr val="000000"/>
+                      </a:solidFill>
+                      <a:prstDash val="solid"/>
+                      <a:round/>
+                      <a:headEnd type="none" w="med" len="med"/>
+                      <a:tailEnd type="none" w="med" len="med"/>
+                    </a:lnT>
+                    <a:lnB w="12700" cap="flat" cmpd="sng" algn="ctr">
+                      <a:solidFill>
+                        <a:srgbClr val="000000"/>
+                      </a:solidFill>
+                      <a:prstDash val="solid"/>
+                      <a:round/>
+                      <a:headEnd type="none" w="med" len="med"/>
+                      <a:tailEnd type="none" w="med" len="med"/>
+                    </a:lnB>
+                  </a:tcPr>
+                </a:tc>
+                <a:tc hMerge="1">
+                  <a:txBody>
+                    <a:bodyPr/>
+                    <a:lstStyle/>
+                    <a:p>
+                      <a:endParaRPr kumimoji="1" lang="ja-JP" altLang="en-US"/>
+                    </a:p>
+                  </a:txBody>
+                  <a:tcPr/>
+                </a:tc>
+                <a:tc hMerge="1">
+                  <a:txBody>
+                    <a:bodyPr/>
+                    <a:lstStyle/>
+                    <a:p>
+                      <a:endParaRPr kumimoji="1" lang="ja-JP" altLang="en-US"/>
+                    </a:p>
+                  </a:txBody>
+                  <a:tcPr/>
+                </a:tc>
+              </a:tr>
+              <a:tr h="209605">
+                <a:tc>
+                  <a:txBody>
+                    <a:bodyPr/>
+                    <a:lstStyle/>
+                    <a:p>
+                      <a:pPr algn="ctr" fontAlgn="ctr"/>
+                      <a:r>
+                        <a:rPr lang="en-US" sz="1100" b="0" i="0" u="none" strike="noStrike">
+                          <a:solidFill>
+                            <a:srgbClr val="000000"/>
+                          </a:solidFill>
+                          <a:effectLst/>
+                          <a:latin typeface="+mn-lt"/>
+                          <a:ea typeface="ＭＳ Ｐゴシック" panose="020B0600070205080204" pitchFamily="50" charset="-128"/>
+                        </a:rPr>
+                        <a:t>Stationary</a:t>
+                      </a:r>
+                    </a:p>
+                  </a:txBody>
+                  <a:tcPr marL="9525" marR="9525" marT="9525" marB="0" anchor="ctr">
+                    <a:lnL w="12700" cap="flat" cmpd="sng" algn="ctr">
+                      <a:solidFill>
+                        <a:srgbClr val="000000"/>
+                      </a:solidFill>
+                      <a:prstDash val="solid"/>
+                      <a:round/>
+                      <a:headEnd type="none" w="med" len="med"/>
+                      <a:tailEnd type="none" w="med" len="med"/>
+                    </a:lnL>
+                    <a:lnR w="6350" cap="flat" cmpd="sng" algn="ctr">
+                      <a:solidFill>
+                        <a:srgbClr val="000000"/>
+                      </a:solidFill>
+                      <a:prstDash val="solid"/>
+                      <a:round/>
+                      <a:headEnd type="none" w="med" len="med"/>
+                      <a:tailEnd type="none" w="med" len="med"/>
+                    </a:lnR>
+                    <a:lnT w="12700" cap="flat" cmpd="sng" algn="ctr">
+                      <a:solidFill>
+                        <a:srgbClr val="000000"/>
+                      </a:solidFill>
+                      <a:prstDash val="solid"/>
+                      <a:round/>
+                      <a:headEnd type="none" w="med" len="med"/>
+                      <a:tailEnd type="none" w="med" len="med"/>
+                    </a:lnT>
+                    <a:lnB w="12700" cap="flat" cmpd="sng" algn="ctr">
+                      <a:solidFill>
+                        <a:srgbClr val="000000"/>
+                      </a:solidFill>
+                      <a:prstDash val="solid"/>
+                      <a:round/>
+                      <a:headEnd type="none" w="med" len="med"/>
+                      <a:tailEnd type="none" w="med" len="med"/>
+                    </a:lnB>
+                  </a:tcPr>
+                </a:tc>
+                <a:tc>
+                  <a:txBody>
+                    <a:bodyPr/>
+                    <a:lstStyle/>
+                    <a:p>
+                      <a:pPr algn="ctr" fontAlgn="ctr"/>
+                      <a:r>
+                        <a:rPr lang="en-US" sz="1100" b="0" i="0" u="none" strike="noStrike" dirty="0">
+                          <a:solidFill>
+                            <a:srgbClr val="000000"/>
+                          </a:solidFill>
+                          <a:effectLst/>
+                          <a:latin typeface="+mn-lt"/>
+                          <a:ea typeface="ＭＳ Ｐゴシック" panose="020B0600070205080204" pitchFamily="50" charset="-128"/>
+                        </a:rPr>
+                        <a:t>Move(200[mm/s])</a:t>
+                      </a:r>
+                    </a:p>
+                  </a:txBody>
+                  <a:tcPr marL="9525" marR="9525" marT="9525" marB="0" anchor="ctr">
+                    <a:lnL w="6350" cap="flat" cmpd="sng" algn="ctr">
+                      <a:solidFill>
+                        <a:srgbClr val="000000"/>
+                      </a:solidFill>
+                      <a:prstDash val="solid"/>
+                      <a:round/>
+                      <a:headEnd type="none" w="med" len="med"/>
+                      <a:tailEnd type="none" w="med" len="med"/>
+                    </a:lnL>
+                    <a:lnR w="6350" cap="flat" cmpd="sng" algn="ctr">
+                      <a:solidFill>
+                        <a:srgbClr val="000000"/>
+                      </a:solidFill>
+                      <a:prstDash val="solid"/>
+                      <a:round/>
+                      <a:headEnd type="none" w="med" len="med"/>
+                      <a:tailEnd type="none" w="med" len="med"/>
+                    </a:lnR>
+                    <a:lnT w="12700" cap="flat" cmpd="sng" algn="ctr">
+                      <a:solidFill>
+                        <a:srgbClr val="000000"/>
+                      </a:solidFill>
+                      <a:prstDash val="solid"/>
+                      <a:round/>
+                      <a:headEnd type="none" w="med" len="med"/>
+                      <a:tailEnd type="none" w="med" len="med"/>
+                    </a:lnT>
+                    <a:lnB w="12700" cap="flat" cmpd="sng" algn="ctr">
+                      <a:solidFill>
+                        <a:srgbClr val="000000"/>
+                      </a:solidFill>
+                      <a:prstDash val="solid"/>
+                      <a:round/>
+                      <a:headEnd type="none" w="med" len="med"/>
+                      <a:tailEnd type="none" w="med" len="med"/>
+                    </a:lnB>
+                  </a:tcPr>
+                </a:tc>
+                <a:tc>
+                  <a:txBody>
+                    <a:bodyPr/>
+                    <a:lstStyle/>
+                    <a:p>
+                      <a:pPr algn="ctr" fontAlgn="ctr"/>
+                      <a:r>
+                        <a:rPr lang="en-US" sz="1100" b="0" i="0" u="none" strike="noStrike" dirty="0">
+                          <a:solidFill>
+                            <a:srgbClr val="000000"/>
+                          </a:solidFill>
+                          <a:effectLst/>
+                          <a:latin typeface="+mn-lt"/>
+                          <a:ea typeface="ＭＳ Ｐゴシック" panose="020B0600070205080204" pitchFamily="50" charset="-128"/>
+                        </a:rPr>
+                        <a:t>Move(300[mm/s])</a:t>
+                      </a:r>
+                    </a:p>
+                  </a:txBody>
+                  <a:tcPr marL="9525" marR="9525" marT="9525" marB="0" anchor="ctr">
+                    <a:lnL w="6350" cap="flat" cmpd="sng" algn="ctr">
+                      <a:solidFill>
+                        <a:srgbClr val="000000"/>
+                      </a:solidFill>
+                      <a:prstDash val="solid"/>
+                      <a:round/>
+                      <a:headEnd type="none" w="med" len="med"/>
+                      <a:tailEnd type="none" w="med" len="med"/>
+                    </a:lnL>
+                    <a:lnR w="12700" cap="flat" cmpd="sng" algn="ctr">
+                      <a:solidFill>
+                        <a:srgbClr val="000000"/>
+                      </a:solidFill>
+                      <a:prstDash val="solid"/>
+                      <a:round/>
+                      <a:headEnd type="none" w="med" len="med"/>
+                      <a:tailEnd type="none" w="med" len="med"/>
+                    </a:lnR>
+                    <a:lnT w="12700" cap="flat" cmpd="sng" algn="ctr">
+                      <a:solidFill>
+                        <a:srgbClr val="000000"/>
+                      </a:solidFill>
+                      <a:prstDash val="solid"/>
+                      <a:round/>
+                      <a:headEnd type="none" w="med" len="med"/>
+                      <a:tailEnd type="none" w="med" len="med"/>
+                    </a:lnT>
+                    <a:lnB w="12700" cap="flat" cmpd="sng" algn="ctr">
+                      <a:solidFill>
+                        <a:srgbClr val="000000"/>
                       </a:solidFill>
                       <a:prstDash val="solid"/>
                       <a:round/>
@@ -16198,7 +14017,2361 @@
     </p:spTree>
     <p:extLst>
       <p:ext uri="{BB962C8B-B14F-4D97-AF65-F5344CB8AC3E}">
-        <p14:creationId xmlns:p14="http://schemas.microsoft.com/office/powerpoint/2010/main" val="64288963"/>
+        <p14:creationId xmlns:p14="http://schemas.microsoft.com/office/powerpoint/2010/main" val="117100927"/>
+      </p:ext>
+    </p:extLst>
+  </p:cSld>
+  <p:clrMapOvr>
+    <a:masterClrMapping/>
+  </p:clrMapOvr>
+  <p:timing>
+    <p:tnLst>
+      <p:par>
+        <p:cTn id="1" dur="indefinite" restart="never" nodeType="tmRoot"/>
+      </p:par>
+    </p:tnLst>
+  </p:timing>
+</p:sld>
+</file>
+
+<file path=ppt/slides/slide19.xml><?xml version="1.0" encoding="utf-8"?>
+<p:sld xmlns:a="http://schemas.openxmlformats.org/drawingml/2006/main" xmlns:r="http://schemas.openxmlformats.org/officeDocument/2006/relationships" xmlns:p="http://schemas.openxmlformats.org/presentationml/2006/main">
+  <p:cSld>
+    <p:spTree>
+      <p:nvGrpSpPr>
+        <p:cNvPr id="1" name=""/>
+        <p:cNvGrpSpPr/>
+        <p:nvPr/>
+      </p:nvGrpSpPr>
+      <p:grpSpPr>
+        <a:xfrm>
+          <a:off x="0" y="0"/>
+          <a:ext cx="0" cy="0"/>
+          <a:chOff x="0" y="0"/>
+          <a:chExt cx="0" cy="0"/>
+        </a:xfrm>
+      </p:grpSpPr>
+      <p:sp>
+        <p:nvSpPr>
+          <p:cNvPr id="4" name="Title 3"/>
+          <p:cNvSpPr>
+            <a:spLocks noGrp="1"/>
+          </p:cNvSpPr>
+          <p:nvPr>
+            <p:ph type="title"/>
+          </p:nvPr>
+        </p:nvSpPr>
+        <p:spPr/>
+        <p:txBody>
+          <a:bodyPr/>
+          <a:lstStyle/>
+          <a:p>
+            <a:r>
+              <a:rPr kumimoji="1" lang="ja-JP" altLang="en-US" dirty="0"/>
+              <a:t> </a:t>
+            </a:r>
+            <a:r>
+              <a:rPr kumimoji="1" lang="en-US" altLang="ja-JP" dirty="0"/>
+              <a:t>Stationary Pestle </a:t>
+            </a:r>
+            <a:endParaRPr lang="ko-KR" altLang="en-US" dirty="0"/>
+          </a:p>
+        </p:txBody>
+      </p:sp>
+      <p:sp>
+        <p:nvSpPr>
+          <p:cNvPr id="2" name="正方形/長方形 1"/>
+          <p:cNvSpPr/>
+          <p:nvPr/>
+        </p:nvSpPr>
+        <p:spPr>
+          <a:xfrm>
+            <a:off x="0" y="1086292"/>
+            <a:ext cx="9144000" cy="36000"/>
+          </a:xfrm>
+          <a:prstGeom prst="rect">
+            <a:avLst/>
+          </a:prstGeom>
+          <a:solidFill>
+            <a:srgbClr val="99DABA"/>
+          </a:solidFill>
+          <a:ln>
+            <a:noFill/>
+          </a:ln>
+        </p:spPr>
+        <p:style>
+          <a:lnRef idx="2">
+            <a:schemeClr val="accent1">
+              <a:shade val="50000"/>
+            </a:schemeClr>
+          </a:lnRef>
+          <a:fillRef idx="1">
+            <a:schemeClr val="accent1"/>
+          </a:fillRef>
+          <a:effectRef idx="0">
+            <a:schemeClr val="accent1"/>
+          </a:effectRef>
+          <a:fontRef idx="minor">
+            <a:schemeClr val="lt1"/>
+          </a:fontRef>
+        </p:style>
+        <p:txBody>
+          <a:bodyPr rtlCol="0" anchor="ctr"/>
+          <a:lstStyle/>
+          <a:p>
+            <a:pPr algn="ctr"/>
+            <a:endParaRPr kumimoji="1" lang="ja-JP" altLang="en-US"/>
+          </a:p>
+        </p:txBody>
+      </p:sp>
+      <p:pic>
+        <p:nvPicPr>
+          <p:cNvPr id="13" name="図 12"/>
+          <p:cNvPicPr>
+            <a:picLocks noChangeAspect="1"/>
+          </p:cNvPicPr>
+          <p:nvPr/>
+        </p:nvPicPr>
+        <p:blipFill>
+          <a:blip r:embed="rId2">
+            <a:extLst>
+              <a:ext uri="{28A0092B-C50C-407E-A947-70E740481C1C}">
+                <a14:useLocalDpi xmlns:a14="http://schemas.microsoft.com/office/drawing/2010/main" val="0"/>
+              </a:ext>
+            </a:extLst>
+          </a:blip>
+          <a:stretch>
+            <a:fillRect/>
+          </a:stretch>
+        </p:blipFill>
+        <p:spPr>
+          <a:xfrm>
+            <a:off x="2380629" y="2668968"/>
+            <a:ext cx="1849297" cy="2113482"/>
+          </a:xfrm>
+          <a:prstGeom prst="rect">
+            <a:avLst/>
+          </a:prstGeom>
+        </p:spPr>
+      </p:pic>
+      <p:pic>
+        <p:nvPicPr>
+          <p:cNvPr id="14" name="図 13"/>
+          <p:cNvPicPr>
+            <a:picLocks noChangeAspect="1"/>
+          </p:cNvPicPr>
+          <p:nvPr/>
+        </p:nvPicPr>
+        <p:blipFill>
+          <a:blip r:embed="rId3">
+            <a:extLst>
+              <a:ext uri="{28A0092B-C50C-407E-A947-70E740481C1C}">
+                <a14:useLocalDpi xmlns:a14="http://schemas.microsoft.com/office/drawing/2010/main" val="0"/>
+              </a:ext>
+            </a:extLst>
+          </a:blip>
+          <a:stretch>
+            <a:fillRect/>
+          </a:stretch>
+        </p:blipFill>
+        <p:spPr>
+          <a:xfrm>
+            <a:off x="4309279" y="2655991"/>
+            <a:ext cx="1860652" cy="2126459"/>
+          </a:xfrm>
+          <a:prstGeom prst="rect">
+            <a:avLst/>
+          </a:prstGeom>
+        </p:spPr>
+      </p:pic>
+      <p:pic>
+        <p:nvPicPr>
+          <p:cNvPr id="15" name="図 14"/>
+          <p:cNvPicPr>
+            <a:picLocks noChangeAspect="1"/>
+          </p:cNvPicPr>
+          <p:nvPr/>
+        </p:nvPicPr>
+        <p:blipFill>
+          <a:blip r:embed="rId4">
+            <a:extLst>
+              <a:ext uri="{28A0092B-C50C-407E-A947-70E740481C1C}">
+                <a14:useLocalDpi xmlns:a14="http://schemas.microsoft.com/office/drawing/2010/main" val="0"/>
+              </a:ext>
+            </a:extLst>
+          </a:blip>
+          <a:stretch>
+            <a:fillRect/>
+          </a:stretch>
+        </p:blipFill>
+        <p:spPr>
+          <a:xfrm>
+            <a:off x="6243791" y="2655991"/>
+            <a:ext cx="1852070" cy="2116652"/>
+          </a:xfrm>
+          <a:prstGeom prst="rect">
+            <a:avLst/>
+          </a:prstGeom>
+        </p:spPr>
+      </p:pic>
+      <p:cxnSp>
+        <p:nvCxnSpPr>
+          <p:cNvPr id="19" name="直線コネクタ 18"/>
+          <p:cNvCxnSpPr/>
+          <p:nvPr/>
+        </p:nvCxnSpPr>
+        <p:spPr>
+          <a:xfrm>
+            <a:off x="2317984" y="2553756"/>
+            <a:ext cx="18865" cy="2359503"/>
+          </a:xfrm>
+          <a:prstGeom prst="line">
+            <a:avLst/>
+          </a:prstGeom>
+          <a:ln>
+            <a:solidFill>
+              <a:schemeClr val="tx1"/>
+            </a:solidFill>
+          </a:ln>
+        </p:spPr>
+        <p:style>
+          <a:lnRef idx="1">
+            <a:schemeClr val="accent1"/>
+          </a:lnRef>
+          <a:fillRef idx="0">
+            <a:schemeClr val="accent1"/>
+          </a:fillRef>
+          <a:effectRef idx="0">
+            <a:schemeClr val="accent1"/>
+          </a:effectRef>
+          <a:fontRef idx="minor">
+            <a:schemeClr val="tx1"/>
+          </a:fontRef>
+        </p:style>
+      </p:cxnSp>
+      <p:cxnSp>
+        <p:nvCxnSpPr>
+          <p:cNvPr id="23" name="直線コネクタ 22"/>
+          <p:cNvCxnSpPr>
+            <a:endCxn id="36" idx="0"/>
+          </p:cNvCxnSpPr>
+          <p:nvPr/>
+        </p:nvCxnSpPr>
+        <p:spPr>
+          <a:xfrm>
+            <a:off x="4258018" y="2553756"/>
+            <a:ext cx="21378" cy="2359503"/>
+          </a:xfrm>
+          <a:prstGeom prst="line">
+            <a:avLst/>
+          </a:prstGeom>
+          <a:ln>
+            <a:solidFill>
+              <a:schemeClr val="tx1"/>
+            </a:solidFill>
+          </a:ln>
+        </p:spPr>
+        <p:style>
+          <a:lnRef idx="1">
+            <a:schemeClr val="accent1"/>
+          </a:lnRef>
+          <a:fillRef idx="0">
+            <a:schemeClr val="accent1"/>
+          </a:fillRef>
+          <a:effectRef idx="0">
+            <a:schemeClr val="accent1"/>
+          </a:effectRef>
+          <a:fontRef idx="minor">
+            <a:schemeClr val="tx1"/>
+          </a:fontRef>
+        </p:style>
+      </p:cxnSp>
+      <p:cxnSp>
+        <p:nvCxnSpPr>
+          <p:cNvPr id="24" name="直線コネクタ 23"/>
+          <p:cNvCxnSpPr/>
+          <p:nvPr/>
+        </p:nvCxnSpPr>
+        <p:spPr>
+          <a:xfrm>
+            <a:off x="6203756" y="2538777"/>
+            <a:ext cx="14405" cy="2331196"/>
+          </a:xfrm>
+          <a:prstGeom prst="line">
+            <a:avLst/>
+          </a:prstGeom>
+          <a:ln>
+            <a:solidFill>
+              <a:schemeClr val="tx1"/>
+            </a:solidFill>
+          </a:ln>
+        </p:spPr>
+        <p:style>
+          <a:lnRef idx="1">
+            <a:schemeClr val="accent1"/>
+          </a:lnRef>
+          <a:fillRef idx="0">
+            <a:schemeClr val="accent1"/>
+          </a:fillRef>
+          <a:effectRef idx="0">
+            <a:schemeClr val="accent1"/>
+          </a:effectRef>
+          <a:fontRef idx="minor">
+            <a:schemeClr val="tx1"/>
+          </a:fontRef>
+        </p:style>
+      </p:cxnSp>
+      <p:cxnSp>
+        <p:nvCxnSpPr>
+          <p:cNvPr id="25" name="直線コネクタ 24"/>
+          <p:cNvCxnSpPr/>
+          <p:nvPr/>
+        </p:nvCxnSpPr>
+        <p:spPr>
+          <a:xfrm flipH="1">
+            <a:off x="8142521" y="2554569"/>
+            <a:ext cx="1570" cy="2358690"/>
+          </a:xfrm>
+          <a:prstGeom prst="line">
+            <a:avLst/>
+          </a:prstGeom>
+          <a:ln>
+            <a:solidFill>
+              <a:schemeClr val="tx1"/>
+            </a:solidFill>
+          </a:ln>
+        </p:spPr>
+        <p:style>
+          <a:lnRef idx="1">
+            <a:schemeClr val="accent1"/>
+          </a:lnRef>
+          <a:fillRef idx="0">
+            <a:schemeClr val="accent1"/>
+          </a:fillRef>
+          <a:effectRef idx="0">
+            <a:schemeClr val="accent1"/>
+          </a:effectRef>
+          <a:fontRef idx="minor">
+            <a:schemeClr val="tx1"/>
+          </a:fontRef>
+        </p:style>
+      </p:cxnSp>
+      <p:pic>
+        <p:nvPicPr>
+          <p:cNvPr id="31" name="図 30"/>
+          <p:cNvPicPr>
+            <a:picLocks noChangeAspect="1"/>
+          </p:cNvPicPr>
+          <p:nvPr/>
+        </p:nvPicPr>
+        <p:blipFill>
+          <a:blip r:embed="rId5" cstate="print">
+            <a:extLst>
+              <a:ext uri="{28A0092B-C50C-407E-A947-70E740481C1C}">
+                <a14:useLocalDpi xmlns:a14="http://schemas.microsoft.com/office/drawing/2010/main" val="0"/>
+              </a:ext>
+            </a:extLst>
+          </a:blip>
+          <a:stretch>
+            <a:fillRect/>
+          </a:stretch>
+        </p:blipFill>
+        <p:spPr>
+          <a:xfrm>
+            <a:off x="574947" y="2307302"/>
+            <a:ext cx="1559201" cy="1781944"/>
+          </a:xfrm>
+          <a:prstGeom prst="rect">
+            <a:avLst/>
+          </a:prstGeom>
+        </p:spPr>
+      </p:pic>
+      <p:cxnSp>
+        <p:nvCxnSpPr>
+          <p:cNvPr id="32" name="直線矢印コネクタ 31"/>
+          <p:cNvCxnSpPr/>
+          <p:nvPr/>
+        </p:nvCxnSpPr>
+        <p:spPr>
+          <a:xfrm flipH="1">
+            <a:off x="1326620" y="1993931"/>
+            <a:ext cx="221044" cy="1219045"/>
+          </a:xfrm>
+          <a:prstGeom prst="straightConnector1">
+            <a:avLst/>
+          </a:prstGeom>
+          <a:ln>
+            <a:solidFill>
+              <a:schemeClr val="tx1"/>
+            </a:solidFill>
+            <a:tailEnd type="triangle"/>
+          </a:ln>
+        </p:spPr>
+        <p:style>
+          <a:lnRef idx="1">
+            <a:schemeClr val="accent1"/>
+          </a:lnRef>
+          <a:fillRef idx="0">
+            <a:schemeClr val="accent1"/>
+          </a:fillRef>
+          <a:effectRef idx="0">
+            <a:schemeClr val="accent1"/>
+          </a:effectRef>
+          <a:fontRef idx="minor">
+            <a:schemeClr val="tx1"/>
+          </a:fontRef>
+        </p:style>
+      </p:cxnSp>
+      <p:graphicFrame>
+        <p:nvGraphicFramePr>
+          <p:cNvPr id="36" name="表 35"/>
+          <p:cNvGraphicFramePr>
+            <a:graphicFrameLocks noGrp="1"/>
+          </p:cNvGraphicFramePr>
+          <p:nvPr>
+            <p:extLst>
+              <p:ext uri="{D42A27DB-BD31-4B8C-83A1-F6EECF244321}">
+                <p14:modId xmlns:p14="http://schemas.microsoft.com/office/powerpoint/2010/main" val="2790556246"/>
+              </p:ext>
+            </p:extLst>
+          </p:nvPr>
+        </p:nvGraphicFramePr>
+        <p:xfrm>
+          <a:off x="395535" y="4913259"/>
+          <a:ext cx="7767722" cy="893445"/>
+        </p:xfrm>
+        <a:graphic>
+          <a:graphicData uri="http://schemas.openxmlformats.org/drawingml/2006/table">
+            <a:tbl>
+              <a:tblPr/>
+              <a:tblGrid>
+                <a:gridCol w="681899"/>
+                <a:gridCol w="254206"/>
+                <a:gridCol w="1008112"/>
+                <a:gridCol w="1944216"/>
+                <a:gridCol w="1944216"/>
+                <a:gridCol w="1935073"/>
+              </a:tblGrid>
+              <a:tr h="171450">
+                <a:tc rowSpan="5">
+                  <a:txBody>
+                    <a:bodyPr/>
+                    <a:lstStyle/>
+                    <a:p>
+                      <a:pPr algn="ctr" fontAlgn="ctr"/>
+                      <a:r>
+                        <a:rPr lang="ja-JP" altLang="en-US" sz="1100" b="0" i="0" u="none" strike="noStrike" dirty="0">
+                          <a:solidFill>
+                            <a:srgbClr val="000000"/>
+                          </a:solidFill>
+                          <a:effectLst/>
+                          <a:latin typeface="ＭＳ Ｐゴシック" panose="020B0600070205080204" pitchFamily="50" charset="-128"/>
+                          <a:ea typeface="ＭＳ Ｐゴシック" panose="020B0600070205080204" pitchFamily="50" charset="-128"/>
+                        </a:rPr>
+                        <a:t>層</a:t>
+                      </a:r>
+                    </a:p>
+                  </a:txBody>
+                  <a:tcPr marL="9525" marR="9525" marT="9525" marB="0" anchor="ctr">
+                    <a:lnL w="12700" cap="flat" cmpd="sng" algn="ctr">
+                      <a:solidFill>
+                        <a:srgbClr val="000000"/>
+                      </a:solidFill>
+                      <a:prstDash val="solid"/>
+                      <a:round/>
+                      <a:headEnd type="none" w="med" len="med"/>
+                      <a:tailEnd type="none" w="med" len="med"/>
+                    </a:lnL>
+                    <a:lnR w="12700" cap="flat" cmpd="sng" algn="ctr">
+                      <a:solidFill>
+                        <a:srgbClr val="000000"/>
+                      </a:solidFill>
+                      <a:prstDash val="solid"/>
+                      <a:round/>
+                      <a:headEnd type="none" w="med" len="med"/>
+                      <a:tailEnd type="none" w="med" len="med"/>
+                    </a:lnR>
+                    <a:lnT w="12700" cap="flat" cmpd="sng" algn="ctr">
+                      <a:solidFill>
+                        <a:srgbClr val="000000"/>
+                      </a:solidFill>
+                      <a:prstDash val="solid"/>
+                      <a:round/>
+                      <a:headEnd type="none" w="med" len="med"/>
+                      <a:tailEnd type="none" w="med" len="med"/>
+                    </a:lnT>
+                    <a:lnB w="12700" cap="flat" cmpd="sng" algn="ctr">
+                      <a:solidFill>
+                        <a:srgbClr val="000000"/>
+                      </a:solidFill>
+                      <a:prstDash val="solid"/>
+                      <a:round/>
+                      <a:headEnd type="none" w="med" len="med"/>
+                      <a:tailEnd type="none" w="med" len="med"/>
+                    </a:lnB>
+                  </a:tcPr>
+                </a:tc>
+                <a:tc>
+                  <a:txBody>
+                    <a:bodyPr/>
+                    <a:lstStyle/>
+                    <a:p>
+                      <a:pPr algn="ctr" fontAlgn="ctr"/>
+                      <a:r>
+                        <a:rPr lang="en-US" altLang="ja-JP" sz="1100" b="0" i="0" u="none" strike="noStrike" dirty="0">
+                          <a:solidFill>
+                            <a:srgbClr val="000000"/>
+                          </a:solidFill>
+                          <a:effectLst/>
+                          <a:latin typeface="+mn-lt"/>
+                          <a:ea typeface="ＭＳ Ｐゴシック" panose="020B0600070205080204" pitchFamily="50" charset="-128"/>
+                        </a:rPr>
+                        <a:t>5</a:t>
+                      </a:r>
+                    </a:p>
+                  </a:txBody>
+                  <a:tcPr marL="9525" marR="9525" marT="9525" marB="0" anchor="ctr">
+                    <a:lnL w="12700" cap="flat" cmpd="sng" algn="ctr">
+                      <a:solidFill>
+                        <a:srgbClr val="000000"/>
+                      </a:solidFill>
+                      <a:prstDash val="solid"/>
+                      <a:round/>
+                      <a:headEnd type="none" w="med" len="med"/>
+                      <a:tailEnd type="none" w="med" len="med"/>
+                    </a:lnL>
+                    <a:lnR w="6350" cap="flat" cmpd="sng" algn="ctr">
+                      <a:solidFill>
+                        <a:srgbClr val="000000"/>
+                      </a:solidFill>
+                      <a:prstDash val="solid"/>
+                      <a:round/>
+                      <a:headEnd type="none" w="med" len="med"/>
+                      <a:tailEnd type="none" w="med" len="med"/>
+                    </a:lnR>
+                    <a:lnT w="12700" cap="flat" cmpd="sng" algn="ctr">
+                      <a:solidFill>
+                        <a:srgbClr val="000000"/>
+                      </a:solidFill>
+                      <a:prstDash val="solid"/>
+                      <a:round/>
+                      <a:headEnd type="none" w="med" len="med"/>
+                      <a:tailEnd type="none" w="med" len="med"/>
+                    </a:lnT>
+                    <a:lnB w="6350" cap="flat" cmpd="sng" algn="ctr">
+                      <a:solidFill>
+                        <a:srgbClr val="000000"/>
+                      </a:solidFill>
+                      <a:prstDash val="solid"/>
+                      <a:round/>
+                      <a:headEnd type="none" w="med" len="med"/>
+                      <a:tailEnd type="none" w="med" len="med"/>
+                    </a:lnB>
+                  </a:tcPr>
+                </a:tc>
+                <a:tc>
+                  <a:txBody>
+                    <a:bodyPr/>
+                    <a:lstStyle/>
+                    <a:p>
+                      <a:pPr algn="ctr" fontAlgn="ctr"/>
+                      <a:r>
+                        <a:rPr lang="ja-JP" altLang="en-US" sz="1100" b="0" i="0" u="none" strike="noStrike" dirty="0">
+                          <a:solidFill>
+                            <a:srgbClr val="000000"/>
+                          </a:solidFill>
+                          <a:effectLst/>
+                          <a:latin typeface="+mn-lt"/>
+                          <a:ea typeface="ＭＳ Ｐゴシック" panose="020B0600070205080204" pitchFamily="50" charset="-128"/>
+                        </a:rPr>
+                        <a:t>　</a:t>
+                      </a:r>
+                    </a:p>
+                  </a:txBody>
+                  <a:tcPr marL="9525" marR="9525" marT="9525" marB="0" anchor="ctr">
+                    <a:lnL w="6350" cap="flat" cmpd="sng" algn="ctr">
+                      <a:solidFill>
+                        <a:srgbClr val="000000"/>
+                      </a:solidFill>
+                      <a:prstDash val="solid"/>
+                      <a:round/>
+                      <a:headEnd type="none" w="med" len="med"/>
+                      <a:tailEnd type="none" w="med" len="med"/>
+                    </a:lnL>
+                    <a:lnR w="12700" cap="flat" cmpd="sng" algn="ctr">
+                      <a:solidFill>
+                        <a:schemeClr val="tx1"/>
+                      </a:solidFill>
+                      <a:prstDash val="solid"/>
+                      <a:round/>
+                      <a:headEnd type="none" w="med" len="med"/>
+                      <a:tailEnd type="none" w="med" len="med"/>
+                    </a:lnR>
+                    <a:lnT w="12700" cap="flat" cmpd="sng" algn="ctr">
+                      <a:solidFill>
+                        <a:srgbClr val="000000"/>
+                      </a:solidFill>
+                      <a:prstDash val="solid"/>
+                      <a:round/>
+                      <a:headEnd type="none" w="med" len="med"/>
+                      <a:tailEnd type="none" w="med" len="med"/>
+                    </a:lnT>
+                    <a:lnB w="6350" cap="flat" cmpd="sng" algn="ctr">
+                      <a:solidFill>
+                        <a:srgbClr val="000000"/>
+                      </a:solidFill>
+                      <a:prstDash val="solid"/>
+                      <a:round/>
+                      <a:headEnd type="none" w="med" len="med"/>
+                      <a:tailEnd type="none" w="med" len="med"/>
+                    </a:lnB>
+                    <a:solidFill>
+                      <a:srgbClr val="FFFF00"/>
+                    </a:solidFill>
+                  </a:tcPr>
+                </a:tc>
+                <a:tc>
+                  <a:txBody>
+                    <a:bodyPr/>
+                    <a:lstStyle/>
+                    <a:p>
+                      <a:pPr algn="ctr" fontAlgn="ctr"/>
+                      <a:r>
+                        <a:rPr lang="en-US" altLang="ja-JP" sz="1100" b="0" i="0" u="none" strike="noStrike">
+                          <a:solidFill>
+                            <a:srgbClr val="000000"/>
+                          </a:solidFill>
+                          <a:effectLst/>
+                          <a:latin typeface="+mn-lt"/>
+                          <a:ea typeface="ＭＳ Ｐゴシック" panose="020B0600070205080204" pitchFamily="50" charset="-128"/>
+                        </a:rPr>
+                        <a:t>25.0574</a:t>
+                      </a:r>
+                    </a:p>
+                  </a:txBody>
+                  <a:tcPr marL="9525" marR="9525" marT="9525" marB="0" anchor="ctr">
+                    <a:lnL w="12700" cap="flat" cmpd="sng" algn="ctr">
+                      <a:solidFill>
+                        <a:schemeClr val="tx1"/>
+                      </a:solidFill>
+                      <a:prstDash val="solid"/>
+                      <a:round/>
+                      <a:headEnd type="none" w="med" len="med"/>
+                      <a:tailEnd type="none" w="med" len="med"/>
+                    </a:lnL>
+                    <a:lnR w="12700" cap="flat" cmpd="sng" algn="ctr">
+                      <a:solidFill>
+                        <a:schemeClr val="tx1"/>
+                      </a:solidFill>
+                      <a:prstDash val="solid"/>
+                      <a:round/>
+                      <a:headEnd type="none" w="med" len="med"/>
+                      <a:tailEnd type="none" w="med" len="med"/>
+                    </a:lnR>
+                    <a:lnT w="12700" cap="flat" cmpd="sng" algn="ctr">
+                      <a:solidFill>
+                        <a:schemeClr val="tx1"/>
+                      </a:solidFill>
+                      <a:prstDash val="solid"/>
+                      <a:round/>
+                      <a:headEnd type="none" w="med" len="med"/>
+                      <a:tailEnd type="none" w="med" len="med"/>
+                    </a:lnT>
+                    <a:lnB w="6350" cap="flat" cmpd="sng" algn="ctr">
+                      <a:solidFill>
+                        <a:srgbClr val="000000"/>
+                      </a:solidFill>
+                      <a:prstDash val="solid"/>
+                      <a:round/>
+                      <a:headEnd type="none" w="med" len="med"/>
+                      <a:tailEnd type="none" w="med" len="med"/>
+                    </a:lnB>
+                  </a:tcPr>
+                </a:tc>
+                <a:tc>
+                  <a:txBody>
+                    <a:bodyPr/>
+                    <a:lstStyle/>
+                    <a:p>
+                      <a:pPr algn="ctr" fontAlgn="ctr"/>
+                      <a:r>
+                        <a:rPr lang="en-US" altLang="ja-JP" sz="1100" b="0" i="0" u="none" strike="noStrike">
+                          <a:solidFill>
+                            <a:srgbClr val="000000"/>
+                          </a:solidFill>
+                          <a:effectLst/>
+                          <a:latin typeface="+mn-lt"/>
+                          <a:ea typeface="ＭＳ Ｐゴシック" panose="020B0600070205080204" pitchFamily="50" charset="-128"/>
+                        </a:rPr>
+                        <a:t>23.15202</a:t>
+                      </a:r>
+                    </a:p>
+                  </a:txBody>
+                  <a:tcPr marL="9525" marR="9525" marT="9525" marB="0" anchor="ctr">
+                    <a:lnL w="12700" cap="flat" cmpd="sng" algn="ctr">
+                      <a:solidFill>
+                        <a:schemeClr val="tx1"/>
+                      </a:solidFill>
+                      <a:prstDash val="solid"/>
+                      <a:round/>
+                      <a:headEnd type="none" w="med" len="med"/>
+                      <a:tailEnd type="none" w="med" len="med"/>
+                    </a:lnL>
+                    <a:lnR w="12700" cap="flat" cmpd="sng" algn="ctr">
+                      <a:solidFill>
+                        <a:schemeClr val="tx1"/>
+                      </a:solidFill>
+                      <a:prstDash val="solid"/>
+                      <a:round/>
+                      <a:headEnd type="none" w="med" len="med"/>
+                      <a:tailEnd type="none" w="med" len="med"/>
+                    </a:lnR>
+                    <a:lnT w="12700" cap="flat" cmpd="sng" algn="ctr">
+                      <a:solidFill>
+                        <a:schemeClr val="tx1"/>
+                      </a:solidFill>
+                      <a:prstDash val="solid"/>
+                      <a:round/>
+                      <a:headEnd type="none" w="med" len="med"/>
+                      <a:tailEnd type="none" w="med" len="med"/>
+                    </a:lnT>
+                    <a:lnB w="6350" cap="flat" cmpd="sng" algn="ctr">
+                      <a:solidFill>
+                        <a:srgbClr val="000000"/>
+                      </a:solidFill>
+                      <a:prstDash val="solid"/>
+                      <a:round/>
+                      <a:headEnd type="none" w="med" len="med"/>
+                      <a:tailEnd type="none" w="med" len="med"/>
+                    </a:lnB>
+                  </a:tcPr>
+                </a:tc>
+                <a:tc>
+                  <a:txBody>
+                    <a:bodyPr/>
+                    <a:lstStyle/>
+                    <a:p>
+                      <a:pPr algn="ctr" fontAlgn="ctr"/>
+                      <a:r>
+                        <a:rPr lang="en-US" altLang="ja-JP" sz="1100" b="0" i="0" u="none" strike="noStrike">
+                          <a:solidFill>
+                            <a:srgbClr val="000000"/>
+                          </a:solidFill>
+                          <a:effectLst/>
+                          <a:latin typeface="+mn-lt"/>
+                          <a:ea typeface="ＭＳ Ｐゴシック" panose="020B0600070205080204" pitchFamily="50" charset="-128"/>
+                        </a:rPr>
+                        <a:t>21.98766</a:t>
+                      </a:r>
+                    </a:p>
+                  </a:txBody>
+                  <a:tcPr marL="9525" marR="9525" marT="9525" marB="0" anchor="ctr">
+                    <a:lnL w="12700" cap="flat" cmpd="sng" algn="ctr">
+                      <a:solidFill>
+                        <a:schemeClr val="tx1"/>
+                      </a:solidFill>
+                      <a:prstDash val="solid"/>
+                      <a:round/>
+                      <a:headEnd type="none" w="med" len="med"/>
+                      <a:tailEnd type="none" w="med" len="med"/>
+                    </a:lnL>
+                    <a:lnR w="12700" cap="flat" cmpd="sng" algn="ctr">
+                      <a:solidFill>
+                        <a:schemeClr val="tx1"/>
+                      </a:solidFill>
+                      <a:prstDash val="solid"/>
+                      <a:round/>
+                      <a:headEnd type="none" w="med" len="med"/>
+                      <a:tailEnd type="none" w="med" len="med"/>
+                    </a:lnR>
+                    <a:lnT w="12700" cap="flat" cmpd="sng" algn="ctr">
+                      <a:solidFill>
+                        <a:schemeClr val="tx1"/>
+                      </a:solidFill>
+                      <a:prstDash val="solid"/>
+                      <a:round/>
+                      <a:headEnd type="none" w="med" len="med"/>
+                      <a:tailEnd type="none" w="med" len="med"/>
+                    </a:lnT>
+                    <a:lnB w="6350" cap="flat" cmpd="sng" algn="ctr">
+                      <a:solidFill>
+                        <a:srgbClr val="000000"/>
+                      </a:solidFill>
+                      <a:prstDash val="solid"/>
+                      <a:round/>
+                      <a:headEnd type="none" w="med" len="med"/>
+                      <a:tailEnd type="none" w="med" len="med"/>
+                    </a:lnB>
+                  </a:tcPr>
+                </a:tc>
+              </a:tr>
+              <a:tr h="171450">
+                <a:tc vMerge="1">
+                  <a:txBody>
+                    <a:bodyPr/>
+                    <a:lstStyle/>
+                    <a:p>
+                      <a:endParaRPr kumimoji="1" lang="ja-JP" altLang="en-US"/>
+                    </a:p>
+                  </a:txBody>
+                  <a:tcPr/>
+                </a:tc>
+                <a:tc>
+                  <a:txBody>
+                    <a:bodyPr/>
+                    <a:lstStyle/>
+                    <a:p>
+                      <a:pPr algn="ctr" fontAlgn="ctr"/>
+                      <a:r>
+                        <a:rPr lang="en-US" altLang="ja-JP" sz="1100" b="0" i="0" u="none" strike="noStrike">
+                          <a:solidFill>
+                            <a:srgbClr val="000000"/>
+                          </a:solidFill>
+                          <a:effectLst/>
+                          <a:latin typeface="+mn-lt"/>
+                          <a:ea typeface="ＭＳ Ｐゴシック" panose="020B0600070205080204" pitchFamily="50" charset="-128"/>
+                        </a:rPr>
+                        <a:t>4</a:t>
+                      </a:r>
+                    </a:p>
+                  </a:txBody>
+                  <a:tcPr marL="9525" marR="9525" marT="9525" marB="0" anchor="ctr">
+                    <a:lnL w="12700" cap="flat" cmpd="sng" algn="ctr">
+                      <a:solidFill>
+                        <a:srgbClr val="000000"/>
+                      </a:solidFill>
+                      <a:prstDash val="solid"/>
+                      <a:round/>
+                      <a:headEnd type="none" w="med" len="med"/>
+                      <a:tailEnd type="none" w="med" len="med"/>
+                    </a:lnL>
+                    <a:lnR w="6350" cap="flat" cmpd="sng" algn="ctr">
+                      <a:solidFill>
+                        <a:srgbClr val="000000"/>
+                      </a:solidFill>
+                      <a:prstDash val="solid"/>
+                      <a:round/>
+                      <a:headEnd type="none" w="med" len="med"/>
+                      <a:tailEnd type="none" w="med" len="med"/>
+                    </a:lnR>
+                    <a:lnT w="6350" cap="flat" cmpd="sng" algn="ctr">
+                      <a:solidFill>
+                        <a:srgbClr val="000000"/>
+                      </a:solidFill>
+                      <a:prstDash val="solid"/>
+                      <a:round/>
+                      <a:headEnd type="none" w="med" len="med"/>
+                      <a:tailEnd type="none" w="med" len="med"/>
+                    </a:lnT>
+                    <a:lnB w="6350" cap="flat" cmpd="sng" algn="ctr">
+                      <a:solidFill>
+                        <a:srgbClr val="000000"/>
+                      </a:solidFill>
+                      <a:prstDash val="solid"/>
+                      <a:round/>
+                      <a:headEnd type="none" w="med" len="med"/>
+                      <a:tailEnd type="none" w="med" len="med"/>
+                    </a:lnB>
+                  </a:tcPr>
+                </a:tc>
+                <a:tc>
+                  <a:txBody>
+                    <a:bodyPr/>
+                    <a:lstStyle/>
+                    <a:p>
+                      <a:pPr algn="ctr" fontAlgn="ctr"/>
+                      <a:r>
+                        <a:rPr lang="ja-JP" altLang="en-US" sz="1100" b="0" i="0" u="none" strike="noStrike" dirty="0">
+                          <a:solidFill>
+                            <a:srgbClr val="000000"/>
+                          </a:solidFill>
+                          <a:effectLst/>
+                          <a:latin typeface="+mn-lt"/>
+                          <a:ea typeface="ＭＳ Ｐゴシック" panose="020B0600070205080204" pitchFamily="50" charset="-128"/>
+                        </a:rPr>
+                        <a:t>　</a:t>
+                      </a:r>
+                    </a:p>
+                  </a:txBody>
+                  <a:tcPr marL="9525" marR="9525" marT="9525" marB="0" anchor="ctr">
+                    <a:lnL w="6350" cap="flat" cmpd="sng" algn="ctr">
+                      <a:solidFill>
+                        <a:srgbClr val="000000"/>
+                      </a:solidFill>
+                      <a:prstDash val="solid"/>
+                      <a:round/>
+                      <a:headEnd type="none" w="med" len="med"/>
+                      <a:tailEnd type="none" w="med" len="med"/>
+                    </a:lnL>
+                    <a:lnR w="12700" cap="flat" cmpd="sng" algn="ctr">
+                      <a:solidFill>
+                        <a:schemeClr val="tx1"/>
+                      </a:solidFill>
+                      <a:prstDash val="solid"/>
+                      <a:round/>
+                      <a:headEnd type="none" w="med" len="med"/>
+                      <a:tailEnd type="none" w="med" len="med"/>
+                    </a:lnR>
+                    <a:lnT w="6350" cap="flat" cmpd="sng" algn="ctr">
+                      <a:solidFill>
+                        <a:srgbClr val="000000"/>
+                      </a:solidFill>
+                      <a:prstDash val="solid"/>
+                      <a:round/>
+                      <a:headEnd type="none" w="med" len="med"/>
+                      <a:tailEnd type="none" w="med" len="med"/>
+                    </a:lnT>
+                    <a:lnB w="6350" cap="flat" cmpd="sng" algn="ctr">
+                      <a:solidFill>
+                        <a:srgbClr val="000000"/>
+                      </a:solidFill>
+                      <a:prstDash val="solid"/>
+                      <a:round/>
+                      <a:headEnd type="none" w="med" len="med"/>
+                      <a:tailEnd type="none" w="med" len="med"/>
+                    </a:lnB>
+                    <a:solidFill>
+                      <a:srgbClr val="92D050"/>
+                    </a:solidFill>
+                  </a:tcPr>
+                </a:tc>
+                <a:tc>
+                  <a:txBody>
+                    <a:bodyPr/>
+                    <a:lstStyle/>
+                    <a:p>
+                      <a:pPr algn="ctr" fontAlgn="ctr"/>
+                      <a:r>
+                        <a:rPr lang="en-US" altLang="ja-JP" sz="1100" b="0" i="0" u="none" strike="noStrike">
+                          <a:solidFill>
+                            <a:srgbClr val="000000"/>
+                          </a:solidFill>
+                          <a:effectLst/>
+                          <a:latin typeface="+mn-lt"/>
+                          <a:ea typeface="ＭＳ Ｐゴシック" panose="020B0600070205080204" pitchFamily="50" charset="-128"/>
+                        </a:rPr>
+                        <a:t>22.68886</a:t>
+                      </a:r>
+                    </a:p>
+                  </a:txBody>
+                  <a:tcPr marL="9525" marR="9525" marT="9525" marB="0" anchor="ctr">
+                    <a:lnL w="12700" cap="flat" cmpd="sng" algn="ctr">
+                      <a:solidFill>
+                        <a:schemeClr val="tx1"/>
+                      </a:solidFill>
+                      <a:prstDash val="solid"/>
+                      <a:round/>
+                      <a:headEnd type="none" w="med" len="med"/>
+                      <a:tailEnd type="none" w="med" len="med"/>
+                    </a:lnL>
+                    <a:lnR w="12700" cap="flat" cmpd="sng" algn="ctr">
+                      <a:solidFill>
+                        <a:schemeClr val="tx1"/>
+                      </a:solidFill>
+                      <a:prstDash val="solid"/>
+                      <a:round/>
+                      <a:headEnd type="none" w="med" len="med"/>
+                      <a:tailEnd type="none" w="med" len="med"/>
+                    </a:lnR>
+                    <a:lnT w="6350" cap="flat" cmpd="sng" algn="ctr">
+                      <a:solidFill>
+                        <a:srgbClr val="000000"/>
+                      </a:solidFill>
+                      <a:prstDash val="solid"/>
+                      <a:round/>
+                      <a:headEnd type="none" w="med" len="med"/>
+                      <a:tailEnd type="none" w="med" len="med"/>
+                    </a:lnT>
+                    <a:lnB w="6350" cap="flat" cmpd="sng" algn="ctr">
+                      <a:solidFill>
+                        <a:srgbClr val="000000"/>
+                      </a:solidFill>
+                      <a:prstDash val="solid"/>
+                      <a:round/>
+                      <a:headEnd type="none" w="med" len="med"/>
+                      <a:tailEnd type="none" w="med" len="med"/>
+                    </a:lnB>
+                  </a:tcPr>
+                </a:tc>
+                <a:tc>
+                  <a:txBody>
+                    <a:bodyPr/>
+                    <a:lstStyle/>
+                    <a:p>
+                      <a:pPr algn="ctr" fontAlgn="ctr"/>
+                      <a:r>
+                        <a:rPr lang="en-US" altLang="ja-JP" sz="1100" b="0" i="0" u="none" strike="noStrike">
+                          <a:solidFill>
+                            <a:srgbClr val="000000"/>
+                          </a:solidFill>
+                          <a:effectLst/>
+                          <a:latin typeface="+mn-lt"/>
+                          <a:ea typeface="ＭＳ Ｐゴシック" panose="020B0600070205080204" pitchFamily="50" charset="-128"/>
+                        </a:rPr>
+                        <a:t>22.9482</a:t>
+                      </a:r>
+                    </a:p>
+                  </a:txBody>
+                  <a:tcPr marL="9525" marR="9525" marT="9525" marB="0" anchor="ctr">
+                    <a:lnL w="12700" cap="flat" cmpd="sng" algn="ctr">
+                      <a:solidFill>
+                        <a:schemeClr val="tx1"/>
+                      </a:solidFill>
+                      <a:prstDash val="solid"/>
+                      <a:round/>
+                      <a:headEnd type="none" w="med" len="med"/>
+                      <a:tailEnd type="none" w="med" len="med"/>
+                    </a:lnL>
+                    <a:lnR w="12700" cap="flat" cmpd="sng" algn="ctr">
+                      <a:solidFill>
+                        <a:schemeClr val="tx1"/>
+                      </a:solidFill>
+                      <a:prstDash val="solid"/>
+                      <a:round/>
+                      <a:headEnd type="none" w="med" len="med"/>
+                      <a:tailEnd type="none" w="med" len="med"/>
+                    </a:lnR>
+                    <a:lnT w="6350" cap="flat" cmpd="sng" algn="ctr">
+                      <a:solidFill>
+                        <a:srgbClr val="000000"/>
+                      </a:solidFill>
+                      <a:prstDash val="solid"/>
+                      <a:round/>
+                      <a:headEnd type="none" w="med" len="med"/>
+                      <a:tailEnd type="none" w="med" len="med"/>
+                    </a:lnT>
+                    <a:lnB w="6350" cap="flat" cmpd="sng" algn="ctr">
+                      <a:solidFill>
+                        <a:srgbClr val="000000"/>
+                      </a:solidFill>
+                      <a:prstDash val="solid"/>
+                      <a:round/>
+                      <a:headEnd type="none" w="med" len="med"/>
+                      <a:tailEnd type="none" w="med" len="med"/>
+                    </a:lnB>
+                  </a:tcPr>
+                </a:tc>
+                <a:tc>
+                  <a:txBody>
+                    <a:bodyPr/>
+                    <a:lstStyle/>
+                    <a:p>
+                      <a:pPr algn="ctr" fontAlgn="ctr"/>
+                      <a:r>
+                        <a:rPr lang="en-US" altLang="ja-JP" sz="1100" b="0" i="0" u="none" strike="noStrike">
+                          <a:solidFill>
+                            <a:srgbClr val="000000"/>
+                          </a:solidFill>
+                          <a:effectLst/>
+                          <a:latin typeface="+mn-lt"/>
+                          <a:ea typeface="ＭＳ Ｐゴシック" panose="020B0600070205080204" pitchFamily="50" charset="-128"/>
+                        </a:rPr>
+                        <a:t>22.1545</a:t>
+                      </a:r>
+                    </a:p>
+                  </a:txBody>
+                  <a:tcPr marL="9525" marR="9525" marT="9525" marB="0" anchor="ctr">
+                    <a:lnL w="12700" cap="flat" cmpd="sng" algn="ctr">
+                      <a:solidFill>
+                        <a:schemeClr val="tx1"/>
+                      </a:solidFill>
+                      <a:prstDash val="solid"/>
+                      <a:round/>
+                      <a:headEnd type="none" w="med" len="med"/>
+                      <a:tailEnd type="none" w="med" len="med"/>
+                    </a:lnL>
+                    <a:lnR w="12700" cap="flat" cmpd="sng" algn="ctr">
+                      <a:solidFill>
+                        <a:schemeClr val="tx1"/>
+                      </a:solidFill>
+                      <a:prstDash val="solid"/>
+                      <a:round/>
+                      <a:headEnd type="none" w="med" len="med"/>
+                      <a:tailEnd type="none" w="med" len="med"/>
+                    </a:lnR>
+                    <a:lnT w="6350" cap="flat" cmpd="sng" algn="ctr">
+                      <a:solidFill>
+                        <a:srgbClr val="000000"/>
+                      </a:solidFill>
+                      <a:prstDash val="solid"/>
+                      <a:round/>
+                      <a:headEnd type="none" w="med" len="med"/>
+                      <a:tailEnd type="none" w="med" len="med"/>
+                    </a:lnT>
+                    <a:lnB w="6350" cap="flat" cmpd="sng" algn="ctr">
+                      <a:solidFill>
+                        <a:srgbClr val="000000"/>
+                      </a:solidFill>
+                      <a:prstDash val="solid"/>
+                      <a:round/>
+                      <a:headEnd type="none" w="med" len="med"/>
+                      <a:tailEnd type="none" w="med" len="med"/>
+                    </a:lnB>
+                  </a:tcPr>
+                </a:tc>
+              </a:tr>
+              <a:tr h="171450">
+                <a:tc vMerge="1">
+                  <a:txBody>
+                    <a:bodyPr/>
+                    <a:lstStyle/>
+                    <a:p>
+                      <a:endParaRPr kumimoji="1" lang="ja-JP" altLang="en-US"/>
+                    </a:p>
+                  </a:txBody>
+                  <a:tcPr/>
+                </a:tc>
+                <a:tc>
+                  <a:txBody>
+                    <a:bodyPr/>
+                    <a:lstStyle/>
+                    <a:p>
+                      <a:pPr algn="ctr" fontAlgn="ctr"/>
+                      <a:r>
+                        <a:rPr lang="en-US" altLang="ja-JP" sz="1100" b="0" i="0" u="none" strike="noStrike">
+                          <a:solidFill>
+                            <a:srgbClr val="000000"/>
+                          </a:solidFill>
+                          <a:effectLst/>
+                          <a:latin typeface="+mn-lt"/>
+                          <a:ea typeface="ＭＳ Ｐゴシック" panose="020B0600070205080204" pitchFamily="50" charset="-128"/>
+                        </a:rPr>
+                        <a:t>3</a:t>
+                      </a:r>
+                    </a:p>
+                  </a:txBody>
+                  <a:tcPr marL="9525" marR="9525" marT="9525" marB="0" anchor="ctr">
+                    <a:lnL w="12700" cap="flat" cmpd="sng" algn="ctr">
+                      <a:solidFill>
+                        <a:srgbClr val="000000"/>
+                      </a:solidFill>
+                      <a:prstDash val="solid"/>
+                      <a:round/>
+                      <a:headEnd type="none" w="med" len="med"/>
+                      <a:tailEnd type="none" w="med" len="med"/>
+                    </a:lnL>
+                    <a:lnR w="6350" cap="flat" cmpd="sng" algn="ctr">
+                      <a:solidFill>
+                        <a:srgbClr val="000000"/>
+                      </a:solidFill>
+                      <a:prstDash val="solid"/>
+                      <a:round/>
+                      <a:headEnd type="none" w="med" len="med"/>
+                      <a:tailEnd type="none" w="med" len="med"/>
+                    </a:lnR>
+                    <a:lnT w="6350" cap="flat" cmpd="sng" algn="ctr">
+                      <a:solidFill>
+                        <a:srgbClr val="000000"/>
+                      </a:solidFill>
+                      <a:prstDash val="solid"/>
+                      <a:round/>
+                      <a:headEnd type="none" w="med" len="med"/>
+                      <a:tailEnd type="none" w="med" len="med"/>
+                    </a:lnT>
+                    <a:lnB w="6350" cap="flat" cmpd="sng" algn="ctr">
+                      <a:solidFill>
+                        <a:srgbClr val="000000"/>
+                      </a:solidFill>
+                      <a:prstDash val="solid"/>
+                      <a:round/>
+                      <a:headEnd type="none" w="med" len="med"/>
+                      <a:tailEnd type="none" w="med" len="med"/>
+                    </a:lnB>
+                  </a:tcPr>
+                </a:tc>
+                <a:tc>
+                  <a:txBody>
+                    <a:bodyPr/>
+                    <a:lstStyle/>
+                    <a:p>
+                      <a:pPr algn="ctr" fontAlgn="ctr"/>
+                      <a:r>
+                        <a:rPr lang="ja-JP" altLang="en-US" sz="1100" b="0" i="0" u="none" strike="noStrike">
+                          <a:solidFill>
+                            <a:srgbClr val="000000"/>
+                          </a:solidFill>
+                          <a:effectLst/>
+                          <a:latin typeface="+mn-lt"/>
+                          <a:ea typeface="ＭＳ Ｐゴシック" panose="020B0600070205080204" pitchFamily="50" charset="-128"/>
+                        </a:rPr>
+                        <a:t>　</a:t>
+                      </a:r>
+                    </a:p>
+                  </a:txBody>
+                  <a:tcPr marL="9525" marR="9525" marT="9525" marB="0" anchor="ctr">
+                    <a:lnL w="6350" cap="flat" cmpd="sng" algn="ctr">
+                      <a:solidFill>
+                        <a:srgbClr val="000000"/>
+                      </a:solidFill>
+                      <a:prstDash val="solid"/>
+                      <a:round/>
+                      <a:headEnd type="none" w="med" len="med"/>
+                      <a:tailEnd type="none" w="med" len="med"/>
+                    </a:lnL>
+                    <a:lnR w="12700" cap="flat" cmpd="sng" algn="ctr">
+                      <a:solidFill>
+                        <a:schemeClr val="tx1"/>
+                      </a:solidFill>
+                      <a:prstDash val="solid"/>
+                      <a:round/>
+                      <a:headEnd type="none" w="med" len="med"/>
+                      <a:tailEnd type="none" w="med" len="med"/>
+                    </a:lnR>
+                    <a:lnT w="6350" cap="flat" cmpd="sng" algn="ctr">
+                      <a:solidFill>
+                        <a:srgbClr val="000000"/>
+                      </a:solidFill>
+                      <a:prstDash val="solid"/>
+                      <a:round/>
+                      <a:headEnd type="none" w="med" len="med"/>
+                      <a:tailEnd type="none" w="med" len="med"/>
+                    </a:lnT>
+                    <a:lnB w="6350" cap="flat" cmpd="sng" algn="ctr">
+                      <a:solidFill>
+                        <a:srgbClr val="000000"/>
+                      </a:solidFill>
+                      <a:prstDash val="solid"/>
+                      <a:round/>
+                      <a:headEnd type="none" w="med" len="med"/>
+                      <a:tailEnd type="none" w="med" len="med"/>
+                    </a:lnB>
+                    <a:solidFill>
+                      <a:srgbClr val="00B0F0"/>
+                    </a:solidFill>
+                  </a:tcPr>
+                </a:tc>
+                <a:tc>
+                  <a:txBody>
+                    <a:bodyPr/>
+                    <a:lstStyle/>
+                    <a:p>
+                      <a:pPr algn="ctr" fontAlgn="ctr"/>
+                      <a:r>
+                        <a:rPr lang="en-US" altLang="ja-JP" sz="1100" b="0" i="0" u="none" strike="noStrike">
+                          <a:solidFill>
+                            <a:srgbClr val="000000"/>
+                          </a:solidFill>
+                          <a:effectLst/>
+                          <a:latin typeface="+mn-lt"/>
+                          <a:ea typeface="ＭＳ Ｐゴシック" panose="020B0600070205080204" pitchFamily="50" charset="-128"/>
+                        </a:rPr>
+                        <a:t>20.88808</a:t>
+                      </a:r>
+                    </a:p>
+                  </a:txBody>
+                  <a:tcPr marL="9525" marR="9525" marT="9525" marB="0" anchor="ctr">
+                    <a:lnL w="12700" cap="flat" cmpd="sng" algn="ctr">
+                      <a:solidFill>
+                        <a:schemeClr val="tx1"/>
+                      </a:solidFill>
+                      <a:prstDash val="solid"/>
+                      <a:round/>
+                      <a:headEnd type="none" w="med" len="med"/>
+                      <a:tailEnd type="none" w="med" len="med"/>
+                    </a:lnL>
+                    <a:lnR w="12700" cap="flat" cmpd="sng" algn="ctr">
+                      <a:solidFill>
+                        <a:schemeClr val="tx1"/>
+                      </a:solidFill>
+                      <a:prstDash val="solid"/>
+                      <a:round/>
+                      <a:headEnd type="none" w="med" len="med"/>
+                      <a:tailEnd type="none" w="med" len="med"/>
+                    </a:lnR>
+                    <a:lnT w="6350" cap="flat" cmpd="sng" algn="ctr">
+                      <a:solidFill>
+                        <a:srgbClr val="000000"/>
+                      </a:solidFill>
+                      <a:prstDash val="solid"/>
+                      <a:round/>
+                      <a:headEnd type="none" w="med" len="med"/>
+                      <a:tailEnd type="none" w="med" len="med"/>
+                    </a:lnT>
+                    <a:lnB w="6350" cap="flat" cmpd="sng" algn="ctr">
+                      <a:solidFill>
+                        <a:srgbClr val="000000"/>
+                      </a:solidFill>
+                      <a:prstDash val="solid"/>
+                      <a:round/>
+                      <a:headEnd type="none" w="med" len="med"/>
+                      <a:tailEnd type="none" w="med" len="med"/>
+                    </a:lnB>
+                  </a:tcPr>
+                </a:tc>
+                <a:tc>
+                  <a:txBody>
+                    <a:bodyPr/>
+                    <a:lstStyle/>
+                    <a:p>
+                      <a:pPr algn="ctr" fontAlgn="ctr"/>
+                      <a:r>
+                        <a:rPr lang="en-US" altLang="ja-JP" sz="1100" b="0" i="0" u="none" strike="noStrike">
+                          <a:solidFill>
+                            <a:srgbClr val="000000"/>
+                          </a:solidFill>
+                          <a:effectLst/>
+                          <a:latin typeface="+mn-lt"/>
+                          <a:ea typeface="ＭＳ Ｐゴシック" panose="020B0600070205080204" pitchFamily="50" charset="-128"/>
+                        </a:rPr>
+                        <a:t>20.94322</a:t>
+                      </a:r>
+                    </a:p>
+                  </a:txBody>
+                  <a:tcPr marL="9525" marR="9525" marT="9525" marB="0" anchor="ctr">
+                    <a:lnL w="12700" cap="flat" cmpd="sng" algn="ctr">
+                      <a:solidFill>
+                        <a:schemeClr val="tx1"/>
+                      </a:solidFill>
+                      <a:prstDash val="solid"/>
+                      <a:round/>
+                      <a:headEnd type="none" w="med" len="med"/>
+                      <a:tailEnd type="none" w="med" len="med"/>
+                    </a:lnL>
+                    <a:lnR w="12700" cap="flat" cmpd="sng" algn="ctr">
+                      <a:solidFill>
+                        <a:schemeClr val="tx1"/>
+                      </a:solidFill>
+                      <a:prstDash val="solid"/>
+                      <a:round/>
+                      <a:headEnd type="none" w="med" len="med"/>
+                      <a:tailEnd type="none" w="med" len="med"/>
+                    </a:lnR>
+                    <a:lnT w="6350" cap="flat" cmpd="sng" algn="ctr">
+                      <a:solidFill>
+                        <a:srgbClr val="000000"/>
+                      </a:solidFill>
+                      <a:prstDash val="solid"/>
+                      <a:round/>
+                      <a:headEnd type="none" w="med" len="med"/>
+                      <a:tailEnd type="none" w="med" len="med"/>
+                    </a:lnT>
+                    <a:lnB w="6350" cap="flat" cmpd="sng" algn="ctr">
+                      <a:solidFill>
+                        <a:srgbClr val="000000"/>
+                      </a:solidFill>
+                      <a:prstDash val="solid"/>
+                      <a:round/>
+                      <a:headEnd type="none" w="med" len="med"/>
+                      <a:tailEnd type="none" w="med" len="med"/>
+                    </a:lnB>
+                  </a:tcPr>
+                </a:tc>
+                <a:tc>
+                  <a:txBody>
+                    <a:bodyPr/>
+                    <a:lstStyle/>
+                    <a:p>
+                      <a:pPr algn="ctr" fontAlgn="ctr"/>
+                      <a:r>
+                        <a:rPr lang="en-US" altLang="ja-JP" sz="1100" b="0" i="0" u="none" strike="noStrike">
+                          <a:solidFill>
+                            <a:srgbClr val="000000"/>
+                          </a:solidFill>
+                          <a:effectLst/>
+                          <a:latin typeface="+mn-lt"/>
+                          <a:ea typeface="ＭＳ Ｐゴシック" panose="020B0600070205080204" pitchFamily="50" charset="-128"/>
+                        </a:rPr>
+                        <a:t>21.13344</a:t>
+                      </a:r>
+                    </a:p>
+                  </a:txBody>
+                  <a:tcPr marL="9525" marR="9525" marT="9525" marB="0" anchor="ctr">
+                    <a:lnL w="12700" cap="flat" cmpd="sng" algn="ctr">
+                      <a:solidFill>
+                        <a:schemeClr val="tx1"/>
+                      </a:solidFill>
+                      <a:prstDash val="solid"/>
+                      <a:round/>
+                      <a:headEnd type="none" w="med" len="med"/>
+                      <a:tailEnd type="none" w="med" len="med"/>
+                    </a:lnL>
+                    <a:lnR w="12700" cap="flat" cmpd="sng" algn="ctr">
+                      <a:solidFill>
+                        <a:schemeClr val="tx1"/>
+                      </a:solidFill>
+                      <a:prstDash val="solid"/>
+                      <a:round/>
+                      <a:headEnd type="none" w="med" len="med"/>
+                      <a:tailEnd type="none" w="med" len="med"/>
+                    </a:lnR>
+                    <a:lnT w="6350" cap="flat" cmpd="sng" algn="ctr">
+                      <a:solidFill>
+                        <a:srgbClr val="000000"/>
+                      </a:solidFill>
+                      <a:prstDash val="solid"/>
+                      <a:round/>
+                      <a:headEnd type="none" w="med" len="med"/>
+                      <a:tailEnd type="none" w="med" len="med"/>
+                    </a:lnT>
+                    <a:lnB w="6350" cap="flat" cmpd="sng" algn="ctr">
+                      <a:solidFill>
+                        <a:srgbClr val="000000"/>
+                      </a:solidFill>
+                      <a:prstDash val="solid"/>
+                      <a:round/>
+                      <a:headEnd type="none" w="med" len="med"/>
+                      <a:tailEnd type="none" w="med" len="med"/>
+                    </a:lnB>
+                  </a:tcPr>
+                </a:tc>
+              </a:tr>
+              <a:tr h="180975">
+                <a:tc vMerge="1">
+                  <a:txBody>
+                    <a:bodyPr/>
+                    <a:lstStyle/>
+                    <a:p>
+                      <a:endParaRPr kumimoji="1" lang="ja-JP" altLang="en-US"/>
+                    </a:p>
+                  </a:txBody>
+                  <a:tcPr/>
+                </a:tc>
+                <a:tc>
+                  <a:txBody>
+                    <a:bodyPr/>
+                    <a:lstStyle/>
+                    <a:p>
+                      <a:pPr algn="ctr" fontAlgn="ctr"/>
+                      <a:r>
+                        <a:rPr lang="en-US" altLang="ja-JP" sz="1100" b="0" i="0" u="none" strike="noStrike">
+                          <a:solidFill>
+                            <a:srgbClr val="000000"/>
+                          </a:solidFill>
+                          <a:effectLst/>
+                          <a:latin typeface="+mn-lt"/>
+                          <a:ea typeface="ＭＳ Ｐゴシック" panose="020B0600070205080204" pitchFamily="50" charset="-128"/>
+                        </a:rPr>
+                        <a:t>2</a:t>
+                      </a:r>
+                    </a:p>
+                  </a:txBody>
+                  <a:tcPr marL="9525" marR="9525" marT="9525" marB="0" anchor="ctr">
+                    <a:lnL w="12700" cap="flat" cmpd="sng" algn="ctr">
+                      <a:solidFill>
+                        <a:srgbClr val="000000"/>
+                      </a:solidFill>
+                      <a:prstDash val="solid"/>
+                      <a:round/>
+                      <a:headEnd type="none" w="med" len="med"/>
+                      <a:tailEnd type="none" w="med" len="med"/>
+                    </a:lnL>
+                    <a:lnR w="6350" cap="flat" cmpd="sng" algn="ctr">
+                      <a:solidFill>
+                        <a:srgbClr val="000000"/>
+                      </a:solidFill>
+                      <a:prstDash val="solid"/>
+                      <a:round/>
+                      <a:headEnd type="none" w="med" len="med"/>
+                      <a:tailEnd type="none" w="med" len="med"/>
+                    </a:lnR>
+                    <a:lnT w="6350" cap="flat" cmpd="sng" algn="ctr">
+                      <a:solidFill>
+                        <a:srgbClr val="000000"/>
+                      </a:solidFill>
+                      <a:prstDash val="solid"/>
+                      <a:round/>
+                      <a:headEnd type="none" w="med" len="med"/>
+                      <a:tailEnd type="none" w="med" len="med"/>
+                    </a:lnT>
+                    <a:lnB w="6350" cap="flat" cmpd="sng" algn="ctr">
+                      <a:solidFill>
+                        <a:srgbClr val="000000"/>
+                      </a:solidFill>
+                      <a:prstDash val="solid"/>
+                      <a:round/>
+                      <a:headEnd type="none" w="med" len="med"/>
+                      <a:tailEnd type="none" w="med" len="med"/>
+                    </a:lnB>
+                  </a:tcPr>
+                </a:tc>
+                <a:tc>
+                  <a:txBody>
+                    <a:bodyPr/>
+                    <a:lstStyle/>
+                    <a:p>
+                      <a:pPr algn="ctr" fontAlgn="ctr"/>
+                      <a:r>
+                        <a:rPr lang="ja-JP" altLang="en-US" sz="1100" b="0" i="0" u="none" strike="noStrike">
+                          <a:solidFill>
+                            <a:srgbClr val="000000"/>
+                          </a:solidFill>
+                          <a:effectLst/>
+                          <a:latin typeface="+mn-lt"/>
+                          <a:ea typeface="ＭＳ Ｐゴシック" panose="020B0600070205080204" pitchFamily="50" charset="-128"/>
+                        </a:rPr>
+                        <a:t>　</a:t>
+                      </a:r>
+                    </a:p>
+                  </a:txBody>
+                  <a:tcPr marL="9525" marR="9525" marT="9525" marB="0" anchor="ctr">
+                    <a:lnL w="6350" cap="flat" cmpd="sng" algn="ctr">
+                      <a:solidFill>
+                        <a:srgbClr val="000000"/>
+                      </a:solidFill>
+                      <a:prstDash val="solid"/>
+                      <a:round/>
+                      <a:headEnd type="none" w="med" len="med"/>
+                      <a:tailEnd type="none" w="med" len="med"/>
+                    </a:lnL>
+                    <a:lnR w="12700" cap="flat" cmpd="sng" algn="ctr">
+                      <a:solidFill>
+                        <a:schemeClr val="tx1"/>
+                      </a:solidFill>
+                      <a:prstDash val="solid"/>
+                      <a:round/>
+                      <a:headEnd type="none" w="med" len="med"/>
+                      <a:tailEnd type="none" w="med" len="med"/>
+                    </a:lnR>
+                    <a:lnT w="6350" cap="flat" cmpd="sng" algn="ctr">
+                      <a:solidFill>
+                        <a:srgbClr val="000000"/>
+                      </a:solidFill>
+                      <a:prstDash val="solid"/>
+                      <a:round/>
+                      <a:headEnd type="none" w="med" len="med"/>
+                      <a:tailEnd type="none" w="med" len="med"/>
+                    </a:lnT>
+                    <a:lnB w="6350" cap="flat" cmpd="sng" algn="ctr">
+                      <a:solidFill>
+                        <a:srgbClr val="000000"/>
+                      </a:solidFill>
+                      <a:prstDash val="solid"/>
+                      <a:round/>
+                      <a:headEnd type="none" w="med" len="med"/>
+                      <a:tailEnd type="none" w="med" len="med"/>
+                    </a:lnB>
+                    <a:solidFill>
+                      <a:srgbClr val="4472C4"/>
+                    </a:solidFill>
+                  </a:tcPr>
+                </a:tc>
+                <a:tc>
+                  <a:txBody>
+                    <a:bodyPr/>
+                    <a:lstStyle/>
+                    <a:p>
+                      <a:pPr algn="ctr" fontAlgn="ctr"/>
+                      <a:r>
+                        <a:rPr lang="en-US" altLang="ja-JP" sz="1100" b="0" i="0" u="none" strike="noStrike">
+                          <a:solidFill>
+                            <a:srgbClr val="000000"/>
+                          </a:solidFill>
+                          <a:effectLst/>
+                          <a:latin typeface="+mn-lt"/>
+                          <a:ea typeface="ＭＳ Ｐゴシック" panose="020B0600070205080204" pitchFamily="50" charset="-128"/>
+                        </a:rPr>
+                        <a:t>16.73398</a:t>
+                      </a:r>
+                    </a:p>
+                  </a:txBody>
+                  <a:tcPr marL="9525" marR="9525" marT="9525" marB="0" anchor="ctr">
+                    <a:lnL w="12700" cap="flat" cmpd="sng" algn="ctr">
+                      <a:solidFill>
+                        <a:schemeClr val="tx1"/>
+                      </a:solidFill>
+                      <a:prstDash val="solid"/>
+                      <a:round/>
+                      <a:headEnd type="none" w="med" len="med"/>
+                      <a:tailEnd type="none" w="med" len="med"/>
+                    </a:lnL>
+                    <a:lnR w="12700" cap="flat" cmpd="sng" algn="ctr">
+                      <a:solidFill>
+                        <a:schemeClr val="tx1"/>
+                      </a:solidFill>
+                      <a:prstDash val="solid"/>
+                      <a:round/>
+                      <a:headEnd type="none" w="med" len="med"/>
+                      <a:tailEnd type="none" w="med" len="med"/>
+                    </a:lnR>
+                    <a:lnT w="6350" cap="flat" cmpd="sng" algn="ctr">
+                      <a:solidFill>
+                        <a:srgbClr val="000000"/>
+                      </a:solidFill>
+                      <a:prstDash val="solid"/>
+                      <a:round/>
+                      <a:headEnd type="none" w="med" len="med"/>
+                      <a:tailEnd type="none" w="med" len="med"/>
+                    </a:lnT>
+                    <a:lnB w="6350" cap="flat" cmpd="sng" algn="ctr">
+                      <a:solidFill>
+                        <a:srgbClr val="000000"/>
+                      </a:solidFill>
+                      <a:prstDash val="solid"/>
+                      <a:round/>
+                      <a:headEnd type="none" w="med" len="med"/>
+                      <a:tailEnd type="none" w="med" len="med"/>
+                    </a:lnB>
+                  </a:tcPr>
+                </a:tc>
+                <a:tc>
+                  <a:txBody>
+                    <a:bodyPr/>
+                    <a:lstStyle/>
+                    <a:p>
+                      <a:pPr algn="ctr" fontAlgn="ctr"/>
+                      <a:r>
+                        <a:rPr lang="en-US" altLang="ja-JP" sz="1100" b="0" i="0" u="none" strike="noStrike">
+                          <a:solidFill>
+                            <a:srgbClr val="000000"/>
+                          </a:solidFill>
+                          <a:effectLst/>
+                          <a:latin typeface="+mn-lt"/>
+                          <a:ea typeface="ＭＳ Ｐゴシック" panose="020B0600070205080204" pitchFamily="50" charset="-128"/>
+                        </a:rPr>
+                        <a:t>17.38232</a:t>
+                      </a:r>
+                    </a:p>
+                  </a:txBody>
+                  <a:tcPr marL="9525" marR="9525" marT="9525" marB="0" anchor="ctr">
+                    <a:lnL w="12700" cap="flat" cmpd="sng" algn="ctr">
+                      <a:solidFill>
+                        <a:schemeClr val="tx1"/>
+                      </a:solidFill>
+                      <a:prstDash val="solid"/>
+                      <a:round/>
+                      <a:headEnd type="none" w="med" len="med"/>
+                      <a:tailEnd type="none" w="med" len="med"/>
+                    </a:lnL>
+                    <a:lnR w="12700" cap="flat" cmpd="sng" algn="ctr">
+                      <a:solidFill>
+                        <a:schemeClr val="tx1"/>
+                      </a:solidFill>
+                      <a:prstDash val="solid"/>
+                      <a:round/>
+                      <a:headEnd type="none" w="med" len="med"/>
+                      <a:tailEnd type="none" w="med" len="med"/>
+                    </a:lnR>
+                    <a:lnT w="6350" cap="flat" cmpd="sng" algn="ctr">
+                      <a:solidFill>
+                        <a:srgbClr val="000000"/>
+                      </a:solidFill>
+                      <a:prstDash val="solid"/>
+                      <a:round/>
+                      <a:headEnd type="none" w="med" len="med"/>
+                      <a:tailEnd type="none" w="med" len="med"/>
+                    </a:lnT>
+                    <a:lnB w="6350" cap="flat" cmpd="sng" algn="ctr">
+                      <a:solidFill>
+                        <a:srgbClr val="000000"/>
+                      </a:solidFill>
+                      <a:prstDash val="solid"/>
+                      <a:round/>
+                      <a:headEnd type="none" w="med" len="med"/>
+                      <a:tailEnd type="none" w="med" len="med"/>
+                    </a:lnB>
+                  </a:tcPr>
+                </a:tc>
+                <a:tc>
+                  <a:txBody>
+                    <a:bodyPr/>
+                    <a:lstStyle/>
+                    <a:p>
+                      <a:pPr algn="ctr" fontAlgn="ctr"/>
+                      <a:r>
+                        <a:rPr lang="en-US" altLang="ja-JP" sz="1100" b="0" i="0" u="none" strike="noStrike">
+                          <a:solidFill>
+                            <a:srgbClr val="000000"/>
+                          </a:solidFill>
+                          <a:effectLst/>
+                          <a:latin typeface="+mn-lt"/>
+                          <a:ea typeface="ＭＳ Ｐゴシック" panose="020B0600070205080204" pitchFamily="50" charset="-128"/>
+                        </a:rPr>
+                        <a:t>18.19573</a:t>
+                      </a:r>
+                    </a:p>
+                  </a:txBody>
+                  <a:tcPr marL="9525" marR="9525" marT="9525" marB="0" anchor="ctr">
+                    <a:lnL w="12700" cap="flat" cmpd="sng" algn="ctr">
+                      <a:solidFill>
+                        <a:schemeClr val="tx1"/>
+                      </a:solidFill>
+                      <a:prstDash val="solid"/>
+                      <a:round/>
+                      <a:headEnd type="none" w="med" len="med"/>
+                      <a:tailEnd type="none" w="med" len="med"/>
+                    </a:lnL>
+                    <a:lnR w="12700" cap="flat" cmpd="sng" algn="ctr">
+                      <a:solidFill>
+                        <a:schemeClr val="tx1"/>
+                      </a:solidFill>
+                      <a:prstDash val="solid"/>
+                      <a:round/>
+                      <a:headEnd type="none" w="med" len="med"/>
+                      <a:tailEnd type="none" w="med" len="med"/>
+                    </a:lnR>
+                    <a:lnT w="6350" cap="flat" cmpd="sng" algn="ctr">
+                      <a:solidFill>
+                        <a:srgbClr val="000000"/>
+                      </a:solidFill>
+                      <a:prstDash val="solid"/>
+                      <a:round/>
+                      <a:headEnd type="none" w="med" len="med"/>
+                      <a:tailEnd type="none" w="med" len="med"/>
+                    </a:lnT>
+                    <a:lnB w="6350" cap="flat" cmpd="sng" algn="ctr">
+                      <a:solidFill>
+                        <a:srgbClr val="000000"/>
+                      </a:solidFill>
+                      <a:prstDash val="solid"/>
+                      <a:round/>
+                      <a:headEnd type="none" w="med" len="med"/>
+                      <a:tailEnd type="none" w="med" len="med"/>
+                    </a:lnB>
+                  </a:tcPr>
+                </a:tc>
+              </a:tr>
+              <a:tr h="180975">
+                <a:tc vMerge="1">
+                  <a:txBody>
+                    <a:bodyPr/>
+                    <a:lstStyle/>
+                    <a:p>
+                      <a:endParaRPr kumimoji="1" lang="ja-JP" altLang="en-US"/>
+                    </a:p>
+                  </a:txBody>
+                  <a:tcPr/>
+                </a:tc>
+                <a:tc>
+                  <a:txBody>
+                    <a:bodyPr/>
+                    <a:lstStyle/>
+                    <a:p>
+                      <a:pPr algn="ctr" fontAlgn="ctr"/>
+                      <a:r>
+                        <a:rPr lang="en-US" altLang="ja-JP" sz="1100" b="0" i="0" u="none" strike="noStrike">
+                          <a:solidFill>
+                            <a:srgbClr val="000000"/>
+                          </a:solidFill>
+                          <a:effectLst/>
+                          <a:latin typeface="+mn-lt"/>
+                          <a:ea typeface="ＭＳ Ｐゴシック" panose="020B0600070205080204" pitchFamily="50" charset="-128"/>
+                        </a:rPr>
+                        <a:t>1</a:t>
+                      </a:r>
+                    </a:p>
+                  </a:txBody>
+                  <a:tcPr marL="9525" marR="9525" marT="9525" marB="0" anchor="ctr">
+                    <a:lnL w="12700" cap="flat" cmpd="sng" algn="ctr">
+                      <a:solidFill>
+                        <a:srgbClr val="000000"/>
+                      </a:solidFill>
+                      <a:prstDash val="solid"/>
+                      <a:round/>
+                      <a:headEnd type="none" w="med" len="med"/>
+                      <a:tailEnd type="none" w="med" len="med"/>
+                    </a:lnL>
+                    <a:lnR w="6350" cap="flat" cmpd="sng" algn="ctr">
+                      <a:solidFill>
+                        <a:srgbClr val="000000"/>
+                      </a:solidFill>
+                      <a:prstDash val="solid"/>
+                      <a:round/>
+                      <a:headEnd type="none" w="med" len="med"/>
+                      <a:tailEnd type="none" w="med" len="med"/>
+                    </a:lnR>
+                    <a:lnT w="6350" cap="flat" cmpd="sng" algn="ctr">
+                      <a:solidFill>
+                        <a:srgbClr val="000000"/>
+                      </a:solidFill>
+                      <a:prstDash val="solid"/>
+                      <a:round/>
+                      <a:headEnd type="none" w="med" len="med"/>
+                      <a:tailEnd type="none" w="med" len="med"/>
+                    </a:lnT>
+                    <a:lnB w="12700" cap="flat" cmpd="sng" algn="ctr">
+                      <a:solidFill>
+                        <a:srgbClr val="000000"/>
+                      </a:solidFill>
+                      <a:prstDash val="solid"/>
+                      <a:round/>
+                      <a:headEnd type="none" w="med" len="med"/>
+                      <a:tailEnd type="none" w="med" len="med"/>
+                    </a:lnB>
+                  </a:tcPr>
+                </a:tc>
+                <a:tc>
+                  <a:txBody>
+                    <a:bodyPr/>
+                    <a:lstStyle/>
+                    <a:p>
+                      <a:pPr algn="ctr" fontAlgn="ctr"/>
+                      <a:r>
+                        <a:rPr lang="ja-JP" altLang="en-US" sz="1100" b="0" i="0" u="none" strike="noStrike">
+                          <a:solidFill>
+                            <a:srgbClr val="000000"/>
+                          </a:solidFill>
+                          <a:effectLst/>
+                          <a:latin typeface="+mn-lt"/>
+                          <a:ea typeface="ＭＳ Ｐゴシック" panose="020B0600070205080204" pitchFamily="50" charset="-128"/>
+                        </a:rPr>
+                        <a:t>　</a:t>
+                      </a:r>
+                    </a:p>
+                  </a:txBody>
+                  <a:tcPr marL="9525" marR="9525" marT="9525" marB="0" anchor="ctr">
+                    <a:lnL w="6350" cap="flat" cmpd="sng" algn="ctr">
+                      <a:solidFill>
+                        <a:srgbClr val="000000"/>
+                      </a:solidFill>
+                      <a:prstDash val="solid"/>
+                      <a:round/>
+                      <a:headEnd type="none" w="med" len="med"/>
+                      <a:tailEnd type="none" w="med" len="med"/>
+                    </a:lnL>
+                    <a:lnR w="12700" cap="flat" cmpd="sng" algn="ctr">
+                      <a:solidFill>
+                        <a:schemeClr val="tx1"/>
+                      </a:solidFill>
+                      <a:prstDash val="solid"/>
+                      <a:round/>
+                      <a:headEnd type="none" w="med" len="med"/>
+                      <a:tailEnd type="none" w="med" len="med"/>
+                    </a:lnR>
+                    <a:lnT w="6350" cap="flat" cmpd="sng" algn="ctr">
+                      <a:solidFill>
+                        <a:srgbClr val="000000"/>
+                      </a:solidFill>
+                      <a:prstDash val="solid"/>
+                      <a:round/>
+                      <a:headEnd type="none" w="med" len="med"/>
+                      <a:tailEnd type="none" w="med" len="med"/>
+                    </a:lnT>
+                    <a:lnB w="12700" cap="flat" cmpd="sng" algn="ctr">
+                      <a:solidFill>
+                        <a:srgbClr val="000000"/>
+                      </a:solidFill>
+                      <a:prstDash val="solid"/>
+                      <a:round/>
+                      <a:headEnd type="none" w="med" len="med"/>
+                      <a:tailEnd type="none" w="med" len="med"/>
+                    </a:lnB>
+                    <a:solidFill>
+                      <a:srgbClr val="FF0000"/>
+                    </a:solidFill>
+                  </a:tcPr>
+                </a:tc>
+                <a:tc>
+                  <a:txBody>
+                    <a:bodyPr/>
+                    <a:lstStyle/>
+                    <a:p>
+                      <a:pPr algn="ctr" fontAlgn="ctr"/>
+                      <a:r>
+                        <a:rPr lang="en-US" altLang="ja-JP" sz="1100" b="0" i="0" u="none" strike="noStrike">
+                          <a:solidFill>
+                            <a:srgbClr val="000000"/>
+                          </a:solidFill>
+                          <a:effectLst/>
+                          <a:latin typeface="+mn-lt"/>
+                          <a:ea typeface="ＭＳ Ｐゴシック" panose="020B0600070205080204" pitchFamily="50" charset="-128"/>
+                        </a:rPr>
+                        <a:t>14.63168</a:t>
+                      </a:r>
+                    </a:p>
+                  </a:txBody>
+                  <a:tcPr marL="9525" marR="9525" marT="9525" marB="0" anchor="ctr">
+                    <a:lnL w="12700" cap="flat" cmpd="sng" algn="ctr">
+                      <a:solidFill>
+                        <a:schemeClr val="tx1"/>
+                      </a:solidFill>
+                      <a:prstDash val="solid"/>
+                      <a:round/>
+                      <a:headEnd type="none" w="med" len="med"/>
+                      <a:tailEnd type="none" w="med" len="med"/>
+                    </a:lnL>
+                    <a:lnR w="12700" cap="flat" cmpd="sng" algn="ctr">
+                      <a:solidFill>
+                        <a:schemeClr val="tx1"/>
+                      </a:solidFill>
+                      <a:prstDash val="solid"/>
+                      <a:round/>
+                      <a:headEnd type="none" w="med" len="med"/>
+                      <a:tailEnd type="none" w="med" len="med"/>
+                    </a:lnR>
+                    <a:lnT w="6350" cap="flat" cmpd="sng" algn="ctr">
+                      <a:solidFill>
+                        <a:srgbClr val="000000"/>
+                      </a:solidFill>
+                      <a:prstDash val="solid"/>
+                      <a:round/>
+                      <a:headEnd type="none" w="med" len="med"/>
+                      <a:tailEnd type="none" w="med" len="med"/>
+                    </a:lnT>
+                    <a:lnB w="12700" cap="flat" cmpd="sng" algn="ctr">
+                      <a:solidFill>
+                        <a:schemeClr val="tx1"/>
+                      </a:solidFill>
+                      <a:prstDash val="solid"/>
+                      <a:round/>
+                      <a:headEnd type="none" w="med" len="med"/>
+                      <a:tailEnd type="none" w="med" len="med"/>
+                    </a:lnB>
+                  </a:tcPr>
+                </a:tc>
+                <a:tc>
+                  <a:txBody>
+                    <a:bodyPr/>
+                    <a:lstStyle/>
+                    <a:p>
+                      <a:pPr algn="ctr" fontAlgn="ctr"/>
+                      <a:r>
+                        <a:rPr lang="en-US" altLang="ja-JP" sz="1100" b="0" i="0" u="none" strike="noStrike">
+                          <a:solidFill>
+                            <a:srgbClr val="000000"/>
+                          </a:solidFill>
+                          <a:effectLst/>
+                          <a:latin typeface="+mn-lt"/>
+                          <a:ea typeface="ＭＳ Ｐゴシック" panose="020B0600070205080204" pitchFamily="50" charset="-128"/>
+                        </a:rPr>
+                        <a:t>15.57424</a:t>
+                      </a:r>
+                    </a:p>
+                  </a:txBody>
+                  <a:tcPr marL="9525" marR="9525" marT="9525" marB="0" anchor="ctr">
+                    <a:lnL w="12700" cap="flat" cmpd="sng" algn="ctr">
+                      <a:solidFill>
+                        <a:schemeClr val="tx1"/>
+                      </a:solidFill>
+                      <a:prstDash val="solid"/>
+                      <a:round/>
+                      <a:headEnd type="none" w="med" len="med"/>
+                      <a:tailEnd type="none" w="med" len="med"/>
+                    </a:lnL>
+                    <a:lnR w="12700" cap="flat" cmpd="sng" algn="ctr">
+                      <a:solidFill>
+                        <a:schemeClr val="tx1"/>
+                      </a:solidFill>
+                      <a:prstDash val="solid"/>
+                      <a:round/>
+                      <a:headEnd type="none" w="med" len="med"/>
+                      <a:tailEnd type="none" w="med" len="med"/>
+                    </a:lnR>
+                    <a:lnT w="6350" cap="flat" cmpd="sng" algn="ctr">
+                      <a:solidFill>
+                        <a:srgbClr val="000000"/>
+                      </a:solidFill>
+                      <a:prstDash val="solid"/>
+                      <a:round/>
+                      <a:headEnd type="none" w="med" len="med"/>
+                      <a:tailEnd type="none" w="med" len="med"/>
+                    </a:lnT>
+                    <a:lnB w="12700" cap="flat" cmpd="sng" algn="ctr">
+                      <a:solidFill>
+                        <a:schemeClr val="tx1"/>
+                      </a:solidFill>
+                      <a:prstDash val="solid"/>
+                      <a:round/>
+                      <a:headEnd type="none" w="med" len="med"/>
+                      <a:tailEnd type="none" w="med" len="med"/>
+                    </a:lnB>
+                  </a:tcPr>
+                </a:tc>
+                <a:tc>
+                  <a:txBody>
+                    <a:bodyPr/>
+                    <a:lstStyle/>
+                    <a:p>
+                      <a:pPr algn="ctr" fontAlgn="ctr"/>
+                      <a:r>
+                        <a:rPr lang="en-US" altLang="ja-JP" sz="1100" b="0" i="0" u="none" strike="noStrike" dirty="0">
+                          <a:solidFill>
+                            <a:srgbClr val="000000"/>
+                          </a:solidFill>
+                          <a:effectLst/>
+                          <a:latin typeface="+mn-lt"/>
+                          <a:ea typeface="ＭＳ Ｐゴシック" panose="020B0600070205080204" pitchFamily="50" charset="-128"/>
+                        </a:rPr>
+                        <a:t>16.52866</a:t>
+                      </a:r>
+                    </a:p>
+                  </a:txBody>
+                  <a:tcPr marL="9525" marR="9525" marT="9525" marB="0" anchor="ctr">
+                    <a:lnL w="12700" cap="flat" cmpd="sng" algn="ctr">
+                      <a:solidFill>
+                        <a:schemeClr val="tx1"/>
+                      </a:solidFill>
+                      <a:prstDash val="solid"/>
+                      <a:round/>
+                      <a:headEnd type="none" w="med" len="med"/>
+                      <a:tailEnd type="none" w="med" len="med"/>
+                    </a:lnL>
+                    <a:lnR w="12700" cap="flat" cmpd="sng" algn="ctr">
+                      <a:solidFill>
+                        <a:schemeClr val="tx1"/>
+                      </a:solidFill>
+                      <a:prstDash val="solid"/>
+                      <a:round/>
+                      <a:headEnd type="none" w="med" len="med"/>
+                      <a:tailEnd type="none" w="med" len="med"/>
+                    </a:lnR>
+                    <a:lnT w="6350" cap="flat" cmpd="sng" algn="ctr">
+                      <a:solidFill>
+                        <a:srgbClr val="000000"/>
+                      </a:solidFill>
+                      <a:prstDash val="solid"/>
+                      <a:round/>
+                      <a:headEnd type="none" w="med" len="med"/>
+                      <a:tailEnd type="none" w="med" len="med"/>
+                    </a:lnT>
+                    <a:lnB w="12700" cap="flat" cmpd="sng" algn="ctr">
+                      <a:solidFill>
+                        <a:schemeClr val="tx1"/>
+                      </a:solidFill>
+                      <a:prstDash val="solid"/>
+                      <a:round/>
+                      <a:headEnd type="none" w="med" len="med"/>
+                      <a:tailEnd type="none" w="med" len="med"/>
+                    </a:lnB>
+                  </a:tcPr>
+                </a:tc>
+              </a:tr>
+            </a:tbl>
+          </a:graphicData>
+        </a:graphic>
+      </p:graphicFrame>
+      <p:sp>
+        <p:nvSpPr>
+          <p:cNvPr id="20" name="テキスト ボックス 19">
+            <a:extLst>
+              <a:ext uri="{FF2B5EF4-FFF2-40B4-BE49-F238E27FC236}">
+                <a16:creationId xmlns="" xmlns:a16="http://schemas.microsoft.com/office/drawing/2014/main" id="{093C528F-2820-7842-B097-0CEA13538469}"/>
+              </a:ext>
+            </a:extLst>
+          </p:cNvPr>
+          <p:cNvSpPr txBox="1"/>
+          <p:nvPr/>
+        </p:nvSpPr>
+        <p:spPr>
+          <a:xfrm>
+            <a:off x="-6116" y="1347600"/>
+            <a:ext cx="2777916" cy="646331"/>
+          </a:xfrm>
+          <a:prstGeom prst="rect">
+            <a:avLst/>
+          </a:prstGeom>
+          <a:noFill/>
+        </p:spPr>
+        <p:txBody>
+          <a:bodyPr wrap="square" rtlCol="0">
+            <a:spAutoFit/>
+          </a:bodyPr>
+          <a:lstStyle/>
+          <a:p>
+            <a:pPr algn="ctr"/>
+            <a:r>
+              <a:rPr kumimoji="1" lang="en-US" altLang="ja-JP" u="sng" dirty="0" smtClean="0"/>
+              <a:t>Number of particles rate</a:t>
+            </a:r>
+          </a:p>
+          <a:p>
+            <a:pPr algn="ctr"/>
+            <a:r>
+              <a:rPr kumimoji="1" lang="en-US" altLang="ja-JP" u="sng" dirty="0" smtClean="0"/>
+              <a:t>in the area</a:t>
+            </a:r>
+            <a:r>
+              <a:rPr kumimoji="1" lang="ja-JP" altLang="en-US" u="sng" dirty="0" smtClean="0"/>
+              <a:t>　</a:t>
+            </a:r>
+            <a:r>
+              <a:rPr kumimoji="1" lang="en-US" altLang="ja-JP" u="sng" dirty="0" smtClean="0"/>
+              <a:t>[%]</a:t>
+            </a:r>
+            <a:endParaRPr kumimoji="1" lang="en-US" altLang="ja-JP" u="sng" dirty="0" smtClean="0"/>
+          </a:p>
+        </p:txBody>
+      </p:sp>
+      <p:graphicFrame>
+        <p:nvGraphicFramePr>
+          <p:cNvPr id="16" name="表 15"/>
+          <p:cNvGraphicFramePr>
+            <a:graphicFrameLocks noGrp="1"/>
+          </p:cNvGraphicFramePr>
+          <p:nvPr>
+            <p:extLst>
+              <p:ext uri="{D42A27DB-BD31-4B8C-83A1-F6EECF244321}">
+                <p14:modId xmlns:p14="http://schemas.microsoft.com/office/powerpoint/2010/main" val="2303828393"/>
+              </p:ext>
+            </p:extLst>
+          </p:nvPr>
+        </p:nvGraphicFramePr>
+        <p:xfrm>
+          <a:off x="2317984" y="2134546"/>
+          <a:ext cx="5835840" cy="419210"/>
+        </p:xfrm>
+        <a:graphic>
+          <a:graphicData uri="http://schemas.openxmlformats.org/drawingml/2006/table">
+            <a:tbl>
+              <a:tblPr/>
+              <a:tblGrid>
+                <a:gridCol w="1945280"/>
+                <a:gridCol w="1945280"/>
+                <a:gridCol w="1945280"/>
+              </a:tblGrid>
+              <a:tr h="209605">
+                <a:tc gridSpan="3">
+                  <a:txBody>
+                    <a:bodyPr/>
+                    <a:lstStyle/>
+                    <a:p>
+                      <a:pPr algn="ctr" fontAlgn="ctr"/>
+                      <a:r>
+                        <a:rPr lang="en-US" sz="1100" b="0" i="0" u="none" strike="noStrike" dirty="0">
+                          <a:solidFill>
+                            <a:srgbClr val="000000"/>
+                          </a:solidFill>
+                          <a:effectLst/>
+                          <a:latin typeface="+mn-lt"/>
+                          <a:ea typeface="ＭＳ Ｐゴシック" panose="020B0600070205080204" pitchFamily="50" charset="-128"/>
+                        </a:rPr>
+                        <a:t>Pestle Type</a:t>
+                      </a:r>
+                    </a:p>
+                  </a:txBody>
+                  <a:tcPr marL="9525" marR="9525" marT="9525" marB="0" anchor="ctr">
+                    <a:lnL w="12700" cap="flat" cmpd="sng" algn="ctr">
+                      <a:solidFill>
+                        <a:srgbClr val="000000"/>
+                      </a:solidFill>
+                      <a:prstDash val="solid"/>
+                      <a:round/>
+                      <a:headEnd type="none" w="med" len="med"/>
+                      <a:tailEnd type="none" w="med" len="med"/>
+                    </a:lnL>
+                    <a:lnR w="12700" cap="flat" cmpd="sng" algn="ctr">
+                      <a:solidFill>
+                        <a:srgbClr val="000000"/>
+                      </a:solidFill>
+                      <a:prstDash val="solid"/>
+                      <a:round/>
+                      <a:headEnd type="none" w="med" len="med"/>
+                      <a:tailEnd type="none" w="med" len="med"/>
+                    </a:lnR>
+                    <a:lnT w="12700" cap="flat" cmpd="sng" algn="ctr">
+                      <a:solidFill>
+                        <a:srgbClr val="000000"/>
+                      </a:solidFill>
+                      <a:prstDash val="solid"/>
+                      <a:round/>
+                      <a:headEnd type="none" w="med" len="med"/>
+                      <a:tailEnd type="none" w="med" len="med"/>
+                    </a:lnT>
+                    <a:lnB w="12700" cap="flat" cmpd="sng" algn="ctr">
+                      <a:solidFill>
+                        <a:srgbClr val="000000"/>
+                      </a:solidFill>
+                      <a:prstDash val="solid"/>
+                      <a:round/>
+                      <a:headEnd type="none" w="med" len="med"/>
+                      <a:tailEnd type="none" w="med" len="med"/>
+                    </a:lnB>
+                  </a:tcPr>
+                </a:tc>
+                <a:tc hMerge="1">
+                  <a:txBody>
+                    <a:bodyPr/>
+                    <a:lstStyle/>
+                    <a:p>
+                      <a:endParaRPr kumimoji="1" lang="ja-JP" altLang="en-US"/>
+                    </a:p>
+                  </a:txBody>
+                  <a:tcPr/>
+                </a:tc>
+                <a:tc hMerge="1">
+                  <a:txBody>
+                    <a:bodyPr/>
+                    <a:lstStyle/>
+                    <a:p>
+                      <a:endParaRPr kumimoji="1" lang="ja-JP" altLang="en-US"/>
+                    </a:p>
+                  </a:txBody>
+                  <a:tcPr/>
+                </a:tc>
+              </a:tr>
+              <a:tr h="209605">
+                <a:tc>
+                  <a:txBody>
+                    <a:bodyPr/>
+                    <a:lstStyle/>
+                    <a:p>
+                      <a:pPr algn="ctr" fontAlgn="ctr"/>
+                      <a:r>
+                        <a:rPr lang="en-US" sz="1100" b="0" i="0" u="none" strike="noStrike">
+                          <a:solidFill>
+                            <a:srgbClr val="000000"/>
+                          </a:solidFill>
+                          <a:effectLst/>
+                          <a:latin typeface="+mn-lt"/>
+                          <a:ea typeface="ＭＳ Ｐゴシック" panose="020B0600070205080204" pitchFamily="50" charset="-128"/>
+                        </a:rPr>
+                        <a:t>Stationary</a:t>
+                      </a:r>
+                    </a:p>
+                  </a:txBody>
+                  <a:tcPr marL="9525" marR="9525" marT="9525" marB="0" anchor="ctr">
+                    <a:lnL w="12700" cap="flat" cmpd="sng" algn="ctr">
+                      <a:solidFill>
+                        <a:srgbClr val="000000"/>
+                      </a:solidFill>
+                      <a:prstDash val="solid"/>
+                      <a:round/>
+                      <a:headEnd type="none" w="med" len="med"/>
+                      <a:tailEnd type="none" w="med" len="med"/>
+                    </a:lnL>
+                    <a:lnR w="6350" cap="flat" cmpd="sng" algn="ctr">
+                      <a:solidFill>
+                        <a:srgbClr val="000000"/>
+                      </a:solidFill>
+                      <a:prstDash val="solid"/>
+                      <a:round/>
+                      <a:headEnd type="none" w="med" len="med"/>
+                      <a:tailEnd type="none" w="med" len="med"/>
+                    </a:lnR>
+                    <a:lnT w="12700" cap="flat" cmpd="sng" algn="ctr">
+                      <a:solidFill>
+                        <a:srgbClr val="000000"/>
+                      </a:solidFill>
+                      <a:prstDash val="solid"/>
+                      <a:round/>
+                      <a:headEnd type="none" w="med" len="med"/>
+                      <a:tailEnd type="none" w="med" len="med"/>
+                    </a:lnT>
+                    <a:lnB w="12700" cap="flat" cmpd="sng" algn="ctr">
+                      <a:solidFill>
+                        <a:srgbClr val="000000"/>
+                      </a:solidFill>
+                      <a:prstDash val="solid"/>
+                      <a:round/>
+                      <a:headEnd type="none" w="med" len="med"/>
+                      <a:tailEnd type="none" w="med" len="med"/>
+                    </a:lnB>
+                  </a:tcPr>
+                </a:tc>
+                <a:tc>
+                  <a:txBody>
+                    <a:bodyPr/>
+                    <a:lstStyle/>
+                    <a:p>
+                      <a:pPr algn="ctr" fontAlgn="ctr"/>
+                      <a:r>
+                        <a:rPr lang="en-US" sz="1100" b="0" i="0" u="none" strike="noStrike" dirty="0">
+                          <a:solidFill>
+                            <a:srgbClr val="000000"/>
+                          </a:solidFill>
+                          <a:effectLst/>
+                          <a:latin typeface="+mn-lt"/>
+                          <a:ea typeface="ＭＳ Ｐゴシック" panose="020B0600070205080204" pitchFamily="50" charset="-128"/>
+                        </a:rPr>
+                        <a:t>Move(200[mm/s])</a:t>
+                      </a:r>
+                    </a:p>
+                  </a:txBody>
+                  <a:tcPr marL="9525" marR="9525" marT="9525" marB="0" anchor="ctr">
+                    <a:lnL w="6350" cap="flat" cmpd="sng" algn="ctr">
+                      <a:solidFill>
+                        <a:srgbClr val="000000"/>
+                      </a:solidFill>
+                      <a:prstDash val="solid"/>
+                      <a:round/>
+                      <a:headEnd type="none" w="med" len="med"/>
+                      <a:tailEnd type="none" w="med" len="med"/>
+                    </a:lnL>
+                    <a:lnR w="6350" cap="flat" cmpd="sng" algn="ctr">
+                      <a:solidFill>
+                        <a:srgbClr val="000000"/>
+                      </a:solidFill>
+                      <a:prstDash val="solid"/>
+                      <a:round/>
+                      <a:headEnd type="none" w="med" len="med"/>
+                      <a:tailEnd type="none" w="med" len="med"/>
+                    </a:lnR>
+                    <a:lnT w="12700" cap="flat" cmpd="sng" algn="ctr">
+                      <a:solidFill>
+                        <a:srgbClr val="000000"/>
+                      </a:solidFill>
+                      <a:prstDash val="solid"/>
+                      <a:round/>
+                      <a:headEnd type="none" w="med" len="med"/>
+                      <a:tailEnd type="none" w="med" len="med"/>
+                    </a:lnT>
+                    <a:lnB w="12700" cap="flat" cmpd="sng" algn="ctr">
+                      <a:solidFill>
+                        <a:srgbClr val="000000"/>
+                      </a:solidFill>
+                      <a:prstDash val="solid"/>
+                      <a:round/>
+                      <a:headEnd type="none" w="med" len="med"/>
+                      <a:tailEnd type="none" w="med" len="med"/>
+                    </a:lnB>
+                  </a:tcPr>
+                </a:tc>
+                <a:tc>
+                  <a:txBody>
+                    <a:bodyPr/>
+                    <a:lstStyle/>
+                    <a:p>
+                      <a:pPr algn="ctr" fontAlgn="ctr"/>
+                      <a:r>
+                        <a:rPr lang="en-US" sz="1100" b="0" i="0" u="none" strike="noStrike" dirty="0">
+                          <a:solidFill>
+                            <a:srgbClr val="000000"/>
+                          </a:solidFill>
+                          <a:effectLst/>
+                          <a:latin typeface="+mn-lt"/>
+                          <a:ea typeface="ＭＳ Ｐゴシック" panose="020B0600070205080204" pitchFamily="50" charset="-128"/>
+                        </a:rPr>
+                        <a:t>Move(300[mm/s])</a:t>
+                      </a:r>
+                    </a:p>
+                  </a:txBody>
+                  <a:tcPr marL="9525" marR="9525" marT="9525" marB="0" anchor="ctr">
+                    <a:lnL w="6350" cap="flat" cmpd="sng" algn="ctr">
+                      <a:solidFill>
+                        <a:srgbClr val="000000"/>
+                      </a:solidFill>
+                      <a:prstDash val="solid"/>
+                      <a:round/>
+                      <a:headEnd type="none" w="med" len="med"/>
+                      <a:tailEnd type="none" w="med" len="med"/>
+                    </a:lnL>
+                    <a:lnR w="12700" cap="flat" cmpd="sng" algn="ctr">
+                      <a:solidFill>
+                        <a:srgbClr val="000000"/>
+                      </a:solidFill>
+                      <a:prstDash val="solid"/>
+                      <a:round/>
+                      <a:headEnd type="none" w="med" len="med"/>
+                      <a:tailEnd type="none" w="med" len="med"/>
+                    </a:lnR>
+                    <a:lnT w="12700" cap="flat" cmpd="sng" algn="ctr">
+                      <a:solidFill>
+                        <a:srgbClr val="000000"/>
+                      </a:solidFill>
+                      <a:prstDash val="solid"/>
+                      <a:round/>
+                      <a:headEnd type="none" w="med" len="med"/>
+                      <a:tailEnd type="none" w="med" len="med"/>
+                    </a:lnT>
+                    <a:lnB w="12700" cap="flat" cmpd="sng" algn="ctr">
+                      <a:solidFill>
+                        <a:srgbClr val="000000"/>
+                      </a:solidFill>
+                      <a:prstDash val="solid"/>
+                      <a:round/>
+                      <a:headEnd type="none" w="med" len="med"/>
+                      <a:tailEnd type="none" w="med" len="med"/>
+                    </a:lnB>
+                  </a:tcPr>
+                </a:tc>
+              </a:tr>
+            </a:tbl>
+          </a:graphicData>
+        </a:graphic>
+      </p:graphicFrame>
+    </p:spTree>
+    <p:extLst>
+      <p:ext uri="{BB962C8B-B14F-4D97-AF65-F5344CB8AC3E}">
+        <p14:creationId xmlns:p14="http://schemas.microsoft.com/office/powerpoint/2010/main" val="1896593646"/>
       </p:ext>
     </p:extLst>
   </p:cSld>
@@ -16329,1940 +16502,6 @@
     <p:extLst>
       <p:ext uri="{BB962C8B-B14F-4D97-AF65-F5344CB8AC3E}">
         <p14:creationId xmlns:p14="http://schemas.microsoft.com/office/powerpoint/2010/main" val="1674169932"/>
-      </p:ext>
-    </p:extLst>
-  </p:cSld>
-  <p:clrMapOvr>
-    <a:masterClrMapping/>
-  </p:clrMapOvr>
-  <p:timing>
-    <p:tnLst>
-      <p:par>
-        <p:cTn id="1" dur="indefinite" restart="never" nodeType="tmRoot"/>
-      </p:par>
-    </p:tnLst>
-  </p:timing>
-</p:sld>
-</file>
-
-<file path=ppt/slides/slide20.xml><?xml version="1.0" encoding="utf-8"?>
-<p:sld xmlns:a="http://schemas.openxmlformats.org/drawingml/2006/main" xmlns:r="http://schemas.openxmlformats.org/officeDocument/2006/relationships" xmlns:p="http://schemas.openxmlformats.org/presentationml/2006/main">
-  <p:cSld>
-    <p:spTree>
-      <p:nvGrpSpPr>
-        <p:cNvPr id="1" name=""/>
-        <p:cNvGrpSpPr/>
-        <p:nvPr/>
-      </p:nvGrpSpPr>
-      <p:grpSpPr>
-        <a:xfrm>
-          <a:off x="0" y="0"/>
-          <a:ext cx="0" cy="0"/>
-          <a:chOff x="0" y="0"/>
-          <a:chExt cx="0" cy="0"/>
-        </a:xfrm>
-      </p:grpSpPr>
-      <p:sp>
-        <p:nvSpPr>
-          <p:cNvPr id="4" name="Title 3"/>
-          <p:cNvSpPr>
-            <a:spLocks noGrp="1"/>
-          </p:cNvSpPr>
-          <p:nvPr>
-            <p:ph type="title"/>
-          </p:nvPr>
-        </p:nvSpPr>
-        <p:spPr/>
-        <p:txBody>
-          <a:bodyPr/>
-          <a:lstStyle/>
-          <a:p>
-            <a:r>
-              <a:rPr lang="en-US" altLang="ko-KR" dirty="0"/>
-              <a:t>Comparison, Suction velocity</a:t>
-            </a:r>
-            <a:endParaRPr lang="ko-KR" altLang="en-US" dirty="0"/>
-          </a:p>
-        </p:txBody>
-      </p:sp>
-      <p:sp>
-        <p:nvSpPr>
-          <p:cNvPr id="2" name="正方形/長方形 1"/>
-          <p:cNvSpPr/>
-          <p:nvPr/>
-        </p:nvSpPr>
-        <p:spPr>
-          <a:xfrm>
-            <a:off x="0" y="1086292"/>
-            <a:ext cx="9144000" cy="36000"/>
-          </a:xfrm>
-          <a:prstGeom prst="rect">
-            <a:avLst/>
-          </a:prstGeom>
-          <a:solidFill>
-            <a:srgbClr val="99DABA"/>
-          </a:solidFill>
-          <a:ln>
-            <a:noFill/>
-          </a:ln>
-        </p:spPr>
-        <p:style>
-          <a:lnRef idx="2">
-            <a:schemeClr val="accent1">
-              <a:shade val="50000"/>
-            </a:schemeClr>
-          </a:lnRef>
-          <a:fillRef idx="1">
-            <a:schemeClr val="accent1"/>
-          </a:fillRef>
-          <a:effectRef idx="0">
-            <a:schemeClr val="accent1"/>
-          </a:effectRef>
-          <a:fontRef idx="minor">
-            <a:schemeClr val="lt1"/>
-          </a:fontRef>
-        </p:style>
-        <p:txBody>
-          <a:bodyPr rtlCol="0" anchor="ctr"/>
-          <a:lstStyle/>
-          <a:p>
-            <a:pPr algn="ctr"/>
-            <a:endParaRPr kumimoji="1" lang="ja-JP" altLang="en-US"/>
-          </a:p>
-        </p:txBody>
-      </p:sp>
-      <p:cxnSp>
-        <p:nvCxnSpPr>
-          <p:cNvPr id="19" name="直線コネクタ 18"/>
-          <p:cNvCxnSpPr/>
-          <p:nvPr/>
-        </p:nvCxnSpPr>
-        <p:spPr>
-          <a:xfrm>
-            <a:off x="3275856" y="2570931"/>
-            <a:ext cx="19166" cy="2315404"/>
-          </a:xfrm>
-          <a:prstGeom prst="line">
-            <a:avLst/>
-          </a:prstGeom>
-          <a:ln>
-            <a:solidFill>
-              <a:schemeClr val="tx1"/>
-            </a:solidFill>
-          </a:ln>
-        </p:spPr>
-        <p:style>
-          <a:lnRef idx="1">
-            <a:schemeClr val="accent1"/>
-          </a:lnRef>
-          <a:fillRef idx="0">
-            <a:schemeClr val="accent1"/>
-          </a:fillRef>
-          <a:effectRef idx="0">
-            <a:schemeClr val="accent1"/>
-          </a:effectRef>
-          <a:fontRef idx="minor">
-            <a:schemeClr val="tx1"/>
-          </a:fontRef>
-        </p:style>
-      </p:cxnSp>
-      <p:cxnSp>
-        <p:nvCxnSpPr>
-          <p:cNvPr id="23" name="直線コネクタ 22"/>
-          <p:cNvCxnSpPr/>
-          <p:nvPr/>
-        </p:nvCxnSpPr>
-        <p:spPr>
-          <a:xfrm>
-            <a:off x="5231286" y="2555952"/>
-            <a:ext cx="19166" cy="2315404"/>
-          </a:xfrm>
-          <a:prstGeom prst="line">
-            <a:avLst/>
-          </a:prstGeom>
-          <a:ln>
-            <a:solidFill>
-              <a:schemeClr val="tx1"/>
-            </a:solidFill>
-          </a:ln>
-        </p:spPr>
-        <p:style>
-          <a:lnRef idx="1">
-            <a:schemeClr val="accent1"/>
-          </a:lnRef>
-          <a:fillRef idx="0">
-            <a:schemeClr val="accent1"/>
-          </a:fillRef>
-          <a:effectRef idx="0">
-            <a:schemeClr val="accent1"/>
-          </a:effectRef>
-          <a:fontRef idx="minor">
-            <a:schemeClr val="tx1"/>
-          </a:fontRef>
-        </p:style>
-      </p:cxnSp>
-      <p:cxnSp>
-        <p:nvCxnSpPr>
-          <p:cNvPr id="24" name="直線コネクタ 23"/>
-          <p:cNvCxnSpPr/>
-          <p:nvPr/>
-        </p:nvCxnSpPr>
-        <p:spPr>
-          <a:xfrm>
-            <a:off x="7161628" y="2570931"/>
-            <a:ext cx="0" cy="2300425"/>
-          </a:xfrm>
-          <a:prstGeom prst="line">
-            <a:avLst/>
-          </a:prstGeom>
-          <a:ln>
-            <a:solidFill>
-              <a:schemeClr val="tx1"/>
-            </a:solidFill>
-          </a:ln>
-        </p:spPr>
-        <p:style>
-          <a:lnRef idx="1">
-            <a:schemeClr val="accent1"/>
-          </a:lnRef>
-          <a:fillRef idx="0">
-            <a:schemeClr val="accent1"/>
-          </a:fillRef>
-          <a:effectRef idx="0">
-            <a:schemeClr val="accent1"/>
-          </a:effectRef>
-          <a:fontRef idx="minor">
-            <a:schemeClr val="tx1"/>
-          </a:fontRef>
-        </p:style>
-      </p:cxnSp>
-      <p:pic>
-        <p:nvPicPr>
-          <p:cNvPr id="31" name="図 30"/>
-          <p:cNvPicPr>
-            <a:picLocks noChangeAspect="1"/>
-          </p:cNvPicPr>
-          <p:nvPr/>
-        </p:nvPicPr>
-        <p:blipFill>
-          <a:blip r:embed="rId3" cstate="print">
-            <a:extLst>
-              <a:ext uri="{28A0092B-C50C-407E-A947-70E740481C1C}">
-                <a14:useLocalDpi xmlns:a14="http://schemas.microsoft.com/office/drawing/2010/main" val="0"/>
-              </a:ext>
-            </a:extLst>
-          </a:blip>
-          <a:stretch>
-            <a:fillRect/>
-          </a:stretch>
-        </p:blipFill>
-        <p:spPr>
-          <a:xfrm>
-            <a:off x="574947" y="2307302"/>
-            <a:ext cx="1559201" cy="1781944"/>
-          </a:xfrm>
-          <a:prstGeom prst="rect">
-            <a:avLst/>
-          </a:prstGeom>
-        </p:spPr>
-      </p:pic>
-      <p:cxnSp>
-        <p:nvCxnSpPr>
-          <p:cNvPr id="32" name="直線矢印コネクタ 31"/>
-          <p:cNvCxnSpPr/>
-          <p:nvPr/>
-        </p:nvCxnSpPr>
-        <p:spPr>
-          <a:xfrm flipH="1">
-            <a:off x="1326620" y="1993931"/>
-            <a:ext cx="221044" cy="1219045"/>
-          </a:xfrm>
-          <a:prstGeom prst="straightConnector1">
-            <a:avLst/>
-          </a:prstGeom>
-          <a:ln>
-            <a:solidFill>
-              <a:schemeClr val="tx1"/>
-            </a:solidFill>
-            <a:tailEnd type="triangle"/>
-          </a:ln>
-        </p:spPr>
-        <p:style>
-          <a:lnRef idx="1">
-            <a:schemeClr val="accent1"/>
-          </a:lnRef>
-          <a:fillRef idx="0">
-            <a:schemeClr val="accent1"/>
-          </a:fillRef>
-          <a:effectRef idx="0">
-            <a:schemeClr val="accent1"/>
-          </a:effectRef>
-          <a:fontRef idx="minor">
-            <a:schemeClr val="tx1"/>
-          </a:fontRef>
-        </p:style>
-      </p:cxnSp>
-      <p:graphicFrame>
-        <p:nvGraphicFramePr>
-          <p:cNvPr id="6" name="表 5"/>
-          <p:cNvGraphicFramePr>
-            <a:graphicFrameLocks noGrp="1"/>
-          </p:cNvGraphicFramePr>
-          <p:nvPr>
-            <p:extLst>
-              <p:ext uri="{D42A27DB-BD31-4B8C-83A1-F6EECF244321}">
-                <p14:modId xmlns:p14="http://schemas.microsoft.com/office/powerpoint/2010/main" val="4161910954"/>
-              </p:ext>
-            </p:extLst>
-          </p:nvPr>
-        </p:nvGraphicFramePr>
-        <p:xfrm>
-          <a:off x="3275856" y="2201492"/>
-          <a:ext cx="3888432" cy="361950"/>
-        </p:xfrm>
-        <a:graphic>
-          <a:graphicData uri="http://schemas.openxmlformats.org/drawingml/2006/table">
-            <a:tbl>
-              <a:tblPr/>
-              <a:tblGrid>
-                <a:gridCol w="1969212"/>
-                <a:gridCol w="1919220"/>
-              </a:tblGrid>
-              <a:tr h="180975">
-                <a:tc gridSpan="2">
-                  <a:txBody>
-                    <a:bodyPr/>
-                    <a:lstStyle/>
-                    <a:p>
-                      <a:pPr algn="ctr" fontAlgn="ctr"/>
-                      <a:r>
-                        <a:rPr lang="en-US" sz="1100" b="0" i="0" u="none" strike="noStrike" dirty="0" err="1">
-                          <a:solidFill>
-                            <a:srgbClr val="000000"/>
-                          </a:solidFill>
-                          <a:effectLst/>
-                          <a:latin typeface="+mn-lt"/>
-                          <a:ea typeface="ＭＳ Ｐゴシック" panose="020B0600070205080204" pitchFamily="50" charset="-128"/>
-                        </a:rPr>
-                        <a:t>Petle</a:t>
-                      </a:r>
-                      <a:r>
-                        <a:rPr lang="en-US" sz="1100" b="0" i="0" u="none" strike="noStrike" dirty="0">
-                          <a:solidFill>
-                            <a:srgbClr val="000000"/>
-                          </a:solidFill>
-                          <a:effectLst/>
-                          <a:latin typeface="+mn-lt"/>
-                          <a:ea typeface="ＭＳ Ｐゴシック" panose="020B0600070205080204" pitchFamily="50" charset="-128"/>
-                        </a:rPr>
-                        <a:t> Type</a:t>
-                      </a:r>
-                    </a:p>
-                  </a:txBody>
-                  <a:tcPr marL="9525" marR="9525" marT="9525" marB="0" anchor="ctr">
-                    <a:lnL w="12700" cap="flat" cmpd="sng" algn="ctr">
-                      <a:solidFill>
-                        <a:srgbClr val="000000"/>
-                      </a:solidFill>
-                      <a:prstDash val="solid"/>
-                      <a:round/>
-                      <a:headEnd type="none" w="med" len="med"/>
-                      <a:tailEnd type="none" w="med" len="med"/>
-                    </a:lnL>
-                    <a:lnR w="12700" cap="flat" cmpd="sng" algn="ctr">
-                      <a:solidFill>
-                        <a:srgbClr val="000000"/>
-                      </a:solidFill>
-                      <a:prstDash val="solid"/>
-                      <a:round/>
-                      <a:headEnd type="none" w="med" len="med"/>
-                      <a:tailEnd type="none" w="med" len="med"/>
-                    </a:lnR>
-                    <a:lnT w="12700" cap="flat" cmpd="sng" algn="ctr">
-                      <a:solidFill>
-                        <a:srgbClr val="000000"/>
-                      </a:solidFill>
-                      <a:prstDash val="solid"/>
-                      <a:round/>
-                      <a:headEnd type="none" w="med" len="med"/>
-                      <a:tailEnd type="none" w="med" len="med"/>
-                    </a:lnT>
-                    <a:lnB w="12700" cap="flat" cmpd="sng" algn="ctr">
-                      <a:solidFill>
-                        <a:srgbClr val="000000"/>
-                      </a:solidFill>
-                      <a:prstDash val="solid"/>
-                      <a:round/>
-                      <a:headEnd type="none" w="med" len="med"/>
-                      <a:tailEnd type="none" w="med" len="med"/>
-                    </a:lnB>
-                  </a:tcPr>
-                </a:tc>
-                <a:tc hMerge="1">
-                  <a:txBody>
-                    <a:bodyPr/>
-                    <a:lstStyle/>
-                    <a:p>
-                      <a:endParaRPr kumimoji="1" lang="ja-JP" altLang="en-US"/>
-                    </a:p>
-                  </a:txBody>
-                  <a:tcPr/>
-                </a:tc>
-              </a:tr>
-              <a:tr h="180975">
-                <a:tc>
-                  <a:txBody>
-                    <a:bodyPr/>
-                    <a:lstStyle/>
-                    <a:p>
-                      <a:pPr algn="ctr" fontAlgn="ctr"/>
-                      <a:r>
-                        <a:rPr lang="en-US" sz="1100" b="0" i="0" u="none" strike="noStrike" dirty="0">
-                          <a:solidFill>
-                            <a:srgbClr val="000000"/>
-                          </a:solidFill>
-                          <a:effectLst/>
-                          <a:latin typeface="+mn-lt"/>
-                          <a:ea typeface="ＭＳ Ｐゴシック" panose="020B0600070205080204" pitchFamily="50" charset="-128"/>
-                        </a:rPr>
-                        <a:t>Stationary</a:t>
-                      </a:r>
-                    </a:p>
-                  </a:txBody>
-                  <a:tcPr marL="9525" marR="9525" marT="9525" marB="0" anchor="ctr">
-                    <a:lnL w="12700" cap="flat" cmpd="sng" algn="ctr">
-                      <a:solidFill>
-                        <a:srgbClr val="000000"/>
-                      </a:solidFill>
-                      <a:prstDash val="solid"/>
-                      <a:round/>
-                      <a:headEnd type="none" w="med" len="med"/>
-                      <a:tailEnd type="none" w="med" len="med"/>
-                    </a:lnL>
-                    <a:lnR w="6350" cap="flat" cmpd="sng" algn="ctr">
-                      <a:solidFill>
-                        <a:srgbClr val="000000"/>
-                      </a:solidFill>
-                      <a:prstDash val="solid"/>
-                      <a:round/>
-                      <a:headEnd type="none" w="med" len="med"/>
-                      <a:tailEnd type="none" w="med" len="med"/>
-                    </a:lnR>
-                    <a:lnT w="12700" cap="flat" cmpd="sng" algn="ctr">
-                      <a:solidFill>
-                        <a:srgbClr val="000000"/>
-                      </a:solidFill>
-                      <a:prstDash val="solid"/>
-                      <a:round/>
-                      <a:headEnd type="none" w="med" len="med"/>
-                      <a:tailEnd type="none" w="med" len="med"/>
-                    </a:lnT>
-                    <a:lnB w="12700" cap="flat" cmpd="sng" algn="ctr">
-                      <a:solidFill>
-                        <a:srgbClr val="000000"/>
-                      </a:solidFill>
-                      <a:prstDash val="solid"/>
-                      <a:round/>
-                      <a:headEnd type="none" w="med" len="med"/>
-                      <a:tailEnd type="none" w="med" len="med"/>
-                    </a:lnB>
-                  </a:tcPr>
-                </a:tc>
-                <a:tc>
-                  <a:txBody>
-                    <a:bodyPr/>
-                    <a:lstStyle/>
-                    <a:p>
-                      <a:pPr algn="ctr" fontAlgn="ctr"/>
-                      <a:r>
-                        <a:rPr lang="en-US" sz="1100" b="0" i="0" u="none" strike="noStrike" dirty="0">
-                          <a:solidFill>
-                            <a:srgbClr val="000000"/>
-                          </a:solidFill>
-                          <a:effectLst/>
-                          <a:latin typeface="+mn-lt"/>
-                          <a:ea typeface="ＭＳ Ｐゴシック" panose="020B0600070205080204" pitchFamily="50" charset="-128"/>
-                        </a:rPr>
-                        <a:t>Move (300[mm/s]</a:t>
-                      </a:r>
-                    </a:p>
-                  </a:txBody>
-                  <a:tcPr marL="9525" marR="9525" marT="9525" marB="0" anchor="ctr">
-                    <a:lnL w="6350" cap="flat" cmpd="sng" algn="ctr">
-                      <a:solidFill>
-                        <a:srgbClr val="000000"/>
-                      </a:solidFill>
-                      <a:prstDash val="solid"/>
-                      <a:round/>
-                      <a:headEnd type="none" w="med" len="med"/>
-                      <a:tailEnd type="none" w="med" len="med"/>
-                    </a:lnL>
-                    <a:lnR w="12700" cap="flat" cmpd="sng" algn="ctr">
-                      <a:solidFill>
-                        <a:srgbClr val="000000"/>
-                      </a:solidFill>
-                      <a:prstDash val="solid"/>
-                      <a:round/>
-                      <a:headEnd type="none" w="med" len="med"/>
-                      <a:tailEnd type="none" w="med" len="med"/>
-                    </a:lnR>
-                    <a:lnT w="12700" cap="flat" cmpd="sng" algn="ctr">
-                      <a:solidFill>
-                        <a:srgbClr val="000000"/>
-                      </a:solidFill>
-                      <a:prstDash val="solid"/>
-                      <a:round/>
-                      <a:headEnd type="none" w="med" len="med"/>
-                      <a:tailEnd type="none" w="med" len="med"/>
-                    </a:lnT>
-                    <a:lnB w="12700" cap="flat" cmpd="sng" algn="ctr">
-                      <a:solidFill>
-                        <a:srgbClr val="000000"/>
-                      </a:solidFill>
-                      <a:prstDash val="solid"/>
-                      <a:round/>
-                      <a:headEnd type="none" w="med" len="med"/>
-                      <a:tailEnd type="none" w="med" len="med"/>
-                    </a:lnB>
-                  </a:tcPr>
-                </a:tc>
-              </a:tr>
-            </a:tbl>
-          </a:graphicData>
-        </a:graphic>
-      </p:graphicFrame>
-      <p:pic>
-        <p:nvPicPr>
-          <p:cNvPr id="7" name="図 6"/>
-          <p:cNvPicPr>
-            <a:picLocks noChangeAspect="1"/>
-          </p:cNvPicPr>
-          <p:nvPr/>
-        </p:nvPicPr>
-        <p:blipFill>
-          <a:blip r:embed="rId4" cstate="print">
-            <a:extLst>
-              <a:ext uri="{28A0092B-C50C-407E-A947-70E740481C1C}">
-                <a14:useLocalDpi xmlns:a14="http://schemas.microsoft.com/office/drawing/2010/main" val="0"/>
-              </a:ext>
-            </a:extLst>
-          </a:blip>
-          <a:stretch>
-            <a:fillRect/>
-          </a:stretch>
-        </p:blipFill>
-        <p:spPr>
-          <a:xfrm>
-            <a:off x="3412967" y="2791020"/>
-            <a:ext cx="1734936" cy="1982784"/>
-          </a:xfrm>
-          <a:prstGeom prst="rect">
-            <a:avLst/>
-          </a:prstGeom>
-        </p:spPr>
-      </p:pic>
-      <p:pic>
-        <p:nvPicPr>
-          <p:cNvPr id="8" name="図 7"/>
-          <p:cNvPicPr>
-            <a:picLocks noChangeAspect="1"/>
-          </p:cNvPicPr>
-          <p:nvPr/>
-        </p:nvPicPr>
-        <p:blipFill>
-          <a:blip r:embed="rId5" cstate="print">
-            <a:extLst>
-              <a:ext uri="{28A0092B-C50C-407E-A947-70E740481C1C}">
-                <a14:useLocalDpi xmlns:a14="http://schemas.microsoft.com/office/drawing/2010/main" val="0"/>
-              </a:ext>
-            </a:extLst>
-          </a:blip>
-          <a:stretch>
-            <a:fillRect/>
-          </a:stretch>
-        </p:blipFill>
-        <p:spPr>
-          <a:xfrm>
-            <a:off x="5333836" y="2790141"/>
-            <a:ext cx="1734935" cy="1982783"/>
-          </a:xfrm>
-          <a:prstGeom prst="rect">
-            <a:avLst/>
-          </a:prstGeom>
-        </p:spPr>
-      </p:pic>
-      <p:graphicFrame>
-        <p:nvGraphicFramePr>
-          <p:cNvPr id="21" name="表 20"/>
-          <p:cNvGraphicFramePr>
-            <a:graphicFrameLocks noGrp="1"/>
-          </p:cNvGraphicFramePr>
-          <p:nvPr>
-            <p:extLst>
-              <p:ext uri="{D42A27DB-BD31-4B8C-83A1-F6EECF244321}">
-                <p14:modId xmlns:p14="http://schemas.microsoft.com/office/powerpoint/2010/main" val="1383163658"/>
-              </p:ext>
-            </p:extLst>
-          </p:nvPr>
-        </p:nvGraphicFramePr>
-        <p:xfrm>
-          <a:off x="1475657" y="4904490"/>
-          <a:ext cx="5685970" cy="889635"/>
-        </p:xfrm>
-        <a:graphic>
-          <a:graphicData uri="http://schemas.openxmlformats.org/drawingml/2006/table">
-            <a:tbl>
-              <a:tblPr/>
-              <a:tblGrid>
-                <a:gridCol w="738791"/>
-                <a:gridCol w="369396"/>
-                <a:gridCol w="692012"/>
-                <a:gridCol w="1967641"/>
-                <a:gridCol w="1918130"/>
-              </a:tblGrid>
-              <a:tr h="171450">
-                <a:tc rowSpan="5">
-                  <a:txBody>
-                    <a:bodyPr/>
-                    <a:lstStyle/>
-                    <a:p>
-                      <a:pPr algn="ctr" fontAlgn="ctr"/>
-                      <a:r>
-                        <a:rPr lang="ja-JP" altLang="en-US" sz="1100" b="0" i="0" u="none" strike="noStrike" dirty="0">
-                          <a:solidFill>
-                            <a:srgbClr val="000000"/>
-                          </a:solidFill>
-                          <a:effectLst/>
-                          <a:latin typeface="ＭＳ Ｐゴシック" panose="020B0600070205080204" pitchFamily="50" charset="-128"/>
-                          <a:ea typeface="ＭＳ Ｐゴシック" panose="020B0600070205080204" pitchFamily="50" charset="-128"/>
-                        </a:rPr>
-                        <a:t>層</a:t>
-                      </a:r>
-                    </a:p>
-                  </a:txBody>
-                  <a:tcPr marL="9525" marR="9525" marT="9525" marB="0" anchor="ctr">
-                    <a:lnL w="12700" cap="flat" cmpd="sng" algn="ctr">
-                      <a:solidFill>
-                        <a:srgbClr val="000000"/>
-                      </a:solidFill>
-                      <a:prstDash val="solid"/>
-                      <a:round/>
-                      <a:headEnd type="none" w="med" len="med"/>
-                      <a:tailEnd type="none" w="med" len="med"/>
-                    </a:lnL>
-                    <a:lnR w="12700" cap="flat" cmpd="sng" algn="ctr">
-                      <a:solidFill>
-                        <a:srgbClr val="000000"/>
-                      </a:solidFill>
-                      <a:prstDash val="solid"/>
-                      <a:round/>
-                      <a:headEnd type="none" w="med" len="med"/>
-                      <a:tailEnd type="none" w="med" len="med"/>
-                    </a:lnR>
-                    <a:lnT w="12700" cap="flat" cmpd="sng" algn="ctr">
-                      <a:solidFill>
-                        <a:srgbClr val="000000"/>
-                      </a:solidFill>
-                      <a:prstDash val="solid"/>
-                      <a:round/>
-                      <a:headEnd type="none" w="med" len="med"/>
-                      <a:tailEnd type="none" w="med" len="med"/>
-                    </a:lnT>
-                    <a:lnB w="12700" cap="flat" cmpd="sng" algn="ctr">
-                      <a:solidFill>
-                        <a:srgbClr val="000000"/>
-                      </a:solidFill>
-                      <a:prstDash val="solid"/>
-                      <a:round/>
-                      <a:headEnd type="none" w="med" len="med"/>
-                      <a:tailEnd type="none" w="med" len="med"/>
-                    </a:lnB>
-                  </a:tcPr>
-                </a:tc>
-                <a:tc>
-                  <a:txBody>
-                    <a:bodyPr/>
-                    <a:lstStyle/>
-                    <a:p>
-                      <a:pPr algn="ctr" fontAlgn="ctr"/>
-                      <a:r>
-                        <a:rPr lang="en-US" altLang="ja-JP" sz="1100" b="0" i="0" u="none" strike="noStrike" dirty="0">
-                          <a:solidFill>
-                            <a:srgbClr val="000000"/>
-                          </a:solidFill>
-                          <a:effectLst/>
-                          <a:latin typeface="+mn-lt"/>
-                          <a:ea typeface="ＭＳ Ｐゴシック" panose="020B0600070205080204" pitchFamily="50" charset="-128"/>
-                        </a:rPr>
-                        <a:t>5</a:t>
-                      </a:r>
-                    </a:p>
-                  </a:txBody>
-                  <a:tcPr marL="9525" marR="9525" marT="9525" marB="0" anchor="ctr">
-                    <a:lnL w="12700" cap="flat" cmpd="sng" algn="ctr">
-                      <a:solidFill>
-                        <a:srgbClr val="000000"/>
-                      </a:solidFill>
-                      <a:prstDash val="solid"/>
-                      <a:round/>
-                      <a:headEnd type="none" w="med" len="med"/>
-                      <a:tailEnd type="none" w="med" len="med"/>
-                    </a:lnL>
-                    <a:lnR w="6350" cap="flat" cmpd="sng" algn="ctr">
-                      <a:solidFill>
-                        <a:srgbClr val="000000"/>
-                      </a:solidFill>
-                      <a:prstDash val="solid"/>
-                      <a:round/>
-                      <a:headEnd type="none" w="med" len="med"/>
-                      <a:tailEnd type="none" w="med" len="med"/>
-                    </a:lnR>
-                    <a:lnT w="12700" cap="flat" cmpd="sng" algn="ctr">
-                      <a:solidFill>
-                        <a:srgbClr val="000000"/>
-                      </a:solidFill>
-                      <a:prstDash val="solid"/>
-                      <a:round/>
-                      <a:headEnd type="none" w="med" len="med"/>
-                      <a:tailEnd type="none" w="med" len="med"/>
-                    </a:lnT>
-                    <a:lnB w="6350" cap="flat" cmpd="sng" algn="ctr">
-                      <a:solidFill>
-                        <a:srgbClr val="000000"/>
-                      </a:solidFill>
-                      <a:prstDash val="solid"/>
-                      <a:round/>
-                      <a:headEnd type="none" w="med" len="med"/>
-                      <a:tailEnd type="none" w="med" len="med"/>
-                    </a:lnB>
-                  </a:tcPr>
-                </a:tc>
-                <a:tc>
-                  <a:txBody>
-                    <a:bodyPr/>
-                    <a:lstStyle/>
-                    <a:p>
-                      <a:pPr algn="ctr" fontAlgn="ctr"/>
-                      <a:r>
-                        <a:rPr lang="ja-JP" altLang="en-US" sz="1100" b="0" i="0" u="none" strike="noStrike" dirty="0">
-                          <a:solidFill>
-                            <a:srgbClr val="000000"/>
-                          </a:solidFill>
-                          <a:effectLst/>
-                          <a:latin typeface="+mn-lt"/>
-                          <a:ea typeface="ＭＳ Ｐゴシック" panose="020B0600070205080204" pitchFamily="50" charset="-128"/>
-                        </a:rPr>
-                        <a:t>　</a:t>
-                      </a:r>
-                    </a:p>
-                  </a:txBody>
-                  <a:tcPr marL="9525" marR="9525" marT="9525" marB="0" anchor="ctr">
-                    <a:lnL w="6350" cap="flat" cmpd="sng" algn="ctr">
-                      <a:solidFill>
-                        <a:srgbClr val="000000"/>
-                      </a:solidFill>
-                      <a:prstDash val="solid"/>
-                      <a:round/>
-                      <a:headEnd type="none" w="med" len="med"/>
-                      <a:tailEnd type="none" w="med" len="med"/>
-                    </a:lnL>
-                    <a:lnR w="12700" cap="flat" cmpd="sng" algn="ctr">
-                      <a:solidFill>
-                        <a:schemeClr val="tx1"/>
-                      </a:solidFill>
-                      <a:prstDash val="solid"/>
-                      <a:round/>
-                      <a:headEnd type="none" w="med" len="med"/>
-                      <a:tailEnd type="none" w="med" len="med"/>
-                    </a:lnR>
-                    <a:lnT w="12700" cap="flat" cmpd="sng" algn="ctr">
-                      <a:solidFill>
-                        <a:srgbClr val="000000"/>
-                      </a:solidFill>
-                      <a:prstDash val="solid"/>
-                      <a:round/>
-                      <a:headEnd type="none" w="med" len="med"/>
-                      <a:tailEnd type="none" w="med" len="med"/>
-                    </a:lnT>
-                    <a:lnB w="6350" cap="flat" cmpd="sng" algn="ctr">
-                      <a:solidFill>
-                        <a:srgbClr val="000000"/>
-                      </a:solidFill>
-                      <a:prstDash val="solid"/>
-                      <a:round/>
-                      <a:headEnd type="none" w="med" len="med"/>
-                      <a:tailEnd type="none" w="med" len="med"/>
-                    </a:lnB>
-                    <a:solidFill>
-                      <a:srgbClr val="FFFF00"/>
-                    </a:solidFill>
-                  </a:tcPr>
-                </a:tc>
-                <a:tc>
-                  <a:txBody>
-                    <a:bodyPr/>
-                    <a:lstStyle/>
-                    <a:p>
-                      <a:pPr algn="ctr" fontAlgn="ctr"/>
-                      <a:r>
-                        <a:rPr lang="en-US" altLang="ja-JP" sz="1100" b="0" i="0" u="none" strike="noStrike">
-                          <a:solidFill>
-                            <a:srgbClr val="000000"/>
-                          </a:solidFill>
-                          <a:effectLst/>
-                          <a:latin typeface="+mn-lt"/>
-                          <a:ea typeface="ＭＳ Ｐゴシック" panose="020B0600070205080204" pitchFamily="50" charset="-128"/>
-                        </a:rPr>
-                        <a:t>25.05739814</a:t>
-                      </a:r>
-                    </a:p>
-                  </a:txBody>
-                  <a:tcPr marL="9525" marR="9525" marT="9525" marB="0" anchor="ctr">
-                    <a:lnL w="12700" cap="flat" cmpd="sng" algn="ctr">
-                      <a:solidFill>
-                        <a:schemeClr val="tx1"/>
-                      </a:solidFill>
-                      <a:prstDash val="solid"/>
-                      <a:round/>
-                      <a:headEnd type="none" w="med" len="med"/>
-                      <a:tailEnd type="none" w="med" len="med"/>
-                    </a:lnL>
-                    <a:lnR w="6350" cap="flat" cmpd="sng" algn="ctr">
-                      <a:solidFill>
-                        <a:srgbClr val="000000"/>
-                      </a:solidFill>
-                      <a:prstDash val="solid"/>
-                      <a:round/>
-                      <a:headEnd type="none" w="med" len="med"/>
-                      <a:tailEnd type="none" w="med" len="med"/>
-                    </a:lnR>
-                    <a:lnT w="12700" cap="flat" cmpd="sng" algn="ctr">
-                      <a:solidFill>
-                        <a:schemeClr val="tx1"/>
-                      </a:solidFill>
-                      <a:prstDash val="solid"/>
-                      <a:round/>
-                      <a:headEnd type="none" w="med" len="med"/>
-                      <a:tailEnd type="none" w="med" len="med"/>
-                    </a:lnT>
-                    <a:lnB w="6350" cap="flat" cmpd="sng" algn="ctr">
-                      <a:solidFill>
-                        <a:srgbClr val="000000"/>
-                      </a:solidFill>
-                      <a:prstDash val="solid"/>
-                      <a:round/>
-                      <a:headEnd type="none" w="med" len="med"/>
-                      <a:tailEnd type="none" w="med" len="med"/>
-                    </a:lnB>
-                  </a:tcPr>
-                </a:tc>
-                <a:tc>
-                  <a:txBody>
-                    <a:bodyPr/>
-                    <a:lstStyle/>
-                    <a:p>
-                      <a:pPr algn="ctr" fontAlgn="ctr"/>
-                      <a:r>
-                        <a:rPr lang="en-US" altLang="ja-JP" sz="1100" b="0" i="0" u="none" strike="noStrike">
-                          <a:solidFill>
-                            <a:srgbClr val="000000"/>
-                          </a:solidFill>
-                          <a:effectLst/>
-                          <a:latin typeface="+mn-lt"/>
-                          <a:ea typeface="ＭＳ Ｐゴシック" panose="020B0600070205080204" pitchFamily="50" charset="-128"/>
-                        </a:rPr>
-                        <a:t>21.987659</a:t>
-                      </a:r>
-                    </a:p>
-                  </a:txBody>
-                  <a:tcPr marL="9525" marR="9525" marT="9525" marB="0" anchor="ctr">
-                    <a:lnL w="6350" cap="flat" cmpd="sng" algn="ctr">
-                      <a:solidFill>
-                        <a:srgbClr val="000000"/>
-                      </a:solidFill>
-                      <a:prstDash val="solid"/>
-                      <a:round/>
-                      <a:headEnd type="none" w="med" len="med"/>
-                      <a:tailEnd type="none" w="med" len="med"/>
-                    </a:lnL>
-                    <a:lnR w="12700" cap="flat" cmpd="sng" algn="ctr">
-                      <a:solidFill>
-                        <a:schemeClr val="tx1"/>
-                      </a:solidFill>
-                      <a:prstDash val="solid"/>
-                      <a:round/>
-                      <a:headEnd type="none" w="med" len="med"/>
-                      <a:tailEnd type="none" w="med" len="med"/>
-                    </a:lnR>
-                    <a:lnT w="12700" cap="flat" cmpd="sng" algn="ctr">
-                      <a:solidFill>
-                        <a:schemeClr val="tx1"/>
-                      </a:solidFill>
-                      <a:prstDash val="solid"/>
-                      <a:round/>
-                      <a:headEnd type="none" w="med" len="med"/>
-                      <a:tailEnd type="none" w="med" len="med"/>
-                    </a:lnT>
-                    <a:lnB w="6350" cap="flat" cmpd="sng" algn="ctr">
-                      <a:solidFill>
-                        <a:srgbClr val="000000"/>
-                      </a:solidFill>
-                      <a:prstDash val="solid"/>
-                      <a:round/>
-                      <a:headEnd type="none" w="med" len="med"/>
-                      <a:tailEnd type="none" w="med" len="med"/>
-                    </a:lnB>
-                  </a:tcPr>
-                </a:tc>
-              </a:tr>
-              <a:tr h="171450">
-                <a:tc vMerge="1">
-                  <a:txBody>
-                    <a:bodyPr/>
-                    <a:lstStyle/>
-                    <a:p>
-                      <a:endParaRPr kumimoji="1" lang="ja-JP" altLang="en-US"/>
-                    </a:p>
-                  </a:txBody>
-                  <a:tcPr/>
-                </a:tc>
-                <a:tc>
-                  <a:txBody>
-                    <a:bodyPr/>
-                    <a:lstStyle/>
-                    <a:p>
-                      <a:pPr algn="ctr" fontAlgn="ctr"/>
-                      <a:r>
-                        <a:rPr lang="en-US" altLang="ja-JP" sz="1100" b="0" i="0" u="none" strike="noStrike">
-                          <a:solidFill>
-                            <a:srgbClr val="000000"/>
-                          </a:solidFill>
-                          <a:effectLst/>
-                          <a:latin typeface="+mn-lt"/>
-                          <a:ea typeface="ＭＳ Ｐゴシック" panose="020B0600070205080204" pitchFamily="50" charset="-128"/>
-                        </a:rPr>
-                        <a:t>4</a:t>
-                      </a:r>
-                    </a:p>
-                  </a:txBody>
-                  <a:tcPr marL="9525" marR="9525" marT="9525" marB="0" anchor="ctr">
-                    <a:lnL w="12700" cap="flat" cmpd="sng" algn="ctr">
-                      <a:solidFill>
-                        <a:srgbClr val="000000"/>
-                      </a:solidFill>
-                      <a:prstDash val="solid"/>
-                      <a:round/>
-                      <a:headEnd type="none" w="med" len="med"/>
-                      <a:tailEnd type="none" w="med" len="med"/>
-                    </a:lnL>
-                    <a:lnR w="6350" cap="flat" cmpd="sng" algn="ctr">
-                      <a:solidFill>
-                        <a:srgbClr val="000000"/>
-                      </a:solidFill>
-                      <a:prstDash val="solid"/>
-                      <a:round/>
-                      <a:headEnd type="none" w="med" len="med"/>
-                      <a:tailEnd type="none" w="med" len="med"/>
-                    </a:lnR>
-                    <a:lnT w="6350" cap="flat" cmpd="sng" algn="ctr">
-                      <a:solidFill>
-                        <a:srgbClr val="000000"/>
-                      </a:solidFill>
-                      <a:prstDash val="solid"/>
-                      <a:round/>
-                      <a:headEnd type="none" w="med" len="med"/>
-                      <a:tailEnd type="none" w="med" len="med"/>
-                    </a:lnT>
-                    <a:lnB w="6350" cap="flat" cmpd="sng" algn="ctr">
-                      <a:solidFill>
-                        <a:srgbClr val="000000"/>
-                      </a:solidFill>
-                      <a:prstDash val="solid"/>
-                      <a:round/>
-                      <a:headEnd type="none" w="med" len="med"/>
-                      <a:tailEnd type="none" w="med" len="med"/>
-                    </a:lnB>
-                  </a:tcPr>
-                </a:tc>
-                <a:tc>
-                  <a:txBody>
-                    <a:bodyPr/>
-                    <a:lstStyle/>
-                    <a:p>
-                      <a:pPr algn="ctr" fontAlgn="ctr"/>
-                      <a:r>
-                        <a:rPr lang="ja-JP" altLang="en-US" sz="1100" b="0" i="0" u="none" strike="noStrike">
-                          <a:solidFill>
-                            <a:srgbClr val="000000"/>
-                          </a:solidFill>
-                          <a:effectLst/>
-                          <a:latin typeface="+mn-lt"/>
-                          <a:ea typeface="ＭＳ Ｐゴシック" panose="020B0600070205080204" pitchFamily="50" charset="-128"/>
-                        </a:rPr>
-                        <a:t>　</a:t>
-                      </a:r>
-                    </a:p>
-                  </a:txBody>
-                  <a:tcPr marL="9525" marR="9525" marT="9525" marB="0" anchor="ctr">
-                    <a:lnL w="6350" cap="flat" cmpd="sng" algn="ctr">
-                      <a:solidFill>
-                        <a:srgbClr val="000000"/>
-                      </a:solidFill>
-                      <a:prstDash val="solid"/>
-                      <a:round/>
-                      <a:headEnd type="none" w="med" len="med"/>
-                      <a:tailEnd type="none" w="med" len="med"/>
-                    </a:lnL>
-                    <a:lnR w="12700" cap="flat" cmpd="sng" algn="ctr">
-                      <a:solidFill>
-                        <a:schemeClr val="tx1"/>
-                      </a:solidFill>
-                      <a:prstDash val="solid"/>
-                      <a:round/>
-                      <a:headEnd type="none" w="med" len="med"/>
-                      <a:tailEnd type="none" w="med" len="med"/>
-                    </a:lnR>
-                    <a:lnT w="6350" cap="flat" cmpd="sng" algn="ctr">
-                      <a:solidFill>
-                        <a:srgbClr val="000000"/>
-                      </a:solidFill>
-                      <a:prstDash val="solid"/>
-                      <a:round/>
-                      <a:headEnd type="none" w="med" len="med"/>
-                      <a:tailEnd type="none" w="med" len="med"/>
-                    </a:lnT>
-                    <a:lnB w="6350" cap="flat" cmpd="sng" algn="ctr">
-                      <a:solidFill>
-                        <a:srgbClr val="000000"/>
-                      </a:solidFill>
-                      <a:prstDash val="solid"/>
-                      <a:round/>
-                      <a:headEnd type="none" w="med" len="med"/>
-                      <a:tailEnd type="none" w="med" len="med"/>
-                    </a:lnB>
-                    <a:solidFill>
-                      <a:srgbClr val="92D050"/>
-                    </a:solidFill>
-                  </a:tcPr>
-                </a:tc>
-                <a:tc>
-                  <a:txBody>
-                    <a:bodyPr/>
-                    <a:lstStyle/>
-                    <a:p>
-                      <a:pPr algn="ctr" fontAlgn="ctr"/>
-                      <a:r>
-                        <a:rPr lang="en-US" altLang="ja-JP" sz="1100" b="0" i="0" u="none" strike="noStrike">
-                          <a:solidFill>
-                            <a:srgbClr val="000000"/>
-                          </a:solidFill>
-                          <a:effectLst/>
-                          <a:latin typeface="+mn-lt"/>
-                          <a:ea typeface="ＭＳ Ｐゴシック" panose="020B0600070205080204" pitchFamily="50" charset="-128"/>
-                        </a:rPr>
-                        <a:t>22.68886061</a:t>
-                      </a:r>
-                    </a:p>
-                  </a:txBody>
-                  <a:tcPr marL="9525" marR="9525" marT="9525" marB="0" anchor="ctr">
-                    <a:lnL w="12700" cap="flat" cmpd="sng" algn="ctr">
-                      <a:solidFill>
-                        <a:schemeClr val="tx1"/>
-                      </a:solidFill>
-                      <a:prstDash val="solid"/>
-                      <a:round/>
-                      <a:headEnd type="none" w="med" len="med"/>
-                      <a:tailEnd type="none" w="med" len="med"/>
-                    </a:lnL>
-                    <a:lnR w="6350" cap="flat" cmpd="sng" algn="ctr">
-                      <a:solidFill>
-                        <a:srgbClr val="000000"/>
-                      </a:solidFill>
-                      <a:prstDash val="solid"/>
-                      <a:round/>
-                      <a:headEnd type="none" w="med" len="med"/>
-                      <a:tailEnd type="none" w="med" len="med"/>
-                    </a:lnR>
-                    <a:lnT w="6350" cap="flat" cmpd="sng" algn="ctr">
-                      <a:solidFill>
-                        <a:srgbClr val="000000"/>
-                      </a:solidFill>
-                      <a:prstDash val="solid"/>
-                      <a:round/>
-                      <a:headEnd type="none" w="med" len="med"/>
-                      <a:tailEnd type="none" w="med" len="med"/>
-                    </a:lnT>
-                    <a:lnB w="6350" cap="flat" cmpd="sng" algn="ctr">
-                      <a:solidFill>
-                        <a:srgbClr val="000000"/>
-                      </a:solidFill>
-                      <a:prstDash val="solid"/>
-                      <a:round/>
-                      <a:headEnd type="none" w="med" len="med"/>
-                      <a:tailEnd type="none" w="med" len="med"/>
-                    </a:lnB>
-                  </a:tcPr>
-                </a:tc>
-                <a:tc>
-                  <a:txBody>
-                    <a:bodyPr/>
-                    <a:lstStyle/>
-                    <a:p>
-                      <a:pPr algn="ctr" fontAlgn="ctr"/>
-                      <a:r>
-                        <a:rPr lang="en-US" altLang="ja-JP" sz="1100" b="0" i="0" u="none" strike="noStrike">
-                          <a:solidFill>
-                            <a:srgbClr val="000000"/>
-                          </a:solidFill>
-                          <a:effectLst/>
-                          <a:latin typeface="+mn-lt"/>
-                          <a:ea typeface="ＭＳ Ｐゴシック" panose="020B0600070205080204" pitchFamily="50" charset="-128"/>
-                        </a:rPr>
-                        <a:t>22.15450377</a:t>
-                      </a:r>
-                    </a:p>
-                  </a:txBody>
-                  <a:tcPr marL="9525" marR="9525" marT="9525" marB="0" anchor="ctr">
-                    <a:lnL w="6350" cap="flat" cmpd="sng" algn="ctr">
-                      <a:solidFill>
-                        <a:srgbClr val="000000"/>
-                      </a:solidFill>
-                      <a:prstDash val="solid"/>
-                      <a:round/>
-                      <a:headEnd type="none" w="med" len="med"/>
-                      <a:tailEnd type="none" w="med" len="med"/>
-                    </a:lnL>
-                    <a:lnR w="12700" cap="flat" cmpd="sng" algn="ctr">
-                      <a:solidFill>
-                        <a:schemeClr val="tx1"/>
-                      </a:solidFill>
-                      <a:prstDash val="solid"/>
-                      <a:round/>
-                      <a:headEnd type="none" w="med" len="med"/>
-                      <a:tailEnd type="none" w="med" len="med"/>
-                    </a:lnR>
-                    <a:lnT w="6350" cap="flat" cmpd="sng" algn="ctr">
-                      <a:solidFill>
-                        <a:srgbClr val="000000"/>
-                      </a:solidFill>
-                      <a:prstDash val="solid"/>
-                      <a:round/>
-                      <a:headEnd type="none" w="med" len="med"/>
-                      <a:tailEnd type="none" w="med" len="med"/>
-                    </a:lnT>
-                    <a:lnB w="6350" cap="flat" cmpd="sng" algn="ctr">
-                      <a:solidFill>
-                        <a:srgbClr val="000000"/>
-                      </a:solidFill>
-                      <a:prstDash val="solid"/>
-                      <a:round/>
-                      <a:headEnd type="none" w="med" len="med"/>
-                      <a:tailEnd type="none" w="med" len="med"/>
-                    </a:lnB>
-                  </a:tcPr>
-                </a:tc>
-              </a:tr>
-              <a:tr h="171450">
-                <a:tc vMerge="1">
-                  <a:txBody>
-                    <a:bodyPr/>
-                    <a:lstStyle/>
-                    <a:p>
-                      <a:endParaRPr kumimoji="1" lang="ja-JP" altLang="en-US"/>
-                    </a:p>
-                  </a:txBody>
-                  <a:tcPr/>
-                </a:tc>
-                <a:tc>
-                  <a:txBody>
-                    <a:bodyPr/>
-                    <a:lstStyle/>
-                    <a:p>
-                      <a:pPr algn="ctr" fontAlgn="ctr"/>
-                      <a:r>
-                        <a:rPr lang="en-US" altLang="ja-JP" sz="1100" b="0" i="0" u="none" strike="noStrike">
-                          <a:solidFill>
-                            <a:srgbClr val="000000"/>
-                          </a:solidFill>
-                          <a:effectLst/>
-                          <a:latin typeface="+mn-lt"/>
-                          <a:ea typeface="ＭＳ Ｐゴシック" panose="020B0600070205080204" pitchFamily="50" charset="-128"/>
-                        </a:rPr>
-                        <a:t>3</a:t>
-                      </a:r>
-                    </a:p>
-                  </a:txBody>
-                  <a:tcPr marL="9525" marR="9525" marT="9525" marB="0" anchor="ctr">
-                    <a:lnL w="12700" cap="flat" cmpd="sng" algn="ctr">
-                      <a:solidFill>
-                        <a:srgbClr val="000000"/>
-                      </a:solidFill>
-                      <a:prstDash val="solid"/>
-                      <a:round/>
-                      <a:headEnd type="none" w="med" len="med"/>
-                      <a:tailEnd type="none" w="med" len="med"/>
-                    </a:lnL>
-                    <a:lnR w="6350" cap="flat" cmpd="sng" algn="ctr">
-                      <a:solidFill>
-                        <a:srgbClr val="000000"/>
-                      </a:solidFill>
-                      <a:prstDash val="solid"/>
-                      <a:round/>
-                      <a:headEnd type="none" w="med" len="med"/>
-                      <a:tailEnd type="none" w="med" len="med"/>
-                    </a:lnR>
-                    <a:lnT w="6350" cap="flat" cmpd="sng" algn="ctr">
-                      <a:solidFill>
-                        <a:srgbClr val="000000"/>
-                      </a:solidFill>
-                      <a:prstDash val="solid"/>
-                      <a:round/>
-                      <a:headEnd type="none" w="med" len="med"/>
-                      <a:tailEnd type="none" w="med" len="med"/>
-                    </a:lnT>
-                    <a:lnB w="6350" cap="flat" cmpd="sng" algn="ctr">
-                      <a:solidFill>
-                        <a:srgbClr val="000000"/>
-                      </a:solidFill>
-                      <a:prstDash val="solid"/>
-                      <a:round/>
-                      <a:headEnd type="none" w="med" len="med"/>
-                      <a:tailEnd type="none" w="med" len="med"/>
-                    </a:lnB>
-                  </a:tcPr>
-                </a:tc>
-                <a:tc>
-                  <a:txBody>
-                    <a:bodyPr/>
-                    <a:lstStyle/>
-                    <a:p>
-                      <a:pPr algn="ctr" fontAlgn="ctr"/>
-                      <a:r>
-                        <a:rPr lang="ja-JP" altLang="en-US" sz="1100" b="0" i="0" u="none" strike="noStrike">
-                          <a:solidFill>
-                            <a:srgbClr val="000000"/>
-                          </a:solidFill>
-                          <a:effectLst/>
-                          <a:latin typeface="+mn-lt"/>
-                          <a:ea typeface="ＭＳ Ｐゴシック" panose="020B0600070205080204" pitchFamily="50" charset="-128"/>
-                        </a:rPr>
-                        <a:t>　</a:t>
-                      </a:r>
-                    </a:p>
-                  </a:txBody>
-                  <a:tcPr marL="9525" marR="9525" marT="9525" marB="0" anchor="ctr">
-                    <a:lnL w="6350" cap="flat" cmpd="sng" algn="ctr">
-                      <a:solidFill>
-                        <a:srgbClr val="000000"/>
-                      </a:solidFill>
-                      <a:prstDash val="solid"/>
-                      <a:round/>
-                      <a:headEnd type="none" w="med" len="med"/>
-                      <a:tailEnd type="none" w="med" len="med"/>
-                    </a:lnL>
-                    <a:lnR w="12700" cap="flat" cmpd="sng" algn="ctr">
-                      <a:solidFill>
-                        <a:schemeClr val="tx1"/>
-                      </a:solidFill>
-                      <a:prstDash val="solid"/>
-                      <a:round/>
-                      <a:headEnd type="none" w="med" len="med"/>
-                      <a:tailEnd type="none" w="med" len="med"/>
-                    </a:lnR>
-                    <a:lnT w="6350" cap="flat" cmpd="sng" algn="ctr">
-                      <a:solidFill>
-                        <a:srgbClr val="000000"/>
-                      </a:solidFill>
-                      <a:prstDash val="solid"/>
-                      <a:round/>
-                      <a:headEnd type="none" w="med" len="med"/>
-                      <a:tailEnd type="none" w="med" len="med"/>
-                    </a:lnT>
-                    <a:lnB w="6350" cap="flat" cmpd="sng" algn="ctr">
-                      <a:solidFill>
-                        <a:srgbClr val="000000"/>
-                      </a:solidFill>
-                      <a:prstDash val="solid"/>
-                      <a:round/>
-                      <a:headEnd type="none" w="med" len="med"/>
-                      <a:tailEnd type="none" w="med" len="med"/>
-                    </a:lnB>
-                    <a:solidFill>
-                      <a:srgbClr val="00B0F0"/>
-                    </a:solidFill>
-                  </a:tcPr>
-                </a:tc>
-                <a:tc>
-                  <a:txBody>
-                    <a:bodyPr/>
-                    <a:lstStyle/>
-                    <a:p>
-                      <a:pPr algn="ctr" fontAlgn="ctr"/>
-                      <a:r>
-                        <a:rPr lang="en-US" altLang="ja-JP" sz="1100" b="0" i="0" u="none" strike="noStrike">
-                          <a:solidFill>
-                            <a:srgbClr val="000000"/>
-                          </a:solidFill>
-                          <a:effectLst/>
-                          <a:latin typeface="+mn-lt"/>
-                          <a:ea typeface="ＭＳ Ｐゴシック" panose="020B0600070205080204" pitchFamily="50" charset="-128"/>
-                        </a:rPr>
-                        <a:t>20.88808055</a:t>
-                      </a:r>
-                    </a:p>
-                  </a:txBody>
-                  <a:tcPr marL="9525" marR="9525" marT="9525" marB="0" anchor="ctr">
-                    <a:lnL w="12700" cap="flat" cmpd="sng" algn="ctr">
-                      <a:solidFill>
-                        <a:schemeClr val="tx1"/>
-                      </a:solidFill>
-                      <a:prstDash val="solid"/>
-                      <a:round/>
-                      <a:headEnd type="none" w="med" len="med"/>
-                      <a:tailEnd type="none" w="med" len="med"/>
-                    </a:lnL>
-                    <a:lnR w="6350" cap="flat" cmpd="sng" algn="ctr">
-                      <a:solidFill>
-                        <a:srgbClr val="000000"/>
-                      </a:solidFill>
-                      <a:prstDash val="solid"/>
-                      <a:round/>
-                      <a:headEnd type="none" w="med" len="med"/>
-                      <a:tailEnd type="none" w="med" len="med"/>
-                    </a:lnR>
-                    <a:lnT w="6350" cap="flat" cmpd="sng" algn="ctr">
-                      <a:solidFill>
-                        <a:srgbClr val="000000"/>
-                      </a:solidFill>
-                      <a:prstDash val="solid"/>
-                      <a:round/>
-                      <a:headEnd type="none" w="med" len="med"/>
-                      <a:tailEnd type="none" w="med" len="med"/>
-                    </a:lnT>
-                    <a:lnB w="6350" cap="flat" cmpd="sng" algn="ctr">
-                      <a:solidFill>
-                        <a:srgbClr val="000000"/>
-                      </a:solidFill>
-                      <a:prstDash val="solid"/>
-                      <a:round/>
-                      <a:headEnd type="none" w="med" len="med"/>
-                      <a:tailEnd type="none" w="med" len="med"/>
-                    </a:lnB>
-                  </a:tcPr>
-                </a:tc>
-                <a:tc>
-                  <a:txBody>
-                    <a:bodyPr/>
-                    <a:lstStyle/>
-                    <a:p>
-                      <a:pPr algn="ctr" fontAlgn="ctr"/>
-                      <a:r>
-                        <a:rPr lang="en-US" altLang="ja-JP" sz="1100" b="0" i="0" u="none" strike="noStrike">
-                          <a:solidFill>
-                            <a:srgbClr val="000000"/>
-                          </a:solidFill>
-                          <a:effectLst/>
-                          <a:latin typeface="+mn-lt"/>
-                          <a:ea typeface="ＭＳ Ｐゴシック" panose="020B0600070205080204" pitchFamily="50" charset="-128"/>
-                        </a:rPr>
-                        <a:t>21.13344135</a:t>
-                      </a:r>
-                    </a:p>
-                  </a:txBody>
-                  <a:tcPr marL="9525" marR="9525" marT="9525" marB="0" anchor="ctr">
-                    <a:lnL w="6350" cap="flat" cmpd="sng" algn="ctr">
-                      <a:solidFill>
-                        <a:srgbClr val="000000"/>
-                      </a:solidFill>
-                      <a:prstDash val="solid"/>
-                      <a:round/>
-                      <a:headEnd type="none" w="med" len="med"/>
-                      <a:tailEnd type="none" w="med" len="med"/>
-                    </a:lnL>
-                    <a:lnR w="12700" cap="flat" cmpd="sng" algn="ctr">
-                      <a:solidFill>
-                        <a:schemeClr val="tx1"/>
-                      </a:solidFill>
-                      <a:prstDash val="solid"/>
-                      <a:round/>
-                      <a:headEnd type="none" w="med" len="med"/>
-                      <a:tailEnd type="none" w="med" len="med"/>
-                    </a:lnR>
-                    <a:lnT w="6350" cap="flat" cmpd="sng" algn="ctr">
-                      <a:solidFill>
-                        <a:srgbClr val="000000"/>
-                      </a:solidFill>
-                      <a:prstDash val="solid"/>
-                      <a:round/>
-                      <a:headEnd type="none" w="med" len="med"/>
-                      <a:tailEnd type="none" w="med" len="med"/>
-                    </a:lnT>
-                    <a:lnB w="6350" cap="flat" cmpd="sng" algn="ctr">
-                      <a:solidFill>
-                        <a:srgbClr val="000000"/>
-                      </a:solidFill>
-                      <a:prstDash val="solid"/>
-                      <a:round/>
-                      <a:headEnd type="none" w="med" len="med"/>
-                      <a:tailEnd type="none" w="med" len="med"/>
-                    </a:lnB>
-                  </a:tcPr>
-                </a:tc>
-              </a:tr>
-              <a:tr h="171450">
-                <a:tc vMerge="1">
-                  <a:txBody>
-                    <a:bodyPr/>
-                    <a:lstStyle/>
-                    <a:p>
-                      <a:endParaRPr kumimoji="1" lang="ja-JP" altLang="en-US"/>
-                    </a:p>
-                  </a:txBody>
-                  <a:tcPr/>
-                </a:tc>
-                <a:tc>
-                  <a:txBody>
-                    <a:bodyPr/>
-                    <a:lstStyle/>
-                    <a:p>
-                      <a:pPr algn="ctr" fontAlgn="ctr"/>
-                      <a:r>
-                        <a:rPr lang="en-US" altLang="ja-JP" sz="1100" b="0" i="0" u="none" strike="noStrike">
-                          <a:solidFill>
-                            <a:srgbClr val="000000"/>
-                          </a:solidFill>
-                          <a:effectLst/>
-                          <a:latin typeface="+mn-lt"/>
-                          <a:ea typeface="ＭＳ Ｐゴシック" panose="020B0600070205080204" pitchFamily="50" charset="-128"/>
-                        </a:rPr>
-                        <a:t>2</a:t>
-                      </a:r>
-                    </a:p>
-                  </a:txBody>
-                  <a:tcPr marL="9525" marR="9525" marT="9525" marB="0" anchor="ctr">
-                    <a:lnL w="12700" cap="flat" cmpd="sng" algn="ctr">
-                      <a:solidFill>
-                        <a:srgbClr val="000000"/>
-                      </a:solidFill>
-                      <a:prstDash val="solid"/>
-                      <a:round/>
-                      <a:headEnd type="none" w="med" len="med"/>
-                      <a:tailEnd type="none" w="med" len="med"/>
-                    </a:lnL>
-                    <a:lnR w="6350" cap="flat" cmpd="sng" algn="ctr">
-                      <a:solidFill>
-                        <a:srgbClr val="000000"/>
-                      </a:solidFill>
-                      <a:prstDash val="solid"/>
-                      <a:round/>
-                      <a:headEnd type="none" w="med" len="med"/>
-                      <a:tailEnd type="none" w="med" len="med"/>
-                    </a:lnR>
-                    <a:lnT w="6350" cap="flat" cmpd="sng" algn="ctr">
-                      <a:solidFill>
-                        <a:srgbClr val="000000"/>
-                      </a:solidFill>
-                      <a:prstDash val="solid"/>
-                      <a:round/>
-                      <a:headEnd type="none" w="med" len="med"/>
-                      <a:tailEnd type="none" w="med" len="med"/>
-                    </a:lnT>
-                    <a:lnB w="6350" cap="flat" cmpd="sng" algn="ctr">
-                      <a:solidFill>
-                        <a:srgbClr val="000000"/>
-                      </a:solidFill>
-                      <a:prstDash val="solid"/>
-                      <a:round/>
-                      <a:headEnd type="none" w="med" len="med"/>
-                      <a:tailEnd type="none" w="med" len="med"/>
-                    </a:lnB>
-                  </a:tcPr>
-                </a:tc>
-                <a:tc>
-                  <a:txBody>
-                    <a:bodyPr/>
-                    <a:lstStyle/>
-                    <a:p>
-                      <a:pPr algn="ctr" fontAlgn="ctr"/>
-                      <a:r>
-                        <a:rPr lang="ja-JP" altLang="en-US" sz="1100" b="0" i="0" u="none" strike="noStrike">
-                          <a:solidFill>
-                            <a:srgbClr val="000000"/>
-                          </a:solidFill>
-                          <a:effectLst/>
-                          <a:latin typeface="+mn-lt"/>
-                          <a:ea typeface="ＭＳ Ｐゴシック" panose="020B0600070205080204" pitchFamily="50" charset="-128"/>
-                        </a:rPr>
-                        <a:t>　</a:t>
-                      </a:r>
-                    </a:p>
-                  </a:txBody>
-                  <a:tcPr marL="9525" marR="9525" marT="9525" marB="0" anchor="ctr">
-                    <a:lnL w="6350" cap="flat" cmpd="sng" algn="ctr">
-                      <a:solidFill>
-                        <a:srgbClr val="000000"/>
-                      </a:solidFill>
-                      <a:prstDash val="solid"/>
-                      <a:round/>
-                      <a:headEnd type="none" w="med" len="med"/>
-                      <a:tailEnd type="none" w="med" len="med"/>
-                    </a:lnL>
-                    <a:lnR w="12700" cap="flat" cmpd="sng" algn="ctr">
-                      <a:solidFill>
-                        <a:schemeClr val="tx1"/>
-                      </a:solidFill>
-                      <a:prstDash val="solid"/>
-                      <a:round/>
-                      <a:headEnd type="none" w="med" len="med"/>
-                      <a:tailEnd type="none" w="med" len="med"/>
-                    </a:lnR>
-                    <a:lnT w="6350" cap="flat" cmpd="sng" algn="ctr">
-                      <a:solidFill>
-                        <a:srgbClr val="000000"/>
-                      </a:solidFill>
-                      <a:prstDash val="solid"/>
-                      <a:round/>
-                      <a:headEnd type="none" w="med" len="med"/>
-                      <a:tailEnd type="none" w="med" len="med"/>
-                    </a:lnT>
-                    <a:lnB w="6350" cap="flat" cmpd="sng" algn="ctr">
-                      <a:solidFill>
-                        <a:srgbClr val="000000"/>
-                      </a:solidFill>
-                      <a:prstDash val="solid"/>
-                      <a:round/>
-                      <a:headEnd type="none" w="med" len="med"/>
-                      <a:tailEnd type="none" w="med" len="med"/>
-                    </a:lnB>
-                    <a:solidFill>
-                      <a:srgbClr val="4472C4"/>
-                    </a:solidFill>
-                  </a:tcPr>
-                </a:tc>
-                <a:tc>
-                  <a:txBody>
-                    <a:bodyPr/>
-                    <a:lstStyle/>
-                    <a:p>
-                      <a:pPr algn="ctr" fontAlgn="ctr"/>
-                      <a:r>
-                        <a:rPr lang="en-US" altLang="ja-JP" sz="1100" b="0" i="0" u="none" strike="noStrike">
-                          <a:solidFill>
-                            <a:srgbClr val="000000"/>
-                          </a:solidFill>
-                          <a:effectLst/>
-                          <a:latin typeface="+mn-lt"/>
-                          <a:ea typeface="ＭＳ Ｐゴシック" panose="020B0600070205080204" pitchFamily="50" charset="-128"/>
-                        </a:rPr>
-                        <a:t>16.73397693</a:t>
-                      </a:r>
-                    </a:p>
-                  </a:txBody>
-                  <a:tcPr marL="9525" marR="9525" marT="9525" marB="0" anchor="ctr">
-                    <a:lnL w="12700" cap="flat" cmpd="sng" algn="ctr">
-                      <a:solidFill>
-                        <a:schemeClr val="tx1"/>
-                      </a:solidFill>
-                      <a:prstDash val="solid"/>
-                      <a:round/>
-                      <a:headEnd type="none" w="med" len="med"/>
-                      <a:tailEnd type="none" w="med" len="med"/>
-                    </a:lnL>
-                    <a:lnR w="6350" cap="flat" cmpd="sng" algn="ctr">
-                      <a:solidFill>
-                        <a:srgbClr val="000000"/>
-                      </a:solidFill>
-                      <a:prstDash val="solid"/>
-                      <a:round/>
-                      <a:headEnd type="none" w="med" len="med"/>
-                      <a:tailEnd type="none" w="med" len="med"/>
-                    </a:lnR>
-                    <a:lnT w="6350" cap="flat" cmpd="sng" algn="ctr">
-                      <a:solidFill>
-                        <a:srgbClr val="000000"/>
-                      </a:solidFill>
-                      <a:prstDash val="solid"/>
-                      <a:round/>
-                      <a:headEnd type="none" w="med" len="med"/>
-                      <a:tailEnd type="none" w="med" len="med"/>
-                    </a:lnT>
-                    <a:lnB w="6350" cap="flat" cmpd="sng" algn="ctr">
-                      <a:solidFill>
-                        <a:srgbClr val="000000"/>
-                      </a:solidFill>
-                      <a:prstDash val="solid"/>
-                      <a:round/>
-                      <a:headEnd type="none" w="med" len="med"/>
-                      <a:tailEnd type="none" w="med" len="med"/>
-                    </a:lnB>
-                  </a:tcPr>
-                </a:tc>
-                <a:tc>
-                  <a:txBody>
-                    <a:bodyPr/>
-                    <a:lstStyle/>
-                    <a:p>
-                      <a:pPr algn="ctr" fontAlgn="ctr"/>
-                      <a:r>
-                        <a:rPr lang="en-US" altLang="ja-JP" sz="1100" b="0" i="0" u="none" strike="noStrike">
-                          <a:solidFill>
-                            <a:srgbClr val="000000"/>
-                          </a:solidFill>
-                          <a:effectLst/>
-                          <a:latin typeface="+mn-lt"/>
-                          <a:ea typeface="ＭＳ Ｐゴシック" panose="020B0600070205080204" pitchFamily="50" charset="-128"/>
-                        </a:rPr>
-                        <a:t>18.19573236</a:t>
-                      </a:r>
-                    </a:p>
-                  </a:txBody>
-                  <a:tcPr marL="9525" marR="9525" marT="9525" marB="0" anchor="ctr">
-                    <a:lnL w="6350" cap="flat" cmpd="sng" algn="ctr">
-                      <a:solidFill>
-                        <a:srgbClr val="000000"/>
-                      </a:solidFill>
-                      <a:prstDash val="solid"/>
-                      <a:round/>
-                      <a:headEnd type="none" w="med" len="med"/>
-                      <a:tailEnd type="none" w="med" len="med"/>
-                    </a:lnL>
-                    <a:lnR w="12700" cap="flat" cmpd="sng" algn="ctr">
-                      <a:solidFill>
-                        <a:schemeClr val="tx1"/>
-                      </a:solidFill>
-                      <a:prstDash val="solid"/>
-                      <a:round/>
-                      <a:headEnd type="none" w="med" len="med"/>
-                      <a:tailEnd type="none" w="med" len="med"/>
-                    </a:lnR>
-                    <a:lnT w="6350" cap="flat" cmpd="sng" algn="ctr">
-                      <a:solidFill>
-                        <a:srgbClr val="000000"/>
-                      </a:solidFill>
-                      <a:prstDash val="solid"/>
-                      <a:round/>
-                      <a:headEnd type="none" w="med" len="med"/>
-                      <a:tailEnd type="none" w="med" len="med"/>
-                    </a:lnT>
-                    <a:lnB w="6350" cap="flat" cmpd="sng" algn="ctr">
-                      <a:solidFill>
-                        <a:srgbClr val="000000"/>
-                      </a:solidFill>
-                      <a:prstDash val="solid"/>
-                      <a:round/>
-                      <a:headEnd type="none" w="med" len="med"/>
-                      <a:tailEnd type="none" w="med" len="med"/>
-                    </a:lnB>
-                  </a:tcPr>
-                </a:tc>
-              </a:tr>
-              <a:tr h="180975">
-                <a:tc vMerge="1">
-                  <a:txBody>
-                    <a:bodyPr/>
-                    <a:lstStyle/>
-                    <a:p>
-                      <a:endParaRPr kumimoji="1" lang="ja-JP" altLang="en-US"/>
-                    </a:p>
-                  </a:txBody>
-                  <a:tcPr/>
-                </a:tc>
-                <a:tc>
-                  <a:txBody>
-                    <a:bodyPr/>
-                    <a:lstStyle/>
-                    <a:p>
-                      <a:pPr algn="ctr" fontAlgn="ctr"/>
-                      <a:r>
-                        <a:rPr lang="en-US" altLang="ja-JP" sz="1100" b="0" i="0" u="none" strike="noStrike">
-                          <a:solidFill>
-                            <a:srgbClr val="000000"/>
-                          </a:solidFill>
-                          <a:effectLst/>
-                          <a:latin typeface="+mn-lt"/>
-                          <a:ea typeface="ＭＳ Ｐゴシック" panose="020B0600070205080204" pitchFamily="50" charset="-128"/>
-                        </a:rPr>
-                        <a:t>1</a:t>
-                      </a:r>
-                    </a:p>
-                  </a:txBody>
-                  <a:tcPr marL="9525" marR="9525" marT="9525" marB="0" anchor="ctr">
-                    <a:lnL w="12700" cap="flat" cmpd="sng" algn="ctr">
-                      <a:solidFill>
-                        <a:srgbClr val="000000"/>
-                      </a:solidFill>
-                      <a:prstDash val="solid"/>
-                      <a:round/>
-                      <a:headEnd type="none" w="med" len="med"/>
-                      <a:tailEnd type="none" w="med" len="med"/>
-                    </a:lnL>
-                    <a:lnR w="6350" cap="flat" cmpd="sng" algn="ctr">
-                      <a:solidFill>
-                        <a:srgbClr val="000000"/>
-                      </a:solidFill>
-                      <a:prstDash val="solid"/>
-                      <a:round/>
-                      <a:headEnd type="none" w="med" len="med"/>
-                      <a:tailEnd type="none" w="med" len="med"/>
-                    </a:lnR>
-                    <a:lnT w="6350" cap="flat" cmpd="sng" algn="ctr">
-                      <a:solidFill>
-                        <a:srgbClr val="000000"/>
-                      </a:solidFill>
-                      <a:prstDash val="solid"/>
-                      <a:round/>
-                      <a:headEnd type="none" w="med" len="med"/>
-                      <a:tailEnd type="none" w="med" len="med"/>
-                    </a:lnT>
-                    <a:lnB w="12700" cap="flat" cmpd="sng" algn="ctr">
-                      <a:solidFill>
-                        <a:srgbClr val="000000"/>
-                      </a:solidFill>
-                      <a:prstDash val="solid"/>
-                      <a:round/>
-                      <a:headEnd type="none" w="med" len="med"/>
-                      <a:tailEnd type="none" w="med" len="med"/>
-                    </a:lnB>
-                  </a:tcPr>
-                </a:tc>
-                <a:tc>
-                  <a:txBody>
-                    <a:bodyPr/>
-                    <a:lstStyle/>
-                    <a:p>
-                      <a:pPr algn="ctr" fontAlgn="ctr"/>
-                      <a:r>
-                        <a:rPr lang="ja-JP" altLang="en-US" sz="1100" b="0" i="0" u="none" strike="noStrike">
-                          <a:solidFill>
-                            <a:srgbClr val="000000"/>
-                          </a:solidFill>
-                          <a:effectLst/>
-                          <a:latin typeface="+mn-lt"/>
-                          <a:ea typeface="ＭＳ Ｐゴシック" panose="020B0600070205080204" pitchFamily="50" charset="-128"/>
-                        </a:rPr>
-                        <a:t>　</a:t>
-                      </a:r>
-                    </a:p>
-                  </a:txBody>
-                  <a:tcPr marL="9525" marR="9525" marT="9525" marB="0" anchor="ctr">
-                    <a:lnL w="6350" cap="flat" cmpd="sng" algn="ctr">
-                      <a:solidFill>
-                        <a:srgbClr val="000000"/>
-                      </a:solidFill>
-                      <a:prstDash val="solid"/>
-                      <a:round/>
-                      <a:headEnd type="none" w="med" len="med"/>
-                      <a:tailEnd type="none" w="med" len="med"/>
-                    </a:lnL>
-                    <a:lnR w="12700" cap="flat" cmpd="sng" algn="ctr">
-                      <a:solidFill>
-                        <a:schemeClr val="tx1"/>
-                      </a:solidFill>
-                      <a:prstDash val="solid"/>
-                      <a:round/>
-                      <a:headEnd type="none" w="med" len="med"/>
-                      <a:tailEnd type="none" w="med" len="med"/>
-                    </a:lnR>
-                    <a:lnT w="6350" cap="flat" cmpd="sng" algn="ctr">
-                      <a:solidFill>
-                        <a:srgbClr val="000000"/>
-                      </a:solidFill>
-                      <a:prstDash val="solid"/>
-                      <a:round/>
-                      <a:headEnd type="none" w="med" len="med"/>
-                      <a:tailEnd type="none" w="med" len="med"/>
-                    </a:lnT>
-                    <a:lnB w="12700" cap="flat" cmpd="sng" algn="ctr">
-                      <a:solidFill>
-                        <a:srgbClr val="000000"/>
-                      </a:solidFill>
-                      <a:prstDash val="solid"/>
-                      <a:round/>
-                      <a:headEnd type="none" w="med" len="med"/>
-                      <a:tailEnd type="none" w="med" len="med"/>
-                    </a:lnB>
-                    <a:solidFill>
-                      <a:srgbClr val="FF0000"/>
-                    </a:solidFill>
-                  </a:tcPr>
-                </a:tc>
-                <a:tc>
-                  <a:txBody>
-                    <a:bodyPr/>
-                    <a:lstStyle/>
-                    <a:p>
-                      <a:pPr algn="ctr" fontAlgn="ctr"/>
-                      <a:r>
-                        <a:rPr lang="en-US" altLang="ja-JP" sz="1100" b="0" i="0" u="none" strike="noStrike">
-                          <a:solidFill>
-                            <a:srgbClr val="000000"/>
-                          </a:solidFill>
-                          <a:effectLst/>
-                          <a:latin typeface="+mn-lt"/>
-                          <a:ea typeface="ＭＳ Ｐゴシック" panose="020B0600070205080204" pitchFamily="50" charset="-128"/>
-                        </a:rPr>
-                        <a:t>14.63168377</a:t>
-                      </a:r>
-                    </a:p>
-                  </a:txBody>
-                  <a:tcPr marL="9525" marR="9525" marT="9525" marB="0" anchor="ctr">
-                    <a:lnL w="12700" cap="flat" cmpd="sng" algn="ctr">
-                      <a:solidFill>
-                        <a:schemeClr val="tx1"/>
-                      </a:solidFill>
-                      <a:prstDash val="solid"/>
-                      <a:round/>
-                      <a:headEnd type="none" w="med" len="med"/>
-                      <a:tailEnd type="none" w="med" len="med"/>
-                    </a:lnL>
-                    <a:lnR w="6350" cap="flat" cmpd="sng" algn="ctr">
-                      <a:solidFill>
-                        <a:srgbClr val="000000"/>
-                      </a:solidFill>
-                      <a:prstDash val="solid"/>
-                      <a:round/>
-                      <a:headEnd type="none" w="med" len="med"/>
-                      <a:tailEnd type="none" w="med" len="med"/>
-                    </a:lnR>
-                    <a:lnT w="6350" cap="flat" cmpd="sng" algn="ctr">
-                      <a:solidFill>
-                        <a:srgbClr val="000000"/>
-                      </a:solidFill>
-                      <a:prstDash val="solid"/>
-                      <a:round/>
-                      <a:headEnd type="none" w="med" len="med"/>
-                      <a:tailEnd type="none" w="med" len="med"/>
-                    </a:lnT>
-                    <a:lnB w="12700" cap="flat" cmpd="sng" algn="ctr">
-                      <a:solidFill>
-                        <a:schemeClr val="tx1"/>
-                      </a:solidFill>
-                      <a:prstDash val="solid"/>
-                      <a:round/>
-                      <a:headEnd type="none" w="med" len="med"/>
-                      <a:tailEnd type="none" w="med" len="med"/>
-                    </a:lnB>
-                  </a:tcPr>
-                </a:tc>
-                <a:tc>
-                  <a:txBody>
-                    <a:bodyPr/>
-                    <a:lstStyle/>
-                    <a:p>
-                      <a:pPr algn="ctr" fontAlgn="ctr"/>
-                      <a:r>
-                        <a:rPr lang="en-US" altLang="ja-JP" sz="1100" b="0" i="0" u="none" strike="noStrike" dirty="0">
-                          <a:solidFill>
-                            <a:srgbClr val="000000"/>
-                          </a:solidFill>
-                          <a:effectLst/>
-                          <a:latin typeface="+mn-lt"/>
-                          <a:ea typeface="ＭＳ Ｐゴシック" panose="020B0600070205080204" pitchFamily="50" charset="-128"/>
-                        </a:rPr>
-                        <a:t>16.52866352</a:t>
-                      </a:r>
-                    </a:p>
-                  </a:txBody>
-                  <a:tcPr marL="9525" marR="9525" marT="9525" marB="0" anchor="ctr">
-                    <a:lnL w="6350" cap="flat" cmpd="sng" algn="ctr">
-                      <a:solidFill>
-                        <a:srgbClr val="000000"/>
-                      </a:solidFill>
-                      <a:prstDash val="solid"/>
-                      <a:round/>
-                      <a:headEnd type="none" w="med" len="med"/>
-                      <a:tailEnd type="none" w="med" len="med"/>
-                    </a:lnL>
-                    <a:lnR w="12700" cap="flat" cmpd="sng" algn="ctr">
-                      <a:solidFill>
-                        <a:schemeClr val="tx1"/>
-                      </a:solidFill>
-                      <a:prstDash val="solid"/>
-                      <a:round/>
-                      <a:headEnd type="none" w="med" len="med"/>
-                      <a:tailEnd type="none" w="med" len="med"/>
-                    </a:lnR>
-                    <a:lnT w="6350" cap="flat" cmpd="sng" algn="ctr">
-                      <a:solidFill>
-                        <a:srgbClr val="000000"/>
-                      </a:solidFill>
-                      <a:prstDash val="solid"/>
-                      <a:round/>
-                      <a:headEnd type="none" w="med" len="med"/>
-                      <a:tailEnd type="none" w="med" len="med"/>
-                    </a:lnT>
-                    <a:lnB w="12700" cap="flat" cmpd="sng" algn="ctr">
-                      <a:solidFill>
-                        <a:schemeClr val="tx1"/>
-                      </a:solidFill>
-                      <a:prstDash val="solid"/>
-                      <a:round/>
-                      <a:headEnd type="none" w="med" len="med"/>
-                      <a:tailEnd type="none" w="med" len="med"/>
-                    </a:lnB>
-                  </a:tcPr>
-                </a:tc>
-              </a:tr>
-            </a:tbl>
-          </a:graphicData>
-        </a:graphic>
-      </p:graphicFrame>
-      <p:sp>
-        <p:nvSpPr>
-          <p:cNvPr id="14" name="テキスト ボックス 13">
-            <a:extLst>
-              <a:ext uri="{FF2B5EF4-FFF2-40B4-BE49-F238E27FC236}">
-                <a16:creationId xmlns="" xmlns:a16="http://schemas.microsoft.com/office/drawing/2014/main" id="{093C528F-2820-7842-B097-0CEA13538469}"/>
-              </a:ext>
-            </a:extLst>
-          </p:cNvPr>
-          <p:cNvSpPr txBox="1"/>
-          <p:nvPr/>
-        </p:nvSpPr>
-        <p:spPr>
-          <a:xfrm>
-            <a:off x="-6116" y="1347600"/>
-            <a:ext cx="2777916" cy="646331"/>
-          </a:xfrm>
-          <a:prstGeom prst="rect">
-            <a:avLst/>
-          </a:prstGeom>
-          <a:noFill/>
-        </p:spPr>
-        <p:txBody>
-          <a:bodyPr wrap="square" rtlCol="0">
-            <a:spAutoFit/>
-          </a:bodyPr>
-          <a:lstStyle/>
-          <a:p>
-            <a:pPr algn="ctr"/>
-            <a:r>
-              <a:rPr kumimoji="1" lang="en-US" altLang="ja-JP" u="sng" dirty="0" smtClean="0"/>
-              <a:t>Number of particles rate</a:t>
-            </a:r>
-          </a:p>
-          <a:p>
-            <a:pPr algn="ctr"/>
-            <a:r>
-              <a:rPr kumimoji="1" lang="en-US" altLang="ja-JP" u="sng" dirty="0" smtClean="0"/>
-              <a:t>in the area</a:t>
-            </a:r>
-            <a:r>
-              <a:rPr kumimoji="1" lang="ja-JP" altLang="en-US" u="sng" dirty="0" smtClean="0"/>
-              <a:t>　</a:t>
-            </a:r>
-            <a:r>
-              <a:rPr kumimoji="1" lang="en-US" altLang="ja-JP" u="sng" dirty="0" smtClean="0"/>
-              <a:t>[%]</a:t>
-            </a:r>
-            <a:endParaRPr kumimoji="1" lang="en-US" altLang="ja-JP" u="sng" dirty="0" smtClean="0"/>
-          </a:p>
-        </p:txBody>
-      </p:sp>
-    </p:spTree>
-    <p:extLst>
-      <p:ext uri="{BB962C8B-B14F-4D97-AF65-F5344CB8AC3E}">
-        <p14:creationId xmlns:p14="http://schemas.microsoft.com/office/powerpoint/2010/main" val="319288903"/>
       </p:ext>
     </p:extLst>
   </p:cSld>

--- a/saxon.pptx
+++ b/saxon.pptx
@@ -6,7 +6,7 @@
     <p:sldMasterId id="2147483661" r:id="rId2"/>
   </p:sldMasterIdLst>
   <p:notesMasterIdLst>
-    <p:notesMasterId r:id="rId22"/>
+    <p:notesMasterId r:id="rId25"/>
   </p:notesMasterIdLst>
   <p:sldIdLst>
     <p:sldId id="256" r:id="rId3"/>
@@ -24,10 +24,13 @@
     <p:sldId id="297" r:id="rId15"/>
     <p:sldId id="291" r:id="rId16"/>
     <p:sldId id="292" r:id="rId17"/>
-    <p:sldId id="294" r:id="rId18"/>
-    <p:sldId id="293" r:id="rId19"/>
-    <p:sldId id="298" r:id="rId20"/>
-    <p:sldId id="299" r:id="rId21"/>
+    <p:sldId id="300" r:id="rId18"/>
+    <p:sldId id="301" r:id="rId19"/>
+    <p:sldId id="302" r:id="rId20"/>
+    <p:sldId id="303" r:id="rId21"/>
+    <p:sldId id="298" r:id="rId22"/>
+    <p:sldId id="299" r:id="rId23"/>
+    <p:sldId id="304" r:id="rId24"/>
   </p:sldIdLst>
   <p:sldSz cx="9144000" cy="6858000" type="screen4x3"/>
   <p:notesSz cx="6858000" cy="9144000"/>
@@ -10662,14 +10665,14 @@
           <a:lstStyle/>
           <a:p>
             <a:r>
-              <a:rPr kumimoji="1" lang="ja-JP" altLang="en-US" dirty="0"/>
+              <a:rPr lang="en-US" altLang="ko-KR" dirty="0"/>
               <a:t> </a:t>
             </a:r>
             <a:r>
-              <a:rPr kumimoji="1" lang="en-US" altLang="ja-JP" dirty="0" smtClean="0"/>
-              <a:t>Stationary Pestle </a:t>
-            </a:r>
-            <a:endParaRPr kumimoji="1" lang="en-US" altLang="ja-JP" dirty="0"/>
+              <a:rPr lang="en-US" altLang="ko-KR" dirty="0" smtClean="0"/>
+              <a:t>Compared parameter</a:t>
+            </a:r>
+            <a:endParaRPr lang="ko-KR" altLang="en-US" dirty="0"/>
           </a:p>
         </p:txBody>
       </p:sp>
@@ -10719,16 +10722,476 @@
           </a:p>
         </p:txBody>
       </p:sp>
+      <p:graphicFrame>
+        <p:nvGraphicFramePr>
+          <p:cNvPr id="6" name="表 5"/>
+          <p:cNvGraphicFramePr>
+            <a:graphicFrameLocks noGrp="1"/>
+          </p:cNvGraphicFramePr>
+          <p:nvPr>
+            <p:extLst>
+              <p:ext uri="{D42A27DB-BD31-4B8C-83A1-F6EECF244321}">
+                <p14:modId xmlns:p14="http://schemas.microsoft.com/office/powerpoint/2010/main" val="1511327944"/>
+              </p:ext>
+            </p:extLst>
+          </p:nvPr>
+        </p:nvGraphicFramePr>
+        <p:xfrm>
+          <a:off x="611560" y="3356992"/>
+          <a:ext cx="7920880" cy="720080"/>
+        </p:xfrm>
+        <a:graphic>
+          <a:graphicData uri="http://schemas.openxmlformats.org/drawingml/2006/table">
+            <a:tbl>
+              <a:tblPr>
+                <a:tableStyleId>{5C22544A-7EE6-4342-B048-85BDC9FD1C3A}</a:tableStyleId>
+              </a:tblPr>
+              <a:tblGrid>
+                <a:gridCol w="1980220">
+                  <a:extLst>
+                    <a:ext uri="{9D8B030D-6E8A-4147-A177-3AD203B41FA5}">
+                      <a16:colId xmlns="" xmlns:a16="http://schemas.microsoft.com/office/drawing/2014/main" val="20000"/>
+                    </a:ext>
+                  </a:extLst>
+                </a:gridCol>
+                <a:gridCol w="1980220">
+                  <a:extLst>
+                    <a:ext uri="{9D8B030D-6E8A-4147-A177-3AD203B41FA5}">
+                      <a16:colId xmlns="" xmlns:a16="http://schemas.microsoft.com/office/drawing/2014/main" val="20001"/>
+                    </a:ext>
+                  </a:extLst>
+                </a:gridCol>
+                <a:gridCol w="1980220">
+                  <a:extLst>
+                    <a:ext uri="{9D8B030D-6E8A-4147-A177-3AD203B41FA5}">
+                      <a16:colId xmlns="" xmlns:a16="http://schemas.microsoft.com/office/drawing/2014/main" val="20002"/>
+                    </a:ext>
+                  </a:extLst>
+                </a:gridCol>
+                <a:gridCol w="1980220">
+                  <a:extLst>
+                    <a:ext uri="{9D8B030D-6E8A-4147-A177-3AD203B41FA5}">
+                      <a16:colId xmlns="" xmlns:a16="http://schemas.microsoft.com/office/drawing/2014/main" val="20003"/>
+                    </a:ext>
+                  </a:extLst>
+                </a:gridCol>
+              </a:tblGrid>
+              <a:tr h="244407">
+                <a:tc>
+                  <a:txBody>
+                    <a:bodyPr/>
+                    <a:lstStyle/>
+                    <a:p>
+                      <a:pPr algn="ctr" fontAlgn="ctr"/>
+                      <a:endParaRPr lang="ja-JP" altLang="en-US" sz="1100" b="0" i="0" u="none" strike="noStrike" dirty="0">
+                        <a:solidFill>
+                          <a:srgbClr val="000000"/>
+                        </a:solidFill>
+                        <a:effectLst/>
+                        <a:latin typeface="+mn-lt"/>
+                        <a:ea typeface="ＭＳ Ｐゴシック" panose="020B0600070205080204" pitchFamily="50" charset="-128"/>
+                      </a:endParaRPr>
+                    </a:p>
+                  </a:txBody>
+                  <a:tcPr marL="9525" marR="9525" marT="9525" marB="0" anchor="ctr">
+                    <a:solidFill>
+                      <a:srgbClr val="DA9997"/>
+                    </a:solidFill>
+                  </a:tcPr>
+                </a:tc>
+                <a:tc>
+                  <a:txBody>
+                    <a:bodyPr/>
+                    <a:lstStyle/>
+                    <a:p>
+                      <a:pPr algn="ctr" fontAlgn="ctr"/>
+                      <a:r>
+                        <a:rPr lang="en-US" sz="1100" u="none" strike="noStrike" dirty="0">
+                          <a:effectLst/>
+                          <a:latin typeface="+mn-lt"/>
+                        </a:rPr>
+                        <a:t>case1</a:t>
+                      </a:r>
+                      <a:endParaRPr lang="en-US" sz="1100" b="0" i="0" u="none" strike="noStrike" dirty="0">
+                        <a:solidFill>
+                          <a:srgbClr val="000000"/>
+                        </a:solidFill>
+                        <a:effectLst/>
+                        <a:latin typeface="+mn-lt"/>
+                        <a:ea typeface="ＭＳ Ｐゴシック" panose="020B0600070205080204" pitchFamily="50" charset="-128"/>
+                      </a:endParaRPr>
+                    </a:p>
+                  </a:txBody>
+                  <a:tcPr marL="9525" marR="9525" marT="9525" marB="0" anchor="ctr">
+                    <a:solidFill>
+                      <a:srgbClr val="DA9997"/>
+                    </a:solidFill>
+                  </a:tcPr>
+                </a:tc>
+                <a:tc>
+                  <a:txBody>
+                    <a:bodyPr/>
+                    <a:lstStyle/>
+                    <a:p>
+                      <a:pPr algn="ctr" fontAlgn="ctr"/>
+                      <a:r>
+                        <a:rPr lang="en-US" sz="1100" u="none" strike="noStrike" dirty="0">
+                          <a:effectLst/>
+                          <a:latin typeface="+mn-lt"/>
+                        </a:rPr>
+                        <a:t>case2</a:t>
+                      </a:r>
+                      <a:endParaRPr lang="en-US" sz="1100" b="0" i="0" u="none" strike="noStrike" dirty="0">
+                        <a:solidFill>
+                          <a:srgbClr val="000000"/>
+                        </a:solidFill>
+                        <a:effectLst/>
+                        <a:latin typeface="+mn-lt"/>
+                        <a:ea typeface="ＭＳ Ｐゴシック" panose="020B0600070205080204" pitchFamily="50" charset="-128"/>
+                      </a:endParaRPr>
+                    </a:p>
+                  </a:txBody>
+                  <a:tcPr marL="9525" marR="9525" marT="9525" marB="0" anchor="ctr">
+                    <a:solidFill>
+                      <a:srgbClr val="DA9997"/>
+                    </a:solidFill>
+                  </a:tcPr>
+                </a:tc>
+                <a:tc>
+                  <a:txBody>
+                    <a:bodyPr/>
+                    <a:lstStyle/>
+                    <a:p>
+                      <a:pPr algn="ctr" fontAlgn="ctr"/>
+                      <a:r>
+                        <a:rPr lang="en-US" sz="1100" u="none" strike="noStrike">
+                          <a:effectLst/>
+                          <a:latin typeface="+mn-lt"/>
+                        </a:rPr>
+                        <a:t>case3</a:t>
+                      </a:r>
+                      <a:endParaRPr lang="en-US" sz="1100" b="0" i="0" u="none" strike="noStrike">
+                        <a:solidFill>
+                          <a:srgbClr val="000000"/>
+                        </a:solidFill>
+                        <a:effectLst/>
+                        <a:latin typeface="+mn-lt"/>
+                        <a:ea typeface="ＭＳ Ｐゴシック" panose="020B0600070205080204" pitchFamily="50" charset="-128"/>
+                      </a:endParaRPr>
+                    </a:p>
+                  </a:txBody>
+                  <a:tcPr marL="9525" marR="9525" marT="9525" marB="0" anchor="ctr">
+                    <a:solidFill>
+                      <a:srgbClr val="DA9997"/>
+                    </a:solidFill>
+                  </a:tcPr>
+                </a:tc>
+                <a:extLst>
+                  <a:ext uri="{0D108BD9-81ED-4DB2-BD59-A6C34878D82A}">
+                    <a16:rowId xmlns="" xmlns:a16="http://schemas.microsoft.com/office/drawing/2014/main" val="10000"/>
+                  </a:ext>
+                </a:extLst>
+              </a:tr>
+              <a:tr h="475673">
+                <a:tc>
+                  <a:txBody>
+                    <a:bodyPr/>
+                    <a:lstStyle/>
+                    <a:p>
+                      <a:pPr algn="ctr" fontAlgn="ctr"/>
+                      <a:r>
+                        <a:rPr lang="en-US" sz="1100" u="none" strike="noStrike" dirty="0">
+                          <a:effectLst/>
+                          <a:latin typeface="+mn-lt"/>
+                        </a:rPr>
+                        <a:t> </a:t>
+                      </a:r>
+                      <a:r>
+                        <a:rPr lang="en-US" sz="1100" u="none" strike="noStrike" dirty="0" smtClean="0">
+                          <a:effectLst/>
+                          <a:latin typeface="+mn-lt"/>
+                        </a:rPr>
+                        <a:t>Pestle Move</a:t>
+                      </a:r>
+                      <a:endParaRPr lang="en-US" sz="1100" b="0" i="0" u="none" strike="noStrike" dirty="0">
+                        <a:solidFill>
+                          <a:srgbClr val="000000"/>
+                        </a:solidFill>
+                        <a:effectLst/>
+                        <a:latin typeface="+mn-lt"/>
+                        <a:ea typeface="ＭＳ Ｐゴシック" panose="020B0600070205080204" pitchFamily="50" charset="-128"/>
+                      </a:endParaRPr>
+                    </a:p>
+                  </a:txBody>
+                  <a:tcPr marL="9525" marR="9525" marT="9525" marB="0" anchor="ctr">
+                    <a:solidFill>
+                      <a:srgbClr val="DA9997"/>
+                    </a:solidFill>
+                  </a:tcPr>
+                </a:tc>
+                <a:tc>
+                  <a:txBody>
+                    <a:bodyPr/>
+                    <a:lstStyle/>
+                    <a:p>
+                      <a:pPr algn="ctr" fontAlgn="ctr"/>
+                      <a:r>
+                        <a:rPr lang="en-US" altLang="ja-JP" sz="1100" u="none" strike="noStrike" dirty="0" smtClean="0">
+                          <a:effectLst/>
+                          <a:latin typeface="+mn-lt"/>
+                        </a:rPr>
+                        <a:t>Stationary</a:t>
+                      </a:r>
+                      <a:endParaRPr lang="en-US" altLang="ja-JP" sz="1100" b="0" i="0" u="none" strike="noStrike" dirty="0">
+                        <a:solidFill>
+                          <a:srgbClr val="000000"/>
+                        </a:solidFill>
+                        <a:effectLst/>
+                        <a:latin typeface="+mn-lt"/>
+                        <a:ea typeface="+mn-ea"/>
+                      </a:endParaRPr>
+                    </a:p>
+                  </a:txBody>
+                  <a:tcPr marL="9525" marR="9525" marT="9525" marB="0" anchor="ctr">
+                    <a:solidFill>
+                      <a:srgbClr val="DA9997"/>
+                    </a:solidFill>
+                  </a:tcPr>
+                </a:tc>
+                <a:tc>
+                  <a:txBody>
+                    <a:bodyPr/>
+                    <a:lstStyle/>
+                    <a:p>
+                      <a:pPr marL="0" marR="0" lvl="0" indent="0" algn="ctr" defTabSz="914400" rtl="0" eaLnBrk="1" fontAlgn="ctr" latinLnBrk="1" hangingPunct="1">
+                        <a:lnSpc>
+                          <a:spcPct val="100000"/>
+                        </a:lnSpc>
+                        <a:spcBef>
+                          <a:spcPts val="0"/>
+                        </a:spcBef>
+                        <a:spcAft>
+                          <a:spcPts val="0"/>
+                        </a:spcAft>
+                        <a:buClrTx/>
+                        <a:buSzTx/>
+                        <a:buFontTx/>
+                        <a:buNone/>
+                        <a:tabLst/>
+                        <a:defRPr/>
+                      </a:pPr>
+                      <a:r>
+                        <a:rPr lang="en-US" altLang="ja-JP" sz="1100" u="none" strike="noStrike" baseline="0" dirty="0" smtClean="0">
+                          <a:effectLst/>
+                          <a:latin typeface="+mn-lt"/>
+                        </a:rPr>
+                        <a:t>Move - 200 </a:t>
+                      </a:r>
+                      <a:r>
+                        <a:rPr lang="en-US" altLang="ja-JP" sz="1100" u="none" strike="noStrike" dirty="0">
+                          <a:effectLst/>
+                          <a:latin typeface="+mn-lt"/>
+                        </a:rPr>
+                        <a:t>[mm/s]</a:t>
+                      </a:r>
+                      <a:endParaRPr lang="en-US" altLang="ja-JP" sz="1100" b="0" i="0" u="none" strike="noStrike" dirty="0">
+                        <a:solidFill>
+                          <a:srgbClr val="000000"/>
+                        </a:solidFill>
+                        <a:effectLst/>
+                        <a:latin typeface="+mn-lt"/>
+                        <a:ea typeface="+mn-ea"/>
+                      </a:endParaRPr>
+                    </a:p>
+                  </a:txBody>
+                  <a:tcPr marL="9525" marR="9525" marT="9525" marB="0" anchor="ctr">
+                    <a:solidFill>
+                      <a:srgbClr val="DA9997"/>
+                    </a:solidFill>
+                  </a:tcPr>
+                </a:tc>
+                <a:tc>
+                  <a:txBody>
+                    <a:bodyPr/>
+                    <a:lstStyle/>
+                    <a:p>
+                      <a:pPr marL="0" marR="0" lvl="0" indent="0" algn="ctr" defTabSz="914400" rtl="0" eaLnBrk="1" fontAlgn="ctr" latinLnBrk="1" hangingPunct="1">
+                        <a:lnSpc>
+                          <a:spcPct val="100000"/>
+                        </a:lnSpc>
+                        <a:spcBef>
+                          <a:spcPts val="0"/>
+                        </a:spcBef>
+                        <a:spcAft>
+                          <a:spcPts val="0"/>
+                        </a:spcAft>
+                        <a:buClrTx/>
+                        <a:buSzTx/>
+                        <a:buFontTx/>
+                        <a:buNone/>
+                        <a:tabLst/>
+                        <a:defRPr/>
+                      </a:pPr>
+                      <a:r>
+                        <a:rPr lang="en-US" altLang="ja-JP" sz="1100" u="none" strike="noStrike" dirty="0" smtClean="0">
+                          <a:effectLst/>
+                          <a:latin typeface="+mn-lt"/>
+                        </a:rPr>
+                        <a:t>Move - 300 </a:t>
+                      </a:r>
+                      <a:r>
+                        <a:rPr lang="en-US" altLang="ja-JP" sz="1100" u="none" strike="noStrike" dirty="0">
+                          <a:effectLst/>
+                          <a:latin typeface="+mn-lt"/>
+                        </a:rPr>
+                        <a:t>[mm/s]</a:t>
+                      </a:r>
+                      <a:endParaRPr lang="en-US" altLang="ja-JP" sz="1100" b="0" i="0" u="none" strike="noStrike" dirty="0">
+                        <a:solidFill>
+                          <a:srgbClr val="000000"/>
+                        </a:solidFill>
+                        <a:effectLst/>
+                        <a:latin typeface="+mn-lt"/>
+                        <a:ea typeface="+mn-ea"/>
+                      </a:endParaRPr>
+                    </a:p>
+                  </a:txBody>
+                  <a:tcPr marL="9525" marR="9525" marT="9525" marB="0" anchor="ctr">
+                    <a:solidFill>
+                      <a:srgbClr val="DA9997"/>
+                    </a:solidFill>
+                  </a:tcPr>
+                </a:tc>
+                <a:extLst>
+                  <a:ext uri="{0D108BD9-81ED-4DB2-BD59-A6C34878D82A}">
+                    <a16:rowId xmlns="" xmlns:a16="http://schemas.microsoft.com/office/drawing/2014/main" val="10001"/>
+                  </a:ext>
+                </a:extLst>
+              </a:tr>
+            </a:tbl>
+          </a:graphicData>
+        </a:graphic>
+      </p:graphicFrame>
+    </p:spTree>
+    <p:extLst>
+      <p:ext uri="{BB962C8B-B14F-4D97-AF65-F5344CB8AC3E}">
+        <p14:creationId xmlns:p14="http://schemas.microsoft.com/office/powerpoint/2010/main" val="3749717496"/>
+      </p:ext>
+    </p:extLst>
+  </p:cSld>
+  <p:clrMapOvr>
+    <a:masterClrMapping/>
+  </p:clrMapOvr>
+  <p:timing>
+    <p:tnLst>
+      <p:par>
+        <p:cTn id="1" dur="indefinite" restart="never" nodeType="tmRoot"/>
+      </p:par>
+    </p:tnLst>
+  </p:timing>
+</p:sld>
+</file>
+
+<file path=ppt/slides/slide17.xml><?xml version="1.0" encoding="utf-8"?>
+<p:sld xmlns:a="http://schemas.openxmlformats.org/drawingml/2006/main" xmlns:r="http://schemas.openxmlformats.org/officeDocument/2006/relationships" xmlns:p="http://schemas.openxmlformats.org/presentationml/2006/main">
+  <p:cSld>
+    <p:spTree>
+      <p:nvGrpSpPr>
+        <p:cNvPr id="1" name=""/>
+        <p:cNvGrpSpPr/>
+        <p:nvPr/>
+      </p:nvGrpSpPr>
+      <p:grpSpPr>
+        <a:xfrm>
+          <a:off x="0" y="0"/>
+          <a:ext cx="0" cy="0"/>
+          <a:chOff x="0" y="0"/>
+          <a:chExt cx="0" cy="0"/>
+        </a:xfrm>
+      </p:grpSpPr>
       <p:sp>
         <p:nvSpPr>
-          <p:cNvPr id="13" name="テキスト ボックス 12"/>
+          <p:cNvPr id="4" name="Title 3"/>
+          <p:cNvSpPr>
+            <a:spLocks noGrp="1"/>
+          </p:cNvSpPr>
+          <p:nvPr>
+            <p:ph type="title"/>
+          </p:nvPr>
+        </p:nvSpPr>
+        <p:spPr/>
+        <p:txBody>
+          <a:bodyPr/>
+          <a:lstStyle/>
+          <a:p>
+            <a:r>
+              <a:rPr kumimoji="1" lang="en-US" altLang="ja-JP" dirty="0" smtClean="0"/>
+              <a:t> Stationary </a:t>
+            </a:r>
+            <a:r>
+              <a:rPr kumimoji="1" lang="en-US" altLang="ja-JP" dirty="0"/>
+              <a:t>Pestle</a:t>
+            </a:r>
+            <a:endParaRPr lang="ko-KR" altLang="en-US" dirty="0"/>
+          </a:p>
+        </p:txBody>
+      </p:sp>
+      <p:sp>
+        <p:nvSpPr>
+          <p:cNvPr id="2" name="正方形/長方形 1"/>
+          <p:cNvSpPr/>
+          <p:nvPr/>
+        </p:nvSpPr>
+        <p:spPr>
+          <a:xfrm>
+            <a:off x="0" y="1086292"/>
+            <a:ext cx="9144000" cy="36000"/>
+          </a:xfrm>
+          <a:prstGeom prst="rect">
+            <a:avLst/>
+          </a:prstGeom>
+          <a:solidFill>
+            <a:srgbClr val="99DABA"/>
+          </a:solidFill>
+          <a:ln>
+            <a:noFill/>
+          </a:ln>
+        </p:spPr>
+        <p:style>
+          <a:lnRef idx="2">
+            <a:schemeClr val="accent1">
+              <a:shade val="50000"/>
+            </a:schemeClr>
+          </a:lnRef>
+          <a:fillRef idx="1">
+            <a:schemeClr val="accent1"/>
+          </a:fillRef>
+          <a:effectRef idx="0">
+            <a:schemeClr val="accent1"/>
+          </a:effectRef>
+          <a:fontRef idx="minor">
+            <a:schemeClr val="lt1"/>
+          </a:fontRef>
+        </p:style>
+        <p:txBody>
+          <a:bodyPr rtlCol="0" anchor="ctr"/>
+          <a:lstStyle/>
+          <a:p>
+            <a:pPr algn="ctr"/>
+            <a:endParaRPr kumimoji="1" lang="ja-JP" altLang="en-US"/>
+          </a:p>
+        </p:txBody>
+      </p:sp>
+      <p:sp>
+        <p:nvSpPr>
+          <p:cNvPr id="10" name="テキスト ボックス 9"/>
           <p:cNvSpPr txBox="1"/>
           <p:nvPr/>
         </p:nvSpPr>
         <p:spPr>
           <a:xfrm>
-            <a:off x="4788024" y="6075769"/>
-            <a:ext cx="2802666" cy="369332"/>
+            <a:off x="971600" y="5952148"/>
+            <a:ext cx="2802666" cy="646331"/>
           </a:xfrm>
           <a:prstGeom prst="rect">
             <a:avLst/>
@@ -10744,21 +11207,33 @@
             <a:pPr algn="ctr"/>
             <a:r>
               <a:rPr kumimoji="1" lang="en-US" altLang="ja-JP" dirty="0" smtClean="0"/>
-              <a:t>Stationary</a:t>
-            </a:r>
+              <a:t>case1</a:t>
+            </a:r>
+          </a:p>
+          <a:p>
+            <a:pPr algn="ctr"/>
+            <a:r>
+              <a:rPr kumimoji="1" lang="en-US" altLang="ja-JP" dirty="0"/>
+              <a:t>S</a:t>
+            </a:r>
+            <a:r>
+              <a:rPr kumimoji="1" lang="en-US" altLang="ja-JP" dirty="0" smtClean="0"/>
+              <a:t>tationary</a:t>
+            </a:r>
+            <a:endParaRPr kumimoji="1" lang="en-US" altLang="ja-JP" dirty="0"/>
           </a:p>
         </p:txBody>
       </p:sp>
       <p:sp>
         <p:nvSpPr>
-          <p:cNvPr id="14" name="テキスト ボックス 13"/>
+          <p:cNvPr id="13" name="テキスト ボックス 12"/>
           <p:cNvSpPr txBox="1"/>
           <p:nvPr/>
         </p:nvSpPr>
         <p:spPr>
           <a:xfrm>
-            <a:off x="1985358" y="6075769"/>
-            <a:ext cx="2802666" cy="369332"/>
+            <a:off x="3275856" y="5952148"/>
+            <a:ext cx="2802666" cy="646331"/>
           </a:xfrm>
           <a:prstGeom prst="rect">
             <a:avLst/>
@@ -10770,6 +11245,56 @@
             <a:spAutoFit/>
           </a:bodyPr>
           <a:lstStyle/>
+          <a:p>
+            <a:pPr algn="ctr"/>
+            <a:r>
+              <a:rPr kumimoji="1" lang="en-US" altLang="ja-JP" dirty="0" smtClean="0"/>
+              <a:t>case2</a:t>
+            </a:r>
+            <a:endParaRPr kumimoji="1" lang="en-US" altLang="ja-JP" dirty="0" smtClean="0"/>
+          </a:p>
+          <a:p>
+            <a:pPr algn="ctr"/>
+            <a:r>
+              <a:rPr kumimoji="1" lang="en-US" altLang="ja-JP" dirty="0" smtClean="0"/>
+              <a:t>200 </a:t>
+            </a:r>
+            <a:r>
+              <a:rPr kumimoji="1" lang="en-US" altLang="ja-JP" dirty="0"/>
+              <a:t>[mm/s]</a:t>
+            </a:r>
+            <a:endParaRPr kumimoji="1" lang="ja-JP" altLang="en-US" dirty="0"/>
+          </a:p>
+        </p:txBody>
+      </p:sp>
+      <p:sp>
+        <p:nvSpPr>
+          <p:cNvPr id="14" name="テキスト ボックス 13"/>
+          <p:cNvSpPr txBox="1"/>
+          <p:nvPr/>
+        </p:nvSpPr>
+        <p:spPr>
+          <a:xfrm>
+            <a:off x="5508104" y="5952148"/>
+            <a:ext cx="2802666" cy="646331"/>
+          </a:xfrm>
+          <a:prstGeom prst="rect">
+            <a:avLst/>
+          </a:prstGeom>
+          <a:noFill/>
+        </p:spPr>
+        <p:txBody>
+          <a:bodyPr wrap="square" rtlCol="0">
+            <a:spAutoFit/>
+          </a:bodyPr>
+          <a:lstStyle/>
+          <a:p>
+            <a:pPr algn="ctr"/>
+            <a:r>
+              <a:rPr kumimoji="1" lang="en-US" altLang="ja-JP" dirty="0" smtClean="0"/>
+              <a:t>case3</a:t>
+            </a:r>
+          </a:p>
           <a:p>
             <a:pPr algn="ctr"/>
             <a:r>
@@ -10816,13 +11341,12 @@
               <a:rPr kumimoji="1" lang="en-US" altLang="ja-JP" dirty="0" smtClean="0"/>
               <a:t>Color</a:t>
             </a:r>
-            <a:endParaRPr kumimoji="1" lang="en-US" altLang="ja-JP" dirty="0"/>
           </a:p>
         </p:txBody>
       </p:sp>
       <p:pic>
         <p:nvPicPr>
-          <p:cNvPr id="5" name="stationary_compare_withCFD3">
+          <p:cNvPr id="5" name="stationary_comapre_withCFD2,3">
             <a:hlinkClick r:id="" action="ppaction://media"/>
           </p:cNvPr>
           <p:cNvPicPr>
@@ -10845,8 +11369,8 @@
         </p:blipFill>
         <p:spPr>
           <a:xfrm>
-            <a:off x="1511660" y="1738867"/>
-            <a:ext cx="6120680" cy="4213281"/>
+            <a:off x="1220805" y="1917511"/>
+            <a:ext cx="6912768" cy="3827226"/>
           </a:xfrm>
           <a:prstGeom prst="rect">
             <a:avLst/>
@@ -10856,7 +11380,7 @@
     </p:spTree>
     <p:extLst>
       <p:ext uri="{BB962C8B-B14F-4D97-AF65-F5344CB8AC3E}">
-        <p14:creationId xmlns:p14="http://schemas.microsoft.com/office/powerpoint/2010/main" val="1511402590"/>
+        <p14:creationId xmlns:p14="http://schemas.microsoft.com/office/powerpoint/2010/main" val="753599523"/>
       </p:ext>
     </p:extLst>
   </p:cSld>
@@ -10946,7 +11470,7 @@
 </p:sld>
 </file>
 
-<file path=ppt/slides/slide17.xml><?xml version="1.0" encoding="utf-8"?>
+<file path=ppt/slides/slide18.xml><?xml version="1.0" encoding="utf-8"?>
 <p:sld xmlns:a="http://schemas.openxmlformats.org/drawingml/2006/main" xmlns:r="http://schemas.openxmlformats.org/officeDocument/2006/relationships" xmlns:p="http://schemas.openxmlformats.org/presentationml/2006/main">
   <p:cSld>
     <p:spTree>
@@ -10983,8 +11507,12 @@
               <a:t> </a:t>
             </a:r>
             <a:r>
+              <a:rPr kumimoji="1" lang="en-US" altLang="ja-JP" dirty="0" smtClean="0"/>
+              <a:t>Stationary </a:t>
+            </a:r>
+            <a:r>
               <a:rPr kumimoji="1" lang="en-US" altLang="ja-JP" dirty="0"/>
-              <a:t>Stationary Pestle </a:t>
+              <a:t>Pestle</a:t>
             </a:r>
             <a:endParaRPr lang="ko-KR" altLang="en-US" dirty="0"/>
           </a:p>
@@ -11038,71 +11566,6 @@
       </p:sp>
       <p:sp>
         <p:nvSpPr>
-          <p:cNvPr id="13" name="テキスト ボックス 12"/>
-          <p:cNvSpPr txBox="1"/>
-          <p:nvPr/>
-        </p:nvSpPr>
-        <p:spPr>
-          <a:xfrm>
-            <a:off x="4788024" y="6075769"/>
-            <a:ext cx="2802666" cy="369332"/>
-          </a:xfrm>
-          <a:prstGeom prst="rect">
-            <a:avLst/>
-          </a:prstGeom>
-          <a:noFill/>
-        </p:spPr>
-        <p:txBody>
-          <a:bodyPr wrap="square" rtlCol="0">
-            <a:spAutoFit/>
-          </a:bodyPr>
-          <a:lstStyle/>
-          <a:p>
-            <a:pPr algn="ctr"/>
-            <a:r>
-              <a:rPr kumimoji="1" lang="en-US" altLang="ja-JP" dirty="0" smtClean="0"/>
-              <a:t>Stationary</a:t>
-            </a:r>
-          </a:p>
-        </p:txBody>
-      </p:sp>
-      <p:sp>
-        <p:nvSpPr>
-          <p:cNvPr id="14" name="テキスト ボックス 13"/>
-          <p:cNvSpPr txBox="1"/>
-          <p:nvPr/>
-        </p:nvSpPr>
-        <p:spPr>
-          <a:xfrm>
-            <a:off x="1985358" y="6075769"/>
-            <a:ext cx="2802666" cy="369332"/>
-          </a:xfrm>
-          <a:prstGeom prst="rect">
-            <a:avLst/>
-          </a:prstGeom>
-          <a:noFill/>
-        </p:spPr>
-        <p:txBody>
-          <a:bodyPr wrap="square" rtlCol="0">
-            <a:spAutoFit/>
-          </a:bodyPr>
-          <a:lstStyle/>
-          <a:p>
-            <a:pPr algn="ctr"/>
-            <a:r>
-              <a:rPr kumimoji="1" lang="en-US" altLang="ja-JP" dirty="0" smtClean="0"/>
-              <a:t>300 </a:t>
-            </a:r>
-            <a:r>
-              <a:rPr kumimoji="1" lang="en-US" altLang="ja-JP" dirty="0"/>
-              <a:t>[mm/s]</a:t>
-            </a:r>
-            <a:endParaRPr kumimoji="1" lang="ja-JP" altLang="en-US" dirty="0"/>
-          </a:p>
-        </p:txBody>
-      </p:sp>
-      <p:sp>
-        <p:nvSpPr>
           <p:cNvPr id="8" name="テキスト ボックス 7">
             <a:extLst>
               <a:ext uri="{FF2B5EF4-FFF2-40B4-BE49-F238E27FC236}">
@@ -11133,13 +11596,135 @@
               <a:rPr kumimoji="1" lang="en-US" altLang="ja-JP" dirty="0" smtClean="0"/>
               <a:t>Epsilon</a:t>
             </a:r>
+          </a:p>
+        </p:txBody>
+      </p:sp>
+      <p:sp>
+        <p:nvSpPr>
+          <p:cNvPr id="11" name="テキスト ボックス 10"/>
+          <p:cNvSpPr txBox="1"/>
+          <p:nvPr/>
+        </p:nvSpPr>
+        <p:spPr>
+          <a:xfrm>
+            <a:off x="971600" y="5952148"/>
+            <a:ext cx="2802666" cy="646331"/>
+          </a:xfrm>
+          <a:prstGeom prst="rect">
+            <a:avLst/>
+          </a:prstGeom>
+          <a:noFill/>
+        </p:spPr>
+        <p:txBody>
+          <a:bodyPr wrap="square" rtlCol="0">
+            <a:spAutoFit/>
+          </a:bodyPr>
+          <a:lstStyle/>
+          <a:p>
+            <a:pPr algn="ctr"/>
+            <a:r>
+              <a:rPr kumimoji="1" lang="en-US" altLang="ja-JP" dirty="0" smtClean="0"/>
+              <a:t>case1</a:t>
+            </a:r>
+          </a:p>
+          <a:p>
+            <a:pPr algn="ctr"/>
+            <a:r>
+              <a:rPr kumimoji="1" lang="en-US" altLang="ja-JP" dirty="0" smtClean="0"/>
+              <a:t>Stationary</a:t>
+            </a:r>
             <a:endParaRPr kumimoji="1" lang="en-US" altLang="ja-JP" dirty="0"/>
+          </a:p>
+        </p:txBody>
+      </p:sp>
+      <p:sp>
+        <p:nvSpPr>
+          <p:cNvPr id="12" name="テキスト ボックス 11"/>
+          <p:cNvSpPr txBox="1"/>
+          <p:nvPr/>
+        </p:nvSpPr>
+        <p:spPr>
+          <a:xfrm>
+            <a:off x="3275856" y="5952148"/>
+            <a:ext cx="2802666" cy="646331"/>
+          </a:xfrm>
+          <a:prstGeom prst="rect">
+            <a:avLst/>
+          </a:prstGeom>
+          <a:noFill/>
+        </p:spPr>
+        <p:txBody>
+          <a:bodyPr wrap="square" rtlCol="0">
+            <a:spAutoFit/>
+          </a:bodyPr>
+          <a:lstStyle/>
+          <a:p>
+            <a:pPr algn="ctr"/>
+            <a:r>
+              <a:rPr kumimoji="1" lang="en-US" altLang="ja-JP" dirty="0" smtClean="0"/>
+              <a:t>case2</a:t>
+            </a:r>
+            <a:endParaRPr kumimoji="1" lang="en-US" altLang="ja-JP" dirty="0" smtClean="0"/>
+          </a:p>
+          <a:p>
+            <a:pPr algn="ctr"/>
+            <a:r>
+              <a:rPr kumimoji="1" lang="en-US" altLang="ja-JP" dirty="0" smtClean="0"/>
+              <a:t>200 </a:t>
+            </a:r>
+            <a:r>
+              <a:rPr kumimoji="1" lang="en-US" altLang="ja-JP" dirty="0"/>
+              <a:t>[mm/s]</a:t>
+            </a:r>
+            <a:endParaRPr kumimoji="1" lang="ja-JP" altLang="en-US" dirty="0"/>
+          </a:p>
+        </p:txBody>
+      </p:sp>
+      <p:sp>
+        <p:nvSpPr>
+          <p:cNvPr id="15" name="テキスト ボックス 14"/>
+          <p:cNvSpPr txBox="1"/>
+          <p:nvPr/>
+        </p:nvSpPr>
+        <p:spPr>
+          <a:xfrm>
+            <a:off x="5508104" y="5952148"/>
+            <a:ext cx="2802666" cy="646331"/>
+          </a:xfrm>
+          <a:prstGeom prst="rect">
+            <a:avLst/>
+          </a:prstGeom>
+          <a:noFill/>
+        </p:spPr>
+        <p:txBody>
+          <a:bodyPr wrap="square" rtlCol="0">
+            <a:spAutoFit/>
+          </a:bodyPr>
+          <a:lstStyle/>
+          <a:p>
+            <a:pPr algn="ctr"/>
+            <a:r>
+              <a:rPr kumimoji="1" lang="en-US" altLang="ja-JP" dirty="0" smtClean="0"/>
+              <a:t>case3</a:t>
+            </a:r>
+          </a:p>
+          <a:p>
+            <a:pPr algn="ctr"/>
+            <a:r>
+              <a:rPr kumimoji="1" lang="en-US" altLang="ja-JP" dirty="0" smtClean="0"/>
+              <a:t>300 </a:t>
+            </a:r>
+            <a:r>
+              <a:rPr kumimoji="1" lang="en-US" altLang="ja-JP" dirty="0"/>
+              <a:t>[mm/s]</a:t>
+            </a:r>
+            <a:endParaRPr kumimoji="1" lang="ja-JP" altLang="en-US" dirty="0"/>
           </a:p>
         </p:txBody>
       </p:sp>
       <p:pic>
         <p:nvPicPr>
-          <p:cNvPr id="6" name="stationary_compare_WithCFD3_epsilon">
+          <p:cNvPr id="9" name="stationary_comapre_withCFD2,3_epsilon">
             <a:hlinkClick r:id="" action="ppaction://media"/>
           </p:cNvPr>
           <p:cNvPicPr>
@@ -11162,8 +11747,8 @@
         </p:blipFill>
         <p:spPr>
           <a:xfrm>
-            <a:off x="1534045" y="1710100"/>
-            <a:ext cx="6115410" cy="4209653"/>
+            <a:off x="1148797" y="1928576"/>
+            <a:ext cx="7056784" cy="3906959"/>
           </a:xfrm>
           <a:prstGeom prst="rect">
             <a:avLst/>
@@ -11173,7 +11758,7 @@
     </p:spTree>
     <p:extLst>
       <p:ext uri="{BB962C8B-B14F-4D97-AF65-F5344CB8AC3E}">
-        <p14:creationId xmlns:p14="http://schemas.microsoft.com/office/powerpoint/2010/main" val="4058643413"/>
+        <p14:creationId xmlns:p14="http://schemas.microsoft.com/office/powerpoint/2010/main" val="2868436516"/>
       </p:ext>
     </p:extLst>
   </p:cSld>
@@ -11190,7 +11775,7 @@
                 <p:stCondLst>
                   <p:cond evt="onClick" delay="0">
                     <p:tgtEl>
-                      <p:spTgt spid="6"/>
+                      <p:spTgt spid="9"/>
                     </p:tgtEl>
                   </p:cond>
                 </p:stCondLst>
@@ -11220,7 +11805,7 @@
                                       <p:cBhvr>
                                         <p:cTn id="6" dur="1" fill="hold"/>
                                         <p:tgtEl>
-                                          <p:spTgt spid="6"/>
+                                          <p:spTgt spid="9"/>
                                         </p:tgtEl>
                                       </p:cBhvr>
                                     </p:cmd>
@@ -11238,7 +11823,7 @@
               <p:nextCondLst>
                 <p:cond evt="onClick" delay="0">
                   <p:tgtEl>
-                    <p:spTgt spid="6"/>
+                    <p:spTgt spid="9"/>
                   </p:tgtEl>
                 </p:cond>
               </p:nextCondLst>
@@ -11251,7 +11836,7 @@
                   </p:stCondLst>
                 </p:cTn>
                 <p:tgtEl>
-                  <p:spTgt spid="6"/>
+                  <p:spTgt spid="9"/>
                 </p:tgtEl>
               </p:cMediaNode>
             </p:video>
@@ -11263,7 +11848,7 @@
 </p:sld>
 </file>
 
-<file path=ppt/slides/slide18.xml><?xml version="1.0" encoding="utf-8"?>
+<file path=ppt/slides/slide19.xml><?xml version="1.0" encoding="utf-8"?>
 <p:sld xmlns:a="http://schemas.openxmlformats.org/drawingml/2006/main" xmlns:r="http://schemas.openxmlformats.org/officeDocument/2006/relationships" xmlns:p="http://schemas.openxmlformats.org/presentationml/2006/main">
   <p:cSld>
     <p:spTree>
@@ -11296,14 +11881,20 @@
           <a:lstStyle/>
           <a:p>
             <a:r>
-              <a:rPr kumimoji="1" lang="ja-JP" altLang="en-US" dirty="0"/>
+              <a:rPr lang="ja-JP" altLang="en-US" dirty="0">
+                <a:latin typeface="メイリオ" panose="020B0604030504040204" pitchFamily="50" charset="-128"/>
+                <a:cs typeface="メイリオ" panose="020B0604030504040204" pitchFamily="50" charset="-128"/>
+              </a:rPr>
               <a:t> </a:t>
             </a:r>
             <a:r>
               <a:rPr kumimoji="1" lang="en-US" altLang="ja-JP" dirty="0"/>
-              <a:t>Stationary Pestle </a:t>
-            </a:r>
-            <a:endParaRPr lang="ko-KR" altLang="en-US" dirty="0"/>
+              <a:t>Stationary Pestle</a:t>
+            </a:r>
+            <a:endParaRPr lang="ko-KR" altLang="en-US" dirty="0">
+              <a:latin typeface="メイリオ" panose="020B0604030504040204" pitchFamily="50" charset="-128"/>
+              <a:cs typeface="メイリオ" panose="020B0604030504040204" pitchFamily="50" charset="-128"/>
+            </a:endParaRPr>
           </a:p>
         </p:txBody>
       </p:sp>
@@ -11353,96 +11944,312 @@
           </a:p>
         </p:txBody>
       </p:sp>
-      <p:pic>
-        <p:nvPicPr>
-          <p:cNvPr id="13" name="図 12"/>
-          <p:cNvPicPr>
-            <a:picLocks noChangeAspect="1"/>
-          </p:cNvPicPr>
+      <p:sp>
+        <p:nvSpPr>
+          <p:cNvPr id="6" name="テキスト ボックス 5"/>
+          <p:cNvSpPr txBox="1"/>
           <p:nvPr/>
-        </p:nvPicPr>
-        <p:blipFill>
-          <a:blip r:embed="rId2">
-            <a:extLst>
-              <a:ext uri="{28A0092B-C50C-407E-A947-70E740481C1C}">
-                <a14:useLocalDpi xmlns:a14="http://schemas.microsoft.com/office/drawing/2010/main" val="0"/>
-              </a:ext>
-            </a:extLst>
-          </a:blip>
-          <a:stretch>
-            <a:fillRect/>
-          </a:stretch>
-        </p:blipFill>
+        </p:nvSpPr>
         <p:spPr>
           <a:xfrm>
-            <a:off x="2380629" y="2668968"/>
-            <a:ext cx="1849297" cy="2113482"/>
+            <a:off x="503548" y="1628800"/>
+            <a:ext cx="8136904" cy="1631216"/>
           </a:xfrm>
           <a:prstGeom prst="rect">
             <a:avLst/>
           </a:prstGeom>
+          <a:noFill/>
         </p:spPr>
-      </p:pic>
-      <p:pic>
-        <p:nvPicPr>
-          <p:cNvPr id="14" name="図 13"/>
-          <p:cNvPicPr>
-            <a:picLocks noChangeAspect="1"/>
-          </p:cNvPicPr>
-          <p:nvPr/>
-        </p:nvPicPr>
-        <p:blipFill>
-          <a:blip r:embed="rId3">
+        <p:txBody>
+          <a:bodyPr wrap="square" rtlCol="0">
+            <a:spAutoFit/>
+          </a:bodyPr>
+          <a:lstStyle/>
+          <a:p>
+            <a:r>
+              <a:rPr kumimoji="1" lang="ja-JP" altLang="en-US" sz="2800" dirty="0" smtClean="0"/>
+              <a:t>結果</a:t>
+            </a:r>
+            <a:endParaRPr kumimoji="1" lang="en-US" altLang="ja-JP" sz="2800" dirty="0" smtClean="0"/>
+          </a:p>
+          <a:p>
+            <a:endParaRPr kumimoji="1" lang="en-US" altLang="ja-JP" dirty="0"/>
+          </a:p>
+          <a:p>
+            <a:r>
+              <a:rPr kumimoji="1" lang="ja-JP" altLang="en-US" dirty="0" smtClean="0"/>
+              <a:t>・ </a:t>
+            </a:r>
+            <a:r>
+              <a:rPr kumimoji="1" lang="en-US" altLang="ja-JP" dirty="0" smtClean="0"/>
+              <a:t>Stationary</a:t>
+            </a:r>
+            <a:r>
+              <a:rPr kumimoji="1" lang="ja-JP" altLang="en-US" dirty="0" smtClean="0"/>
+              <a:t>では気層の流れ込みが多く、スプラッシュも大きい</a:t>
+            </a:r>
+            <a:endParaRPr kumimoji="1" lang="en-US" altLang="ja-JP" dirty="0" smtClean="0"/>
+          </a:p>
+          <a:p>
+            <a:endParaRPr kumimoji="1" lang="en-US" altLang="ja-JP" dirty="0"/>
+          </a:p>
+          <a:p>
+            <a:r>
+              <a:rPr kumimoji="1" lang="ja-JP" altLang="en-US" dirty="0" smtClean="0"/>
+              <a:t>・ </a:t>
+            </a:r>
+            <a:r>
+              <a:rPr kumimoji="1" lang="en-US" altLang="ja-JP" dirty="0" smtClean="0"/>
+              <a:t>Stationary</a:t>
+            </a:r>
+            <a:r>
+              <a:rPr kumimoji="1" lang="ja-JP" altLang="en-US" dirty="0" smtClean="0"/>
+              <a:t>では層形状が変わっている</a:t>
+            </a:r>
+            <a:endParaRPr kumimoji="1" lang="en-US" altLang="ja-JP" dirty="0"/>
+          </a:p>
+        </p:txBody>
+      </p:sp>
+    </p:spTree>
+    <p:extLst>
+      <p:ext uri="{BB962C8B-B14F-4D97-AF65-F5344CB8AC3E}">
+        <p14:creationId xmlns:p14="http://schemas.microsoft.com/office/powerpoint/2010/main" val="588719922"/>
+      </p:ext>
+    </p:extLst>
+  </p:cSld>
+  <p:clrMapOvr>
+    <a:masterClrMapping/>
+  </p:clrMapOvr>
+  <p:timing>
+    <p:tnLst>
+      <p:par>
+        <p:cTn id="1" dur="indefinite" restart="never" nodeType="tmRoot"/>
+      </p:par>
+    </p:tnLst>
+  </p:timing>
+</p:sld>
+</file>
+
+<file path=ppt/slides/slide2.xml><?xml version="1.0" encoding="utf-8"?>
+<p:sld xmlns:a="http://schemas.openxmlformats.org/drawingml/2006/main" xmlns:r="http://schemas.openxmlformats.org/officeDocument/2006/relationships" xmlns:p="http://schemas.openxmlformats.org/presentationml/2006/main">
+  <p:cSld>
+    <p:spTree>
+      <p:nvGrpSpPr>
+        <p:cNvPr id="1" name=""/>
+        <p:cNvGrpSpPr/>
+        <p:nvPr/>
+      </p:nvGrpSpPr>
+      <p:grpSpPr>
+        <a:xfrm>
+          <a:off x="0" y="0"/>
+          <a:ext cx="0" cy="0"/>
+          <a:chOff x="0" y="0"/>
+          <a:chExt cx="0" cy="0"/>
+        </a:xfrm>
+      </p:grpSpPr>
+      <p:sp>
+        <p:nvSpPr>
+          <p:cNvPr id="5" name="正方形/長方形 4">
             <a:extLst>
-              <a:ext uri="{28A0092B-C50C-407E-A947-70E740481C1C}">
-                <a14:useLocalDpi xmlns:a14="http://schemas.microsoft.com/office/drawing/2010/main" val="0"/>
+              <a:ext uri="{FF2B5EF4-FFF2-40B4-BE49-F238E27FC236}">
+                <a16:creationId xmlns="" xmlns:a16="http://schemas.microsoft.com/office/drawing/2014/main" id="{24BDBAAB-565F-544E-8F79-2E06B1AC400F}"/>
               </a:ext>
             </a:extLst>
-          </a:blip>
-          <a:stretch>
-            <a:fillRect/>
-          </a:stretch>
-        </p:blipFill>
+          </p:cNvPr>
+          <p:cNvSpPr/>
+          <p:nvPr/>
+        </p:nvSpPr>
         <p:spPr>
           <a:xfrm>
-            <a:off x="4309279" y="2655991"/>
-            <a:ext cx="1860652" cy="2126459"/>
+            <a:off x="0" y="2924944"/>
+            <a:ext cx="9144000" cy="936104"/>
           </a:xfrm>
           <a:prstGeom prst="rect">
             <a:avLst/>
           </a:prstGeom>
+          <a:solidFill>
+            <a:srgbClr val="99DABA">
+              <a:alpha val="60000"/>
+            </a:srgbClr>
+          </a:solidFill>
+          <a:ln>
+            <a:noFill/>
+          </a:ln>
         </p:spPr>
-      </p:pic>
-      <p:pic>
-        <p:nvPicPr>
-          <p:cNvPr id="15" name="図 14"/>
-          <p:cNvPicPr>
-            <a:picLocks noChangeAspect="1"/>
-          </p:cNvPicPr>
-          <p:nvPr/>
-        </p:nvPicPr>
-        <p:blipFill>
-          <a:blip r:embed="rId4">
+        <p:style>
+          <a:lnRef idx="2">
+            <a:schemeClr val="accent1">
+              <a:shade val="50000"/>
+            </a:schemeClr>
+          </a:lnRef>
+          <a:fillRef idx="1">
+            <a:schemeClr val="accent1"/>
+          </a:fillRef>
+          <a:effectRef idx="0">
+            <a:schemeClr val="accent1"/>
+          </a:effectRef>
+          <a:fontRef idx="minor">
+            <a:schemeClr val="lt1"/>
+          </a:fontRef>
+        </p:style>
+        <p:txBody>
+          <a:bodyPr rtlCol="0" anchor="ctr"/>
+          <a:lstStyle/>
+          <a:p>
+            <a:pPr algn="ctr"/>
+            <a:endParaRPr kumimoji="1" lang="ja-JP" altLang="en-US"/>
+          </a:p>
+        </p:txBody>
+      </p:sp>
+      <p:sp>
+        <p:nvSpPr>
+          <p:cNvPr id="3" name="コンテンツ プレースホルダー 2">
             <a:extLst>
-              <a:ext uri="{28A0092B-C50C-407E-A947-70E740481C1C}">
-                <a14:useLocalDpi xmlns:a14="http://schemas.microsoft.com/office/drawing/2010/main" val="0"/>
+              <a:ext uri="{FF2B5EF4-FFF2-40B4-BE49-F238E27FC236}">
+                <a16:creationId xmlns="" xmlns:a16="http://schemas.microsoft.com/office/drawing/2014/main" id="{57201CEF-5B54-EC41-97DF-2A5FDA9A8199}"/>
               </a:ext>
             </a:extLst>
-          </a:blip>
-          <a:stretch>
-            <a:fillRect/>
-          </a:stretch>
-        </p:blipFill>
+          </p:cNvPr>
+          <p:cNvSpPr>
+            <a:spLocks noGrp="1"/>
+          </p:cNvSpPr>
+          <p:nvPr>
+            <p:ph idx="1"/>
+          </p:nvPr>
+        </p:nvSpPr>
         <p:spPr>
           <a:xfrm>
-            <a:off x="6243791" y="2655991"/>
-            <a:ext cx="1852070" cy="2116652"/>
+            <a:off x="2483768" y="2852936"/>
+            <a:ext cx="4053136" cy="964703"/>
+          </a:xfrm>
+        </p:spPr>
+        <p:txBody>
+          <a:bodyPr/>
+          <a:lstStyle/>
+          <a:p>
+            <a:pPr algn="ctr"/>
+            <a:r>
+              <a:rPr kumimoji="1" lang="en-US" altLang="ja-JP" sz="6000" dirty="0">
+                <a:latin typeface="+mj-lt"/>
+              </a:rPr>
+              <a:t>Parameters</a:t>
+            </a:r>
+            <a:endParaRPr kumimoji="1" lang="ja-JP" altLang="en-US" sz="6000">
+              <a:latin typeface="+mj-lt"/>
+            </a:endParaRPr>
+          </a:p>
+        </p:txBody>
+      </p:sp>
+    </p:spTree>
+    <p:extLst>
+      <p:ext uri="{BB962C8B-B14F-4D97-AF65-F5344CB8AC3E}">
+        <p14:creationId xmlns:p14="http://schemas.microsoft.com/office/powerpoint/2010/main" val="1674169932"/>
+      </p:ext>
+    </p:extLst>
+  </p:cSld>
+  <p:clrMapOvr>
+    <a:masterClrMapping/>
+  </p:clrMapOvr>
+  <p:timing>
+    <p:tnLst>
+      <p:par>
+        <p:cTn id="1" dur="indefinite" restart="never" nodeType="tmRoot"/>
+      </p:par>
+    </p:tnLst>
+  </p:timing>
+</p:sld>
+</file>
+
+<file path=ppt/slides/slide20.xml><?xml version="1.0" encoding="utf-8"?>
+<p:sld xmlns:a="http://schemas.openxmlformats.org/drawingml/2006/main" xmlns:r="http://schemas.openxmlformats.org/officeDocument/2006/relationships" xmlns:p="http://schemas.openxmlformats.org/presentationml/2006/main">
+  <p:cSld>
+    <p:spTree>
+      <p:nvGrpSpPr>
+        <p:cNvPr id="1" name=""/>
+        <p:cNvGrpSpPr/>
+        <p:nvPr/>
+      </p:nvGrpSpPr>
+      <p:grpSpPr>
+        <a:xfrm>
+          <a:off x="0" y="0"/>
+          <a:ext cx="0" cy="0"/>
+          <a:chOff x="0" y="0"/>
+          <a:chExt cx="0" cy="0"/>
+        </a:xfrm>
+      </p:grpSpPr>
+      <p:sp>
+        <p:nvSpPr>
+          <p:cNvPr id="4" name="Title 3"/>
+          <p:cNvSpPr>
+            <a:spLocks noGrp="1"/>
+          </p:cNvSpPr>
+          <p:nvPr>
+            <p:ph type="title"/>
+          </p:nvPr>
+        </p:nvSpPr>
+        <p:spPr/>
+        <p:txBody>
+          <a:bodyPr/>
+          <a:lstStyle/>
+          <a:p>
+            <a:r>
+              <a:rPr kumimoji="1" lang="ja-JP" altLang="en-US" dirty="0"/>
+              <a:t> </a:t>
+            </a:r>
+            <a:r>
+              <a:rPr kumimoji="1" lang="en-US" altLang="ja-JP" dirty="0"/>
+              <a:t>Stationary Pestle </a:t>
+            </a:r>
+            <a:endParaRPr lang="ko-KR" altLang="en-US" dirty="0"/>
+          </a:p>
+        </p:txBody>
+      </p:sp>
+      <p:sp>
+        <p:nvSpPr>
+          <p:cNvPr id="2" name="正方形/長方形 1"/>
+          <p:cNvSpPr/>
+          <p:nvPr/>
+        </p:nvSpPr>
+        <p:spPr>
+          <a:xfrm>
+            <a:off x="0" y="1086292"/>
+            <a:ext cx="9144000" cy="36000"/>
           </a:xfrm>
           <a:prstGeom prst="rect">
             <a:avLst/>
           </a:prstGeom>
+          <a:solidFill>
+            <a:srgbClr val="99DABA"/>
+          </a:solidFill>
+          <a:ln>
+            <a:noFill/>
+          </a:ln>
         </p:spPr>
-      </p:pic>
+        <p:style>
+          <a:lnRef idx="2">
+            <a:schemeClr val="accent1">
+              <a:shade val="50000"/>
+            </a:schemeClr>
+          </a:lnRef>
+          <a:fillRef idx="1">
+            <a:schemeClr val="accent1"/>
+          </a:fillRef>
+          <a:effectRef idx="0">
+            <a:schemeClr val="accent1"/>
+          </a:effectRef>
+          <a:fontRef idx="minor">
+            <a:schemeClr val="lt1"/>
+          </a:fontRef>
+        </p:style>
+        <p:txBody>
+          <a:bodyPr rtlCol="0" anchor="ctr"/>
+          <a:lstStyle/>
+          <a:p>
+            <a:pPr algn="ctr"/>
+            <a:endParaRPr kumimoji="1" lang="ja-JP" altLang="en-US"/>
+          </a:p>
+        </p:txBody>
+      </p:sp>
       <p:cxnSp>
         <p:nvCxnSpPr>
           <p:cNvPr id="19" name="直線コネクタ 18"/>
@@ -12010,7 +12817,7 @@
           <p:nvPr/>
         </p:nvPicPr>
         <p:blipFill>
-          <a:blip r:embed="rId5" cstate="print">
+          <a:blip r:embed="rId2" cstate="print">
             <a:extLst>
               <a:ext uri="{28A0092B-C50C-407E-A947-70E740481C1C}">
                 <a14:useLocalDpi xmlns:a14="http://schemas.microsoft.com/office/drawing/2010/main" val="0"/>
@@ -13736,7 +14543,7 @@
           <p:nvPr>
             <p:extLst>
               <p:ext uri="{D42A27DB-BD31-4B8C-83A1-F6EECF244321}">
-                <p14:modId xmlns:p14="http://schemas.microsoft.com/office/powerpoint/2010/main" val="950425638"/>
+                <p14:modId xmlns:p14="http://schemas.microsoft.com/office/powerpoint/2010/main" val="1655365667"/>
               </p:ext>
             </p:extLst>
           </p:nvPr>
@@ -13770,8 +14577,27 @@
                           <a:latin typeface="+mn-lt"/>
                           <a:ea typeface="ＭＳ Ｐゴシック" panose="020B0600070205080204" pitchFamily="50" charset="-128"/>
                         </a:rPr>
-                        <a:t>Pestle Type</a:t>
+                        <a:t>Pestle </a:t>
                       </a:r>
+                      <a:r>
+                        <a:rPr lang="en-US" sz="1100" b="0" i="0" u="none" strike="noStrike" dirty="0" smtClean="0">
+                          <a:solidFill>
+                            <a:srgbClr val="000000"/>
+                          </a:solidFill>
+                          <a:effectLst/>
+                          <a:latin typeface="+mn-lt"/>
+                          <a:ea typeface="ＭＳ Ｐゴシック" panose="020B0600070205080204" pitchFamily="50" charset="-128"/>
+                        </a:rPr>
+                        <a:t>Move</a:t>
+                      </a:r>
+                      <a:endParaRPr lang="en-US" sz="1100" b="0" i="0" u="none" strike="noStrike" dirty="0">
+                        <a:solidFill>
+                          <a:srgbClr val="000000"/>
+                        </a:solidFill>
+                        <a:effectLst/>
+                        <a:latin typeface="+mn-lt"/>
+                        <a:ea typeface="ＭＳ Ｐゴシック" panose="020B0600070205080204" pitchFamily="50" charset="-128"/>
+                      </a:endParaRPr>
                     </a:p>
                   </a:txBody>
                   <a:tcPr marL="9525" marR="9525" marT="9525" marB="0" anchor="ctr">
@@ -13900,7 +14726,7 @@
                     <a:p>
                       <a:pPr algn="ctr" fontAlgn="ctr"/>
                       <a:r>
-                        <a:rPr lang="en-US" sz="1100" b="0" i="0" u="none" strike="noStrike" dirty="0">
+                        <a:rPr lang="en-US" sz="1100" b="0" i="0" u="none" strike="noStrike" dirty="0" smtClean="0">
                           <a:solidFill>
                             <a:srgbClr val="000000"/>
                           </a:solidFill>
@@ -13908,8 +14734,38 @@
                           <a:latin typeface="+mn-lt"/>
                           <a:ea typeface="ＭＳ Ｐゴシック" panose="020B0600070205080204" pitchFamily="50" charset="-128"/>
                         </a:rPr>
-                        <a:t>Move(200[mm/s])</a:t>
+                        <a:t>Move</a:t>
                       </a:r>
+                      <a:r>
+                        <a:rPr lang="en-US" sz="1100" b="0" i="0" u="none" strike="noStrike" baseline="0" dirty="0" smtClean="0">
+                          <a:solidFill>
+                            <a:srgbClr val="000000"/>
+                          </a:solidFill>
+                          <a:effectLst/>
+                          <a:latin typeface="+mn-lt"/>
+                          <a:ea typeface="ＭＳ Ｐゴシック" panose="020B0600070205080204" pitchFamily="50" charset="-128"/>
+                        </a:rPr>
+                        <a:t> - </a:t>
+                      </a:r>
+                      <a:r>
+                        <a:rPr lang="en-US" sz="1100" b="0" i="0" u="none" strike="noStrike" dirty="0" smtClean="0">
+                          <a:solidFill>
+                            <a:srgbClr val="000000"/>
+                          </a:solidFill>
+                          <a:effectLst/>
+                          <a:latin typeface="+mn-lt"/>
+                          <a:ea typeface="ＭＳ Ｐゴシック" panose="020B0600070205080204" pitchFamily="50" charset="-128"/>
+                        </a:rPr>
+                        <a:t>200[mm/s]</a:t>
+                      </a:r>
+                      <a:endParaRPr lang="en-US" sz="1100" b="0" i="0" u="none" strike="noStrike" dirty="0">
+                        <a:solidFill>
+                          <a:srgbClr val="000000"/>
+                        </a:solidFill>
+                        <a:effectLst/>
+                        <a:latin typeface="+mn-lt"/>
+                        <a:ea typeface="ＭＳ Ｐゴシック" panose="020B0600070205080204" pitchFamily="50" charset="-128"/>
+                      </a:endParaRPr>
                     </a:p>
                   </a:txBody>
                   <a:tcPr marL="9525" marR="9525" marT="9525" marB="0" anchor="ctr">
@@ -13958,7 +14814,7 @@
                     <a:p>
                       <a:pPr algn="ctr" fontAlgn="ctr"/>
                       <a:r>
-                        <a:rPr lang="en-US" sz="1100" b="0" i="0" u="none" strike="noStrike" dirty="0">
+                        <a:rPr lang="en-US" sz="1100" b="0" i="0" u="none" strike="noStrike" dirty="0" smtClean="0">
                           <a:solidFill>
                             <a:srgbClr val="000000"/>
                           </a:solidFill>
@@ -13966,8 +14822,38 @@
                           <a:latin typeface="+mn-lt"/>
                           <a:ea typeface="ＭＳ Ｐゴシック" panose="020B0600070205080204" pitchFamily="50" charset="-128"/>
                         </a:rPr>
-                        <a:t>Move(300[mm/s])</a:t>
+                        <a:t>Move</a:t>
                       </a:r>
+                      <a:r>
+                        <a:rPr lang="en-US" sz="1100" b="0" i="0" u="none" strike="noStrike" baseline="0" dirty="0" smtClean="0">
+                          <a:solidFill>
+                            <a:srgbClr val="000000"/>
+                          </a:solidFill>
+                          <a:effectLst/>
+                          <a:latin typeface="+mn-lt"/>
+                          <a:ea typeface="ＭＳ Ｐゴシック" panose="020B0600070205080204" pitchFamily="50" charset="-128"/>
+                        </a:rPr>
+                        <a:t> - </a:t>
+                      </a:r>
+                      <a:r>
+                        <a:rPr lang="en-US" sz="1100" b="0" i="0" u="none" strike="noStrike" dirty="0" smtClean="0">
+                          <a:solidFill>
+                            <a:srgbClr val="000000"/>
+                          </a:solidFill>
+                          <a:effectLst/>
+                          <a:latin typeface="+mn-lt"/>
+                          <a:ea typeface="ＭＳ Ｐゴシック" panose="020B0600070205080204" pitchFamily="50" charset="-128"/>
+                        </a:rPr>
+                        <a:t>300[mm/s]</a:t>
+                      </a:r>
+                      <a:endParaRPr lang="en-US" sz="1100" b="0" i="0" u="none" strike="noStrike" dirty="0">
+                        <a:solidFill>
+                          <a:srgbClr val="000000"/>
+                        </a:solidFill>
+                        <a:effectLst/>
+                        <a:latin typeface="+mn-lt"/>
+                        <a:ea typeface="ＭＳ Ｐゴシック" panose="020B0600070205080204" pitchFamily="50" charset="-128"/>
+                      </a:endParaRPr>
                     </a:p>
                   </a:txBody>
                   <a:tcPr marL="9525" marR="9525" marT="9525" marB="0" anchor="ctr">
@@ -14014,6 +14900,96 @@
           </a:graphicData>
         </a:graphic>
       </p:graphicFrame>
+      <p:pic>
+        <p:nvPicPr>
+          <p:cNvPr id="20" name="図 19"/>
+          <p:cNvPicPr>
+            <a:picLocks noChangeAspect="1"/>
+          </p:cNvPicPr>
+          <p:nvPr/>
+        </p:nvPicPr>
+        <p:blipFill>
+          <a:blip r:embed="rId3">
+            <a:extLst>
+              <a:ext uri="{28A0092B-C50C-407E-A947-70E740481C1C}">
+                <a14:useLocalDpi xmlns:a14="http://schemas.microsoft.com/office/drawing/2010/main" val="0"/>
+              </a:ext>
+            </a:extLst>
+          </a:blip>
+          <a:stretch>
+            <a:fillRect/>
+          </a:stretch>
+        </p:blipFill>
+        <p:spPr>
+          <a:xfrm>
+            <a:off x="2367254" y="2670153"/>
+            <a:ext cx="1857168" cy="2122478"/>
+          </a:xfrm>
+          <a:prstGeom prst="rect">
+            <a:avLst/>
+          </a:prstGeom>
+        </p:spPr>
+      </p:pic>
+      <p:pic>
+        <p:nvPicPr>
+          <p:cNvPr id="21" name="図 20"/>
+          <p:cNvPicPr>
+            <a:picLocks noChangeAspect="1"/>
+          </p:cNvPicPr>
+          <p:nvPr/>
+        </p:nvPicPr>
+        <p:blipFill>
+          <a:blip r:embed="rId4">
+            <a:extLst>
+              <a:ext uri="{28A0092B-C50C-407E-A947-70E740481C1C}">
+                <a14:useLocalDpi xmlns:a14="http://schemas.microsoft.com/office/drawing/2010/main" val="0"/>
+              </a:ext>
+            </a:extLst>
+          </a:blip>
+          <a:stretch>
+            <a:fillRect/>
+          </a:stretch>
+        </p:blipFill>
+        <p:spPr>
+          <a:xfrm>
+            <a:off x="4312992" y="2687897"/>
+            <a:ext cx="1835978" cy="2098260"/>
+          </a:xfrm>
+          <a:prstGeom prst="rect">
+            <a:avLst/>
+          </a:prstGeom>
+        </p:spPr>
+      </p:pic>
+      <p:pic>
+        <p:nvPicPr>
+          <p:cNvPr id="22" name="図 21"/>
+          <p:cNvPicPr>
+            <a:picLocks noChangeAspect="1"/>
+          </p:cNvPicPr>
+          <p:nvPr/>
+        </p:nvPicPr>
+        <p:blipFill>
+          <a:blip r:embed="rId5">
+            <a:extLst>
+              <a:ext uri="{28A0092B-C50C-407E-A947-70E740481C1C}">
+                <a14:useLocalDpi xmlns:a14="http://schemas.microsoft.com/office/drawing/2010/main" val="0"/>
+              </a:ext>
+            </a:extLst>
+          </a:blip>
+          <a:stretch>
+            <a:fillRect/>
+          </a:stretch>
+        </p:blipFill>
+        <p:spPr>
+          <a:xfrm>
+            <a:off x="6244720" y="2669452"/>
+            <a:ext cx="1862096" cy="2128110"/>
+          </a:xfrm>
+          <a:prstGeom prst="rect">
+            <a:avLst/>
+          </a:prstGeom>
+        </p:spPr>
+      </p:pic>
     </p:spTree>
     <p:extLst>
       <p:ext uri="{BB962C8B-B14F-4D97-AF65-F5344CB8AC3E}">
@@ -14034,7 +15010,7 @@
 </p:sld>
 </file>
 
-<file path=ppt/slides/slide19.xml><?xml version="1.0" encoding="utf-8"?>
+<file path=ppt/slides/slide21.xml><?xml version="1.0" encoding="utf-8"?>
 <p:sld xmlns:a="http://schemas.openxmlformats.org/drawingml/2006/main" xmlns:r="http://schemas.openxmlformats.org/officeDocument/2006/relationships" xmlns:p="http://schemas.openxmlformats.org/presentationml/2006/main">
   <p:cSld>
     <p:spTree>
@@ -14124,96 +15100,6 @@
           </a:p>
         </p:txBody>
       </p:sp>
-      <p:pic>
-        <p:nvPicPr>
-          <p:cNvPr id="13" name="図 12"/>
-          <p:cNvPicPr>
-            <a:picLocks noChangeAspect="1"/>
-          </p:cNvPicPr>
-          <p:nvPr/>
-        </p:nvPicPr>
-        <p:blipFill>
-          <a:blip r:embed="rId2">
-            <a:extLst>
-              <a:ext uri="{28A0092B-C50C-407E-A947-70E740481C1C}">
-                <a14:useLocalDpi xmlns:a14="http://schemas.microsoft.com/office/drawing/2010/main" val="0"/>
-              </a:ext>
-            </a:extLst>
-          </a:blip>
-          <a:stretch>
-            <a:fillRect/>
-          </a:stretch>
-        </p:blipFill>
-        <p:spPr>
-          <a:xfrm>
-            <a:off x="2380629" y="2668968"/>
-            <a:ext cx="1849297" cy="2113482"/>
-          </a:xfrm>
-          <a:prstGeom prst="rect">
-            <a:avLst/>
-          </a:prstGeom>
-        </p:spPr>
-      </p:pic>
-      <p:pic>
-        <p:nvPicPr>
-          <p:cNvPr id="14" name="図 13"/>
-          <p:cNvPicPr>
-            <a:picLocks noChangeAspect="1"/>
-          </p:cNvPicPr>
-          <p:nvPr/>
-        </p:nvPicPr>
-        <p:blipFill>
-          <a:blip r:embed="rId3">
-            <a:extLst>
-              <a:ext uri="{28A0092B-C50C-407E-A947-70E740481C1C}">
-                <a14:useLocalDpi xmlns:a14="http://schemas.microsoft.com/office/drawing/2010/main" val="0"/>
-              </a:ext>
-            </a:extLst>
-          </a:blip>
-          <a:stretch>
-            <a:fillRect/>
-          </a:stretch>
-        </p:blipFill>
-        <p:spPr>
-          <a:xfrm>
-            <a:off x="4309279" y="2655991"/>
-            <a:ext cx="1860652" cy="2126459"/>
-          </a:xfrm>
-          <a:prstGeom prst="rect">
-            <a:avLst/>
-          </a:prstGeom>
-        </p:spPr>
-      </p:pic>
-      <p:pic>
-        <p:nvPicPr>
-          <p:cNvPr id="15" name="図 14"/>
-          <p:cNvPicPr>
-            <a:picLocks noChangeAspect="1"/>
-          </p:cNvPicPr>
-          <p:nvPr/>
-        </p:nvPicPr>
-        <p:blipFill>
-          <a:blip r:embed="rId4">
-            <a:extLst>
-              <a:ext uri="{28A0092B-C50C-407E-A947-70E740481C1C}">
-                <a14:useLocalDpi xmlns:a14="http://schemas.microsoft.com/office/drawing/2010/main" val="0"/>
-              </a:ext>
-            </a:extLst>
-          </a:blip>
-          <a:stretch>
-            <a:fillRect/>
-          </a:stretch>
-        </p:blipFill>
-        <p:spPr>
-          <a:xfrm>
-            <a:off x="6243791" y="2655991"/>
-            <a:ext cx="1852070" cy="2116652"/>
-          </a:xfrm>
-          <a:prstGeom prst="rect">
-            <a:avLst/>
-          </a:prstGeom>
-        </p:spPr>
-      </p:pic>
       <p:cxnSp>
         <p:nvCxnSpPr>
           <p:cNvPr id="19" name="直線コネクタ 18"/>
@@ -14365,7 +15251,7 @@
           <p:nvPr/>
         </p:nvPicPr>
         <p:blipFill>
-          <a:blip r:embed="rId5" cstate="print">
+          <a:blip r:embed="rId2" cstate="print">
             <a:extLst>
               <a:ext uri="{28A0092B-C50C-407E-A947-70E740481C1C}">
                 <a14:useLocalDpi xmlns:a14="http://schemas.microsoft.com/office/drawing/2010/main" val="0"/>
@@ -16090,7 +16976,7 @@
           <p:nvPr>
             <p:extLst>
               <p:ext uri="{D42A27DB-BD31-4B8C-83A1-F6EECF244321}">
-                <p14:modId xmlns:p14="http://schemas.microsoft.com/office/powerpoint/2010/main" val="2303828393"/>
+                <p14:modId xmlns:p14="http://schemas.microsoft.com/office/powerpoint/2010/main" val="3156912860"/>
               </p:ext>
             </p:extLst>
           </p:nvPr>
@@ -16124,8 +17010,27 @@
                           <a:latin typeface="+mn-lt"/>
                           <a:ea typeface="ＭＳ Ｐゴシック" panose="020B0600070205080204" pitchFamily="50" charset="-128"/>
                         </a:rPr>
-                        <a:t>Pestle Type</a:t>
+                        <a:t>Pestle </a:t>
                       </a:r>
+                      <a:r>
+                        <a:rPr lang="en-US" sz="1100" b="0" i="0" u="none" strike="noStrike" dirty="0" smtClean="0">
+                          <a:solidFill>
+                            <a:srgbClr val="000000"/>
+                          </a:solidFill>
+                          <a:effectLst/>
+                          <a:latin typeface="+mn-lt"/>
+                          <a:ea typeface="ＭＳ Ｐゴシック" panose="020B0600070205080204" pitchFamily="50" charset="-128"/>
+                        </a:rPr>
+                        <a:t>Move</a:t>
+                      </a:r>
+                      <a:endParaRPr lang="en-US" sz="1100" b="0" i="0" u="none" strike="noStrike" dirty="0">
+                        <a:solidFill>
+                          <a:srgbClr val="000000"/>
+                        </a:solidFill>
+                        <a:effectLst/>
+                        <a:latin typeface="+mn-lt"/>
+                        <a:ea typeface="ＭＳ Ｐゴシック" panose="020B0600070205080204" pitchFamily="50" charset="-128"/>
+                      </a:endParaRPr>
                     </a:p>
                   </a:txBody>
                   <a:tcPr marL="9525" marR="9525" marT="9525" marB="0" anchor="ctr">
@@ -16254,7 +17159,7 @@
                     <a:p>
                       <a:pPr algn="ctr" fontAlgn="ctr"/>
                       <a:r>
-                        <a:rPr lang="en-US" sz="1100" b="0" i="0" u="none" strike="noStrike" dirty="0">
+                        <a:rPr lang="en-US" sz="1100" b="0" i="0" u="none" strike="noStrike" dirty="0" smtClean="0">
                           <a:solidFill>
                             <a:srgbClr val="000000"/>
                           </a:solidFill>
@@ -16262,8 +17167,38 @@
                           <a:latin typeface="+mn-lt"/>
                           <a:ea typeface="ＭＳ Ｐゴシック" panose="020B0600070205080204" pitchFamily="50" charset="-128"/>
                         </a:rPr>
-                        <a:t>Move(200[mm/s])</a:t>
+                        <a:t>Move</a:t>
                       </a:r>
+                      <a:r>
+                        <a:rPr lang="en-US" sz="1100" b="0" i="0" u="none" strike="noStrike" baseline="0" dirty="0" smtClean="0">
+                          <a:solidFill>
+                            <a:srgbClr val="000000"/>
+                          </a:solidFill>
+                          <a:effectLst/>
+                          <a:latin typeface="+mn-lt"/>
+                          <a:ea typeface="ＭＳ Ｐゴシック" panose="020B0600070205080204" pitchFamily="50" charset="-128"/>
+                        </a:rPr>
+                        <a:t> - </a:t>
+                      </a:r>
+                      <a:r>
+                        <a:rPr lang="en-US" sz="1100" b="0" i="0" u="none" strike="noStrike" dirty="0" smtClean="0">
+                          <a:solidFill>
+                            <a:srgbClr val="000000"/>
+                          </a:solidFill>
+                          <a:effectLst/>
+                          <a:latin typeface="+mn-lt"/>
+                          <a:ea typeface="ＭＳ Ｐゴシック" panose="020B0600070205080204" pitchFamily="50" charset="-128"/>
+                        </a:rPr>
+                        <a:t>200[mm/s]</a:t>
+                      </a:r>
+                      <a:endParaRPr lang="en-US" sz="1100" b="0" i="0" u="none" strike="noStrike" dirty="0">
+                        <a:solidFill>
+                          <a:srgbClr val="000000"/>
+                        </a:solidFill>
+                        <a:effectLst/>
+                        <a:latin typeface="+mn-lt"/>
+                        <a:ea typeface="ＭＳ Ｐゴシック" panose="020B0600070205080204" pitchFamily="50" charset="-128"/>
+                      </a:endParaRPr>
                     </a:p>
                   </a:txBody>
                   <a:tcPr marL="9525" marR="9525" marT="9525" marB="0" anchor="ctr">
@@ -16312,7 +17247,7 @@
                     <a:p>
                       <a:pPr algn="ctr" fontAlgn="ctr"/>
                       <a:r>
-                        <a:rPr lang="en-US" sz="1100" b="0" i="0" u="none" strike="noStrike" dirty="0">
+                        <a:rPr lang="en-US" sz="1100" b="0" i="0" u="none" strike="noStrike" dirty="0" smtClean="0">
                           <a:solidFill>
                             <a:srgbClr val="000000"/>
                           </a:solidFill>
@@ -16320,8 +17255,38 @@
                           <a:latin typeface="+mn-lt"/>
                           <a:ea typeface="ＭＳ Ｐゴシック" panose="020B0600070205080204" pitchFamily="50" charset="-128"/>
                         </a:rPr>
-                        <a:t>Move(300[mm/s])</a:t>
+                        <a:t>Move</a:t>
                       </a:r>
+                      <a:r>
+                        <a:rPr lang="en-US" sz="1100" b="0" i="0" u="none" strike="noStrike" baseline="0" dirty="0" smtClean="0">
+                          <a:solidFill>
+                            <a:srgbClr val="000000"/>
+                          </a:solidFill>
+                          <a:effectLst/>
+                          <a:latin typeface="+mn-lt"/>
+                          <a:ea typeface="ＭＳ Ｐゴシック" panose="020B0600070205080204" pitchFamily="50" charset="-128"/>
+                        </a:rPr>
+                        <a:t> - </a:t>
+                      </a:r>
+                      <a:r>
+                        <a:rPr lang="en-US" sz="1100" b="0" i="0" u="none" strike="noStrike" dirty="0" smtClean="0">
+                          <a:solidFill>
+                            <a:srgbClr val="000000"/>
+                          </a:solidFill>
+                          <a:effectLst/>
+                          <a:latin typeface="+mn-lt"/>
+                          <a:ea typeface="ＭＳ Ｐゴシック" panose="020B0600070205080204" pitchFamily="50" charset="-128"/>
+                        </a:rPr>
+                        <a:t>300[mm/s]</a:t>
+                      </a:r>
+                      <a:endParaRPr lang="en-US" sz="1100" b="0" i="0" u="none" strike="noStrike" dirty="0">
+                        <a:solidFill>
+                          <a:srgbClr val="000000"/>
+                        </a:solidFill>
+                        <a:effectLst/>
+                        <a:latin typeface="+mn-lt"/>
+                        <a:ea typeface="ＭＳ Ｐゴシック" panose="020B0600070205080204" pitchFamily="50" charset="-128"/>
+                      </a:endParaRPr>
                     </a:p>
                   </a:txBody>
                   <a:tcPr marL="9525" marR="9525" marT="9525" marB="0" anchor="ctr">
@@ -16368,6 +17333,96 @@
           </a:graphicData>
         </a:graphic>
       </p:graphicFrame>
+      <p:pic>
+        <p:nvPicPr>
+          <p:cNvPr id="3" name="図 2"/>
+          <p:cNvPicPr>
+            <a:picLocks noChangeAspect="1"/>
+          </p:cNvPicPr>
+          <p:nvPr/>
+        </p:nvPicPr>
+        <p:blipFill>
+          <a:blip r:embed="rId3">
+            <a:extLst>
+              <a:ext uri="{28A0092B-C50C-407E-A947-70E740481C1C}">
+                <a14:useLocalDpi xmlns:a14="http://schemas.microsoft.com/office/drawing/2010/main" val="0"/>
+              </a:ext>
+            </a:extLst>
+          </a:blip>
+          <a:stretch>
+            <a:fillRect/>
+          </a:stretch>
+        </p:blipFill>
+        <p:spPr>
+          <a:xfrm>
+            <a:off x="2367254" y="2670153"/>
+            <a:ext cx="1857168" cy="2122478"/>
+          </a:xfrm>
+          <a:prstGeom prst="rect">
+            <a:avLst/>
+          </a:prstGeom>
+        </p:spPr>
+      </p:pic>
+      <p:pic>
+        <p:nvPicPr>
+          <p:cNvPr id="5" name="図 4"/>
+          <p:cNvPicPr>
+            <a:picLocks noChangeAspect="1"/>
+          </p:cNvPicPr>
+          <p:nvPr/>
+        </p:nvPicPr>
+        <p:blipFill>
+          <a:blip r:embed="rId4">
+            <a:extLst>
+              <a:ext uri="{28A0092B-C50C-407E-A947-70E740481C1C}">
+                <a14:useLocalDpi xmlns:a14="http://schemas.microsoft.com/office/drawing/2010/main" val="0"/>
+              </a:ext>
+            </a:extLst>
+          </a:blip>
+          <a:stretch>
+            <a:fillRect/>
+          </a:stretch>
+        </p:blipFill>
+        <p:spPr>
+          <a:xfrm>
+            <a:off x="4312992" y="2687897"/>
+            <a:ext cx="1835978" cy="2098260"/>
+          </a:xfrm>
+          <a:prstGeom prst="rect">
+            <a:avLst/>
+          </a:prstGeom>
+        </p:spPr>
+      </p:pic>
+      <p:pic>
+        <p:nvPicPr>
+          <p:cNvPr id="6" name="図 5"/>
+          <p:cNvPicPr>
+            <a:picLocks noChangeAspect="1"/>
+          </p:cNvPicPr>
+          <p:nvPr/>
+        </p:nvPicPr>
+        <p:blipFill>
+          <a:blip r:embed="rId5">
+            <a:extLst>
+              <a:ext uri="{28A0092B-C50C-407E-A947-70E740481C1C}">
+                <a14:useLocalDpi xmlns:a14="http://schemas.microsoft.com/office/drawing/2010/main" val="0"/>
+              </a:ext>
+            </a:extLst>
+          </a:blip>
+          <a:stretch>
+            <a:fillRect/>
+          </a:stretch>
+        </p:blipFill>
+        <p:spPr>
+          <a:xfrm>
+            <a:off x="6244720" y="2669452"/>
+            <a:ext cx="1862096" cy="2128110"/>
+          </a:xfrm>
+          <a:prstGeom prst="rect">
+            <a:avLst/>
+          </a:prstGeom>
+        </p:spPr>
+      </p:pic>
     </p:spTree>
     <p:extLst>
       <p:ext uri="{BB962C8B-B14F-4D97-AF65-F5344CB8AC3E}">
@@ -16388,7 +17443,7 @@
 </p:sld>
 </file>
 
-<file path=ppt/slides/slide2.xml><?xml version="1.0" encoding="utf-8"?>
+<file path=ppt/slides/slide22.xml><?xml version="1.0" encoding="utf-8"?>
 <p:sld xmlns:a="http://schemas.openxmlformats.org/drawingml/2006/main" xmlns:r="http://schemas.openxmlformats.org/officeDocument/2006/relationships" xmlns:p="http://schemas.openxmlformats.org/presentationml/2006/main">
   <p:cSld>
     <p:spTree>
@@ -16407,28 +17462,53 @@
       </p:grpSpPr>
       <p:sp>
         <p:nvSpPr>
-          <p:cNvPr id="5" name="正方形/長方形 4">
-            <a:extLst>
-              <a:ext uri="{FF2B5EF4-FFF2-40B4-BE49-F238E27FC236}">
-                <a16:creationId xmlns="" xmlns:a16="http://schemas.microsoft.com/office/drawing/2014/main" id="{24BDBAAB-565F-544E-8F79-2E06B1AC400F}"/>
-              </a:ext>
-            </a:extLst>
-          </p:cNvPr>
+          <p:cNvPr id="4" name="Title 3"/>
+          <p:cNvSpPr>
+            <a:spLocks noGrp="1"/>
+          </p:cNvSpPr>
+          <p:nvPr>
+            <p:ph type="title"/>
+          </p:nvPr>
+        </p:nvSpPr>
+        <p:spPr/>
+        <p:txBody>
+          <a:bodyPr/>
+          <a:lstStyle/>
+          <a:p>
+            <a:r>
+              <a:rPr lang="ja-JP" altLang="en-US" dirty="0">
+                <a:latin typeface="メイリオ" panose="020B0604030504040204" pitchFamily="50" charset="-128"/>
+                <a:cs typeface="メイリオ" panose="020B0604030504040204" pitchFamily="50" charset="-128"/>
+              </a:rPr>
+              <a:t> </a:t>
+            </a:r>
+            <a:r>
+              <a:rPr kumimoji="1" lang="en-US" altLang="ja-JP" dirty="0"/>
+              <a:t>Stationary Pestle</a:t>
+            </a:r>
+            <a:endParaRPr lang="ko-KR" altLang="en-US" dirty="0">
+              <a:latin typeface="メイリオ" panose="020B0604030504040204" pitchFamily="50" charset="-128"/>
+              <a:cs typeface="メイリオ" panose="020B0604030504040204" pitchFamily="50" charset="-128"/>
+            </a:endParaRPr>
+          </a:p>
+        </p:txBody>
+      </p:sp>
+      <p:sp>
+        <p:nvSpPr>
+          <p:cNvPr id="2" name="正方形/長方形 1"/>
           <p:cNvSpPr/>
           <p:nvPr/>
         </p:nvSpPr>
         <p:spPr>
           <a:xfrm>
-            <a:off x="0" y="2924944"/>
-            <a:ext cx="9144000" cy="936104"/>
+            <a:off x="0" y="1086292"/>
+            <a:ext cx="9144000" cy="36000"/>
           </a:xfrm>
           <a:prstGeom prst="rect">
             <a:avLst/>
           </a:prstGeom>
           <a:solidFill>
-            <a:srgbClr val="99DABA">
-              <a:alpha val="60000"/>
-            </a:srgbClr>
+            <a:srgbClr val="99DABA"/>
           </a:solidFill>
           <a:ln>
             <a:noFill/>
@@ -16461,47 +17541,96 @@
       </p:sp>
       <p:sp>
         <p:nvSpPr>
-          <p:cNvPr id="3" name="コンテンツ プレースホルダー 2">
-            <a:extLst>
-              <a:ext uri="{FF2B5EF4-FFF2-40B4-BE49-F238E27FC236}">
-                <a16:creationId xmlns="" xmlns:a16="http://schemas.microsoft.com/office/drawing/2014/main" id="{57201CEF-5B54-EC41-97DF-2A5FDA9A8199}"/>
-              </a:ext>
-            </a:extLst>
-          </p:cNvPr>
-          <p:cNvSpPr>
-            <a:spLocks noGrp="1"/>
-          </p:cNvSpPr>
-          <p:nvPr>
-            <p:ph idx="1"/>
-          </p:nvPr>
+          <p:cNvPr id="6" name="テキスト ボックス 5"/>
+          <p:cNvSpPr txBox="1"/>
+          <p:nvPr/>
         </p:nvSpPr>
         <p:spPr>
           <a:xfrm>
-            <a:off x="2483768" y="2852936"/>
-            <a:ext cx="4053136" cy="964703"/>
+            <a:off x="503548" y="1628800"/>
+            <a:ext cx="8136904" cy="2462213"/>
           </a:xfrm>
+          <a:prstGeom prst="rect">
+            <a:avLst/>
+          </a:prstGeom>
+          <a:noFill/>
         </p:spPr>
         <p:txBody>
-          <a:bodyPr/>
+          <a:bodyPr wrap="square" rtlCol="0">
+            <a:spAutoFit/>
+          </a:bodyPr>
           <a:lstStyle/>
           <a:p>
-            <a:pPr algn="ctr"/>
-            <a:r>
-              <a:rPr kumimoji="1" lang="en-US" altLang="ja-JP" sz="6000" dirty="0">
-                <a:latin typeface="+mj-lt"/>
-              </a:rPr>
-              <a:t>Parameters</a:t>
-            </a:r>
-            <a:endParaRPr kumimoji="1" lang="ja-JP" altLang="en-US" sz="6000">
-              <a:latin typeface="+mj-lt"/>
-            </a:endParaRPr>
+            <a:r>
+              <a:rPr kumimoji="1" lang="ja-JP" altLang="en-US" sz="2800" dirty="0" smtClean="0"/>
+              <a:t>結果</a:t>
+            </a:r>
+            <a:endParaRPr kumimoji="1" lang="en-US" altLang="ja-JP" sz="2800" dirty="0" smtClean="0"/>
+          </a:p>
+          <a:p>
+            <a:endParaRPr kumimoji="1" lang="en-US" altLang="ja-JP" dirty="0"/>
+          </a:p>
+          <a:p>
+            <a:r>
+              <a:rPr kumimoji="1" lang="ja-JP" altLang="en-US" dirty="0" smtClean="0"/>
+              <a:t>・ 気層の流れ込みが多く、スプラッシュも大きい</a:t>
+            </a:r>
+            <a:endParaRPr kumimoji="1" lang="en-US" altLang="ja-JP" dirty="0" smtClean="0"/>
+          </a:p>
+          <a:p>
+            <a:endParaRPr kumimoji="1" lang="en-US" altLang="ja-JP" dirty="0"/>
+          </a:p>
+          <a:p>
+            <a:r>
+              <a:rPr kumimoji="1" lang="ja-JP" altLang="en-US" dirty="0" smtClean="0"/>
+              <a:t>・ 層形状が変わっている</a:t>
+            </a:r>
+            <a:endParaRPr kumimoji="1" lang="en-US" altLang="ja-JP" dirty="0" smtClean="0"/>
+          </a:p>
+          <a:p>
+            <a:endParaRPr kumimoji="1" lang="en-US" altLang="ja-JP" dirty="0"/>
+          </a:p>
+          <a:p>
+            <a:r>
+              <a:rPr kumimoji="1" lang="ja-JP" altLang="en-US" dirty="0" smtClean="0"/>
+              <a:t>・ </a:t>
+            </a:r>
+            <a:r>
+              <a:rPr kumimoji="1" lang="en-US" altLang="ja-JP" dirty="0" smtClean="0"/>
+              <a:t>Move – 200[</a:t>
+            </a:r>
+            <a:r>
+              <a:rPr kumimoji="1" lang="en-US" altLang="ja-JP" dirty="0" err="1" smtClean="0"/>
+              <a:t>ms</a:t>
+            </a:r>
+            <a:r>
+              <a:rPr kumimoji="1" lang="en-US" altLang="ja-JP" dirty="0" smtClean="0"/>
+              <a:t>]</a:t>
+            </a:r>
+            <a:r>
+              <a:rPr kumimoji="1" lang="ja-JP" altLang="en-US" dirty="0" smtClean="0"/>
+              <a:t>と比較すると、流れ込んでいる粒子数がほぼ同じ</a:t>
+            </a:r>
+            <a:r>
+              <a:rPr kumimoji="1" lang="ja-JP" altLang="en-US" dirty="0"/>
+              <a:t>。</a:t>
+            </a:r>
+            <a:r>
+              <a:rPr kumimoji="1" lang="ja-JP" altLang="en-US" dirty="0" smtClean="0"/>
+              <a:t>しかし、下層　　粒子の割合は低い</a:t>
+            </a:r>
+            <a:r>
+              <a:rPr kumimoji="1" lang="en-US" altLang="ja-JP" dirty="0" smtClean="0"/>
+              <a:t> </a:t>
+            </a:r>
+            <a:endParaRPr kumimoji="1" lang="en-US" altLang="ja-JP" dirty="0"/>
           </a:p>
         </p:txBody>
       </p:sp>
     </p:spTree>
     <p:extLst>
       <p:ext uri="{BB962C8B-B14F-4D97-AF65-F5344CB8AC3E}">
-        <p14:creationId xmlns:p14="http://schemas.microsoft.com/office/powerpoint/2010/main" val="1674169932"/>
+        <p14:creationId xmlns:p14="http://schemas.microsoft.com/office/powerpoint/2010/main" val="3419896742"/>
       </p:ext>
     </p:extLst>
   </p:cSld>

--- a/saxon.pptx
+++ b/saxon.pptx
@@ -6,7 +6,7 @@
     <p:sldMasterId id="2147483661" r:id="rId2"/>
   </p:sldMasterIdLst>
   <p:notesMasterIdLst>
-    <p:notesMasterId r:id="rId25"/>
+    <p:notesMasterId r:id="rId24"/>
   </p:notesMasterIdLst>
   <p:sldIdLst>
     <p:sldId id="256" r:id="rId3"/>
@@ -27,10 +27,9 @@
     <p:sldId id="300" r:id="rId18"/>
     <p:sldId id="301" r:id="rId19"/>
     <p:sldId id="302" r:id="rId20"/>
-    <p:sldId id="303" r:id="rId21"/>
-    <p:sldId id="298" r:id="rId22"/>
-    <p:sldId id="299" r:id="rId23"/>
-    <p:sldId id="304" r:id="rId24"/>
+    <p:sldId id="298" r:id="rId21"/>
+    <p:sldId id="299" r:id="rId22"/>
+    <p:sldId id="305" r:id="rId23"/>
   </p:sldIdLst>
   <p:sldSz cx="9144000" cy="6858000" type="screen4x3"/>
   <p:notesSz cx="6858000" cy="9144000"/>
@@ -11881,318 +11880,6 @@
           <a:lstStyle/>
           <a:p>
             <a:r>
-              <a:rPr lang="ja-JP" altLang="en-US" dirty="0">
-                <a:latin typeface="メイリオ" panose="020B0604030504040204" pitchFamily="50" charset="-128"/>
-                <a:cs typeface="メイリオ" panose="020B0604030504040204" pitchFamily="50" charset="-128"/>
-              </a:rPr>
-              <a:t> </a:t>
-            </a:r>
-            <a:r>
-              <a:rPr kumimoji="1" lang="en-US" altLang="ja-JP" dirty="0"/>
-              <a:t>Stationary Pestle</a:t>
-            </a:r>
-            <a:endParaRPr lang="ko-KR" altLang="en-US" dirty="0">
-              <a:latin typeface="メイリオ" panose="020B0604030504040204" pitchFamily="50" charset="-128"/>
-              <a:cs typeface="メイリオ" panose="020B0604030504040204" pitchFamily="50" charset="-128"/>
-            </a:endParaRPr>
-          </a:p>
-        </p:txBody>
-      </p:sp>
-      <p:sp>
-        <p:nvSpPr>
-          <p:cNvPr id="2" name="正方形/長方形 1"/>
-          <p:cNvSpPr/>
-          <p:nvPr/>
-        </p:nvSpPr>
-        <p:spPr>
-          <a:xfrm>
-            <a:off x="0" y="1086292"/>
-            <a:ext cx="9144000" cy="36000"/>
-          </a:xfrm>
-          <a:prstGeom prst="rect">
-            <a:avLst/>
-          </a:prstGeom>
-          <a:solidFill>
-            <a:srgbClr val="99DABA"/>
-          </a:solidFill>
-          <a:ln>
-            <a:noFill/>
-          </a:ln>
-        </p:spPr>
-        <p:style>
-          <a:lnRef idx="2">
-            <a:schemeClr val="accent1">
-              <a:shade val="50000"/>
-            </a:schemeClr>
-          </a:lnRef>
-          <a:fillRef idx="1">
-            <a:schemeClr val="accent1"/>
-          </a:fillRef>
-          <a:effectRef idx="0">
-            <a:schemeClr val="accent1"/>
-          </a:effectRef>
-          <a:fontRef idx="minor">
-            <a:schemeClr val="lt1"/>
-          </a:fontRef>
-        </p:style>
-        <p:txBody>
-          <a:bodyPr rtlCol="0" anchor="ctr"/>
-          <a:lstStyle/>
-          <a:p>
-            <a:pPr algn="ctr"/>
-            <a:endParaRPr kumimoji="1" lang="ja-JP" altLang="en-US"/>
-          </a:p>
-        </p:txBody>
-      </p:sp>
-      <p:sp>
-        <p:nvSpPr>
-          <p:cNvPr id="6" name="テキスト ボックス 5"/>
-          <p:cNvSpPr txBox="1"/>
-          <p:nvPr/>
-        </p:nvSpPr>
-        <p:spPr>
-          <a:xfrm>
-            <a:off x="503548" y="1628800"/>
-            <a:ext cx="8136904" cy="1631216"/>
-          </a:xfrm>
-          <a:prstGeom prst="rect">
-            <a:avLst/>
-          </a:prstGeom>
-          <a:noFill/>
-        </p:spPr>
-        <p:txBody>
-          <a:bodyPr wrap="square" rtlCol="0">
-            <a:spAutoFit/>
-          </a:bodyPr>
-          <a:lstStyle/>
-          <a:p>
-            <a:r>
-              <a:rPr kumimoji="1" lang="ja-JP" altLang="en-US" sz="2800" dirty="0" smtClean="0"/>
-              <a:t>結果</a:t>
-            </a:r>
-            <a:endParaRPr kumimoji="1" lang="en-US" altLang="ja-JP" sz="2800" dirty="0" smtClean="0"/>
-          </a:p>
-          <a:p>
-            <a:endParaRPr kumimoji="1" lang="en-US" altLang="ja-JP" dirty="0"/>
-          </a:p>
-          <a:p>
-            <a:r>
-              <a:rPr kumimoji="1" lang="ja-JP" altLang="en-US" dirty="0" smtClean="0"/>
-              <a:t>・ </a:t>
-            </a:r>
-            <a:r>
-              <a:rPr kumimoji="1" lang="en-US" altLang="ja-JP" dirty="0" smtClean="0"/>
-              <a:t>Stationary</a:t>
-            </a:r>
-            <a:r>
-              <a:rPr kumimoji="1" lang="ja-JP" altLang="en-US" dirty="0" smtClean="0"/>
-              <a:t>では気層の流れ込みが多く、スプラッシュも大きい</a:t>
-            </a:r>
-            <a:endParaRPr kumimoji="1" lang="en-US" altLang="ja-JP" dirty="0" smtClean="0"/>
-          </a:p>
-          <a:p>
-            <a:endParaRPr kumimoji="1" lang="en-US" altLang="ja-JP" dirty="0"/>
-          </a:p>
-          <a:p>
-            <a:r>
-              <a:rPr kumimoji="1" lang="ja-JP" altLang="en-US" dirty="0" smtClean="0"/>
-              <a:t>・ </a:t>
-            </a:r>
-            <a:r>
-              <a:rPr kumimoji="1" lang="en-US" altLang="ja-JP" dirty="0" smtClean="0"/>
-              <a:t>Stationary</a:t>
-            </a:r>
-            <a:r>
-              <a:rPr kumimoji="1" lang="ja-JP" altLang="en-US" dirty="0" smtClean="0"/>
-              <a:t>では層形状が変わっている</a:t>
-            </a:r>
-            <a:endParaRPr kumimoji="1" lang="en-US" altLang="ja-JP" dirty="0"/>
-          </a:p>
-        </p:txBody>
-      </p:sp>
-    </p:spTree>
-    <p:extLst>
-      <p:ext uri="{BB962C8B-B14F-4D97-AF65-F5344CB8AC3E}">
-        <p14:creationId xmlns:p14="http://schemas.microsoft.com/office/powerpoint/2010/main" val="588719922"/>
-      </p:ext>
-    </p:extLst>
-  </p:cSld>
-  <p:clrMapOvr>
-    <a:masterClrMapping/>
-  </p:clrMapOvr>
-  <p:timing>
-    <p:tnLst>
-      <p:par>
-        <p:cTn id="1" dur="indefinite" restart="never" nodeType="tmRoot"/>
-      </p:par>
-    </p:tnLst>
-  </p:timing>
-</p:sld>
-</file>
-
-<file path=ppt/slides/slide2.xml><?xml version="1.0" encoding="utf-8"?>
-<p:sld xmlns:a="http://schemas.openxmlformats.org/drawingml/2006/main" xmlns:r="http://schemas.openxmlformats.org/officeDocument/2006/relationships" xmlns:p="http://schemas.openxmlformats.org/presentationml/2006/main">
-  <p:cSld>
-    <p:spTree>
-      <p:nvGrpSpPr>
-        <p:cNvPr id="1" name=""/>
-        <p:cNvGrpSpPr/>
-        <p:nvPr/>
-      </p:nvGrpSpPr>
-      <p:grpSpPr>
-        <a:xfrm>
-          <a:off x="0" y="0"/>
-          <a:ext cx="0" cy="0"/>
-          <a:chOff x="0" y="0"/>
-          <a:chExt cx="0" cy="0"/>
-        </a:xfrm>
-      </p:grpSpPr>
-      <p:sp>
-        <p:nvSpPr>
-          <p:cNvPr id="5" name="正方形/長方形 4">
-            <a:extLst>
-              <a:ext uri="{FF2B5EF4-FFF2-40B4-BE49-F238E27FC236}">
-                <a16:creationId xmlns="" xmlns:a16="http://schemas.microsoft.com/office/drawing/2014/main" id="{24BDBAAB-565F-544E-8F79-2E06B1AC400F}"/>
-              </a:ext>
-            </a:extLst>
-          </p:cNvPr>
-          <p:cNvSpPr/>
-          <p:nvPr/>
-        </p:nvSpPr>
-        <p:spPr>
-          <a:xfrm>
-            <a:off x="0" y="2924944"/>
-            <a:ext cx="9144000" cy="936104"/>
-          </a:xfrm>
-          <a:prstGeom prst="rect">
-            <a:avLst/>
-          </a:prstGeom>
-          <a:solidFill>
-            <a:srgbClr val="99DABA">
-              <a:alpha val="60000"/>
-            </a:srgbClr>
-          </a:solidFill>
-          <a:ln>
-            <a:noFill/>
-          </a:ln>
-        </p:spPr>
-        <p:style>
-          <a:lnRef idx="2">
-            <a:schemeClr val="accent1">
-              <a:shade val="50000"/>
-            </a:schemeClr>
-          </a:lnRef>
-          <a:fillRef idx="1">
-            <a:schemeClr val="accent1"/>
-          </a:fillRef>
-          <a:effectRef idx="0">
-            <a:schemeClr val="accent1"/>
-          </a:effectRef>
-          <a:fontRef idx="minor">
-            <a:schemeClr val="lt1"/>
-          </a:fontRef>
-        </p:style>
-        <p:txBody>
-          <a:bodyPr rtlCol="0" anchor="ctr"/>
-          <a:lstStyle/>
-          <a:p>
-            <a:pPr algn="ctr"/>
-            <a:endParaRPr kumimoji="1" lang="ja-JP" altLang="en-US"/>
-          </a:p>
-        </p:txBody>
-      </p:sp>
-      <p:sp>
-        <p:nvSpPr>
-          <p:cNvPr id="3" name="コンテンツ プレースホルダー 2">
-            <a:extLst>
-              <a:ext uri="{FF2B5EF4-FFF2-40B4-BE49-F238E27FC236}">
-                <a16:creationId xmlns="" xmlns:a16="http://schemas.microsoft.com/office/drawing/2014/main" id="{57201CEF-5B54-EC41-97DF-2A5FDA9A8199}"/>
-              </a:ext>
-            </a:extLst>
-          </p:cNvPr>
-          <p:cNvSpPr>
-            <a:spLocks noGrp="1"/>
-          </p:cNvSpPr>
-          <p:nvPr>
-            <p:ph idx="1"/>
-          </p:nvPr>
-        </p:nvSpPr>
-        <p:spPr>
-          <a:xfrm>
-            <a:off x="2483768" y="2852936"/>
-            <a:ext cx="4053136" cy="964703"/>
-          </a:xfrm>
-        </p:spPr>
-        <p:txBody>
-          <a:bodyPr/>
-          <a:lstStyle/>
-          <a:p>
-            <a:pPr algn="ctr"/>
-            <a:r>
-              <a:rPr kumimoji="1" lang="en-US" altLang="ja-JP" sz="6000" dirty="0">
-                <a:latin typeface="+mj-lt"/>
-              </a:rPr>
-              <a:t>Parameters</a:t>
-            </a:r>
-            <a:endParaRPr kumimoji="1" lang="ja-JP" altLang="en-US" sz="6000">
-              <a:latin typeface="+mj-lt"/>
-            </a:endParaRPr>
-          </a:p>
-        </p:txBody>
-      </p:sp>
-    </p:spTree>
-    <p:extLst>
-      <p:ext uri="{BB962C8B-B14F-4D97-AF65-F5344CB8AC3E}">
-        <p14:creationId xmlns:p14="http://schemas.microsoft.com/office/powerpoint/2010/main" val="1674169932"/>
-      </p:ext>
-    </p:extLst>
-  </p:cSld>
-  <p:clrMapOvr>
-    <a:masterClrMapping/>
-  </p:clrMapOvr>
-  <p:timing>
-    <p:tnLst>
-      <p:par>
-        <p:cTn id="1" dur="indefinite" restart="never" nodeType="tmRoot"/>
-      </p:par>
-    </p:tnLst>
-  </p:timing>
-</p:sld>
-</file>
-
-<file path=ppt/slides/slide20.xml><?xml version="1.0" encoding="utf-8"?>
-<p:sld xmlns:a="http://schemas.openxmlformats.org/drawingml/2006/main" xmlns:r="http://schemas.openxmlformats.org/officeDocument/2006/relationships" xmlns:p="http://schemas.openxmlformats.org/presentationml/2006/main">
-  <p:cSld>
-    <p:spTree>
-      <p:nvGrpSpPr>
-        <p:cNvPr id="1" name=""/>
-        <p:cNvGrpSpPr/>
-        <p:nvPr/>
-      </p:nvGrpSpPr>
-      <p:grpSpPr>
-        <a:xfrm>
-          <a:off x="0" y="0"/>
-          <a:ext cx="0" cy="0"/>
-          <a:chOff x="0" y="0"/>
-          <a:chExt cx="0" cy="0"/>
-        </a:xfrm>
-      </p:grpSpPr>
-      <p:sp>
-        <p:nvSpPr>
-          <p:cNvPr id="4" name="Title 3"/>
-          <p:cNvSpPr>
-            <a:spLocks noGrp="1"/>
-          </p:cNvSpPr>
-          <p:nvPr>
-            <p:ph type="title"/>
-          </p:nvPr>
-        </p:nvSpPr>
-        <p:spPr/>
-        <p:txBody>
-          <a:bodyPr/>
-          <a:lstStyle/>
-          <a:p>
-            <a:r>
               <a:rPr kumimoji="1" lang="ja-JP" altLang="en-US" dirty="0"/>
               <a:t> </a:t>
             </a:r>
@@ -15010,7 +14697,137 @@
 </p:sld>
 </file>
 
-<file path=ppt/slides/slide21.xml><?xml version="1.0" encoding="utf-8"?>
+<file path=ppt/slides/slide2.xml><?xml version="1.0" encoding="utf-8"?>
+<p:sld xmlns:a="http://schemas.openxmlformats.org/drawingml/2006/main" xmlns:r="http://schemas.openxmlformats.org/officeDocument/2006/relationships" xmlns:p="http://schemas.openxmlformats.org/presentationml/2006/main">
+  <p:cSld>
+    <p:spTree>
+      <p:nvGrpSpPr>
+        <p:cNvPr id="1" name=""/>
+        <p:cNvGrpSpPr/>
+        <p:nvPr/>
+      </p:nvGrpSpPr>
+      <p:grpSpPr>
+        <a:xfrm>
+          <a:off x="0" y="0"/>
+          <a:ext cx="0" cy="0"/>
+          <a:chOff x="0" y="0"/>
+          <a:chExt cx="0" cy="0"/>
+        </a:xfrm>
+      </p:grpSpPr>
+      <p:sp>
+        <p:nvSpPr>
+          <p:cNvPr id="5" name="正方形/長方形 4">
+            <a:extLst>
+              <a:ext uri="{FF2B5EF4-FFF2-40B4-BE49-F238E27FC236}">
+                <a16:creationId xmlns="" xmlns:a16="http://schemas.microsoft.com/office/drawing/2014/main" id="{24BDBAAB-565F-544E-8F79-2E06B1AC400F}"/>
+              </a:ext>
+            </a:extLst>
+          </p:cNvPr>
+          <p:cNvSpPr/>
+          <p:nvPr/>
+        </p:nvSpPr>
+        <p:spPr>
+          <a:xfrm>
+            <a:off x="0" y="2924944"/>
+            <a:ext cx="9144000" cy="936104"/>
+          </a:xfrm>
+          <a:prstGeom prst="rect">
+            <a:avLst/>
+          </a:prstGeom>
+          <a:solidFill>
+            <a:srgbClr val="99DABA">
+              <a:alpha val="60000"/>
+            </a:srgbClr>
+          </a:solidFill>
+          <a:ln>
+            <a:noFill/>
+          </a:ln>
+        </p:spPr>
+        <p:style>
+          <a:lnRef idx="2">
+            <a:schemeClr val="accent1">
+              <a:shade val="50000"/>
+            </a:schemeClr>
+          </a:lnRef>
+          <a:fillRef idx="1">
+            <a:schemeClr val="accent1"/>
+          </a:fillRef>
+          <a:effectRef idx="0">
+            <a:schemeClr val="accent1"/>
+          </a:effectRef>
+          <a:fontRef idx="minor">
+            <a:schemeClr val="lt1"/>
+          </a:fontRef>
+        </p:style>
+        <p:txBody>
+          <a:bodyPr rtlCol="0" anchor="ctr"/>
+          <a:lstStyle/>
+          <a:p>
+            <a:pPr algn="ctr"/>
+            <a:endParaRPr kumimoji="1" lang="ja-JP" altLang="en-US"/>
+          </a:p>
+        </p:txBody>
+      </p:sp>
+      <p:sp>
+        <p:nvSpPr>
+          <p:cNvPr id="3" name="コンテンツ プレースホルダー 2">
+            <a:extLst>
+              <a:ext uri="{FF2B5EF4-FFF2-40B4-BE49-F238E27FC236}">
+                <a16:creationId xmlns="" xmlns:a16="http://schemas.microsoft.com/office/drawing/2014/main" id="{57201CEF-5B54-EC41-97DF-2A5FDA9A8199}"/>
+              </a:ext>
+            </a:extLst>
+          </p:cNvPr>
+          <p:cNvSpPr>
+            <a:spLocks noGrp="1"/>
+          </p:cNvSpPr>
+          <p:nvPr>
+            <p:ph idx="1"/>
+          </p:nvPr>
+        </p:nvSpPr>
+        <p:spPr>
+          <a:xfrm>
+            <a:off x="2483768" y="2852936"/>
+            <a:ext cx="4053136" cy="964703"/>
+          </a:xfrm>
+        </p:spPr>
+        <p:txBody>
+          <a:bodyPr/>
+          <a:lstStyle/>
+          <a:p>
+            <a:pPr algn="ctr"/>
+            <a:r>
+              <a:rPr kumimoji="1" lang="en-US" altLang="ja-JP" sz="6000" dirty="0">
+                <a:latin typeface="+mj-lt"/>
+              </a:rPr>
+              <a:t>Parameters</a:t>
+            </a:r>
+            <a:endParaRPr kumimoji="1" lang="ja-JP" altLang="en-US" sz="6000">
+              <a:latin typeface="+mj-lt"/>
+            </a:endParaRPr>
+          </a:p>
+        </p:txBody>
+      </p:sp>
+    </p:spTree>
+    <p:extLst>
+      <p:ext uri="{BB962C8B-B14F-4D97-AF65-F5344CB8AC3E}">
+        <p14:creationId xmlns:p14="http://schemas.microsoft.com/office/powerpoint/2010/main" val="1674169932"/>
+      </p:ext>
+    </p:extLst>
+  </p:cSld>
+  <p:clrMapOvr>
+    <a:masterClrMapping/>
+  </p:clrMapOvr>
+  <p:timing>
+    <p:tnLst>
+      <p:par>
+        <p:cTn id="1" dur="indefinite" restart="never" nodeType="tmRoot"/>
+      </p:par>
+    </p:tnLst>
+  </p:timing>
+</p:sld>
+</file>
+
+<file path=ppt/slides/slide20.xml><?xml version="1.0" encoding="utf-8"?>
 <p:sld xmlns:a="http://schemas.openxmlformats.org/drawingml/2006/main" xmlns:r="http://schemas.openxmlformats.org/officeDocument/2006/relationships" xmlns:p="http://schemas.openxmlformats.org/presentationml/2006/main">
   <p:cSld>
     <p:spTree>
@@ -17443,7 +17260,7 @@
 </p:sld>
 </file>
 
-<file path=ppt/slides/slide22.xml><?xml version="1.0" encoding="utf-8"?>
+<file path=ppt/slides/slide21.xml><?xml version="1.0" encoding="utf-8"?>
 <p:sld xmlns:a="http://schemas.openxmlformats.org/drawingml/2006/main" xmlns:r="http://schemas.openxmlformats.org/officeDocument/2006/relationships" xmlns:p="http://schemas.openxmlformats.org/presentationml/2006/main">
   <p:cSld>
     <p:spTree>
@@ -17483,8 +17300,12 @@
               <a:t> </a:t>
             </a:r>
             <a:r>
-              <a:rPr kumimoji="1" lang="en-US" altLang="ja-JP" dirty="0"/>
-              <a:t>Stationary Pestle</a:t>
+              <a:rPr lang="en-US" altLang="ko-KR" dirty="0" smtClean="0"/>
+              <a:t>Comparison</a:t>
+            </a:r>
+            <a:r>
+              <a:rPr lang="en-US" altLang="ko-KR" dirty="0"/>
+              <a:t>, Suction velocity</a:t>
             </a:r>
             <a:endParaRPr lang="ko-KR" altLang="en-US" dirty="0">
               <a:latin typeface="メイリオ" panose="020B0604030504040204" pitchFamily="50" charset="-128"/>
@@ -17548,7 +17369,7 @@
         <p:spPr>
           <a:xfrm>
             <a:off x="503548" y="1628800"/>
-            <a:ext cx="8136904" cy="2462213"/>
+            <a:ext cx="8136904" cy="523220"/>
           </a:xfrm>
           <a:prstGeom prst="rect">
             <a:avLst/>
@@ -17563,65 +17384,124 @@
           <a:p>
             <a:r>
               <a:rPr kumimoji="1" lang="ja-JP" altLang="en-US" sz="2800" dirty="0" smtClean="0"/>
-              <a:t>結果</a:t>
+              <a:t>結果・考察</a:t>
             </a:r>
             <a:endParaRPr kumimoji="1" lang="en-US" altLang="ja-JP" sz="2800" dirty="0" smtClean="0"/>
           </a:p>
+        </p:txBody>
+      </p:sp>
+      <p:sp>
+        <p:nvSpPr>
+          <p:cNvPr id="5" name="テキスト ボックス 4"/>
+          <p:cNvSpPr txBox="1"/>
+          <p:nvPr/>
+        </p:nvSpPr>
+        <p:spPr>
+          <a:xfrm>
+            <a:off x="351681" y="3157672"/>
+            <a:ext cx="8136904" cy="646331"/>
+          </a:xfrm>
+          <a:prstGeom prst="rect">
+            <a:avLst/>
+          </a:prstGeom>
+          <a:noFill/>
+        </p:spPr>
+        <p:txBody>
+          <a:bodyPr wrap="square" rtlCol="0">
+            <a:spAutoFit/>
+          </a:bodyPr>
+          <a:lstStyle/>
           <a:p>
+            <a:r>
+              <a:rPr kumimoji="1" lang="ja-JP" altLang="en-US" dirty="0"/>
+              <a:t>・ </a:t>
+            </a:r>
+            <a:r>
+              <a:rPr kumimoji="1" lang="en-US" altLang="ja-JP" dirty="0"/>
+              <a:t>Move – 200[</a:t>
+            </a:r>
+            <a:r>
+              <a:rPr kumimoji="1" lang="en-US" altLang="ja-JP" dirty="0" err="1"/>
+              <a:t>ms</a:t>
+            </a:r>
+            <a:r>
+              <a:rPr kumimoji="1" lang="en-US" altLang="ja-JP" dirty="0"/>
+              <a:t>]</a:t>
+            </a:r>
+            <a:r>
+              <a:rPr kumimoji="1" lang="ja-JP" altLang="en-US" dirty="0"/>
+              <a:t>と比較すると、流れ込んでいる粒子数がほぼ同じ。しかし、下層　　粒子の割合は低い</a:t>
+            </a:r>
+            <a:r>
+              <a:rPr kumimoji="1" lang="en-US" altLang="ja-JP" dirty="0"/>
+              <a:t> </a:t>
+            </a:r>
+          </a:p>
+        </p:txBody>
+      </p:sp>
+      <p:sp>
+        <p:nvSpPr>
+          <p:cNvPr id="7" name="テキスト ボックス 6"/>
+          <p:cNvSpPr txBox="1"/>
+          <p:nvPr/>
+        </p:nvSpPr>
+        <p:spPr>
+          <a:xfrm>
+            <a:off x="323528" y="2317812"/>
+            <a:ext cx="8136904" cy="369332"/>
+          </a:xfrm>
+          <a:prstGeom prst="rect">
+            <a:avLst/>
+          </a:prstGeom>
+          <a:noFill/>
+        </p:spPr>
+        <p:txBody>
+          <a:bodyPr wrap="square" rtlCol="0">
+            <a:spAutoFit/>
+          </a:bodyPr>
+          <a:lstStyle/>
+          <a:p>
+            <a:r>
+              <a:rPr kumimoji="1" lang="ja-JP" altLang="en-US" dirty="0"/>
+              <a:t>・ 気層の流れ込みが多く、スプラッシュも大きい</a:t>
+            </a:r>
             <a:endParaRPr kumimoji="1" lang="en-US" altLang="ja-JP" dirty="0"/>
           </a:p>
+        </p:txBody>
+      </p:sp>
+      <p:sp>
+        <p:nvSpPr>
+          <p:cNvPr id="8" name="テキスト ボックス 7"/>
+          <p:cNvSpPr txBox="1"/>
+          <p:nvPr/>
+        </p:nvSpPr>
+        <p:spPr>
+          <a:xfrm>
+            <a:off x="351681" y="3799811"/>
+            <a:ext cx="8136904" cy="369332"/>
+          </a:xfrm>
+          <a:prstGeom prst="rect">
+            <a:avLst/>
+          </a:prstGeom>
+          <a:noFill/>
+        </p:spPr>
+        <p:txBody>
+          <a:bodyPr wrap="square" rtlCol="0">
+            <a:spAutoFit/>
+          </a:bodyPr>
+          <a:lstStyle/>
           <a:p>
             <a:r>
               <a:rPr kumimoji="1" lang="ja-JP" altLang="en-US" dirty="0" smtClean="0"/>
-              <a:t>・ 気層の流れ込みが多く、スプラッシュも大きい</a:t>
-            </a:r>
-            <a:endParaRPr kumimoji="1" lang="en-US" altLang="ja-JP" dirty="0" smtClean="0"/>
-          </a:p>
-          <a:p>
-            <a:endParaRPr kumimoji="1" lang="en-US" altLang="ja-JP" dirty="0"/>
-          </a:p>
-          <a:p>
+              <a:t>　　</a:t>
+            </a:r>
+            <a:r>
+              <a:rPr kumimoji="1" lang="en-US" altLang="ja-JP" dirty="0" smtClean="0"/>
+              <a:t>-&gt; Saxon</a:t>
+            </a:r>
             <a:r>
               <a:rPr kumimoji="1" lang="ja-JP" altLang="en-US" dirty="0" smtClean="0"/>
-              <a:t>・ 層形状が変わっている</a:t>
-            </a:r>
-            <a:endParaRPr kumimoji="1" lang="en-US" altLang="ja-JP" dirty="0" smtClean="0"/>
-          </a:p>
-          <a:p>
-            <a:endParaRPr kumimoji="1" lang="en-US" altLang="ja-JP" dirty="0"/>
-          </a:p>
-          <a:p>
-            <a:r>
-              <a:rPr kumimoji="1" lang="ja-JP" altLang="en-US" dirty="0" smtClean="0"/>
-              <a:t>・ </a:t>
-            </a:r>
-            <a:r>
-              <a:rPr kumimoji="1" lang="en-US" altLang="ja-JP" dirty="0" smtClean="0"/>
-              <a:t>Move – 200[</a:t>
-            </a:r>
-            <a:r>
-              <a:rPr kumimoji="1" lang="en-US" altLang="ja-JP" dirty="0" err="1" smtClean="0"/>
-              <a:t>ms</a:t>
-            </a:r>
-            <a:r>
-              <a:rPr kumimoji="1" lang="en-US" altLang="ja-JP" dirty="0" smtClean="0"/>
-              <a:t>]</a:t>
-            </a:r>
-            <a:r>
-              <a:rPr kumimoji="1" lang="ja-JP" altLang="en-US" dirty="0" smtClean="0"/>
-              <a:t>と比較すると、流れ込んでいる粒子数がほぼ同じ</a:t>
-            </a:r>
-            <a:r>
-              <a:rPr kumimoji="1" lang="ja-JP" altLang="en-US" dirty="0"/>
-              <a:t>。</a:t>
-            </a:r>
-            <a:r>
-              <a:rPr kumimoji="1" lang="ja-JP" altLang="en-US" dirty="0" smtClean="0"/>
-              <a:t>しかし、下層　　粒子の割合は低い</a:t>
-            </a:r>
-            <a:r>
-              <a:rPr kumimoji="1" lang="en-US" altLang="ja-JP" dirty="0" smtClean="0"/>
-              <a:t> </a:t>
+              <a:t>効果による引き込みの効果あり</a:t>
             </a:r>
             <a:endParaRPr kumimoji="1" lang="en-US" altLang="ja-JP" dirty="0"/>
           </a:p>
@@ -17630,7 +17510,7 @@
     </p:spTree>
     <p:extLst>
       <p:ext uri="{BB962C8B-B14F-4D97-AF65-F5344CB8AC3E}">
-        <p14:creationId xmlns:p14="http://schemas.microsoft.com/office/powerpoint/2010/main" val="3419896742"/>
+        <p14:creationId xmlns:p14="http://schemas.microsoft.com/office/powerpoint/2010/main" val="2623389523"/>
       </p:ext>
     </p:extLst>
   </p:cSld>

--- a/saxon.pptx
+++ b/saxon.pptx
@@ -6,7 +6,7 @@
     <p:sldMasterId id="2147483661" r:id="rId2"/>
   </p:sldMasterIdLst>
   <p:notesMasterIdLst>
-    <p:notesMasterId r:id="rId24"/>
+    <p:notesMasterId r:id="rId25"/>
   </p:notesMasterIdLst>
   <p:sldIdLst>
     <p:sldId id="256" r:id="rId3"/>
@@ -23,13 +23,14 @@
     <p:sldId id="289" r:id="rId14"/>
     <p:sldId id="297" r:id="rId15"/>
     <p:sldId id="291" r:id="rId16"/>
-    <p:sldId id="292" r:id="rId17"/>
-    <p:sldId id="300" r:id="rId18"/>
-    <p:sldId id="301" r:id="rId19"/>
-    <p:sldId id="302" r:id="rId20"/>
-    <p:sldId id="298" r:id="rId21"/>
-    <p:sldId id="299" r:id="rId22"/>
-    <p:sldId id="305" r:id="rId23"/>
+    <p:sldId id="306" r:id="rId17"/>
+    <p:sldId id="292" r:id="rId18"/>
+    <p:sldId id="300" r:id="rId19"/>
+    <p:sldId id="301" r:id="rId20"/>
+    <p:sldId id="302" r:id="rId21"/>
+    <p:sldId id="298" r:id="rId22"/>
+    <p:sldId id="299" r:id="rId23"/>
+    <p:sldId id="305" r:id="rId24"/>
   </p:sldIdLst>
   <p:sldSz cx="9144000" cy="6858000" type="screen4x3"/>
   <p:notesSz cx="6858000" cy="9144000"/>
@@ -10349,7 +10350,7 @@
         <p:spPr>
           <a:xfrm>
             <a:off x="351681" y="3347540"/>
-            <a:ext cx="8136904" cy="369332"/>
+            <a:ext cx="8136904" cy="646331"/>
           </a:xfrm>
           <a:prstGeom prst="rect">
             <a:avLst/>
@@ -10372,7 +10373,7 @@
             </a:r>
             <a:r>
               <a:rPr kumimoji="1" lang="ja-JP" altLang="en-US" dirty="0" smtClean="0"/>
-              <a:t>で、同じ間隔ではないが割合が変化していっている</a:t>
+              <a:t>で、同じ間隔ではないが割合が変化していっている。速くなるにつれ、下層粒子の割合が高くなり、元の層を保っている。</a:t>
             </a:r>
             <a:endParaRPr kumimoji="1" lang="en-US" altLang="ja-JP" dirty="0" smtClean="0"/>
           </a:p>
@@ -10416,7 +10417,7 @@
         </p:nvSpPr>
         <p:spPr>
           <a:xfrm>
-            <a:off x="351681" y="3799811"/>
+            <a:off x="328514" y="4035340"/>
             <a:ext cx="8136904" cy="369332"/>
           </a:xfrm>
           <a:prstGeom prst="rect">
@@ -10505,6 +10506,290 @@
 </file>
 
 <file path=ppt/slides/slide15.xml><?xml version="1.0" encoding="utf-8"?>
+<p:sld xmlns:a="http://schemas.openxmlformats.org/drawingml/2006/main" xmlns:r="http://schemas.openxmlformats.org/officeDocument/2006/relationships" xmlns:p="http://schemas.openxmlformats.org/presentationml/2006/main">
+  <p:cSld>
+    <p:spTree>
+      <p:nvGrpSpPr>
+        <p:cNvPr id="1" name=""/>
+        <p:cNvGrpSpPr/>
+        <p:nvPr/>
+      </p:nvGrpSpPr>
+      <p:grpSpPr>
+        <a:xfrm>
+          <a:off x="0" y="0"/>
+          <a:ext cx="0" cy="0"/>
+          <a:chOff x="0" y="0"/>
+          <a:chExt cx="0" cy="0"/>
+        </a:xfrm>
+      </p:grpSpPr>
+      <p:sp>
+        <p:nvSpPr>
+          <p:cNvPr id="4" name="Title 3"/>
+          <p:cNvSpPr>
+            <a:spLocks noGrp="1"/>
+          </p:cNvSpPr>
+          <p:nvPr>
+            <p:ph type="title"/>
+          </p:nvPr>
+        </p:nvSpPr>
+        <p:spPr/>
+        <p:txBody>
+          <a:bodyPr/>
+          <a:lstStyle/>
+          <a:p>
+            <a:r>
+              <a:rPr lang="ja-JP" altLang="en-US" dirty="0">
+                <a:latin typeface="メイリオ" panose="020B0604030504040204" pitchFamily="50" charset="-128"/>
+                <a:cs typeface="メイリオ" panose="020B0604030504040204" pitchFamily="50" charset="-128"/>
+              </a:rPr>
+              <a:t> </a:t>
+            </a:r>
+            <a:r>
+              <a:rPr lang="en-US" altLang="ko-KR" dirty="0" smtClean="0"/>
+              <a:t>Comparison</a:t>
+            </a:r>
+            <a:r>
+              <a:rPr lang="en-US" altLang="ko-KR" dirty="0"/>
+              <a:t>, Suction velocity</a:t>
+            </a:r>
+            <a:endParaRPr lang="ko-KR" altLang="en-US" dirty="0">
+              <a:latin typeface="メイリオ" panose="020B0604030504040204" pitchFamily="50" charset="-128"/>
+              <a:cs typeface="メイリオ" panose="020B0604030504040204" pitchFamily="50" charset="-128"/>
+            </a:endParaRPr>
+          </a:p>
+        </p:txBody>
+      </p:sp>
+      <p:sp>
+        <p:nvSpPr>
+          <p:cNvPr id="2" name="正方形/長方形 1"/>
+          <p:cNvSpPr/>
+          <p:nvPr/>
+        </p:nvSpPr>
+        <p:spPr>
+          <a:xfrm>
+            <a:off x="0" y="1086292"/>
+            <a:ext cx="9144000" cy="36000"/>
+          </a:xfrm>
+          <a:prstGeom prst="rect">
+            <a:avLst/>
+          </a:prstGeom>
+          <a:solidFill>
+            <a:srgbClr val="99DABA"/>
+          </a:solidFill>
+          <a:ln>
+            <a:noFill/>
+          </a:ln>
+        </p:spPr>
+        <p:style>
+          <a:lnRef idx="2">
+            <a:schemeClr val="accent1">
+              <a:shade val="50000"/>
+            </a:schemeClr>
+          </a:lnRef>
+          <a:fillRef idx="1">
+            <a:schemeClr val="accent1"/>
+          </a:fillRef>
+          <a:effectRef idx="0">
+            <a:schemeClr val="accent1"/>
+          </a:effectRef>
+          <a:fontRef idx="minor">
+            <a:schemeClr val="lt1"/>
+          </a:fontRef>
+        </p:style>
+        <p:txBody>
+          <a:bodyPr rtlCol="0" anchor="ctr"/>
+          <a:lstStyle/>
+          <a:p>
+            <a:pPr algn="ctr"/>
+            <a:endParaRPr kumimoji="1" lang="ja-JP" altLang="en-US"/>
+          </a:p>
+        </p:txBody>
+      </p:sp>
+      <p:sp>
+        <p:nvSpPr>
+          <p:cNvPr id="6" name="テキスト ボックス 5"/>
+          <p:cNvSpPr txBox="1"/>
+          <p:nvPr/>
+        </p:nvSpPr>
+        <p:spPr>
+          <a:xfrm>
+            <a:off x="503548" y="1628800"/>
+            <a:ext cx="8136904" cy="523220"/>
+          </a:xfrm>
+          <a:prstGeom prst="rect">
+            <a:avLst/>
+          </a:prstGeom>
+          <a:noFill/>
+        </p:spPr>
+        <p:txBody>
+          <a:bodyPr wrap="square" rtlCol="0">
+            <a:spAutoFit/>
+          </a:bodyPr>
+          <a:lstStyle/>
+          <a:p>
+            <a:r>
+              <a:rPr kumimoji="1" lang="ja-JP" altLang="en-US" sz="2800" dirty="0" smtClean="0"/>
+              <a:t>まとめ</a:t>
+            </a:r>
+            <a:endParaRPr kumimoji="1" lang="en-US" altLang="ja-JP" sz="2800" dirty="0" smtClean="0"/>
+          </a:p>
+        </p:txBody>
+      </p:sp>
+      <p:sp>
+        <p:nvSpPr>
+          <p:cNvPr id="5" name="テキスト ボックス 4"/>
+          <p:cNvSpPr txBox="1"/>
+          <p:nvPr/>
+        </p:nvSpPr>
+        <p:spPr>
+          <a:xfrm>
+            <a:off x="351681" y="3347540"/>
+            <a:ext cx="8136904" cy="646331"/>
+          </a:xfrm>
+          <a:prstGeom prst="rect">
+            <a:avLst/>
+          </a:prstGeom>
+          <a:noFill/>
+        </p:spPr>
+        <p:txBody>
+          <a:bodyPr wrap="square" rtlCol="0">
+            <a:spAutoFit/>
+          </a:bodyPr>
+          <a:lstStyle/>
+          <a:p>
+            <a:r>
+              <a:rPr kumimoji="1" lang="ja-JP" altLang="en-US" dirty="0" smtClean="0"/>
+              <a:t>・ </a:t>
+            </a:r>
+            <a:r>
+              <a:rPr kumimoji="1" lang="ja-JP" altLang="en-US" u="sng" dirty="0" smtClean="0"/>
+              <a:t>穴に入る粒子の層別割合は、速度が大きくなるほど均等</a:t>
+            </a:r>
+            <a:r>
+              <a:rPr kumimoji="1" lang="ja-JP" altLang="en-US" dirty="0" smtClean="0"/>
+              <a:t>になっていき、元の層形状をよく保っている。</a:t>
+            </a:r>
+            <a:endParaRPr kumimoji="1" lang="en-US" altLang="ja-JP" dirty="0" smtClean="0"/>
+          </a:p>
+        </p:txBody>
+      </p:sp>
+      <p:sp>
+        <p:nvSpPr>
+          <p:cNvPr id="8" name="テキスト ボックス 7"/>
+          <p:cNvSpPr txBox="1"/>
+          <p:nvPr/>
+        </p:nvSpPr>
+        <p:spPr>
+          <a:xfrm>
+            <a:off x="351681" y="4159663"/>
+            <a:ext cx="8136904" cy="369332"/>
+          </a:xfrm>
+          <a:prstGeom prst="rect">
+            <a:avLst/>
+          </a:prstGeom>
+          <a:noFill/>
+        </p:spPr>
+        <p:txBody>
+          <a:bodyPr wrap="square" rtlCol="0">
+            <a:spAutoFit/>
+          </a:bodyPr>
+          <a:lstStyle/>
+          <a:p>
+            <a:r>
+              <a:rPr kumimoji="1" lang="ja-JP" altLang="en-US" dirty="0" smtClean="0"/>
+              <a:t>　　</a:t>
+            </a:r>
+            <a:r>
+              <a:rPr kumimoji="1" lang="en-US" altLang="ja-JP" dirty="0" smtClean="0"/>
+              <a:t>-&gt; </a:t>
+            </a:r>
+            <a:r>
+              <a:rPr kumimoji="1" lang="ja-JP" altLang="en-US" dirty="0" smtClean="0"/>
+              <a:t>もう少し速度をあげて</a:t>
+            </a:r>
+            <a:r>
+              <a:rPr kumimoji="1" lang="ja-JP" altLang="en-US" smtClean="0"/>
+              <a:t>も、同じように変化するか</a:t>
+            </a:r>
+            <a:r>
+              <a:rPr kumimoji="1" lang="ja-JP" altLang="en-US" dirty="0" smtClean="0"/>
+              <a:t>確認の必要あり。</a:t>
+            </a:r>
+            <a:endParaRPr kumimoji="1" lang="en-US" altLang="ja-JP" dirty="0"/>
+          </a:p>
+        </p:txBody>
+      </p:sp>
+      <p:sp>
+        <p:nvSpPr>
+          <p:cNvPr id="10" name="テキスト ボックス 9"/>
+          <p:cNvSpPr txBox="1"/>
+          <p:nvPr/>
+        </p:nvSpPr>
+        <p:spPr>
+          <a:xfrm>
+            <a:off x="323528" y="2317812"/>
+            <a:ext cx="8136904" cy="646331"/>
+          </a:xfrm>
+          <a:prstGeom prst="rect">
+            <a:avLst/>
+          </a:prstGeom>
+          <a:noFill/>
+        </p:spPr>
+        <p:txBody>
+          <a:bodyPr wrap="square" rtlCol="0">
+            <a:spAutoFit/>
+          </a:bodyPr>
+          <a:lstStyle/>
+          <a:p>
+            <a:r>
+              <a:rPr kumimoji="1" lang="ja-JP" altLang="en-US" dirty="0" smtClean="0"/>
+              <a:t>・ </a:t>
+            </a:r>
+            <a:r>
+              <a:rPr kumimoji="1" lang="ja-JP" altLang="en-US" u="sng" dirty="0" smtClean="0"/>
+              <a:t>穴に入る粒子数は、</a:t>
+            </a:r>
+            <a:r>
+              <a:rPr kumimoji="1" lang="ja-JP" altLang="en-US" u="sng" dirty="0" smtClean="0"/>
+              <a:t>速度</a:t>
+            </a:r>
+            <a:r>
+              <a:rPr kumimoji="1" lang="ja-JP" altLang="en-US" u="sng" dirty="0"/>
+              <a:t>が大きくなるほど</a:t>
+            </a:r>
+            <a:r>
+              <a:rPr kumimoji="1" lang="ja-JP" altLang="en-US" u="sng" dirty="0" smtClean="0"/>
+              <a:t>増加</a:t>
+            </a:r>
+            <a:r>
+              <a:rPr kumimoji="1" lang="ja-JP" altLang="en-US" dirty="0" smtClean="0"/>
+              <a:t>している。しかし、ある程度の速度で数は収束していく</a:t>
+            </a:r>
+            <a:endParaRPr kumimoji="1" lang="en-US" altLang="ja-JP" dirty="0" smtClean="0"/>
+          </a:p>
+        </p:txBody>
+      </p:sp>
+    </p:spTree>
+    <p:extLst>
+      <p:ext uri="{BB962C8B-B14F-4D97-AF65-F5344CB8AC3E}">
+        <p14:creationId xmlns:p14="http://schemas.microsoft.com/office/powerpoint/2010/main" val="2363343656"/>
+      </p:ext>
+    </p:extLst>
+  </p:cSld>
+  <p:clrMapOvr>
+    <a:masterClrMapping/>
+  </p:clrMapOvr>
+  <p:timing>
+    <p:tnLst>
+      <p:par>
+        <p:cTn id="1" dur="indefinite" restart="never" nodeType="tmRoot"/>
+      </p:par>
+    </p:tnLst>
+  </p:timing>
+</p:sld>
+</file>
+
+<file path=ppt/slides/slide16.xml><?xml version="1.0" encoding="utf-8"?>
 <p:sld xmlns:a="http://schemas.openxmlformats.org/drawingml/2006/main" xmlns:r="http://schemas.openxmlformats.org/officeDocument/2006/relationships" xmlns:p="http://schemas.openxmlformats.org/presentationml/2006/main">
   <p:cSld>
     <p:spTree>
@@ -10631,7 +10916,7 @@
 </p:sld>
 </file>
 
-<file path=ppt/slides/slide16.xml><?xml version="1.0" encoding="utf-8"?>
+<file path=ppt/slides/slide17.xml><?xml version="1.0" encoding="utf-8"?>
 <p:sld xmlns:a="http://schemas.openxmlformats.org/drawingml/2006/main" xmlns:r="http://schemas.openxmlformats.org/officeDocument/2006/relationships" xmlns:p="http://schemas.openxmlformats.org/presentationml/2006/main">
   <p:cSld>
     <p:spTree>
@@ -11091,7 +11376,7 @@
 </p:sld>
 </file>
 
-<file path=ppt/slides/slide17.xml><?xml version="1.0" encoding="utf-8"?>
+<file path=ppt/slides/slide18.xml><?xml version="1.0" encoding="utf-8"?>
 <p:sld xmlns:a="http://schemas.openxmlformats.org/drawingml/2006/main" xmlns:r="http://schemas.openxmlformats.org/officeDocument/2006/relationships" xmlns:p="http://schemas.openxmlformats.org/presentationml/2006/main">
   <p:cSld>
     <p:spTree>
@@ -11469,7 +11754,7 @@
 </p:sld>
 </file>
 
-<file path=ppt/slides/slide18.xml><?xml version="1.0" encoding="utf-8"?>
+<file path=ppt/slides/slide19.xml><?xml version="1.0" encoding="utf-8"?>
 <p:sld xmlns:a="http://schemas.openxmlformats.org/drawingml/2006/main" xmlns:r="http://schemas.openxmlformats.org/officeDocument/2006/relationships" xmlns:p="http://schemas.openxmlformats.org/presentationml/2006/main">
   <p:cSld>
     <p:spTree>
@@ -11847,7 +12132,137 @@
 </p:sld>
 </file>
 
-<file path=ppt/slides/slide19.xml><?xml version="1.0" encoding="utf-8"?>
+<file path=ppt/slides/slide2.xml><?xml version="1.0" encoding="utf-8"?>
+<p:sld xmlns:a="http://schemas.openxmlformats.org/drawingml/2006/main" xmlns:r="http://schemas.openxmlformats.org/officeDocument/2006/relationships" xmlns:p="http://schemas.openxmlformats.org/presentationml/2006/main">
+  <p:cSld>
+    <p:spTree>
+      <p:nvGrpSpPr>
+        <p:cNvPr id="1" name=""/>
+        <p:cNvGrpSpPr/>
+        <p:nvPr/>
+      </p:nvGrpSpPr>
+      <p:grpSpPr>
+        <a:xfrm>
+          <a:off x="0" y="0"/>
+          <a:ext cx="0" cy="0"/>
+          <a:chOff x="0" y="0"/>
+          <a:chExt cx="0" cy="0"/>
+        </a:xfrm>
+      </p:grpSpPr>
+      <p:sp>
+        <p:nvSpPr>
+          <p:cNvPr id="5" name="正方形/長方形 4">
+            <a:extLst>
+              <a:ext uri="{FF2B5EF4-FFF2-40B4-BE49-F238E27FC236}">
+                <a16:creationId xmlns="" xmlns:a16="http://schemas.microsoft.com/office/drawing/2014/main" id="{24BDBAAB-565F-544E-8F79-2E06B1AC400F}"/>
+              </a:ext>
+            </a:extLst>
+          </p:cNvPr>
+          <p:cNvSpPr/>
+          <p:nvPr/>
+        </p:nvSpPr>
+        <p:spPr>
+          <a:xfrm>
+            <a:off x="0" y="2924944"/>
+            <a:ext cx="9144000" cy="936104"/>
+          </a:xfrm>
+          <a:prstGeom prst="rect">
+            <a:avLst/>
+          </a:prstGeom>
+          <a:solidFill>
+            <a:srgbClr val="99DABA">
+              <a:alpha val="60000"/>
+            </a:srgbClr>
+          </a:solidFill>
+          <a:ln>
+            <a:noFill/>
+          </a:ln>
+        </p:spPr>
+        <p:style>
+          <a:lnRef idx="2">
+            <a:schemeClr val="accent1">
+              <a:shade val="50000"/>
+            </a:schemeClr>
+          </a:lnRef>
+          <a:fillRef idx="1">
+            <a:schemeClr val="accent1"/>
+          </a:fillRef>
+          <a:effectRef idx="0">
+            <a:schemeClr val="accent1"/>
+          </a:effectRef>
+          <a:fontRef idx="minor">
+            <a:schemeClr val="lt1"/>
+          </a:fontRef>
+        </p:style>
+        <p:txBody>
+          <a:bodyPr rtlCol="0" anchor="ctr"/>
+          <a:lstStyle/>
+          <a:p>
+            <a:pPr algn="ctr"/>
+            <a:endParaRPr kumimoji="1" lang="ja-JP" altLang="en-US"/>
+          </a:p>
+        </p:txBody>
+      </p:sp>
+      <p:sp>
+        <p:nvSpPr>
+          <p:cNvPr id="3" name="コンテンツ プレースホルダー 2">
+            <a:extLst>
+              <a:ext uri="{FF2B5EF4-FFF2-40B4-BE49-F238E27FC236}">
+                <a16:creationId xmlns="" xmlns:a16="http://schemas.microsoft.com/office/drawing/2014/main" id="{57201CEF-5B54-EC41-97DF-2A5FDA9A8199}"/>
+              </a:ext>
+            </a:extLst>
+          </p:cNvPr>
+          <p:cNvSpPr>
+            <a:spLocks noGrp="1"/>
+          </p:cNvSpPr>
+          <p:nvPr>
+            <p:ph idx="1"/>
+          </p:nvPr>
+        </p:nvSpPr>
+        <p:spPr>
+          <a:xfrm>
+            <a:off x="2483768" y="2852936"/>
+            <a:ext cx="4053136" cy="964703"/>
+          </a:xfrm>
+        </p:spPr>
+        <p:txBody>
+          <a:bodyPr/>
+          <a:lstStyle/>
+          <a:p>
+            <a:pPr algn="ctr"/>
+            <a:r>
+              <a:rPr kumimoji="1" lang="en-US" altLang="ja-JP" sz="6000" dirty="0">
+                <a:latin typeface="+mj-lt"/>
+              </a:rPr>
+              <a:t>Parameters</a:t>
+            </a:r>
+            <a:endParaRPr kumimoji="1" lang="ja-JP" altLang="en-US" sz="6000">
+              <a:latin typeface="+mj-lt"/>
+            </a:endParaRPr>
+          </a:p>
+        </p:txBody>
+      </p:sp>
+    </p:spTree>
+    <p:extLst>
+      <p:ext uri="{BB962C8B-B14F-4D97-AF65-F5344CB8AC3E}">
+        <p14:creationId xmlns:p14="http://schemas.microsoft.com/office/powerpoint/2010/main" val="1674169932"/>
+      </p:ext>
+    </p:extLst>
+  </p:cSld>
+  <p:clrMapOvr>
+    <a:masterClrMapping/>
+  </p:clrMapOvr>
+  <p:timing>
+    <p:tnLst>
+      <p:par>
+        <p:cTn id="1" dur="indefinite" restart="never" nodeType="tmRoot"/>
+      </p:par>
+    </p:tnLst>
+  </p:timing>
+</p:sld>
+</file>
+
+<file path=ppt/slides/slide20.xml><?xml version="1.0" encoding="utf-8"?>
 <p:sld xmlns:a="http://schemas.openxmlformats.org/drawingml/2006/main" xmlns:r="http://schemas.openxmlformats.org/officeDocument/2006/relationships" xmlns:p="http://schemas.openxmlformats.org/presentationml/2006/main">
   <p:cSld>
     <p:spTree>
@@ -14697,137 +15112,7 @@
 </p:sld>
 </file>
 
-<file path=ppt/slides/slide2.xml><?xml version="1.0" encoding="utf-8"?>
-<p:sld xmlns:a="http://schemas.openxmlformats.org/drawingml/2006/main" xmlns:r="http://schemas.openxmlformats.org/officeDocument/2006/relationships" xmlns:p="http://schemas.openxmlformats.org/presentationml/2006/main">
-  <p:cSld>
-    <p:spTree>
-      <p:nvGrpSpPr>
-        <p:cNvPr id="1" name=""/>
-        <p:cNvGrpSpPr/>
-        <p:nvPr/>
-      </p:nvGrpSpPr>
-      <p:grpSpPr>
-        <a:xfrm>
-          <a:off x="0" y="0"/>
-          <a:ext cx="0" cy="0"/>
-          <a:chOff x="0" y="0"/>
-          <a:chExt cx="0" cy="0"/>
-        </a:xfrm>
-      </p:grpSpPr>
-      <p:sp>
-        <p:nvSpPr>
-          <p:cNvPr id="5" name="正方形/長方形 4">
-            <a:extLst>
-              <a:ext uri="{FF2B5EF4-FFF2-40B4-BE49-F238E27FC236}">
-                <a16:creationId xmlns="" xmlns:a16="http://schemas.microsoft.com/office/drawing/2014/main" id="{24BDBAAB-565F-544E-8F79-2E06B1AC400F}"/>
-              </a:ext>
-            </a:extLst>
-          </p:cNvPr>
-          <p:cNvSpPr/>
-          <p:nvPr/>
-        </p:nvSpPr>
-        <p:spPr>
-          <a:xfrm>
-            <a:off x="0" y="2924944"/>
-            <a:ext cx="9144000" cy="936104"/>
-          </a:xfrm>
-          <a:prstGeom prst="rect">
-            <a:avLst/>
-          </a:prstGeom>
-          <a:solidFill>
-            <a:srgbClr val="99DABA">
-              <a:alpha val="60000"/>
-            </a:srgbClr>
-          </a:solidFill>
-          <a:ln>
-            <a:noFill/>
-          </a:ln>
-        </p:spPr>
-        <p:style>
-          <a:lnRef idx="2">
-            <a:schemeClr val="accent1">
-              <a:shade val="50000"/>
-            </a:schemeClr>
-          </a:lnRef>
-          <a:fillRef idx="1">
-            <a:schemeClr val="accent1"/>
-          </a:fillRef>
-          <a:effectRef idx="0">
-            <a:schemeClr val="accent1"/>
-          </a:effectRef>
-          <a:fontRef idx="minor">
-            <a:schemeClr val="lt1"/>
-          </a:fontRef>
-        </p:style>
-        <p:txBody>
-          <a:bodyPr rtlCol="0" anchor="ctr"/>
-          <a:lstStyle/>
-          <a:p>
-            <a:pPr algn="ctr"/>
-            <a:endParaRPr kumimoji="1" lang="ja-JP" altLang="en-US"/>
-          </a:p>
-        </p:txBody>
-      </p:sp>
-      <p:sp>
-        <p:nvSpPr>
-          <p:cNvPr id="3" name="コンテンツ プレースホルダー 2">
-            <a:extLst>
-              <a:ext uri="{FF2B5EF4-FFF2-40B4-BE49-F238E27FC236}">
-                <a16:creationId xmlns="" xmlns:a16="http://schemas.microsoft.com/office/drawing/2014/main" id="{57201CEF-5B54-EC41-97DF-2A5FDA9A8199}"/>
-              </a:ext>
-            </a:extLst>
-          </p:cNvPr>
-          <p:cNvSpPr>
-            <a:spLocks noGrp="1"/>
-          </p:cNvSpPr>
-          <p:nvPr>
-            <p:ph idx="1"/>
-          </p:nvPr>
-        </p:nvSpPr>
-        <p:spPr>
-          <a:xfrm>
-            <a:off x="2483768" y="2852936"/>
-            <a:ext cx="4053136" cy="964703"/>
-          </a:xfrm>
-        </p:spPr>
-        <p:txBody>
-          <a:bodyPr/>
-          <a:lstStyle/>
-          <a:p>
-            <a:pPr algn="ctr"/>
-            <a:r>
-              <a:rPr kumimoji="1" lang="en-US" altLang="ja-JP" sz="6000" dirty="0">
-                <a:latin typeface="+mj-lt"/>
-              </a:rPr>
-              <a:t>Parameters</a:t>
-            </a:r>
-            <a:endParaRPr kumimoji="1" lang="ja-JP" altLang="en-US" sz="6000">
-              <a:latin typeface="+mj-lt"/>
-            </a:endParaRPr>
-          </a:p>
-        </p:txBody>
-      </p:sp>
-    </p:spTree>
-    <p:extLst>
-      <p:ext uri="{BB962C8B-B14F-4D97-AF65-F5344CB8AC3E}">
-        <p14:creationId xmlns:p14="http://schemas.microsoft.com/office/powerpoint/2010/main" val="1674169932"/>
-      </p:ext>
-    </p:extLst>
-  </p:cSld>
-  <p:clrMapOvr>
-    <a:masterClrMapping/>
-  </p:clrMapOvr>
-  <p:timing>
-    <p:tnLst>
-      <p:par>
-        <p:cTn id="1" dur="indefinite" restart="never" nodeType="tmRoot"/>
-      </p:par>
-    </p:tnLst>
-  </p:timing>
-</p:sld>
-</file>
-
-<file path=ppt/slides/slide20.xml><?xml version="1.0" encoding="utf-8"?>
+<file path=ppt/slides/slide21.xml><?xml version="1.0" encoding="utf-8"?>
 <p:sld xmlns:a="http://schemas.openxmlformats.org/drawingml/2006/main" xmlns:r="http://schemas.openxmlformats.org/officeDocument/2006/relationships" xmlns:p="http://schemas.openxmlformats.org/presentationml/2006/main">
   <p:cSld>
     <p:spTree>
@@ -17260,7 +17545,7 @@
 </p:sld>
 </file>
 
-<file path=ppt/slides/slide21.xml><?xml version="1.0" encoding="utf-8"?>
+<file path=ppt/slides/slide22.xml><?xml version="1.0" encoding="utf-8"?>
 <p:sld xmlns:a="http://schemas.openxmlformats.org/drawingml/2006/main" xmlns:r="http://schemas.openxmlformats.org/officeDocument/2006/relationships" xmlns:p="http://schemas.openxmlformats.org/presentationml/2006/main">
   <p:cSld>
     <p:spTree>
@@ -17417,8 +17702,12 @@
               <a:t>・ </a:t>
             </a:r>
             <a:r>
+              <a:rPr kumimoji="1" lang="en-US" altLang="ja-JP" dirty="0" smtClean="0"/>
+              <a:t>Move </a:t>
+            </a:r>
+            <a:r>
               <a:rPr kumimoji="1" lang="en-US" altLang="ja-JP" dirty="0"/>
-              <a:t>Move – 200[</a:t>
+              <a:t>– 200[</a:t>
             </a:r>
             <a:r>
               <a:rPr kumimoji="1" lang="en-US" altLang="ja-JP" dirty="0" err="1"/>
@@ -17430,12 +17719,21 @@
             </a:r>
             <a:r>
               <a:rPr kumimoji="1" lang="ja-JP" altLang="en-US" dirty="0"/>
-              <a:t>と比較すると、流れ込んでいる粒子数がほぼ同じ。しかし、下層　　粒子の割合は低い</a:t>
-            </a:r>
-            <a:r>
-              <a:rPr kumimoji="1" lang="en-US" altLang="ja-JP" dirty="0"/>
-              <a:t> </a:t>
-            </a:r>
+              <a:t>と比較すると、流れ込んでいる粒子数がほぼ同じ</a:t>
+            </a:r>
+            <a:r>
+              <a:rPr kumimoji="1" lang="ja-JP" altLang="en-US" dirty="0" smtClean="0"/>
+              <a:t>。粒子の層別割合は異なる。</a:t>
+            </a:r>
+            <a:r>
+              <a:rPr kumimoji="1" lang="en-US" altLang="ja-JP" dirty="0" smtClean="0"/>
+              <a:t>Stationary</a:t>
+            </a:r>
+            <a:r>
+              <a:rPr kumimoji="1" lang="ja-JP" altLang="en-US" dirty="0" smtClean="0"/>
+              <a:t>だと上層粒子の割合が高い。</a:t>
+            </a:r>
+            <a:endParaRPr kumimoji="1" lang="en-US" altLang="ja-JP" dirty="0"/>
           </a:p>
         </p:txBody>
       </p:sp>
@@ -17463,7 +17761,19 @@
           <a:p>
             <a:r>
               <a:rPr kumimoji="1" lang="ja-JP" altLang="en-US" dirty="0"/>
-              <a:t>・ 気層の流れ込みが多く、スプラッシュも大きい</a:t>
+              <a:t>・ </a:t>
+            </a:r>
+            <a:r>
+              <a:rPr kumimoji="1" lang="ja-JP" altLang="en-US" dirty="0" smtClean="0"/>
+              <a:t>気層の流れ込み</a:t>
+            </a:r>
+            <a:r>
+              <a:rPr kumimoji="1" lang="ja-JP" altLang="en-US" dirty="0"/>
+              <a:t>が多く、</a:t>
+            </a:r>
+            <a:r>
+              <a:rPr kumimoji="1" lang="ja-JP" altLang="en-US" dirty="0" smtClean="0"/>
+              <a:t>スプラッシュが大きい</a:t>
             </a:r>
             <a:endParaRPr kumimoji="1" lang="en-US" altLang="ja-JP" dirty="0"/>
           </a:p>
@@ -17477,7 +17787,7 @@
         </p:nvSpPr>
         <p:spPr>
           <a:xfrm>
-            <a:off x="351681" y="3799811"/>
+            <a:off x="351681" y="3882664"/>
             <a:ext cx="8136904" cy="369332"/>
           </a:xfrm>
           <a:prstGeom prst="rect">

--- a/saxon.pptx
+++ b/saxon.pptx
@@ -10705,15 +10705,7 @@
             </a:r>
             <a:r>
               <a:rPr kumimoji="1" lang="ja-JP" altLang="en-US" dirty="0" smtClean="0"/>
-              <a:t>もう少し速度をあげて</a:t>
-            </a:r>
-            <a:r>
-              <a:rPr kumimoji="1" lang="ja-JP" altLang="en-US" smtClean="0"/>
-              <a:t>も、同じように変化するか</a:t>
-            </a:r>
-            <a:r>
-              <a:rPr kumimoji="1" lang="ja-JP" altLang="en-US" dirty="0" smtClean="0"/>
-              <a:t>確認の必要あり。</a:t>
+              <a:t>もう少し速度をあげても、同じように変化するか確認の必要あり。</a:t>
             </a:r>
             <a:endParaRPr kumimoji="1" lang="en-US" altLang="ja-JP" dirty="0"/>
           </a:p>
@@ -11541,7 +11533,7 @@
             <a:pPr algn="ctr"/>
             <a:r>
               <a:rPr kumimoji="1" lang="en-US" altLang="ja-JP" dirty="0" smtClean="0"/>
-              <a:t>200 </a:t>
+              <a:t>Move - 200 </a:t>
             </a:r>
             <a:r>
               <a:rPr kumimoji="1" lang="en-US" altLang="ja-JP" dirty="0"/>
@@ -11583,7 +11575,7 @@
             <a:pPr algn="ctr"/>
             <a:r>
               <a:rPr kumimoji="1" lang="en-US" altLang="ja-JP" dirty="0" smtClean="0"/>
-              <a:t>300 </a:t>
+              <a:t>Move - 300 </a:t>
             </a:r>
             <a:r>
               <a:rPr kumimoji="1" lang="en-US" altLang="ja-JP" dirty="0"/>
@@ -11883,129 +11875,6 @@
           </a:p>
         </p:txBody>
       </p:sp>
-      <p:sp>
-        <p:nvSpPr>
-          <p:cNvPr id="11" name="テキスト ボックス 10"/>
-          <p:cNvSpPr txBox="1"/>
-          <p:nvPr/>
-        </p:nvSpPr>
-        <p:spPr>
-          <a:xfrm>
-            <a:off x="971600" y="5952148"/>
-            <a:ext cx="2802666" cy="646331"/>
-          </a:xfrm>
-          <a:prstGeom prst="rect">
-            <a:avLst/>
-          </a:prstGeom>
-          <a:noFill/>
-        </p:spPr>
-        <p:txBody>
-          <a:bodyPr wrap="square" rtlCol="0">
-            <a:spAutoFit/>
-          </a:bodyPr>
-          <a:lstStyle/>
-          <a:p>
-            <a:pPr algn="ctr"/>
-            <a:r>
-              <a:rPr kumimoji="1" lang="en-US" altLang="ja-JP" dirty="0" smtClean="0"/>
-              <a:t>case1</a:t>
-            </a:r>
-          </a:p>
-          <a:p>
-            <a:pPr algn="ctr"/>
-            <a:r>
-              <a:rPr kumimoji="1" lang="en-US" altLang="ja-JP" dirty="0" smtClean="0"/>
-              <a:t>Stationary</a:t>
-            </a:r>
-            <a:endParaRPr kumimoji="1" lang="en-US" altLang="ja-JP" dirty="0"/>
-          </a:p>
-        </p:txBody>
-      </p:sp>
-      <p:sp>
-        <p:nvSpPr>
-          <p:cNvPr id="12" name="テキスト ボックス 11"/>
-          <p:cNvSpPr txBox="1"/>
-          <p:nvPr/>
-        </p:nvSpPr>
-        <p:spPr>
-          <a:xfrm>
-            <a:off x="3275856" y="5952148"/>
-            <a:ext cx="2802666" cy="646331"/>
-          </a:xfrm>
-          <a:prstGeom prst="rect">
-            <a:avLst/>
-          </a:prstGeom>
-          <a:noFill/>
-        </p:spPr>
-        <p:txBody>
-          <a:bodyPr wrap="square" rtlCol="0">
-            <a:spAutoFit/>
-          </a:bodyPr>
-          <a:lstStyle/>
-          <a:p>
-            <a:pPr algn="ctr"/>
-            <a:r>
-              <a:rPr kumimoji="1" lang="en-US" altLang="ja-JP" dirty="0" smtClean="0"/>
-              <a:t>case2</a:t>
-            </a:r>
-            <a:endParaRPr kumimoji="1" lang="en-US" altLang="ja-JP" dirty="0" smtClean="0"/>
-          </a:p>
-          <a:p>
-            <a:pPr algn="ctr"/>
-            <a:r>
-              <a:rPr kumimoji="1" lang="en-US" altLang="ja-JP" dirty="0" smtClean="0"/>
-              <a:t>200 </a:t>
-            </a:r>
-            <a:r>
-              <a:rPr kumimoji="1" lang="en-US" altLang="ja-JP" dirty="0"/>
-              <a:t>[mm/s]</a:t>
-            </a:r>
-            <a:endParaRPr kumimoji="1" lang="ja-JP" altLang="en-US" dirty="0"/>
-          </a:p>
-        </p:txBody>
-      </p:sp>
-      <p:sp>
-        <p:nvSpPr>
-          <p:cNvPr id="15" name="テキスト ボックス 14"/>
-          <p:cNvSpPr txBox="1"/>
-          <p:nvPr/>
-        </p:nvSpPr>
-        <p:spPr>
-          <a:xfrm>
-            <a:off x="5508104" y="5952148"/>
-            <a:ext cx="2802666" cy="646331"/>
-          </a:xfrm>
-          <a:prstGeom prst="rect">
-            <a:avLst/>
-          </a:prstGeom>
-          <a:noFill/>
-        </p:spPr>
-        <p:txBody>
-          <a:bodyPr wrap="square" rtlCol="0">
-            <a:spAutoFit/>
-          </a:bodyPr>
-          <a:lstStyle/>
-          <a:p>
-            <a:pPr algn="ctr"/>
-            <a:r>
-              <a:rPr kumimoji="1" lang="en-US" altLang="ja-JP" dirty="0" smtClean="0"/>
-              <a:t>case3</a:t>
-            </a:r>
-          </a:p>
-          <a:p>
-            <a:pPr algn="ctr"/>
-            <a:r>
-              <a:rPr kumimoji="1" lang="en-US" altLang="ja-JP" dirty="0" smtClean="0"/>
-              <a:t>300 </a:t>
-            </a:r>
-            <a:r>
-              <a:rPr kumimoji="1" lang="en-US" altLang="ja-JP" dirty="0"/>
-              <a:t>[mm/s]</a:t>
-            </a:r>
-            <a:endParaRPr kumimoji="1" lang="ja-JP" altLang="en-US" dirty="0"/>
-          </a:p>
-        </p:txBody>
-      </p:sp>
       <p:pic>
         <p:nvPicPr>
           <p:cNvPr id="9" name="stationary_comapre_withCFD2,3_epsilon">
@@ -12039,6 +11908,133 @@
           </a:prstGeom>
         </p:spPr>
       </p:pic>
+      <p:sp>
+        <p:nvSpPr>
+          <p:cNvPr id="16" name="テキスト ボックス 15"/>
+          <p:cNvSpPr txBox="1"/>
+          <p:nvPr/>
+        </p:nvSpPr>
+        <p:spPr>
+          <a:xfrm>
+            <a:off x="971600" y="5952148"/>
+            <a:ext cx="2802666" cy="646331"/>
+          </a:xfrm>
+          <a:prstGeom prst="rect">
+            <a:avLst/>
+          </a:prstGeom>
+          <a:noFill/>
+        </p:spPr>
+        <p:txBody>
+          <a:bodyPr wrap="square" rtlCol="0">
+            <a:spAutoFit/>
+          </a:bodyPr>
+          <a:lstStyle/>
+          <a:p>
+            <a:pPr algn="ctr"/>
+            <a:r>
+              <a:rPr kumimoji="1" lang="en-US" altLang="ja-JP" dirty="0" smtClean="0"/>
+              <a:t>case1</a:t>
+            </a:r>
+          </a:p>
+          <a:p>
+            <a:pPr algn="ctr"/>
+            <a:r>
+              <a:rPr kumimoji="1" lang="en-US" altLang="ja-JP" dirty="0"/>
+              <a:t>S</a:t>
+            </a:r>
+            <a:r>
+              <a:rPr kumimoji="1" lang="en-US" altLang="ja-JP" dirty="0" smtClean="0"/>
+              <a:t>tationary</a:t>
+            </a:r>
+            <a:endParaRPr kumimoji="1" lang="en-US" altLang="ja-JP" dirty="0"/>
+          </a:p>
+        </p:txBody>
+      </p:sp>
+      <p:sp>
+        <p:nvSpPr>
+          <p:cNvPr id="17" name="テキスト ボックス 16"/>
+          <p:cNvSpPr txBox="1"/>
+          <p:nvPr/>
+        </p:nvSpPr>
+        <p:spPr>
+          <a:xfrm>
+            <a:off x="3275856" y="5952148"/>
+            <a:ext cx="2802666" cy="646331"/>
+          </a:xfrm>
+          <a:prstGeom prst="rect">
+            <a:avLst/>
+          </a:prstGeom>
+          <a:noFill/>
+        </p:spPr>
+        <p:txBody>
+          <a:bodyPr wrap="square" rtlCol="0">
+            <a:spAutoFit/>
+          </a:bodyPr>
+          <a:lstStyle/>
+          <a:p>
+            <a:pPr algn="ctr"/>
+            <a:r>
+              <a:rPr kumimoji="1" lang="en-US" altLang="ja-JP" dirty="0" smtClean="0"/>
+              <a:t>case2</a:t>
+            </a:r>
+            <a:endParaRPr kumimoji="1" lang="en-US" altLang="ja-JP" dirty="0" smtClean="0"/>
+          </a:p>
+          <a:p>
+            <a:pPr algn="ctr"/>
+            <a:r>
+              <a:rPr kumimoji="1" lang="en-US" altLang="ja-JP" dirty="0" smtClean="0"/>
+              <a:t>Move - 200 </a:t>
+            </a:r>
+            <a:r>
+              <a:rPr kumimoji="1" lang="en-US" altLang="ja-JP" dirty="0"/>
+              <a:t>[mm/s]</a:t>
+            </a:r>
+            <a:endParaRPr kumimoji="1" lang="ja-JP" altLang="en-US" dirty="0"/>
+          </a:p>
+        </p:txBody>
+      </p:sp>
+      <p:sp>
+        <p:nvSpPr>
+          <p:cNvPr id="18" name="テキスト ボックス 17"/>
+          <p:cNvSpPr txBox="1"/>
+          <p:nvPr/>
+        </p:nvSpPr>
+        <p:spPr>
+          <a:xfrm>
+            <a:off x="5508104" y="5952148"/>
+            <a:ext cx="2802666" cy="646331"/>
+          </a:xfrm>
+          <a:prstGeom prst="rect">
+            <a:avLst/>
+          </a:prstGeom>
+          <a:noFill/>
+        </p:spPr>
+        <p:txBody>
+          <a:bodyPr wrap="square" rtlCol="0">
+            <a:spAutoFit/>
+          </a:bodyPr>
+          <a:lstStyle/>
+          <a:p>
+            <a:pPr algn="ctr"/>
+            <a:r>
+              <a:rPr kumimoji="1" lang="en-US" altLang="ja-JP" dirty="0" smtClean="0"/>
+              <a:t>case3</a:t>
+            </a:r>
+          </a:p>
+          <a:p>
+            <a:pPr algn="ctr"/>
+            <a:r>
+              <a:rPr kumimoji="1" lang="en-US" altLang="ja-JP" dirty="0" smtClean="0"/>
+              <a:t>Move - 300 </a:t>
+            </a:r>
+            <a:r>
+              <a:rPr kumimoji="1" lang="en-US" altLang="ja-JP" dirty="0"/>
+              <a:t>[mm/s]</a:t>
+            </a:r>
+            <a:endParaRPr kumimoji="1" lang="ja-JP" altLang="en-US" dirty="0"/>
+          </a:p>
+        </p:txBody>
+      </p:sp>
     </p:spTree>
     <p:extLst>
       <p:ext uri="{BB962C8B-B14F-4D97-AF65-F5344CB8AC3E}">
@@ -17585,12 +17581,12 @@
               <a:t> </a:t>
             </a:r>
             <a:r>
-              <a:rPr lang="en-US" altLang="ko-KR" dirty="0" smtClean="0"/>
-              <a:t>Comparison</a:t>
-            </a:r>
-            <a:r>
-              <a:rPr lang="en-US" altLang="ko-KR" dirty="0"/>
-              <a:t>, Suction velocity</a:t>
+              <a:rPr kumimoji="1" lang="en-US" altLang="ja-JP" dirty="0"/>
+              <a:t>Stationary </a:t>
+            </a:r>
+            <a:r>
+              <a:rPr kumimoji="1" lang="en-US" altLang="ja-JP" dirty="0" smtClean="0"/>
+              <a:t>Pestle</a:t>
             </a:r>
             <a:endParaRPr lang="ko-KR" altLang="en-US" dirty="0">
               <a:latin typeface="メイリオ" panose="020B0604030504040204" pitchFamily="50" charset="-128"/>
@@ -17683,7 +17679,7 @@
         </p:nvSpPr>
         <p:spPr>
           <a:xfrm>
-            <a:off x="351681" y="3157672"/>
+            <a:off x="323528" y="3789040"/>
             <a:ext cx="8136904" cy="646331"/>
           </a:xfrm>
           <a:prstGeom prst="rect">
@@ -17787,7 +17783,7 @@
         </p:nvSpPr>
         <p:spPr>
           <a:xfrm>
-            <a:off x="351681" y="3882664"/>
+            <a:off x="323528" y="4514032"/>
             <a:ext cx="8136904" cy="369332"/>
           </a:xfrm>
           <a:prstGeom prst="rect">
@@ -17811,9 +17807,39 @@
             </a:r>
             <a:r>
               <a:rPr kumimoji="1" lang="ja-JP" altLang="en-US" dirty="0" smtClean="0"/>
-              <a:t>効果による引き込みの効果あり</a:t>
+              <a:t>効果による引き込みには、層形状を保つ効果</a:t>
             </a:r>
             <a:endParaRPr kumimoji="1" lang="en-US" altLang="ja-JP" dirty="0"/>
+          </a:p>
+        </p:txBody>
+      </p:sp>
+      <p:sp>
+        <p:nvSpPr>
+          <p:cNvPr id="10" name="テキスト ボックス 9"/>
+          <p:cNvSpPr txBox="1"/>
+          <p:nvPr/>
+        </p:nvSpPr>
+        <p:spPr>
+          <a:xfrm>
+            <a:off x="323528" y="3026389"/>
+            <a:ext cx="8136904" cy="369332"/>
+          </a:xfrm>
+          <a:prstGeom prst="rect">
+            <a:avLst/>
+          </a:prstGeom>
+          <a:noFill/>
+        </p:spPr>
+        <p:txBody>
+          <a:bodyPr wrap="square" rtlCol="0">
+            <a:spAutoFit/>
+          </a:bodyPr>
+          <a:lstStyle/>
+          <a:p>
+            <a:r>
+              <a:rPr kumimoji="1" lang="ja-JP" altLang="en-US" dirty="0" smtClean="0"/>
+              <a:t>・ 下層粒子が穴上部に流れ込んでいる</a:t>
+            </a:r>
+            <a:endParaRPr kumimoji="1" lang="en-US" altLang="ja-JP" dirty="0" smtClean="0"/>
           </a:p>
         </p:txBody>
       </p:sp>

--- a/saxon.pptx
+++ b/saxon.pptx
@@ -6,7 +6,7 @@
     <p:sldMasterId id="2147483661" r:id="rId2"/>
   </p:sldMasterIdLst>
   <p:notesMasterIdLst>
-    <p:notesMasterId r:id="rId25"/>
+    <p:notesMasterId r:id="rId27"/>
   </p:notesMasterIdLst>
   <p:sldIdLst>
     <p:sldId id="256" r:id="rId3"/>
@@ -19,18 +19,20 @@
     <p:sldId id="281" r:id="rId10"/>
     <p:sldId id="282" r:id="rId11"/>
     <p:sldId id="271" r:id="rId12"/>
-    <p:sldId id="286" r:id="rId13"/>
-    <p:sldId id="289" r:id="rId14"/>
-    <p:sldId id="297" r:id="rId15"/>
-    <p:sldId id="291" r:id="rId16"/>
-    <p:sldId id="306" r:id="rId17"/>
-    <p:sldId id="292" r:id="rId18"/>
-    <p:sldId id="300" r:id="rId19"/>
-    <p:sldId id="301" r:id="rId20"/>
-    <p:sldId id="302" r:id="rId21"/>
-    <p:sldId id="298" r:id="rId22"/>
-    <p:sldId id="299" r:id="rId23"/>
-    <p:sldId id="305" r:id="rId24"/>
+    <p:sldId id="308" r:id="rId13"/>
+    <p:sldId id="286" r:id="rId14"/>
+    <p:sldId id="289" r:id="rId15"/>
+    <p:sldId id="297" r:id="rId16"/>
+    <p:sldId id="291" r:id="rId17"/>
+    <p:sldId id="306" r:id="rId18"/>
+    <p:sldId id="292" r:id="rId19"/>
+    <p:sldId id="300" r:id="rId20"/>
+    <p:sldId id="301" r:id="rId21"/>
+    <p:sldId id="302" r:id="rId22"/>
+    <p:sldId id="307" r:id="rId23"/>
+    <p:sldId id="298" r:id="rId24"/>
+    <p:sldId id="299" r:id="rId25"/>
+    <p:sldId id="305" r:id="rId26"/>
   </p:sldIdLst>
   <p:sldSz cx="9144000" cy="6858000" type="screen4x3"/>
   <p:notesSz cx="6858000" cy="9144000"/>
@@ -146,6 +148,2139 @@
     </p:ext>
   </p:extLst>
 </p:presentation>
+</file>
+
+<file path=ppt/charts/chart1.xml><?xml version="1.0" encoding="utf-8"?>
+<c:chartSpace xmlns:c="http://schemas.openxmlformats.org/drawingml/2006/chart" xmlns:a="http://schemas.openxmlformats.org/drawingml/2006/main" xmlns:r="http://schemas.openxmlformats.org/officeDocument/2006/relationships">
+  <c:date1904 val="0"/>
+  <c:lang val="ja-JP"/>
+  <c:roundedCorners val="0"/>
+  <mc:AlternateContent xmlns:mc="http://schemas.openxmlformats.org/markup-compatibility/2006">
+    <mc:Choice xmlns:c14="http://schemas.microsoft.com/office/drawing/2007/8/2/chart" Requires="c14">
+      <c14:style val="102"/>
+    </mc:Choice>
+    <mc:Fallback>
+      <c:style val="2"/>
+    </mc:Fallback>
+  </mc:AlternateContent>
+  <c:chart>
+    <c:title>
+      <c:tx>
+        <c:rich>
+          <a:bodyPr rot="0" spcFirstLastPara="1" vertOverflow="ellipsis" vert="horz" wrap="square" anchor="ctr" anchorCtr="1"/>
+          <a:lstStyle/>
+          <a:p>
+            <a:pPr>
+              <a:defRPr sz="1400" b="0" i="0" u="none" strike="noStrike" kern="1200" spc="0" baseline="0">
+                <a:solidFill>
+                  <a:schemeClr val="tx1">
+                    <a:lumMod val="65000"/>
+                    <a:lumOff val="35000"/>
+                  </a:schemeClr>
+                </a:solidFill>
+                <a:latin typeface="+mn-lt"/>
+                <a:ea typeface="+mn-ea"/>
+                <a:cs typeface="+mn-cs"/>
+              </a:defRPr>
+            </a:pPr>
+            <a:r>
+              <a:rPr lang="ja-JP" altLang="en-US"/>
+              <a:t>層別粒子数</a:t>
+            </a:r>
+          </a:p>
+        </c:rich>
+      </c:tx>
+      <c:layout/>
+      <c:overlay val="0"/>
+      <c:spPr>
+        <a:noFill/>
+        <a:ln>
+          <a:noFill/>
+        </a:ln>
+        <a:effectLst/>
+      </c:spPr>
+      <c:txPr>
+        <a:bodyPr rot="0" spcFirstLastPara="1" vertOverflow="ellipsis" vert="horz" wrap="square" anchor="ctr" anchorCtr="1"/>
+        <a:lstStyle/>
+        <a:p>
+          <a:pPr>
+            <a:defRPr sz="1400" b="0" i="0" u="none" strike="noStrike" kern="1200" spc="0" baseline="0">
+              <a:solidFill>
+                <a:schemeClr val="tx1">
+                  <a:lumMod val="65000"/>
+                  <a:lumOff val="35000"/>
+                </a:schemeClr>
+              </a:solidFill>
+              <a:latin typeface="+mn-lt"/>
+              <a:ea typeface="+mn-ea"/>
+              <a:cs typeface="+mn-cs"/>
+            </a:defRPr>
+          </a:pPr>
+          <a:endParaRPr lang="ja-JP"/>
+        </a:p>
+      </c:txPr>
+    </c:title>
+    <c:autoTitleDeleted val="0"/>
+    <c:plotArea>
+      <c:layout/>
+      <c:barChart>
+        <c:barDir val="col"/>
+        <c:grouping val="stacked"/>
+        <c:varyColors val="0"/>
+        <c:ser>
+          <c:idx val="0"/>
+          <c:order val="0"/>
+          <c:tx>
+            <c:v>1</c:v>
+          </c:tx>
+          <c:spPr>
+            <a:solidFill>
+              <a:srgbClr val="FF0000"/>
+            </a:solidFill>
+            <a:ln>
+              <a:solidFill>
+                <a:schemeClr val="bg1"/>
+              </a:solidFill>
+            </a:ln>
+            <a:effectLst/>
+          </c:spPr>
+          <c:invertIfNegative val="0"/>
+          <c:cat>
+            <c:strRef>
+              <c:f>Sheet1!$K$19:$M$19</c:f>
+              <c:strCache>
+                <c:ptCount val="3"/>
+                <c:pt idx="0">
+                  <c:v>100[mm/s]</c:v>
+                </c:pt>
+                <c:pt idx="1">
+                  <c:v>200[mm/s]</c:v>
+                </c:pt>
+                <c:pt idx="2">
+                  <c:v>300[mm/s]</c:v>
+                </c:pt>
+              </c:strCache>
+            </c:strRef>
+          </c:cat>
+          <c:val>
+            <c:numRef>
+              <c:f>Sheet1!$K$21:$M$21</c:f>
+              <c:numCache>
+                <c:formatCode>General</c:formatCode>
+                <c:ptCount val="3"/>
+                <c:pt idx="0">
+                  <c:v>20129</c:v>
+                </c:pt>
+                <c:pt idx="1">
+                  <c:v>22542</c:v>
+                </c:pt>
+                <c:pt idx="2">
+                  <c:v>23974</c:v>
+                </c:pt>
+              </c:numCache>
+            </c:numRef>
+          </c:val>
+        </c:ser>
+        <c:ser>
+          <c:idx val="1"/>
+          <c:order val="1"/>
+          <c:tx>
+            <c:v>2</c:v>
+          </c:tx>
+          <c:spPr>
+            <a:solidFill>
+              <a:schemeClr val="accent5"/>
+            </a:solidFill>
+            <a:ln>
+              <a:noFill/>
+            </a:ln>
+            <a:effectLst/>
+          </c:spPr>
+          <c:invertIfNegative val="0"/>
+          <c:dPt>
+            <c:idx val="0"/>
+            <c:invertIfNegative val="0"/>
+            <c:bubble3D val="0"/>
+            <c:spPr>
+              <a:solidFill>
+                <a:schemeClr val="tx2"/>
+              </a:solidFill>
+              <a:ln>
+                <a:noFill/>
+              </a:ln>
+              <a:effectLst/>
+            </c:spPr>
+          </c:dPt>
+          <c:dPt>
+            <c:idx val="1"/>
+            <c:invertIfNegative val="0"/>
+            <c:bubble3D val="0"/>
+            <c:spPr>
+              <a:solidFill>
+                <a:schemeClr val="tx2"/>
+              </a:solidFill>
+              <a:ln>
+                <a:noFill/>
+              </a:ln>
+              <a:effectLst/>
+            </c:spPr>
+          </c:dPt>
+          <c:dPt>
+            <c:idx val="2"/>
+            <c:invertIfNegative val="0"/>
+            <c:bubble3D val="0"/>
+            <c:spPr>
+              <a:solidFill>
+                <a:schemeClr val="tx2"/>
+              </a:solidFill>
+              <a:ln>
+                <a:noFill/>
+              </a:ln>
+              <a:effectLst/>
+            </c:spPr>
+          </c:dPt>
+          <c:cat>
+            <c:strRef>
+              <c:f>Sheet1!$K$19:$M$19</c:f>
+              <c:strCache>
+                <c:ptCount val="3"/>
+                <c:pt idx="0">
+                  <c:v>100[mm/s]</c:v>
+                </c:pt>
+                <c:pt idx="1">
+                  <c:v>200[mm/s]</c:v>
+                </c:pt>
+                <c:pt idx="2">
+                  <c:v>300[mm/s]</c:v>
+                </c:pt>
+              </c:strCache>
+            </c:strRef>
+          </c:cat>
+          <c:val>
+            <c:numRef>
+              <c:f>Sheet1!$K$22:$M$22</c:f>
+              <c:numCache>
+                <c:formatCode>General</c:formatCode>
+                <c:ptCount val="3"/>
+                <c:pt idx="0">
+                  <c:v>22576</c:v>
+                </c:pt>
+                <c:pt idx="1">
+                  <c:v>25159</c:v>
+                </c:pt>
+                <c:pt idx="2">
+                  <c:v>26392</c:v>
+                </c:pt>
+              </c:numCache>
+            </c:numRef>
+          </c:val>
+        </c:ser>
+        <c:ser>
+          <c:idx val="2"/>
+          <c:order val="2"/>
+          <c:tx>
+            <c:v>3</c:v>
+          </c:tx>
+          <c:spPr>
+            <a:solidFill>
+              <a:srgbClr val="00B0F0"/>
+            </a:solidFill>
+            <a:ln>
+              <a:noFill/>
+            </a:ln>
+            <a:effectLst/>
+          </c:spPr>
+          <c:invertIfNegative val="0"/>
+          <c:cat>
+            <c:strRef>
+              <c:f>Sheet1!$K$19:$M$19</c:f>
+              <c:strCache>
+                <c:ptCount val="3"/>
+                <c:pt idx="0">
+                  <c:v>100[mm/s]</c:v>
+                </c:pt>
+                <c:pt idx="1">
+                  <c:v>200[mm/s]</c:v>
+                </c:pt>
+                <c:pt idx="2">
+                  <c:v>300[mm/s]</c:v>
+                </c:pt>
+              </c:strCache>
+            </c:strRef>
+          </c:cat>
+          <c:val>
+            <c:numRef>
+              <c:f>Sheet1!$K$23:$M$23</c:f>
+              <c:numCache>
+                <c:formatCode>General</c:formatCode>
+                <c:ptCount val="3"/>
+                <c:pt idx="0">
+                  <c:v>28765</c:v>
+                </c:pt>
+                <c:pt idx="1">
+                  <c:v>30313</c:v>
+                </c:pt>
+                <c:pt idx="2">
+                  <c:v>30653</c:v>
+                </c:pt>
+              </c:numCache>
+            </c:numRef>
+          </c:val>
+        </c:ser>
+        <c:ser>
+          <c:idx val="3"/>
+          <c:order val="3"/>
+          <c:tx>
+            <c:v>4</c:v>
+          </c:tx>
+          <c:spPr>
+            <a:solidFill>
+              <a:srgbClr val="92D050"/>
+            </a:solidFill>
+            <a:ln>
+              <a:noFill/>
+            </a:ln>
+            <a:effectLst/>
+          </c:spPr>
+          <c:invertIfNegative val="0"/>
+          <c:cat>
+            <c:strRef>
+              <c:f>Sheet1!$K$19:$M$19</c:f>
+              <c:strCache>
+                <c:ptCount val="3"/>
+                <c:pt idx="0">
+                  <c:v>100[mm/s]</c:v>
+                </c:pt>
+                <c:pt idx="1">
+                  <c:v>200[mm/s]</c:v>
+                </c:pt>
+                <c:pt idx="2">
+                  <c:v>300[mm/s]</c:v>
+                </c:pt>
+              </c:strCache>
+            </c:strRef>
+          </c:cat>
+          <c:val>
+            <c:numRef>
+              <c:f>Sheet1!$K$24:$M$24</c:f>
+              <c:numCache>
+                <c:formatCode>General</c:formatCode>
+                <c:ptCount val="3"/>
+                <c:pt idx="0">
+                  <c:v>33207</c:v>
+                </c:pt>
+                <c:pt idx="1">
+                  <c:v>33215</c:v>
+                </c:pt>
+                <c:pt idx="2">
+                  <c:v>32134</c:v>
+                </c:pt>
+              </c:numCache>
+            </c:numRef>
+          </c:val>
+        </c:ser>
+        <c:ser>
+          <c:idx val="4"/>
+          <c:order val="4"/>
+          <c:tx>
+            <c:v>5</c:v>
+          </c:tx>
+          <c:spPr>
+            <a:solidFill>
+              <a:srgbClr val="FFFF00"/>
+            </a:solidFill>
+            <a:ln>
+              <a:noFill/>
+            </a:ln>
+            <a:effectLst/>
+          </c:spPr>
+          <c:invertIfNegative val="0"/>
+          <c:cat>
+            <c:strRef>
+              <c:f>Sheet1!$K$19:$M$19</c:f>
+              <c:strCache>
+                <c:ptCount val="3"/>
+                <c:pt idx="0">
+                  <c:v>100[mm/s]</c:v>
+                </c:pt>
+                <c:pt idx="1">
+                  <c:v>200[mm/s]</c:v>
+                </c:pt>
+                <c:pt idx="2">
+                  <c:v>300[mm/s]</c:v>
+                </c:pt>
+              </c:strCache>
+            </c:strRef>
+          </c:cat>
+          <c:val>
+            <c:numRef>
+              <c:f>Sheet1!$K$25:$M$25</c:f>
+              <c:numCache>
+                <c:formatCode>General</c:formatCode>
+                <c:ptCount val="3"/>
+                <c:pt idx="0">
+                  <c:v>37447</c:v>
+                </c:pt>
+                <c:pt idx="1">
+                  <c:v>33510</c:v>
+                </c:pt>
+                <c:pt idx="2">
+                  <c:v>31892</c:v>
+                </c:pt>
+              </c:numCache>
+            </c:numRef>
+          </c:val>
+        </c:ser>
+        <c:dLbls>
+          <c:showLegendKey val="0"/>
+          <c:showVal val="0"/>
+          <c:showCatName val="0"/>
+          <c:showSerName val="0"/>
+          <c:showPercent val="0"/>
+          <c:showBubbleSize val="0"/>
+        </c:dLbls>
+        <c:gapWidth val="150"/>
+        <c:overlap val="100"/>
+        <c:serLines>
+          <c:spPr>
+            <a:ln w="15875" cap="flat" cmpd="sng" algn="ctr">
+              <a:solidFill>
+                <a:schemeClr val="tx1">
+                  <a:lumMod val="35000"/>
+                  <a:lumOff val="65000"/>
+                </a:schemeClr>
+              </a:solidFill>
+              <a:prstDash val="sysDot"/>
+              <a:round/>
+            </a:ln>
+            <a:effectLst/>
+          </c:spPr>
+        </c:serLines>
+        <c:axId val="456064848"/>
+        <c:axId val="456064288"/>
+      </c:barChart>
+      <c:catAx>
+        <c:axId val="456064848"/>
+        <c:scaling>
+          <c:orientation val="minMax"/>
+        </c:scaling>
+        <c:delete val="0"/>
+        <c:axPos val="b"/>
+        <c:numFmt formatCode="General" sourceLinked="1"/>
+        <c:majorTickMark val="none"/>
+        <c:minorTickMark val="none"/>
+        <c:tickLblPos val="nextTo"/>
+        <c:spPr>
+          <a:noFill/>
+          <a:ln w="9525" cap="flat" cmpd="sng" algn="ctr">
+            <a:solidFill>
+              <a:schemeClr val="tx1">
+                <a:lumMod val="15000"/>
+                <a:lumOff val="85000"/>
+              </a:schemeClr>
+            </a:solidFill>
+            <a:round/>
+          </a:ln>
+          <a:effectLst/>
+        </c:spPr>
+        <c:txPr>
+          <a:bodyPr rot="-60000000" spcFirstLastPara="1" vertOverflow="ellipsis" vert="horz" wrap="square" anchor="ctr" anchorCtr="1"/>
+          <a:lstStyle/>
+          <a:p>
+            <a:pPr>
+              <a:defRPr sz="900" b="0" i="0" u="none" strike="noStrike" kern="1200" baseline="0">
+                <a:solidFill>
+                  <a:schemeClr val="tx1">
+                    <a:lumMod val="65000"/>
+                    <a:lumOff val="35000"/>
+                  </a:schemeClr>
+                </a:solidFill>
+                <a:latin typeface="+mn-lt"/>
+                <a:ea typeface="+mn-ea"/>
+                <a:cs typeface="+mn-cs"/>
+              </a:defRPr>
+            </a:pPr>
+            <a:endParaRPr lang="ja-JP"/>
+          </a:p>
+        </c:txPr>
+        <c:crossAx val="456064288"/>
+        <c:crosses val="autoZero"/>
+        <c:auto val="1"/>
+        <c:lblAlgn val="ctr"/>
+        <c:lblOffset val="100"/>
+        <c:noMultiLvlLbl val="0"/>
+      </c:catAx>
+      <c:valAx>
+        <c:axId val="456064288"/>
+        <c:scaling>
+          <c:orientation val="minMax"/>
+        </c:scaling>
+        <c:delete val="0"/>
+        <c:axPos val="l"/>
+        <c:majorGridlines>
+          <c:spPr>
+            <a:ln w="9525" cap="flat" cmpd="sng" algn="ctr">
+              <a:solidFill>
+                <a:schemeClr val="tx1">
+                  <a:lumMod val="15000"/>
+                  <a:lumOff val="85000"/>
+                </a:schemeClr>
+              </a:solidFill>
+              <a:round/>
+            </a:ln>
+            <a:effectLst/>
+          </c:spPr>
+        </c:majorGridlines>
+        <c:numFmt formatCode="General" sourceLinked="1"/>
+        <c:majorTickMark val="none"/>
+        <c:minorTickMark val="none"/>
+        <c:tickLblPos val="nextTo"/>
+        <c:spPr>
+          <a:noFill/>
+          <a:ln>
+            <a:noFill/>
+          </a:ln>
+          <a:effectLst/>
+        </c:spPr>
+        <c:txPr>
+          <a:bodyPr rot="-60000000" spcFirstLastPara="1" vertOverflow="ellipsis" vert="horz" wrap="square" anchor="ctr" anchorCtr="1"/>
+          <a:lstStyle/>
+          <a:p>
+            <a:pPr>
+              <a:defRPr sz="900" b="0" i="0" u="none" strike="noStrike" kern="1200" baseline="0">
+                <a:solidFill>
+                  <a:schemeClr val="tx1">
+                    <a:lumMod val="65000"/>
+                    <a:lumOff val="35000"/>
+                  </a:schemeClr>
+                </a:solidFill>
+                <a:latin typeface="+mn-lt"/>
+                <a:ea typeface="+mn-ea"/>
+                <a:cs typeface="+mn-cs"/>
+              </a:defRPr>
+            </a:pPr>
+            <a:endParaRPr lang="ja-JP"/>
+          </a:p>
+        </c:txPr>
+        <c:crossAx val="456064848"/>
+        <c:crosses val="autoZero"/>
+        <c:crossBetween val="between"/>
+      </c:valAx>
+      <c:spPr>
+        <a:noFill/>
+        <a:ln>
+          <a:noFill/>
+        </a:ln>
+        <a:effectLst/>
+      </c:spPr>
+    </c:plotArea>
+    <c:plotVisOnly val="1"/>
+    <c:dispBlanksAs val="gap"/>
+    <c:showDLblsOverMax val="0"/>
+  </c:chart>
+  <c:spPr>
+    <a:noFill/>
+    <a:ln>
+      <a:noFill/>
+    </a:ln>
+    <a:effectLst/>
+  </c:spPr>
+  <c:txPr>
+    <a:bodyPr/>
+    <a:lstStyle/>
+    <a:p>
+      <a:pPr>
+        <a:defRPr/>
+      </a:pPr>
+      <a:endParaRPr lang="ja-JP"/>
+    </a:p>
+  </c:txPr>
+  <c:externalData r:id="rId3">
+    <c:autoUpdate val="0"/>
+  </c:externalData>
+</c:chartSpace>
+</file>
+
+<file path=ppt/charts/chart2.xml><?xml version="1.0" encoding="utf-8"?>
+<c:chartSpace xmlns:c="http://schemas.openxmlformats.org/drawingml/2006/chart" xmlns:a="http://schemas.openxmlformats.org/drawingml/2006/main" xmlns:r="http://schemas.openxmlformats.org/officeDocument/2006/relationships">
+  <c:date1904 val="0"/>
+  <c:lang val="ja-JP"/>
+  <c:roundedCorners val="0"/>
+  <mc:AlternateContent xmlns:mc="http://schemas.openxmlformats.org/markup-compatibility/2006">
+    <mc:Choice xmlns:c14="http://schemas.microsoft.com/office/drawing/2007/8/2/chart" Requires="c14">
+      <c14:style val="102"/>
+    </mc:Choice>
+    <mc:Fallback>
+      <c:style val="2"/>
+    </mc:Fallback>
+  </mc:AlternateContent>
+  <c:chart>
+    <c:title>
+      <c:tx>
+        <c:rich>
+          <a:bodyPr rot="0" spcFirstLastPara="1" vertOverflow="ellipsis" vert="horz" wrap="square" anchor="ctr" anchorCtr="1"/>
+          <a:lstStyle/>
+          <a:p>
+            <a:pPr>
+              <a:defRPr sz="1400" b="0" i="0" u="none" strike="noStrike" kern="1200" spc="0" baseline="0">
+                <a:solidFill>
+                  <a:schemeClr val="tx1">
+                    <a:lumMod val="65000"/>
+                    <a:lumOff val="35000"/>
+                  </a:schemeClr>
+                </a:solidFill>
+                <a:latin typeface="+mn-lt"/>
+                <a:ea typeface="+mn-ea"/>
+                <a:cs typeface="+mn-cs"/>
+              </a:defRPr>
+            </a:pPr>
+            <a:r>
+              <a:rPr lang="ja-JP" altLang="en-US"/>
+              <a:t>層別粒子数</a:t>
+            </a:r>
+            <a:endParaRPr lang="en-US" altLang="ja-JP"/>
+          </a:p>
+        </c:rich>
+      </c:tx>
+      <c:layout/>
+      <c:overlay val="0"/>
+      <c:spPr>
+        <a:noFill/>
+        <a:ln>
+          <a:noFill/>
+        </a:ln>
+        <a:effectLst/>
+      </c:spPr>
+      <c:txPr>
+        <a:bodyPr rot="0" spcFirstLastPara="1" vertOverflow="ellipsis" vert="horz" wrap="square" anchor="ctr" anchorCtr="1"/>
+        <a:lstStyle/>
+        <a:p>
+          <a:pPr>
+            <a:defRPr sz="1400" b="0" i="0" u="none" strike="noStrike" kern="1200" spc="0" baseline="0">
+              <a:solidFill>
+                <a:schemeClr val="tx1">
+                  <a:lumMod val="65000"/>
+                  <a:lumOff val="35000"/>
+                </a:schemeClr>
+              </a:solidFill>
+              <a:latin typeface="+mn-lt"/>
+              <a:ea typeface="+mn-ea"/>
+              <a:cs typeface="+mn-cs"/>
+            </a:defRPr>
+          </a:pPr>
+          <a:endParaRPr lang="ja-JP"/>
+        </a:p>
+      </c:txPr>
+    </c:title>
+    <c:autoTitleDeleted val="0"/>
+    <c:plotArea>
+      <c:layout/>
+      <c:barChart>
+        <c:barDir val="col"/>
+        <c:grouping val="stacked"/>
+        <c:varyColors val="0"/>
+        <c:ser>
+          <c:idx val="0"/>
+          <c:order val="0"/>
+          <c:spPr>
+            <a:solidFill>
+              <a:srgbClr val="FF0000"/>
+            </a:solidFill>
+            <a:ln>
+              <a:noFill/>
+            </a:ln>
+            <a:effectLst/>
+          </c:spPr>
+          <c:invertIfNegative val="0"/>
+          <c:cat>
+            <c:strRef>
+              <c:f>Sheet1!$K$20:$M$20</c:f>
+              <c:strCache>
+                <c:ptCount val="3"/>
+                <c:pt idx="0">
+                  <c:v>Stationary</c:v>
+                </c:pt>
+                <c:pt idx="1">
+                  <c:v>Move - 200[mm/s]</c:v>
+                </c:pt>
+                <c:pt idx="2">
+                  <c:v>Move - 300[mm/s]</c:v>
+                </c:pt>
+              </c:strCache>
+            </c:strRef>
+          </c:cat>
+          <c:val>
+            <c:numRef>
+              <c:f>Sheet1!$K$21:$M$21</c:f>
+              <c:numCache>
+                <c:formatCode>General</c:formatCode>
+                <c:ptCount val="3"/>
+                <c:pt idx="0">
+                  <c:v>21158</c:v>
+                </c:pt>
+                <c:pt idx="1">
+                  <c:v>22542</c:v>
+                </c:pt>
+                <c:pt idx="2">
+                  <c:v>23974</c:v>
+                </c:pt>
+              </c:numCache>
+            </c:numRef>
+          </c:val>
+        </c:ser>
+        <c:ser>
+          <c:idx val="1"/>
+          <c:order val="1"/>
+          <c:spPr>
+            <a:solidFill>
+              <a:schemeClr val="tx2"/>
+            </a:solidFill>
+            <a:ln>
+              <a:noFill/>
+            </a:ln>
+            <a:effectLst/>
+          </c:spPr>
+          <c:invertIfNegative val="0"/>
+          <c:cat>
+            <c:strRef>
+              <c:f>Sheet1!$K$20:$M$20</c:f>
+              <c:strCache>
+                <c:ptCount val="3"/>
+                <c:pt idx="0">
+                  <c:v>Stationary</c:v>
+                </c:pt>
+                <c:pt idx="1">
+                  <c:v>Move - 200[mm/s]</c:v>
+                </c:pt>
+                <c:pt idx="2">
+                  <c:v>Move - 300[mm/s]</c:v>
+                </c:pt>
+              </c:strCache>
+            </c:strRef>
+          </c:cat>
+          <c:val>
+            <c:numRef>
+              <c:f>Sheet1!$K$22:$M$22</c:f>
+              <c:numCache>
+                <c:formatCode>General</c:formatCode>
+                <c:ptCount val="3"/>
+                <c:pt idx="0">
+                  <c:v>24198</c:v>
+                </c:pt>
+                <c:pt idx="1">
+                  <c:v>25159</c:v>
+                </c:pt>
+                <c:pt idx="2">
+                  <c:v>26392</c:v>
+                </c:pt>
+              </c:numCache>
+            </c:numRef>
+          </c:val>
+        </c:ser>
+        <c:ser>
+          <c:idx val="2"/>
+          <c:order val="2"/>
+          <c:spPr>
+            <a:solidFill>
+              <a:srgbClr val="00B0F0"/>
+            </a:solidFill>
+            <a:ln>
+              <a:noFill/>
+            </a:ln>
+            <a:effectLst/>
+          </c:spPr>
+          <c:invertIfNegative val="0"/>
+          <c:cat>
+            <c:strRef>
+              <c:f>Sheet1!$K$20:$M$20</c:f>
+              <c:strCache>
+                <c:ptCount val="3"/>
+                <c:pt idx="0">
+                  <c:v>Stationary</c:v>
+                </c:pt>
+                <c:pt idx="1">
+                  <c:v>Move - 200[mm/s]</c:v>
+                </c:pt>
+                <c:pt idx="2">
+                  <c:v>Move - 300[mm/s]</c:v>
+                </c:pt>
+              </c:strCache>
+            </c:strRef>
+          </c:cat>
+          <c:val>
+            <c:numRef>
+              <c:f>Sheet1!$K$23:$M$23</c:f>
+              <c:numCache>
+                <c:formatCode>General</c:formatCode>
+                <c:ptCount val="3"/>
+                <c:pt idx="0">
+                  <c:v>30205</c:v>
+                </c:pt>
+                <c:pt idx="1">
+                  <c:v>30313</c:v>
+                </c:pt>
+                <c:pt idx="2">
+                  <c:v>30653</c:v>
+                </c:pt>
+              </c:numCache>
+            </c:numRef>
+          </c:val>
+        </c:ser>
+        <c:ser>
+          <c:idx val="3"/>
+          <c:order val="3"/>
+          <c:spPr>
+            <a:solidFill>
+              <a:srgbClr val="92D050"/>
+            </a:solidFill>
+            <a:ln>
+              <a:noFill/>
+            </a:ln>
+            <a:effectLst/>
+          </c:spPr>
+          <c:invertIfNegative val="0"/>
+          <c:cat>
+            <c:strRef>
+              <c:f>Sheet1!$K$20:$M$20</c:f>
+              <c:strCache>
+                <c:ptCount val="3"/>
+                <c:pt idx="0">
+                  <c:v>Stationary</c:v>
+                </c:pt>
+                <c:pt idx="1">
+                  <c:v>Move - 200[mm/s]</c:v>
+                </c:pt>
+                <c:pt idx="2">
+                  <c:v>Move - 300[mm/s]</c:v>
+                </c:pt>
+              </c:strCache>
+            </c:strRef>
+          </c:cat>
+          <c:val>
+            <c:numRef>
+              <c:f>Sheet1!$K$24:$M$24</c:f>
+              <c:numCache>
+                <c:formatCode>General</c:formatCode>
+                <c:ptCount val="3"/>
+                <c:pt idx="0">
+                  <c:v>32809</c:v>
+                </c:pt>
+                <c:pt idx="1">
+                  <c:v>33215</c:v>
+                </c:pt>
+                <c:pt idx="2">
+                  <c:v>32134</c:v>
+                </c:pt>
+              </c:numCache>
+            </c:numRef>
+          </c:val>
+        </c:ser>
+        <c:ser>
+          <c:idx val="4"/>
+          <c:order val="4"/>
+          <c:spPr>
+            <a:solidFill>
+              <a:srgbClr val="FFFF00"/>
+            </a:solidFill>
+            <a:ln>
+              <a:noFill/>
+            </a:ln>
+            <a:effectLst/>
+          </c:spPr>
+          <c:invertIfNegative val="0"/>
+          <c:cat>
+            <c:strRef>
+              <c:f>Sheet1!$K$20:$M$20</c:f>
+              <c:strCache>
+                <c:ptCount val="3"/>
+                <c:pt idx="0">
+                  <c:v>Stationary</c:v>
+                </c:pt>
+                <c:pt idx="1">
+                  <c:v>Move - 200[mm/s]</c:v>
+                </c:pt>
+                <c:pt idx="2">
+                  <c:v>Move - 300[mm/s]</c:v>
+                </c:pt>
+              </c:strCache>
+            </c:strRef>
+          </c:cat>
+          <c:val>
+            <c:numRef>
+              <c:f>Sheet1!$K$25:$M$25</c:f>
+              <c:numCache>
+                <c:formatCode>General</c:formatCode>
+                <c:ptCount val="3"/>
+                <c:pt idx="0">
+                  <c:v>36234</c:v>
+                </c:pt>
+                <c:pt idx="1">
+                  <c:v>33510</c:v>
+                </c:pt>
+                <c:pt idx="2">
+                  <c:v>31892</c:v>
+                </c:pt>
+              </c:numCache>
+            </c:numRef>
+          </c:val>
+        </c:ser>
+        <c:dLbls>
+          <c:showLegendKey val="0"/>
+          <c:showVal val="0"/>
+          <c:showCatName val="0"/>
+          <c:showSerName val="0"/>
+          <c:showPercent val="0"/>
+          <c:showBubbleSize val="0"/>
+        </c:dLbls>
+        <c:gapWidth val="150"/>
+        <c:overlap val="100"/>
+        <c:serLines>
+          <c:spPr>
+            <a:ln w="15875" cap="flat" cmpd="sng" algn="ctr">
+              <a:solidFill>
+                <a:schemeClr val="bg1">
+                  <a:lumMod val="50000"/>
+                </a:schemeClr>
+              </a:solidFill>
+              <a:prstDash val="sysDot"/>
+              <a:round/>
+            </a:ln>
+            <a:effectLst/>
+          </c:spPr>
+        </c:serLines>
+        <c:axId val="449405040"/>
+        <c:axId val="356405440"/>
+      </c:barChart>
+      <c:catAx>
+        <c:axId val="449405040"/>
+        <c:scaling>
+          <c:orientation val="minMax"/>
+        </c:scaling>
+        <c:delete val="0"/>
+        <c:axPos val="b"/>
+        <c:numFmt formatCode="General" sourceLinked="1"/>
+        <c:majorTickMark val="none"/>
+        <c:minorTickMark val="none"/>
+        <c:tickLblPos val="nextTo"/>
+        <c:spPr>
+          <a:noFill/>
+          <a:ln w="9525" cap="flat" cmpd="sng" algn="ctr">
+            <a:solidFill>
+              <a:schemeClr val="tx1">
+                <a:lumMod val="15000"/>
+                <a:lumOff val="85000"/>
+              </a:schemeClr>
+            </a:solidFill>
+            <a:round/>
+          </a:ln>
+          <a:effectLst/>
+        </c:spPr>
+        <c:txPr>
+          <a:bodyPr rot="-60000000" spcFirstLastPara="1" vertOverflow="ellipsis" vert="horz" wrap="square" anchor="ctr" anchorCtr="1"/>
+          <a:lstStyle/>
+          <a:p>
+            <a:pPr>
+              <a:defRPr sz="900" b="0" i="0" u="none" strike="noStrike" kern="1200" baseline="0">
+                <a:solidFill>
+                  <a:schemeClr val="tx1">
+                    <a:lumMod val="65000"/>
+                    <a:lumOff val="35000"/>
+                  </a:schemeClr>
+                </a:solidFill>
+                <a:latin typeface="+mn-lt"/>
+                <a:ea typeface="+mn-ea"/>
+                <a:cs typeface="+mn-cs"/>
+              </a:defRPr>
+            </a:pPr>
+            <a:endParaRPr lang="ja-JP"/>
+          </a:p>
+        </c:txPr>
+        <c:crossAx val="356405440"/>
+        <c:crosses val="autoZero"/>
+        <c:auto val="1"/>
+        <c:lblAlgn val="ctr"/>
+        <c:lblOffset val="100"/>
+        <c:noMultiLvlLbl val="0"/>
+      </c:catAx>
+      <c:valAx>
+        <c:axId val="356405440"/>
+        <c:scaling>
+          <c:orientation val="minMax"/>
+        </c:scaling>
+        <c:delete val="0"/>
+        <c:axPos val="l"/>
+        <c:majorGridlines>
+          <c:spPr>
+            <a:ln w="9525" cap="flat" cmpd="sng" algn="ctr">
+              <a:solidFill>
+                <a:schemeClr val="tx1">
+                  <a:lumMod val="15000"/>
+                  <a:lumOff val="85000"/>
+                </a:schemeClr>
+              </a:solidFill>
+              <a:round/>
+            </a:ln>
+            <a:effectLst/>
+          </c:spPr>
+        </c:majorGridlines>
+        <c:numFmt formatCode="General" sourceLinked="1"/>
+        <c:majorTickMark val="none"/>
+        <c:minorTickMark val="none"/>
+        <c:tickLblPos val="nextTo"/>
+        <c:spPr>
+          <a:noFill/>
+          <a:ln>
+            <a:noFill/>
+          </a:ln>
+          <a:effectLst/>
+        </c:spPr>
+        <c:txPr>
+          <a:bodyPr rot="-60000000" spcFirstLastPara="1" vertOverflow="ellipsis" vert="horz" wrap="square" anchor="ctr" anchorCtr="1"/>
+          <a:lstStyle/>
+          <a:p>
+            <a:pPr>
+              <a:defRPr sz="900" b="0" i="0" u="none" strike="noStrike" kern="1200" baseline="0">
+                <a:solidFill>
+                  <a:schemeClr val="tx1">
+                    <a:lumMod val="65000"/>
+                    <a:lumOff val="35000"/>
+                  </a:schemeClr>
+                </a:solidFill>
+                <a:latin typeface="+mn-lt"/>
+                <a:ea typeface="+mn-ea"/>
+                <a:cs typeface="+mn-cs"/>
+              </a:defRPr>
+            </a:pPr>
+            <a:endParaRPr lang="ja-JP"/>
+          </a:p>
+        </c:txPr>
+        <c:crossAx val="449405040"/>
+        <c:crosses val="autoZero"/>
+        <c:crossBetween val="between"/>
+      </c:valAx>
+      <c:spPr>
+        <a:noFill/>
+        <a:ln>
+          <a:noFill/>
+        </a:ln>
+        <a:effectLst/>
+      </c:spPr>
+    </c:plotArea>
+    <c:plotVisOnly val="1"/>
+    <c:dispBlanksAs val="gap"/>
+    <c:showDLblsOverMax val="0"/>
+  </c:chart>
+  <c:spPr>
+    <a:noFill/>
+    <a:ln>
+      <a:noFill/>
+    </a:ln>
+    <a:effectLst/>
+  </c:spPr>
+  <c:txPr>
+    <a:bodyPr/>
+    <a:lstStyle/>
+    <a:p>
+      <a:pPr>
+        <a:defRPr/>
+      </a:pPr>
+      <a:endParaRPr lang="ja-JP"/>
+    </a:p>
+  </c:txPr>
+  <c:externalData r:id="rId3">
+    <c:autoUpdate val="0"/>
+  </c:externalData>
+</c:chartSpace>
+</file>
+
+<file path=ppt/charts/colors1.xml><?xml version="1.0" encoding="utf-8"?>
+<cs:colorStyle xmlns:cs="http://schemas.microsoft.com/office/drawing/2012/chartStyle" xmlns:a="http://schemas.openxmlformats.org/drawingml/2006/main" meth="cycle" id="10">
+  <a:schemeClr val="accent1"/>
+  <a:schemeClr val="accent2"/>
+  <a:schemeClr val="accent3"/>
+  <a:schemeClr val="accent4"/>
+  <a:schemeClr val="accent5"/>
+  <a:schemeClr val="accent6"/>
+  <cs:variation/>
+  <cs:variation>
+    <a:lumMod val="60000"/>
+  </cs:variation>
+  <cs:variation>
+    <a:lumMod val="80000"/>
+    <a:lumOff val="20000"/>
+  </cs:variation>
+  <cs:variation>
+    <a:lumMod val="80000"/>
+  </cs:variation>
+  <cs:variation>
+    <a:lumMod val="60000"/>
+    <a:lumOff val="40000"/>
+  </cs:variation>
+  <cs:variation>
+    <a:lumMod val="50000"/>
+  </cs:variation>
+  <cs:variation>
+    <a:lumMod val="70000"/>
+    <a:lumOff val="30000"/>
+  </cs:variation>
+  <cs:variation>
+    <a:lumMod val="70000"/>
+  </cs:variation>
+  <cs:variation>
+    <a:lumMod val="50000"/>
+    <a:lumOff val="50000"/>
+  </cs:variation>
+</cs:colorStyle>
+</file>
+
+<file path=ppt/charts/colors2.xml><?xml version="1.0" encoding="utf-8"?>
+<cs:colorStyle xmlns:cs="http://schemas.microsoft.com/office/drawing/2012/chartStyle" xmlns:a="http://schemas.openxmlformats.org/drawingml/2006/main" meth="cycle" id="10">
+  <a:schemeClr val="accent1"/>
+  <a:schemeClr val="accent2"/>
+  <a:schemeClr val="accent3"/>
+  <a:schemeClr val="accent4"/>
+  <a:schemeClr val="accent5"/>
+  <a:schemeClr val="accent6"/>
+  <cs:variation/>
+  <cs:variation>
+    <a:lumMod val="60000"/>
+  </cs:variation>
+  <cs:variation>
+    <a:lumMod val="80000"/>
+    <a:lumOff val="20000"/>
+  </cs:variation>
+  <cs:variation>
+    <a:lumMod val="80000"/>
+  </cs:variation>
+  <cs:variation>
+    <a:lumMod val="60000"/>
+    <a:lumOff val="40000"/>
+  </cs:variation>
+  <cs:variation>
+    <a:lumMod val="50000"/>
+  </cs:variation>
+  <cs:variation>
+    <a:lumMod val="70000"/>
+    <a:lumOff val="30000"/>
+  </cs:variation>
+  <cs:variation>
+    <a:lumMod val="70000"/>
+  </cs:variation>
+  <cs:variation>
+    <a:lumMod val="50000"/>
+    <a:lumOff val="50000"/>
+  </cs:variation>
+</cs:colorStyle>
+</file>
+
+<file path=ppt/charts/style1.xml><?xml version="1.0" encoding="utf-8"?>
+<cs:chartStyle xmlns:cs="http://schemas.microsoft.com/office/drawing/2012/chartStyle" xmlns:a="http://schemas.openxmlformats.org/drawingml/2006/main" id="297">
+  <cs:axisTitle>
+    <cs:lnRef idx="0"/>
+    <cs:fillRef idx="0"/>
+    <cs:effectRef idx="0"/>
+    <cs:fontRef idx="minor">
+      <a:schemeClr val="tx1">
+        <a:lumMod val="65000"/>
+        <a:lumOff val="35000"/>
+      </a:schemeClr>
+    </cs:fontRef>
+    <cs:defRPr sz="1000" kern="1200"/>
+  </cs:axisTitle>
+  <cs:categoryAxis>
+    <cs:lnRef idx="0"/>
+    <cs:fillRef idx="0"/>
+    <cs:effectRef idx="0"/>
+    <cs:fontRef idx="minor">
+      <a:schemeClr val="tx1">
+        <a:lumMod val="65000"/>
+        <a:lumOff val="35000"/>
+      </a:schemeClr>
+    </cs:fontRef>
+    <cs:spPr>
+      <a:ln w="9525" cap="flat" cmpd="sng" algn="ctr">
+        <a:solidFill>
+          <a:schemeClr val="tx1">
+            <a:lumMod val="15000"/>
+            <a:lumOff val="85000"/>
+          </a:schemeClr>
+        </a:solidFill>
+        <a:round/>
+      </a:ln>
+    </cs:spPr>
+    <cs:defRPr sz="900" kern="1200"/>
+  </cs:categoryAxis>
+  <cs:chartArea mods="allowNoFillOverride allowNoLineOverride">
+    <cs:lnRef idx="0"/>
+    <cs:fillRef idx="0"/>
+    <cs:effectRef idx="0"/>
+    <cs:fontRef idx="minor">
+      <a:schemeClr val="tx1"/>
+    </cs:fontRef>
+    <cs:spPr>
+      <a:solidFill>
+        <a:schemeClr val="bg1"/>
+      </a:solidFill>
+      <a:ln w="9525" cap="flat" cmpd="sng" algn="ctr">
+        <a:solidFill>
+          <a:schemeClr val="tx1">
+            <a:lumMod val="15000"/>
+            <a:lumOff val="85000"/>
+          </a:schemeClr>
+        </a:solidFill>
+        <a:round/>
+      </a:ln>
+    </cs:spPr>
+    <cs:defRPr sz="1000" kern="1200"/>
+  </cs:chartArea>
+  <cs:dataLabel>
+    <cs:lnRef idx="0"/>
+    <cs:fillRef idx="0"/>
+    <cs:effectRef idx="0"/>
+    <cs:fontRef idx="minor">
+      <a:schemeClr val="tx1">
+        <a:lumMod val="75000"/>
+        <a:lumOff val="25000"/>
+      </a:schemeClr>
+    </cs:fontRef>
+    <cs:defRPr sz="900" kern="1200"/>
+  </cs:dataLabel>
+  <cs:dataLabelCallout>
+    <cs:lnRef idx="0"/>
+    <cs:fillRef idx="0"/>
+    <cs:effectRef idx="0"/>
+    <cs:fontRef idx="minor">
+      <a:schemeClr val="dk1">
+        <a:lumMod val="65000"/>
+        <a:lumOff val="35000"/>
+      </a:schemeClr>
+    </cs:fontRef>
+    <cs:spPr>
+      <a:solidFill>
+        <a:schemeClr val="lt1"/>
+      </a:solidFill>
+      <a:ln>
+        <a:solidFill>
+          <a:schemeClr val="dk1">
+            <a:lumMod val="25000"/>
+            <a:lumOff val="75000"/>
+          </a:schemeClr>
+        </a:solidFill>
+      </a:ln>
+    </cs:spPr>
+    <cs:defRPr sz="900" kern="1200"/>
+    <cs:bodyPr rot="0" spcFirstLastPara="1" vertOverflow="clip" horzOverflow="clip" vert="horz" wrap="square" lIns="36576" tIns="18288" rIns="36576" bIns="18288" anchor="ctr" anchorCtr="1">
+      <a:spAutoFit/>
+    </cs:bodyPr>
+  </cs:dataLabelCallout>
+  <cs:dataPoint>
+    <cs:lnRef idx="0"/>
+    <cs:fillRef idx="1">
+      <cs:styleClr val="auto"/>
+    </cs:fillRef>
+    <cs:effectRef idx="0"/>
+    <cs:fontRef idx="minor">
+      <a:schemeClr val="tx1"/>
+    </cs:fontRef>
+  </cs:dataPoint>
+  <cs:dataPoint3D>
+    <cs:lnRef idx="0"/>
+    <cs:fillRef idx="1">
+      <cs:styleClr val="auto"/>
+    </cs:fillRef>
+    <cs:effectRef idx="0"/>
+    <cs:fontRef idx="minor">
+      <a:schemeClr val="tx1"/>
+    </cs:fontRef>
+  </cs:dataPoint3D>
+  <cs:dataPointLine>
+    <cs:lnRef idx="0">
+      <cs:styleClr val="auto"/>
+    </cs:lnRef>
+    <cs:fillRef idx="1"/>
+    <cs:effectRef idx="0"/>
+    <cs:fontRef idx="minor">
+      <a:schemeClr val="tx1"/>
+    </cs:fontRef>
+    <cs:spPr>
+      <a:ln w="28575" cap="rnd">
+        <a:solidFill>
+          <a:schemeClr val="phClr"/>
+        </a:solidFill>
+        <a:round/>
+      </a:ln>
+    </cs:spPr>
+  </cs:dataPointLine>
+  <cs:dataPointMarker>
+    <cs:lnRef idx="0">
+      <cs:styleClr val="auto"/>
+    </cs:lnRef>
+    <cs:fillRef idx="1">
+      <cs:styleClr val="auto"/>
+    </cs:fillRef>
+    <cs:effectRef idx="0"/>
+    <cs:fontRef idx="minor">
+      <a:schemeClr val="tx1"/>
+    </cs:fontRef>
+    <cs:spPr>
+      <a:ln w="9525">
+        <a:solidFill>
+          <a:schemeClr val="phClr"/>
+        </a:solidFill>
+      </a:ln>
+    </cs:spPr>
+  </cs:dataPointMarker>
+  <cs:dataPointMarkerLayout symbol="circle" size="5"/>
+  <cs:dataPointWireframe>
+    <cs:lnRef idx="0">
+      <cs:styleClr val="auto"/>
+    </cs:lnRef>
+    <cs:fillRef idx="1"/>
+    <cs:effectRef idx="0"/>
+    <cs:fontRef idx="minor">
+      <a:schemeClr val="tx1"/>
+    </cs:fontRef>
+    <cs:spPr>
+      <a:ln w="9525" cap="rnd">
+        <a:solidFill>
+          <a:schemeClr val="phClr"/>
+        </a:solidFill>
+        <a:round/>
+      </a:ln>
+    </cs:spPr>
+  </cs:dataPointWireframe>
+  <cs:dataTable>
+    <cs:lnRef idx="0"/>
+    <cs:fillRef idx="0"/>
+    <cs:effectRef idx="0"/>
+    <cs:fontRef idx="minor">
+      <a:schemeClr val="tx1">
+        <a:lumMod val="65000"/>
+        <a:lumOff val="35000"/>
+      </a:schemeClr>
+    </cs:fontRef>
+    <cs:spPr>
+      <a:noFill/>
+      <a:ln w="9525" cap="flat" cmpd="sng" algn="ctr">
+        <a:solidFill>
+          <a:schemeClr val="tx1">
+            <a:lumMod val="15000"/>
+            <a:lumOff val="85000"/>
+          </a:schemeClr>
+        </a:solidFill>
+        <a:round/>
+      </a:ln>
+    </cs:spPr>
+    <cs:defRPr sz="900" kern="1200"/>
+  </cs:dataTable>
+  <cs:downBar>
+    <cs:lnRef idx="0"/>
+    <cs:fillRef idx="0"/>
+    <cs:effectRef idx="0"/>
+    <cs:fontRef idx="minor">
+      <a:schemeClr val="tx1"/>
+    </cs:fontRef>
+    <cs:spPr>
+      <a:solidFill>
+        <a:schemeClr val="dk1">
+          <a:lumMod val="75000"/>
+          <a:lumOff val="25000"/>
+        </a:schemeClr>
+      </a:solidFill>
+      <a:ln w="9525" cap="flat" cmpd="sng" algn="ctr">
+        <a:solidFill>
+          <a:schemeClr val="tx1">
+            <a:lumMod val="65000"/>
+            <a:lumOff val="35000"/>
+          </a:schemeClr>
+        </a:solidFill>
+        <a:round/>
+      </a:ln>
+    </cs:spPr>
+  </cs:downBar>
+  <cs:dropLine>
+    <cs:lnRef idx="0"/>
+    <cs:fillRef idx="0"/>
+    <cs:effectRef idx="0"/>
+    <cs:fontRef idx="minor">
+      <a:schemeClr val="tx1"/>
+    </cs:fontRef>
+    <cs:spPr>
+      <a:ln w="9525" cap="flat" cmpd="sng" algn="ctr">
+        <a:solidFill>
+          <a:schemeClr val="tx1">
+            <a:lumMod val="35000"/>
+            <a:lumOff val="65000"/>
+          </a:schemeClr>
+        </a:solidFill>
+        <a:round/>
+      </a:ln>
+    </cs:spPr>
+  </cs:dropLine>
+  <cs:errorBar>
+    <cs:lnRef idx="0"/>
+    <cs:fillRef idx="0"/>
+    <cs:effectRef idx="0"/>
+    <cs:fontRef idx="minor">
+      <a:schemeClr val="tx1"/>
+    </cs:fontRef>
+    <cs:spPr>
+      <a:ln w="9525" cap="flat" cmpd="sng" algn="ctr">
+        <a:solidFill>
+          <a:schemeClr val="tx1">
+            <a:lumMod val="65000"/>
+            <a:lumOff val="35000"/>
+          </a:schemeClr>
+        </a:solidFill>
+        <a:round/>
+      </a:ln>
+    </cs:spPr>
+  </cs:errorBar>
+  <cs:floor>
+    <cs:lnRef idx="0"/>
+    <cs:fillRef idx="0"/>
+    <cs:effectRef idx="0"/>
+    <cs:fontRef idx="minor">
+      <a:schemeClr val="tx1"/>
+    </cs:fontRef>
+    <cs:spPr>
+      <a:noFill/>
+      <a:ln>
+        <a:noFill/>
+      </a:ln>
+    </cs:spPr>
+  </cs:floor>
+  <cs:gridlineMajor>
+    <cs:lnRef idx="0"/>
+    <cs:fillRef idx="0"/>
+    <cs:effectRef idx="0"/>
+    <cs:fontRef idx="minor">
+      <a:schemeClr val="tx1"/>
+    </cs:fontRef>
+    <cs:spPr>
+      <a:ln w="9525" cap="flat" cmpd="sng" algn="ctr">
+        <a:solidFill>
+          <a:schemeClr val="tx1">
+            <a:lumMod val="15000"/>
+            <a:lumOff val="85000"/>
+          </a:schemeClr>
+        </a:solidFill>
+        <a:round/>
+      </a:ln>
+    </cs:spPr>
+  </cs:gridlineMajor>
+  <cs:gridlineMinor>
+    <cs:lnRef idx="0"/>
+    <cs:fillRef idx="0"/>
+    <cs:effectRef idx="0"/>
+    <cs:fontRef idx="minor">
+      <a:schemeClr val="tx1"/>
+    </cs:fontRef>
+    <cs:spPr>
+      <a:ln w="9525" cap="flat" cmpd="sng" algn="ctr">
+        <a:solidFill>
+          <a:schemeClr val="tx1">
+            <a:lumMod val="5000"/>
+            <a:lumOff val="95000"/>
+          </a:schemeClr>
+        </a:solidFill>
+        <a:round/>
+      </a:ln>
+    </cs:spPr>
+  </cs:gridlineMinor>
+  <cs:hiLoLine>
+    <cs:lnRef idx="0"/>
+    <cs:fillRef idx="0"/>
+    <cs:effectRef idx="0"/>
+    <cs:fontRef idx="minor">
+      <a:schemeClr val="tx1"/>
+    </cs:fontRef>
+    <cs:spPr>
+      <a:ln w="9525" cap="flat" cmpd="sng" algn="ctr">
+        <a:solidFill>
+          <a:schemeClr val="tx1">
+            <a:lumMod val="50000"/>
+            <a:lumOff val="50000"/>
+          </a:schemeClr>
+        </a:solidFill>
+        <a:round/>
+      </a:ln>
+    </cs:spPr>
+  </cs:hiLoLine>
+  <cs:leaderLine>
+    <cs:lnRef idx="0"/>
+    <cs:fillRef idx="0"/>
+    <cs:effectRef idx="0"/>
+    <cs:fontRef idx="minor">
+      <a:schemeClr val="tx1"/>
+    </cs:fontRef>
+    <cs:spPr>
+      <a:ln w="9525" cap="flat" cmpd="sng" algn="ctr">
+        <a:solidFill>
+          <a:schemeClr val="tx1">
+            <a:lumMod val="35000"/>
+            <a:lumOff val="65000"/>
+          </a:schemeClr>
+        </a:solidFill>
+        <a:round/>
+      </a:ln>
+    </cs:spPr>
+  </cs:leaderLine>
+  <cs:legend>
+    <cs:lnRef idx="0"/>
+    <cs:fillRef idx="0"/>
+    <cs:effectRef idx="0"/>
+    <cs:fontRef idx="minor">
+      <a:schemeClr val="tx1">
+        <a:lumMod val="65000"/>
+        <a:lumOff val="35000"/>
+      </a:schemeClr>
+    </cs:fontRef>
+    <cs:defRPr sz="900" kern="1200"/>
+  </cs:legend>
+  <cs:plotArea mods="allowNoFillOverride allowNoLineOverride">
+    <cs:lnRef idx="0"/>
+    <cs:fillRef idx="0"/>
+    <cs:effectRef idx="0"/>
+    <cs:fontRef idx="minor">
+      <a:schemeClr val="tx1"/>
+    </cs:fontRef>
+  </cs:plotArea>
+  <cs:plotArea3D mods="allowNoFillOverride allowNoLineOverride">
+    <cs:lnRef idx="0"/>
+    <cs:fillRef idx="0"/>
+    <cs:effectRef idx="0"/>
+    <cs:fontRef idx="minor">
+      <a:schemeClr val="tx1"/>
+    </cs:fontRef>
+  </cs:plotArea3D>
+  <cs:seriesAxis>
+    <cs:lnRef idx="0"/>
+    <cs:fillRef idx="0"/>
+    <cs:effectRef idx="0"/>
+    <cs:fontRef idx="minor">
+      <a:schemeClr val="tx1">
+        <a:lumMod val="65000"/>
+        <a:lumOff val="35000"/>
+      </a:schemeClr>
+    </cs:fontRef>
+    <cs:defRPr sz="900" kern="1200"/>
+  </cs:seriesAxis>
+  <cs:seriesLine>
+    <cs:lnRef idx="0"/>
+    <cs:fillRef idx="0"/>
+    <cs:effectRef idx="0"/>
+    <cs:fontRef idx="minor">
+      <a:schemeClr val="tx1"/>
+    </cs:fontRef>
+    <cs:spPr>
+      <a:ln w="9525" cap="flat" cmpd="sng" algn="ctr">
+        <a:solidFill>
+          <a:schemeClr val="tx1">
+            <a:lumMod val="35000"/>
+            <a:lumOff val="65000"/>
+          </a:schemeClr>
+        </a:solidFill>
+        <a:round/>
+      </a:ln>
+    </cs:spPr>
+  </cs:seriesLine>
+  <cs:title>
+    <cs:lnRef idx="0"/>
+    <cs:fillRef idx="0"/>
+    <cs:effectRef idx="0"/>
+    <cs:fontRef idx="minor">
+      <a:schemeClr val="tx1">
+        <a:lumMod val="65000"/>
+        <a:lumOff val="35000"/>
+      </a:schemeClr>
+    </cs:fontRef>
+    <cs:defRPr sz="1400" b="0" kern="1200" spc="0" baseline="0"/>
+  </cs:title>
+  <cs:trendline>
+    <cs:lnRef idx="0">
+      <cs:styleClr val="auto"/>
+    </cs:lnRef>
+    <cs:fillRef idx="0"/>
+    <cs:effectRef idx="0"/>
+    <cs:fontRef idx="minor">
+      <a:schemeClr val="tx1"/>
+    </cs:fontRef>
+    <cs:spPr>
+      <a:ln w="19050" cap="rnd">
+        <a:solidFill>
+          <a:schemeClr val="phClr"/>
+        </a:solidFill>
+        <a:prstDash val="sysDot"/>
+      </a:ln>
+    </cs:spPr>
+  </cs:trendline>
+  <cs:trendlineLabel>
+    <cs:lnRef idx="0"/>
+    <cs:fillRef idx="0"/>
+    <cs:effectRef idx="0"/>
+    <cs:fontRef idx="minor">
+      <a:schemeClr val="tx1">
+        <a:lumMod val="65000"/>
+        <a:lumOff val="35000"/>
+      </a:schemeClr>
+    </cs:fontRef>
+    <cs:defRPr sz="900" kern="1200"/>
+  </cs:trendlineLabel>
+  <cs:upBar>
+    <cs:lnRef idx="0"/>
+    <cs:fillRef idx="0"/>
+    <cs:effectRef idx="0"/>
+    <cs:fontRef idx="minor">
+      <a:schemeClr val="tx1"/>
+    </cs:fontRef>
+    <cs:spPr>
+      <a:solidFill>
+        <a:schemeClr val="lt1"/>
+      </a:solidFill>
+      <a:ln w="9525" cap="flat" cmpd="sng" algn="ctr">
+        <a:solidFill>
+          <a:schemeClr val="tx1">
+            <a:lumMod val="65000"/>
+            <a:lumOff val="35000"/>
+          </a:schemeClr>
+        </a:solidFill>
+        <a:round/>
+      </a:ln>
+    </cs:spPr>
+  </cs:upBar>
+  <cs:valueAxis>
+    <cs:lnRef idx="0"/>
+    <cs:fillRef idx="0"/>
+    <cs:effectRef idx="0"/>
+    <cs:fontRef idx="minor">
+      <a:schemeClr val="tx1">
+        <a:lumMod val="65000"/>
+        <a:lumOff val="35000"/>
+      </a:schemeClr>
+    </cs:fontRef>
+    <cs:defRPr sz="900" kern="1200"/>
+  </cs:valueAxis>
+  <cs:wall>
+    <cs:lnRef idx="0"/>
+    <cs:fillRef idx="0"/>
+    <cs:effectRef idx="0"/>
+    <cs:fontRef idx="minor">
+      <a:schemeClr val="tx1"/>
+    </cs:fontRef>
+    <cs:spPr>
+      <a:noFill/>
+      <a:ln>
+        <a:noFill/>
+      </a:ln>
+    </cs:spPr>
+  </cs:wall>
+</cs:chartStyle>
+</file>
+
+<file path=ppt/charts/style2.xml><?xml version="1.0" encoding="utf-8"?>
+<cs:chartStyle xmlns:cs="http://schemas.microsoft.com/office/drawing/2012/chartStyle" xmlns:a="http://schemas.openxmlformats.org/drawingml/2006/main" id="297">
+  <cs:axisTitle>
+    <cs:lnRef idx="0"/>
+    <cs:fillRef idx="0"/>
+    <cs:effectRef idx="0"/>
+    <cs:fontRef idx="minor">
+      <a:schemeClr val="tx1">
+        <a:lumMod val="65000"/>
+        <a:lumOff val="35000"/>
+      </a:schemeClr>
+    </cs:fontRef>
+    <cs:defRPr sz="1000" kern="1200"/>
+  </cs:axisTitle>
+  <cs:categoryAxis>
+    <cs:lnRef idx="0"/>
+    <cs:fillRef idx="0"/>
+    <cs:effectRef idx="0"/>
+    <cs:fontRef idx="minor">
+      <a:schemeClr val="tx1">
+        <a:lumMod val="65000"/>
+        <a:lumOff val="35000"/>
+      </a:schemeClr>
+    </cs:fontRef>
+    <cs:spPr>
+      <a:ln w="9525" cap="flat" cmpd="sng" algn="ctr">
+        <a:solidFill>
+          <a:schemeClr val="tx1">
+            <a:lumMod val="15000"/>
+            <a:lumOff val="85000"/>
+          </a:schemeClr>
+        </a:solidFill>
+        <a:round/>
+      </a:ln>
+    </cs:spPr>
+    <cs:defRPr sz="900" kern="1200"/>
+  </cs:categoryAxis>
+  <cs:chartArea mods="allowNoFillOverride allowNoLineOverride">
+    <cs:lnRef idx="0"/>
+    <cs:fillRef idx="0"/>
+    <cs:effectRef idx="0"/>
+    <cs:fontRef idx="minor">
+      <a:schemeClr val="tx1"/>
+    </cs:fontRef>
+    <cs:spPr>
+      <a:solidFill>
+        <a:schemeClr val="bg1"/>
+      </a:solidFill>
+      <a:ln w="9525" cap="flat" cmpd="sng" algn="ctr">
+        <a:solidFill>
+          <a:schemeClr val="tx1">
+            <a:lumMod val="15000"/>
+            <a:lumOff val="85000"/>
+          </a:schemeClr>
+        </a:solidFill>
+        <a:round/>
+      </a:ln>
+    </cs:spPr>
+    <cs:defRPr sz="1000" kern="1200"/>
+  </cs:chartArea>
+  <cs:dataLabel>
+    <cs:lnRef idx="0"/>
+    <cs:fillRef idx="0"/>
+    <cs:effectRef idx="0"/>
+    <cs:fontRef idx="minor">
+      <a:schemeClr val="tx1">
+        <a:lumMod val="75000"/>
+        <a:lumOff val="25000"/>
+      </a:schemeClr>
+    </cs:fontRef>
+    <cs:defRPr sz="900" kern="1200"/>
+  </cs:dataLabel>
+  <cs:dataLabelCallout>
+    <cs:lnRef idx="0"/>
+    <cs:fillRef idx="0"/>
+    <cs:effectRef idx="0"/>
+    <cs:fontRef idx="minor">
+      <a:schemeClr val="dk1">
+        <a:lumMod val="65000"/>
+        <a:lumOff val="35000"/>
+      </a:schemeClr>
+    </cs:fontRef>
+    <cs:spPr>
+      <a:solidFill>
+        <a:schemeClr val="lt1"/>
+      </a:solidFill>
+      <a:ln>
+        <a:solidFill>
+          <a:schemeClr val="dk1">
+            <a:lumMod val="25000"/>
+            <a:lumOff val="75000"/>
+          </a:schemeClr>
+        </a:solidFill>
+      </a:ln>
+    </cs:spPr>
+    <cs:defRPr sz="900" kern="1200"/>
+    <cs:bodyPr rot="0" spcFirstLastPara="1" vertOverflow="clip" horzOverflow="clip" vert="horz" wrap="square" lIns="36576" tIns="18288" rIns="36576" bIns="18288" anchor="ctr" anchorCtr="1">
+      <a:spAutoFit/>
+    </cs:bodyPr>
+  </cs:dataLabelCallout>
+  <cs:dataPoint>
+    <cs:lnRef idx="0"/>
+    <cs:fillRef idx="1">
+      <cs:styleClr val="auto"/>
+    </cs:fillRef>
+    <cs:effectRef idx="0"/>
+    <cs:fontRef idx="minor">
+      <a:schemeClr val="tx1"/>
+    </cs:fontRef>
+  </cs:dataPoint>
+  <cs:dataPoint3D>
+    <cs:lnRef idx="0"/>
+    <cs:fillRef idx="1">
+      <cs:styleClr val="auto"/>
+    </cs:fillRef>
+    <cs:effectRef idx="0"/>
+    <cs:fontRef idx="minor">
+      <a:schemeClr val="tx1"/>
+    </cs:fontRef>
+  </cs:dataPoint3D>
+  <cs:dataPointLine>
+    <cs:lnRef idx="0">
+      <cs:styleClr val="auto"/>
+    </cs:lnRef>
+    <cs:fillRef idx="1"/>
+    <cs:effectRef idx="0"/>
+    <cs:fontRef idx="minor">
+      <a:schemeClr val="tx1"/>
+    </cs:fontRef>
+    <cs:spPr>
+      <a:ln w="28575" cap="rnd">
+        <a:solidFill>
+          <a:schemeClr val="phClr"/>
+        </a:solidFill>
+        <a:round/>
+      </a:ln>
+    </cs:spPr>
+  </cs:dataPointLine>
+  <cs:dataPointMarker>
+    <cs:lnRef idx="0">
+      <cs:styleClr val="auto"/>
+    </cs:lnRef>
+    <cs:fillRef idx="1">
+      <cs:styleClr val="auto"/>
+    </cs:fillRef>
+    <cs:effectRef idx="0"/>
+    <cs:fontRef idx="minor">
+      <a:schemeClr val="tx1"/>
+    </cs:fontRef>
+    <cs:spPr>
+      <a:ln w="9525">
+        <a:solidFill>
+          <a:schemeClr val="phClr"/>
+        </a:solidFill>
+      </a:ln>
+    </cs:spPr>
+  </cs:dataPointMarker>
+  <cs:dataPointMarkerLayout symbol="circle" size="5"/>
+  <cs:dataPointWireframe>
+    <cs:lnRef idx="0">
+      <cs:styleClr val="auto"/>
+    </cs:lnRef>
+    <cs:fillRef idx="1"/>
+    <cs:effectRef idx="0"/>
+    <cs:fontRef idx="minor">
+      <a:schemeClr val="tx1"/>
+    </cs:fontRef>
+    <cs:spPr>
+      <a:ln w="9525" cap="rnd">
+        <a:solidFill>
+          <a:schemeClr val="phClr"/>
+        </a:solidFill>
+        <a:round/>
+      </a:ln>
+    </cs:spPr>
+  </cs:dataPointWireframe>
+  <cs:dataTable>
+    <cs:lnRef idx="0"/>
+    <cs:fillRef idx="0"/>
+    <cs:effectRef idx="0"/>
+    <cs:fontRef idx="minor">
+      <a:schemeClr val="tx1">
+        <a:lumMod val="65000"/>
+        <a:lumOff val="35000"/>
+      </a:schemeClr>
+    </cs:fontRef>
+    <cs:spPr>
+      <a:noFill/>
+      <a:ln w="9525" cap="flat" cmpd="sng" algn="ctr">
+        <a:solidFill>
+          <a:schemeClr val="tx1">
+            <a:lumMod val="15000"/>
+            <a:lumOff val="85000"/>
+          </a:schemeClr>
+        </a:solidFill>
+        <a:round/>
+      </a:ln>
+    </cs:spPr>
+    <cs:defRPr sz="900" kern="1200"/>
+  </cs:dataTable>
+  <cs:downBar>
+    <cs:lnRef idx="0"/>
+    <cs:fillRef idx="0"/>
+    <cs:effectRef idx="0"/>
+    <cs:fontRef idx="minor">
+      <a:schemeClr val="tx1"/>
+    </cs:fontRef>
+    <cs:spPr>
+      <a:solidFill>
+        <a:schemeClr val="dk1">
+          <a:lumMod val="75000"/>
+          <a:lumOff val="25000"/>
+        </a:schemeClr>
+      </a:solidFill>
+      <a:ln w="9525" cap="flat" cmpd="sng" algn="ctr">
+        <a:solidFill>
+          <a:schemeClr val="tx1">
+            <a:lumMod val="65000"/>
+            <a:lumOff val="35000"/>
+          </a:schemeClr>
+        </a:solidFill>
+        <a:round/>
+      </a:ln>
+    </cs:spPr>
+  </cs:downBar>
+  <cs:dropLine>
+    <cs:lnRef idx="0"/>
+    <cs:fillRef idx="0"/>
+    <cs:effectRef idx="0"/>
+    <cs:fontRef idx="minor">
+      <a:schemeClr val="tx1"/>
+    </cs:fontRef>
+    <cs:spPr>
+      <a:ln w="9525" cap="flat" cmpd="sng" algn="ctr">
+        <a:solidFill>
+          <a:schemeClr val="tx1">
+            <a:lumMod val="35000"/>
+            <a:lumOff val="65000"/>
+          </a:schemeClr>
+        </a:solidFill>
+        <a:round/>
+      </a:ln>
+    </cs:spPr>
+  </cs:dropLine>
+  <cs:errorBar>
+    <cs:lnRef idx="0"/>
+    <cs:fillRef idx="0"/>
+    <cs:effectRef idx="0"/>
+    <cs:fontRef idx="minor">
+      <a:schemeClr val="tx1"/>
+    </cs:fontRef>
+    <cs:spPr>
+      <a:ln w="9525" cap="flat" cmpd="sng" algn="ctr">
+        <a:solidFill>
+          <a:schemeClr val="tx1">
+            <a:lumMod val="65000"/>
+            <a:lumOff val="35000"/>
+          </a:schemeClr>
+        </a:solidFill>
+        <a:round/>
+      </a:ln>
+    </cs:spPr>
+  </cs:errorBar>
+  <cs:floor>
+    <cs:lnRef idx="0"/>
+    <cs:fillRef idx="0"/>
+    <cs:effectRef idx="0"/>
+    <cs:fontRef idx="minor">
+      <a:schemeClr val="tx1"/>
+    </cs:fontRef>
+    <cs:spPr>
+      <a:noFill/>
+      <a:ln>
+        <a:noFill/>
+      </a:ln>
+    </cs:spPr>
+  </cs:floor>
+  <cs:gridlineMajor>
+    <cs:lnRef idx="0"/>
+    <cs:fillRef idx="0"/>
+    <cs:effectRef idx="0"/>
+    <cs:fontRef idx="minor">
+      <a:schemeClr val="tx1"/>
+    </cs:fontRef>
+    <cs:spPr>
+      <a:ln w="9525" cap="flat" cmpd="sng" algn="ctr">
+        <a:solidFill>
+          <a:schemeClr val="tx1">
+            <a:lumMod val="15000"/>
+            <a:lumOff val="85000"/>
+          </a:schemeClr>
+        </a:solidFill>
+        <a:round/>
+      </a:ln>
+    </cs:spPr>
+  </cs:gridlineMajor>
+  <cs:gridlineMinor>
+    <cs:lnRef idx="0"/>
+    <cs:fillRef idx="0"/>
+    <cs:effectRef idx="0"/>
+    <cs:fontRef idx="minor">
+      <a:schemeClr val="tx1"/>
+    </cs:fontRef>
+    <cs:spPr>
+      <a:ln w="9525" cap="flat" cmpd="sng" algn="ctr">
+        <a:solidFill>
+          <a:schemeClr val="tx1">
+            <a:lumMod val="5000"/>
+            <a:lumOff val="95000"/>
+          </a:schemeClr>
+        </a:solidFill>
+        <a:round/>
+      </a:ln>
+    </cs:spPr>
+  </cs:gridlineMinor>
+  <cs:hiLoLine>
+    <cs:lnRef idx="0"/>
+    <cs:fillRef idx="0"/>
+    <cs:effectRef idx="0"/>
+    <cs:fontRef idx="minor">
+      <a:schemeClr val="tx1"/>
+    </cs:fontRef>
+    <cs:spPr>
+      <a:ln w="9525" cap="flat" cmpd="sng" algn="ctr">
+        <a:solidFill>
+          <a:schemeClr val="tx1">
+            <a:lumMod val="50000"/>
+            <a:lumOff val="50000"/>
+          </a:schemeClr>
+        </a:solidFill>
+        <a:round/>
+      </a:ln>
+    </cs:spPr>
+  </cs:hiLoLine>
+  <cs:leaderLine>
+    <cs:lnRef idx="0"/>
+    <cs:fillRef idx="0"/>
+    <cs:effectRef idx="0"/>
+    <cs:fontRef idx="minor">
+      <a:schemeClr val="tx1"/>
+    </cs:fontRef>
+    <cs:spPr>
+      <a:ln w="9525" cap="flat" cmpd="sng" algn="ctr">
+        <a:solidFill>
+          <a:schemeClr val="tx1">
+            <a:lumMod val="35000"/>
+            <a:lumOff val="65000"/>
+          </a:schemeClr>
+        </a:solidFill>
+        <a:round/>
+      </a:ln>
+    </cs:spPr>
+  </cs:leaderLine>
+  <cs:legend>
+    <cs:lnRef idx="0"/>
+    <cs:fillRef idx="0"/>
+    <cs:effectRef idx="0"/>
+    <cs:fontRef idx="minor">
+      <a:schemeClr val="tx1">
+        <a:lumMod val="65000"/>
+        <a:lumOff val="35000"/>
+      </a:schemeClr>
+    </cs:fontRef>
+    <cs:defRPr sz="900" kern="1200"/>
+  </cs:legend>
+  <cs:plotArea mods="allowNoFillOverride allowNoLineOverride">
+    <cs:lnRef idx="0"/>
+    <cs:fillRef idx="0"/>
+    <cs:effectRef idx="0"/>
+    <cs:fontRef idx="minor">
+      <a:schemeClr val="tx1"/>
+    </cs:fontRef>
+  </cs:plotArea>
+  <cs:plotArea3D mods="allowNoFillOverride allowNoLineOverride">
+    <cs:lnRef idx="0"/>
+    <cs:fillRef idx="0"/>
+    <cs:effectRef idx="0"/>
+    <cs:fontRef idx="minor">
+      <a:schemeClr val="tx1"/>
+    </cs:fontRef>
+  </cs:plotArea3D>
+  <cs:seriesAxis>
+    <cs:lnRef idx="0"/>
+    <cs:fillRef idx="0"/>
+    <cs:effectRef idx="0"/>
+    <cs:fontRef idx="minor">
+      <a:schemeClr val="tx1">
+        <a:lumMod val="65000"/>
+        <a:lumOff val="35000"/>
+      </a:schemeClr>
+    </cs:fontRef>
+    <cs:defRPr sz="900" kern="1200"/>
+  </cs:seriesAxis>
+  <cs:seriesLine>
+    <cs:lnRef idx="0"/>
+    <cs:fillRef idx="0"/>
+    <cs:effectRef idx="0"/>
+    <cs:fontRef idx="minor">
+      <a:schemeClr val="tx1"/>
+    </cs:fontRef>
+    <cs:spPr>
+      <a:ln w="9525" cap="flat" cmpd="sng" algn="ctr">
+        <a:solidFill>
+          <a:schemeClr val="tx1">
+            <a:lumMod val="35000"/>
+            <a:lumOff val="65000"/>
+          </a:schemeClr>
+        </a:solidFill>
+        <a:round/>
+      </a:ln>
+    </cs:spPr>
+  </cs:seriesLine>
+  <cs:title>
+    <cs:lnRef idx="0"/>
+    <cs:fillRef idx="0"/>
+    <cs:effectRef idx="0"/>
+    <cs:fontRef idx="minor">
+      <a:schemeClr val="tx1">
+        <a:lumMod val="65000"/>
+        <a:lumOff val="35000"/>
+      </a:schemeClr>
+    </cs:fontRef>
+    <cs:defRPr sz="1400" b="0" kern="1200" spc="0" baseline="0"/>
+  </cs:title>
+  <cs:trendline>
+    <cs:lnRef idx="0">
+      <cs:styleClr val="auto"/>
+    </cs:lnRef>
+    <cs:fillRef idx="0"/>
+    <cs:effectRef idx="0"/>
+    <cs:fontRef idx="minor">
+      <a:schemeClr val="tx1"/>
+    </cs:fontRef>
+    <cs:spPr>
+      <a:ln w="19050" cap="rnd">
+        <a:solidFill>
+          <a:schemeClr val="phClr"/>
+        </a:solidFill>
+        <a:prstDash val="sysDot"/>
+      </a:ln>
+    </cs:spPr>
+  </cs:trendline>
+  <cs:trendlineLabel>
+    <cs:lnRef idx="0"/>
+    <cs:fillRef idx="0"/>
+    <cs:effectRef idx="0"/>
+    <cs:fontRef idx="minor">
+      <a:schemeClr val="tx1">
+        <a:lumMod val="65000"/>
+        <a:lumOff val="35000"/>
+      </a:schemeClr>
+    </cs:fontRef>
+    <cs:defRPr sz="900" kern="1200"/>
+  </cs:trendlineLabel>
+  <cs:upBar>
+    <cs:lnRef idx="0"/>
+    <cs:fillRef idx="0"/>
+    <cs:effectRef idx="0"/>
+    <cs:fontRef idx="minor">
+      <a:schemeClr val="tx1"/>
+    </cs:fontRef>
+    <cs:spPr>
+      <a:solidFill>
+        <a:schemeClr val="lt1"/>
+      </a:solidFill>
+      <a:ln w="9525" cap="flat" cmpd="sng" algn="ctr">
+        <a:solidFill>
+          <a:schemeClr val="tx1">
+            <a:lumMod val="65000"/>
+            <a:lumOff val="35000"/>
+          </a:schemeClr>
+        </a:solidFill>
+        <a:round/>
+      </a:ln>
+    </cs:spPr>
+  </cs:upBar>
+  <cs:valueAxis>
+    <cs:lnRef idx="0"/>
+    <cs:fillRef idx="0"/>
+    <cs:effectRef idx="0"/>
+    <cs:fontRef idx="minor">
+      <a:schemeClr val="tx1">
+        <a:lumMod val="65000"/>
+        <a:lumOff val="35000"/>
+      </a:schemeClr>
+    </cs:fontRef>
+    <cs:defRPr sz="900" kern="1200"/>
+  </cs:valueAxis>
+  <cs:wall>
+    <cs:lnRef idx="0"/>
+    <cs:fillRef idx="0"/>
+    <cs:effectRef idx="0"/>
+    <cs:fontRef idx="minor">
+      <a:schemeClr val="tx1"/>
+    </cs:fontRef>
+    <cs:spPr>
+      <a:noFill/>
+      <a:ln>
+        <a:noFill/>
+      </a:ln>
+    </cs:spPr>
+  </cs:wall>
+</cs:chartStyle>
 </file>
 
 <file path=ppt/notesMasters/notesMaster1.xml><?xml version="1.0" encoding="utf-8"?>
@@ -4882,6 +7017,171 @@
           </a:p>
         </p:txBody>
       </p:sp>
+      <p:sp>
+        <p:nvSpPr>
+          <p:cNvPr id="8" name="テキスト ボックス 7">
+            <a:extLst>
+              <a:ext uri="{FF2B5EF4-FFF2-40B4-BE49-F238E27FC236}">
+                <a16:creationId xmlns="" xmlns:a16="http://schemas.microsoft.com/office/drawing/2014/main" id="{093C528F-2820-7842-B097-0CEA13538469}"/>
+              </a:ext>
+            </a:extLst>
+          </p:cNvPr>
+          <p:cNvSpPr txBox="1"/>
+          <p:nvPr/>
+        </p:nvSpPr>
+        <p:spPr>
+          <a:xfrm>
+            <a:off x="251520" y="1340768"/>
+            <a:ext cx="4752528" cy="369332"/>
+          </a:xfrm>
+          <a:prstGeom prst="rect">
+            <a:avLst/>
+          </a:prstGeom>
+          <a:noFill/>
+        </p:spPr>
+        <p:txBody>
+          <a:bodyPr wrap="square" rtlCol="0">
+            <a:spAutoFit/>
+          </a:bodyPr>
+          <a:lstStyle/>
+          <a:p>
+            <a:r>
+              <a:rPr kumimoji="1" lang="en-US" altLang="ja-JP" dirty="0" smtClean="0"/>
+              <a:t>Layer</a:t>
+            </a:r>
+          </a:p>
+        </p:txBody>
+      </p:sp>
+      <p:graphicFrame>
+        <p:nvGraphicFramePr>
+          <p:cNvPr id="9" name="グラフ 8"/>
+          <p:cNvGraphicFramePr>
+            <a:graphicFrameLocks/>
+          </p:cNvGraphicFramePr>
+          <p:nvPr>
+            <p:extLst>
+              <p:ext uri="{D42A27DB-BD31-4B8C-83A1-F6EECF244321}">
+                <p14:modId xmlns:p14="http://schemas.microsoft.com/office/powerpoint/2010/main" val="3053374852"/>
+              </p:ext>
+            </p:extLst>
+          </p:nvPr>
+        </p:nvGraphicFramePr>
+        <p:xfrm>
+          <a:off x="1153604" y="1628800"/>
+          <a:ext cx="6836792" cy="4201344"/>
+        </p:xfrm>
+        <a:graphic>
+          <a:graphicData uri="http://schemas.openxmlformats.org/drawingml/2006/chart">
+            <c:chart xmlns:c="http://schemas.openxmlformats.org/drawingml/2006/chart" xmlns:r="http://schemas.openxmlformats.org/officeDocument/2006/relationships" r:id="rId2"/>
+          </a:graphicData>
+        </a:graphic>
+      </p:graphicFrame>
+    </p:spTree>
+    <p:extLst>
+      <p:ext uri="{BB962C8B-B14F-4D97-AF65-F5344CB8AC3E}">
+        <p14:creationId xmlns:p14="http://schemas.microsoft.com/office/powerpoint/2010/main" val="216285630"/>
+      </p:ext>
+    </p:extLst>
+  </p:cSld>
+  <p:clrMapOvr>
+    <a:masterClrMapping/>
+  </p:clrMapOvr>
+  <p:timing>
+    <p:tnLst>
+      <p:par>
+        <p:cTn id="1" dur="indefinite" restart="never" nodeType="tmRoot"/>
+      </p:par>
+    </p:tnLst>
+  </p:timing>
+</p:sld>
+</file>
+
+<file path=ppt/slides/slide12.xml><?xml version="1.0" encoding="utf-8"?>
+<p:sld xmlns:a="http://schemas.openxmlformats.org/drawingml/2006/main" xmlns:r="http://schemas.openxmlformats.org/officeDocument/2006/relationships" xmlns:p="http://schemas.openxmlformats.org/presentationml/2006/main">
+  <p:cSld>
+    <p:spTree>
+      <p:nvGrpSpPr>
+        <p:cNvPr id="1" name=""/>
+        <p:cNvGrpSpPr/>
+        <p:nvPr/>
+      </p:nvGrpSpPr>
+      <p:grpSpPr>
+        <a:xfrm>
+          <a:off x="0" y="0"/>
+          <a:ext cx="0" cy="0"/>
+          <a:chOff x="0" y="0"/>
+          <a:chExt cx="0" cy="0"/>
+        </a:xfrm>
+      </p:grpSpPr>
+      <p:sp>
+        <p:nvSpPr>
+          <p:cNvPr id="4" name="Title 3"/>
+          <p:cNvSpPr>
+            <a:spLocks noGrp="1"/>
+          </p:cNvSpPr>
+          <p:nvPr>
+            <p:ph type="title"/>
+          </p:nvPr>
+        </p:nvSpPr>
+        <p:spPr/>
+        <p:txBody>
+          <a:bodyPr/>
+          <a:lstStyle/>
+          <a:p>
+            <a:r>
+              <a:rPr lang="en-US" altLang="ko-KR" dirty="0"/>
+              <a:t>Comparison, Suction velocity</a:t>
+            </a:r>
+            <a:endParaRPr lang="ko-KR" altLang="en-US" dirty="0"/>
+          </a:p>
+        </p:txBody>
+      </p:sp>
+      <p:sp>
+        <p:nvSpPr>
+          <p:cNvPr id="2" name="正方形/長方形 1"/>
+          <p:cNvSpPr/>
+          <p:nvPr/>
+        </p:nvSpPr>
+        <p:spPr>
+          <a:xfrm>
+            <a:off x="0" y="1086292"/>
+            <a:ext cx="9144000" cy="36000"/>
+          </a:xfrm>
+          <a:prstGeom prst="rect">
+            <a:avLst/>
+          </a:prstGeom>
+          <a:solidFill>
+            <a:srgbClr val="99DABA"/>
+          </a:solidFill>
+          <a:ln>
+            <a:noFill/>
+          </a:ln>
+        </p:spPr>
+        <p:style>
+          <a:lnRef idx="2">
+            <a:schemeClr val="accent1">
+              <a:shade val="50000"/>
+            </a:schemeClr>
+          </a:lnRef>
+          <a:fillRef idx="1">
+            <a:schemeClr val="accent1"/>
+          </a:fillRef>
+          <a:effectRef idx="0">
+            <a:schemeClr val="accent1"/>
+          </a:effectRef>
+          <a:fontRef idx="minor">
+            <a:schemeClr val="lt1"/>
+          </a:fontRef>
+        </p:style>
+        <p:txBody>
+          <a:bodyPr rtlCol="0" anchor="ctr"/>
+          <a:lstStyle/>
+          <a:p>
+            <a:pPr algn="ctr"/>
+            <a:endParaRPr kumimoji="1" lang="ja-JP" altLang="en-US"/>
+          </a:p>
+        </p:txBody>
+      </p:sp>
       <p:pic>
         <p:nvPicPr>
           <p:cNvPr id="13" name="図 12"/>
@@ -7563,7 +9863,7 @@
 </p:sld>
 </file>
 
-<file path=ppt/slides/slide12.xml><?xml version="1.0" encoding="utf-8"?>
+<file path=ppt/slides/slide13.xml><?xml version="1.0" encoding="utf-8"?>
 <p:sld xmlns:a="http://schemas.openxmlformats.org/drawingml/2006/main" xmlns:r="http://schemas.openxmlformats.org/officeDocument/2006/relationships" xmlns:p="http://schemas.openxmlformats.org/presentationml/2006/main">
   <p:cSld>
     <p:spTree>
@@ -7861,7 +10161,7 @@
 </p:sld>
 </file>
 
-<file path=ppt/slides/slide13.xml><?xml version="1.0" encoding="utf-8"?>
+<file path=ppt/slides/slide14.xml><?xml version="1.0" encoding="utf-8"?>
 <p:sld xmlns:a="http://schemas.openxmlformats.org/drawingml/2006/main" xmlns:r="http://schemas.openxmlformats.org/officeDocument/2006/relationships" xmlns:p="http://schemas.openxmlformats.org/presentationml/2006/main">
   <p:cSld>
     <p:spTree>
@@ -10211,7 +12511,7 @@
 </p:sld>
 </file>
 
-<file path=ppt/slides/slide14.xml><?xml version="1.0" encoding="utf-8"?>
+<file path=ppt/slides/slide15.xml><?xml version="1.0" encoding="utf-8"?>
 <p:sld xmlns:a="http://schemas.openxmlformats.org/drawingml/2006/main" xmlns:r="http://schemas.openxmlformats.org/officeDocument/2006/relationships" xmlns:p="http://schemas.openxmlformats.org/presentationml/2006/main">
   <p:cSld>
     <p:spTree>
@@ -10505,7 +12805,7 @@
 </p:sld>
 </file>
 
-<file path=ppt/slides/slide15.xml><?xml version="1.0" encoding="utf-8"?>
+<file path=ppt/slides/slide16.xml><?xml version="1.0" encoding="utf-8"?>
 <p:sld xmlns:a="http://schemas.openxmlformats.org/drawingml/2006/main" xmlns:r="http://schemas.openxmlformats.org/officeDocument/2006/relationships" xmlns:p="http://schemas.openxmlformats.org/presentationml/2006/main">
   <p:cSld>
     <p:spTree>
@@ -10781,7 +13081,7 @@
 </p:sld>
 </file>
 
-<file path=ppt/slides/slide16.xml><?xml version="1.0" encoding="utf-8"?>
+<file path=ppt/slides/slide17.xml><?xml version="1.0" encoding="utf-8"?>
 <p:sld xmlns:a="http://schemas.openxmlformats.org/drawingml/2006/main" xmlns:r="http://schemas.openxmlformats.org/officeDocument/2006/relationships" xmlns:p="http://schemas.openxmlformats.org/presentationml/2006/main">
   <p:cSld>
     <p:spTree>
@@ -10908,7 +13208,7 @@
 </p:sld>
 </file>
 
-<file path=ppt/slides/slide17.xml><?xml version="1.0" encoding="utf-8"?>
+<file path=ppt/slides/slide18.xml><?xml version="1.0" encoding="utf-8"?>
 <p:sld xmlns:a="http://schemas.openxmlformats.org/drawingml/2006/main" xmlns:r="http://schemas.openxmlformats.org/officeDocument/2006/relationships" xmlns:p="http://schemas.openxmlformats.org/presentationml/2006/main">
   <p:cSld>
     <p:spTree>
@@ -11368,7 +13668,7 @@
 </p:sld>
 </file>
 
-<file path=ppt/slides/slide18.xml><?xml version="1.0" encoding="utf-8"?>
+<file path=ppt/slides/slide19.xml><?xml version="1.0" encoding="utf-8"?>
 <p:sld xmlns:a="http://schemas.openxmlformats.org/drawingml/2006/main" xmlns:r="http://schemas.openxmlformats.org/officeDocument/2006/relationships" xmlns:p="http://schemas.openxmlformats.org/presentationml/2006/main">
   <p:cSld>
     <p:spTree>
@@ -11746,388 +14046,6 @@
 </p:sld>
 </file>
 
-<file path=ppt/slides/slide19.xml><?xml version="1.0" encoding="utf-8"?>
-<p:sld xmlns:a="http://schemas.openxmlformats.org/drawingml/2006/main" xmlns:r="http://schemas.openxmlformats.org/officeDocument/2006/relationships" xmlns:p="http://schemas.openxmlformats.org/presentationml/2006/main">
-  <p:cSld>
-    <p:spTree>
-      <p:nvGrpSpPr>
-        <p:cNvPr id="1" name=""/>
-        <p:cNvGrpSpPr/>
-        <p:nvPr/>
-      </p:nvGrpSpPr>
-      <p:grpSpPr>
-        <a:xfrm>
-          <a:off x="0" y="0"/>
-          <a:ext cx="0" cy="0"/>
-          <a:chOff x="0" y="0"/>
-          <a:chExt cx="0" cy="0"/>
-        </a:xfrm>
-      </p:grpSpPr>
-      <p:sp>
-        <p:nvSpPr>
-          <p:cNvPr id="4" name="Title 3"/>
-          <p:cNvSpPr>
-            <a:spLocks noGrp="1"/>
-          </p:cNvSpPr>
-          <p:nvPr>
-            <p:ph type="title"/>
-          </p:nvPr>
-        </p:nvSpPr>
-        <p:spPr/>
-        <p:txBody>
-          <a:bodyPr/>
-          <a:lstStyle/>
-          <a:p>
-            <a:r>
-              <a:rPr kumimoji="1" lang="ja-JP" altLang="en-US" dirty="0"/>
-              <a:t> </a:t>
-            </a:r>
-            <a:r>
-              <a:rPr kumimoji="1" lang="en-US" altLang="ja-JP" dirty="0" smtClean="0"/>
-              <a:t>Stationary </a:t>
-            </a:r>
-            <a:r>
-              <a:rPr kumimoji="1" lang="en-US" altLang="ja-JP" dirty="0"/>
-              <a:t>Pestle</a:t>
-            </a:r>
-            <a:endParaRPr lang="ko-KR" altLang="en-US" dirty="0"/>
-          </a:p>
-        </p:txBody>
-      </p:sp>
-      <p:sp>
-        <p:nvSpPr>
-          <p:cNvPr id="2" name="正方形/長方形 1"/>
-          <p:cNvSpPr/>
-          <p:nvPr/>
-        </p:nvSpPr>
-        <p:spPr>
-          <a:xfrm>
-            <a:off x="0" y="1086292"/>
-            <a:ext cx="9144000" cy="36000"/>
-          </a:xfrm>
-          <a:prstGeom prst="rect">
-            <a:avLst/>
-          </a:prstGeom>
-          <a:solidFill>
-            <a:srgbClr val="99DABA"/>
-          </a:solidFill>
-          <a:ln>
-            <a:noFill/>
-          </a:ln>
-        </p:spPr>
-        <p:style>
-          <a:lnRef idx="2">
-            <a:schemeClr val="accent1">
-              <a:shade val="50000"/>
-            </a:schemeClr>
-          </a:lnRef>
-          <a:fillRef idx="1">
-            <a:schemeClr val="accent1"/>
-          </a:fillRef>
-          <a:effectRef idx="0">
-            <a:schemeClr val="accent1"/>
-          </a:effectRef>
-          <a:fontRef idx="minor">
-            <a:schemeClr val="lt1"/>
-          </a:fontRef>
-        </p:style>
-        <p:txBody>
-          <a:bodyPr rtlCol="0" anchor="ctr"/>
-          <a:lstStyle/>
-          <a:p>
-            <a:pPr algn="ctr"/>
-            <a:endParaRPr kumimoji="1" lang="ja-JP" altLang="en-US"/>
-          </a:p>
-        </p:txBody>
-      </p:sp>
-      <p:sp>
-        <p:nvSpPr>
-          <p:cNvPr id="8" name="テキスト ボックス 7">
-            <a:extLst>
-              <a:ext uri="{FF2B5EF4-FFF2-40B4-BE49-F238E27FC236}">
-                <a16:creationId xmlns="" xmlns:a16="http://schemas.microsoft.com/office/drawing/2014/main" id="{093C528F-2820-7842-B097-0CEA13538469}"/>
-              </a:ext>
-            </a:extLst>
-          </p:cNvPr>
-          <p:cNvSpPr txBox="1"/>
-          <p:nvPr/>
-        </p:nvSpPr>
-        <p:spPr>
-          <a:xfrm>
-            <a:off x="251520" y="1340768"/>
-            <a:ext cx="4752528" cy="369332"/>
-          </a:xfrm>
-          <a:prstGeom prst="rect">
-            <a:avLst/>
-          </a:prstGeom>
-          <a:noFill/>
-        </p:spPr>
-        <p:txBody>
-          <a:bodyPr wrap="square" rtlCol="0">
-            <a:spAutoFit/>
-          </a:bodyPr>
-          <a:lstStyle/>
-          <a:p>
-            <a:r>
-              <a:rPr kumimoji="1" lang="en-US" altLang="ja-JP" dirty="0" smtClean="0"/>
-              <a:t>Epsilon</a:t>
-            </a:r>
-          </a:p>
-        </p:txBody>
-      </p:sp>
-      <p:pic>
-        <p:nvPicPr>
-          <p:cNvPr id="9" name="stationary_comapre_withCFD2,3_epsilon">
-            <a:hlinkClick r:id="" action="ppaction://media"/>
-          </p:cNvPr>
-          <p:cNvPicPr>
-            <a:picLocks noChangeAspect="1"/>
-          </p:cNvPicPr>
-          <p:nvPr>
-            <a:videoFile r:link="rId2"/>
-            <p:extLst>
-              <p:ext uri="{DAA4B4D4-6D71-4841-9C94-3DE7FCFB9230}">
-                <p14:media xmlns:p14="http://schemas.microsoft.com/office/powerpoint/2010/main" r:embed="rId1"/>
-              </p:ext>
-            </p:extLst>
-          </p:nvPr>
-        </p:nvPicPr>
-        <p:blipFill>
-          <a:blip r:embed="rId4"/>
-          <a:stretch>
-            <a:fillRect/>
-          </a:stretch>
-        </p:blipFill>
-        <p:spPr>
-          <a:xfrm>
-            <a:off x="1148797" y="1928576"/>
-            <a:ext cx="7056784" cy="3906959"/>
-          </a:xfrm>
-          <a:prstGeom prst="rect">
-            <a:avLst/>
-          </a:prstGeom>
-        </p:spPr>
-      </p:pic>
-      <p:sp>
-        <p:nvSpPr>
-          <p:cNvPr id="16" name="テキスト ボックス 15"/>
-          <p:cNvSpPr txBox="1"/>
-          <p:nvPr/>
-        </p:nvSpPr>
-        <p:spPr>
-          <a:xfrm>
-            <a:off x="971600" y="5952148"/>
-            <a:ext cx="2802666" cy="646331"/>
-          </a:xfrm>
-          <a:prstGeom prst="rect">
-            <a:avLst/>
-          </a:prstGeom>
-          <a:noFill/>
-        </p:spPr>
-        <p:txBody>
-          <a:bodyPr wrap="square" rtlCol="0">
-            <a:spAutoFit/>
-          </a:bodyPr>
-          <a:lstStyle/>
-          <a:p>
-            <a:pPr algn="ctr"/>
-            <a:r>
-              <a:rPr kumimoji="1" lang="en-US" altLang="ja-JP" dirty="0" smtClean="0"/>
-              <a:t>case1</a:t>
-            </a:r>
-          </a:p>
-          <a:p>
-            <a:pPr algn="ctr"/>
-            <a:r>
-              <a:rPr kumimoji="1" lang="en-US" altLang="ja-JP" dirty="0"/>
-              <a:t>S</a:t>
-            </a:r>
-            <a:r>
-              <a:rPr kumimoji="1" lang="en-US" altLang="ja-JP" dirty="0" smtClean="0"/>
-              <a:t>tationary</a:t>
-            </a:r>
-            <a:endParaRPr kumimoji="1" lang="en-US" altLang="ja-JP" dirty="0"/>
-          </a:p>
-        </p:txBody>
-      </p:sp>
-      <p:sp>
-        <p:nvSpPr>
-          <p:cNvPr id="17" name="テキスト ボックス 16"/>
-          <p:cNvSpPr txBox="1"/>
-          <p:nvPr/>
-        </p:nvSpPr>
-        <p:spPr>
-          <a:xfrm>
-            <a:off x="3275856" y="5952148"/>
-            <a:ext cx="2802666" cy="646331"/>
-          </a:xfrm>
-          <a:prstGeom prst="rect">
-            <a:avLst/>
-          </a:prstGeom>
-          <a:noFill/>
-        </p:spPr>
-        <p:txBody>
-          <a:bodyPr wrap="square" rtlCol="0">
-            <a:spAutoFit/>
-          </a:bodyPr>
-          <a:lstStyle/>
-          <a:p>
-            <a:pPr algn="ctr"/>
-            <a:r>
-              <a:rPr kumimoji="1" lang="en-US" altLang="ja-JP" dirty="0" smtClean="0"/>
-              <a:t>case2</a:t>
-            </a:r>
-            <a:endParaRPr kumimoji="1" lang="en-US" altLang="ja-JP" dirty="0" smtClean="0"/>
-          </a:p>
-          <a:p>
-            <a:pPr algn="ctr"/>
-            <a:r>
-              <a:rPr kumimoji="1" lang="en-US" altLang="ja-JP" dirty="0" smtClean="0"/>
-              <a:t>Move - 200 </a:t>
-            </a:r>
-            <a:r>
-              <a:rPr kumimoji="1" lang="en-US" altLang="ja-JP" dirty="0"/>
-              <a:t>[mm/s]</a:t>
-            </a:r>
-            <a:endParaRPr kumimoji="1" lang="ja-JP" altLang="en-US" dirty="0"/>
-          </a:p>
-        </p:txBody>
-      </p:sp>
-      <p:sp>
-        <p:nvSpPr>
-          <p:cNvPr id="18" name="テキスト ボックス 17"/>
-          <p:cNvSpPr txBox="1"/>
-          <p:nvPr/>
-        </p:nvSpPr>
-        <p:spPr>
-          <a:xfrm>
-            <a:off x="5508104" y="5952148"/>
-            <a:ext cx="2802666" cy="646331"/>
-          </a:xfrm>
-          <a:prstGeom prst="rect">
-            <a:avLst/>
-          </a:prstGeom>
-          <a:noFill/>
-        </p:spPr>
-        <p:txBody>
-          <a:bodyPr wrap="square" rtlCol="0">
-            <a:spAutoFit/>
-          </a:bodyPr>
-          <a:lstStyle/>
-          <a:p>
-            <a:pPr algn="ctr"/>
-            <a:r>
-              <a:rPr kumimoji="1" lang="en-US" altLang="ja-JP" dirty="0" smtClean="0"/>
-              <a:t>case3</a:t>
-            </a:r>
-          </a:p>
-          <a:p>
-            <a:pPr algn="ctr"/>
-            <a:r>
-              <a:rPr kumimoji="1" lang="en-US" altLang="ja-JP" dirty="0" smtClean="0"/>
-              <a:t>Move - 300 </a:t>
-            </a:r>
-            <a:r>
-              <a:rPr kumimoji="1" lang="en-US" altLang="ja-JP" dirty="0"/>
-              <a:t>[mm/s]</a:t>
-            </a:r>
-            <a:endParaRPr kumimoji="1" lang="ja-JP" altLang="en-US" dirty="0"/>
-          </a:p>
-        </p:txBody>
-      </p:sp>
-    </p:spTree>
-    <p:extLst>
-      <p:ext uri="{BB962C8B-B14F-4D97-AF65-F5344CB8AC3E}">
-        <p14:creationId xmlns:p14="http://schemas.microsoft.com/office/powerpoint/2010/main" val="2868436516"/>
-      </p:ext>
-    </p:extLst>
-  </p:cSld>
-  <p:clrMapOvr>
-    <a:masterClrMapping/>
-  </p:clrMapOvr>
-  <p:timing>
-    <p:tnLst>
-      <p:par>
-        <p:cTn id="1" dur="indefinite" restart="never" nodeType="tmRoot">
-          <p:childTnLst>
-            <p:seq concurrent="1" nextAc="seek">
-              <p:cTn id="2" restart="whenNotActive" fill="hold" evtFilter="cancelBubble" nodeType="interactiveSeq">
-                <p:stCondLst>
-                  <p:cond evt="onClick" delay="0">
-                    <p:tgtEl>
-                      <p:spTgt spid="9"/>
-                    </p:tgtEl>
-                  </p:cond>
-                </p:stCondLst>
-                <p:endSync evt="end" delay="0">
-                  <p:rtn val="all"/>
-                </p:endSync>
-                <p:childTnLst>
-                  <p:par>
-                    <p:cTn id="3" fill="hold">
-                      <p:stCondLst>
-                        <p:cond delay="0"/>
-                      </p:stCondLst>
-                      <p:childTnLst>
-                        <p:par>
-                          <p:cTn id="4" fill="hold">
-                            <p:stCondLst>
-                              <p:cond delay="0"/>
-                            </p:stCondLst>
-                            <p:childTnLst>
-                              <p:par>
-                                <p:cTn id="5" presetID="2" presetClass="mediacall" presetSubtype="0" fill="hold" nodeType="clickEffect">
-                                  <p:stCondLst>
-                                    <p:cond delay="0"/>
-                                  </p:stCondLst>
-                                  <p:childTnLst>
-                                    <p:cmd type="call" cmd="togglePause">
-                                      <p:cBhvr>
-                                        <p:cTn id="6" dur="1" fill="hold"/>
-                                        <p:tgtEl>
-                                          <p:spTgt spid="9"/>
-                                        </p:tgtEl>
-                                      </p:cBhvr>
-                                    </p:cmd>
-                                  </p:childTnLst>
-                                </p:cTn>
-                              </p:par>
-                            </p:childTnLst>
-                          </p:cTn>
-                        </p:par>
-                      </p:childTnLst>
-                    </p:cTn>
-                  </p:par>
-                </p:childTnLst>
-              </p:cTn>
-              <p:nextCondLst>
-                <p:cond evt="onClick" delay="0">
-                  <p:tgtEl>
-                    <p:spTgt spid="9"/>
-                  </p:tgtEl>
-                </p:cond>
-              </p:nextCondLst>
-            </p:seq>
-            <p:video>
-              <p:cMediaNode vol="80000">
-                <p:cTn id="7" fill="hold" display="0">
-                  <p:stCondLst>
-                    <p:cond delay="indefinite"/>
-                  </p:stCondLst>
-                </p:cTn>
-                <p:tgtEl>
-                  <p:spTgt spid="9"/>
-                </p:tgtEl>
-              </p:cMediaNode>
-            </p:video>
-          </p:childTnLst>
-        </p:cTn>
-      </p:par>
-    </p:tnLst>
-  </p:timing>
-</p:sld>
-</file>
-
 <file path=ppt/slides/slide2.xml><?xml version="1.0" encoding="utf-8"?>
 <p:sld xmlns:a="http://schemas.openxmlformats.org/drawingml/2006/main" xmlns:r="http://schemas.openxmlformats.org/officeDocument/2006/relationships" xmlns:p="http://schemas.openxmlformats.org/presentationml/2006/main">
   <p:cSld>
@@ -12259,6 +14177,562 @@
 </file>
 
 <file path=ppt/slides/slide20.xml><?xml version="1.0" encoding="utf-8"?>
+<p:sld xmlns:a="http://schemas.openxmlformats.org/drawingml/2006/main" xmlns:r="http://schemas.openxmlformats.org/officeDocument/2006/relationships" xmlns:p="http://schemas.openxmlformats.org/presentationml/2006/main">
+  <p:cSld>
+    <p:spTree>
+      <p:nvGrpSpPr>
+        <p:cNvPr id="1" name=""/>
+        <p:cNvGrpSpPr/>
+        <p:nvPr/>
+      </p:nvGrpSpPr>
+      <p:grpSpPr>
+        <a:xfrm>
+          <a:off x="0" y="0"/>
+          <a:ext cx="0" cy="0"/>
+          <a:chOff x="0" y="0"/>
+          <a:chExt cx="0" cy="0"/>
+        </a:xfrm>
+      </p:grpSpPr>
+      <p:sp>
+        <p:nvSpPr>
+          <p:cNvPr id="4" name="Title 3"/>
+          <p:cNvSpPr>
+            <a:spLocks noGrp="1"/>
+          </p:cNvSpPr>
+          <p:nvPr>
+            <p:ph type="title"/>
+          </p:nvPr>
+        </p:nvSpPr>
+        <p:spPr/>
+        <p:txBody>
+          <a:bodyPr/>
+          <a:lstStyle/>
+          <a:p>
+            <a:r>
+              <a:rPr kumimoji="1" lang="ja-JP" altLang="en-US" dirty="0"/>
+              <a:t> </a:t>
+            </a:r>
+            <a:r>
+              <a:rPr kumimoji="1" lang="en-US" altLang="ja-JP" dirty="0" smtClean="0"/>
+              <a:t>Stationary </a:t>
+            </a:r>
+            <a:r>
+              <a:rPr kumimoji="1" lang="en-US" altLang="ja-JP" dirty="0"/>
+              <a:t>Pestle</a:t>
+            </a:r>
+            <a:endParaRPr lang="ko-KR" altLang="en-US" dirty="0"/>
+          </a:p>
+        </p:txBody>
+      </p:sp>
+      <p:sp>
+        <p:nvSpPr>
+          <p:cNvPr id="2" name="正方形/長方形 1"/>
+          <p:cNvSpPr/>
+          <p:nvPr/>
+        </p:nvSpPr>
+        <p:spPr>
+          <a:xfrm>
+            <a:off x="0" y="1086292"/>
+            <a:ext cx="9144000" cy="36000"/>
+          </a:xfrm>
+          <a:prstGeom prst="rect">
+            <a:avLst/>
+          </a:prstGeom>
+          <a:solidFill>
+            <a:srgbClr val="99DABA"/>
+          </a:solidFill>
+          <a:ln>
+            <a:noFill/>
+          </a:ln>
+        </p:spPr>
+        <p:style>
+          <a:lnRef idx="2">
+            <a:schemeClr val="accent1">
+              <a:shade val="50000"/>
+            </a:schemeClr>
+          </a:lnRef>
+          <a:fillRef idx="1">
+            <a:schemeClr val="accent1"/>
+          </a:fillRef>
+          <a:effectRef idx="0">
+            <a:schemeClr val="accent1"/>
+          </a:effectRef>
+          <a:fontRef idx="minor">
+            <a:schemeClr val="lt1"/>
+          </a:fontRef>
+        </p:style>
+        <p:txBody>
+          <a:bodyPr rtlCol="0" anchor="ctr"/>
+          <a:lstStyle/>
+          <a:p>
+            <a:pPr algn="ctr"/>
+            <a:endParaRPr kumimoji="1" lang="ja-JP" altLang="en-US"/>
+          </a:p>
+        </p:txBody>
+      </p:sp>
+      <p:sp>
+        <p:nvSpPr>
+          <p:cNvPr id="8" name="テキスト ボックス 7">
+            <a:extLst>
+              <a:ext uri="{FF2B5EF4-FFF2-40B4-BE49-F238E27FC236}">
+                <a16:creationId xmlns="" xmlns:a16="http://schemas.microsoft.com/office/drawing/2014/main" id="{093C528F-2820-7842-B097-0CEA13538469}"/>
+              </a:ext>
+            </a:extLst>
+          </p:cNvPr>
+          <p:cNvSpPr txBox="1"/>
+          <p:nvPr/>
+        </p:nvSpPr>
+        <p:spPr>
+          <a:xfrm>
+            <a:off x="251520" y="1340768"/>
+            <a:ext cx="4752528" cy="369332"/>
+          </a:xfrm>
+          <a:prstGeom prst="rect">
+            <a:avLst/>
+          </a:prstGeom>
+          <a:noFill/>
+        </p:spPr>
+        <p:txBody>
+          <a:bodyPr wrap="square" rtlCol="0">
+            <a:spAutoFit/>
+          </a:bodyPr>
+          <a:lstStyle/>
+          <a:p>
+            <a:r>
+              <a:rPr kumimoji="1" lang="en-US" altLang="ja-JP" dirty="0" smtClean="0"/>
+              <a:t>Epsilon</a:t>
+            </a:r>
+          </a:p>
+        </p:txBody>
+      </p:sp>
+      <p:pic>
+        <p:nvPicPr>
+          <p:cNvPr id="9" name="stationary_comapre_withCFD2,3_epsilon">
+            <a:hlinkClick r:id="" action="ppaction://media"/>
+          </p:cNvPr>
+          <p:cNvPicPr>
+            <a:picLocks noChangeAspect="1"/>
+          </p:cNvPicPr>
+          <p:nvPr>
+            <a:videoFile r:link="rId2"/>
+            <p:extLst>
+              <p:ext uri="{DAA4B4D4-6D71-4841-9C94-3DE7FCFB9230}">
+                <p14:media xmlns:p14="http://schemas.microsoft.com/office/powerpoint/2010/main" r:embed="rId1"/>
+              </p:ext>
+            </p:extLst>
+          </p:nvPr>
+        </p:nvPicPr>
+        <p:blipFill>
+          <a:blip r:embed="rId4"/>
+          <a:stretch>
+            <a:fillRect/>
+          </a:stretch>
+        </p:blipFill>
+        <p:spPr>
+          <a:xfrm>
+            <a:off x="1148797" y="1928576"/>
+            <a:ext cx="7056784" cy="3906959"/>
+          </a:xfrm>
+          <a:prstGeom prst="rect">
+            <a:avLst/>
+          </a:prstGeom>
+        </p:spPr>
+      </p:pic>
+      <p:sp>
+        <p:nvSpPr>
+          <p:cNvPr id="16" name="テキスト ボックス 15"/>
+          <p:cNvSpPr txBox="1"/>
+          <p:nvPr/>
+        </p:nvSpPr>
+        <p:spPr>
+          <a:xfrm>
+            <a:off x="971600" y="5952148"/>
+            <a:ext cx="2802666" cy="646331"/>
+          </a:xfrm>
+          <a:prstGeom prst="rect">
+            <a:avLst/>
+          </a:prstGeom>
+          <a:noFill/>
+        </p:spPr>
+        <p:txBody>
+          <a:bodyPr wrap="square" rtlCol="0">
+            <a:spAutoFit/>
+          </a:bodyPr>
+          <a:lstStyle/>
+          <a:p>
+            <a:pPr algn="ctr"/>
+            <a:r>
+              <a:rPr kumimoji="1" lang="en-US" altLang="ja-JP" dirty="0" smtClean="0"/>
+              <a:t>case1</a:t>
+            </a:r>
+          </a:p>
+          <a:p>
+            <a:pPr algn="ctr"/>
+            <a:r>
+              <a:rPr kumimoji="1" lang="en-US" altLang="ja-JP" dirty="0"/>
+              <a:t>S</a:t>
+            </a:r>
+            <a:r>
+              <a:rPr kumimoji="1" lang="en-US" altLang="ja-JP" dirty="0" smtClean="0"/>
+              <a:t>tationary</a:t>
+            </a:r>
+            <a:endParaRPr kumimoji="1" lang="en-US" altLang="ja-JP" dirty="0"/>
+          </a:p>
+        </p:txBody>
+      </p:sp>
+      <p:sp>
+        <p:nvSpPr>
+          <p:cNvPr id="17" name="テキスト ボックス 16"/>
+          <p:cNvSpPr txBox="1"/>
+          <p:nvPr/>
+        </p:nvSpPr>
+        <p:spPr>
+          <a:xfrm>
+            <a:off x="3275856" y="5952148"/>
+            <a:ext cx="2802666" cy="646331"/>
+          </a:xfrm>
+          <a:prstGeom prst="rect">
+            <a:avLst/>
+          </a:prstGeom>
+          <a:noFill/>
+        </p:spPr>
+        <p:txBody>
+          <a:bodyPr wrap="square" rtlCol="0">
+            <a:spAutoFit/>
+          </a:bodyPr>
+          <a:lstStyle/>
+          <a:p>
+            <a:pPr algn="ctr"/>
+            <a:r>
+              <a:rPr kumimoji="1" lang="en-US" altLang="ja-JP" dirty="0" smtClean="0"/>
+              <a:t>case2</a:t>
+            </a:r>
+            <a:endParaRPr kumimoji="1" lang="en-US" altLang="ja-JP" dirty="0" smtClean="0"/>
+          </a:p>
+          <a:p>
+            <a:pPr algn="ctr"/>
+            <a:r>
+              <a:rPr kumimoji="1" lang="en-US" altLang="ja-JP" dirty="0" smtClean="0"/>
+              <a:t>Move - 200 </a:t>
+            </a:r>
+            <a:r>
+              <a:rPr kumimoji="1" lang="en-US" altLang="ja-JP" dirty="0"/>
+              <a:t>[mm/s]</a:t>
+            </a:r>
+            <a:endParaRPr kumimoji="1" lang="ja-JP" altLang="en-US" dirty="0"/>
+          </a:p>
+        </p:txBody>
+      </p:sp>
+      <p:sp>
+        <p:nvSpPr>
+          <p:cNvPr id="18" name="テキスト ボックス 17"/>
+          <p:cNvSpPr txBox="1"/>
+          <p:nvPr/>
+        </p:nvSpPr>
+        <p:spPr>
+          <a:xfrm>
+            <a:off x="5508104" y="5952148"/>
+            <a:ext cx="2802666" cy="646331"/>
+          </a:xfrm>
+          <a:prstGeom prst="rect">
+            <a:avLst/>
+          </a:prstGeom>
+          <a:noFill/>
+        </p:spPr>
+        <p:txBody>
+          <a:bodyPr wrap="square" rtlCol="0">
+            <a:spAutoFit/>
+          </a:bodyPr>
+          <a:lstStyle/>
+          <a:p>
+            <a:pPr algn="ctr"/>
+            <a:r>
+              <a:rPr kumimoji="1" lang="en-US" altLang="ja-JP" dirty="0" smtClean="0"/>
+              <a:t>case3</a:t>
+            </a:r>
+          </a:p>
+          <a:p>
+            <a:pPr algn="ctr"/>
+            <a:r>
+              <a:rPr kumimoji="1" lang="en-US" altLang="ja-JP" dirty="0" smtClean="0"/>
+              <a:t>Move - 300 </a:t>
+            </a:r>
+            <a:r>
+              <a:rPr kumimoji="1" lang="en-US" altLang="ja-JP" dirty="0"/>
+              <a:t>[mm/s]</a:t>
+            </a:r>
+            <a:endParaRPr kumimoji="1" lang="ja-JP" altLang="en-US" dirty="0"/>
+          </a:p>
+        </p:txBody>
+      </p:sp>
+    </p:spTree>
+    <p:extLst>
+      <p:ext uri="{BB962C8B-B14F-4D97-AF65-F5344CB8AC3E}">
+        <p14:creationId xmlns:p14="http://schemas.microsoft.com/office/powerpoint/2010/main" val="2868436516"/>
+      </p:ext>
+    </p:extLst>
+  </p:cSld>
+  <p:clrMapOvr>
+    <a:masterClrMapping/>
+  </p:clrMapOvr>
+  <p:timing>
+    <p:tnLst>
+      <p:par>
+        <p:cTn id="1" dur="indefinite" restart="never" nodeType="tmRoot">
+          <p:childTnLst>
+            <p:seq concurrent="1" nextAc="seek">
+              <p:cTn id="2" restart="whenNotActive" fill="hold" evtFilter="cancelBubble" nodeType="interactiveSeq">
+                <p:stCondLst>
+                  <p:cond evt="onClick" delay="0">
+                    <p:tgtEl>
+                      <p:spTgt spid="9"/>
+                    </p:tgtEl>
+                  </p:cond>
+                </p:stCondLst>
+                <p:endSync evt="end" delay="0">
+                  <p:rtn val="all"/>
+                </p:endSync>
+                <p:childTnLst>
+                  <p:par>
+                    <p:cTn id="3" fill="hold">
+                      <p:stCondLst>
+                        <p:cond delay="0"/>
+                      </p:stCondLst>
+                      <p:childTnLst>
+                        <p:par>
+                          <p:cTn id="4" fill="hold">
+                            <p:stCondLst>
+                              <p:cond delay="0"/>
+                            </p:stCondLst>
+                            <p:childTnLst>
+                              <p:par>
+                                <p:cTn id="5" presetID="2" presetClass="mediacall" presetSubtype="0" fill="hold" nodeType="clickEffect">
+                                  <p:stCondLst>
+                                    <p:cond delay="0"/>
+                                  </p:stCondLst>
+                                  <p:childTnLst>
+                                    <p:cmd type="call" cmd="togglePause">
+                                      <p:cBhvr>
+                                        <p:cTn id="6" dur="1" fill="hold"/>
+                                        <p:tgtEl>
+                                          <p:spTgt spid="9"/>
+                                        </p:tgtEl>
+                                      </p:cBhvr>
+                                    </p:cmd>
+                                  </p:childTnLst>
+                                </p:cTn>
+                              </p:par>
+                            </p:childTnLst>
+                          </p:cTn>
+                        </p:par>
+                      </p:childTnLst>
+                    </p:cTn>
+                  </p:par>
+                </p:childTnLst>
+              </p:cTn>
+              <p:nextCondLst>
+                <p:cond evt="onClick" delay="0">
+                  <p:tgtEl>
+                    <p:spTgt spid="9"/>
+                  </p:tgtEl>
+                </p:cond>
+              </p:nextCondLst>
+            </p:seq>
+            <p:video>
+              <p:cMediaNode vol="80000">
+                <p:cTn id="7" fill="hold" display="0">
+                  <p:stCondLst>
+                    <p:cond delay="indefinite"/>
+                  </p:stCondLst>
+                </p:cTn>
+                <p:tgtEl>
+                  <p:spTgt spid="9"/>
+                </p:tgtEl>
+              </p:cMediaNode>
+            </p:video>
+          </p:childTnLst>
+        </p:cTn>
+      </p:par>
+    </p:tnLst>
+  </p:timing>
+</p:sld>
+</file>
+
+<file path=ppt/slides/slide21.xml><?xml version="1.0" encoding="utf-8"?>
+<p:sld xmlns:a="http://schemas.openxmlformats.org/drawingml/2006/main" xmlns:r="http://schemas.openxmlformats.org/officeDocument/2006/relationships" xmlns:p="http://schemas.openxmlformats.org/presentationml/2006/main">
+  <p:cSld>
+    <p:spTree>
+      <p:nvGrpSpPr>
+        <p:cNvPr id="1" name=""/>
+        <p:cNvGrpSpPr/>
+        <p:nvPr/>
+      </p:nvGrpSpPr>
+      <p:grpSpPr>
+        <a:xfrm>
+          <a:off x="0" y="0"/>
+          <a:ext cx="0" cy="0"/>
+          <a:chOff x="0" y="0"/>
+          <a:chExt cx="0" cy="0"/>
+        </a:xfrm>
+      </p:grpSpPr>
+      <p:sp>
+        <p:nvSpPr>
+          <p:cNvPr id="4" name="Title 3"/>
+          <p:cNvSpPr>
+            <a:spLocks noGrp="1"/>
+          </p:cNvSpPr>
+          <p:nvPr>
+            <p:ph type="title"/>
+          </p:nvPr>
+        </p:nvSpPr>
+        <p:spPr/>
+        <p:txBody>
+          <a:bodyPr/>
+          <a:lstStyle/>
+          <a:p>
+            <a:r>
+              <a:rPr kumimoji="1" lang="ja-JP" altLang="en-US" dirty="0"/>
+              <a:t> </a:t>
+            </a:r>
+            <a:r>
+              <a:rPr kumimoji="1" lang="en-US" altLang="ja-JP" dirty="0" smtClean="0"/>
+              <a:t>Stationary </a:t>
+            </a:r>
+            <a:r>
+              <a:rPr kumimoji="1" lang="en-US" altLang="ja-JP" dirty="0"/>
+              <a:t>Pestle</a:t>
+            </a:r>
+            <a:endParaRPr lang="ko-KR" altLang="en-US" dirty="0"/>
+          </a:p>
+        </p:txBody>
+      </p:sp>
+      <p:sp>
+        <p:nvSpPr>
+          <p:cNvPr id="2" name="正方形/長方形 1"/>
+          <p:cNvSpPr/>
+          <p:nvPr/>
+        </p:nvSpPr>
+        <p:spPr>
+          <a:xfrm>
+            <a:off x="0" y="1086292"/>
+            <a:ext cx="9144000" cy="36000"/>
+          </a:xfrm>
+          <a:prstGeom prst="rect">
+            <a:avLst/>
+          </a:prstGeom>
+          <a:solidFill>
+            <a:srgbClr val="99DABA"/>
+          </a:solidFill>
+          <a:ln>
+            <a:noFill/>
+          </a:ln>
+        </p:spPr>
+        <p:style>
+          <a:lnRef idx="2">
+            <a:schemeClr val="accent1">
+              <a:shade val="50000"/>
+            </a:schemeClr>
+          </a:lnRef>
+          <a:fillRef idx="1">
+            <a:schemeClr val="accent1"/>
+          </a:fillRef>
+          <a:effectRef idx="0">
+            <a:schemeClr val="accent1"/>
+          </a:effectRef>
+          <a:fontRef idx="minor">
+            <a:schemeClr val="lt1"/>
+          </a:fontRef>
+        </p:style>
+        <p:txBody>
+          <a:bodyPr rtlCol="0" anchor="ctr"/>
+          <a:lstStyle/>
+          <a:p>
+            <a:pPr algn="ctr"/>
+            <a:endParaRPr kumimoji="1" lang="ja-JP" altLang="en-US"/>
+          </a:p>
+        </p:txBody>
+      </p:sp>
+      <p:sp>
+        <p:nvSpPr>
+          <p:cNvPr id="8" name="テキスト ボックス 7">
+            <a:extLst>
+              <a:ext uri="{FF2B5EF4-FFF2-40B4-BE49-F238E27FC236}">
+                <a16:creationId xmlns="" xmlns:a16="http://schemas.microsoft.com/office/drawing/2014/main" id="{093C528F-2820-7842-B097-0CEA13538469}"/>
+              </a:ext>
+            </a:extLst>
+          </p:cNvPr>
+          <p:cNvSpPr txBox="1"/>
+          <p:nvPr/>
+        </p:nvSpPr>
+        <p:spPr>
+          <a:xfrm>
+            <a:off x="251520" y="1340768"/>
+            <a:ext cx="4752528" cy="369332"/>
+          </a:xfrm>
+          <a:prstGeom prst="rect">
+            <a:avLst/>
+          </a:prstGeom>
+          <a:noFill/>
+        </p:spPr>
+        <p:txBody>
+          <a:bodyPr wrap="square" rtlCol="0">
+            <a:spAutoFit/>
+          </a:bodyPr>
+          <a:lstStyle/>
+          <a:p>
+            <a:r>
+              <a:rPr kumimoji="1" lang="en-US" altLang="ja-JP" dirty="0" smtClean="0"/>
+              <a:t>Layer</a:t>
+            </a:r>
+            <a:endParaRPr kumimoji="1" lang="en-US" altLang="ja-JP" dirty="0" smtClean="0"/>
+          </a:p>
+        </p:txBody>
+      </p:sp>
+      <p:graphicFrame>
+        <p:nvGraphicFramePr>
+          <p:cNvPr id="11" name="グラフ 10"/>
+          <p:cNvGraphicFramePr>
+            <a:graphicFrameLocks/>
+          </p:cNvGraphicFramePr>
+          <p:nvPr>
+            <p:extLst>
+              <p:ext uri="{D42A27DB-BD31-4B8C-83A1-F6EECF244321}">
+                <p14:modId xmlns:p14="http://schemas.microsoft.com/office/powerpoint/2010/main" val="3834011124"/>
+              </p:ext>
+            </p:extLst>
+          </p:nvPr>
+        </p:nvGraphicFramePr>
+        <p:xfrm>
+          <a:off x="1259632" y="1844824"/>
+          <a:ext cx="6624736" cy="4104456"/>
+        </p:xfrm>
+        <a:graphic>
+          <a:graphicData uri="http://schemas.openxmlformats.org/drawingml/2006/chart">
+            <c:chart xmlns:c="http://schemas.openxmlformats.org/drawingml/2006/chart" xmlns:r="http://schemas.openxmlformats.org/officeDocument/2006/relationships" r:id="rId2"/>
+          </a:graphicData>
+        </a:graphic>
+      </p:graphicFrame>
+    </p:spTree>
+    <p:extLst>
+      <p:ext uri="{BB962C8B-B14F-4D97-AF65-F5344CB8AC3E}">
+        <p14:creationId xmlns:p14="http://schemas.microsoft.com/office/powerpoint/2010/main" val="2782256335"/>
+      </p:ext>
+    </p:extLst>
+  </p:cSld>
+  <p:clrMapOvr>
+    <a:masterClrMapping/>
+  </p:clrMapOvr>
+  <p:timing>
+    <p:tnLst>
+      <p:par>
+        <p:cTn id="1" dur="indefinite" restart="never" nodeType="tmRoot"/>
+      </p:par>
+    </p:tnLst>
+  </p:timing>
+</p:sld>
+</file>
+
+<file path=ppt/slides/slide22.xml><?xml version="1.0" encoding="utf-8"?>
 <p:sld xmlns:a="http://schemas.openxmlformats.org/drawingml/2006/main" xmlns:r="http://schemas.openxmlformats.org/officeDocument/2006/relationships" xmlns:p="http://schemas.openxmlformats.org/presentationml/2006/main">
   <p:cSld>
     <p:spTree>
@@ -15108,7 +17582,7 @@
 </p:sld>
 </file>
 
-<file path=ppt/slides/slide21.xml><?xml version="1.0" encoding="utf-8"?>
+<file path=ppt/slides/slide23.xml><?xml version="1.0" encoding="utf-8"?>
 <p:sld xmlns:a="http://schemas.openxmlformats.org/drawingml/2006/main" xmlns:r="http://schemas.openxmlformats.org/officeDocument/2006/relationships" xmlns:p="http://schemas.openxmlformats.org/presentationml/2006/main">
   <p:cSld>
     <p:spTree>
@@ -17541,7 +20015,7 @@
 </p:sld>
 </file>
 
-<file path=ppt/slides/slide22.xml><?xml version="1.0" encoding="utf-8"?>
+<file path=ppt/slides/slide24.xml><?xml version="1.0" encoding="utf-8"?>
 <p:sld xmlns:a="http://schemas.openxmlformats.org/drawingml/2006/main" xmlns:r="http://schemas.openxmlformats.org/officeDocument/2006/relationships" xmlns:p="http://schemas.openxmlformats.org/presentationml/2006/main">
   <p:cSld>
     <p:spTree>
